--- a/分享/aiCode/ppt/AI编程.pptx
+++ b/分享/aiCode/ppt/AI编程.pptx
@@ -15,19 +15,21 @@
     <p:sldId id="260" r:id="rId8"/>
     <p:sldId id="261" r:id="rId9"/>
     <p:sldId id="262" r:id="rId10"/>
-    <p:sldId id="263" r:id="rId11"/>
-    <p:sldId id="264" r:id="rId12"/>
-    <p:sldId id="265" r:id="rId13"/>
+    <p:sldId id="272" r:id="rId11"/>
+    <p:sldId id="263" r:id="rId12"/>
+    <p:sldId id="264" r:id="rId13"/>
     <p:sldId id="266" r:id="rId14"/>
-    <p:sldId id="267" r:id="rId15"/>
-    <p:sldId id="268" r:id="rId16"/>
-    <p:sldId id="269" r:id="rId17"/>
+    <p:sldId id="273" r:id="rId15"/>
+    <p:sldId id="265" r:id="rId16"/>
+    <p:sldId id="268" r:id="rId17"/>
     <p:sldId id="270" r:id="rId18"/>
+    <p:sldId id="269" r:id="rId19"/>
+    <p:sldId id="271" r:id="rId20"/>
   </p:sldIdLst>
   <p:sldSz cx="12192000" cy="6858000"/>
   <p:notesSz cx="6858000" cy="9144000"/>
   <p:custDataLst>
-    <p:tags r:id="rId23"/>
+    <p:tags r:id="rId25"/>
   </p:custDataLst>
   <p:defaultTextStyle>
     <a:defPPr>
@@ -132,7 +134,7 @@
             <a:srgbClr val="A4A3A4"/>
           </p15:clr>
         </p15:guide>
-        <p15:guide id="2" pos="3840" userDrawn="1">
+        <p15:guide id="2" pos="3839" userDrawn="1">
           <p15:clr>
             <a:srgbClr val="A4A3A4"/>
           </p15:clr>
@@ -580,6 +582,84 @@
 </p:notes>
 </file>
 
+<file path=ppt/notesSlides/notesSlide10.xml><?xml version="1.0" encoding="utf-8"?>
+<p:notes xmlns:a="http://schemas.openxmlformats.org/drawingml/2006/main" xmlns:r="http://schemas.openxmlformats.org/officeDocument/2006/relationships" xmlns:p="http://schemas.openxmlformats.org/presentationml/2006/main">
+  <p:cSld>
+    <p:spTree>
+      <p:nvGrpSpPr>
+        <p:cNvPr id="1" name=""/>
+        <p:cNvGrpSpPr/>
+        <p:nvPr/>
+      </p:nvGrpSpPr>
+      <p:grpSpPr>
+        <a:xfrm>
+          <a:off x="0" y="0"/>
+          <a:ext cx="0" cy="0"/>
+          <a:chOff x="0" y="0"/>
+          <a:chExt cx="0" cy="0"/>
+        </a:xfrm>
+      </p:grpSpPr>
+      <p:sp>
+        <p:nvSpPr>
+          <p:cNvPr id="2" name="幻灯片图像占位符 1"/>
+          <p:cNvSpPr>
+            <a:spLocks noGrp="1" noRot="1" noChangeAspect="1"/>
+          </p:cNvSpPr>
+          <p:nvPr>
+            <p:ph type="sldImg"/>
+          </p:nvPr>
+        </p:nvSpPr>
+        <p:spPr/>
+      </p:sp>
+      <p:sp>
+        <p:nvSpPr>
+          <p:cNvPr id="3" name="备注占位符 2"/>
+          <p:cNvSpPr>
+            <a:spLocks noGrp="1"/>
+          </p:cNvSpPr>
+          <p:nvPr>
+            <p:ph type="body" idx="1"/>
+          </p:nvPr>
+        </p:nvSpPr>
+        <p:spPr/>
+        <p:txBody>
+          <a:bodyPr/>
+          <a:lstStyle/>
+          <a:p>
+            <a:endParaRPr lang="zh-CN" altLang="en-US" dirty="0"/>
+          </a:p>
+        </p:txBody>
+      </p:sp>
+      <p:sp>
+        <p:nvSpPr>
+          <p:cNvPr id="4" name="灯片编号占位符 3"/>
+          <p:cNvSpPr>
+            <a:spLocks noGrp="1"/>
+          </p:cNvSpPr>
+          <p:nvPr>
+            <p:ph type="sldNum" sz="quarter" idx="5"/>
+          </p:nvPr>
+        </p:nvSpPr>
+        <p:spPr/>
+        <p:txBody>
+          <a:bodyPr/>
+          <a:lstStyle/>
+          <a:p>
+            <a:fld id="{85D0DACE-38E0-42D2-9336-2B707D34BC6D}" type="slidenum">
+              <a:rPr lang="zh-CN" altLang="en-US" smtClean="0"/>
+            </a:fld>
+            <a:endParaRPr lang="zh-CN" altLang="en-US"/>
+          </a:p>
+        </p:txBody>
+      </p:sp>
+    </p:spTree>
+  </p:cSld>
+  <p:clrMapOvr>
+    <a:masterClrMapping/>
+  </p:clrMapOvr>
+</p:notes>
+</file>
+
 <file path=ppt/notesSlides/notesSlide2.xml><?xml version="1.0" encoding="utf-8"?>
 <p:notes xmlns:a="http://schemas.openxmlformats.org/drawingml/2006/main" xmlns:r="http://schemas.openxmlformats.org/officeDocument/2006/relationships" xmlns:p="http://schemas.openxmlformats.org/presentationml/2006/main">
   <p:cSld>
@@ -976,6 +1056,162 @@
 </file>
 
 <file path=ppt/notesSlides/notesSlide7.xml><?xml version="1.0" encoding="utf-8"?>
+<p:notes xmlns:a="http://schemas.openxmlformats.org/drawingml/2006/main" xmlns:r="http://schemas.openxmlformats.org/officeDocument/2006/relationships" xmlns:p="http://schemas.openxmlformats.org/presentationml/2006/main">
+  <p:cSld>
+    <p:spTree>
+      <p:nvGrpSpPr>
+        <p:cNvPr id="1" name=""/>
+        <p:cNvGrpSpPr/>
+        <p:nvPr/>
+      </p:nvGrpSpPr>
+      <p:grpSpPr>
+        <a:xfrm>
+          <a:off x="0" y="0"/>
+          <a:ext cx="0" cy="0"/>
+          <a:chOff x="0" y="0"/>
+          <a:chExt cx="0" cy="0"/>
+        </a:xfrm>
+      </p:grpSpPr>
+      <p:sp>
+        <p:nvSpPr>
+          <p:cNvPr id="2" name="幻灯片图像占位符 1"/>
+          <p:cNvSpPr>
+            <a:spLocks noGrp="1" noRot="1" noChangeAspect="1"/>
+          </p:cNvSpPr>
+          <p:nvPr>
+            <p:ph type="sldImg"/>
+          </p:nvPr>
+        </p:nvSpPr>
+        <p:spPr/>
+      </p:sp>
+      <p:sp>
+        <p:nvSpPr>
+          <p:cNvPr id="3" name="备注占位符 2"/>
+          <p:cNvSpPr>
+            <a:spLocks noGrp="1"/>
+          </p:cNvSpPr>
+          <p:nvPr>
+            <p:ph type="body" idx="1"/>
+          </p:nvPr>
+        </p:nvSpPr>
+        <p:spPr/>
+        <p:txBody>
+          <a:bodyPr/>
+          <a:lstStyle/>
+          <a:p>
+            <a:endParaRPr lang="zh-CN" altLang="en-US" dirty="0"/>
+          </a:p>
+        </p:txBody>
+      </p:sp>
+      <p:sp>
+        <p:nvSpPr>
+          <p:cNvPr id="4" name="灯片编号占位符 3"/>
+          <p:cNvSpPr>
+            <a:spLocks noGrp="1"/>
+          </p:cNvSpPr>
+          <p:nvPr>
+            <p:ph type="sldNum" sz="quarter" idx="5"/>
+          </p:nvPr>
+        </p:nvSpPr>
+        <p:spPr/>
+        <p:txBody>
+          <a:bodyPr/>
+          <a:lstStyle/>
+          <a:p>
+            <a:fld id="{85D0DACE-38E0-42D2-9336-2B707D34BC6D}" type="slidenum">
+              <a:rPr lang="zh-CN" altLang="en-US" smtClean="0"/>
+            </a:fld>
+            <a:endParaRPr lang="zh-CN" altLang="en-US"/>
+          </a:p>
+        </p:txBody>
+      </p:sp>
+    </p:spTree>
+  </p:cSld>
+  <p:clrMapOvr>
+    <a:masterClrMapping/>
+  </p:clrMapOvr>
+</p:notes>
+</file>
+
+<file path=ppt/notesSlides/notesSlide8.xml><?xml version="1.0" encoding="utf-8"?>
+<p:notes xmlns:a="http://schemas.openxmlformats.org/drawingml/2006/main" xmlns:r="http://schemas.openxmlformats.org/officeDocument/2006/relationships" xmlns:p="http://schemas.openxmlformats.org/presentationml/2006/main">
+  <p:cSld>
+    <p:spTree>
+      <p:nvGrpSpPr>
+        <p:cNvPr id="1" name=""/>
+        <p:cNvGrpSpPr/>
+        <p:nvPr/>
+      </p:nvGrpSpPr>
+      <p:grpSpPr>
+        <a:xfrm>
+          <a:off x="0" y="0"/>
+          <a:ext cx="0" cy="0"/>
+          <a:chOff x="0" y="0"/>
+          <a:chExt cx="0" cy="0"/>
+        </a:xfrm>
+      </p:grpSpPr>
+      <p:sp>
+        <p:nvSpPr>
+          <p:cNvPr id="2" name="幻灯片图像占位符 1"/>
+          <p:cNvSpPr>
+            <a:spLocks noGrp="1" noRot="1" noChangeAspect="1"/>
+          </p:cNvSpPr>
+          <p:nvPr>
+            <p:ph type="sldImg"/>
+          </p:nvPr>
+        </p:nvSpPr>
+        <p:spPr/>
+      </p:sp>
+      <p:sp>
+        <p:nvSpPr>
+          <p:cNvPr id="3" name="备注占位符 2"/>
+          <p:cNvSpPr>
+            <a:spLocks noGrp="1"/>
+          </p:cNvSpPr>
+          <p:nvPr>
+            <p:ph type="body" idx="1"/>
+          </p:nvPr>
+        </p:nvSpPr>
+        <p:spPr/>
+        <p:txBody>
+          <a:bodyPr/>
+          <a:lstStyle/>
+          <a:p>
+            <a:endParaRPr lang="zh-CN" altLang="en-US" dirty="0"/>
+          </a:p>
+        </p:txBody>
+      </p:sp>
+      <p:sp>
+        <p:nvSpPr>
+          <p:cNvPr id="4" name="灯片编号占位符 3"/>
+          <p:cNvSpPr>
+            <a:spLocks noGrp="1"/>
+          </p:cNvSpPr>
+          <p:nvPr>
+            <p:ph type="sldNum" sz="quarter" idx="5"/>
+          </p:nvPr>
+        </p:nvSpPr>
+        <p:spPr/>
+        <p:txBody>
+          <a:bodyPr/>
+          <a:lstStyle/>
+          <a:p>
+            <a:fld id="{85D0DACE-38E0-42D2-9336-2B707D34BC6D}" type="slidenum">
+              <a:rPr lang="zh-CN" altLang="en-US" smtClean="0"/>
+            </a:fld>
+            <a:endParaRPr lang="zh-CN" altLang="en-US"/>
+          </a:p>
+        </p:txBody>
+      </p:sp>
+    </p:spTree>
+  </p:cSld>
+  <p:clrMapOvr>
+    <a:masterClrMapping/>
+  </p:clrMapOvr>
+</p:notes>
+</file>
+
+<file path=ppt/notesSlides/notesSlide9.xml><?xml version="1.0" encoding="utf-8"?>
 <p:notes xmlns:a="http://schemas.openxmlformats.org/drawingml/2006/main" xmlns:r="http://schemas.openxmlformats.org/officeDocument/2006/relationships" xmlns:p="http://schemas.openxmlformats.org/presentationml/2006/main">
   <p:cSld>
     <p:spTree>
@@ -16193,7 +16429,7 @@
           <a:p>
             <a:r>
               <a:rPr lang="zh-CN" altLang="en-US"/>
-              <a:t>汇报人: 語讠</a:t>
+              <a:t>分享人: 万鹏</a:t>
             </a:r>
             <a:endParaRPr lang="zh-CN" altLang="en-US"/>
           </a:p>
@@ -16212,7 +16448,12 @@
             </p:custDataLst>
           </p:nvPr>
         </p:nvSpPr>
-        <p:spPr/>
+        <p:spPr>
+          <a:xfrm>
+            <a:off x="513715" y="1706245"/>
+            <a:ext cx="8317865" cy="1525905"/>
+          </a:xfrm>
+        </p:spPr>
         <p:txBody>
           <a:bodyPr>
             <a:normAutofit fontScale="90000"/>
@@ -16221,43 +16462,15 @@
           <a:p>
             <a:r>
               <a:rPr lang="zh-CN" altLang="en-US"/>
-              <a:t>AI编程的应用与趋势</a:t>
+              <a:t>AI编程分享</a:t>
             </a:r>
             <a:endParaRPr lang="zh-CN" altLang="en-US"/>
           </a:p>
         </p:txBody>
       </p:sp>
-      <p:sp>
-        <p:nvSpPr>
-          <p:cNvPr id="7" name="文本占位符 6"/>
-          <p:cNvSpPr>
-            <a:spLocks noGrp="1"/>
-          </p:cNvSpPr>
-          <p:nvPr>
-            <p:ph type="body" idx="1"/>
-            <p:custDataLst>
-              <p:tags r:id="rId3"/>
-            </p:custDataLst>
-          </p:nvPr>
-        </p:nvSpPr>
-        <p:spPr/>
-        <p:txBody>
-          <a:bodyPr>
-            <a:normAutofit fontScale="97500"/>
-          </a:bodyPr>
-          <a:lstStyle/>
-          <a:p>
-            <a:r>
-              <a:rPr lang="zh-CN" altLang="en-US"/>
-              <a:t>单击此处添加副标题</a:t>
-            </a:r>
-            <a:endParaRPr lang="zh-CN" altLang="en-US"/>
-          </a:p>
-        </p:txBody>
-      </p:sp>
     </p:spTree>
     <p:custDataLst>
-      <p:tags r:id="rId4"/>
+      <p:tags r:id="rId3"/>
     </p:custDataLst>
   </p:cSld>
   <p:clrMapOvr>
@@ -16302,10 +16515,34 @@
           <a:lstStyle/>
           <a:p>
             <a:r>
+              <a:rPr lang="en-US" altLang="zh-CN"/>
+              <a:t>Cursor </a:t>
+            </a:r>
+            <a:r>
               <a:rPr lang="zh-CN" altLang="en-US"/>
-              <a:t>Demo演示</a:t>
+              <a:t>核心能力</a:t>
             </a:r>
-            <a:endParaRPr lang="zh-CN" altLang="en-US"/>
+            <a:r>
+              <a:rPr lang="en-US" altLang="zh-CN"/>
+              <a:t>1(tab </a:t>
+            </a:r>
+            <a:r>
+              <a:rPr>
+                <a:ea typeface="宋体" panose="02010600030101010101" pitchFamily="2" charset="-122"/>
+              </a:rPr>
+              <a:t>和</a:t>
+            </a:r>
+            <a:r>
+              <a:rPr lang="en-US" altLang="zh-CN">
+                <a:ea typeface="宋体" panose="02010600030101010101" pitchFamily="2" charset="-122"/>
+              </a:rPr>
+              <a:t> chat</a:t>
+            </a:r>
+            <a:r>
+              <a:rPr lang="en-US" altLang="zh-CN"/>
+              <a:t>)</a:t>
+            </a:r>
+            <a:endParaRPr lang="en-US" altLang="zh-CN"/>
           </a:p>
         </p:txBody>
       </p:sp>
@@ -16330,8 +16567,8 @@
         </p:blipFill>
         <p:spPr>
           <a:xfrm>
-            <a:off x="2274927" y="1799464"/>
-            <a:ext cx="2627340" cy="2805145"/>
+            <a:off x="1053465" y="1555115"/>
+            <a:ext cx="2529205" cy="2700020"/>
           </a:xfrm>
           <a:custGeom>
             <a:avLst/>
@@ -16515,8 +16752,8 @@
         </p:nvSpPr>
         <p:spPr>
           <a:xfrm>
-            <a:off x="1506596" y="5331885"/>
-            <a:ext cx="4162325" cy="1104874"/>
+            <a:off x="4159885" y="2077085"/>
+            <a:ext cx="6830060" cy="1174750"/>
           </a:xfrm>
           <a:prstGeom prst="rect">
             <a:avLst/>
@@ -16528,7 +16765,7 @@
             <a:noAutofit/>
           </a:bodyPr>
           <a:p>
-            <a:pPr algn="ctr">
+            <a:pPr algn="l">
               <a:lnSpc>
                 <a:spcPct val="150000"/>
               </a:lnSpc>
@@ -16539,6 +16776,23 @@
                 <a:spcPct val="0"/>
               </a:spcAft>
             </a:pPr>
+            <a:r>
+              <a:rPr lang="en-US" altLang="zh-CN">
+                <a:ln>
+                  <a:noFill/>
+                  <a:prstDash val="sysDot"/>
+                </a:ln>
+                <a:solidFill>
+                  <a:schemeClr val="tx1">
+                    <a:lumMod val="85000"/>
+                    <a:lumOff val="15000"/>
+                  </a:schemeClr>
+                </a:solidFill>
+                <a:latin typeface="+mn-ea"/>
+                <a:cs typeface="+mn-ea"/>
+              </a:rPr>
+              <a:t>Tab</a:t>
+            </a:r>
             <a:r>
               <a:rPr lang="zh-CN" altLang="en-US">
                 <a:ln>
@@ -16554,7 +16808,396 @@
                 <a:latin typeface="+mn-ea"/>
                 <a:cs typeface="+mn-ea"/>
               </a:rPr>
-              <a:t>AI编程Demo演示</a:t>
+              <a:t>：光标位置直接建议（适合简短的小功能，或直接输出翻译）</a:t>
+            </a:r>
+            <a:endParaRPr lang="en-US" altLang="zh-CN">
+              <a:ln>
+                <a:noFill/>
+                <a:prstDash val="sysDot"/>
+              </a:ln>
+              <a:solidFill>
+                <a:schemeClr val="tx1">
+                  <a:lumMod val="85000"/>
+                  <a:lumOff val="15000"/>
+                </a:schemeClr>
+              </a:solidFill>
+              <a:latin typeface="+mn-ea"/>
+              <a:cs typeface="+mn-ea"/>
+            </a:endParaRPr>
+          </a:p>
+          <a:p>
+            <a:pPr algn="l">
+              <a:lnSpc>
+                <a:spcPct val="150000"/>
+              </a:lnSpc>
+              <a:spcBef>
+                <a:spcPct val="0"/>
+              </a:spcBef>
+              <a:spcAft>
+                <a:spcPct val="0"/>
+              </a:spcAft>
+            </a:pPr>
+            <a:r>
+              <a:rPr lang="en-US" altLang="zh-CN">
+                <a:ln>
+                  <a:noFill/>
+                  <a:prstDash val="sysDot"/>
+                </a:ln>
+                <a:solidFill>
+                  <a:schemeClr val="tx1">
+                    <a:lumMod val="85000"/>
+                    <a:lumOff val="15000"/>
+                  </a:schemeClr>
+                </a:solidFill>
+                <a:latin typeface="+mn-ea"/>
+                <a:cs typeface="+mn-ea"/>
+              </a:rPr>
+              <a:t>Ctrl + K</a:t>
+            </a:r>
+            <a:r>
+              <a:rPr lang="zh-CN" altLang="en-US">
+                <a:ln>
+                  <a:noFill/>
+                  <a:prstDash val="sysDot"/>
+                </a:ln>
+                <a:solidFill>
+                  <a:schemeClr val="tx1">
+                    <a:lumMod val="85000"/>
+                    <a:lumOff val="15000"/>
+                  </a:schemeClr>
+                </a:solidFill>
+                <a:latin typeface="+mn-ea"/>
+                <a:cs typeface="+mn-ea"/>
+              </a:rPr>
+              <a:t>：光标位置直接小范围</a:t>
+            </a:r>
+            <a:r>
+              <a:rPr lang="en-US" altLang="zh-CN">
+                <a:ln>
+                  <a:noFill/>
+                  <a:prstDash val="sysDot"/>
+                </a:ln>
+                <a:solidFill>
+                  <a:schemeClr val="tx1">
+                    <a:lumMod val="85000"/>
+                    <a:lumOff val="15000"/>
+                  </a:schemeClr>
+                </a:solidFill>
+                <a:latin typeface="+mn-ea"/>
+                <a:cs typeface="+mn-ea"/>
+              </a:rPr>
+              <a:t> Chat</a:t>
+            </a:r>
+            <a:endParaRPr lang="en-US" altLang="zh-CN">
+              <a:ln>
+                <a:noFill/>
+                <a:prstDash val="sysDot"/>
+              </a:ln>
+              <a:solidFill>
+                <a:schemeClr val="tx1">
+                  <a:lumMod val="85000"/>
+                  <a:lumOff val="15000"/>
+                </a:schemeClr>
+              </a:solidFill>
+              <a:latin typeface="+mn-ea"/>
+              <a:cs typeface="+mn-ea"/>
+            </a:endParaRPr>
+          </a:p>
+        </p:txBody>
+      </p:sp>
+      <p:sp>
+        <p:nvSpPr>
+          <p:cNvPr id="11" name="矩形 10"/>
+          <p:cNvSpPr/>
+          <p:nvPr>
+            <p:custDataLst>
+              <p:tags r:id="rId5"/>
+            </p:custDataLst>
+          </p:nvPr>
+        </p:nvSpPr>
+        <p:spPr>
+          <a:xfrm>
+            <a:off x="4159250" y="1367790"/>
+            <a:ext cx="6082665" cy="491490"/>
+          </a:xfrm>
+          <a:prstGeom prst="rect">
+            <a:avLst/>
+          </a:prstGeom>
+          <a:noFill/>
+        </p:spPr>
+        <p:txBody>
+          <a:bodyPr wrap="square" lIns="0" tIns="0" rIns="0" bIns="0" rtlCol="0" anchor="b">
+            <a:noAutofit/>
+          </a:bodyPr>
+          <a:p>
+            <a:pPr algn="l">
+              <a:spcBef>
+                <a:spcPct val="0"/>
+              </a:spcBef>
+              <a:spcAft>
+                <a:spcPct val="0"/>
+              </a:spcAft>
+            </a:pPr>
+            <a:r>
+              <a:rPr lang="zh-CN" altLang="en-US" sz="2800" b="1" kern="0" dirty="0">
+                <a:solidFill>
+                  <a:schemeClr val="accent1"/>
+                </a:solidFill>
+                <a:latin typeface="+mn-ea"/>
+                <a:cs typeface="+mn-ea"/>
+              </a:rPr>
+              <a:t>小范围即时建议（适合小颗粒度使用</a:t>
+            </a:r>
+            <a:r>
+              <a:rPr lang="en-US" altLang="zh-CN" sz="2800" b="1" kern="0" dirty="0">
+                <a:solidFill>
+                  <a:schemeClr val="accent1"/>
+                </a:solidFill>
+                <a:latin typeface="+mn-ea"/>
+                <a:cs typeface="+mn-ea"/>
+              </a:rPr>
+              <a:t>AI</a:t>
+            </a:r>
+            <a:r>
+              <a:rPr lang="zh-CN" altLang="en-US" sz="2800" b="1" kern="0" dirty="0">
+                <a:solidFill>
+                  <a:schemeClr val="accent1"/>
+                </a:solidFill>
+                <a:latin typeface="+mn-ea"/>
+                <a:cs typeface="+mn-ea"/>
+              </a:rPr>
+              <a:t>）</a:t>
+            </a:r>
+            <a:endParaRPr lang="zh-CN" altLang="en-US" sz="2800" b="1" kern="0" dirty="0">
+              <a:solidFill>
+                <a:schemeClr val="accent1"/>
+              </a:solidFill>
+              <a:latin typeface="+mn-ea"/>
+              <a:cs typeface="+mn-ea"/>
+            </a:endParaRPr>
+          </a:p>
+        </p:txBody>
+      </p:sp>
+      <p:sp>
+        <p:nvSpPr>
+          <p:cNvPr id="2" name="矩形 1"/>
+          <p:cNvSpPr/>
+          <p:nvPr>
+            <p:custDataLst>
+              <p:tags r:id="rId6"/>
+            </p:custDataLst>
+          </p:nvPr>
+        </p:nvSpPr>
+        <p:spPr>
+          <a:xfrm>
+            <a:off x="4159885" y="4309110"/>
+            <a:ext cx="7485380" cy="2150745"/>
+          </a:xfrm>
+          <a:prstGeom prst="rect">
+            <a:avLst/>
+          </a:prstGeom>
+          <a:noFill/>
+        </p:spPr>
+        <p:txBody>
+          <a:bodyPr wrap="square" lIns="0" tIns="0" rIns="0" bIns="0" rtlCol="0" anchor="t" anchorCtr="0">
+            <a:noAutofit/>
+          </a:bodyPr>
+          <a:p>
+            <a:pPr algn="l">
+              <a:lnSpc>
+                <a:spcPct val="150000"/>
+              </a:lnSpc>
+              <a:spcBef>
+                <a:spcPct val="0"/>
+              </a:spcBef>
+              <a:spcAft>
+                <a:spcPct val="0"/>
+              </a:spcAft>
+            </a:pPr>
+            <a:r>
+              <a:rPr lang="en-US" altLang="zh-CN">
+                <a:ln>
+                  <a:noFill/>
+                  <a:prstDash val="sysDot"/>
+                </a:ln>
+                <a:solidFill>
+                  <a:schemeClr val="tx1">
+                    <a:lumMod val="85000"/>
+                    <a:lumOff val="15000"/>
+                  </a:schemeClr>
+                </a:solidFill>
+                <a:latin typeface="+mn-ea"/>
+                <a:cs typeface="+mn-ea"/>
+              </a:rPr>
+              <a:t>Ctrl + L</a:t>
+            </a:r>
+            <a:r>
+              <a:rPr lang="zh-CN" altLang="en-US">
+                <a:ln>
+                  <a:noFill/>
+                  <a:prstDash val="sysDot"/>
+                </a:ln>
+                <a:solidFill>
+                  <a:schemeClr val="tx1">
+                    <a:lumMod val="85000"/>
+                    <a:lumOff val="15000"/>
+                  </a:schemeClr>
+                </a:solidFill>
+                <a:latin typeface="+mn-ea"/>
+                <a:cs typeface="+mn-ea"/>
+              </a:rPr>
+              <a:t>：</a:t>
+            </a:r>
+            <a:r>
+              <a:rPr lang="en-US" altLang="zh-CN">
+                <a:ln>
+                  <a:noFill/>
+                  <a:prstDash val="sysDot"/>
+                </a:ln>
+                <a:solidFill>
+                  <a:schemeClr val="tx1">
+                    <a:lumMod val="85000"/>
+                    <a:lumOff val="15000"/>
+                  </a:schemeClr>
+                </a:solidFill>
+                <a:latin typeface="+mn-ea"/>
+                <a:cs typeface="+mn-ea"/>
+              </a:rPr>
+              <a:t>Chat </a:t>
+            </a:r>
+            <a:r>
+              <a:rPr lang="zh-CN" altLang="en-US">
+                <a:ln>
+                  <a:noFill/>
+                  <a:prstDash val="sysDot"/>
+                </a:ln>
+                <a:solidFill>
+                  <a:schemeClr val="tx1">
+                    <a:lumMod val="85000"/>
+                    <a:lumOff val="15000"/>
+                  </a:schemeClr>
+                </a:solidFill>
+                <a:latin typeface="+mn-ea"/>
+                <a:cs typeface="+mn-ea"/>
+              </a:rPr>
+              <a:t>面板，整体调整；适合从无到有第一步；</a:t>
+            </a:r>
+            <a:br>
+              <a:rPr lang="zh-CN" altLang="en-US">
+                <a:ln>
+                  <a:noFill/>
+                  <a:prstDash val="sysDot"/>
+                </a:ln>
+                <a:solidFill>
+                  <a:schemeClr val="tx1">
+                    <a:lumMod val="85000"/>
+                    <a:lumOff val="15000"/>
+                  </a:schemeClr>
+                </a:solidFill>
+                <a:latin typeface="+mn-ea"/>
+                <a:cs typeface="+mn-ea"/>
+              </a:rPr>
+            </a:br>
+            <a:r>
+              <a:rPr lang="zh-CN" altLang="en-US">
+                <a:ln>
+                  <a:noFill/>
+                  <a:prstDash val="sysDot"/>
+                </a:ln>
+                <a:solidFill>
+                  <a:schemeClr val="tx1">
+                    <a:lumMod val="85000"/>
+                    <a:lumOff val="15000"/>
+                  </a:schemeClr>
+                </a:solidFill>
+                <a:latin typeface="+mn-ea"/>
+                <a:cs typeface="+mn-ea"/>
+              </a:rPr>
+              <a:t>问话模式：</a:t>
+            </a:r>
+            <a:br>
+              <a:rPr lang="en-US" altLang="zh-CN">
+                <a:ln>
+                  <a:noFill/>
+                  <a:prstDash val="sysDot"/>
+                </a:ln>
+                <a:solidFill>
+                  <a:schemeClr val="tx1">
+                    <a:lumMod val="85000"/>
+                    <a:lumOff val="15000"/>
+                  </a:schemeClr>
+                </a:solidFill>
+                <a:latin typeface="+mn-ea"/>
+                <a:cs typeface="+mn-ea"/>
+              </a:rPr>
+            </a:br>
+            <a:r>
+              <a:rPr lang="en-US" altLang="zh-CN">
+                <a:ln>
+                  <a:noFill/>
+                  <a:prstDash val="sysDot"/>
+                </a:ln>
+                <a:solidFill>
+                  <a:schemeClr val="tx1">
+                    <a:lumMod val="85000"/>
+                    <a:lumOff val="15000"/>
+                  </a:schemeClr>
+                </a:solidFill>
+                <a:latin typeface="+mn-ea"/>
+                <a:cs typeface="+mn-ea"/>
+              </a:rPr>
+              <a:t>Agent</a:t>
+            </a:r>
+            <a:r>
+              <a:rPr lang="zh-CN" altLang="en-US">
+                <a:ln>
+                  <a:noFill/>
+                  <a:prstDash val="sysDot"/>
+                </a:ln>
+                <a:solidFill>
+                  <a:schemeClr val="tx1">
+                    <a:lumMod val="85000"/>
+                    <a:lumOff val="15000"/>
+                  </a:schemeClr>
+                </a:solidFill>
+                <a:latin typeface="+mn-ea"/>
+                <a:cs typeface="+mn-ea"/>
+              </a:rPr>
+              <a:t>：代理模式，根据需求感知项目整体，</a:t>
+            </a:r>
+            <a:r>
+              <a:rPr lang="en-US" altLang="zh-CN">
+                <a:ln>
+                  <a:noFill/>
+                  <a:prstDash val="sysDot"/>
+                </a:ln>
+                <a:solidFill>
+                  <a:schemeClr val="tx1">
+                    <a:lumMod val="85000"/>
+                    <a:lumOff val="15000"/>
+                  </a:schemeClr>
+                </a:solidFill>
+                <a:latin typeface="+mn-ea"/>
+                <a:cs typeface="+mn-ea"/>
+              </a:rPr>
+              <a:t>AI</a:t>
+            </a:r>
+            <a:r>
+              <a:rPr lang="zh-CN" altLang="en-US">
+                <a:ln>
+                  <a:noFill/>
+                  <a:prstDash val="sysDot"/>
+                </a:ln>
+                <a:solidFill>
+                  <a:schemeClr val="tx1">
+                    <a:lumMod val="85000"/>
+                    <a:lumOff val="15000"/>
+                  </a:schemeClr>
+                </a:solidFill>
+                <a:latin typeface="+mn-ea"/>
+                <a:cs typeface="+mn-ea"/>
+              </a:rPr>
+              <a:t>决定何时修改、添加文件</a:t>
             </a:r>
             <a:endParaRPr lang="zh-CN" altLang="en-US">
               <a:ln>
@@ -16571,22 +17214,144 @@
               <a:cs typeface="+mn-ea"/>
             </a:endParaRPr>
           </a:p>
-        </p:txBody>
-      </p:sp>
-      <p:sp>
-        <p:nvSpPr>
-          <p:cNvPr id="11" name="矩形 10"/>
+          <a:p>
+            <a:pPr algn="l">
+              <a:lnSpc>
+                <a:spcPct val="150000"/>
+              </a:lnSpc>
+              <a:spcBef>
+                <a:spcPct val="0"/>
+              </a:spcBef>
+              <a:spcAft>
+                <a:spcPct val="0"/>
+              </a:spcAft>
+            </a:pPr>
+            <a:r>
+              <a:rPr lang="en-US" altLang="zh-CN">
+                <a:ln>
+                  <a:noFill/>
+                  <a:prstDash val="sysDot"/>
+                </a:ln>
+                <a:solidFill>
+                  <a:schemeClr val="tx1">
+                    <a:lumMod val="85000"/>
+                    <a:lumOff val="15000"/>
+                  </a:schemeClr>
+                </a:solidFill>
+                <a:latin typeface="+mn-ea"/>
+                <a:cs typeface="+mn-ea"/>
+              </a:rPr>
+              <a:t>Ask</a:t>
+            </a:r>
+            <a:r>
+              <a:rPr lang="zh-CN" altLang="en-US">
+                <a:ln>
+                  <a:noFill/>
+                  <a:prstDash val="sysDot"/>
+                </a:ln>
+                <a:solidFill>
+                  <a:schemeClr val="tx1">
+                    <a:lumMod val="85000"/>
+                    <a:lumOff val="15000"/>
+                  </a:schemeClr>
+                </a:solidFill>
+                <a:latin typeface="+mn-ea"/>
+                <a:cs typeface="+mn-ea"/>
+              </a:rPr>
+              <a:t>：提问模式，只给回答结果，不修改文件</a:t>
+            </a:r>
+            <a:endParaRPr lang="zh-CN" altLang="en-US">
+              <a:ln>
+                <a:noFill/>
+                <a:prstDash val="sysDot"/>
+              </a:ln>
+              <a:solidFill>
+                <a:schemeClr val="tx1">
+                  <a:lumMod val="85000"/>
+                  <a:lumOff val="15000"/>
+                </a:schemeClr>
+              </a:solidFill>
+              <a:latin typeface="+mn-ea"/>
+              <a:cs typeface="+mn-ea"/>
+            </a:endParaRPr>
+          </a:p>
+          <a:p>
+            <a:pPr algn="l">
+              <a:lnSpc>
+                <a:spcPct val="150000"/>
+              </a:lnSpc>
+              <a:spcBef>
+                <a:spcPct val="0"/>
+              </a:spcBef>
+              <a:spcAft>
+                <a:spcPct val="0"/>
+              </a:spcAft>
+            </a:pPr>
+            <a:r>
+              <a:rPr lang="en-US" altLang="zh-CN">
+                <a:ln>
+                  <a:noFill/>
+                  <a:prstDash val="sysDot"/>
+                </a:ln>
+                <a:solidFill>
+                  <a:schemeClr val="tx1">
+                    <a:lumMod val="85000"/>
+                    <a:lumOff val="15000"/>
+                  </a:schemeClr>
+                </a:solidFill>
+                <a:latin typeface="+mn-ea"/>
+                <a:cs typeface="+mn-ea"/>
+              </a:rPr>
+              <a:t>Manual</a:t>
+            </a:r>
+            <a:r>
+              <a:rPr lang="zh-CN" altLang="en-US">
+                <a:ln>
+                  <a:noFill/>
+                  <a:prstDash val="sysDot"/>
+                </a:ln>
+                <a:solidFill>
+                  <a:schemeClr val="tx1">
+                    <a:lumMod val="85000"/>
+                    <a:lumOff val="15000"/>
+                  </a:schemeClr>
+                </a:solidFill>
+                <a:latin typeface="+mn-ea"/>
+                <a:cs typeface="+mn-ea"/>
+              </a:rPr>
+              <a:t>：手动模式，我们知道要修改什么文件，直接修改你指定的文件</a:t>
+            </a:r>
+            <a:endParaRPr lang="zh-CN" altLang="en-US">
+              <a:ln>
+                <a:noFill/>
+                <a:prstDash val="sysDot"/>
+              </a:ln>
+              <a:solidFill>
+                <a:schemeClr val="tx1">
+                  <a:lumMod val="85000"/>
+                  <a:lumOff val="15000"/>
+                </a:schemeClr>
+              </a:solidFill>
+              <a:latin typeface="+mn-ea"/>
+              <a:cs typeface="+mn-ea"/>
+            </a:endParaRPr>
+          </a:p>
+        </p:txBody>
+      </p:sp>
+      <p:sp>
+        <p:nvSpPr>
+          <p:cNvPr id="3" name="矩形 2"/>
           <p:cNvSpPr/>
           <p:nvPr>
             <p:custDataLst>
-              <p:tags r:id="rId5"/>
+              <p:tags r:id="rId7"/>
             </p:custDataLst>
           </p:nvPr>
         </p:nvSpPr>
         <p:spPr>
           <a:xfrm>
-            <a:off x="2085702" y="4831517"/>
-            <a:ext cx="3004748" cy="462269"/>
+            <a:off x="4159250" y="3599815"/>
+            <a:ext cx="7207885" cy="491490"/>
           </a:xfrm>
           <a:prstGeom prst="rect">
             <a:avLst/>
@@ -16598,7 +17363,7 @@
             <a:noAutofit/>
           </a:bodyPr>
           <a:p>
-            <a:pPr algn="ctr">
+            <a:pPr algn="l">
               <a:spcBef>
                 <a:spcPct val="0"/>
               </a:spcBef>
@@ -16614,7 +17379,27 @@
                 <a:latin typeface="+mn-ea"/>
                 <a:cs typeface="+mn-ea"/>
               </a:rPr>
-              <a:t>核心内容</a:t>
+              <a:t>大范围</a:t>
+            </a:r>
+            <a:r>
+              <a:rPr lang="en-US" altLang="zh-CN" sz="2800" b="1" kern="0" dirty="0">
+                <a:solidFill>
+                  <a:schemeClr val="accent1"/>
+                </a:solidFill>
+                <a:latin typeface="+mn-ea"/>
+                <a:cs typeface="+mn-ea"/>
+              </a:rPr>
+              <a:t> Chat</a:t>
+            </a:r>
+            <a:r>
+              <a:rPr lang="zh-CN" altLang="en-US" sz="2800" b="1" kern="0" dirty="0">
+                <a:solidFill>
+                  <a:schemeClr val="accent1"/>
+                </a:solidFill>
+                <a:latin typeface="+mn-ea"/>
+                <a:cs typeface="+mn-ea"/>
+              </a:rPr>
+              <a:t>（适合大颗粒度）</a:t>
             </a:r>
             <a:endParaRPr lang="zh-CN" altLang="en-US" sz="2800" b="1" kern="0" dirty="0">
               <a:solidFill>
@@ -16626,6 +17411,76 @@
           </a:p>
         </p:txBody>
       </p:sp>
+    </p:spTree>
+    <p:custDataLst>
+      <p:tags r:id="rId8"/>
+    </p:custDataLst>
+  </p:cSld>
+  <p:clrMapOvr>
+    <a:masterClrMapping/>
+  </p:clrMapOvr>
+</p:sld>
+</file>
+
+<file path=ppt/slides/slide11.xml><?xml version="1.0" encoding="utf-8"?>
+<p:sld xmlns:a="http://schemas.openxmlformats.org/drawingml/2006/main" xmlns:r="http://schemas.openxmlformats.org/officeDocument/2006/relationships" xmlns:p="http://schemas.openxmlformats.org/presentationml/2006/main">
+  <p:cSld>
+    <p:spTree>
+      <p:nvGrpSpPr>
+        <p:cNvPr id="1" name=""/>
+        <p:cNvGrpSpPr/>
+        <p:nvPr/>
+      </p:nvGrpSpPr>
+      <p:grpSpPr>
+        <a:xfrm>
+          <a:off x="0" y="0"/>
+          <a:ext cx="0" cy="0"/>
+          <a:chOff x="0" y="0"/>
+          <a:chExt cx="0" cy="0"/>
+        </a:xfrm>
+      </p:grpSpPr>
+      <p:sp>
+        <p:nvSpPr>
+          <p:cNvPr id="12" name="标题 11"/>
+          <p:cNvSpPr>
+            <a:spLocks noGrp="1"/>
+          </p:cNvSpPr>
+          <p:nvPr>
+            <p:ph type="title"/>
+            <p:custDataLst>
+              <p:tags r:id="rId1"/>
+            </p:custDataLst>
+          </p:nvPr>
+        </p:nvSpPr>
+        <p:spPr/>
+        <p:txBody>
+          <a:bodyPr/>
+          <a:lstStyle/>
+          <a:p>
+            <a:r>
+              <a:rPr lang="en-US" altLang="zh-CN"/>
+              <a:t>Cursor </a:t>
+            </a:r>
+            <a:r>
+              <a:rPr lang="zh-CN" altLang="en-US"/>
+              <a:t>核心能力</a:t>
+            </a:r>
+            <a:r>
+              <a:rPr lang="en-US" altLang="zh-CN"/>
+              <a:t>2</a:t>
+            </a:r>
+            <a:r>
+              <a:rPr>
+                <a:ea typeface="宋体" panose="02010600030101010101" pitchFamily="2" charset="-122"/>
+              </a:rPr>
+              <a:t>（上下文选项）</a:t>
+            </a:r>
+            <a:endParaRPr>
+              <a:ea typeface="宋体" panose="02010600030101010101" pitchFamily="2" charset="-122"/>
+            </a:endParaRPr>
+          </a:p>
+        </p:txBody>
+      </p:sp>
       <p:pic>
         <p:nvPicPr>
           <p:cNvPr id="13" name="图片 12" descr="/data/temp/c9c609cf-49d9-11f0-adbc-123968705fc9.jpg@base@tag=imgScale&amp;m=1&amp;w=729&amp;h=779&amp;q=95c9c609cf-49d9-11f0-adbc-123968705fc9"/>
@@ -16634,12 +17489,12 @@
           </p:cNvPicPr>
           <p:nvPr>
             <p:custDataLst>
-              <p:tags r:id="rId6"/>
+              <p:tags r:id="rId2"/>
             </p:custDataLst>
           </p:nvPr>
         </p:nvPicPr>
         <p:blipFill rotWithShape="1">
-          <a:blip r:embed="rId7"/>
+          <a:blip r:embed="rId3"/>
           <a:srcRect l="12507" r="12507"/>
           <a:stretch>
             <a:fillRect/>
@@ -16647,8 +17502,8 @@
         </p:blipFill>
         <p:spPr>
           <a:xfrm>
-            <a:off x="7285592" y="1799464"/>
-            <a:ext cx="2627340" cy="2805145"/>
+            <a:off x="7690746" y="1402589"/>
+            <a:ext cx="2648049" cy="2827256"/>
           </a:xfrm>
           <a:custGeom>
             <a:avLst/>
@@ -16828,14 +17683,14 @@
           <p:cNvSpPr/>
           <p:nvPr>
             <p:custDataLst>
-              <p:tags r:id="rId8"/>
+              <p:tags r:id="rId4"/>
             </p:custDataLst>
           </p:nvPr>
         </p:nvSpPr>
         <p:spPr>
           <a:xfrm>
-            <a:off x="6518531" y="5331885"/>
-            <a:ext cx="4162325" cy="1104874"/>
+            <a:off x="1503680" y="2177415"/>
+            <a:ext cx="6087745" cy="3888740"/>
           </a:xfrm>
           <a:prstGeom prst="rect">
             <a:avLst/>
@@ -16847,7 +17702,7 @@
             <a:noAutofit/>
           </a:bodyPr>
           <a:p>
-            <a:pPr algn="ctr">
+            <a:pPr algn="l">
               <a:lnSpc>
                 <a:spcPct val="150000"/>
               </a:lnSpc>
@@ -16858,6 +17713,23 @@
                 <a:spcPct val="0"/>
               </a:spcAft>
             </a:pPr>
+            <a:r>
+              <a:rPr lang="en-US" altLang="zh-CN">
+                <a:ln>
+                  <a:noFill/>
+                  <a:prstDash val="sysDot"/>
+                </a:ln>
+                <a:solidFill>
+                  <a:schemeClr val="tx1">
+                    <a:lumMod val="85000"/>
+                    <a:lumOff val="15000"/>
+                  </a:schemeClr>
+                </a:solidFill>
+                <a:latin typeface="+mn-ea"/>
+                <a:cs typeface="+mn-ea"/>
+              </a:rPr>
+              <a:t>Files&amp;Folders</a:t>
+            </a:r>
             <a:r>
               <a:rPr lang="zh-CN" altLang="en-US">
                 <a:ln>
@@ -16873,7 +17745,7 @@
                 <a:latin typeface="+mn-ea"/>
                 <a:cs typeface="+mn-ea"/>
               </a:rPr>
-              <a:t>通过实际案例展示AI编程的应用效果，包括但不限于图像识别、自然语言处理等。</a:t>
+              <a:t>：选相关文件、文件夹</a:t>
             </a:r>
             <a:endParaRPr lang="zh-CN" altLang="en-US">
               <a:ln>
@@ -16890,6 +17762,528 @@
               <a:cs typeface="+mn-ea"/>
             </a:endParaRPr>
           </a:p>
+          <a:p>
+            <a:pPr algn="l">
+              <a:lnSpc>
+                <a:spcPct val="150000"/>
+              </a:lnSpc>
+              <a:spcBef>
+                <a:spcPct val="0"/>
+              </a:spcBef>
+              <a:spcAft>
+                <a:spcPct val="0"/>
+              </a:spcAft>
+            </a:pPr>
+            <a:r>
+              <a:rPr lang="en-US" altLang="zh-CN">
+                <a:ln>
+                  <a:noFill/>
+                  <a:prstDash val="sysDot"/>
+                </a:ln>
+                <a:solidFill>
+                  <a:schemeClr val="tx1">
+                    <a:lumMod val="85000"/>
+                    <a:lumOff val="15000"/>
+                  </a:schemeClr>
+                </a:solidFill>
+                <a:latin typeface="+mn-ea"/>
+                <a:cs typeface="+mn-ea"/>
+              </a:rPr>
+              <a:t>Rules</a:t>
+            </a:r>
+            <a:r>
+              <a:rPr lang="zh-CN" altLang="en-US">
+                <a:ln>
+                  <a:noFill/>
+                  <a:prstDash val="sysDot"/>
+                </a:ln>
+                <a:solidFill>
+                  <a:schemeClr val="tx1">
+                    <a:lumMod val="85000"/>
+                    <a:lumOff val="15000"/>
+                  </a:schemeClr>
+                </a:solidFill>
+                <a:latin typeface="+mn-ea"/>
+                <a:cs typeface="+mn-ea"/>
+              </a:rPr>
+              <a:t>：选可复用规则</a:t>
+            </a:r>
+            <a:endParaRPr lang="zh-CN" altLang="en-US">
+              <a:ln>
+                <a:noFill/>
+                <a:prstDash val="sysDot"/>
+              </a:ln>
+              <a:solidFill>
+                <a:schemeClr val="tx1">
+                  <a:lumMod val="85000"/>
+                  <a:lumOff val="15000"/>
+                </a:schemeClr>
+              </a:solidFill>
+              <a:latin typeface="+mn-ea"/>
+              <a:cs typeface="+mn-ea"/>
+            </a:endParaRPr>
+          </a:p>
+          <a:p>
+            <a:pPr algn="l">
+              <a:lnSpc>
+                <a:spcPct val="150000"/>
+              </a:lnSpc>
+              <a:spcBef>
+                <a:spcPct val="0"/>
+              </a:spcBef>
+              <a:spcAft>
+                <a:spcPct val="0"/>
+              </a:spcAft>
+            </a:pPr>
+            <a:r>
+              <a:rPr lang="en-US" altLang="zh-CN">
+                <a:ln>
+                  <a:noFill/>
+                  <a:prstDash val="sysDot"/>
+                </a:ln>
+                <a:solidFill>
+                  <a:schemeClr val="tx1">
+                    <a:lumMod val="85000"/>
+                    <a:lumOff val="15000"/>
+                  </a:schemeClr>
+                </a:solidFill>
+                <a:latin typeface="+mn-ea"/>
+                <a:cs typeface="+mn-ea"/>
+              </a:rPr>
+              <a:t>Code</a:t>
+            </a:r>
+            <a:r>
+              <a:rPr lang="zh-CN" altLang="en-US">
+                <a:ln>
+                  <a:noFill/>
+                  <a:prstDash val="sysDot"/>
+                </a:ln>
+                <a:solidFill>
+                  <a:schemeClr val="tx1">
+                    <a:lumMod val="85000"/>
+                    <a:lumOff val="15000"/>
+                  </a:schemeClr>
+                </a:solidFill>
+                <a:latin typeface="+mn-ea"/>
+                <a:cs typeface="+mn-ea"/>
+              </a:rPr>
+              <a:t>：选指定代码</a:t>
+            </a:r>
+            <a:endParaRPr lang="zh-CN" altLang="en-US">
+              <a:ln>
+                <a:noFill/>
+                <a:prstDash val="sysDot"/>
+              </a:ln>
+              <a:solidFill>
+                <a:schemeClr val="tx1">
+                  <a:lumMod val="85000"/>
+                  <a:lumOff val="15000"/>
+                </a:schemeClr>
+              </a:solidFill>
+              <a:latin typeface="+mn-ea"/>
+              <a:cs typeface="+mn-ea"/>
+            </a:endParaRPr>
+          </a:p>
+          <a:p>
+            <a:pPr algn="l">
+              <a:lnSpc>
+                <a:spcPct val="150000"/>
+              </a:lnSpc>
+              <a:spcBef>
+                <a:spcPct val="0"/>
+              </a:spcBef>
+              <a:spcAft>
+                <a:spcPct val="0"/>
+              </a:spcAft>
+            </a:pPr>
+            <a:r>
+              <a:rPr lang="en-US" altLang="zh-CN">
+                <a:ln>
+                  <a:noFill/>
+                  <a:prstDash val="sysDot"/>
+                </a:ln>
+                <a:solidFill>
+                  <a:schemeClr val="tx1">
+                    <a:lumMod val="85000"/>
+                    <a:lumOff val="15000"/>
+                  </a:schemeClr>
+                </a:solidFill>
+                <a:latin typeface="+mn-ea"/>
+                <a:cs typeface="+mn-ea"/>
+              </a:rPr>
+              <a:t>Docs</a:t>
+            </a:r>
+            <a:r>
+              <a:rPr lang="zh-CN" altLang="en-US">
+                <a:ln>
+                  <a:noFill/>
+                  <a:prstDash val="sysDot"/>
+                </a:ln>
+                <a:solidFill>
+                  <a:schemeClr val="tx1">
+                    <a:lumMod val="85000"/>
+                    <a:lumOff val="15000"/>
+                  </a:schemeClr>
+                </a:solidFill>
+                <a:latin typeface="+mn-ea"/>
+                <a:cs typeface="+mn-ea"/>
+              </a:rPr>
+              <a:t>：选外部的技术文档</a:t>
+            </a:r>
+            <a:endParaRPr lang="zh-CN" altLang="en-US">
+              <a:ln>
+                <a:noFill/>
+                <a:prstDash val="sysDot"/>
+              </a:ln>
+              <a:solidFill>
+                <a:schemeClr val="tx1">
+                  <a:lumMod val="85000"/>
+                  <a:lumOff val="15000"/>
+                </a:schemeClr>
+              </a:solidFill>
+              <a:latin typeface="+mn-ea"/>
+              <a:cs typeface="+mn-ea"/>
+            </a:endParaRPr>
+          </a:p>
+          <a:p>
+            <a:pPr algn="l">
+              <a:lnSpc>
+                <a:spcPct val="150000"/>
+              </a:lnSpc>
+              <a:spcBef>
+                <a:spcPct val="0"/>
+              </a:spcBef>
+              <a:spcAft>
+                <a:spcPct val="0"/>
+              </a:spcAft>
+            </a:pPr>
+            <a:r>
+              <a:rPr lang="en-US" altLang="zh-CN">
+                <a:ln>
+                  <a:noFill/>
+                  <a:prstDash val="sysDot"/>
+                </a:ln>
+                <a:solidFill>
+                  <a:schemeClr val="tx1">
+                    <a:lumMod val="85000"/>
+                    <a:lumOff val="15000"/>
+                  </a:schemeClr>
+                </a:solidFill>
+                <a:latin typeface="+mn-ea"/>
+                <a:cs typeface="+mn-ea"/>
+              </a:rPr>
+              <a:t>git</a:t>
+            </a:r>
+            <a:r>
+              <a:rPr lang="zh-CN" altLang="en-US">
+                <a:ln>
+                  <a:noFill/>
+                  <a:prstDash val="sysDot"/>
+                </a:ln>
+                <a:solidFill>
+                  <a:schemeClr val="tx1">
+                    <a:lumMod val="85000"/>
+                    <a:lumOff val="15000"/>
+                  </a:schemeClr>
+                </a:solidFill>
+                <a:latin typeface="+mn-ea"/>
+                <a:cs typeface="+mn-ea"/>
+              </a:rPr>
+              <a:t>：选</a:t>
+            </a:r>
+            <a:r>
+              <a:rPr lang="en-US" altLang="zh-CN">
+                <a:ln>
+                  <a:noFill/>
+                  <a:prstDash val="sysDot"/>
+                </a:ln>
+                <a:solidFill>
+                  <a:schemeClr val="tx1">
+                    <a:lumMod val="85000"/>
+                    <a:lumOff val="15000"/>
+                  </a:schemeClr>
+                </a:solidFill>
+                <a:latin typeface="+mn-ea"/>
+                <a:cs typeface="+mn-ea"/>
+              </a:rPr>
+              <a:t> git </a:t>
+            </a:r>
+            <a:r>
+              <a:rPr lang="zh-CN" altLang="en-US">
+                <a:ln>
+                  <a:noFill/>
+                  <a:prstDash val="sysDot"/>
+                </a:ln>
+                <a:solidFill>
+                  <a:schemeClr val="tx1">
+                    <a:lumMod val="85000"/>
+                    <a:lumOff val="15000"/>
+                  </a:schemeClr>
+                </a:solidFill>
+                <a:latin typeface="+mn-ea"/>
+                <a:cs typeface="+mn-ea"/>
+              </a:rPr>
+              <a:t>提交记录</a:t>
+            </a:r>
+            <a:endParaRPr lang="zh-CN" altLang="en-US">
+              <a:ln>
+                <a:noFill/>
+                <a:prstDash val="sysDot"/>
+              </a:ln>
+              <a:solidFill>
+                <a:schemeClr val="tx1">
+                  <a:lumMod val="85000"/>
+                  <a:lumOff val="15000"/>
+                </a:schemeClr>
+              </a:solidFill>
+              <a:latin typeface="+mn-ea"/>
+              <a:cs typeface="+mn-ea"/>
+            </a:endParaRPr>
+          </a:p>
+          <a:p>
+            <a:pPr algn="l">
+              <a:lnSpc>
+                <a:spcPct val="150000"/>
+              </a:lnSpc>
+              <a:spcBef>
+                <a:spcPct val="0"/>
+              </a:spcBef>
+              <a:spcAft>
+                <a:spcPct val="0"/>
+              </a:spcAft>
+            </a:pPr>
+            <a:r>
+              <a:rPr lang="en-US" altLang="zh-CN">
+                <a:ln>
+                  <a:noFill/>
+                  <a:prstDash val="sysDot"/>
+                </a:ln>
+                <a:solidFill>
+                  <a:schemeClr val="tx1">
+                    <a:lumMod val="85000"/>
+                    <a:lumOff val="15000"/>
+                  </a:schemeClr>
+                </a:solidFill>
+                <a:latin typeface="+mn-ea"/>
+                <a:cs typeface="+mn-ea"/>
+              </a:rPr>
+              <a:t>web</a:t>
+            </a:r>
+            <a:r>
+              <a:rPr lang="zh-CN" altLang="en-US">
+                <a:ln>
+                  <a:noFill/>
+                  <a:prstDash val="sysDot"/>
+                </a:ln>
+                <a:solidFill>
+                  <a:schemeClr val="tx1">
+                    <a:lumMod val="85000"/>
+                    <a:lumOff val="15000"/>
+                  </a:schemeClr>
+                </a:solidFill>
+                <a:latin typeface="+mn-ea"/>
+                <a:cs typeface="+mn-ea"/>
+              </a:rPr>
+              <a:t>：开启网络搜索</a:t>
+            </a:r>
+            <a:endParaRPr lang="zh-CN" altLang="en-US">
+              <a:ln>
+                <a:noFill/>
+                <a:prstDash val="sysDot"/>
+              </a:ln>
+              <a:solidFill>
+                <a:schemeClr val="tx1">
+                  <a:lumMod val="85000"/>
+                  <a:lumOff val="15000"/>
+                </a:schemeClr>
+              </a:solidFill>
+              <a:latin typeface="+mn-ea"/>
+              <a:cs typeface="+mn-ea"/>
+            </a:endParaRPr>
+          </a:p>
+          <a:p>
+            <a:pPr algn="l">
+              <a:lnSpc>
+                <a:spcPct val="150000"/>
+              </a:lnSpc>
+              <a:spcBef>
+                <a:spcPct val="0"/>
+              </a:spcBef>
+              <a:spcAft>
+                <a:spcPct val="0"/>
+              </a:spcAft>
+            </a:pPr>
+            <a:r>
+              <a:rPr lang="en-US" altLang="zh-CN">
+                <a:ln>
+                  <a:noFill/>
+                  <a:prstDash val="sysDot"/>
+                </a:ln>
+                <a:solidFill>
+                  <a:schemeClr val="tx1">
+                    <a:lumMod val="85000"/>
+                    <a:lumOff val="15000"/>
+                  </a:schemeClr>
+                </a:solidFill>
+                <a:latin typeface="+mn-ea"/>
+                <a:cs typeface="+mn-ea"/>
+              </a:rPr>
+              <a:t>link</a:t>
+            </a:r>
+            <a:r>
+              <a:rPr lang="zh-CN" altLang="en-US">
+                <a:ln>
+                  <a:noFill/>
+                  <a:prstDash val="sysDot"/>
+                </a:ln>
+                <a:solidFill>
+                  <a:schemeClr val="tx1">
+                    <a:lumMod val="85000"/>
+                    <a:lumOff val="15000"/>
+                  </a:schemeClr>
+                </a:solidFill>
+                <a:latin typeface="+mn-ea"/>
+                <a:cs typeface="+mn-ea"/>
+              </a:rPr>
+              <a:t>：选外部网站</a:t>
+            </a:r>
+            <a:endParaRPr lang="zh-CN" altLang="en-US">
+              <a:ln>
+                <a:noFill/>
+                <a:prstDash val="sysDot"/>
+              </a:ln>
+              <a:solidFill>
+                <a:schemeClr val="tx1">
+                  <a:lumMod val="85000"/>
+                  <a:lumOff val="15000"/>
+                </a:schemeClr>
+              </a:solidFill>
+              <a:latin typeface="+mn-ea"/>
+              <a:cs typeface="+mn-ea"/>
+            </a:endParaRPr>
+          </a:p>
+          <a:p>
+            <a:pPr algn="l">
+              <a:lnSpc>
+                <a:spcPct val="150000"/>
+              </a:lnSpc>
+              <a:spcBef>
+                <a:spcPct val="0"/>
+              </a:spcBef>
+              <a:spcAft>
+                <a:spcPct val="0"/>
+              </a:spcAft>
+            </a:pPr>
+            <a:r>
+              <a:rPr lang="en-US" altLang="zh-CN">
+                <a:ln>
+                  <a:noFill/>
+                  <a:prstDash val="sysDot"/>
+                </a:ln>
+                <a:solidFill>
+                  <a:schemeClr val="tx1">
+                    <a:lumMod val="85000"/>
+                    <a:lumOff val="15000"/>
+                  </a:schemeClr>
+                </a:solidFill>
+                <a:latin typeface="+mn-ea"/>
+                <a:cs typeface="+mn-ea"/>
+              </a:rPr>
+              <a:t>Lint Errors</a:t>
+            </a:r>
+            <a:r>
+              <a:rPr lang="zh-CN" altLang="en-US">
+                <a:ln>
+                  <a:noFill/>
+                  <a:prstDash val="sysDot"/>
+                </a:ln>
+                <a:solidFill>
+                  <a:schemeClr val="tx1">
+                    <a:lumMod val="85000"/>
+                    <a:lumOff val="15000"/>
+                  </a:schemeClr>
+                </a:solidFill>
+                <a:latin typeface="+mn-ea"/>
+                <a:cs typeface="+mn-ea"/>
+              </a:rPr>
+              <a:t>：选终端错误信息</a:t>
+            </a:r>
+            <a:endParaRPr lang="zh-CN" altLang="en-US">
+              <a:ln>
+                <a:noFill/>
+                <a:prstDash val="sysDot"/>
+              </a:ln>
+              <a:solidFill>
+                <a:schemeClr val="tx1">
+                  <a:lumMod val="85000"/>
+                  <a:lumOff val="15000"/>
+                </a:schemeClr>
+              </a:solidFill>
+              <a:latin typeface="+mn-ea"/>
+              <a:cs typeface="+mn-ea"/>
+            </a:endParaRPr>
+          </a:p>
+          <a:p>
+            <a:pPr algn="l">
+              <a:lnSpc>
+                <a:spcPct val="150000"/>
+              </a:lnSpc>
+              <a:spcBef>
+                <a:spcPct val="0"/>
+              </a:spcBef>
+              <a:spcAft>
+                <a:spcPct val="0"/>
+              </a:spcAft>
+            </a:pPr>
+            <a:r>
+              <a:rPr lang="en-US" altLang="zh-CN">
+                <a:ln>
+                  <a:noFill/>
+                  <a:prstDash val="sysDot"/>
+                </a:ln>
+                <a:solidFill>
+                  <a:schemeClr val="tx1">
+                    <a:lumMod val="85000"/>
+                    <a:lumOff val="15000"/>
+                  </a:schemeClr>
+                </a:solidFill>
+                <a:latin typeface="+mn-ea"/>
+                <a:cs typeface="+mn-ea"/>
+              </a:rPr>
+              <a:t>Recent Changes</a:t>
+            </a:r>
+            <a:r>
+              <a:rPr lang="zh-CN" altLang="en-US">
+                <a:ln>
+                  <a:noFill/>
+                  <a:prstDash val="sysDot"/>
+                </a:ln>
+                <a:solidFill>
+                  <a:schemeClr val="tx1">
+                    <a:lumMod val="85000"/>
+                    <a:lumOff val="15000"/>
+                  </a:schemeClr>
+                </a:solidFill>
+                <a:latin typeface="+mn-ea"/>
+                <a:cs typeface="+mn-ea"/>
+              </a:rPr>
+              <a:t>：选最近修改记录</a:t>
+            </a:r>
+            <a:endParaRPr lang="zh-CN" altLang="en-US">
+              <a:ln>
+                <a:noFill/>
+                <a:prstDash val="sysDot"/>
+              </a:ln>
+              <a:solidFill>
+                <a:schemeClr val="tx1">
+                  <a:lumMod val="85000"/>
+                  <a:lumOff val="15000"/>
+                </a:schemeClr>
+              </a:solidFill>
+              <a:latin typeface="+mn-ea"/>
+              <a:cs typeface="+mn-ea"/>
+            </a:endParaRPr>
+          </a:p>
         </p:txBody>
       </p:sp>
       <p:sp>
@@ -16898,14 +18292,14 @@
           <p:cNvSpPr/>
           <p:nvPr>
             <p:custDataLst>
-              <p:tags r:id="rId9"/>
+              <p:tags r:id="rId5"/>
             </p:custDataLst>
           </p:nvPr>
         </p:nvSpPr>
         <p:spPr>
           <a:xfrm>
-            <a:off x="7097637" y="4831517"/>
-            <a:ext cx="3004748" cy="462269"/>
+            <a:off x="1503680" y="1459865"/>
+            <a:ext cx="3763645" cy="466090"/>
           </a:xfrm>
           <a:prstGeom prst="rect">
             <a:avLst/>
@@ -16917,7 +18311,7 @@
             <a:noAutofit/>
           </a:bodyPr>
           <a:p>
-            <a:pPr algn="ctr">
+            <a:pPr algn="l">
               <a:spcBef>
                 <a:spcPct val="0"/>
               </a:spcBef>
@@ -16932,8 +18326,30 @@
                 </a:solidFill>
                 <a:latin typeface="+mn-ea"/>
                 <a:cs typeface="+mn-ea"/>
+                <a:sym typeface="+mn-ea"/>
               </a:rPr>
-              <a:t>详细描述</a:t>
+              <a:t>@</a:t>
+            </a:r>
+            <a:r>
+              <a:rPr lang="en-US" altLang="zh-CN" sz="2800" b="1" kern="0">
+                <a:solidFill>
+                  <a:schemeClr val="accent1"/>
+                </a:solidFill>
+                <a:latin typeface="+mn-ea"/>
+                <a:cs typeface="+mn-ea"/>
+                <a:sym typeface="+mn-ea"/>
+              </a:rPr>
+              <a:t> </a:t>
+            </a:r>
+            <a:r>
+              <a:rPr lang="zh-CN" altLang="en-US" sz="2800" b="1" kern="0">
+                <a:solidFill>
+                  <a:schemeClr val="accent1"/>
+                </a:solidFill>
+                <a:latin typeface="+mn-ea"/>
+                <a:cs typeface="+mn-ea"/>
+              </a:rPr>
+              <a:t>利用各种上下文类型</a:t>
             </a:r>
             <a:endParaRPr lang="zh-CN" altLang="en-US" sz="2800" b="1" kern="0">
               <a:solidFill>
@@ -16947,7 +18363,7 @@
       </p:sp>
     </p:spTree>
     <p:custDataLst>
-      <p:tags r:id="rId10"/>
+      <p:tags r:id="rId6"/>
     </p:custDataLst>
   </p:cSld>
   <p:clrMapOvr>
@@ -16956,7 +18372,7 @@
 </p:sld>
 </file>
 
-<file path=ppt/slides/slide11.xml><?xml version="1.0" encoding="utf-8"?>
+<file path=ppt/slides/slide12.xml><?xml version="1.0" encoding="utf-8"?>
 <p:sld xmlns:a="http://schemas.openxmlformats.org/drawingml/2006/main" xmlns:r="http://schemas.openxmlformats.org/officeDocument/2006/relationships" xmlns:p="http://schemas.openxmlformats.org/presentationml/2006/main">
   <p:cSld>
     <p:spTree>
@@ -16993,7 +18409,7 @@
           <a:p>
             <a:r>
               <a:rPr lang="zh-CN" altLang="en-US"/>
-              <a:t>05</a:t>
+              <a:t>04</a:t>
             </a:r>
             <a:endParaRPr lang="zh-CN" altLang="en-US"/>
           </a:p>
@@ -17015,13 +18431,17 @@
         <p:spPr/>
         <p:txBody>
           <a:bodyPr>
-            <a:normAutofit fontScale="90000"/>
+            <a:normAutofit/>
           </a:bodyPr>
           <a:lstStyle/>
           <a:p>
             <a:r>
+              <a:rPr lang="en-US" altLang="zh-CN"/>
+              <a:t>AI</a:t>
+            </a:r>
+            <a:r>
               <a:rPr lang="zh-CN" altLang="en-US"/>
-              <a:t>AI编程的挑战与前景</a:t>
+              <a:t>的局限与趋势</a:t>
             </a:r>
             <a:endParaRPr lang="zh-CN" altLang="en-US"/>
           </a:p>
@@ -17038,7 +18458,7 @@
 </p:sld>
 </file>
 
-<file path=ppt/slides/slide12.xml><?xml version="1.0" encoding="utf-8"?>
+<file path=ppt/slides/slide13.xml><?xml version="1.0" encoding="utf-8"?>
 <p:sld xmlns:a="http://schemas.openxmlformats.org/drawingml/2006/main" xmlns:r="http://schemas.openxmlformats.org/officeDocument/2006/relationships" xmlns:p="http://schemas.openxmlformats.org/presentationml/2006/main">
   <p:cSld>
     <p:spTree>
@@ -17160,12 +18580,9 @@
       </p:sp>
       <p:sp>
         <p:nvSpPr>
-          <p:cNvPr id="17" name="标题 16"/>
-          <p:cNvSpPr>
-            <a:spLocks noGrp="1"/>
-          </p:cNvSpPr>
-          <p:nvPr>
-            <p:ph type="title"/>
+          <p:cNvPr id="4" name="矩形 3"/>
+          <p:cNvSpPr/>
+          <p:nvPr>
             <p:custDataLst>
               <p:tags r:id="rId4"/>
             </p:custDataLst>
@@ -17173,43 +18590,7 @@
         </p:nvSpPr>
         <p:spPr>
           <a:xfrm>
-            <a:off x="1525270" y="3378835"/>
-            <a:ext cx="9474200" cy="720090"/>
-          </a:xfrm>
-        </p:spPr>
-        <p:txBody>
-          <a:bodyPr anchor="ctr" anchorCtr="0"/>
-          <a:lstStyle/>
-          <a:p>
-            <a:r>
-              <a:rPr lang="zh-CN" altLang="en-US">
-                <a:solidFill>
-                  <a:srgbClr val="000000"/>
-                </a:solidFill>
-              </a:rPr>
-              <a:t>局限性分析</a:t>
-            </a:r>
-            <a:endParaRPr lang="zh-CN" altLang="en-US">
-              <a:solidFill>
-                <a:srgbClr val="000000"/>
-              </a:solidFill>
-            </a:endParaRPr>
-          </a:p>
-        </p:txBody>
-      </p:sp>
-      <p:sp>
-        <p:nvSpPr>
-          <p:cNvPr id="4" name="矩形 3"/>
-          <p:cNvSpPr/>
-          <p:nvPr>
-            <p:custDataLst>
-              <p:tags r:id="rId5"/>
-            </p:custDataLst>
-          </p:nvPr>
-        </p:nvSpPr>
-        <p:spPr>
-          <a:xfrm>
-            <a:off x="1527175" y="4785361"/>
+            <a:off x="2806065" y="4148456"/>
             <a:ext cx="2647950" cy="1218565"/>
           </a:xfrm>
           <a:prstGeom prst="rect">
@@ -17261,13 +18642,13 @@
           <p:cNvSpPr/>
           <p:nvPr>
             <p:custDataLst>
-              <p:tags r:id="rId6"/>
+              <p:tags r:id="rId5"/>
             </p:custDataLst>
           </p:nvPr>
         </p:nvSpPr>
         <p:spPr>
           <a:xfrm>
-            <a:off x="1527175" y="4325621"/>
+            <a:off x="2806065" y="3688716"/>
             <a:ext cx="2647950" cy="349250"/>
           </a:xfrm>
           <a:prstGeom prst="rect">
@@ -17289,6 +18670,17 @@
               </a:spcAft>
             </a:pPr>
             <a:r>
+              <a:rPr lang="en-US" altLang="zh-CN" sz="2000" b="1" dirty="0">
+                <a:solidFill>
+                  <a:schemeClr val="accent1"/>
+                </a:solidFill>
+                <a:latin typeface="+mn-ea"/>
+                <a:cs typeface="+mn-ea"/>
+                <a:sym typeface="+mn-ea"/>
+              </a:rPr>
+              <a:t>AI </a:t>
+            </a:r>
+            <a:r>
               <a:rPr lang="zh-CN" altLang="en-US" sz="2000" b="1" dirty="0">
                 <a:solidFill>
                   <a:schemeClr val="accent1"/>
@@ -17297,7 +18689,7 @@
                 <a:cs typeface="+mn-ea"/>
                 <a:sym typeface="+mn-ea"/>
               </a:rPr>
-              <a:t>数据依赖性</a:t>
+              <a:t>目前的局限</a:t>
             </a:r>
             <a:endParaRPr lang="zh-CN" altLang="en-US" sz="2000" b="1" dirty="0">
               <a:solidFill>
@@ -17312,130 +18704,17 @@
       </p:sp>
       <p:sp>
         <p:nvSpPr>
-          <p:cNvPr id="9" name="矩形 8"/>
+          <p:cNvPr id="11" name="矩形 10"/>
           <p:cNvSpPr/>
           <p:nvPr>
             <p:custDataLst>
-              <p:tags r:id="rId7"/>
+              <p:tags r:id="rId6"/>
             </p:custDataLst>
           </p:nvPr>
         </p:nvSpPr>
         <p:spPr>
           <a:xfrm>
-            <a:off x="8353425" y="4785361"/>
-            <a:ext cx="2647950" cy="1218565"/>
-          </a:xfrm>
-          <a:prstGeom prst="rect">
-            <a:avLst/>
-          </a:prstGeom>
-          <a:noFill/>
-        </p:spPr>
-        <p:txBody>
-          <a:bodyPr wrap="square" lIns="0" tIns="0" rIns="0" bIns="0" rtlCol="0" anchor="t">
-            <a:noAutofit/>
-          </a:bodyPr>
-          <a:p>
-            <a:pPr>
-              <a:lnSpc>
-                <a:spcPct val="150000"/>
-              </a:lnSpc>
-              <a:spcBef>
-                <a:spcPct val="0"/>
-              </a:spcBef>
-              <a:spcAft>
-                <a:spcPct val="0"/>
-              </a:spcAft>
-            </a:pPr>
-            <a:r>
-              <a:rPr lang="zh-CN" altLang="en-US" sz="1400">
-                <a:solidFill>
-                  <a:srgbClr val="000000"/>
-                </a:solidFill>
-                <a:latin typeface="+mn-ea"/>
-                <a:cs typeface="+mn-ea"/>
-                <a:sym typeface="+mn-ea"/>
-              </a:rPr>
-              <a:t>训练复杂的AI模型需要大量的计算资源，这可能限制了其广泛应用。</a:t>
-            </a:r>
-            <a:endParaRPr lang="zh-CN" altLang="en-US" sz="1400">
-              <a:solidFill>
-                <a:srgbClr val="000000"/>
-              </a:solidFill>
-              <a:latin typeface="+mn-ea"/>
-              <a:cs typeface="+mn-ea"/>
-              <a:sym typeface="+mn-ea"/>
-            </a:endParaRPr>
-          </a:p>
-        </p:txBody>
-      </p:sp>
-      <p:sp>
-        <p:nvSpPr>
-          <p:cNvPr id="10" name="矩形 9"/>
-          <p:cNvSpPr/>
-          <p:nvPr>
-            <p:custDataLst>
-              <p:tags r:id="rId8"/>
-            </p:custDataLst>
-          </p:nvPr>
-        </p:nvSpPr>
-        <p:spPr>
-          <a:xfrm>
-            <a:off x="8353425" y="4325621"/>
-            <a:ext cx="2647950" cy="349250"/>
-          </a:xfrm>
-          <a:prstGeom prst="rect">
-            <a:avLst/>
-          </a:prstGeom>
-          <a:noFill/>
-        </p:spPr>
-        <p:txBody>
-          <a:bodyPr wrap="square" lIns="0" tIns="0" rIns="0" bIns="0" rtlCol="0" anchor="b" anchorCtr="0">
-            <a:noAutofit/>
-          </a:bodyPr>
-          <a:p>
-            <a:pPr>
-              <a:spcBef>
-                <a:spcPct val="0"/>
-              </a:spcBef>
-              <a:spcAft>
-                <a:spcPct val="0"/>
-              </a:spcAft>
-            </a:pPr>
-            <a:r>
-              <a:rPr lang="zh-CN" altLang="en-US" sz="2000" b="1">
-                <a:solidFill>
-                  <a:schemeClr val="accent1"/>
-                </a:solidFill>
-                <a:latin typeface="+mn-ea"/>
-                <a:cs typeface="+mn-ea"/>
-                <a:sym typeface="+mn-ea"/>
-              </a:rPr>
-              <a:t>计算资源消耗</a:t>
-            </a:r>
-            <a:endParaRPr lang="zh-CN" altLang="en-US" sz="2000" b="1">
-              <a:solidFill>
-                <a:schemeClr val="accent1"/>
-              </a:solidFill>
-              <a:latin typeface="+mn-ea"/>
-              <a:cs typeface="+mn-ea"/>
-              <a:sym typeface="+mn-ea"/>
-            </a:endParaRPr>
-          </a:p>
-        </p:txBody>
-      </p:sp>
-      <p:sp>
-        <p:nvSpPr>
-          <p:cNvPr id="11" name="矩形 10"/>
-          <p:cNvSpPr/>
-          <p:nvPr>
-            <p:custDataLst>
-              <p:tags r:id="rId9"/>
-            </p:custDataLst>
-          </p:nvPr>
-        </p:nvSpPr>
-        <p:spPr>
-          <a:xfrm>
-            <a:off x="4940300" y="4785361"/>
+            <a:off x="6856095" y="4148456"/>
             <a:ext cx="2647950" cy="1218565"/>
           </a:xfrm>
           <a:prstGeom prst="rect">
@@ -17487,13 +18766,13 @@
           <p:cNvSpPr/>
           <p:nvPr>
             <p:custDataLst>
-              <p:tags r:id="rId10"/>
+              <p:tags r:id="rId7"/>
             </p:custDataLst>
           </p:nvPr>
         </p:nvSpPr>
         <p:spPr>
           <a:xfrm>
-            <a:off x="4940300" y="4325621"/>
+            <a:off x="6856095" y="3688716"/>
             <a:ext cx="2647950" cy="349250"/>
           </a:xfrm>
           <a:prstGeom prst="rect">
@@ -17515,6 +18794,17 @@
               </a:spcAft>
             </a:pPr>
             <a:r>
+              <a:rPr lang="en-US" altLang="zh-CN" sz="2000" b="1">
+                <a:solidFill>
+                  <a:schemeClr val="accent1"/>
+                </a:solidFill>
+                <a:latin typeface="+mn-ea"/>
+                <a:cs typeface="+mn-ea"/>
+                <a:sym typeface="+mn-ea"/>
+              </a:rPr>
+              <a:t>AI</a:t>
+            </a:r>
+            <a:r>
               <a:rPr lang="zh-CN" altLang="en-US" sz="2000" b="1">
                 <a:solidFill>
                   <a:schemeClr val="accent1"/>
@@ -17523,9 +18813,9 @@
                 <a:cs typeface="+mn-ea"/>
                 <a:sym typeface="+mn-ea"/>
               </a:rPr>
-              <a:t>算法透明度</a:t>
+              <a:t>与我们的趋势</a:t>
             </a:r>
-            <a:endParaRPr lang="zh-CN" altLang="en-US" sz="2000" b="1">
+            <a:endParaRPr lang="en-US" altLang="zh-CN" sz="2000" b="1">
               <a:solidFill>
                 <a:schemeClr val="accent1"/>
               </a:solidFill>
@@ -17538,7 +18828,7 @@
       </p:sp>
     </p:spTree>
     <p:custDataLst>
-      <p:tags r:id="rId11"/>
+      <p:tags r:id="rId8"/>
     </p:custDataLst>
   </p:cSld>
   <p:clrMapOvr>
@@ -17547,7 +18837,7 @@
 </p:sld>
 </file>
 
-<file path=ppt/slides/slide13.xml><?xml version="1.0" encoding="utf-8"?>
+<file path=ppt/slides/slide14.xml><?xml version="1.0" encoding="utf-8"?>
 <p:sld xmlns:a="http://schemas.openxmlformats.org/drawingml/2006/main" xmlns:r="http://schemas.openxmlformats.org/officeDocument/2006/relationships" xmlns:p="http://schemas.openxmlformats.org/presentationml/2006/main">
   <p:cSld>
     <p:spTree>
@@ -17566,6 +18856,93 @@
       </p:grpSpPr>
       <p:sp>
         <p:nvSpPr>
+          <p:cNvPr id="5" name="文本占位符 4"/>
+          <p:cNvSpPr>
+            <a:spLocks noGrp="1"/>
+          </p:cNvSpPr>
+          <p:nvPr>
+            <p:ph type="body" idx="2"/>
+            <p:custDataLst>
+              <p:tags r:id="rId1"/>
+            </p:custDataLst>
+          </p:nvPr>
+        </p:nvSpPr>
+        <p:spPr/>
+        <p:txBody>
+          <a:bodyPr/>
+          <a:lstStyle/>
+          <a:p>
+            <a:r>
+              <a:rPr lang="zh-CN" altLang="en-US"/>
+              <a:t>分享人: 万鹏</a:t>
+            </a:r>
+            <a:endParaRPr lang="zh-CN" altLang="en-US"/>
+          </a:p>
+        </p:txBody>
+      </p:sp>
+      <p:sp>
+        <p:nvSpPr>
+          <p:cNvPr id="6" name="标题 5"/>
+          <p:cNvSpPr>
+            <a:spLocks noGrp="1"/>
+          </p:cNvSpPr>
+          <p:nvPr>
+            <p:ph type="title" idx="1"/>
+            <p:custDataLst>
+              <p:tags r:id="rId2"/>
+            </p:custDataLst>
+          </p:nvPr>
+        </p:nvSpPr>
+        <p:spPr>
+          <a:xfrm>
+            <a:off x="513715" y="1853565"/>
+            <a:ext cx="7420610" cy="1525905"/>
+          </a:xfrm>
+        </p:spPr>
+        <p:txBody>
+          <a:bodyPr>
+            <a:normAutofit fontScale="90000"/>
+          </a:bodyPr>
+          <a:lstStyle/>
+          <a:p>
+            <a:r>
+              <a:rPr lang="zh-CN" altLang="en-US"/>
+              <a:t>谢谢</a:t>
+            </a:r>
+            <a:endParaRPr lang="zh-CN" altLang="en-US"/>
+          </a:p>
+        </p:txBody>
+      </p:sp>
+    </p:spTree>
+    <p:custDataLst>
+      <p:tags r:id="rId3"/>
+    </p:custDataLst>
+  </p:cSld>
+  <p:clrMapOvr>
+    <a:masterClrMapping/>
+  </p:clrMapOvr>
+</p:sld>
+</file>
+
+<file path=ppt/slides/slide15.xml><?xml version="1.0" encoding="utf-8"?>
+<p:sld xmlns:a="http://schemas.openxmlformats.org/drawingml/2006/main" xmlns:r="http://schemas.openxmlformats.org/officeDocument/2006/relationships" xmlns:p="http://schemas.openxmlformats.org/presentationml/2006/main">
+  <p:cSld>
+    <p:spTree>
+      <p:nvGrpSpPr>
+        <p:cNvPr id="1" name=""/>
+        <p:cNvGrpSpPr/>
+        <p:nvPr/>
+      </p:nvGrpSpPr>
+      <p:grpSpPr>
+        <a:xfrm>
+          <a:off x="0" y="0"/>
+          <a:ext cx="0" cy="0"/>
+          <a:chOff x="0" y="0"/>
+          <a:chExt cx="0" cy="0"/>
+        </a:xfrm>
+      </p:grpSpPr>
+      <p:sp>
+        <p:nvSpPr>
           <p:cNvPr id="17" name="标题 16"/>
           <p:cNvSpPr>
             <a:spLocks noGrp="1"/>
@@ -17583,10 +18960,10 @@
           <a:lstStyle/>
           <a:p>
             <a:r>
-              <a:rPr lang="zh-CN" altLang="en-US"/>
-              <a:t>未来趋势展望</a:t>
+              <a:rPr lang="en-US" altLang="zh-CN"/>
+              <a:t>xxxxxx</a:t>
             </a:r>
-            <a:endParaRPr lang="zh-CN" altLang="en-US"/>
+            <a:endParaRPr lang="en-US" altLang="zh-CN"/>
           </a:p>
         </p:txBody>
       </p:sp>
@@ -18070,7 +19447,7 @@
               </a:spcAft>
             </a:pPr>
             <a:r>
-              <a:rPr lang="zh-CN" altLang="en-US" sz="2400" b="1" dirty="0">
+              <a:rPr lang="en-US" altLang="zh-CN" sz="2400" b="1" dirty="0">
                 <a:solidFill>
                   <a:schemeClr val="tx1">
                     <a:lumMod val="85000"/>
@@ -18080,9 +19457,9 @@
                 <a:latin typeface="+mn-ea"/>
                 <a:cs typeface="+mn-ea"/>
               </a:rPr>
-              <a:t>自动化机器学习</a:t>
+              <a:t>xxxxx</a:t>
             </a:r>
-            <a:endParaRPr lang="zh-CN" altLang="en-US" sz="2400" b="1" dirty="0">
+            <a:endParaRPr lang="en-US" altLang="zh-CN" sz="2400" b="1" dirty="0">
               <a:solidFill>
                 <a:schemeClr val="tx1">
                   <a:lumMod val="85000"/>
@@ -18132,7 +19509,7 @@
               </a:spcAft>
             </a:pPr>
             <a:r>
-              <a:rPr lang="zh-CN" altLang="en-US" sz="1600" dirty="0">
+              <a:rPr lang="en-US" altLang="zh-CN" sz="1600" dirty="0">
                 <a:solidFill>
                   <a:schemeClr val="tx1">
                     <a:lumMod val="85000"/>
@@ -18142,9 +19519,9 @@
                 <a:latin typeface="+mn-ea"/>
                 <a:cs typeface="+mn-ea"/>
               </a:rPr>
-              <a:t>自动化机器学习（AutoML）将简化AI模型的开发流程，降低技术门槛。</a:t>
+              <a:t>xxxxxx</a:t>
             </a:r>
-            <a:endParaRPr lang="zh-CN" altLang="en-US" sz="1600" dirty="0">
+            <a:endParaRPr lang="en-US" altLang="zh-CN" sz="1600" dirty="0">
               <a:solidFill>
                 <a:schemeClr val="tx1">
                   <a:lumMod val="85000"/>
@@ -18191,16 +19568,16 @@
               </a:spcAft>
             </a:pPr>
             <a:r>
-              <a:rPr lang="zh-CN" altLang="en-US" sz="2400" b="1" dirty="0">
+              <a:rPr lang="en-US" altLang="zh-CN" sz="2400" b="1" dirty="0">
                 <a:solidFill>
                   <a:srgbClr val="FFFFFF"/>
                 </a:solidFill>
                 <a:latin typeface="+mn-ea"/>
                 <a:cs typeface="+mn-ea"/>
               </a:rPr>
-              <a:t>跨领域应用拓展</a:t>
+              <a:t>xxxxx</a:t>
             </a:r>
-            <a:endParaRPr lang="zh-CN" altLang="en-US" sz="2400" b="1" dirty="0">
+            <a:endParaRPr lang="en-US" altLang="zh-CN" sz="2400" b="1" dirty="0">
               <a:solidFill>
                 <a:srgbClr val="FFFFFF"/>
               </a:solidFill>
@@ -18247,16 +19624,16 @@
               </a:spcAft>
             </a:pPr>
             <a:r>
-              <a:rPr lang="zh-CN" altLang="en-US" sz="1600">
+              <a:rPr lang="en-US" altLang="zh-CN" sz="1600">
                 <a:solidFill>
                   <a:srgbClr val="FFFFFF"/>
                 </a:solidFill>
                 <a:latin typeface="+mn-ea"/>
                 <a:cs typeface="+mn-ea"/>
               </a:rPr>
-              <a:t>AI编程将更多地应用于医疗、金融等跨领域，推动行业智能化升级。</a:t>
+              <a:t>xxxx</a:t>
             </a:r>
-            <a:endParaRPr lang="zh-CN" altLang="en-US" sz="1600">
+            <a:endParaRPr lang="en-US" altLang="zh-CN" sz="1600">
               <a:solidFill>
                 <a:srgbClr val="FFFFFF"/>
               </a:solidFill>
@@ -18300,7 +19677,7 @@
               </a:spcAft>
             </a:pPr>
             <a:r>
-              <a:rPr lang="zh-CN" altLang="en-US" sz="2400" b="1" dirty="0">
+              <a:rPr lang="en-US" altLang="zh-CN" sz="2400" b="1" dirty="0">
                 <a:solidFill>
                   <a:schemeClr val="tx1">
                     <a:lumMod val="85000"/>
@@ -18310,9 +19687,9 @@
                 <a:latin typeface="+mn-ea"/>
                 <a:cs typeface="+mn-ea"/>
               </a:rPr>
-              <a:t>伦理与法规发展</a:t>
+              <a:t>xxxxx</a:t>
             </a:r>
-            <a:endParaRPr lang="zh-CN" altLang="en-US" sz="2400" b="1" dirty="0">
+            <a:endParaRPr lang="en-US" altLang="zh-CN" sz="2400" b="1" dirty="0">
               <a:solidFill>
                 <a:schemeClr val="tx1">
                   <a:lumMod val="85000"/>
@@ -18362,7 +19739,7 @@
               </a:spcAft>
             </a:pPr>
             <a:r>
-              <a:rPr lang="zh-CN" altLang="en-US" sz="1600">
+              <a:rPr lang="en-US" altLang="zh-CN" sz="1600">
                 <a:solidFill>
                   <a:schemeClr val="tx1">
                     <a:lumMod val="85000"/>
@@ -18372,9 +19749,9 @@
                 <a:latin typeface="+mn-ea"/>
                 <a:cs typeface="+mn-ea"/>
               </a:rPr>
-              <a:t>随着AI技术的普及，将出现更多关于AI伦理和法规的讨论和制定。</a:t>
+              <a:t>xxxxx</a:t>
             </a:r>
-            <a:endParaRPr lang="zh-CN" altLang="en-US" sz="1600">
+            <a:endParaRPr lang="en-US" altLang="zh-CN" sz="1600">
               <a:solidFill>
                 <a:schemeClr val="tx1">
                   <a:lumMod val="85000"/>
@@ -18398,7 +19775,7 @@
 </p:sld>
 </file>
 
-<file path=ppt/slides/slide14.xml><?xml version="1.0" encoding="utf-8"?>
+<file path=ppt/slides/slide16.xml><?xml version="1.0" encoding="utf-8"?>
 <p:sld xmlns:a="http://schemas.openxmlformats.org/drawingml/2006/main" xmlns:r="http://schemas.openxmlformats.org/officeDocument/2006/relationships" xmlns:p="http://schemas.openxmlformats.org/presentationml/2006/main">
   <p:cSld>
     <p:spTree>
@@ -18417,12 +19794,12 @@
       </p:grpSpPr>
       <p:sp>
         <p:nvSpPr>
-          <p:cNvPr id="5" name="文本占位符 4"/>
+          <p:cNvPr id="22" name="标题 21"/>
           <p:cNvSpPr>
             <a:spLocks noGrp="1"/>
           </p:cNvSpPr>
           <p:nvPr>
-            <p:ph type="body" idx="2"/>
+            <p:ph type="title"/>
             <p:custDataLst>
               <p:tags r:id="rId1"/>
             </p:custDataLst>
@@ -18434,44 +19811,751 @@
           <a:lstStyle/>
           <a:p>
             <a:r>
-              <a:rPr lang="zh-CN" altLang="en-US"/>
-              <a:t>汇报人: 語讠</a:t>
+              <a:rPr lang="en-US" altLang="zh-CN"/>
+              <a:t>xxxxxx</a:t>
             </a:r>
-            <a:endParaRPr lang="zh-CN" altLang="en-US"/>
-          </a:p>
-        </p:txBody>
-      </p:sp>
-      <p:sp>
-        <p:nvSpPr>
-          <p:cNvPr id="6" name="标题 5"/>
-          <p:cNvSpPr>
-            <a:spLocks noGrp="1"/>
-          </p:cNvSpPr>
-          <p:nvPr>
-            <p:ph type="title" idx="1"/>
+            <a:endParaRPr lang="en-US" altLang="zh-CN"/>
+          </a:p>
+        </p:txBody>
+      </p:sp>
+      <p:sp>
+        <p:nvSpPr>
+          <p:cNvPr id="2" name="矩形 1"/>
+          <p:cNvSpPr/>
+          <p:nvPr>
             <p:custDataLst>
               <p:tags r:id="rId2"/>
             </p:custDataLst>
           </p:nvPr>
         </p:nvSpPr>
-        <p:spPr/>
-        <p:txBody>
-          <a:bodyPr>
-            <a:normAutofit fontScale="90000"/>
+        <p:spPr>
+          <a:xfrm>
+            <a:off x="2143490" y="4519142"/>
+            <a:ext cx="2168323" cy="482293"/>
+          </a:xfrm>
+          <a:prstGeom prst="rect">
+            <a:avLst/>
+          </a:prstGeom>
+          <a:noFill/>
+        </p:spPr>
+        <p:txBody>
+          <a:bodyPr wrap="square" lIns="0" tIns="0" rIns="0" bIns="0" rtlCol="0" anchor="ctr">
+            <a:noAutofit/>
           </a:bodyPr>
-          <a:lstStyle/>
-          <a:p>
+          <a:p>
+            <a:pPr algn="ctr">
+              <a:spcBef>
+                <a:spcPct val="0"/>
+              </a:spcBef>
+              <a:spcAft>
+                <a:spcPct val="0"/>
+              </a:spcAft>
+            </a:pPr>
             <a:r>
-              <a:rPr lang="zh-CN" altLang="en-US"/>
-              <a:t>谢谢</a:t>
+              <a:rPr lang="en-US" altLang="zh-CN" sz="1600" b="1">
+                <a:solidFill>
+                  <a:schemeClr val="accent1"/>
+                </a:solidFill>
+                <a:latin typeface="+mn-ea"/>
+                <a:cs typeface="+mn-ea"/>
+              </a:rPr>
+              <a:t>xxxxx</a:t>
             </a:r>
-            <a:endParaRPr lang="zh-CN" altLang="en-US"/>
+            <a:endParaRPr lang="en-US" altLang="zh-CN" sz="1600" b="1">
+              <a:solidFill>
+                <a:schemeClr val="accent1"/>
+              </a:solidFill>
+              <a:latin typeface="+mn-ea"/>
+              <a:cs typeface="+mn-ea"/>
+            </a:endParaRPr>
+          </a:p>
+        </p:txBody>
+      </p:sp>
+      <p:sp>
+        <p:nvSpPr>
+          <p:cNvPr id="3" name="矩形 2"/>
+          <p:cNvSpPr/>
+          <p:nvPr>
+            <p:custDataLst>
+              <p:tags r:id="rId3"/>
+            </p:custDataLst>
+          </p:nvPr>
+        </p:nvSpPr>
+        <p:spPr>
+          <a:xfrm>
+            <a:off x="2143490" y="5026079"/>
+            <a:ext cx="2168323" cy="1563036"/>
+          </a:xfrm>
+          <a:prstGeom prst="rect">
+            <a:avLst/>
+          </a:prstGeom>
+          <a:noFill/>
+        </p:spPr>
+        <p:txBody>
+          <a:bodyPr wrap="square" lIns="0" tIns="0" rIns="0" bIns="0" rtlCol="0" anchor="t" anchorCtr="0">
+            <a:noAutofit/>
+          </a:bodyPr>
+          <a:p>
+            <a:pPr algn="ctr">
+              <a:lnSpc>
+                <a:spcPct val="140000"/>
+              </a:lnSpc>
+              <a:spcBef>
+                <a:spcPct val="0"/>
+              </a:spcBef>
+              <a:spcAft>
+                <a:spcPct val="0"/>
+              </a:spcAft>
+            </a:pPr>
+            <a:r>
+              <a:rPr lang="en-US" altLang="zh-CN" sz="1200" dirty="0">
+                <a:ln>
+                  <a:noFill/>
+                  <a:prstDash val="sysDot"/>
+                </a:ln>
+                <a:solidFill>
+                  <a:schemeClr val="tx1">
+                    <a:lumMod val="85000"/>
+                    <a:lumOff val="15000"/>
+                  </a:schemeClr>
+                </a:solidFill>
+                <a:latin typeface="+mn-ea"/>
+                <a:cs typeface="+mn-ea"/>
+                <a:sym typeface="+mn-ea"/>
+              </a:rPr>
+              <a:t>xxxxxxx</a:t>
+            </a:r>
+            <a:endParaRPr lang="en-US" altLang="zh-CN" sz="1200" dirty="0">
+              <a:ln>
+                <a:noFill/>
+                <a:prstDash val="sysDot"/>
+              </a:ln>
+              <a:solidFill>
+                <a:schemeClr val="tx1">
+                  <a:lumMod val="85000"/>
+                  <a:lumOff val="15000"/>
+                </a:schemeClr>
+              </a:solidFill>
+              <a:latin typeface="+mn-ea"/>
+              <a:cs typeface="+mn-ea"/>
+              <a:sym typeface="+mn-ea"/>
+            </a:endParaRPr>
+          </a:p>
+        </p:txBody>
+      </p:sp>
+      <p:pic>
+        <p:nvPicPr>
+          <p:cNvPr id="16" name="图片 1" descr="/data/temp/c89d2044-49d9-11f0-b916-3a6beead4237.jpg@base@tag=imgScale&amp;m=1&amp;w=485&amp;h=753&amp;q=95c89d2044-49d9-11f0-b916-3a6beead4237"/>
+          <p:cNvPicPr>
+            <a:picLocks noChangeAspect="1"/>
+          </p:cNvPicPr>
+          <p:nvPr>
+            <p:custDataLst>
+              <p:tags r:id="rId4"/>
+            </p:custDataLst>
+          </p:nvPr>
+        </p:nvPicPr>
+        <p:blipFill>
+          <a:blip r:embed="rId5"/>
+          <a:srcRect l="28241" r="7391"/>
+          <a:stretch>
+            <a:fillRect/>
+          </a:stretch>
+        </p:blipFill>
+        <p:spPr>
+          <a:xfrm>
+            <a:off x="2354580" y="1880235"/>
+            <a:ext cx="1747520" cy="1765935"/>
+          </a:xfrm>
+          <a:prstGeom prst="roundRect">
+            <a:avLst>
+              <a:gd name="adj" fmla="val 50000"/>
+            </a:avLst>
+          </a:prstGeom>
+          <a:solidFill>
+            <a:schemeClr val="accent1"/>
+          </a:solidFill>
+          <a:ln>
+            <a:solidFill>
+              <a:schemeClr val="accent1">
+                <a:alpha val="20000"/>
+              </a:schemeClr>
+            </a:solidFill>
+          </a:ln>
+        </p:spPr>
+      </p:pic>
+      <p:sp>
+        <p:nvSpPr>
+          <p:cNvPr id="17" name="椭圆 16"/>
+          <p:cNvSpPr/>
+          <p:nvPr>
+            <p:custDataLst>
+              <p:tags r:id="rId6"/>
+            </p:custDataLst>
+          </p:nvPr>
+        </p:nvSpPr>
+        <p:spPr>
+          <a:xfrm>
+            <a:off x="2041849" y="2375781"/>
+            <a:ext cx="627656" cy="627656"/>
+          </a:xfrm>
+          <a:prstGeom prst="ellipse">
+            <a:avLst/>
+          </a:prstGeom>
+          <a:solidFill>
+            <a:srgbClr val="FFFFFF"/>
+          </a:solidFill>
+          <a:ln>
+            <a:solidFill>
+              <a:schemeClr val="accent1"/>
+            </a:solidFill>
+          </a:ln>
+          <a:effectLst/>
+        </p:spPr>
+        <p:style>
+          <a:lnRef idx="2">
+            <a:schemeClr val="accent1">
+              <a:lumMod val="75000"/>
+            </a:schemeClr>
+          </a:lnRef>
+          <a:fillRef idx="1">
+            <a:schemeClr val="accent1"/>
+          </a:fillRef>
+          <a:effectRef idx="0">
+            <a:srgbClr val="FFFFFF"/>
+          </a:effectRef>
+          <a:fontRef idx="minor">
+            <a:schemeClr val="lt1"/>
+          </a:fontRef>
+        </p:style>
+        <p:txBody>
+          <a:bodyPr wrap="none" lIns="0" tIns="0" rIns="0" bIns="0" rtlCol="0" anchor="ctr">
+            <a:normAutofit/>
+          </a:bodyPr>
+          <a:p>
+            <a:pPr algn="ctr">
+              <a:spcBef>
+                <a:spcPct val="0"/>
+              </a:spcBef>
+              <a:spcAft>
+                <a:spcPct val="0"/>
+              </a:spcAft>
+            </a:pPr>
+            <a:r>
+              <a:rPr lang="en-US" altLang="zh-CN" sz="1600" b="1">
+                <a:solidFill>
+                  <a:schemeClr val="accent1"/>
+                </a:solidFill>
+                <a:latin typeface="+mn-ea"/>
+                <a:cs typeface="+mn-ea"/>
+                <a:sym typeface="+mn-ea"/>
+              </a:rPr>
+              <a:t>01</a:t>
+            </a:r>
+            <a:endParaRPr lang="zh-CN" altLang="en-US" sz="1600" b="1" dirty="0">
+              <a:solidFill>
+                <a:schemeClr val="accent1"/>
+              </a:solidFill>
+              <a:latin typeface="+mn-ea"/>
+              <a:cs typeface="+mn-ea"/>
+              <a:sym typeface="+mn-ea"/>
+            </a:endParaRPr>
+          </a:p>
+        </p:txBody>
+      </p:sp>
+      <p:pic>
+        <p:nvPicPr>
+          <p:cNvPr id="18" name="图片 2" descr="/data/temp/c89d22aa-49d9-11f0-b916-3a6beead4237.jpg@base@tag=imgScale&amp;m=1&amp;w=485&amp;h=753&amp;q=95c89d22aa-49d9-11f0-b916-3a6beead4237"/>
+          <p:cNvPicPr>
+            <a:picLocks noChangeAspect="1"/>
+          </p:cNvPicPr>
+          <p:nvPr>
+            <p:custDataLst>
+              <p:tags r:id="rId7"/>
+            </p:custDataLst>
+          </p:nvPr>
+        </p:nvPicPr>
+        <p:blipFill>
+          <a:blip r:embed="rId8"/>
+          <a:srcRect l="10650" r="10650"/>
+          <a:stretch>
+            <a:fillRect/>
+          </a:stretch>
+        </p:blipFill>
+        <p:spPr>
+          <a:xfrm>
+            <a:off x="5257165" y="1880235"/>
+            <a:ext cx="1747520" cy="1765300"/>
+          </a:xfrm>
+          <a:prstGeom prst="roundRect">
+            <a:avLst>
+              <a:gd name="adj" fmla="val 50000"/>
+            </a:avLst>
+          </a:prstGeom>
+          <a:solidFill>
+            <a:schemeClr val="accent1"/>
+          </a:solidFill>
+          <a:ln>
+            <a:solidFill>
+              <a:schemeClr val="accent1">
+                <a:alpha val="20000"/>
+              </a:schemeClr>
+            </a:solidFill>
+          </a:ln>
+        </p:spPr>
+      </p:pic>
+      <p:sp>
+        <p:nvSpPr>
+          <p:cNvPr id="19" name="椭圆 18"/>
+          <p:cNvSpPr/>
+          <p:nvPr>
+            <p:custDataLst>
+              <p:tags r:id="rId9"/>
+            </p:custDataLst>
+          </p:nvPr>
+        </p:nvSpPr>
+        <p:spPr>
+          <a:xfrm>
+            <a:off x="4943709" y="2375781"/>
+            <a:ext cx="627656" cy="627656"/>
+          </a:xfrm>
+          <a:prstGeom prst="ellipse">
+            <a:avLst/>
+          </a:prstGeom>
+          <a:solidFill>
+            <a:srgbClr val="FFFFFF"/>
+          </a:solidFill>
+          <a:ln>
+            <a:solidFill>
+              <a:schemeClr val="accent1"/>
+            </a:solidFill>
+          </a:ln>
+          <a:effectLst/>
+        </p:spPr>
+        <p:style>
+          <a:lnRef idx="2">
+            <a:schemeClr val="accent1">
+              <a:lumMod val="75000"/>
+            </a:schemeClr>
+          </a:lnRef>
+          <a:fillRef idx="1">
+            <a:schemeClr val="accent1"/>
+          </a:fillRef>
+          <a:effectRef idx="0">
+            <a:srgbClr val="FFFFFF"/>
+          </a:effectRef>
+          <a:fontRef idx="minor">
+            <a:schemeClr val="lt1"/>
+          </a:fontRef>
+        </p:style>
+        <p:txBody>
+          <a:bodyPr wrap="none" lIns="0" tIns="0" rIns="0" bIns="0" rtlCol="0" anchor="ctr">
+            <a:normAutofit/>
+          </a:bodyPr>
+          <a:p>
+            <a:pPr algn="ctr">
+              <a:spcBef>
+                <a:spcPct val="0"/>
+              </a:spcBef>
+              <a:spcAft>
+                <a:spcPct val="0"/>
+              </a:spcAft>
+            </a:pPr>
+            <a:r>
+              <a:rPr lang="en-US" altLang="zh-CN" sz="1600" b="1">
+                <a:solidFill>
+                  <a:schemeClr val="accent1"/>
+                </a:solidFill>
+                <a:latin typeface="+mn-ea"/>
+                <a:cs typeface="+mn-ea"/>
+                <a:sym typeface="+mn-ea"/>
+              </a:rPr>
+              <a:t>02</a:t>
+            </a:r>
+            <a:endParaRPr lang="zh-CN" altLang="en-US" sz="1600" b="1" dirty="0">
+              <a:solidFill>
+                <a:schemeClr val="accent1"/>
+              </a:solidFill>
+              <a:latin typeface="+mn-ea"/>
+              <a:cs typeface="+mn-ea"/>
+              <a:sym typeface="+mn-ea"/>
+            </a:endParaRPr>
+          </a:p>
+        </p:txBody>
+      </p:sp>
+      <p:sp>
+        <p:nvSpPr>
+          <p:cNvPr id="20" name="矩形 19"/>
+          <p:cNvSpPr/>
+          <p:nvPr>
+            <p:custDataLst>
+              <p:tags r:id="rId10"/>
+            </p:custDataLst>
+          </p:nvPr>
+        </p:nvSpPr>
+        <p:spPr>
+          <a:xfrm>
+            <a:off x="5054244" y="4515331"/>
+            <a:ext cx="2168323" cy="482293"/>
+          </a:xfrm>
+          <a:prstGeom prst="rect">
+            <a:avLst/>
+          </a:prstGeom>
+          <a:noFill/>
+        </p:spPr>
+        <p:txBody>
+          <a:bodyPr wrap="square" lIns="0" tIns="0" rIns="0" bIns="0" rtlCol="0" anchor="ctr">
+            <a:noAutofit/>
+          </a:bodyPr>
+          <a:p>
+            <a:pPr algn="ctr">
+              <a:spcBef>
+                <a:spcPct val="0"/>
+              </a:spcBef>
+              <a:spcAft>
+                <a:spcPct val="0"/>
+              </a:spcAft>
+            </a:pPr>
+            <a:r>
+              <a:rPr lang="en-US" altLang="zh-CN" sz="1600" b="1">
+                <a:solidFill>
+                  <a:schemeClr val="accent1"/>
+                </a:solidFill>
+                <a:latin typeface="+mn-ea"/>
+                <a:cs typeface="+mn-ea"/>
+              </a:rPr>
+              <a:t>xxxxx</a:t>
+            </a:r>
+            <a:endParaRPr lang="en-US" altLang="zh-CN" sz="1600" b="1">
+              <a:solidFill>
+                <a:schemeClr val="accent1"/>
+              </a:solidFill>
+              <a:latin typeface="+mn-ea"/>
+              <a:cs typeface="+mn-ea"/>
+            </a:endParaRPr>
+          </a:p>
+        </p:txBody>
+      </p:sp>
+      <p:sp>
+        <p:nvSpPr>
+          <p:cNvPr id="21" name="矩形 20"/>
+          <p:cNvSpPr/>
+          <p:nvPr>
+            <p:custDataLst>
+              <p:tags r:id="rId11"/>
+            </p:custDataLst>
+          </p:nvPr>
+        </p:nvSpPr>
+        <p:spPr>
+          <a:xfrm>
+            <a:off x="5054244" y="5022267"/>
+            <a:ext cx="2168322" cy="1563036"/>
+          </a:xfrm>
+          <a:prstGeom prst="rect">
+            <a:avLst/>
+          </a:prstGeom>
+          <a:noFill/>
+        </p:spPr>
+        <p:txBody>
+          <a:bodyPr wrap="square" lIns="0" tIns="0" rIns="0" bIns="0" rtlCol="0" anchor="t" anchorCtr="0">
+            <a:noAutofit/>
+          </a:bodyPr>
+          <a:p>
+            <a:pPr algn="ctr">
+              <a:lnSpc>
+                <a:spcPct val="140000"/>
+              </a:lnSpc>
+              <a:spcBef>
+                <a:spcPct val="0"/>
+              </a:spcBef>
+              <a:spcAft>
+                <a:spcPct val="0"/>
+              </a:spcAft>
+            </a:pPr>
+            <a:r>
+              <a:rPr lang="en-US" altLang="zh-CN" sz="1200" dirty="0">
+                <a:ln>
+                  <a:noFill/>
+                  <a:prstDash val="sysDot"/>
+                </a:ln>
+                <a:solidFill>
+                  <a:schemeClr val="tx1">
+                    <a:lumMod val="85000"/>
+                    <a:lumOff val="15000"/>
+                  </a:schemeClr>
+                </a:solidFill>
+                <a:latin typeface="+mn-ea"/>
+                <a:cs typeface="+mn-ea"/>
+                <a:sym typeface="+mn-ea"/>
+              </a:rPr>
+              <a:t>xxxxx</a:t>
+            </a:r>
+            <a:endParaRPr lang="en-US" altLang="zh-CN" sz="1200" dirty="0">
+              <a:ln>
+                <a:noFill/>
+                <a:prstDash val="sysDot"/>
+              </a:ln>
+              <a:solidFill>
+                <a:schemeClr val="tx1">
+                  <a:lumMod val="85000"/>
+                  <a:lumOff val="15000"/>
+                </a:schemeClr>
+              </a:solidFill>
+              <a:latin typeface="+mn-ea"/>
+              <a:cs typeface="+mn-ea"/>
+              <a:sym typeface="+mn-ea"/>
+            </a:endParaRPr>
+          </a:p>
+        </p:txBody>
+      </p:sp>
+      <p:pic>
+        <p:nvPicPr>
+          <p:cNvPr id="27" name="图片 3" descr="/data/temp/c89d212c-49d9-11f0-b916-3a6beead4237.jpg@base@tag=imgScale&amp;m=1&amp;w=485&amp;h=753&amp;q=95c89d212c-49d9-11f0-b916-3a6beead4237"/>
+          <p:cNvPicPr>
+            <a:picLocks noChangeAspect="1"/>
+          </p:cNvPicPr>
+          <p:nvPr>
+            <p:custDataLst>
+              <p:tags r:id="rId12"/>
+            </p:custDataLst>
+          </p:nvPr>
+        </p:nvPicPr>
+        <p:blipFill>
+          <a:blip r:embed="rId13"/>
+          <a:srcRect l="15775" r="16805"/>
+          <a:stretch>
+            <a:fillRect/>
+          </a:stretch>
+        </p:blipFill>
+        <p:spPr>
+          <a:xfrm>
+            <a:off x="8159750" y="1880235"/>
+            <a:ext cx="1747520" cy="1761490"/>
+          </a:xfrm>
+          <a:prstGeom prst="roundRect">
+            <a:avLst>
+              <a:gd name="adj" fmla="val 50000"/>
+            </a:avLst>
+          </a:prstGeom>
+          <a:solidFill>
+            <a:schemeClr val="accent1"/>
+          </a:solidFill>
+          <a:ln>
+            <a:solidFill>
+              <a:schemeClr val="accent1">
+                <a:alpha val="20000"/>
+              </a:schemeClr>
+            </a:solidFill>
+          </a:ln>
+        </p:spPr>
+      </p:pic>
+      <p:sp>
+        <p:nvSpPr>
+          <p:cNvPr id="28" name="椭圆 27"/>
+          <p:cNvSpPr/>
+          <p:nvPr>
+            <p:custDataLst>
+              <p:tags r:id="rId14"/>
+            </p:custDataLst>
+          </p:nvPr>
+        </p:nvSpPr>
+        <p:spPr>
+          <a:xfrm>
+            <a:off x="7839216" y="2366252"/>
+            <a:ext cx="627656" cy="627656"/>
+          </a:xfrm>
+          <a:prstGeom prst="ellipse">
+            <a:avLst/>
+          </a:prstGeom>
+          <a:solidFill>
+            <a:srgbClr val="FFFFFF"/>
+          </a:solidFill>
+          <a:ln>
+            <a:solidFill>
+              <a:schemeClr val="accent1"/>
+            </a:solidFill>
+          </a:ln>
+          <a:effectLst/>
+        </p:spPr>
+        <p:style>
+          <a:lnRef idx="2">
+            <a:schemeClr val="accent1">
+              <a:lumMod val="75000"/>
+            </a:schemeClr>
+          </a:lnRef>
+          <a:fillRef idx="1">
+            <a:schemeClr val="accent1"/>
+          </a:fillRef>
+          <a:effectRef idx="0">
+            <a:srgbClr val="FFFFFF"/>
+          </a:effectRef>
+          <a:fontRef idx="minor">
+            <a:schemeClr val="lt1"/>
+          </a:fontRef>
+        </p:style>
+        <p:txBody>
+          <a:bodyPr wrap="none" lIns="0" tIns="0" rIns="0" bIns="0" rtlCol="0" anchor="ctr">
+            <a:normAutofit/>
+          </a:bodyPr>
+          <a:p>
+            <a:pPr algn="ctr">
+              <a:spcBef>
+                <a:spcPct val="0"/>
+              </a:spcBef>
+              <a:spcAft>
+                <a:spcPct val="0"/>
+              </a:spcAft>
+            </a:pPr>
+            <a:r>
+              <a:rPr lang="en-US" altLang="zh-CN" sz="1600" b="1">
+                <a:solidFill>
+                  <a:schemeClr val="accent1"/>
+                </a:solidFill>
+                <a:latin typeface="+mn-ea"/>
+                <a:cs typeface="+mn-ea"/>
+                <a:sym typeface="+mn-ea"/>
+              </a:rPr>
+              <a:t>03</a:t>
+            </a:r>
+            <a:endParaRPr lang="zh-CN" altLang="en-US" sz="1600" b="1" dirty="0">
+              <a:solidFill>
+                <a:schemeClr val="accent1"/>
+              </a:solidFill>
+              <a:latin typeface="+mn-ea"/>
+              <a:cs typeface="+mn-ea"/>
+              <a:sym typeface="+mn-ea"/>
+            </a:endParaRPr>
+          </a:p>
+        </p:txBody>
+      </p:sp>
+      <p:sp>
+        <p:nvSpPr>
+          <p:cNvPr id="29" name="矩形 28"/>
+          <p:cNvSpPr/>
+          <p:nvPr>
+            <p:custDataLst>
+              <p:tags r:id="rId15"/>
+            </p:custDataLst>
+          </p:nvPr>
+        </p:nvSpPr>
+        <p:spPr>
+          <a:xfrm>
+            <a:off x="7964362" y="4515331"/>
+            <a:ext cx="2168323" cy="482293"/>
+          </a:xfrm>
+          <a:prstGeom prst="rect">
+            <a:avLst/>
+          </a:prstGeom>
+          <a:noFill/>
+        </p:spPr>
+        <p:txBody>
+          <a:bodyPr wrap="square" lIns="0" tIns="0" rIns="0" bIns="0" rtlCol="0" anchor="ctr">
+            <a:noAutofit/>
+          </a:bodyPr>
+          <a:p>
+            <a:pPr algn="ctr">
+              <a:spcBef>
+                <a:spcPct val="0"/>
+              </a:spcBef>
+              <a:spcAft>
+                <a:spcPct val="0"/>
+              </a:spcAft>
+            </a:pPr>
+            <a:r>
+              <a:rPr lang="en-US" altLang="zh-CN" sz="1600" b="1">
+                <a:solidFill>
+                  <a:schemeClr val="accent1"/>
+                </a:solidFill>
+                <a:latin typeface="+mn-ea"/>
+                <a:cs typeface="+mn-ea"/>
+              </a:rPr>
+              <a:t>xxxx</a:t>
+            </a:r>
+            <a:endParaRPr lang="en-US" altLang="zh-CN" sz="1600" b="1">
+              <a:solidFill>
+                <a:schemeClr val="accent1"/>
+              </a:solidFill>
+              <a:latin typeface="+mn-ea"/>
+              <a:cs typeface="+mn-ea"/>
+            </a:endParaRPr>
+          </a:p>
+        </p:txBody>
+      </p:sp>
+      <p:sp>
+        <p:nvSpPr>
+          <p:cNvPr id="30" name="矩形 29"/>
+          <p:cNvSpPr/>
+          <p:nvPr>
+            <p:custDataLst>
+              <p:tags r:id="rId16"/>
+            </p:custDataLst>
+          </p:nvPr>
+        </p:nvSpPr>
+        <p:spPr>
+          <a:xfrm>
+            <a:off x="7964362" y="5022267"/>
+            <a:ext cx="2168322" cy="1563036"/>
+          </a:xfrm>
+          <a:prstGeom prst="rect">
+            <a:avLst/>
+          </a:prstGeom>
+          <a:noFill/>
+        </p:spPr>
+        <p:txBody>
+          <a:bodyPr wrap="square" lIns="0" tIns="0" rIns="0" bIns="0" rtlCol="0" anchor="t" anchorCtr="0">
+            <a:noAutofit/>
+          </a:bodyPr>
+          <a:p>
+            <a:pPr algn="ctr">
+              <a:lnSpc>
+                <a:spcPct val="140000"/>
+              </a:lnSpc>
+              <a:spcBef>
+                <a:spcPct val="0"/>
+              </a:spcBef>
+              <a:spcAft>
+                <a:spcPct val="0"/>
+              </a:spcAft>
+            </a:pPr>
+            <a:r>
+              <a:rPr lang="en-US" altLang="zh-CN" sz="1200" dirty="0">
+                <a:ln>
+                  <a:noFill/>
+                  <a:prstDash val="sysDot"/>
+                </a:ln>
+                <a:solidFill>
+                  <a:schemeClr val="tx1">
+                    <a:lumMod val="85000"/>
+                    <a:lumOff val="15000"/>
+                  </a:schemeClr>
+                </a:solidFill>
+                <a:latin typeface="+mn-ea"/>
+                <a:cs typeface="+mn-ea"/>
+                <a:sym typeface="+mn-ea"/>
+              </a:rPr>
+              <a:t>xxxx</a:t>
+            </a:r>
+            <a:endParaRPr lang="en-US" altLang="zh-CN" sz="1200" dirty="0">
+              <a:ln>
+                <a:noFill/>
+                <a:prstDash val="sysDot"/>
+              </a:ln>
+              <a:solidFill>
+                <a:schemeClr val="tx1">
+                  <a:lumMod val="85000"/>
+                  <a:lumOff val="15000"/>
+                </a:schemeClr>
+              </a:solidFill>
+              <a:latin typeface="+mn-ea"/>
+              <a:cs typeface="+mn-ea"/>
+              <a:sym typeface="+mn-ea"/>
+            </a:endParaRPr>
           </a:p>
         </p:txBody>
       </p:sp>
     </p:spTree>
     <p:custDataLst>
-      <p:tags r:id="rId3"/>
+      <p:tags r:id="rId17"/>
     </p:custDataLst>
   </p:cSld>
   <p:clrMapOvr>
@@ -18616,6 +20700,30 @@
           <a:lstStyle/>
           <a:p>
             <a:pPr algn="l"/>
+            <a:endParaRPr lang="en-US" altLang="zh-CN" sz="2800" dirty="0">
+              <a:solidFill>
+                <a:srgbClr val="FFFFFF"/>
+              </a:solidFill>
+              <a:latin typeface="+mj-ea"/>
+              <a:ea typeface="+mj-ea"/>
+              <a:cs typeface="MiSans" panose="00000500000000000000" charset="-122"/>
+              <a:sym typeface="+mn-ea"/>
+            </a:endParaRPr>
+          </a:p>
+          <a:p>
+            <a:pPr algn="l"/>
+            <a:r>
+              <a:rPr lang="en-US" altLang="zh-CN" sz="2800" dirty="0">
+                <a:solidFill>
+                  <a:srgbClr val="FFFFFF"/>
+                </a:solidFill>
+                <a:latin typeface="+mj-ea"/>
+                <a:ea typeface="+mj-ea"/>
+                <a:cs typeface="MiSans" panose="00000500000000000000" charset="-122"/>
+                <a:sym typeface="+mn-ea"/>
+              </a:rPr>
+              <a:t>AI</a:t>
+            </a:r>
             <a:r>
               <a:rPr lang="zh-CN" altLang="en-US" sz="2800" dirty="0">
                 <a:solidFill>
@@ -18626,7 +20734,7 @@
                 <a:cs typeface="MiSans" panose="00000500000000000000" charset="-122"/>
                 <a:sym typeface="+mn-ea"/>
               </a:rPr>
-              <a:t>AI编程的优势</a:t>
+              <a:t>什么特点会吸引我们去用它</a:t>
             </a:r>
             <a:endParaRPr lang="zh-CN" altLang="en-US" sz="2800" dirty="0">
               <a:solidFill>
@@ -18782,7 +20890,7 @@
                 <a:cs typeface="MiSans" panose="00000500000000000000" charset="-122"/>
                 <a:sym typeface="+mn-ea"/>
               </a:rPr>
-              <a:t>AI编程的开发模式</a:t>
+              <a:t>AI编程的开发方式</a:t>
             </a:r>
             <a:endParaRPr lang="zh-CN" altLang="en-US" sz="2800" dirty="0">
               <a:solidFill>
@@ -18923,11 +21031,35 @@
         </p:spPr>
         <p:txBody>
           <a:bodyPr wrap="square" lIns="71755" tIns="0" rIns="0" bIns="0" rtlCol="0" anchor="ctr">
-            <a:normAutofit/>
+            <a:normAutofit fontScale="90000"/>
           </a:bodyPr>
           <a:lstStyle/>
           <a:p>
             <a:pPr algn="l"/>
+            <a:endParaRPr lang="en-US" altLang="zh-CN" sz="2800" dirty="0">
+              <a:solidFill>
+                <a:srgbClr val="FFFFFF"/>
+              </a:solidFill>
+              <a:latin typeface="+mj-ea"/>
+              <a:ea typeface="+mj-ea"/>
+              <a:cs typeface="MiSans" panose="00000500000000000000" charset="-122"/>
+              <a:sym typeface="+mn-ea"/>
+            </a:endParaRPr>
+          </a:p>
+          <a:p>
+            <a:pPr algn="l"/>
+            <a:r>
+              <a:rPr lang="en-US" altLang="zh-CN" sz="2800" dirty="0">
+                <a:solidFill>
+                  <a:srgbClr val="FFFFFF"/>
+                </a:solidFill>
+                <a:latin typeface="+mj-ea"/>
+                <a:ea typeface="+mj-ea"/>
+                <a:cs typeface="MiSans" panose="00000500000000000000" charset="-122"/>
+                <a:sym typeface="+mn-ea"/>
+              </a:rPr>
+              <a:t>AI</a:t>
+            </a:r>
             <a:r>
               <a:rPr lang="zh-CN" altLang="en-US" sz="2800" dirty="0">
                 <a:solidFill>
@@ -18938,9 +21070,45 @@
                 <a:cs typeface="MiSans" panose="00000500000000000000" charset="-122"/>
                 <a:sym typeface="+mn-ea"/>
               </a:rPr>
-              <a:t>AI编程的工具</a:t>
+              <a:t>编程实践（</a:t>
             </a:r>
-            <a:endParaRPr lang="zh-CN" altLang="en-US" sz="2800" dirty="0">
+            <a:r>
+              <a:rPr lang="en-US" altLang="zh-CN" sz="2800" dirty="0">
+                <a:solidFill>
+                  <a:srgbClr val="FFFFFF"/>
+                </a:solidFill>
+                <a:latin typeface="+mj-ea"/>
+                <a:ea typeface="+mj-ea"/>
+                <a:cs typeface="MiSans" panose="00000500000000000000" charset="-122"/>
+                <a:sym typeface="+mn-ea"/>
+              </a:rPr>
+              <a:t>Cursor </a:t>
+            </a:r>
+            <a:r>
+              <a:rPr lang="zh-CN" altLang="en-US" sz="2800" dirty="0">
+                <a:solidFill>
+                  <a:srgbClr val="FFFFFF"/>
+                </a:solidFill>
+                <a:latin typeface="+mj-ea"/>
+                <a:ea typeface="+mj-ea"/>
+                <a:cs typeface="MiSans" panose="00000500000000000000" charset="-122"/>
+                <a:sym typeface="+mn-ea"/>
+              </a:rPr>
+              <a:t>核心能力探索</a:t>
+            </a:r>
+            <a:r>
+              <a:rPr lang="zh-CN" altLang="en-US" sz="2800" dirty="0">
+                <a:solidFill>
+                  <a:srgbClr val="FFFFFF"/>
+                </a:solidFill>
+                <a:latin typeface="+mj-ea"/>
+                <a:ea typeface="+mj-ea"/>
+                <a:cs typeface="MiSans" panose="00000500000000000000" charset="-122"/>
+                <a:sym typeface="+mn-ea"/>
+              </a:rPr>
+              <a:t>）</a:t>
+            </a:r>
+            <a:endParaRPr lang="en-US" altLang="zh-CN" sz="2800" dirty="0">
               <a:solidFill>
                 <a:srgbClr val="FFFFFF"/>
               </a:solidFill>
@@ -19085,6 +21253,18 @@
           <a:p>
             <a:pPr algn="l"/>
             <a:r>
+              <a:rPr lang="en-US" altLang="zh-CN" sz="2800" dirty="0">
+                <a:solidFill>
+                  <a:srgbClr val="FFFFFF"/>
+                </a:solidFill>
+                <a:latin typeface="+mj-ea"/>
+                <a:ea typeface="+mj-ea"/>
+                <a:cs typeface="MiSans" panose="00000500000000000000" charset="-122"/>
+                <a:sym typeface="+mn-ea"/>
+              </a:rPr>
+              <a:t>AI</a:t>
+            </a:r>
+            <a:r>
               <a:rPr lang="zh-CN" altLang="en-US" sz="2800" dirty="0">
                 <a:solidFill>
                   <a:srgbClr val="FFFFFF"/>
@@ -19094,7 +21274,7 @@
                 <a:cs typeface="MiSans" panose="00000500000000000000" charset="-122"/>
                 <a:sym typeface="+mn-ea"/>
               </a:rPr>
-              <a:t>AI编程的实践</a:t>
+              <a:t>的局限与趋势</a:t>
             </a:r>
             <a:endParaRPr lang="zh-CN" altLang="en-US" sz="2800" dirty="0">
               <a:solidFill>
@@ -19149,167 +21329,11 @@
       </p:cxnSp>
       <p:sp>
         <p:nvSpPr>
-          <p:cNvPr id="105" name="序号"/>
-          <p:cNvSpPr txBox="1"/>
-          <p:nvPr>
-            <p:custDataLst>
-              <p:tags r:id="rId14"/>
-            </p:custDataLst>
-          </p:nvPr>
-        </p:nvSpPr>
-        <p:spPr>
-          <a:xfrm>
-            <a:off x="6695440" y="4324350"/>
-            <a:ext cx="2976245" cy="890905"/>
-          </a:xfrm>
-          <a:prstGeom prst="rect">
-            <a:avLst/>
-          </a:prstGeom>
-          <a:noFill/>
-        </p:spPr>
-        <p:txBody>
-          <a:bodyPr wrap="square" lIns="0" tIns="0" rIns="0" bIns="0" rtlCol="0" anchor="b" anchorCtr="0">
-            <a:normAutofit/>
-          </a:bodyPr>
-          <a:lstStyle/>
-          <a:p>
-            <a:pPr lvl="0" algn="l">
-              <a:lnSpc>
-                <a:spcPct val="100000"/>
-              </a:lnSpc>
-              <a:buClrTx/>
-              <a:buSzTx/>
-              <a:buFontTx/>
-            </a:pPr>
-            <a:r>
-              <a:rPr lang="en-US" altLang="zh-CN" sz="4800" i="1" dirty="0">
-                <a:ln w="3175">
-                  <a:noFill/>
-                </a:ln>
-                <a:solidFill>
-                  <a:srgbClr val="FFFFFF"/>
-                </a:solidFill>
-                <a:effectLst/>
-                <a:latin typeface="+mj-ea"/>
-                <a:ea typeface="+mj-ea"/>
-                <a:cs typeface="MiSans" panose="00000500000000000000" charset="-122"/>
-                <a:sym typeface="+mn-ea"/>
-              </a:rPr>
-              <a:t>05</a:t>
-            </a:r>
-            <a:endParaRPr lang="en-US" altLang="zh-CN" sz="4800" i="1" dirty="0">
-              <a:ln w="3175">
-                <a:noFill/>
-              </a:ln>
-              <a:solidFill>
-                <a:srgbClr val="FFFFFF"/>
-              </a:solidFill>
-              <a:effectLst/>
-              <a:latin typeface="+mj-ea"/>
-              <a:ea typeface="+mj-ea"/>
-              <a:cs typeface="MiSans" panose="00000500000000000000" charset="-122"/>
-              <a:sym typeface="+mn-ea"/>
-            </a:endParaRPr>
-          </a:p>
-        </p:txBody>
-      </p:sp>
-      <p:sp>
-        <p:nvSpPr>
-          <p:cNvPr id="107" name="标题"/>
-          <p:cNvSpPr txBox="1"/>
-          <p:nvPr>
-            <p:custDataLst>
-              <p:tags r:id="rId15"/>
-            </p:custDataLst>
-          </p:nvPr>
-        </p:nvSpPr>
-        <p:spPr>
-          <a:xfrm>
-            <a:off x="6695440" y="5191760"/>
-            <a:ext cx="3192145" cy="1424712"/>
-          </a:xfrm>
-          <a:prstGeom prst="rect">
-            <a:avLst/>
-          </a:prstGeom>
-          <a:noFill/>
-        </p:spPr>
-        <p:txBody>
-          <a:bodyPr wrap="square" lIns="71755" tIns="0" rIns="0" bIns="0" rtlCol="0" anchor="ctr">
-            <a:normAutofit/>
-          </a:bodyPr>
-          <a:lstStyle/>
-          <a:p>
-            <a:pPr algn="l"/>
-            <a:r>
-              <a:rPr lang="zh-CN" altLang="en-US" sz="2800" dirty="0">
-                <a:solidFill>
-                  <a:srgbClr val="FFFFFF"/>
-                </a:solidFill>
-                <a:latin typeface="+mj-ea"/>
-                <a:ea typeface="+mj-ea"/>
-                <a:cs typeface="MiSans" panose="00000500000000000000" charset="-122"/>
-                <a:sym typeface="+mn-ea"/>
-              </a:rPr>
-              <a:t>AI编程的挑战与前景</a:t>
-            </a:r>
-            <a:endParaRPr lang="zh-CN" altLang="en-US" sz="2800" dirty="0">
-              <a:solidFill>
-                <a:srgbClr val="FFFFFF"/>
-              </a:solidFill>
-              <a:latin typeface="+mj-ea"/>
-              <a:ea typeface="+mj-ea"/>
-              <a:cs typeface="MiSans" panose="00000500000000000000" charset="-122"/>
-              <a:sym typeface="+mn-ea"/>
-            </a:endParaRPr>
-          </a:p>
-        </p:txBody>
-      </p:sp>
-      <p:cxnSp>
-        <p:nvCxnSpPr>
-          <p:cNvPr id="108" name="直接连接符 107"/>
-          <p:cNvCxnSpPr/>
-          <p:nvPr>
-            <p:custDataLst>
-              <p:tags r:id="rId16"/>
-            </p:custDataLst>
-          </p:nvPr>
-        </p:nvCxnSpPr>
-        <p:spPr>
-          <a:xfrm>
-            <a:off x="6800533" y="5207000"/>
-            <a:ext cx="2112645" cy="0"/>
-          </a:xfrm>
-          <a:prstGeom prst="line">
-            <a:avLst/>
-          </a:prstGeom>
-          <a:ln w="6350">
-            <a:solidFill>
-              <a:schemeClr val="accent6"/>
-            </a:solidFill>
-          </a:ln>
-        </p:spPr>
-        <p:style>
-          <a:lnRef idx="1">
-            <a:schemeClr val="accent1"/>
-          </a:lnRef>
-          <a:fillRef idx="0">
-            <a:schemeClr val="accent1"/>
-          </a:fillRef>
-          <a:effectRef idx="0">
-            <a:schemeClr val="accent1"/>
-          </a:effectRef>
-          <a:fontRef idx="minor">
-            <a:schemeClr val="tx1"/>
-          </a:fontRef>
-        </p:style>
-      </p:cxnSp>
-      <p:sp>
-        <p:nvSpPr>
           <p:cNvPr id="19" name="任意多边形: 形状 18"/>
           <p:cNvSpPr/>
           <p:nvPr>
             <p:custDataLst>
-              <p:tags r:id="rId17"/>
+              <p:tags r:id="rId14"/>
             </p:custDataLst>
           </p:nvPr>
         </p:nvSpPr>
@@ -19901,7 +21925,7 @@
       </p:sp>
     </p:spTree>
     <p:custDataLst>
-      <p:tags r:id="rId18"/>
+      <p:tags r:id="rId15"/>
     </p:custDataLst>
   </p:cSld>
   <p:clrMapOvr>
@@ -19968,12 +21992,18 @@
         </p:nvSpPr>
         <p:spPr/>
         <p:txBody>
-          <a:bodyPr/>
+          <a:bodyPr>
+            <a:normAutofit fontScale="90000"/>
+          </a:bodyPr>
           <a:lstStyle/>
           <a:p>
+            <a:r>
+              <a:rPr lang="en-US" altLang="zh-CN"/>
+              <a:t>AI</a:t>
+            </a:r>
             <a:r>
               <a:rPr lang="zh-CN" altLang="en-US"/>
-              <a:t>AI编程的优势</a:t>
+              <a:t>什么特点会吸引我们去用它</a:t>
             </a:r>
             <a:endParaRPr lang="zh-CN" altLang="en-US"/>
           </a:p>
@@ -20176,6 +22206,19 @@
               </a:lnSpc>
             </a:pPr>
             <a:r>
+              <a:rPr lang="en-US" altLang="zh-CN" dirty="0">
+                <a:solidFill>
+                  <a:schemeClr val="lt1">
+                    <a:lumMod val="100000"/>
+                  </a:schemeClr>
+                </a:solidFill>
+                <a:latin typeface="+mj-lt"/>
+                <a:ea typeface="+mj-lt"/>
+                <a:cs typeface="+mj-lt"/>
+              </a:rPr>
+              <a:t>AI</a:t>
+            </a:r>
+            <a:r>
               <a:rPr lang="zh-CN" altLang="en-US" dirty="0">
                 <a:solidFill>
                   <a:schemeClr val="lt1">
@@ -20186,7 +22229,7 @@
                 <a:ea typeface="+mj-lt"/>
                 <a:cs typeface="+mj-lt"/>
               </a:rPr>
-              <a:t>为何选择AI编程</a:t>
+              <a:t>什么特点会吸引我们去用它</a:t>
             </a:r>
             <a:endParaRPr lang="zh-CN" altLang="en-US" dirty="0">
               <a:solidFill>
@@ -20213,8 +22256,8 @@
         </p:nvSpPr>
         <p:spPr>
           <a:xfrm>
-            <a:off x="696961" y="5093085"/>
-            <a:ext cx="2872890" cy="730161"/>
+            <a:off x="695960" y="5093335"/>
+            <a:ext cx="2873375" cy="1001395"/>
           </a:xfrm>
           <a:prstGeom prst="rect">
             <a:avLst/>
@@ -20252,7 +22295,7 @@
                 <a:latin typeface="+mn-ea"/>
                 <a:cs typeface="+mn-ea"/>
               </a:rPr>
-              <a:t>AI编程通过自动化处理复杂任务，大幅提高开发效率。</a:t>
+              <a:t>快速搜索</a:t>
             </a:r>
             <a:endParaRPr lang="zh-CN" altLang="en-US" sz="1400">
               <a:ln>
@@ -20269,89 +22312,6 @@
               <a:cs typeface="+mn-ea"/>
             </a:endParaRPr>
           </a:p>
-        </p:txBody>
-      </p:sp>
-      <p:sp>
-        <p:nvSpPr>
-          <p:cNvPr id="4" name="矩形 3"/>
-          <p:cNvSpPr/>
-          <p:nvPr>
-            <p:custDataLst>
-              <p:tags r:id="rId6"/>
-            </p:custDataLst>
-          </p:nvPr>
-        </p:nvSpPr>
-        <p:spPr>
-          <a:xfrm>
-            <a:off x="696961" y="4428366"/>
-            <a:ext cx="2872890" cy="643765"/>
-          </a:xfrm>
-          <a:prstGeom prst="rect">
-            <a:avLst/>
-          </a:prstGeom>
-          <a:noFill/>
-        </p:spPr>
-        <p:txBody>
-          <a:bodyPr wrap="square" lIns="0" tIns="0" rIns="0" bIns="0" rtlCol="0" anchor="b">
-            <a:noAutofit/>
-          </a:bodyPr>
-          <a:p>
-            <a:pPr>
-              <a:spcBef>
-                <a:spcPct val="0"/>
-              </a:spcBef>
-              <a:spcAft>
-                <a:spcPct val="0"/>
-              </a:spcAft>
-              <a:buClr>
-                <a:schemeClr val="accent1"/>
-              </a:buClr>
-              <a:buSzPct val="70000"/>
-            </a:pPr>
-            <a:r>
-              <a:rPr lang="zh-CN" altLang="en-US" sz="2000" b="1">
-                <a:solidFill>
-                  <a:schemeClr val="accent1"/>
-                </a:solidFill>
-                <a:latin typeface="+mn-ea"/>
-                <a:cs typeface="+mn-ea"/>
-              </a:rPr>
-              <a:t>效率提升</a:t>
-            </a:r>
-            <a:endParaRPr lang="zh-CN" altLang="en-US" sz="2000" b="1">
-              <a:solidFill>
-                <a:schemeClr val="accent1"/>
-              </a:solidFill>
-              <a:latin typeface="+mn-ea"/>
-              <a:cs typeface="+mn-ea"/>
-            </a:endParaRPr>
-          </a:p>
-        </p:txBody>
-      </p:sp>
-      <p:sp>
-        <p:nvSpPr>
-          <p:cNvPr id="5" name="矩形 4"/>
-          <p:cNvSpPr/>
-          <p:nvPr>
-            <p:custDataLst>
-              <p:tags r:id="rId7"/>
-            </p:custDataLst>
-          </p:nvPr>
-        </p:nvSpPr>
-        <p:spPr>
-          <a:xfrm>
-            <a:off x="4659246" y="5093085"/>
-            <a:ext cx="2872890" cy="730161"/>
-          </a:xfrm>
-          <a:prstGeom prst="rect">
-            <a:avLst/>
-          </a:prstGeom>
-          <a:noFill/>
-        </p:spPr>
-        <p:txBody>
-          <a:bodyPr wrap="square" lIns="0" tIns="0" rIns="0" bIns="0" rtlCol="0" anchor="t" anchorCtr="0">
-            <a:noAutofit/>
-          </a:bodyPr>
           <a:p>
             <a:pPr>
               <a:lnSpc>
@@ -20379,7 +22339,7 @@
                 <a:latin typeface="+mn-ea"/>
                 <a:cs typeface="+mn-ea"/>
               </a:rPr>
-              <a:t>AI编程能够处理大量数据，为决策提供智能支持。</a:t>
+              <a:t>快速出结果</a:t>
             </a:r>
             <a:endParaRPr lang="zh-CN" altLang="en-US" sz="1400">
               <a:ln>
@@ -20396,89 +22356,6 @@
               <a:cs typeface="+mn-ea"/>
             </a:endParaRPr>
           </a:p>
-        </p:txBody>
-      </p:sp>
-      <p:sp>
-        <p:nvSpPr>
-          <p:cNvPr id="7" name="矩形 6"/>
-          <p:cNvSpPr/>
-          <p:nvPr>
-            <p:custDataLst>
-              <p:tags r:id="rId8"/>
-            </p:custDataLst>
-          </p:nvPr>
-        </p:nvSpPr>
-        <p:spPr>
-          <a:xfrm>
-            <a:off x="4659246" y="4428366"/>
-            <a:ext cx="2872890" cy="643765"/>
-          </a:xfrm>
-          <a:prstGeom prst="rect">
-            <a:avLst/>
-          </a:prstGeom>
-          <a:noFill/>
-        </p:spPr>
-        <p:txBody>
-          <a:bodyPr wrap="square" lIns="0" tIns="0" rIns="0" bIns="0" rtlCol="0" anchor="b">
-            <a:noAutofit/>
-          </a:bodyPr>
-          <a:p>
-            <a:pPr>
-              <a:spcBef>
-                <a:spcPct val="0"/>
-              </a:spcBef>
-              <a:spcAft>
-                <a:spcPct val="0"/>
-              </a:spcAft>
-              <a:buClr>
-                <a:schemeClr val="accent1"/>
-              </a:buClr>
-              <a:buSzPct val="70000"/>
-            </a:pPr>
-            <a:r>
-              <a:rPr lang="zh-CN" altLang="en-US" sz="2000" b="1">
-                <a:solidFill>
-                  <a:schemeClr val="accent1"/>
-                </a:solidFill>
-                <a:latin typeface="+mn-ea"/>
-                <a:cs typeface="+mn-ea"/>
-              </a:rPr>
-              <a:t>智能决策支持</a:t>
-            </a:r>
-            <a:endParaRPr lang="zh-CN" altLang="en-US" sz="2000" b="1">
-              <a:solidFill>
-                <a:schemeClr val="accent1"/>
-              </a:solidFill>
-              <a:latin typeface="+mn-ea"/>
-              <a:cs typeface="+mn-ea"/>
-            </a:endParaRPr>
-          </a:p>
-        </p:txBody>
-      </p:sp>
-      <p:sp>
-        <p:nvSpPr>
-          <p:cNvPr id="8" name="矩形 7"/>
-          <p:cNvSpPr/>
-          <p:nvPr>
-            <p:custDataLst>
-              <p:tags r:id="rId9"/>
-            </p:custDataLst>
-          </p:nvPr>
-        </p:nvSpPr>
-        <p:spPr>
-          <a:xfrm>
-            <a:off x="8622166" y="5093085"/>
-            <a:ext cx="2872890" cy="730161"/>
-          </a:xfrm>
-          <a:prstGeom prst="rect">
-            <a:avLst/>
-          </a:prstGeom>
-          <a:noFill/>
-        </p:spPr>
-        <p:txBody>
-          <a:bodyPr wrap="square" lIns="0" tIns="0" rIns="0" bIns="0" rtlCol="0" anchor="t" anchorCtr="0">
-            <a:noAutofit/>
-          </a:bodyPr>
           <a:p>
             <a:pPr>
               <a:lnSpc>
@@ -20506,7 +22383,7 @@
                 <a:latin typeface="+mn-ea"/>
                 <a:cs typeface="+mn-ea"/>
               </a:rPr>
-              <a:t>AI编程推动了新技术和应用的创新，拓宽了行业边界。</a:t>
+              <a:t>快速给思路</a:t>
             </a:r>
             <a:endParaRPr lang="zh-CN" altLang="en-US" sz="1400">
               <a:ln>
@@ -20523,22 +22400,49 @@
               <a:cs typeface="+mn-ea"/>
             </a:endParaRPr>
           </a:p>
-        </p:txBody>
-      </p:sp>
-      <p:sp>
-        <p:nvSpPr>
-          <p:cNvPr id="9" name="矩形 8"/>
+          <a:p>
+            <a:pPr>
+              <a:lnSpc>
+                <a:spcPct val="150000"/>
+              </a:lnSpc>
+              <a:spcBef>
+                <a:spcPct val="0"/>
+              </a:spcBef>
+              <a:spcAft>
+                <a:spcPct val="0"/>
+              </a:spcAft>
+            </a:pPr>
+            <a:endParaRPr lang="zh-CN" altLang="en-US" sz="1400">
+              <a:ln>
+                <a:noFill/>
+                <a:prstDash val="sysDot"/>
+              </a:ln>
+              <a:solidFill>
+                <a:schemeClr val="tx1">
+                  <a:lumMod val="85000"/>
+                  <a:lumOff val="15000"/>
+                </a:schemeClr>
+              </a:solidFill>
+              <a:latin typeface="+mn-ea"/>
+              <a:cs typeface="+mn-ea"/>
+            </a:endParaRPr>
+          </a:p>
+        </p:txBody>
+      </p:sp>
+      <p:sp>
+        <p:nvSpPr>
+          <p:cNvPr id="4" name="矩形 3"/>
           <p:cNvSpPr/>
           <p:nvPr>
             <p:custDataLst>
-              <p:tags r:id="rId10"/>
+              <p:tags r:id="rId6"/>
             </p:custDataLst>
           </p:nvPr>
         </p:nvSpPr>
         <p:spPr>
           <a:xfrm>
-            <a:off x="8622166" y="4428366"/>
-            <a:ext cx="2872890" cy="643765"/>
+            <a:off x="695671" y="4428366"/>
+            <a:ext cx="2873576" cy="643919"/>
           </a:xfrm>
           <a:prstGeom prst="rect">
             <a:avLst/>
@@ -20563,16 +22467,436 @@
               <a:buSzPct val="70000"/>
             </a:pPr>
             <a:r>
-              <a:rPr lang="zh-CN" altLang="en-US" sz="2000" b="1">
+              <a:rPr lang="zh-CN" altLang="en-US" sz="3600" b="1">
                 <a:solidFill>
                   <a:schemeClr val="accent1"/>
                 </a:solidFill>
                 <a:latin typeface="+mn-ea"/>
                 <a:cs typeface="+mn-ea"/>
               </a:rPr>
-              <a:t>创新应用拓展</a:t>
+              <a:t>快</a:t>
             </a:r>
-            <a:endParaRPr lang="zh-CN" altLang="en-US" sz="2000" b="1">
+            <a:endParaRPr lang="zh-CN" altLang="en-US" sz="3600" b="1">
+              <a:solidFill>
+                <a:schemeClr val="accent1"/>
+              </a:solidFill>
+              <a:latin typeface="+mn-ea"/>
+              <a:cs typeface="+mn-ea"/>
+            </a:endParaRPr>
+          </a:p>
+        </p:txBody>
+      </p:sp>
+      <p:sp>
+        <p:nvSpPr>
+          <p:cNvPr id="5" name="矩形 4"/>
+          <p:cNvSpPr/>
+          <p:nvPr>
+            <p:custDataLst>
+              <p:tags r:id="rId7"/>
+            </p:custDataLst>
+          </p:nvPr>
+        </p:nvSpPr>
+        <p:spPr>
+          <a:xfrm>
+            <a:off x="4422775" y="5093335"/>
+            <a:ext cx="2873375" cy="1001395"/>
+          </a:xfrm>
+          <a:prstGeom prst="rect">
+            <a:avLst/>
+          </a:prstGeom>
+          <a:noFill/>
+        </p:spPr>
+        <p:txBody>
+          <a:bodyPr wrap="square" lIns="0" tIns="0" rIns="0" bIns="0" rtlCol="0" anchor="t" anchorCtr="0">
+            <a:noAutofit/>
+          </a:bodyPr>
+          <a:p>
+            <a:pPr>
+              <a:lnSpc>
+                <a:spcPct val="150000"/>
+              </a:lnSpc>
+              <a:spcBef>
+                <a:spcPct val="0"/>
+              </a:spcBef>
+              <a:spcAft>
+                <a:spcPct val="0"/>
+              </a:spcAft>
+            </a:pPr>
+            <a:r>
+              <a:rPr lang="zh-CN" altLang="en-US" sz="1400">
+                <a:ln>
+                  <a:noFill/>
+                  <a:prstDash val="sysDot"/>
+                </a:ln>
+                <a:solidFill>
+                  <a:schemeClr val="tx1">
+                    <a:lumMod val="85000"/>
+                    <a:lumOff val="15000"/>
+                  </a:schemeClr>
+                </a:solidFill>
+                <a:latin typeface="+mn-ea"/>
+                <a:cs typeface="+mn-ea"/>
+              </a:rPr>
+              <a:t>相对准确</a:t>
+            </a:r>
+            <a:endParaRPr lang="zh-CN" altLang="en-US" sz="1400">
+              <a:ln>
+                <a:noFill/>
+                <a:prstDash val="sysDot"/>
+              </a:ln>
+              <a:solidFill>
+                <a:schemeClr val="tx1">
+                  <a:lumMod val="85000"/>
+                  <a:lumOff val="15000"/>
+                </a:schemeClr>
+              </a:solidFill>
+              <a:latin typeface="+mn-ea"/>
+              <a:cs typeface="+mn-ea"/>
+            </a:endParaRPr>
+          </a:p>
+          <a:p>
+            <a:pPr>
+              <a:lnSpc>
+                <a:spcPct val="150000"/>
+              </a:lnSpc>
+              <a:spcBef>
+                <a:spcPct val="0"/>
+              </a:spcBef>
+              <a:spcAft>
+                <a:spcPct val="0"/>
+              </a:spcAft>
+            </a:pPr>
+            <a:r>
+              <a:rPr lang="zh-CN" altLang="en-US" sz="1400">
+                <a:ln>
+                  <a:noFill/>
+                  <a:prstDash val="sysDot"/>
+                </a:ln>
+                <a:solidFill>
+                  <a:schemeClr val="tx1">
+                    <a:lumMod val="85000"/>
+                    <a:lumOff val="15000"/>
+                  </a:schemeClr>
+                </a:solidFill>
+                <a:latin typeface="+mn-ea"/>
+                <a:cs typeface="+mn-ea"/>
+              </a:rPr>
+              <a:t>虽然经测试，没让大家</a:t>
+            </a:r>
+            <a:r>
+              <a:rPr lang="en-US" altLang="zh-CN" sz="1400">
+                <a:ln>
+                  <a:noFill/>
+                  <a:prstDash val="sysDot"/>
+                </a:ln>
+                <a:solidFill>
+                  <a:schemeClr val="tx1">
+                    <a:lumMod val="85000"/>
+                    <a:lumOff val="15000"/>
+                  </a:schemeClr>
+                </a:solidFill>
+                <a:latin typeface="+mn-ea"/>
+                <a:cs typeface="+mn-ea"/>
+              </a:rPr>
+              <a:t>100%</a:t>
+            </a:r>
+            <a:r>
+              <a:rPr lang="zh-CN" altLang="en-US" sz="1400">
+                <a:ln>
+                  <a:noFill/>
+                  <a:prstDash val="sysDot"/>
+                </a:ln>
+                <a:solidFill>
+                  <a:schemeClr val="tx1">
+                    <a:lumMod val="85000"/>
+                    <a:lumOff val="15000"/>
+                  </a:schemeClr>
+                </a:solidFill>
+                <a:latin typeface="+mn-ea"/>
+                <a:cs typeface="+mn-ea"/>
+              </a:rPr>
+              <a:t>满意</a:t>
+            </a:r>
+            <a:endParaRPr lang="zh-CN" altLang="en-US" sz="1400">
+              <a:ln>
+                <a:noFill/>
+                <a:prstDash val="sysDot"/>
+              </a:ln>
+              <a:solidFill>
+                <a:schemeClr val="tx1">
+                  <a:lumMod val="85000"/>
+                  <a:lumOff val="15000"/>
+                </a:schemeClr>
+              </a:solidFill>
+              <a:latin typeface="+mn-ea"/>
+              <a:cs typeface="+mn-ea"/>
+            </a:endParaRPr>
+          </a:p>
+          <a:p>
+            <a:pPr>
+              <a:lnSpc>
+                <a:spcPct val="150000"/>
+              </a:lnSpc>
+              <a:spcBef>
+                <a:spcPct val="0"/>
+              </a:spcBef>
+              <a:spcAft>
+                <a:spcPct val="0"/>
+              </a:spcAft>
+            </a:pPr>
+            <a:r>
+              <a:rPr lang="zh-CN" altLang="en-US" sz="1400">
+                <a:ln>
+                  <a:noFill/>
+                  <a:prstDash val="sysDot"/>
+                </a:ln>
+                <a:solidFill>
+                  <a:schemeClr val="tx1">
+                    <a:lumMod val="85000"/>
+                    <a:lumOff val="15000"/>
+                  </a:schemeClr>
+                </a:solidFill>
+                <a:latin typeface="+mn-ea"/>
+                <a:cs typeface="+mn-ea"/>
+              </a:rPr>
+              <a:t>但结合其他优势，效率还是比人工高</a:t>
+            </a:r>
+            <a:endParaRPr lang="zh-CN" altLang="en-US" sz="1400">
+              <a:ln>
+                <a:noFill/>
+                <a:prstDash val="sysDot"/>
+              </a:ln>
+              <a:solidFill>
+                <a:schemeClr val="tx1">
+                  <a:lumMod val="85000"/>
+                  <a:lumOff val="15000"/>
+                </a:schemeClr>
+              </a:solidFill>
+              <a:latin typeface="+mn-ea"/>
+              <a:cs typeface="+mn-ea"/>
+            </a:endParaRPr>
+          </a:p>
+        </p:txBody>
+      </p:sp>
+      <p:sp>
+        <p:nvSpPr>
+          <p:cNvPr id="7" name="矩形 6"/>
+          <p:cNvSpPr/>
+          <p:nvPr>
+            <p:custDataLst>
+              <p:tags r:id="rId8"/>
+            </p:custDataLst>
+          </p:nvPr>
+        </p:nvSpPr>
+        <p:spPr>
+          <a:xfrm>
+            <a:off x="4422683" y="4428366"/>
+            <a:ext cx="2873576" cy="643919"/>
+          </a:xfrm>
+          <a:prstGeom prst="rect">
+            <a:avLst/>
+          </a:prstGeom>
+          <a:noFill/>
+        </p:spPr>
+        <p:txBody>
+          <a:bodyPr wrap="square" lIns="0" tIns="0" rIns="0" bIns="0" rtlCol="0" anchor="b">
+            <a:noAutofit/>
+          </a:bodyPr>
+          <a:p>
+            <a:pPr>
+              <a:spcBef>
+                <a:spcPct val="0"/>
+              </a:spcBef>
+              <a:spcAft>
+                <a:spcPct val="0"/>
+              </a:spcAft>
+              <a:buClr>
+                <a:schemeClr val="accent1"/>
+              </a:buClr>
+              <a:buSzPct val="70000"/>
+            </a:pPr>
+            <a:r>
+              <a:rPr lang="zh-CN" altLang="en-US" sz="3600" b="1">
+                <a:solidFill>
+                  <a:schemeClr val="accent1"/>
+                </a:solidFill>
+                <a:latin typeface="+mn-ea"/>
+                <a:cs typeface="+mn-ea"/>
+              </a:rPr>
+              <a:t>准</a:t>
+            </a:r>
+            <a:endParaRPr lang="zh-CN" altLang="en-US" sz="3600" b="1">
+              <a:solidFill>
+                <a:schemeClr val="accent1"/>
+              </a:solidFill>
+              <a:latin typeface="+mn-ea"/>
+              <a:cs typeface="+mn-ea"/>
+            </a:endParaRPr>
+          </a:p>
+        </p:txBody>
+      </p:sp>
+      <p:sp>
+        <p:nvSpPr>
+          <p:cNvPr id="8" name="矩形 7"/>
+          <p:cNvSpPr/>
+          <p:nvPr>
+            <p:custDataLst>
+              <p:tags r:id="rId9"/>
+            </p:custDataLst>
+          </p:nvPr>
+        </p:nvSpPr>
+        <p:spPr>
+          <a:xfrm>
+            <a:off x="8622769" y="5093244"/>
+            <a:ext cx="2873576" cy="730335"/>
+          </a:xfrm>
+          <a:prstGeom prst="rect">
+            <a:avLst/>
+          </a:prstGeom>
+          <a:noFill/>
+        </p:spPr>
+        <p:txBody>
+          <a:bodyPr wrap="square" lIns="0" tIns="0" rIns="0" bIns="0" rtlCol="0" anchor="t" anchorCtr="0">
+            <a:noAutofit/>
+          </a:bodyPr>
+          <a:p>
+            <a:pPr>
+              <a:lnSpc>
+                <a:spcPct val="150000"/>
+              </a:lnSpc>
+              <a:spcBef>
+                <a:spcPct val="0"/>
+              </a:spcBef>
+              <a:spcAft>
+                <a:spcPct val="0"/>
+              </a:spcAft>
+            </a:pPr>
+            <a:r>
+              <a:rPr lang="zh-CN" altLang="en-US" sz="1400">
+                <a:ln>
+                  <a:noFill/>
+                  <a:prstDash val="sysDot"/>
+                </a:ln>
+                <a:solidFill>
+                  <a:schemeClr val="tx1">
+                    <a:lumMod val="85000"/>
+                    <a:lumOff val="15000"/>
+                  </a:schemeClr>
+                </a:solidFill>
+                <a:latin typeface="+mn-ea"/>
+                <a:cs typeface="+mn-ea"/>
+              </a:rPr>
+              <a:t>检索范围广</a:t>
+            </a:r>
+            <a:endParaRPr lang="zh-CN" altLang="en-US" sz="1400">
+              <a:ln>
+                <a:noFill/>
+                <a:prstDash val="sysDot"/>
+              </a:ln>
+              <a:solidFill>
+                <a:schemeClr val="tx1">
+                  <a:lumMod val="85000"/>
+                  <a:lumOff val="15000"/>
+                </a:schemeClr>
+              </a:solidFill>
+              <a:latin typeface="+mn-ea"/>
+              <a:cs typeface="+mn-ea"/>
+            </a:endParaRPr>
+          </a:p>
+          <a:p>
+            <a:pPr>
+              <a:lnSpc>
+                <a:spcPct val="150000"/>
+              </a:lnSpc>
+              <a:spcBef>
+                <a:spcPct val="0"/>
+              </a:spcBef>
+              <a:spcAft>
+                <a:spcPct val="0"/>
+              </a:spcAft>
+            </a:pPr>
+            <a:r>
+              <a:rPr lang="zh-CN" altLang="en-US" sz="1400">
+                <a:ln>
+                  <a:noFill/>
+                  <a:prstDash val="sysDot"/>
+                </a:ln>
+                <a:solidFill>
+                  <a:schemeClr val="tx1">
+                    <a:lumMod val="85000"/>
+                    <a:lumOff val="15000"/>
+                  </a:schemeClr>
+                </a:solidFill>
+                <a:latin typeface="+mn-ea"/>
+                <a:cs typeface="+mn-ea"/>
+              </a:rPr>
+              <a:t>省去自己找搜索源的时间</a:t>
+            </a:r>
+            <a:endParaRPr lang="zh-CN" altLang="en-US" sz="1400">
+              <a:ln>
+                <a:noFill/>
+                <a:prstDash val="sysDot"/>
+              </a:ln>
+              <a:solidFill>
+                <a:schemeClr val="tx1">
+                  <a:lumMod val="85000"/>
+                  <a:lumOff val="15000"/>
+                </a:schemeClr>
+              </a:solidFill>
+              <a:latin typeface="+mn-ea"/>
+              <a:cs typeface="+mn-ea"/>
+            </a:endParaRPr>
+          </a:p>
+        </p:txBody>
+      </p:sp>
+      <p:sp>
+        <p:nvSpPr>
+          <p:cNvPr id="9" name="矩形 8"/>
+          <p:cNvSpPr/>
+          <p:nvPr>
+            <p:custDataLst>
+              <p:tags r:id="rId10"/>
+            </p:custDataLst>
+          </p:nvPr>
+        </p:nvSpPr>
+        <p:spPr>
+          <a:xfrm>
+            <a:off x="8622769" y="4428366"/>
+            <a:ext cx="2873576" cy="643919"/>
+          </a:xfrm>
+          <a:prstGeom prst="rect">
+            <a:avLst/>
+          </a:prstGeom>
+          <a:noFill/>
+        </p:spPr>
+        <p:txBody>
+          <a:bodyPr wrap="square" lIns="0" tIns="0" rIns="0" bIns="0" rtlCol="0" anchor="b">
+            <a:noAutofit/>
+          </a:bodyPr>
+          <a:p>
+            <a:pPr>
+              <a:spcBef>
+                <a:spcPct val="0"/>
+              </a:spcBef>
+              <a:spcAft>
+                <a:spcPct val="0"/>
+              </a:spcAft>
+              <a:buClr>
+                <a:schemeClr val="accent1"/>
+              </a:buClr>
+              <a:buSzPct val="70000"/>
+            </a:pPr>
+            <a:r>
+              <a:rPr lang="zh-CN" altLang="en-US" sz="3600" b="1">
+                <a:solidFill>
+                  <a:schemeClr val="accent1"/>
+                </a:solidFill>
+                <a:latin typeface="+mn-ea"/>
+                <a:cs typeface="+mn-ea"/>
+              </a:rPr>
+              <a:t>广</a:t>
+            </a:r>
+            <a:endParaRPr lang="zh-CN" altLang="en-US" sz="3600" b="1">
               <a:solidFill>
                 <a:schemeClr val="accent1"/>
               </a:solidFill>
@@ -20657,8 +22981,12 @@
           <a:lstStyle/>
           <a:p>
             <a:r>
+              <a:rPr lang="en-US" altLang="zh-CN"/>
+              <a:t>AI</a:t>
+            </a:r>
+            <a:r>
               <a:rPr lang="zh-CN" altLang="en-US"/>
-              <a:t>AI编程的开发模式</a:t>
+              <a:t>编程的开发方式</a:t>
             </a:r>
             <a:endParaRPr lang="zh-CN" altLang="en-US"/>
           </a:p>
@@ -20711,10 +23039,30 @@
           <a:lstStyle/>
           <a:p>
             <a:r>
-              <a:rPr lang="zh-CN" altLang="en-US"/>
-              <a:t>开发方法概述</a:t>
+              <a:rPr lang="en-US" altLang="zh-CN"/>
+              <a:t>1</a:t>
             </a:r>
-            <a:endParaRPr lang="zh-CN" altLang="en-US"/>
+            <a:r>
+              <a:rPr>
+                <a:ea typeface="宋体" panose="02010600030101010101" pitchFamily="2" charset="-122"/>
+              </a:rPr>
+              <a:t>、利用独立</a:t>
+            </a:r>
+            <a:r>
+              <a:rPr lang="en-US" altLang="zh-CN">
+                <a:ea typeface="宋体" panose="02010600030101010101" pitchFamily="2" charset="-122"/>
+              </a:rPr>
+              <a:t> AI </a:t>
+            </a:r>
+            <a:r>
+              <a:rPr>
+                <a:ea typeface="宋体" panose="02010600030101010101" pitchFamily="2" charset="-122"/>
+              </a:rPr>
+              <a:t>工具</a:t>
+            </a:r>
+            <a:endParaRPr>
+              <a:ea typeface="宋体" panose="02010600030101010101" pitchFamily="2" charset="-122"/>
+            </a:endParaRPr>
           </a:p>
         </p:txBody>
       </p:sp>
@@ -20730,8 +23078,8 @@
         </p:nvSpPr>
         <p:spPr>
           <a:xfrm>
-            <a:off x="2143490" y="4519142"/>
-            <a:ext cx="2168323" cy="482293"/>
+            <a:off x="3881120" y="1547495"/>
+            <a:ext cx="7005320" cy="1104265"/>
           </a:xfrm>
           <a:prstGeom prst="rect">
             <a:avLst/>
@@ -20743,7 +23091,7 @@
             <a:noAutofit/>
           </a:bodyPr>
           <a:p>
-            <a:pPr algn="ctr">
+            <a:pPr algn="l">
               <a:spcBef>
                 <a:spcPct val="0"/>
               </a:spcBef>
@@ -20752,16 +23100,36 @@
               </a:spcAft>
             </a:pPr>
             <a:r>
-              <a:rPr lang="zh-CN" altLang="en-US" sz="1600" b="1">
+              <a:rPr lang="zh-CN" altLang="en-US" sz="3600" b="1">
                 <a:solidFill>
                   <a:schemeClr val="accent1"/>
                 </a:solidFill>
                 <a:latin typeface="+mn-ea"/>
                 <a:cs typeface="+mn-ea"/>
               </a:rPr>
-              <a:t>AI编程的开发方式</a:t>
+              <a:t>每个</a:t>
             </a:r>
-            <a:endParaRPr lang="zh-CN" altLang="en-US" sz="1600" b="1">
+            <a:r>
+              <a:rPr lang="en-US" altLang="zh-CN" sz="3600" b="1">
+                <a:solidFill>
+                  <a:schemeClr val="accent1"/>
+                </a:solidFill>
+                <a:latin typeface="+mn-ea"/>
+                <a:cs typeface="+mn-ea"/>
+              </a:rPr>
+              <a:t> AI </a:t>
+            </a:r>
+            <a:r>
+              <a:rPr lang="zh-CN" altLang="en-US" sz="3600" b="1">
+                <a:solidFill>
+                  <a:schemeClr val="accent1"/>
+                </a:solidFill>
+                <a:latin typeface="+mn-ea"/>
+                <a:cs typeface="+mn-ea"/>
+              </a:rPr>
+              <a:t>工具自我独立，不集成到任何其他软件中</a:t>
+            </a:r>
+            <a:endParaRPr lang="zh-CN" altLang="en-US" sz="3600" b="1">
               <a:solidFill>
                 <a:schemeClr val="accent1"/>
               </a:solidFill>
@@ -20783,8 +23151,8 @@
         </p:nvSpPr>
         <p:spPr>
           <a:xfrm>
-            <a:off x="2143490" y="5026079"/>
-            <a:ext cx="2168323" cy="1563036"/>
+            <a:off x="3927475" y="2929890"/>
+            <a:ext cx="6431915" cy="3440430"/>
           </a:xfrm>
           <a:prstGeom prst="rect">
             <a:avLst/>
@@ -20796,7 +23164,7 @@
             <a:noAutofit/>
           </a:bodyPr>
           <a:p>
-            <a:pPr algn="ctr">
+            <a:pPr algn="l">
               <a:lnSpc>
                 <a:spcPct val="140000"/>
               </a:lnSpc>
@@ -20808,7 +23176,7 @@
               </a:spcAft>
             </a:pPr>
             <a:r>
-              <a:rPr lang="zh-CN" altLang="en-US" sz="1200" dirty="0">
+              <a:rPr lang="en-US" altLang="zh-CN" sz="2400" dirty="0">
                 <a:ln>
                   <a:noFill/>
                   <a:prstDash val="sysDot"/>
@@ -20823,9 +23191,63 @@
                 <a:cs typeface="+mn-ea"/>
                 <a:sym typeface="+mn-ea"/>
               </a:rPr>
-              <a:t>AI编程的开发方式包括数据驱动和模型驱动两种方法，数据驱动依赖大量数据进行训练，模型驱动则侧重于算法和模型的设计。</a:t>
+              <a:t>1</a:t>
             </a:r>
-            <a:endParaRPr lang="zh-CN" altLang="en-US" sz="1200" dirty="0">
+            <a:r>
+              <a:rPr lang="zh-CN" altLang="en-US" sz="2400" dirty="0">
+                <a:ln>
+                  <a:noFill/>
+                  <a:prstDash val="sysDot"/>
+                </a:ln>
+                <a:solidFill>
+                  <a:schemeClr val="tx1">
+                    <a:lumMod val="85000"/>
+                    <a:lumOff val="15000"/>
+                  </a:schemeClr>
+                </a:solidFill>
+                <a:latin typeface="+mn-ea"/>
+                <a:cs typeface="+mn-ea"/>
+                <a:sym typeface="+mn-ea"/>
+              </a:rPr>
+              <a:t>、官网</a:t>
+            </a:r>
+            <a:r>
+              <a:rPr lang="en-US" altLang="zh-CN" sz="2400" dirty="0">
+                <a:ln>
+                  <a:noFill/>
+                  <a:prstDash val="sysDot"/>
+                </a:ln>
+                <a:solidFill>
+                  <a:schemeClr val="tx1">
+                    <a:lumMod val="85000"/>
+                    <a:lumOff val="15000"/>
+                  </a:schemeClr>
+                </a:solidFill>
+                <a:latin typeface="+mn-ea"/>
+                <a:cs typeface="+mn-ea"/>
+                <a:sym typeface="+mn-ea"/>
+              </a:rPr>
+              <a:t> Deepseek</a:t>
+            </a:r>
+            <a:r>
+              <a:rPr lang="zh-CN" altLang="en-US" sz="2400" dirty="0">
+                <a:ln>
+                  <a:noFill/>
+                  <a:prstDash val="sysDot"/>
+                </a:ln>
+                <a:solidFill>
+                  <a:schemeClr val="tx1">
+                    <a:lumMod val="85000"/>
+                    <a:lumOff val="15000"/>
+                  </a:schemeClr>
+                </a:solidFill>
+                <a:latin typeface="+mn-ea"/>
+                <a:cs typeface="+mn-ea"/>
+                <a:sym typeface="+mn-ea"/>
+              </a:rPr>
+              <a:t>；</a:t>
+            </a:r>
+            <a:endParaRPr lang="zh-CN" altLang="en-US" sz="2400" dirty="0">
               <a:ln>
                 <a:noFill/>
                 <a:prstDash val="sysDot"/>
@@ -20841,6 +23263,316 @@
               <a:sym typeface="+mn-ea"/>
             </a:endParaRPr>
           </a:p>
+          <a:p>
+            <a:pPr algn="l">
+              <a:lnSpc>
+                <a:spcPct val="140000"/>
+              </a:lnSpc>
+              <a:spcBef>
+                <a:spcPct val="0"/>
+              </a:spcBef>
+              <a:spcAft>
+                <a:spcPct val="0"/>
+              </a:spcAft>
+            </a:pPr>
+            <a:r>
+              <a:rPr lang="en-US" altLang="zh-CN" sz="2400" dirty="0">
+                <a:ln>
+                  <a:noFill/>
+                  <a:prstDash val="sysDot"/>
+                </a:ln>
+                <a:solidFill>
+                  <a:schemeClr val="tx1">
+                    <a:lumMod val="85000"/>
+                    <a:lumOff val="15000"/>
+                  </a:schemeClr>
+                </a:solidFill>
+                <a:latin typeface="+mn-ea"/>
+                <a:cs typeface="+mn-ea"/>
+                <a:sym typeface="+mn-ea"/>
+              </a:rPr>
+              <a:t>2</a:t>
+            </a:r>
+            <a:r>
+              <a:rPr lang="zh-CN" altLang="en-US" sz="2400" dirty="0">
+                <a:ln>
+                  <a:noFill/>
+                  <a:prstDash val="sysDot"/>
+                </a:ln>
+                <a:solidFill>
+                  <a:schemeClr val="tx1">
+                    <a:lumMod val="85000"/>
+                    <a:lumOff val="15000"/>
+                  </a:schemeClr>
+                </a:solidFill>
+                <a:latin typeface="+mn-ea"/>
+                <a:cs typeface="+mn-ea"/>
+                <a:sym typeface="+mn-ea"/>
+              </a:rPr>
+              <a:t>、豆包；</a:t>
+            </a:r>
+            <a:endParaRPr lang="zh-CN" altLang="en-US" sz="2400" dirty="0">
+              <a:ln>
+                <a:noFill/>
+                <a:prstDash val="sysDot"/>
+              </a:ln>
+              <a:solidFill>
+                <a:schemeClr val="tx1">
+                  <a:lumMod val="85000"/>
+                  <a:lumOff val="15000"/>
+                </a:schemeClr>
+              </a:solidFill>
+              <a:latin typeface="+mn-ea"/>
+              <a:cs typeface="+mn-ea"/>
+              <a:sym typeface="+mn-ea"/>
+            </a:endParaRPr>
+          </a:p>
+          <a:p>
+            <a:pPr algn="l">
+              <a:lnSpc>
+                <a:spcPct val="140000"/>
+              </a:lnSpc>
+              <a:spcBef>
+                <a:spcPct val="0"/>
+              </a:spcBef>
+              <a:spcAft>
+                <a:spcPct val="0"/>
+              </a:spcAft>
+            </a:pPr>
+            <a:r>
+              <a:rPr lang="en-US" altLang="zh-CN" sz="2400" dirty="0">
+                <a:ln>
+                  <a:noFill/>
+                  <a:prstDash val="sysDot"/>
+                </a:ln>
+                <a:solidFill>
+                  <a:schemeClr val="tx1">
+                    <a:lumMod val="85000"/>
+                    <a:lumOff val="15000"/>
+                  </a:schemeClr>
+                </a:solidFill>
+                <a:latin typeface="+mn-ea"/>
+                <a:cs typeface="+mn-ea"/>
+                <a:sym typeface="+mn-ea"/>
+              </a:rPr>
+              <a:t>3</a:t>
+            </a:r>
+            <a:r>
+              <a:rPr lang="zh-CN" altLang="en-US" sz="2400" dirty="0">
+                <a:ln>
+                  <a:noFill/>
+                  <a:prstDash val="sysDot"/>
+                </a:ln>
+                <a:solidFill>
+                  <a:schemeClr val="tx1">
+                    <a:lumMod val="85000"/>
+                    <a:lumOff val="15000"/>
+                  </a:schemeClr>
+                </a:solidFill>
+                <a:latin typeface="+mn-ea"/>
+                <a:cs typeface="+mn-ea"/>
+                <a:sym typeface="+mn-ea"/>
+              </a:rPr>
+              <a:t>、</a:t>
+            </a:r>
+            <a:r>
+              <a:rPr lang="en-US" altLang="zh-CN" sz="2400" dirty="0">
+                <a:ln>
+                  <a:noFill/>
+                  <a:prstDash val="sysDot"/>
+                </a:ln>
+                <a:solidFill>
+                  <a:schemeClr val="tx1">
+                    <a:lumMod val="85000"/>
+                    <a:lumOff val="15000"/>
+                  </a:schemeClr>
+                </a:solidFill>
+                <a:latin typeface="+mn-ea"/>
+                <a:cs typeface="+mn-ea"/>
+                <a:sym typeface="+mn-ea"/>
+              </a:rPr>
+              <a:t>Kimi</a:t>
+            </a:r>
+            <a:r>
+              <a:rPr lang="zh-CN" altLang="en-US" sz="2400" dirty="0">
+                <a:ln>
+                  <a:noFill/>
+                  <a:prstDash val="sysDot"/>
+                </a:ln>
+                <a:solidFill>
+                  <a:schemeClr val="tx1">
+                    <a:lumMod val="85000"/>
+                    <a:lumOff val="15000"/>
+                  </a:schemeClr>
+                </a:solidFill>
+                <a:latin typeface="+mn-ea"/>
+                <a:cs typeface="+mn-ea"/>
+                <a:sym typeface="+mn-ea"/>
+              </a:rPr>
+              <a:t>；</a:t>
+            </a:r>
+            <a:endParaRPr lang="zh-CN" altLang="en-US" sz="2400" dirty="0">
+              <a:ln>
+                <a:noFill/>
+                <a:prstDash val="sysDot"/>
+              </a:ln>
+              <a:solidFill>
+                <a:schemeClr val="tx1">
+                  <a:lumMod val="85000"/>
+                  <a:lumOff val="15000"/>
+                </a:schemeClr>
+              </a:solidFill>
+              <a:latin typeface="+mn-ea"/>
+              <a:cs typeface="+mn-ea"/>
+              <a:sym typeface="+mn-ea"/>
+            </a:endParaRPr>
+          </a:p>
+          <a:p>
+            <a:pPr algn="l">
+              <a:lnSpc>
+                <a:spcPct val="140000"/>
+              </a:lnSpc>
+              <a:spcBef>
+                <a:spcPct val="0"/>
+              </a:spcBef>
+              <a:spcAft>
+                <a:spcPct val="0"/>
+              </a:spcAft>
+            </a:pPr>
+            <a:r>
+              <a:rPr lang="en-US" altLang="zh-CN" sz="2400" dirty="0">
+                <a:ln>
+                  <a:noFill/>
+                  <a:prstDash val="sysDot"/>
+                </a:ln>
+                <a:solidFill>
+                  <a:schemeClr val="tx1">
+                    <a:lumMod val="85000"/>
+                    <a:lumOff val="15000"/>
+                  </a:schemeClr>
+                </a:solidFill>
+                <a:latin typeface="+mn-ea"/>
+                <a:cs typeface="+mn-ea"/>
+                <a:sym typeface="+mn-ea"/>
+              </a:rPr>
+              <a:t>4</a:t>
+            </a:r>
+            <a:r>
+              <a:rPr lang="zh-CN" altLang="en-US" sz="2400" dirty="0">
+                <a:ln>
+                  <a:noFill/>
+                  <a:prstDash val="sysDot"/>
+                </a:ln>
+                <a:solidFill>
+                  <a:schemeClr val="tx1">
+                    <a:lumMod val="85000"/>
+                    <a:lumOff val="15000"/>
+                  </a:schemeClr>
+                </a:solidFill>
+                <a:latin typeface="+mn-ea"/>
+                <a:cs typeface="+mn-ea"/>
+                <a:sym typeface="+mn-ea"/>
+              </a:rPr>
+              <a:t>、官网</a:t>
+            </a:r>
+            <a:r>
+              <a:rPr lang="en-US" altLang="zh-CN" sz="2400" dirty="0">
+                <a:ln>
+                  <a:noFill/>
+                  <a:prstDash val="sysDot"/>
+                </a:ln>
+                <a:solidFill>
+                  <a:schemeClr val="tx1">
+                    <a:lumMod val="85000"/>
+                    <a:lumOff val="15000"/>
+                  </a:schemeClr>
+                </a:solidFill>
+                <a:latin typeface="+mn-ea"/>
+                <a:cs typeface="+mn-ea"/>
+                <a:sym typeface="+mn-ea"/>
+              </a:rPr>
+              <a:t> Chatgpt</a:t>
+            </a:r>
+            <a:r>
+              <a:rPr lang="zh-CN" altLang="en-US" sz="2400" dirty="0">
+                <a:ln>
+                  <a:noFill/>
+                  <a:prstDash val="sysDot"/>
+                </a:ln>
+                <a:solidFill>
+                  <a:schemeClr val="tx1">
+                    <a:lumMod val="85000"/>
+                    <a:lumOff val="15000"/>
+                  </a:schemeClr>
+                </a:solidFill>
+                <a:latin typeface="+mn-ea"/>
+                <a:cs typeface="+mn-ea"/>
+                <a:sym typeface="+mn-ea"/>
+              </a:rPr>
+              <a:t>；</a:t>
+            </a:r>
+            <a:endParaRPr lang="zh-CN" altLang="en-US" sz="2400" dirty="0">
+              <a:ln>
+                <a:noFill/>
+                <a:prstDash val="sysDot"/>
+              </a:ln>
+              <a:solidFill>
+                <a:schemeClr val="tx1">
+                  <a:lumMod val="85000"/>
+                  <a:lumOff val="15000"/>
+                </a:schemeClr>
+              </a:solidFill>
+              <a:latin typeface="+mn-ea"/>
+              <a:cs typeface="+mn-ea"/>
+              <a:sym typeface="+mn-ea"/>
+            </a:endParaRPr>
+          </a:p>
+          <a:p>
+            <a:pPr algn="l">
+              <a:lnSpc>
+                <a:spcPct val="140000"/>
+              </a:lnSpc>
+              <a:spcBef>
+                <a:spcPct val="0"/>
+              </a:spcBef>
+              <a:spcAft>
+                <a:spcPct val="0"/>
+              </a:spcAft>
+            </a:pPr>
+            <a:r>
+              <a:rPr lang="zh-CN" altLang="en-US" sz="2400" dirty="0">
+                <a:ln>
+                  <a:noFill/>
+                  <a:prstDash val="sysDot"/>
+                </a:ln>
+                <a:solidFill>
+                  <a:schemeClr val="tx1">
+                    <a:lumMod val="85000"/>
+                    <a:lumOff val="15000"/>
+                  </a:schemeClr>
+                </a:solidFill>
+                <a:latin typeface="+mn-ea"/>
+                <a:cs typeface="+mn-ea"/>
+                <a:sym typeface="+mn-ea"/>
+              </a:rPr>
+              <a:t>等等</a:t>
+            </a:r>
+            <a:endParaRPr lang="zh-CN" altLang="en-US" sz="2400" dirty="0">
+              <a:ln>
+                <a:noFill/>
+                <a:prstDash val="sysDot"/>
+              </a:ln>
+              <a:solidFill>
+                <a:schemeClr val="tx1">
+                  <a:lumMod val="85000"/>
+                  <a:lumOff val="15000"/>
+                </a:schemeClr>
+              </a:solidFill>
+              <a:latin typeface="+mn-ea"/>
+              <a:cs typeface="+mn-ea"/>
+              <a:sym typeface="+mn-ea"/>
+            </a:endParaRPr>
+          </a:p>
         </p:txBody>
       </p:sp>
       <p:pic>
@@ -20864,8 +23596,8 @@
         </p:blipFill>
         <p:spPr>
           <a:xfrm>
-            <a:off x="2353760" y="1663021"/>
-            <a:ext cx="1747525" cy="2714914"/>
+            <a:off x="1344930" y="1806575"/>
+            <a:ext cx="1747520" cy="1765935"/>
           </a:xfrm>
           <a:prstGeom prst="roundRect">
             <a:avLst>
@@ -20896,7 +23628,7 @@
         </p:nvSpPr>
         <p:spPr>
           <a:xfrm>
-            <a:off x="2041849" y="2375781"/>
+            <a:off x="1032199" y="2302121"/>
             <a:ext cx="627656" cy="627656"/>
           </a:xfrm>
           <a:prstGeom prst="ellipse">
@@ -20963,20 +23695,778 @@
           </a:p>
         </p:txBody>
       </p:sp>
+    </p:spTree>
+    <p:custDataLst>
+      <p:tags r:id="rId7"/>
+    </p:custDataLst>
+  </p:cSld>
+  <p:clrMapOvr>
+    <a:masterClrMapping/>
+  </p:clrMapOvr>
+</p:sld>
+</file>
+
+<file path=ppt/slides/slide7.xml><?xml version="1.0" encoding="utf-8"?>
+<p:sld xmlns:a="http://schemas.openxmlformats.org/drawingml/2006/main" xmlns:r="http://schemas.openxmlformats.org/officeDocument/2006/relationships" xmlns:p="http://schemas.openxmlformats.org/presentationml/2006/main">
+  <p:cSld>
+    <p:spTree>
+      <p:nvGrpSpPr>
+        <p:cNvPr id="1" name=""/>
+        <p:cNvGrpSpPr/>
+        <p:nvPr/>
+      </p:nvGrpSpPr>
+      <p:grpSpPr>
+        <a:xfrm>
+          <a:off x="0" y="0"/>
+          <a:ext cx="0" cy="0"/>
+          <a:chOff x="0" y="0"/>
+          <a:chExt cx="0" cy="0"/>
+        </a:xfrm>
+      </p:grpSpPr>
+      <p:sp>
+        <p:nvSpPr>
+          <p:cNvPr id="22" name="标题 21"/>
+          <p:cNvSpPr>
+            <a:spLocks noGrp="1"/>
+          </p:cNvSpPr>
+          <p:nvPr>
+            <p:ph type="title"/>
+            <p:custDataLst>
+              <p:tags r:id="rId1"/>
+            </p:custDataLst>
+          </p:nvPr>
+        </p:nvSpPr>
+        <p:spPr/>
+        <p:txBody>
+          <a:bodyPr/>
+          <a:lstStyle/>
+          <a:p>
+            <a:r>
+              <a:rPr lang="en-US" altLang="zh-CN">
+                <a:ea typeface="宋体" panose="02010600030101010101" pitchFamily="2" charset="-122"/>
+              </a:rPr>
+              <a:t>2</a:t>
+            </a:r>
+            <a:r>
+              <a:rPr>
+                <a:ea typeface="宋体" panose="02010600030101010101" pitchFamily="2" charset="-122"/>
+              </a:rPr>
+              <a:t>、</a:t>
+            </a:r>
+            <a:r>
+              <a:rPr lang="en-US" altLang="zh-CN">
+                <a:ea typeface="宋体" panose="02010600030101010101" pitchFamily="2" charset="-122"/>
+              </a:rPr>
+              <a:t>IDE </a:t>
+            </a:r>
+            <a:r>
+              <a:rPr>
+                <a:ea typeface="宋体" panose="02010600030101010101" pitchFamily="2" charset="-122"/>
+              </a:rPr>
+              <a:t>集成</a:t>
+            </a:r>
+            <a:r>
+              <a:rPr lang="en-US" altLang="zh-CN">
+                <a:ea typeface="宋体" panose="02010600030101010101" pitchFamily="2" charset="-122"/>
+              </a:rPr>
+              <a:t> AI </a:t>
+            </a:r>
+            <a:r>
+              <a:rPr>
+                <a:ea typeface="宋体" panose="02010600030101010101" pitchFamily="2" charset="-122"/>
+              </a:rPr>
+              <a:t>插件</a:t>
+            </a:r>
+            <a:endParaRPr>
+              <a:ea typeface="宋体" panose="02010600030101010101" pitchFamily="2" charset="-122"/>
+            </a:endParaRPr>
+          </a:p>
+        </p:txBody>
+      </p:sp>
+      <p:sp>
+        <p:nvSpPr>
+          <p:cNvPr id="2" name="矩形 1"/>
+          <p:cNvSpPr/>
+          <p:nvPr>
+            <p:custDataLst>
+              <p:tags r:id="rId2"/>
+            </p:custDataLst>
+          </p:nvPr>
+        </p:nvSpPr>
+        <p:spPr>
+          <a:xfrm>
+            <a:off x="3881120" y="1602740"/>
+            <a:ext cx="7005320" cy="1071880"/>
+          </a:xfrm>
+          <a:prstGeom prst="rect">
+            <a:avLst/>
+          </a:prstGeom>
+          <a:noFill/>
+        </p:spPr>
+        <p:txBody>
+          <a:bodyPr wrap="square" lIns="0" tIns="0" rIns="0" bIns="0" rtlCol="0" anchor="ctr">
+            <a:noAutofit/>
+          </a:bodyPr>
+          <a:p>
+            <a:pPr algn="l">
+              <a:spcBef>
+                <a:spcPct val="0"/>
+              </a:spcBef>
+              <a:spcAft>
+                <a:spcPct val="0"/>
+              </a:spcAft>
+            </a:pPr>
+            <a:r>
+              <a:rPr lang="en-US" altLang="zh-CN" sz="3600" b="1">
+                <a:solidFill>
+                  <a:schemeClr val="accent1"/>
+                </a:solidFill>
+                <a:latin typeface="+mn-ea"/>
+                <a:cs typeface="+mn-ea"/>
+              </a:rPr>
+              <a:t>AI</a:t>
+            </a:r>
+            <a:r>
+              <a:rPr lang="zh-CN" altLang="en-US" sz="3600" b="1">
+                <a:solidFill>
+                  <a:schemeClr val="accent1"/>
+                </a:solidFill>
+                <a:latin typeface="+mn-ea"/>
+                <a:cs typeface="+mn-ea"/>
+              </a:rPr>
+              <a:t>插件深度集成软件，更好的项目上下文支持</a:t>
+            </a:r>
+            <a:endParaRPr lang="zh-CN" altLang="en-US" sz="3600" b="1">
+              <a:solidFill>
+                <a:schemeClr val="accent1"/>
+              </a:solidFill>
+              <a:latin typeface="+mn-ea"/>
+              <a:cs typeface="+mn-ea"/>
+            </a:endParaRPr>
+          </a:p>
+        </p:txBody>
+      </p:sp>
+      <p:sp>
+        <p:nvSpPr>
+          <p:cNvPr id="3" name="矩形 2"/>
+          <p:cNvSpPr/>
+          <p:nvPr>
+            <p:custDataLst>
+              <p:tags r:id="rId3"/>
+            </p:custDataLst>
+          </p:nvPr>
+        </p:nvSpPr>
+        <p:spPr>
+          <a:xfrm>
+            <a:off x="3927475" y="2749550"/>
+            <a:ext cx="6431915" cy="3620770"/>
+          </a:xfrm>
+          <a:prstGeom prst="rect">
+            <a:avLst/>
+          </a:prstGeom>
+          <a:noFill/>
+        </p:spPr>
+        <p:txBody>
+          <a:bodyPr wrap="square" lIns="0" tIns="0" rIns="0" bIns="0" rtlCol="0" anchor="t" anchorCtr="0">
+            <a:noAutofit/>
+          </a:bodyPr>
+          <a:p>
+            <a:pPr algn="l">
+              <a:lnSpc>
+                <a:spcPct val="140000"/>
+              </a:lnSpc>
+              <a:spcBef>
+                <a:spcPct val="0"/>
+              </a:spcBef>
+              <a:spcAft>
+                <a:spcPct val="0"/>
+              </a:spcAft>
+            </a:pPr>
+            <a:r>
+              <a:rPr lang="en-US" altLang="zh-CN" sz="2400" dirty="0">
+                <a:ln>
+                  <a:noFill/>
+                  <a:prstDash val="sysDot"/>
+                </a:ln>
+                <a:solidFill>
+                  <a:schemeClr val="tx1">
+                    <a:lumMod val="85000"/>
+                    <a:lumOff val="15000"/>
+                  </a:schemeClr>
+                </a:solidFill>
+                <a:latin typeface="+mn-ea"/>
+                <a:cs typeface="+mn-ea"/>
+                <a:sym typeface="+mn-ea"/>
+              </a:rPr>
+              <a:t>1</a:t>
+            </a:r>
+            <a:r>
+              <a:rPr lang="zh-CN" altLang="en-US" sz="2400" dirty="0">
+                <a:ln>
+                  <a:noFill/>
+                  <a:prstDash val="sysDot"/>
+                </a:ln>
+                <a:solidFill>
+                  <a:schemeClr val="tx1">
+                    <a:lumMod val="85000"/>
+                    <a:lumOff val="15000"/>
+                  </a:schemeClr>
+                </a:solidFill>
+                <a:latin typeface="+mn-ea"/>
+                <a:cs typeface="+mn-ea"/>
+                <a:sym typeface="+mn-ea"/>
+              </a:rPr>
+              <a:t>、</a:t>
+            </a:r>
+            <a:r>
+              <a:rPr lang="en-US" altLang="zh-CN" sz="2400" dirty="0">
+                <a:ln>
+                  <a:noFill/>
+                  <a:prstDash val="sysDot"/>
+                </a:ln>
+                <a:solidFill>
+                  <a:schemeClr val="tx1">
+                    <a:lumMod val="85000"/>
+                    <a:lumOff val="15000"/>
+                  </a:schemeClr>
+                </a:solidFill>
+                <a:latin typeface="+mn-ea"/>
+                <a:cs typeface="+mn-ea"/>
+                <a:sym typeface="+mn-ea"/>
+              </a:rPr>
+              <a:t>Cursor AI</a:t>
+            </a:r>
+            <a:endParaRPr lang="en-US" altLang="zh-CN" sz="2400" dirty="0">
+              <a:ln>
+                <a:noFill/>
+                <a:prstDash val="sysDot"/>
+              </a:ln>
+              <a:solidFill>
+                <a:schemeClr val="tx1">
+                  <a:lumMod val="85000"/>
+                  <a:lumOff val="15000"/>
+                </a:schemeClr>
+              </a:solidFill>
+              <a:latin typeface="+mn-ea"/>
+              <a:cs typeface="+mn-ea"/>
+              <a:sym typeface="+mn-ea"/>
+            </a:endParaRPr>
+          </a:p>
+          <a:p>
+            <a:pPr algn="l">
+              <a:lnSpc>
+                <a:spcPct val="140000"/>
+              </a:lnSpc>
+              <a:spcBef>
+                <a:spcPct val="0"/>
+              </a:spcBef>
+              <a:spcAft>
+                <a:spcPct val="0"/>
+              </a:spcAft>
+            </a:pPr>
+            <a:r>
+              <a:rPr lang="en-US" altLang="zh-CN" sz="2400" dirty="0">
+                <a:ln>
+                  <a:noFill/>
+                  <a:prstDash val="sysDot"/>
+                </a:ln>
+                <a:solidFill>
+                  <a:schemeClr val="tx1">
+                    <a:lumMod val="85000"/>
+                    <a:lumOff val="15000"/>
+                  </a:schemeClr>
+                </a:solidFill>
+                <a:latin typeface="+mn-ea"/>
+                <a:cs typeface="+mn-ea"/>
+                <a:sym typeface="+mn-ea"/>
+              </a:rPr>
+              <a:t>2</a:t>
+            </a:r>
+            <a:r>
+              <a:rPr lang="zh-CN" altLang="en-US" sz="2400" dirty="0">
+                <a:ln>
+                  <a:noFill/>
+                  <a:prstDash val="sysDot"/>
+                </a:ln>
+                <a:solidFill>
+                  <a:schemeClr val="tx1">
+                    <a:lumMod val="85000"/>
+                    <a:lumOff val="15000"/>
+                  </a:schemeClr>
+                </a:solidFill>
+                <a:latin typeface="+mn-ea"/>
+                <a:cs typeface="+mn-ea"/>
+                <a:sym typeface="+mn-ea"/>
+              </a:rPr>
+              <a:t>、</a:t>
+            </a:r>
+            <a:r>
+              <a:rPr lang="en-US" altLang="zh-CN" sz="2400" dirty="0">
+                <a:ln>
+                  <a:noFill/>
+                  <a:prstDash val="sysDot"/>
+                </a:ln>
+                <a:solidFill>
+                  <a:schemeClr val="tx1">
+                    <a:lumMod val="85000"/>
+                    <a:lumOff val="15000"/>
+                  </a:schemeClr>
+                </a:solidFill>
+                <a:latin typeface="+mn-ea"/>
+                <a:cs typeface="+mn-ea"/>
+                <a:sym typeface="+mn-ea"/>
+              </a:rPr>
+              <a:t>Trae</a:t>
+            </a:r>
+            <a:endParaRPr lang="en-US" altLang="zh-CN" sz="2400" dirty="0">
+              <a:ln>
+                <a:noFill/>
+                <a:prstDash val="sysDot"/>
+              </a:ln>
+              <a:solidFill>
+                <a:schemeClr val="tx1">
+                  <a:lumMod val="85000"/>
+                  <a:lumOff val="15000"/>
+                </a:schemeClr>
+              </a:solidFill>
+              <a:latin typeface="+mn-ea"/>
+              <a:cs typeface="+mn-ea"/>
+              <a:sym typeface="+mn-ea"/>
+            </a:endParaRPr>
+          </a:p>
+          <a:p>
+            <a:pPr algn="l">
+              <a:lnSpc>
+                <a:spcPct val="140000"/>
+              </a:lnSpc>
+              <a:spcBef>
+                <a:spcPct val="0"/>
+              </a:spcBef>
+              <a:spcAft>
+                <a:spcPct val="0"/>
+              </a:spcAft>
+            </a:pPr>
+            <a:r>
+              <a:rPr lang="en-US" altLang="zh-CN" sz="2400" dirty="0">
+                <a:ln>
+                  <a:noFill/>
+                  <a:prstDash val="sysDot"/>
+                </a:ln>
+                <a:solidFill>
+                  <a:schemeClr val="tx1">
+                    <a:lumMod val="85000"/>
+                    <a:lumOff val="15000"/>
+                  </a:schemeClr>
+                </a:solidFill>
+                <a:latin typeface="+mn-ea"/>
+                <a:cs typeface="+mn-ea"/>
+                <a:sym typeface="+mn-ea"/>
+              </a:rPr>
+              <a:t>3</a:t>
+            </a:r>
+            <a:r>
+              <a:rPr lang="zh-CN" altLang="en-US" sz="2400" dirty="0">
+                <a:ln>
+                  <a:noFill/>
+                  <a:prstDash val="sysDot"/>
+                </a:ln>
+                <a:solidFill>
+                  <a:schemeClr val="tx1">
+                    <a:lumMod val="85000"/>
+                    <a:lumOff val="15000"/>
+                  </a:schemeClr>
+                </a:solidFill>
+                <a:latin typeface="+mn-ea"/>
+                <a:cs typeface="+mn-ea"/>
+                <a:sym typeface="+mn-ea"/>
+              </a:rPr>
+              <a:t>、</a:t>
+            </a:r>
+            <a:r>
+              <a:rPr lang="en-US" altLang="zh-CN" sz="2400" dirty="0">
+                <a:ln>
+                  <a:noFill/>
+                  <a:prstDash val="sysDot"/>
+                </a:ln>
+                <a:solidFill>
+                  <a:schemeClr val="tx1">
+                    <a:lumMod val="85000"/>
+                    <a:lumOff val="15000"/>
+                  </a:schemeClr>
+                </a:solidFill>
+                <a:latin typeface="+mn-ea"/>
+                <a:cs typeface="+mn-ea"/>
+                <a:sym typeface="+mn-ea"/>
+              </a:rPr>
+              <a:t>Vscode + </a:t>
+            </a:r>
+            <a:r>
+              <a:rPr lang="en-US" altLang="zh-CN" sz="2400" dirty="0">
+                <a:ln>
+                  <a:noFill/>
+                  <a:prstDash val="sysDot"/>
+                </a:ln>
+                <a:solidFill>
+                  <a:schemeClr val="tx1">
+                    <a:lumMod val="85000"/>
+                    <a:lumOff val="15000"/>
+                  </a:schemeClr>
+                </a:solidFill>
+                <a:latin typeface="+mn-ea"/>
+                <a:cs typeface="+mn-ea"/>
+                <a:sym typeface="+mn-ea"/>
+              </a:rPr>
+              <a:t>github copilot</a:t>
+            </a:r>
+            <a:endParaRPr lang="en-US" altLang="zh-CN" sz="2400" dirty="0">
+              <a:ln>
+                <a:noFill/>
+                <a:prstDash val="sysDot"/>
+              </a:ln>
+              <a:solidFill>
+                <a:schemeClr val="tx1">
+                  <a:lumMod val="85000"/>
+                  <a:lumOff val="15000"/>
+                </a:schemeClr>
+              </a:solidFill>
+              <a:latin typeface="+mn-ea"/>
+              <a:cs typeface="+mn-ea"/>
+              <a:sym typeface="+mn-ea"/>
+            </a:endParaRPr>
+          </a:p>
+          <a:p>
+            <a:pPr algn="l">
+              <a:lnSpc>
+                <a:spcPct val="140000"/>
+              </a:lnSpc>
+              <a:spcBef>
+                <a:spcPct val="0"/>
+              </a:spcBef>
+              <a:spcAft>
+                <a:spcPct val="0"/>
+              </a:spcAft>
+            </a:pPr>
+            <a:r>
+              <a:rPr lang="en-US" altLang="zh-CN" sz="2400" dirty="0">
+                <a:ln>
+                  <a:noFill/>
+                  <a:prstDash val="sysDot"/>
+                </a:ln>
+                <a:solidFill>
+                  <a:schemeClr val="tx1">
+                    <a:lumMod val="85000"/>
+                    <a:lumOff val="15000"/>
+                  </a:schemeClr>
+                </a:solidFill>
+                <a:latin typeface="+mn-ea"/>
+                <a:cs typeface="+mn-ea"/>
+                <a:sym typeface="+mn-ea"/>
+              </a:rPr>
+              <a:t>4</a:t>
+            </a:r>
+            <a:r>
+              <a:rPr lang="zh-CN" altLang="en-US" sz="2400" dirty="0">
+                <a:ln>
+                  <a:noFill/>
+                  <a:prstDash val="sysDot"/>
+                </a:ln>
+                <a:solidFill>
+                  <a:schemeClr val="tx1">
+                    <a:lumMod val="85000"/>
+                    <a:lumOff val="15000"/>
+                  </a:schemeClr>
+                </a:solidFill>
+                <a:latin typeface="+mn-ea"/>
+                <a:cs typeface="+mn-ea"/>
+                <a:sym typeface="+mn-ea"/>
+              </a:rPr>
+              <a:t>、</a:t>
+            </a:r>
+            <a:r>
+              <a:rPr lang="en-US" altLang="zh-CN" sz="2400" dirty="0">
+                <a:ln>
+                  <a:noFill/>
+                  <a:prstDash val="sysDot"/>
+                </a:ln>
+                <a:solidFill>
+                  <a:schemeClr val="tx1">
+                    <a:lumMod val="85000"/>
+                    <a:lumOff val="15000"/>
+                  </a:schemeClr>
+                </a:solidFill>
+                <a:latin typeface="+mn-ea"/>
+                <a:cs typeface="+mn-ea"/>
+                <a:sym typeface="+mn-ea"/>
+              </a:rPr>
+              <a:t>Vscode + </a:t>
+            </a:r>
+            <a:r>
+              <a:rPr lang="en-US" altLang="zh-CN" sz="2400" dirty="0">
+                <a:ln>
+                  <a:noFill/>
+                  <a:prstDash val="sysDot"/>
+                </a:ln>
+                <a:solidFill>
+                  <a:schemeClr val="tx1">
+                    <a:lumMod val="85000"/>
+                    <a:lumOff val="15000"/>
+                  </a:schemeClr>
+                </a:solidFill>
+                <a:latin typeface="+mn-ea"/>
+                <a:cs typeface="+mn-ea"/>
+                <a:sym typeface="+mn-ea"/>
+              </a:rPr>
+              <a:t>TONGYI Lingma</a:t>
+            </a:r>
+            <a:endParaRPr lang="en-US" altLang="zh-CN" sz="2400" dirty="0">
+              <a:ln>
+                <a:noFill/>
+                <a:prstDash val="sysDot"/>
+              </a:ln>
+              <a:solidFill>
+                <a:schemeClr val="tx1">
+                  <a:lumMod val="85000"/>
+                  <a:lumOff val="15000"/>
+                </a:schemeClr>
+              </a:solidFill>
+              <a:latin typeface="+mn-ea"/>
+              <a:cs typeface="+mn-ea"/>
+              <a:sym typeface="+mn-ea"/>
+            </a:endParaRPr>
+          </a:p>
+          <a:p>
+            <a:pPr algn="l">
+              <a:lnSpc>
+                <a:spcPct val="140000"/>
+              </a:lnSpc>
+              <a:spcBef>
+                <a:spcPct val="0"/>
+              </a:spcBef>
+              <a:spcAft>
+                <a:spcPct val="0"/>
+              </a:spcAft>
+            </a:pPr>
+            <a:r>
+              <a:rPr lang="en-US" altLang="zh-CN" sz="2400" dirty="0">
+                <a:ln>
+                  <a:noFill/>
+                  <a:prstDash val="sysDot"/>
+                </a:ln>
+                <a:solidFill>
+                  <a:schemeClr val="tx1">
+                    <a:lumMod val="85000"/>
+                    <a:lumOff val="15000"/>
+                  </a:schemeClr>
+                </a:solidFill>
+                <a:latin typeface="+mn-ea"/>
+                <a:cs typeface="+mn-ea"/>
+                <a:sym typeface="+mn-ea"/>
+              </a:rPr>
+              <a:t>5</a:t>
+            </a:r>
+            <a:r>
+              <a:rPr lang="zh-CN" altLang="en-US" sz="2400" dirty="0">
+                <a:ln>
+                  <a:noFill/>
+                  <a:prstDash val="sysDot"/>
+                </a:ln>
+                <a:solidFill>
+                  <a:schemeClr val="tx1">
+                    <a:lumMod val="85000"/>
+                    <a:lumOff val="15000"/>
+                  </a:schemeClr>
+                </a:solidFill>
+                <a:latin typeface="+mn-ea"/>
+                <a:cs typeface="+mn-ea"/>
+                <a:sym typeface="+mn-ea"/>
+              </a:rPr>
+              <a:t>、</a:t>
+            </a:r>
+            <a:r>
+              <a:rPr lang="en-US" altLang="zh-CN" sz="2400" dirty="0">
+                <a:ln>
+                  <a:noFill/>
+                  <a:prstDash val="sysDot"/>
+                </a:ln>
+                <a:solidFill>
+                  <a:schemeClr val="tx1">
+                    <a:lumMod val="85000"/>
+                    <a:lumOff val="15000"/>
+                  </a:schemeClr>
+                </a:solidFill>
+                <a:latin typeface="+mn-ea"/>
+                <a:cs typeface="+mn-ea"/>
+                <a:sym typeface="+mn-ea"/>
+              </a:rPr>
+              <a:t>Claude code</a:t>
+            </a:r>
+            <a:br>
+              <a:rPr lang="en-US" altLang="zh-CN" sz="2400" dirty="0">
+                <a:ln>
+                  <a:noFill/>
+                  <a:prstDash val="sysDot"/>
+                </a:ln>
+                <a:solidFill>
+                  <a:schemeClr val="tx1">
+                    <a:lumMod val="85000"/>
+                    <a:lumOff val="15000"/>
+                  </a:schemeClr>
+                </a:solidFill>
+                <a:latin typeface="+mn-ea"/>
+                <a:cs typeface="+mn-ea"/>
+                <a:sym typeface="+mn-ea"/>
+              </a:rPr>
+            </a:br>
+            <a:r>
+              <a:rPr lang="en-US" altLang="zh-CN" sz="2400" dirty="0">
+                <a:ln>
+                  <a:noFill/>
+                  <a:prstDash val="sysDot"/>
+                </a:ln>
+                <a:solidFill>
+                  <a:schemeClr val="tx1">
+                    <a:lumMod val="85000"/>
+                    <a:lumOff val="15000"/>
+                  </a:schemeClr>
+                </a:solidFill>
+                <a:latin typeface="+mn-ea"/>
+                <a:cs typeface="+mn-ea"/>
+                <a:sym typeface="+mn-ea"/>
+              </a:rPr>
+              <a:t>6</a:t>
+            </a:r>
+            <a:r>
+              <a:rPr lang="zh-CN" altLang="en-US" sz="2400" dirty="0">
+                <a:ln>
+                  <a:noFill/>
+                  <a:prstDash val="sysDot"/>
+                </a:ln>
+                <a:solidFill>
+                  <a:schemeClr val="tx1">
+                    <a:lumMod val="85000"/>
+                    <a:lumOff val="15000"/>
+                  </a:schemeClr>
+                </a:solidFill>
+                <a:latin typeface="+mn-ea"/>
+                <a:cs typeface="+mn-ea"/>
+                <a:sym typeface="+mn-ea"/>
+              </a:rPr>
+              <a:t>、</a:t>
+            </a:r>
+            <a:r>
+              <a:rPr lang="en-US" altLang="zh-CN" sz="2400" dirty="0">
+                <a:ln>
+                  <a:noFill/>
+                  <a:prstDash val="sysDot"/>
+                </a:ln>
+                <a:solidFill>
+                  <a:schemeClr val="tx1">
+                    <a:lumMod val="85000"/>
+                    <a:lumOff val="15000"/>
+                  </a:schemeClr>
+                </a:solidFill>
+                <a:latin typeface="+mn-ea"/>
+                <a:cs typeface="+mn-ea"/>
+                <a:sym typeface="+mn-ea"/>
+              </a:rPr>
+              <a:t>Augment code</a:t>
+            </a:r>
+            <a:r>
+              <a:rPr lang="zh-CN" altLang="en-US" sz="2400" dirty="0">
+                <a:ln>
+                  <a:noFill/>
+                  <a:prstDash val="sysDot"/>
+                </a:ln>
+                <a:solidFill>
+                  <a:schemeClr val="tx1">
+                    <a:lumMod val="85000"/>
+                    <a:lumOff val="15000"/>
+                  </a:schemeClr>
+                </a:solidFill>
+                <a:latin typeface="+mn-ea"/>
+                <a:cs typeface="+mn-ea"/>
+                <a:sym typeface="+mn-ea"/>
+              </a:rPr>
+              <a:t>（贵）</a:t>
+            </a:r>
+            <a:endParaRPr lang="en-US" altLang="zh-CN" sz="2400" dirty="0">
+              <a:ln>
+                <a:noFill/>
+                <a:prstDash val="sysDot"/>
+              </a:ln>
+              <a:solidFill>
+                <a:schemeClr val="tx1">
+                  <a:lumMod val="85000"/>
+                  <a:lumOff val="15000"/>
+                </a:schemeClr>
+              </a:solidFill>
+              <a:latin typeface="+mn-ea"/>
+              <a:cs typeface="+mn-ea"/>
+              <a:sym typeface="+mn-ea"/>
+            </a:endParaRPr>
+          </a:p>
+          <a:p>
+            <a:pPr algn="l">
+              <a:lnSpc>
+                <a:spcPct val="140000"/>
+              </a:lnSpc>
+              <a:spcBef>
+                <a:spcPct val="0"/>
+              </a:spcBef>
+              <a:spcAft>
+                <a:spcPct val="0"/>
+              </a:spcAft>
+            </a:pPr>
+            <a:r>
+              <a:rPr lang="zh-CN" altLang="en-US" sz="2400" dirty="0">
+                <a:ln>
+                  <a:noFill/>
+                  <a:prstDash val="sysDot"/>
+                </a:ln>
+                <a:solidFill>
+                  <a:schemeClr val="tx1">
+                    <a:lumMod val="85000"/>
+                    <a:lumOff val="15000"/>
+                  </a:schemeClr>
+                </a:solidFill>
+                <a:latin typeface="+mn-ea"/>
+                <a:cs typeface="+mn-ea"/>
+                <a:sym typeface="+mn-ea"/>
+              </a:rPr>
+              <a:t>优势：深度集成，更好的感知整个项目</a:t>
+            </a:r>
+            <a:endParaRPr lang="zh-CN" altLang="en-US" sz="2400" dirty="0">
+              <a:ln>
+                <a:noFill/>
+                <a:prstDash val="sysDot"/>
+              </a:ln>
+              <a:solidFill>
+                <a:schemeClr val="tx1">
+                  <a:lumMod val="85000"/>
+                  <a:lumOff val="15000"/>
+                </a:schemeClr>
+              </a:solidFill>
+              <a:latin typeface="+mn-ea"/>
+              <a:cs typeface="+mn-ea"/>
+              <a:sym typeface="+mn-ea"/>
+            </a:endParaRPr>
+          </a:p>
+        </p:txBody>
+      </p:sp>
       <p:pic>
         <p:nvPicPr>
-          <p:cNvPr id="18" name="图片 2" descr="/data/temp/c89d22aa-49d9-11f0-b916-3a6beead4237.jpg@base@tag=imgScale&amp;m=1&amp;w=485&amp;h=753&amp;q=95c89d22aa-49d9-11f0-b916-3a6beead4237"/>
+          <p:cNvPr id="4" name="图片 2" descr="/data/temp/c89d22aa-49d9-11f0-b916-3a6beead4237.jpg@base@tag=imgScale&amp;m=1&amp;w=485&amp;h=753&amp;q=95c89d22aa-49d9-11f0-b916-3a6beead4237"/>
           <p:cNvPicPr>
             <a:picLocks noChangeAspect="1"/>
           </p:cNvPicPr>
           <p:nvPr>
             <p:custDataLst>
-              <p:tags r:id="rId7"/>
+              <p:tags r:id="rId4"/>
             </p:custDataLst>
           </p:nvPr>
         </p:nvPicPr>
         <p:blipFill>
-          <a:blip r:embed="rId8"/>
+          <a:blip r:embed="rId5"/>
           <a:srcRect l="10650" r="10650"/>
           <a:stretch>
             <a:fillRect/>
@@ -20984,8 +24474,8 @@
         </p:blipFill>
         <p:spPr>
           <a:xfrm>
-            <a:off x="5256891" y="1663021"/>
-            <a:ext cx="1747525" cy="2714915"/>
+            <a:off x="1265555" y="1893570"/>
+            <a:ext cx="1747520" cy="1765300"/>
           </a:xfrm>
           <a:prstGeom prst="roundRect">
             <a:avLst>
@@ -21010,13 +24500,13 @@
           <p:cNvSpPr/>
           <p:nvPr>
             <p:custDataLst>
-              <p:tags r:id="rId9"/>
+              <p:tags r:id="rId6"/>
             </p:custDataLst>
           </p:nvPr>
         </p:nvSpPr>
         <p:spPr>
           <a:xfrm>
-            <a:off x="4943709" y="2375781"/>
+            <a:off x="952099" y="2389116"/>
             <a:ext cx="627656" cy="627656"/>
           </a:xfrm>
           <a:prstGeom prst="ellipse">
@@ -21083,379 +24573,9 @@
           </a:p>
         </p:txBody>
       </p:sp>
-      <p:sp>
-        <p:nvSpPr>
-          <p:cNvPr id="20" name="矩形 19"/>
-          <p:cNvSpPr/>
-          <p:nvPr>
-            <p:custDataLst>
-              <p:tags r:id="rId10"/>
-            </p:custDataLst>
-          </p:nvPr>
-        </p:nvSpPr>
-        <p:spPr>
-          <a:xfrm>
-            <a:off x="5054244" y="4515331"/>
-            <a:ext cx="2168323" cy="482293"/>
-          </a:xfrm>
-          <a:prstGeom prst="rect">
-            <a:avLst/>
-          </a:prstGeom>
-          <a:noFill/>
-        </p:spPr>
-        <p:txBody>
-          <a:bodyPr wrap="square" lIns="0" tIns="0" rIns="0" bIns="0" rtlCol="0" anchor="ctr">
-            <a:noAutofit/>
-          </a:bodyPr>
-          <a:p>
-            <a:pPr algn="ctr">
-              <a:spcBef>
-                <a:spcPct val="0"/>
-              </a:spcBef>
-              <a:spcAft>
-                <a:spcPct val="0"/>
-              </a:spcAft>
-            </a:pPr>
-            <a:r>
-              <a:rPr lang="zh-CN" altLang="en-US" sz="1600" b="1">
-                <a:solidFill>
-                  <a:schemeClr val="accent1"/>
-                </a:solidFill>
-                <a:latin typeface="+mn-ea"/>
-                <a:cs typeface="+mn-ea"/>
-              </a:rPr>
-              <a:t>AI编程工具的使用</a:t>
-            </a:r>
-            <a:endParaRPr lang="zh-CN" altLang="en-US" sz="1600" b="1">
-              <a:solidFill>
-                <a:schemeClr val="accent1"/>
-              </a:solidFill>
-              <a:latin typeface="+mn-ea"/>
-              <a:cs typeface="+mn-ea"/>
-            </a:endParaRPr>
-          </a:p>
-        </p:txBody>
-      </p:sp>
-      <p:sp>
-        <p:nvSpPr>
-          <p:cNvPr id="21" name="矩形 20"/>
-          <p:cNvSpPr/>
-          <p:nvPr>
-            <p:custDataLst>
-              <p:tags r:id="rId11"/>
-            </p:custDataLst>
-          </p:nvPr>
-        </p:nvSpPr>
-        <p:spPr>
-          <a:xfrm>
-            <a:off x="5054244" y="5022267"/>
-            <a:ext cx="2168322" cy="1563036"/>
-          </a:xfrm>
-          <a:prstGeom prst="rect">
-            <a:avLst/>
-          </a:prstGeom>
-          <a:noFill/>
-        </p:spPr>
-        <p:txBody>
-          <a:bodyPr wrap="square" lIns="0" tIns="0" rIns="0" bIns="0" rtlCol="0" anchor="t" anchorCtr="0">
-            <a:noAutofit/>
-          </a:bodyPr>
-          <a:p>
-            <a:pPr algn="ctr">
-              <a:lnSpc>
-                <a:spcPct val="140000"/>
-              </a:lnSpc>
-              <a:spcBef>
-                <a:spcPct val="0"/>
-              </a:spcBef>
-              <a:spcAft>
-                <a:spcPct val="0"/>
-              </a:spcAft>
-            </a:pPr>
-            <a:r>
-              <a:rPr lang="zh-CN" altLang="en-US" sz="1200" dirty="0">
-                <a:ln>
-                  <a:noFill/>
-                  <a:prstDash val="sysDot"/>
-                </a:ln>
-                <a:solidFill>
-                  <a:schemeClr val="tx1">
-                    <a:lumMod val="85000"/>
-                    <a:lumOff val="15000"/>
-                  </a:schemeClr>
-                </a:solidFill>
-                <a:latin typeface="+mn-ea"/>
-                <a:cs typeface="+mn-ea"/>
-                <a:sym typeface="+mn-ea"/>
-              </a:rPr>
-              <a:t>AI编程工具的选择和使用对开发效率和效果有重要影响，合适的工具可以提高开发效率，降低开发难度。</a:t>
-            </a:r>
-            <a:endParaRPr lang="zh-CN" altLang="en-US" sz="1200" dirty="0">
-              <a:ln>
-                <a:noFill/>
-                <a:prstDash val="sysDot"/>
-              </a:ln>
-              <a:solidFill>
-                <a:schemeClr val="tx1">
-                  <a:lumMod val="85000"/>
-                  <a:lumOff val="15000"/>
-                </a:schemeClr>
-              </a:solidFill>
-              <a:latin typeface="+mn-ea"/>
-              <a:cs typeface="+mn-ea"/>
-              <a:sym typeface="+mn-ea"/>
-            </a:endParaRPr>
-          </a:p>
-        </p:txBody>
-      </p:sp>
-      <p:pic>
-        <p:nvPicPr>
-          <p:cNvPr id="27" name="图片 3" descr="/data/temp/c89d212c-49d9-11f0-b916-3a6beead4237.jpg@base@tag=imgScale&amp;m=1&amp;w=485&amp;h=753&amp;q=95c89d212c-49d9-11f0-b916-3a6beead4237"/>
-          <p:cNvPicPr>
-            <a:picLocks noChangeAspect="1"/>
-          </p:cNvPicPr>
-          <p:nvPr>
-            <p:custDataLst>
-              <p:tags r:id="rId12"/>
-            </p:custDataLst>
-          </p:nvPr>
-        </p:nvPicPr>
-        <p:blipFill>
-          <a:blip r:embed="rId13"/>
-          <a:srcRect l="15775" r="16805"/>
-          <a:stretch>
-            <a:fillRect/>
-          </a:stretch>
-        </p:blipFill>
-        <p:spPr>
-          <a:xfrm>
-            <a:off x="8160022" y="1666833"/>
-            <a:ext cx="1747525" cy="2714915"/>
-          </a:xfrm>
-          <a:prstGeom prst="roundRect">
-            <a:avLst>
-              <a:gd name="adj" fmla="val 50000"/>
-            </a:avLst>
-          </a:prstGeom>
-          <a:solidFill>
-            <a:schemeClr val="accent1"/>
-          </a:solidFill>
-          <a:ln>
-            <a:solidFill>
-              <a:schemeClr val="accent1">
-                <a:alpha val="20000"/>
-              </a:schemeClr>
-            </a:solidFill>
-          </a:ln>
-        </p:spPr>
-      </p:pic>
-      <p:sp>
-        <p:nvSpPr>
-          <p:cNvPr id="28" name="椭圆 27"/>
-          <p:cNvSpPr/>
-          <p:nvPr>
-            <p:custDataLst>
-              <p:tags r:id="rId14"/>
-            </p:custDataLst>
-          </p:nvPr>
-        </p:nvSpPr>
-        <p:spPr>
-          <a:xfrm>
-            <a:off x="7839216" y="2366252"/>
-            <a:ext cx="627656" cy="627656"/>
-          </a:xfrm>
-          <a:prstGeom prst="ellipse">
-            <a:avLst/>
-          </a:prstGeom>
-          <a:solidFill>
-            <a:srgbClr val="FFFFFF"/>
-          </a:solidFill>
-          <a:ln>
-            <a:solidFill>
-              <a:schemeClr val="accent1"/>
-            </a:solidFill>
-          </a:ln>
-          <a:effectLst/>
-        </p:spPr>
-        <p:style>
-          <a:lnRef idx="2">
-            <a:schemeClr val="accent1">
-              <a:lumMod val="75000"/>
-            </a:schemeClr>
-          </a:lnRef>
-          <a:fillRef idx="1">
-            <a:schemeClr val="accent1"/>
-          </a:fillRef>
-          <a:effectRef idx="0">
-            <a:srgbClr val="FFFFFF"/>
-          </a:effectRef>
-          <a:fontRef idx="minor">
-            <a:schemeClr val="lt1"/>
-          </a:fontRef>
-        </p:style>
-        <p:txBody>
-          <a:bodyPr wrap="none" lIns="0" tIns="0" rIns="0" bIns="0" rtlCol="0" anchor="ctr">
-            <a:normAutofit/>
-          </a:bodyPr>
-          <a:p>
-            <a:pPr algn="ctr">
-              <a:spcBef>
-                <a:spcPct val="0"/>
-              </a:spcBef>
-              <a:spcAft>
-                <a:spcPct val="0"/>
-              </a:spcAft>
-            </a:pPr>
-            <a:r>
-              <a:rPr lang="en-US" altLang="zh-CN" sz="1600" b="1">
-                <a:solidFill>
-                  <a:schemeClr val="accent1"/>
-                </a:solidFill>
-                <a:latin typeface="+mn-ea"/>
-                <a:cs typeface="+mn-ea"/>
-                <a:sym typeface="+mn-ea"/>
-              </a:rPr>
-              <a:t>03</a:t>
-            </a:r>
-            <a:endParaRPr lang="zh-CN" altLang="en-US" sz="1600" b="1" dirty="0">
-              <a:solidFill>
-                <a:schemeClr val="accent1"/>
-              </a:solidFill>
-              <a:latin typeface="+mn-ea"/>
-              <a:cs typeface="+mn-ea"/>
-              <a:sym typeface="+mn-ea"/>
-            </a:endParaRPr>
-          </a:p>
-        </p:txBody>
-      </p:sp>
-      <p:sp>
-        <p:nvSpPr>
-          <p:cNvPr id="29" name="矩形 28"/>
-          <p:cNvSpPr/>
-          <p:nvPr>
-            <p:custDataLst>
-              <p:tags r:id="rId15"/>
-            </p:custDataLst>
-          </p:nvPr>
-        </p:nvSpPr>
-        <p:spPr>
-          <a:xfrm>
-            <a:off x="7964362" y="4515331"/>
-            <a:ext cx="2168323" cy="482293"/>
-          </a:xfrm>
-          <a:prstGeom prst="rect">
-            <a:avLst/>
-          </a:prstGeom>
-          <a:noFill/>
-        </p:spPr>
-        <p:txBody>
-          <a:bodyPr wrap="square" lIns="0" tIns="0" rIns="0" bIns="0" rtlCol="0" anchor="ctr">
-            <a:noAutofit/>
-          </a:bodyPr>
-          <a:p>
-            <a:pPr algn="ctr">
-              <a:spcBef>
-                <a:spcPct val="0"/>
-              </a:spcBef>
-              <a:spcAft>
-                <a:spcPct val="0"/>
-              </a:spcAft>
-            </a:pPr>
-            <a:r>
-              <a:rPr lang="zh-CN" altLang="en-US" sz="1600" b="1">
-                <a:solidFill>
-                  <a:schemeClr val="accent1"/>
-                </a:solidFill>
-                <a:latin typeface="+mn-ea"/>
-                <a:cs typeface="+mn-ea"/>
-              </a:rPr>
-              <a:t>AI编程实践</a:t>
-            </a:r>
-            <a:endParaRPr lang="zh-CN" altLang="en-US" sz="1600" b="1">
-              <a:solidFill>
-                <a:schemeClr val="accent1"/>
-              </a:solidFill>
-              <a:latin typeface="+mn-ea"/>
-              <a:cs typeface="+mn-ea"/>
-            </a:endParaRPr>
-          </a:p>
-        </p:txBody>
-      </p:sp>
-      <p:sp>
-        <p:nvSpPr>
-          <p:cNvPr id="30" name="矩形 29"/>
-          <p:cNvSpPr/>
-          <p:nvPr>
-            <p:custDataLst>
-              <p:tags r:id="rId16"/>
-            </p:custDataLst>
-          </p:nvPr>
-        </p:nvSpPr>
-        <p:spPr>
-          <a:xfrm>
-            <a:off x="7964362" y="5022267"/>
-            <a:ext cx="2168322" cy="1563036"/>
-          </a:xfrm>
-          <a:prstGeom prst="rect">
-            <a:avLst/>
-          </a:prstGeom>
-          <a:noFill/>
-        </p:spPr>
-        <p:txBody>
-          <a:bodyPr wrap="square" lIns="0" tIns="0" rIns="0" bIns="0" rtlCol="0" anchor="t" anchorCtr="0">
-            <a:noAutofit/>
-          </a:bodyPr>
-          <a:p>
-            <a:pPr algn="ctr">
-              <a:lnSpc>
-                <a:spcPct val="140000"/>
-              </a:lnSpc>
-              <a:spcBef>
-                <a:spcPct val="0"/>
-              </a:spcBef>
-              <a:spcAft>
-                <a:spcPct val="0"/>
-              </a:spcAft>
-            </a:pPr>
-            <a:r>
-              <a:rPr lang="zh-CN" altLang="en-US" sz="1200" dirty="0">
-                <a:ln>
-                  <a:noFill/>
-                  <a:prstDash val="sysDot"/>
-                </a:ln>
-                <a:solidFill>
-                  <a:schemeClr val="tx1">
-                    <a:lumMod val="85000"/>
-                    <a:lumOff val="15000"/>
-                  </a:schemeClr>
-                </a:solidFill>
-                <a:latin typeface="+mn-ea"/>
-                <a:cs typeface="+mn-ea"/>
-                <a:sym typeface="+mn-ea"/>
-              </a:rPr>
-              <a:t>通过实际的AI编程Demo演示，可以更直观地理解AI编程的开发方法和过程，加深对AI编程的理解。</a:t>
-            </a:r>
-            <a:endParaRPr lang="zh-CN" altLang="en-US" sz="1200" dirty="0">
-              <a:ln>
-                <a:noFill/>
-                <a:prstDash val="sysDot"/>
-              </a:ln>
-              <a:solidFill>
-                <a:schemeClr val="tx1">
-                  <a:lumMod val="85000"/>
-                  <a:lumOff val="15000"/>
-                </a:schemeClr>
-              </a:solidFill>
-              <a:latin typeface="+mn-ea"/>
-              <a:cs typeface="+mn-ea"/>
-              <a:sym typeface="+mn-ea"/>
-            </a:endParaRPr>
-          </a:p>
-        </p:txBody>
-      </p:sp>
     </p:spTree>
     <p:custDataLst>
-      <p:tags r:id="rId17"/>
+      <p:tags r:id="rId7"/>
     </p:custDataLst>
   </p:cSld>
   <p:clrMapOvr>
@@ -21464,7 +24584,7 @@
 </p:sld>
 </file>
 
-<file path=ppt/slides/slide7.xml><?xml version="1.0" encoding="utf-8"?>
+<file path=ppt/slides/slide8.xml><?xml version="1.0" encoding="utf-8"?>
 <p:sld xmlns:a="http://schemas.openxmlformats.org/drawingml/2006/main" xmlns:r="http://schemas.openxmlformats.org/officeDocument/2006/relationships" xmlns:p="http://schemas.openxmlformats.org/presentationml/2006/main">
   <p:cSld>
     <p:spTree>
@@ -21520,14 +24640,40 @@
             </p:custDataLst>
           </p:nvPr>
         </p:nvSpPr>
-        <p:spPr/>
-        <p:txBody>
-          <a:bodyPr/>
+        <p:spPr>
+          <a:xfrm>
+            <a:off x="2019300" y="3889375"/>
+            <a:ext cx="9190990" cy="1417955"/>
+          </a:xfrm>
+        </p:spPr>
+        <p:txBody>
+          <a:bodyPr>
+            <a:normAutofit fontScale="90000"/>
+          </a:bodyPr>
           <a:lstStyle/>
           <a:p>
+            <a:pPr algn="l"/>
+            <a:r>
+              <a:rPr lang="en-US" altLang="zh-CN"/>
+              <a:t>AI</a:t>
+            </a:r>
             <a:r>
               <a:rPr lang="zh-CN" altLang="en-US"/>
-              <a:t>AI编程的工具</a:t>
+              <a:t>编程实践（</a:t>
+            </a:r>
+            <a:r>
+              <a:rPr lang="en-US" altLang="zh-CN"/>
+              <a:t>Cursor</a:t>
+            </a:r>
+            <a:r>
+              <a:rPr>
+                <a:ea typeface="宋体" panose="02010600030101010101" pitchFamily="2" charset="-122"/>
+              </a:rPr>
+              <a:t>核心能力探索</a:t>
+            </a:r>
+            <a:r>
+              <a:rPr lang="zh-CN" altLang="en-US"/>
+              <a:t>）</a:t>
             </a:r>
             <a:endParaRPr lang="zh-CN" altLang="en-US"/>
           </a:p>
@@ -21544,7 +24690,7 @@
 </p:sld>
 </file>
 
-<file path=ppt/slides/slide8.xml><?xml version="1.0" encoding="utf-8"?>
+<file path=ppt/slides/slide9.xml><?xml version="1.0" encoding="utf-8"?>
 <p:sld xmlns:a="http://schemas.openxmlformats.org/drawingml/2006/main" xmlns:r="http://schemas.openxmlformats.org/officeDocument/2006/relationships" xmlns:p="http://schemas.openxmlformats.org/presentationml/2006/main">
   <p:cSld>
     <p:spTree>
@@ -21852,8 +24998,8 @@
         </p:nvSpPr>
         <p:spPr>
           <a:xfrm>
-            <a:off x="1103313" y="1165300"/>
-            <a:ext cx="4989512" cy="1223570"/>
+            <a:off x="1116330" y="1094740"/>
+            <a:ext cx="4989195" cy="735330"/>
           </a:xfrm>
         </p:spPr>
         <p:txBody>
@@ -21864,10 +25010,18 @@
           <a:p>
             <a:pPr algn="l"/>
             <a:r>
-              <a:rPr lang="zh-CN" altLang="en-US" dirty="0"/>
-              <a:t>工具介绍</a:t>
+              <a:rPr lang="en-US" altLang="zh-CN" dirty="0"/>
+              <a:t>Cursor </a:t>
             </a:r>
-            <a:endParaRPr lang="zh-CN" altLang="en-US" dirty="0"/>
+            <a:r>
+              <a:rPr dirty="0">
+                <a:ea typeface="宋体" panose="02010600030101010101" pitchFamily="2" charset="-122"/>
+              </a:rPr>
+              <a:t>能力特点</a:t>
+            </a:r>
+            <a:endParaRPr dirty="0">
+              <a:ea typeface="宋体" panose="02010600030101010101" pitchFamily="2" charset="-122"/>
+            </a:endParaRPr>
           </a:p>
         </p:txBody>
       </p:sp>
@@ -22302,8 +25456,8 @@
         </p:nvSpPr>
         <p:spPr>
           <a:xfrm>
-            <a:off x="1116326" y="3463705"/>
-            <a:ext cx="2150110" cy="730250"/>
+            <a:off x="1077595" y="2920365"/>
+            <a:ext cx="2150110" cy="1071880"/>
           </a:xfrm>
           <a:prstGeom prst="rect">
             <a:avLst/>
@@ -22327,7 +25481,7 @@
               </a:spcAft>
             </a:pPr>
             <a:r>
-              <a:rPr lang="zh-CN" altLang="en-US" sz="1100">
+              <a:rPr lang="zh-CN" altLang="en-US" sz="1400">
                 <a:ln>
                   <a:noFill/>
                   <a:prstDash val="sysDot"/>
@@ -22341,9 +25495,9 @@
                 <a:latin typeface="+mn-ea"/>
                 <a:cs typeface="+mn-ea"/>
               </a:rPr>
-              <a:t>选择适合AI开发的语言，如Python、Java。</a:t>
+              <a:t>光标位置快速根据上下文给建议</a:t>
             </a:r>
-            <a:endParaRPr lang="zh-CN" altLang="en-US" sz="1100">
+            <a:endParaRPr lang="zh-CN" altLang="en-US" sz="1400">
               <a:ln>
                 <a:noFill/>
                 <a:prstDash val="sysDot"/>
@@ -22358,6 +25512,84 @@
               <a:cs typeface="+mn-ea"/>
             </a:endParaRPr>
           </a:p>
+          <a:p>
+            <a:pPr>
+              <a:lnSpc>
+                <a:spcPct val="150000"/>
+              </a:lnSpc>
+              <a:spcBef>
+                <a:spcPct val="0"/>
+              </a:spcBef>
+              <a:spcAft>
+                <a:spcPct val="0"/>
+              </a:spcAft>
+            </a:pPr>
+            <a:r>
+              <a:rPr lang="zh-CN" altLang="en-US" sz="1400">
+                <a:ln>
+                  <a:noFill/>
+                  <a:prstDash val="sysDot"/>
+                </a:ln>
+                <a:solidFill>
+                  <a:schemeClr val="tx1">
+                    <a:lumMod val="85000"/>
+                    <a:lumOff val="15000"/>
+                  </a:schemeClr>
+                </a:solidFill>
+                <a:latin typeface="+mn-ea"/>
+                <a:cs typeface="+mn-ea"/>
+              </a:rPr>
+              <a:t>聊天面板是核心</a:t>
+            </a:r>
+            <a:r>
+              <a:rPr lang="en-US" altLang="zh-CN" sz="1400">
+                <a:ln>
+                  <a:noFill/>
+                  <a:prstDash val="sysDot"/>
+                </a:ln>
+                <a:solidFill>
+                  <a:schemeClr val="tx1">
+                    <a:lumMod val="85000"/>
+                    <a:lumOff val="15000"/>
+                  </a:schemeClr>
+                </a:solidFill>
+                <a:latin typeface="+mn-ea"/>
+                <a:cs typeface="+mn-ea"/>
+              </a:rPr>
+              <a:t> AI </a:t>
+            </a:r>
+            <a:r>
+              <a:rPr lang="zh-CN" altLang="en-US" sz="1400">
+                <a:ln>
+                  <a:noFill/>
+                  <a:prstDash val="sysDot"/>
+                </a:ln>
+                <a:solidFill>
+                  <a:schemeClr val="tx1">
+                    <a:lumMod val="85000"/>
+                    <a:lumOff val="15000"/>
+                  </a:schemeClr>
+                </a:solidFill>
+                <a:latin typeface="+mn-ea"/>
+                <a:cs typeface="+mn-ea"/>
+              </a:rPr>
+              <a:t>交互</a:t>
+            </a:r>
+            <a:endParaRPr lang="zh-CN" altLang="en-US" sz="1400">
+              <a:ln>
+                <a:noFill/>
+                <a:prstDash val="sysDot"/>
+              </a:ln>
+              <a:solidFill>
+                <a:schemeClr val="tx1">
+                  <a:lumMod val="85000"/>
+                  <a:lumOff val="15000"/>
+                </a:schemeClr>
+              </a:solidFill>
+              <a:latin typeface="+mn-ea"/>
+              <a:cs typeface="+mn-ea"/>
+            </a:endParaRPr>
+          </a:p>
         </p:txBody>
       </p:sp>
       <p:sp>
@@ -22372,7 +25604,171 @@
         </p:nvSpPr>
         <p:spPr>
           <a:xfrm>
-            <a:off x="1116326" y="2766475"/>
+            <a:off x="1077595" y="2223135"/>
+            <a:ext cx="2755900" cy="643890"/>
+          </a:xfrm>
+          <a:prstGeom prst="rect">
+            <a:avLst/>
+          </a:prstGeom>
+          <a:noFill/>
+        </p:spPr>
+        <p:txBody>
+          <a:bodyPr wrap="square" lIns="0" tIns="0" rIns="0" bIns="0" rtlCol="0" anchor="b">
+            <a:noAutofit/>
+          </a:bodyPr>
+          <a:p>
+            <a:pPr>
+              <a:spcBef>
+                <a:spcPct val="0"/>
+              </a:spcBef>
+              <a:spcAft>
+                <a:spcPct val="0"/>
+              </a:spcAft>
+              <a:buClr>
+                <a:schemeClr val="accent1"/>
+              </a:buClr>
+              <a:buSzPct val="70000"/>
+            </a:pPr>
+            <a:r>
+              <a:rPr lang="en-US" altLang="zh-CN" sz="2000" b="1">
+                <a:solidFill>
+                  <a:schemeClr val="accent1"/>
+                </a:solidFill>
+                <a:latin typeface="+mn-ea"/>
+                <a:cs typeface="+mn-ea"/>
+              </a:rPr>
+              <a:t>Tab </a:t>
+            </a:r>
+            <a:r>
+              <a:rPr lang="zh-CN" altLang="en-US" sz="2000" b="1">
+                <a:solidFill>
+                  <a:schemeClr val="accent1"/>
+                </a:solidFill>
+                <a:latin typeface="+mn-ea"/>
+                <a:cs typeface="+mn-ea"/>
+              </a:rPr>
+              <a:t>即时建议</a:t>
+            </a:r>
+            <a:r>
+              <a:rPr lang="en-US" altLang="zh-CN" sz="2000" b="1">
+                <a:solidFill>
+                  <a:schemeClr val="accent1"/>
+                </a:solidFill>
+                <a:latin typeface="+mn-ea"/>
+                <a:cs typeface="+mn-ea"/>
+              </a:rPr>
+              <a:t>+Chat</a:t>
+            </a:r>
+            <a:endParaRPr lang="en-US" altLang="zh-CN" sz="2000" b="1">
+              <a:solidFill>
+                <a:schemeClr val="accent1"/>
+              </a:solidFill>
+              <a:latin typeface="+mn-ea"/>
+              <a:cs typeface="+mn-ea"/>
+            </a:endParaRPr>
+          </a:p>
+        </p:txBody>
+      </p:sp>
+      <p:sp>
+        <p:nvSpPr>
+          <p:cNvPr id="10" name="矩形 9"/>
+          <p:cNvSpPr/>
+          <p:nvPr>
+            <p:custDataLst>
+              <p:tags r:id="rId8"/>
+            </p:custDataLst>
+          </p:nvPr>
+        </p:nvSpPr>
+        <p:spPr>
+          <a:xfrm>
+            <a:off x="4109716" y="2920145"/>
+            <a:ext cx="2150110" cy="730250"/>
+          </a:xfrm>
+          <a:prstGeom prst="rect">
+            <a:avLst/>
+          </a:prstGeom>
+          <a:noFill/>
+        </p:spPr>
+        <p:txBody>
+          <a:bodyPr wrap="square" lIns="0" tIns="0" rIns="0" bIns="0" rtlCol="0" anchor="t" anchorCtr="0">
+            <a:noAutofit/>
+          </a:bodyPr>
+          <a:p>
+            <a:pPr>
+              <a:lnSpc>
+                <a:spcPct val="150000"/>
+              </a:lnSpc>
+              <a:spcBef>
+                <a:spcPct val="0"/>
+              </a:spcBef>
+              <a:spcAft>
+                <a:spcPct val="0"/>
+              </a:spcAft>
+            </a:pPr>
+            <a:r>
+              <a:rPr lang="en-US" altLang="zh-CN" sz="1400">
+                <a:ln>
+                  <a:noFill/>
+                  <a:prstDash val="sysDot"/>
+                </a:ln>
+                <a:solidFill>
+                  <a:schemeClr val="tx1">
+                    <a:lumMod val="85000"/>
+                    <a:lumOff val="15000"/>
+                  </a:schemeClr>
+                </a:solidFill>
+                <a:latin typeface="+mn-ea"/>
+                <a:cs typeface="+mn-ea"/>
+              </a:rPr>
+              <a:t>Chat </a:t>
+            </a:r>
+            <a:r>
+              <a:rPr lang="zh-CN" altLang="en-US" sz="1400">
+                <a:ln>
+                  <a:noFill/>
+                  <a:prstDash val="sysDot"/>
+                </a:ln>
+                <a:solidFill>
+                  <a:schemeClr val="tx1">
+                    <a:lumMod val="85000"/>
+                    <a:lumOff val="15000"/>
+                  </a:schemeClr>
+                </a:solidFill>
+                <a:latin typeface="+mn-ea"/>
+                <a:cs typeface="+mn-ea"/>
+              </a:rPr>
+              <a:t>时，可选很多项目相关上下文类型</a:t>
+            </a:r>
+            <a:endParaRPr lang="zh-CN" altLang="en-US" sz="1400">
+              <a:ln>
+                <a:noFill/>
+                <a:prstDash val="sysDot"/>
+              </a:ln>
+              <a:solidFill>
+                <a:schemeClr val="tx1">
+                  <a:lumMod val="85000"/>
+                  <a:lumOff val="15000"/>
+                </a:schemeClr>
+              </a:solidFill>
+              <a:latin typeface="+mn-ea"/>
+              <a:cs typeface="+mn-ea"/>
+            </a:endParaRPr>
+          </a:p>
+        </p:txBody>
+      </p:sp>
+      <p:sp>
+        <p:nvSpPr>
+          <p:cNvPr id="11" name="矩形 10"/>
+          <p:cNvSpPr/>
+          <p:nvPr>
+            <p:custDataLst>
+              <p:tags r:id="rId9"/>
+            </p:custDataLst>
+          </p:nvPr>
+        </p:nvSpPr>
+        <p:spPr>
+          <a:xfrm>
+            <a:off x="4109716" y="2222915"/>
             <a:ext cx="2150110" cy="643890"/>
           </a:xfrm>
           <a:prstGeom prst="rect">
@@ -22405,7 +25801,7 @@
                 <a:latin typeface="+mn-ea"/>
                 <a:cs typeface="+mn-ea"/>
               </a:rPr>
-              <a:t>编程语言选择</a:t>
+              <a:t>丰富上下文选项</a:t>
             </a:r>
             <a:endParaRPr lang="zh-CN" altLang="en-US" sz="2000" b="1">
               <a:solidFill>
@@ -22419,18 +25815,18 @@
       </p:sp>
       <p:sp>
         <p:nvSpPr>
-          <p:cNvPr id="10" name="矩形 9"/>
+          <p:cNvPr id="12" name="矩形 11"/>
           <p:cNvSpPr/>
           <p:nvPr>
             <p:custDataLst>
-              <p:tags r:id="rId8"/>
+              <p:tags r:id="rId10"/>
             </p:custDataLst>
           </p:nvPr>
         </p:nvSpPr>
         <p:spPr>
           <a:xfrm>
-            <a:off x="4148451" y="3463705"/>
-            <a:ext cx="2150110" cy="730250"/>
+            <a:off x="1077595" y="4559300"/>
+            <a:ext cx="2150110" cy="1071880"/>
           </a:xfrm>
           <a:prstGeom prst="rect">
             <a:avLst/>
@@ -22454,7 +25850,7 @@
               </a:spcAft>
             </a:pPr>
             <a:r>
-              <a:rPr lang="zh-CN" altLang="en-US" sz="1100">
+              <a:rPr lang="zh-CN" altLang="en-US" sz="1400">
                 <a:ln>
                   <a:noFill/>
                   <a:prstDash val="sysDot"/>
@@ -22468,9 +25864,9 @@
                 <a:latin typeface="+mn-ea"/>
                 <a:cs typeface="+mn-ea"/>
               </a:rPr>
-              <a:t>使用TensorFlow、PyTorch等框架，以及scikit-learn等库。</a:t>
+              <a:t>编码过程感知项目情况（其实就是项目内都算是它的上下文范围）</a:t>
             </a:r>
-            <a:endParaRPr lang="zh-CN" altLang="en-US" sz="1100">
+            <a:endParaRPr lang="zh-CN" altLang="en-US" sz="1400">
               <a:ln>
                 <a:noFill/>
                 <a:prstDash val="sysDot"/>
@@ -22489,17 +25885,17 @@
       </p:sp>
       <p:sp>
         <p:nvSpPr>
-          <p:cNvPr id="11" name="矩形 10"/>
+          <p:cNvPr id="19" name="矩形 18"/>
           <p:cNvSpPr/>
           <p:nvPr>
             <p:custDataLst>
-              <p:tags r:id="rId9"/>
+              <p:tags r:id="rId11"/>
             </p:custDataLst>
           </p:nvPr>
         </p:nvSpPr>
         <p:spPr>
           <a:xfrm>
-            <a:off x="4148451" y="2766475"/>
+            <a:off x="1077591" y="3861850"/>
             <a:ext cx="2150110" cy="643890"/>
           </a:xfrm>
           <a:prstGeom prst="rect">
@@ -22532,7 +25928,7 @@
                 <a:latin typeface="+mn-ea"/>
                 <a:cs typeface="+mn-ea"/>
               </a:rPr>
-              <a:t>开发框架与库</a:t>
+              <a:t>项目感知</a:t>
             </a:r>
             <a:endParaRPr lang="zh-CN" altLang="en-US" sz="2000" b="1">
               <a:solidFill>
@@ -22546,18 +25942,18 @@
       </p:sp>
       <p:sp>
         <p:nvSpPr>
-          <p:cNvPr id="12" name="矩形 11"/>
+          <p:cNvPr id="20" name="矩形 19"/>
           <p:cNvSpPr/>
           <p:nvPr>
             <p:custDataLst>
-              <p:tags r:id="rId10"/>
+              <p:tags r:id="rId12"/>
             </p:custDataLst>
           </p:nvPr>
         </p:nvSpPr>
         <p:spPr>
           <a:xfrm>
-            <a:off x="1116326" y="5102640"/>
-            <a:ext cx="2150110" cy="730250"/>
+            <a:off x="4109720" y="4559300"/>
+            <a:ext cx="2150110" cy="1979930"/>
           </a:xfrm>
           <a:prstGeom prst="rect">
             <a:avLst/>
@@ -22581,7 +25977,7 @@
               </a:spcAft>
             </a:pPr>
             <a:r>
-              <a:rPr lang="zh-CN" altLang="en-US" sz="1100">
+              <a:rPr lang="en-US" altLang="zh-CN" sz="1400">
                 <a:ln>
                   <a:noFill/>
                   <a:prstDash val="sysDot"/>
@@ -22595,9 +25991,9 @@
                 <a:latin typeface="+mn-ea"/>
                 <a:cs typeface="+mn-ea"/>
               </a:rPr>
-              <a:t>利用IDE如Jupyter Notebook，提高开发效率。</a:t>
+              <a:t>claude-4-sonnet</a:t>
             </a:r>
-            <a:endParaRPr lang="zh-CN" altLang="en-US" sz="1100">
+            <a:endParaRPr lang="en-US" altLang="zh-CN" sz="1400">
               <a:ln>
                 <a:noFill/>
                 <a:prstDash val="sysDot"/>
@@ -22612,21 +26008,241 @@
               <a:cs typeface="+mn-ea"/>
             </a:endParaRPr>
           </a:p>
-        </p:txBody>
-      </p:sp>
-      <p:sp>
-        <p:nvSpPr>
-          <p:cNvPr id="19" name="矩形 18"/>
+          <a:p>
+            <a:pPr>
+              <a:lnSpc>
+                <a:spcPct val="150000"/>
+              </a:lnSpc>
+              <a:spcBef>
+                <a:spcPct val="0"/>
+              </a:spcBef>
+              <a:spcAft>
+                <a:spcPct val="0"/>
+              </a:spcAft>
+            </a:pPr>
+            <a:r>
+              <a:rPr lang="en-US" altLang="zh-CN" sz="1400">
+                <a:ln>
+                  <a:noFill/>
+                  <a:prstDash val="sysDot"/>
+                </a:ln>
+                <a:solidFill>
+                  <a:schemeClr val="tx1">
+                    <a:lumMod val="85000"/>
+                    <a:lumOff val="15000"/>
+                  </a:schemeClr>
+                </a:solidFill>
+                <a:latin typeface="+mn-ea"/>
+                <a:cs typeface="+mn-ea"/>
+              </a:rPr>
+              <a:t>o3</a:t>
+            </a:r>
+            <a:endParaRPr lang="en-US" altLang="zh-CN" sz="1400">
+              <a:ln>
+                <a:noFill/>
+                <a:prstDash val="sysDot"/>
+              </a:ln>
+              <a:solidFill>
+                <a:schemeClr val="tx1">
+                  <a:lumMod val="85000"/>
+                  <a:lumOff val="15000"/>
+                </a:schemeClr>
+              </a:solidFill>
+              <a:latin typeface="+mn-ea"/>
+              <a:cs typeface="+mn-ea"/>
+            </a:endParaRPr>
+          </a:p>
+          <a:p>
+            <a:pPr>
+              <a:lnSpc>
+                <a:spcPct val="150000"/>
+              </a:lnSpc>
+              <a:spcBef>
+                <a:spcPct val="0"/>
+              </a:spcBef>
+              <a:spcAft>
+                <a:spcPct val="0"/>
+              </a:spcAft>
+            </a:pPr>
+            <a:r>
+              <a:rPr lang="en-US" altLang="zh-CN" sz="1400">
+                <a:ln>
+                  <a:noFill/>
+                  <a:prstDash val="sysDot"/>
+                </a:ln>
+                <a:solidFill>
+                  <a:schemeClr val="tx1">
+                    <a:lumMod val="85000"/>
+                    <a:lumOff val="15000"/>
+                  </a:schemeClr>
+                </a:solidFill>
+                <a:latin typeface="+mn-ea"/>
+                <a:cs typeface="+mn-ea"/>
+              </a:rPr>
+              <a:t>gemini-2.5-pro</a:t>
+            </a:r>
+            <a:endParaRPr lang="en-US" altLang="zh-CN" sz="1400">
+              <a:ln>
+                <a:noFill/>
+                <a:prstDash val="sysDot"/>
+              </a:ln>
+              <a:solidFill>
+                <a:schemeClr val="tx1">
+                  <a:lumMod val="85000"/>
+                  <a:lumOff val="15000"/>
+                </a:schemeClr>
+              </a:solidFill>
+              <a:latin typeface="+mn-ea"/>
+              <a:cs typeface="+mn-ea"/>
+            </a:endParaRPr>
+          </a:p>
+          <a:p>
+            <a:pPr>
+              <a:lnSpc>
+                <a:spcPct val="150000"/>
+              </a:lnSpc>
+              <a:spcBef>
+                <a:spcPct val="0"/>
+              </a:spcBef>
+              <a:spcAft>
+                <a:spcPct val="0"/>
+              </a:spcAft>
+            </a:pPr>
+            <a:r>
+              <a:rPr lang="en-US" altLang="zh-CN" sz="1400">
+                <a:ln>
+                  <a:noFill/>
+                  <a:prstDash val="sysDot"/>
+                </a:ln>
+                <a:solidFill>
+                  <a:schemeClr val="tx1">
+                    <a:lumMod val="85000"/>
+                    <a:lumOff val="15000"/>
+                  </a:schemeClr>
+                </a:solidFill>
+                <a:latin typeface="+mn-ea"/>
+                <a:cs typeface="+mn-ea"/>
+              </a:rPr>
+              <a:t>gpt4.1 </a:t>
+            </a:r>
+            <a:endParaRPr lang="en-US" altLang="zh-CN" sz="1400">
+              <a:ln>
+                <a:noFill/>
+                <a:prstDash val="sysDot"/>
+              </a:ln>
+              <a:solidFill>
+                <a:schemeClr val="tx1">
+                  <a:lumMod val="85000"/>
+                  <a:lumOff val="15000"/>
+                </a:schemeClr>
+              </a:solidFill>
+              <a:latin typeface="+mn-ea"/>
+              <a:cs typeface="+mn-ea"/>
+            </a:endParaRPr>
+          </a:p>
+          <a:p>
+            <a:pPr>
+              <a:lnSpc>
+                <a:spcPct val="150000"/>
+              </a:lnSpc>
+              <a:spcBef>
+                <a:spcPct val="0"/>
+              </a:spcBef>
+              <a:spcAft>
+                <a:spcPct val="0"/>
+              </a:spcAft>
+            </a:pPr>
+            <a:r>
+              <a:rPr lang="en-US" altLang="zh-CN" sz="1400">
+                <a:ln>
+                  <a:noFill/>
+                  <a:prstDash val="sysDot"/>
+                </a:ln>
+                <a:solidFill>
+                  <a:schemeClr val="tx1">
+                    <a:lumMod val="85000"/>
+                    <a:lumOff val="15000"/>
+                  </a:schemeClr>
+                </a:solidFill>
+                <a:latin typeface="+mn-ea"/>
+                <a:cs typeface="+mn-ea"/>
+              </a:rPr>
+              <a:t>gpt-o4</a:t>
+            </a:r>
+            <a:endParaRPr lang="en-US" altLang="zh-CN" sz="1400">
+              <a:ln>
+                <a:noFill/>
+                <a:prstDash val="sysDot"/>
+              </a:ln>
+              <a:solidFill>
+                <a:schemeClr val="tx1">
+                  <a:lumMod val="85000"/>
+                  <a:lumOff val="15000"/>
+                </a:schemeClr>
+              </a:solidFill>
+              <a:latin typeface="+mn-ea"/>
+              <a:cs typeface="+mn-ea"/>
+            </a:endParaRPr>
+          </a:p>
+          <a:p>
+            <a:pPr>
+              <a:lnSpc>
+                <a:spcPct val="150000"/>
+              </a:lnSpc>
+              <a:spcBef>
+                <a:spcPct val="0"/>
+              </a:spcBef>
+              <a:spcAft>
+                <a:spcPct val="0"/>
+              </a:spcAft>
+            </a:pPr>
+            <a:r>
+              <a:rPr lang="en-US" altLang="zh-CN" sz="1400">
+                <a:ln>
+                  <a:noFill/>
+                  <a:prstDash val="sysDot"/>
+                </a:ln>
+                <a:solidFill>
+                  <a:schemeClr val="tx1">
+                    <a:lumMod val="85000"/>
+                    <a:lumOff val="15000"/>
+                  </a:schemeClr>
+                </a:solidFill>
+                <a:latin typeface="+mn-ea"/>
+                <a:cs typeface="+mn-ea"/>
+              </a:rPr>
+              <a:t>deepseek-r1</a:t>
+            </a:r>
+            <a:endParaRPr lang="en-US" altLang="zh-CN" sz="1400">
+              <a:ln>
+                <a:noFill/>
+                <a:prstDash val="sysDot"/>
+              </a:ln>
+              <a:solidFill>
+                <a:schemeClr val="tx1">
+                  <a:lumMod val="85000"/>
+                  <a:lumOff val="15000"/>
+                </a:schemeClr>
+              </a:solidFill>
+              <a:latin typeface="+mn-ea"/>
+              <a:cs typeface="+mn-ea"/>
+            </a:endParaRPr>
+          </a:p>
+        </p:txBody>
+      </p:sp>
+      <p:sp>
+        <p:nvSpPr>
+          <p:cNvPr id="21" name="矩形 20"/>
           <p:cNvSpPr/>
           <p:nvPr>
             <p:custDataLst>
-              <p:tags r:id="rId11"/>
+              <p:tags r:id="rId13"/>
             </p:custDataLst>
           </p:nvPr>
         </p:nvSpPr>
         <p:spPr>
           <a:xfrm>
-            <a:off x="1116326" y="4405410"/>
+            <a:off x="4109716" y="3861850"/>
             <a:ext cx="2150110" cy="643890"/>
           </a:xfrm>
           <a:prstGeom prst="rect">
@@ -22659,134 +26275,7 @@
                 <a:latin typeface="+mn-ea"/>
                 <a:cs typeface="+mn-ea"/>
               </a:rPr>
-              <a:t>集成开发环境</a:t>
-            </a:r>
-            <a:endParaRPr lang="zh-CN" altLang="en-US" sz="2000" b="1">
-              <a:solidFill>
-                <a:schemeClr val="accent1"/>
-              </a:solidFill>
-              <a:latin typeface="+mn-ea"/>
-              <a:cs typeface="+mn-ea"/>
-            </a:endParaRPr>
-          </a:p>
-        </p:txBody>
-      </p:sp>
-      <p:sp>
-        <p:nvSpPr>
-          <p:cNvPr id="20" name="矩形 19"/>
-          <p:cNvSpPr/>
-          <p:nvPr>
-            <p:custDataLst>
-              <p:tags r:id="rId12"/>
-            </p:custDataLst>
-          </p:nvPr>
-        </p:nvSpPr>
-        <p:spPr>
-          <a:xfrm>
-            <a:off x="4148451" y="5102640"/>
-            <a:ext cx="2150110" cy="730250"/>
-          </a:xfrm>
-          <a:prstGeom prst="rect">
-            <a:avLst/>
-          </a:prstGeom>
-          <a:noFill/>
-        </p:spPr>
-        <p:txBody>
-          <a:bodyPr wrap="square" lIns="0" tIns="0" rIns="0" bIns="0" rtlCol="0" anchor="t" anchorCtr="0">
-            <a:noAutofit/>
-          </a:bodyPr>
-          <a:p>
-            <a:pPr>
-              <a:lnSpc>
-                <a:spcPct val="150000"/>
-              </a:lnSpc>
-              <a:spcBef>
-                <a:spcPct val="0"/>
-              </a:spcBef>
-              <a:spcAft>
-                <a:spcPct val="0"/>
-              </a:spcAft>
-            </a:pPr>
-            <a:r>
-              <a:rPr lang="zh-CN" altLang="en-US" sz="1100">
-                <a:ln>
-                  <a:noFill/>
-                  <a:prstDash val="sysDot"/>
-                </a:ln>
-                <a:solidFill>
-                  <a:schemeClr val="tx1">
-                    <a:lumMod val="85000"/>
-                    <a:lumOff val="15000"/>
-                  </a:schemeClr>
-                </a:solidFill>
-                <a:latin typeface="+mn-ea"/>
-                <a:cs typeface="+mn-ea"/>
-              </a:rPr>
-              <a:t>使用AWS、Google Cloud等云服务进行AI模型训练和部署。</a:t>
-            </a:r>
-            <a:endParaRPr lang="zh-CN" altLang="en-US" sz="1100">
-              <a:ln>
-                <a:noFill/>
-                <a:prstDash val="sysDot"/>
-              </a:ln>
-              <a:solidFill>
-                <a:schemeClr val="tx1">
-                  <a:lumMod val="85000"/>
-                  <a:lumOff val="15000"/>
-                </a:schemeClr>
-              </a:solidFill>
-              <a:latin typeface="+mn-ea"/>
-              <a:cs typeface="+mn-ea"/>
-            </a:endParaRPr>
-          </a:p>
-        </p:txBody>
-      </p:sp>
-      <p:sp>
-        <p:nvSpPr>
-          <p:cNvPr id="21" name="矩形 20"/>
-          <p:cNvSpPr/>
-          <p:nvPr>
-            <p:custDataLst>
-              <p:tags r:id="rId13"/>
-            </p:custDataLst>
-          </p:nvPr>
-        </p:nvSpPr>
-        <p:spPr>
-          <a:xfrm>
-            <a:off x="4148451" y="4405410"/>
-            <a:ext cx="2150110" cy="643890"/>
-          </a:xfrm>
-          <a:prstGeom prst="rect">
-            <a:avLst/>
-          </a:prstGeom>
-          <a:noFill/>
-        </p:spPr>
-        <p:txBody>
-          <a:bodyPr wrap="square" lIns="0" tIns="0" rIns="0" bIns="0" rtlCol="0" anchor="b">
-            <a:noAutofit/>
-          </a:bodyPr>
-          <a:p>
-            <a:pPr>
-              <a:spcBef>
-                <a:spcPct val="0"/>
-              </a:spcBef>
-              <a:spcAft>
-                <a:spcPct val="0"/>
-              </a:spcAft>
-              <a:buClr>
-                <a:schemeClr val="accent1"/>
-              </a:buClr>
-              <a:buSzPct val="70000"/>
-            </a:pPr>
-            <a:r>
-              <a:rPr lang="zh-CN" altLang="en-US" sz="2000" b="1">
-                <a:solidFill>
-                  <a:schemeClr val="accent1"/>
-                </a:solidFill>
-                <a:latin typeface="+mn-ea"/>
-                <a:cs typeface="+mn-ea"/>
-              </a:rPr>
-              <a:t>云服务平台</a:t>
+              <a:t>先进推理模型</a:t>
             </a:r>
             <a:endParaRPr lang="zh-CN" altLang="en-US" sz="2000" b="1">
               <a:solidFill>
@@ -22809,86 +26298,6 @@
 </p:sld>
 </file>
 
-<file path=ppt/slides/slide9.xml><?xml version="1.0" encoding="utf-8"?>
-<p:sld xmlns:a="http://schemas.openxmlformats.org/drawingml/2006/main" xmlns:r="http://schemas.openxmlformats.org/officeDocument/2006/relationships" xmlns:p="http://schemas.openxmlformats.org/presentationml/2006/main">
-  <p:cSld>
-    <p:spTree>
-      <p:nvGrpSpPr>
-        <p:cNvPr id="1" name=""/>
-        <p:cNvGrpSpPr/>
-        <p:nvPr/>
-      </p:nvGrpSpPr>
-      <p:grpSpPr>
-        <a:xfrm>
-          <a:off x="0" y="0"/>
-          <a:ext cx="0" cy="0"/>
-          <a:chOff x="0" y="0"/>
-          <a:chExt cx="0" cy="0"/>
-        </a:xfrm>
-      </p:grpSpPr>
-      <p:sp>
-        <p:nvSpPr>
-          <p:cNvPr id="5" name="文本占位符 4"/>
-          <p:cNvSpPr>
-            <a:spLocks noGrp="1"/>
-          </p:cNvSpPr>
-          <p:nvPr>
-            <p:ph type="body" idx="2"/>
-            <p:custDataLst>
-              <p:tags r:id="rId1"/>
-            </p:custDataLst>
-          </p:nvPr>
-        </p:nvSpPr>
-        <p:spPr/>
-        <p:txBody>
-          <a:bodyPr/>
-          <a:lstStyle/>
-          <a:p>
-            <a:r>
-              <a:rPr lang="zh-CN" altLang="en-US"/>
-              <a:t>04</a:t>
-            </a:r>
-            <a:endParaRPr lang="zh-CN" altLang="en-US"/>
-          </a:p>
-        </p:txBody>
-      </p:sp>
-      <p:sp>
-        <p:nvSpPr>
-          <p:cNvPr id="6" name="标题 5"/>
-          <p:cNvSpPr>
-            <a:spLocks noGrp="1"/>
-          </p:cNvSpPr>
-          <p:nvPr>
-            <p:ph type="title" idx="1"/>
-            <p:custDataLst>
-              <p:tags r:id="rId2"/>
-            </p:custDataLst>
-          </p:nvPr>
-        </p:nvSpPr>
-        <p:spPr/>
-        <p:txBody>
-          <a:bodyPr/>
-          <a:lstStyle/>
-          <a:p>
-            <a:r>
-              <a:rPr lang="zh-CN" altLang="en-US"/>
-              <a:t>AI编程的实践</a:t>
-            </a:r>
-            <a:endParaRPr lang="zh-CN" altLang="en-US"/>
-          </a:p>
-        </p:txBody>
-      </p:sp>
-    </p:spTree>
-    <p:custDataLst>
-      <p:tags r:id="rId3"/>
-    </p:custDataLst>
-  </p:cSld>
-  <p:clrMapOvr>
-    <a:masterClrMapping/>
-  </p:clrMapOvr>
-</p:sld>
-</file>
-
 <file path=ppt/tags/tag1.xml><?xml version="1.0" encoding="utf-8"?>
 <p:tagLst xmlns:p="http://schemas.openxmlformats.org/presentationml/2006/main">
   <p:tag name="KSO_WM_UNIT_HIGHLIGHT" val="0"/>
@@ -25894,30 +29303,6 @@
 </file>
 
 <file path=ppt/tags/tag278.xml><?xml version="1.0" encoding="utf-8"?>
-<p:tagLst xmlns:p="http://schemas.openxmlformats.org/presentationml/2006/main">
-  <p:tag name="KSO_WM_UNIT_ISCONTENTSTITLE" val="0"/>
-  <p:tag name="KSO_WM_UNIT_ISNUMDGMTITLE" val="0"/>
-  <p:tag name="KSO_WM_UNIT_NOCLEAR" val="0"/>
-  <p:tag name="KSO_WM_UNIT_VALUE" val="17"/>
-  <p:tag name="KSO_WM_UNIT_HIGHLIGHT" val="0"/>
-  <p:tag name="KSO_WM_UNIT_COMPATIBLE" val="0"/>
-  <p:tag name="KSO_WM_UNIT_DIAGRAM_ISNUMVISUAL" val="0"/>
-  <p:tag name="KSO_WM_UNIT_DIAGRAM_ISREFERUNIT" val="0"/>
-  <p:tag name="KSO_WM_UNIT_TYPE" val="b"/>
-  <p:tag name="KSO_WM_UNIT_INDEX" val="1"/>
-  <p:tag name="KSO_WM_UNIT_ID" val="custom20230301_1*b*1"/>
-  <p:tag name="KSO_WM_TEMPLATE_CATEGORY" val="custom"/>
-  <p:tag name="KSO_WM_TEMPLATE_INDEX" val="20230301"/>
-  <p:tag name="KSO_WM_UNIT_LAYERLEVEL" val="1"/>
-  <p:tag name="KSO_WM_TAG_VERSION" val="3.0"/>
-  <p:tag name="KSO_WM_BEAUTIFY_FLAG" val="#wm#"/>
-  <p:tag name="KSO_WM_UNIT_CONTENT_GROUP_TYPE" val="contentchip"/>
-  <p:tag name="KSO_WM_UNIT_PRESET_TEXT" val="单击此处添加副标题"/>
-  <p:tag name="KSO_WM_UNIT_TEXT_TYPE" val="1"/>
-</p:tagLst>
-</file>
-
-<file path=ppt/tags/tag279.xml><?xml version="1.0" encoding="utf-8"?>
 <p:tagLst xmlns:p="http://schemas.openxmlformats.org/presentationml/2006/main">
   <p:tag name="KSO_WM_SLIDE_ID" val="custom20230301_1"/>
   <p:tag name="KSO_WM_TEMPLATE_SUBCATEGORY" val="29"/>
@@ -25939,20 +29324,7 @@
 </p:tagLst>
 </file>
 
-<file path=ppt/tags/tag28.xml><?xml version="1.0" encoding="utf-8"?>
-<p:tagLst xmlns:p="http://schemas.openxmlformats.org/presentationml/2006/main">
-  <p:tag name="KSO_WM_UNIT_HIGHLIGHT" val="0"/>
-  <p:tag name="KSO_WM_UNIT_COMPATIBLE" val="0"/>
-  <p:tag name="KSO_WM_UNIT_DIAGRAM_ISNUMVISUAL" val="0"/>
-  <p:tag name="KSO_WM_UNIT_DIAGRAM_ISREFERUNIT" val="0"/>
-  <p:tag name="KSO_WM_UNIT_ID" val="_5**"/>
-  <p:tag name="KSO_WM_UNIT_LAYERLEVEL" val="1"/>
-  <p:tag name="KSO_WM_TAG_VERSION" val="1.0"/>
-  <p:tag name="KSO_WM_BEAUTIFY_FLAG" val="#wm#"/>
-</p:tagLst>
-</file>
-
-<file path=ppt/tags/tag280.xml><?xml version="1.0" encoding="utf-8"?>
+<file path=ppt/tags/tag279.xml><?xml version="1.0" encoding="utf-8"?>
 <p:tagLst xmlns:p="http://schemas.openxmlformats.org/presentationml/2006/main">
   <p:tag name="KSO_WM_UNIT_ISCONTENTSTITLE" val="1"/>
   <p:tag name="KSO_WM_UNIT_ISNUMDGMTITLE" val="0"/>
@@ -25974,7 +29346,20 @@
 </p:tagLst>
 </file>
 
-<file path=ppt/tags/tag281.xml><?xml version="1.0" encoding="utf-8"?>
+<file path=ppt/tags/tag28.xml><?xml version="1.0" encoding="utf-8"?>
+<p:tagLst xmlns:p="http://schemas.openxmlformats.org/presentationml/2006/main">
+  <p:tag name="KSO_WM_UNIT_HIGHLIGHT" val="0"/>
+  <p:tag name="KSO_WM_UNIT_COMPATIBLE" val="0"/>
+  <p:tag name="KSO_WM_UNIT_DIAGRAM_ISNUMVISUAL" val="0"/>
+  <p:tag name="KSO_WM_UNIT_DIAGRAM_ISREFERUNIT" val="0"/>
+  <p:tag name="KSO_WM_UNIT_ID" val="_5**"/>
+  <p:tag name="KSO_WM_UNIT_LAYERLEVEL" val="1"/>
+  <p:tag name="KSO_WM_TAG_VERSION" val="1.0"/>
+  <p:tag name="KSO_WM_BEAUTIFY_FLAG" val="#wm#"/>
+</p:tagLst>
+</file>
+
+<file path=ppt/tags/tag280.xml><?xml version="1.0" encoding="utf-8"?>
 <p:tagLst xmlns:p="http://schemas.openxmlformats.org/presentationml/2006/main">
   <p:tag name="KSO_WM_UNIT_HIGHLIGHT" val="0"/>
   <p:tag name="KSO_WM_UNIT_COMPATIBLE" val="0"/>
@@ -25993,14 +29378,14 @@
   <p:tag name="KSO_WM_DIAGRAM_VERSION" val="3"/>
   <p:tag name="KSO_WM_DIAGRAM_MAX_ITEMCNT" val="8"/>
   <p:tag name="KSO_WM_DIAGRAM_MIN_ITEMCNT" val="2"/>
-  <p:tag name="KSO_WM_DIAGRAM_VIRTUALLY_FRAME" val="{&quot;height&quot;:380.4820556640625,&quot;width&quot;:884.7999877929688}"/>
+  <p:tag name="KSO_WM_DIAGRAM_VIRTUALLY_FRAME" val="{&quot;height&quot;:380.48205566406244,&quot;left&quot;:61.42500610351563,&quot;top&quot;:140.49999579001602,&quot;width&quot;:884.7999877929688}"/>
   <p:tag name="KSO_WM_DIAGRAM_COLOR_TRICK" val="1"/>
   <p:tag name="KSO_WM_DIAGRAM_COLOR_TEXT_CAN_REMOVE" val="n"/>
   <p:tag name="KSO_WM_DIAGRAM_COLOR_MATCH_VALUE" val="{&quot;shape&quot;:{&quot;fill&quot;:{&quot;type&quot;:0},&quot;glow&quot;:{&quot;colorType&quot;:0},&quot;line&quot;:{&quot;type&quot;:0},&quot;shadow&quot;:{&quot;colorType&quot;:0},&quot;threeD&quot;:{&quot;curvedSurface&quot;:{&quot;brightness&quot;:0,&quot;colorType&quot;:2,&quot;rgb&quot;:&quot;#000000&quot;},&quot;depth&quot;:{&quot;colorType&quot;:0}}},&quot;text&quot;:{&quot;fill&quot;:{&quot;solid&quot;:{&quot;brightness&quot;:0,&quot;colorType&quot;:2,&quot;rgb&quot;:&quot;#ffffff&quot;,&quot;transparency&quot;:0},&quot;type&quot;:1},&quot;glow&quot;:{&quot;colorType&quot;:0},&quot;line&quot;:{&quot;type&quot;:0},&quot;shadow&quot;:{&quot;colorType&quot;:0},&quot;threeD&quot;:{&quot;curvedSurface&quot;:{&quot;brightness&quot;:0,&quot;colorType&quot;:2,&quot;rgb&quot;:&quot;#000000&quot;},&quot;depth&quot;:{&quot;colorType&quot;:0}}}}"/>
 </p:tagLst>
 </file>
 
-<file path=ppt/tags/tag282.xml><?xml version="1.0" encoding="utf-8"?>
+<file path=ppt/tags/tag281.xml><?xml version="1.0" encoding="utf-8"?>
 <p:tagLst xmlns:p="http://schemas.openxmlformats.org/presentationml/2006/main">
   <p:tag name="KSO_WM_UNIT_ISCONTENTSTITLE" val="0"/>
   <p:tag name="KSO_WM_UNIT_ISNUMDGMTITLE" val="0"/>
@@ -26021,7 +29406,7 @@
   <p:tag name="KSO_WM_DIAGRAM_VERSION" val="3"/>
   <p:tag name="KSO_WM_DIAGRAM_MAX_ITEMCNT" val="8"/>
   <p:tag name="KSO_WM_DIAGRAM_MIN_ITEMCNT" val="2"/>
-  <p:tag name="KSO_WM_DIAGRAM_VIRTUALLY_FRAME" val="{&quot;height&quot;:380.4820556640625,&quot;width&quot;:884.7999877929688}"/>
+  <p:tag name="KSO_WM_DIAGRAM_VIRTUALLY_FRAME" val="{&quot;height&quot;:380.48205566406244,&quot;left&quot;:61.42500610351563,&quot;top&quot;:140.49999579001602,&quot;width&quot;:884.7999877929688}"/>
   <p:tag name="KSO_WM_DIAGRAM_COLOR_TRICK" val="1"/>
   <p:tag name="KSO_WM_DIAGRAM_COLOR_TEXT_CAN_REMOVE" val="n"/>
   <p:tag name="KSO_WM_UNIT_SUBTYPE" val="a"/>
@@ -26031,7 +29416,7 @@
 </p:tagLst>
 </file>
 
-<file path=ppt/tags/tag283.xml><?xml version="1.0" encoding="utf-8"?>
+<file path=ppt/tags/tag282.xml><?xml version="1.0" encoding="utf-8"?>
 <p:tagLst xmlns:p="http://schemas.openxmlformats.org/presentationml/2006/main">
   <p:tag name="KSO_WM_BEAUTIFY_FLAG" val="#wm#"/>
   <p:tag name="KSO_WM_UNIT_HIGHLIGHT" val="0"/>
@@ -26049,14 +29434,14 @@
   <p:tag name="KSO_WM_DIAGRAM_VERSION" val="3"/>
   <p:tag name="KSO_WM_DIAGRAM_MAX_ITEMCNT" val="8"/>
   <p:tag name="KSO_WM_DIAGRAM_MIN_ITEMCNT" val="2"/>
-  <p:tag name="KSO_WM_DIAGRAM_VIRTUALLY_FRAME" val="{&quot;height&quot;:380.4820556640625,&quot;width&quot;:884.7999877929688}"/>
+  <p:tag name="KSO_WM_DIAGRAM_VIRTUALLY_FRAME" val="{&quot;height&quot;:380.48205566406244,&quot;left&quot;:61.42500610351563,&quot;top&quot;:140.49999579001602,&quot;width&quot;:884.7999877929688}"/>
   <p:tag name="KSO_WM_DIAGRAM_COLOR_TRICK" val="1"/>
   <p:tag name="KSO_WM_DIAGRAM_COLOR_TEXT_CAN_REMOVE" val="n"/>
   <p:tag name="KSO_WM_DIAGRAM_COLOR_MATCH_VALUE" val="{&quot;shape&quot;:{&quot;fill&quot;:{&quot;type&quot;:0},&quot;glow&quot;:{&quot;colorType&quot;:0},&quot;line&quot;:{&quot;solidLine&quot;:{&quot;brightness&quot;:0,&quot;colorType&quot;:1,&quot;foreColorIndex&quot;:10,&quot;transparency&quot;:0},&quot;type&quot;:1},&quot;shadow&quot;:{&quot;colorType&quot;:0},&quot;threeD&quot;:{&quot;curvedSurface&quot;:{&quot;brightness&quot;:0,&quot;colorType&quot;:2,&quot;rgb&quot;:&quot;#000000&quot;},&quot;depth&quot;:{&quot;colorType&quot;:0}}},&quot;text&quot;:{&quot;fill&quot;:{},&quot;glow&quot;:{},&quot;line&quot;:{},&quot;shadow&quot;:{},&quot;threeD&quot;:{}}}"/>
 </p:tagLst>
 </file>
 
-<file path=ppt/tags/tag284.xml><?xml version="1.0" encoding="utf-8"?>
+<file path=ppt/tags/tag283.xml><?xml version="1.0" encoding="utf-8"?>
 <p:tagLst xmlns:p="http://schemas.openxmlformats.org/presentationml/2006/main">
   <p:tag name="KSO_WM_UNIT_HIGHLIGHT" val="0"/>
   <p:tag name="KSO_WM_UNIT_COMPATIBLE" val="0"/>
@@ -26075,14 +29460,14 @@
   <p:tag name="KSO_WM_DIAGRAM_VERSION" val="3"/>
   <p:tag name="KSO_WM_DIAGRAM_MAX_ITEMCNT" val="8"/>
   <p:tag name="KSO_WM_DIAGRAM_MIN_ITEMCNT" val="2"/>
-  <p:tag name="KSO_WM_DIAGRAM_VIRTUALLY_FRAME" val="{&quot;height&quot;:380.4820556640625,&quot;width&quot;:884.7999877929688}"/>
+  <p:tag name="KSO_WM_DIAGRAM_VIRTUALLY_FRAME" val="{&quot;height&quot;:380.48205566406244,&quot;left&quot;:61.42500610351563,&quot;top&quot;:140.49999579001602,&quot;width&quot;:884.7999877929688}"/>
   <p:tag name="KSO_WM_DIAGRAM_COLOR_TRICK" val="1"/>
   <p:tag name="KSO_WM_DIAGRAM_COLOR_TEXT_CAN_REMOVE" val="n"/>
   <p:tag name="KSO_WM_DIAGRAM_COLOR_MATCH_VALUE" val="{&quot;shape&quot;:{&quot;fill&quot;:{&quot;type&quot;:0},&quot;glow&quot;:{&quot;colorType&quot;:0},&quot;line&quot;:{&quot;type&quot;:0},&quot;shadow&quot;:{&quot;colorType&quot;:0},&quot;threeD&quot;:{&quot;curvedSurface&quot;:{&quot;brightness&quot;:0,&quot;colorType&quot;:2,&quot;rgb&quot;:&quot;#000000&quot;},&quot;depth&quot;:{&quot;colorType&quot;:0}}},&quot;text&quot;:{&quot;fill&quot;:{&quot;solid&quot;:{&quot;brightness&quot;:0,&quot;colorType&quot;:2,&quot;rgb&quot;:&quot;#ffffff&quot;,&quot;transparency&quot;:0},&quot;type&quot;:1},&quot;glow&quot;:{&quot;colorType&quot;:0},&quot;line&quot;:{&quot;type&quot;:0},&quot;shadow&quot;:{&quot;colorType&quot;:0},&quot;threeD&quot;:{&quot;curvedSurface&quot;:{&quot;brightness&quot;:0,&quot;colorType&quot;:2,&quot;rgb&quot;:&quot;#000000&quot;},&quot;depth&quot;:{&quot;colorType&quot;:0}}}}"/>
 </p:tagLst>
 </file>
 
-<file path=ppt/tags/tag285.xml><?xml version="1.0" encoding="utf-8"?>
+<file path=ppt/tags/tag284.xml><?xml version="1.0" encoding="utf-8"?>
 <p:tagLst xmlns:p="http://schemas.openxmlformats.org/presentationml/2006/main">
   <p:tag name="KSO_WM_UNIT_ISCONTENTSTITLE" val="0"/>
   <p:tag name="KSO_WM_UNIT_ISNUMDGMTITLE" val="0"/>
@@ -26103,7 +29488,7 @@
   <p:tag name="KSO_WM_DIAGRAM_VERSION" val="3"/>
   <p:tag name="KSO_WM_DIAGRAM_MAX_ITEMCNT" val="8"/>
   <p:tag name="KSO_WM_DIAGRAM_MIN_ITEMCNT" val="2"/>
-  <p:tag name="KSO_WM_DIAGRAM_VIRTUALLY_FRAME" val="{&quot;height&quot;:380.4820556640625,&quot;width&quot;:884.7999877929688}"/>
+  <p:tag name="KSO_WM_DIAGRAM_VIRTUALLY_FRAME" val="{&quot;height&quot;:380.48205566406244,&quot;left&quot;:61.42500610351563,&quot;top&quot;:140.49999579001602,&quot;width&quot;:884.7999877929688}"/>
   <p:tag name="KSO_WM_DIAGRAM_COLOR_TRICK" val="1"/>
   <p:tag name="KSO_WM_DIAGRAM_COLOR_TEXT_CAN_REMOVE" val="n"/>
   <p:tag name="KSO_WM_UNIT_SUBTYPE" val="a"/>
@@ -26113,7 +29498,7 @@
 </p:tagLst>
 </file>
 
-<file path=ppt/tags/tag286.xml><?xml version="1.0" encoding="utf-8"?>
+<file path=ppt/tags/tag285.xml><?xml version="1.0" encoding="utf-8"?>
 <p:tagLst xmlns:p="http://schemas.openxmlformats.org/presentationml/2006/main">
   <p:tag name="KSO_WM_BEAUTIFY_FLAG" val="#wm#"/>
   <p:tag name="KSO_WM_UNIT_HIGHLIGHT" val="0"/>
@@ -26131,14 +29516,14 @@
   <p:tag name="KSO_WM_DIAGRAM_VERSION" val="3"/>
   <p:tag name="KSO_WM_DIAGRAM_MAX_ITEMCNT" val="8"/>
   <p:tag name="KSO_WM_DIAGRAM_MIN_ITEMCNT" val="2"/>
-  <p:tag name="KSO_WM_DIAGRAM_VIRTUALLY_FRAME" val="{&quot;height&quot;:380.4820556640625,&quot;width&quot;:884.7999877929688}"/>
+  <p:tag name="KSO_WM_DIAGRAM_VIRTUALLY_FRAME" val="{&quot;height&quot;:380.48205566406244,&quot;left&quot;:61.42500610351563,&quot;top&quot;:140.49999579001602,&quot;width&quot;:884.7999877929688}"/>
   <p:tag name="KSO_WM_DIAGRAM_COLOR_TRICK" val="1"/>
   <p:tag name="KSO_WM_DIAGRAM_COLOR_TEXT_CAN_REMOVE" val="n"/>
   <p:tag name="KSO_WM_DIAGRAM_COLOR_MATCH_VALUE" val="{&quot;shape&quot;:{&quot;fill&quot;:{&quot;type&quot;:0},&quot;glow&quot;:{&quot;colorType&quot;:0},&quot;line&quot;:{&quot;solidLine&quot;:{&quot;brightness&quot;:0,&quot;colorType&quot;:1,&quot;foreColorIndex&quot;:10,&quot;transparency&quot;:0},&quot;type&quot;:1},&quot;shadow&quot;:{&quot;colorType&quot;:0},&quot;threeD&quot;:{&quot;curvedSurface&quot;:{&quot;brightness&quot;:0,&quot;colorType&quot;:2,&quot;rgb&quot;:&quot;#000000&quot;},&quot;depth&quot;:{&quot;colorType&quot;:0}}},&quot;text&quot;:{&quot;fill&quot;:{},&quot;glow&quot;:{},&quot;line&quot;:{},&quot;shadow&quot;:{},&quot;threeD&quot;:{}}}"/>
 </p:tagLst>
 </file>
 
-<file path=ppt/tags/tag287.xml><?xml version="1.0" encoding="utf-8"?>
+<file path=ppt/tags/tag286.xml><?xml version="1.0" encoding="utf-8"?>
 <p:tagLst xmlns:p="http://schemas.openxmlformats.org/presentationml/2006/main">
   <p:tag name="KSO_WM_UNIT_HIGHLIGHT" val="0"/>
   <p:tag name="KSO_WM_UNIT_COMPATIBLE" val="0"/>
@@ -26157,14 +29542,14 @@
   <p:tag name="KSO_WM_DIAGRAM_VERSION" val="3"/>
   <p:tag name="KSO_WM_DIAGRAM_MAX_ITEMCNT" val="8"/>
   <p:tag name="KSO_WM_DIAGRAM_MIN_ITEMCNT" val="2"/>
-  <p:tag name="KSO_WM_DIAGRAM_VIRTUALLY_FRAME" val="{&quot;height&quot;:380.4820556640625,&quot;width&quot;:884.7999877929688}"/>
+  <p:tag name="KSO_WM_DIAGRAM_VIRTUALLY_FRAME" val="{&quot;height&quot;:380.48205566406244,&quot;left&quot;:61.42500610351563,&quot;top&quot;:140.49999579001602,&quot;width&quot;:884.7999877929688}"/>
   <p:tag name="KSO_WM_DIAGRAM_COLOR_TRICK" val="1"/>
   <p:tag name="KSO_WM_DIAGRAM_COLOR_TEXT_CAN_REMOVE" val="n"/>
   <p:tag name="KSO_WM_DIAGRAM_COLOR_MATCH_VALUE" val="{&quot;shape&quot;:{&quot;fill&quot;:{&quot;type&quot;:0},&quot;glow&quot;:{&quot;colorType&quot;:0},&quot;line&quot;:{&quot;type&quot;:0},&quot;shadow&quot;:{&quot;colorType&quot;:0},&quot;threeD&quot;:{&quot;curvedSurface&quot;:{&quot;brightness&quot;:0,&quot;colorType&quot;:2,&quot;rgb&quot;:&quot;#000000&quot;},&quot;depth&quot;:{&quot;colorType&quot;:0}}},&quot;text&quot;:{&quot;fill&quot;:{&quot;solid&quot;:{&quot;brightness&quot;:0,&quot;colorType&quot;:2,&quot;rgb&quot;:&quot;#ffffff&quot;,&quot;transparency&quot;:0},&quot;type&quot;:1},&quot;glow&quot;:{&quot;colorType&quot;:0},&quot;line&quot;:{&quot;type&quot;:0},&quot;shadow&quot;:{&quot;colorType&quot;:0},&quot;threeD&quot;:{&quot;curvedSurface&quot;:{&quot;brightness&quot;:0,&quot;colorType&quot;:2,&quot;rgb&quot;:&quot;#000000&quot;},&quot;depth&quot;:{&quot;colorType&quot;:0}}}}"/>
 </p:tagLst>
 </file>
 
-<file path=ppt/tags/tag288.xml><?xml version="1.0" encoding="utf-8"?>
+<file path=ppt/tags/tag287.xml><?xml version="1.0" encoding="utf-8"?>
 <p:tagLst xmlns:p="http://schemas.openxmlformats.org/presentationml/2006/main">
   <p:tag name="KSO_WM_UNIT_ISCONTENTSTITLE" val="0"/>
   <p:tag name="KSO_WM_UNIT_ISNUMDGMTITLE" val="0"/>
@@ -26185,7 +29570,7 @@
   <p:tag name="KSO_WM_DIAGRAM_VERSION" val="3"/>
   <p:tag name="KSO_WM_DIAGRAM_MAX_ITEMCNT" val="8"/>
   <p:tag name="KSO_WM_DIAGRAM_MIN_ITEMCNT" val="2"/>
-  <p:tag name="KSO_WM_DIAGRAM_VIRTUALLY_FRAME" val="{&quot;height&quot;:380.4820556640625,&quot;width&quot;:884.7999877929688}"/>
+  <p:tag name="KSO_WM_DIAGRAM_VIRTUALLY_FRAME" val="{&quot;height&quot;:380.48205566406244,&quot;left&quot;:61.42500610351563,&quot;top&quot;:140.49999579001602,&quot;width&quot;:884.7999877929688}"/>
   <p:tag name="KSO_WM_DIAGRAM_COLOR_TRICK" val="1"/>
   <p:tag name="KSO_WM_DIAGRAM_COLOR_TEXT_CAN_REMOVE" val="n"/>
   <p:tag name="KSO_WM_UNIT_SUBTYPE" val="a"/>
@@ -26195,7 +29580,7 @@
 </p:tagLst>
 </file>
 
-<file path=ppt/tags/tag289.xml><?xml version="1.0" encoding="utf-8"?>
+<file path=ppt/tags/tag288.xml><?xml version="1.0" encoding="utf-8"?>
 <p:tagLst xmlns:p="http://schemas.openxmlformats.org/presentationml/2006/main">
   <p:tag name="KSO_WM_BEAUTIFY_FLAG" val="#wm#"/>
   <p:tag name="KSO_WM_UNIT_HIGHLIGHT" val="0"/>
@@ -26213,27 +29598,14 @@
   <p:tag name="KSO_WM_DIAGRAM_VERSION" val="3"/>
   <p:tag name="KSO_WM_DIAGRAM_MAX_ITEMCNT" val="8"/>
   <p:tag name="KSO_WM_DIAGRAM_MIN_ITEMCNT" val="2"/>
-  <p:tag name="KSO_WM_DIAGRAM_VIRTUALLY_FRAME" val="{&quot;height&quot;:380.4820556640625,&quot;width&quot;:884.7999877929688}"/>
+  <p:tag name="KSO_WM_DIAGRAM_VIRTUALLY_FRAME" val="{&quot;height&quot;:380.48205566406244,&quot;left&quot;:61.42500610351563,&quot;top&quot;:140.49999579001602,&quot;width&quot;:884.7999877929688}"/>
   <p:tag name="KSO_WM_DIAGRAM_COLOR_TRICK" val="1"/>
   <p:tag name="KSO_WM_DIAGRAM_COLOR_TEXT_CAN_REMOVE" val="n"/>
   <p:tag name="KSO_WM_DIAGRAM_COLOR_MATCH_VALUE" val="{&quot;shape&quot;:{&quot;fill&quot;:{&quot;type&quot;:0},&quot;glow&quot;:{&quot;colorType&quot;:0},&quot;line&quot;:{&quot;solidLine&quot;:{&quot;brightness&quot;:0,&quot;colorType&quot;:1,&quot;foreColorIndex&quot;:10,&quot;transparency&quot;:0},&quot;type&quot;:1},&quot;shadow&quot;:{&quot;colorType&quot;:0},&quot;threeD&quot;:{&quot;curvedSurface&quot;:{&quot;brightness&quot;:0,&quot;colorType&quot;:2,&quot;rgb&quot;:&quot;#000000&quot;},&quot;depth&quot;:{&quot;colorType&quot;:0}}},&quot;text&quot;:{&quot;fill&quot;:{},&quot;glow&quot;:{},&quot;line&quot;:{},&quot;shadow&quot;:{},&quot;threeD&quot;:{}}}"/>
 </p:tagLst>
 </file>
 
-<file path=ppt/tags/tag29.xml><?xml version="1.0" encoding="utf-8"?>
-<p:tagLst xmlns:p="http://schemas.openxmlformats.org/presentationml/2006/main">
-  <p:tag name="KSO_WM_UNIT_HIGHLIGHT" val="0"/>
-  <p:tag name="KSO_WM_UNIT_COMPATIBLE" val="0"/>
-  <p:tag name="KSO_WM_UNIT_DIAGRAM_ISNUMVISUAL" val="0"/>
-  <p:tag name="KSO_WM_UNIT_DIAGRAM_ISREFERUNIT" val="0"/>
-  <p:tag name="KSO_WM_UNIT_ID" val="_5**"/>
-  <p:tag name="KSO_WM_UNIT_LAYERLEVEL" val="1"/>
-  <p:tag name="KSO_WM_TAG_VERSION" val="1.0"/>
-  <p:tag name="KSO_WM_BEAUTIFY_FLAG" val="#wm#"/>
-</p:tagLst>
-</file>
-
-<file path=ppt/tags/tag290.xml><?xml version="1.0" encoding="utf-8"?>
+<file path=ppt/tags/tag289.xml><?xml version="1.0" encoding="utf-8"?>
 <p:tagLst xmlns:p="http://schemas.openxmlformats.org/presentationml/2006/main">
   <p:tag name="KSO_WM_UNIT_HIGHLIGHT" val="0"/>
   <p:tag name="KSO_WM_UNIT_COMPATIBLE" val="0"/>
@@ -26252,14 +29624,27 @@
   <p:tag name="KSO_WM_DIAGRAM_VERSION" val="3"/>
   <p:tag name="KSO_WM_DIAGRAM_MAX_ITEMCNT" val="8"/>
   <p:tag name="KSO_WM_DIAGRAM_MIN_ITEMCNT" val="2"/>
-  <p:tag name="KSO_WM_DIAGRAM_VIRTUALLY_FRAME" val="{&quot;height&quot;:380.4820556640625,&quot;width&quot;:884.7999877929688}"/>
+  <p:tag name="KSO_WM_DIAGRAM_VIRTUALLY_FRAME" val="{&quot;height&quot;:380.48205566406244,&quot;left&quot;:61.42500610351563,&quot;top&quot;:140.49999579001602,&quot;width&quot;:884.7999877929688}"/>
   <p:tag name="KSO_WM_DIAGRAM_COLOR_TRICK" val="1"/>
   <p:tag name="KSO_WM_DIAGRAM_COLOR_TEXT_CAN_REMOVE" val="n"/>
   <p:tag name="KSO_WM_DIAGRAM_COLOR_MATCH_VALUE" val="{&quot;shape&quot;:{&quot;fill&quot;:{&quot;type&quot;:0},&quot;glow&quot;:{&quot;colorType&quot;:0},&quot;line&quot;:{&quot;type&quot;:0},&quot;shadow&quot;:{&quot;colorType&quot;:0},&quot;threeD&quot;:{&quot;curvedSurface&quot;:{&quot;brightness&quot;:0,&quot;colorType&quot;:2,&quot;rgb&quot;:&quot;#000000&quot;},&quot;depth&quot;:{&quot;colorType&quot;:0}}},&quot;text&quot;:{&quot;fill&quot;:{&quot;solid&quot;:{&quot;brightness&quot;:0,&quot;colorType&quot;:2,&quot;rgb&quot;:&quot;#ffffff&quot;,&quot;transparency&quot;:0},&quot;type&quot;:1},&quot;glow&quot;:{&quot;colorType&quot;:0},&quot;line&quot;:{&quot;type&quot;:0},&quot;shadow&quot;:{&quot;colorType&quot;:0},&quot;threeD&quot;:{&quot;curvedSurface&quot;:{&quot;brightness&quot;:0,&quot;colorType&quot;:2,&quot;rgb&quot;:&quot;#000000&quot;},&quot;depth&quot;:{&quot;colorType&quot;:0}}}}"/>
 </p:tagLst>
 </file>
 
-<file path=ppt/tags/tag291.xml><?xml version="1.0" encoding="utf-8"?>
+<file path=ppt/tags/tag29.xml><?xml version="1.0" encoding="utf-8"?>
+<p:tagLst xmlns:p="http://schemas.openxmlformats.org/presentationml/2006/main">
+  <p:tag name="KSO_WM_UNIT_HIGHLIGHT" val="0"/>
+  <p:tag name="KSO_WM_UNIT_COMPATIBLE" val="0"/>
+  <p:tag name="KSO_WM_UNIT_DIAGRAM_ISNUMVISUAL" val="0"/>
+  <p:tag name="KSO_WM_UNIT_DIAGRAM_ISREFERUNIT" val="0"/>
+  <p:tag name="KSO_WM_UNIT_ID" val="_5**"/>
+  <p:tag name="KSO_WM_UNIT_LAYERLEVEL" val="1"/>
+  <p:tag name="KSO_WM_TAG_VERSION" val="1.0"/>
+  <p:tag name="KSO_WM_BEAUTIFY_FLAG" val="#wm#"/>
+</p:tagLst>
+</file>
+
+<file path=ppt/tags/tag290.xml><?xml version="1.0" encoding="utf-8"?>
 <p:tagLst xmlns:p="http://schemas.openxmlformats.org/presentationml/2006/main">
   <p:tag name="KSO_WM_UNIT_ISCONTENTSTITLE" val="0"/>
   <p:tag name="KSO_WM_UNIT_ISNUMDGMTITLE" val="0"/>
@@ -26280,7 +29665,7 @@
   <p:tag name="KSO_WM_DIAGRAM_VERSION" val="3"/>
   <p:tag name="KSO_WM_DIAGRAM_MAX_ITEMCNT" val="8"/>
   <p:tag name="KSO_WM_DIAGRAM_MIN_ITEMCNT" val="2"/>
-  <p:tag name="KSO_WM_DIAGRAM_VIRTUALLY_FRAME" val="{&quot;height&quot;:380.4820556640625,&quot;width&quot;:884.7999877929688}"/>
+  <p:tag name="KSO_WM_DIAGRAM_VIRTUALLY_FRAME" val="{&quot;height&quot;:380.48205566406244,&quot;left&quot;:61.42500610351563,&quot;top&quot;:140.49999579001602,&quot;width&quot;:884.7999877929688}"/>
   <p:tag name="KSO_WM_DIAGRAM_COLOR_TRICK" val="1"/>
   <p:tag name="KSO_WM_DIAGRAM_COLOR_TEXT_CAN_REMOVE" val="n"/>
   <p:tag name="KSO_WM_UNIT_SUBTYPE" val="a"/>
@@ -26290,7 +29675,7 @@
 </p:tagLst>
 </file>
 
-<file path=ppt/tags/tag292.xml><?xml version="1.0" encoding="utf-8"?>
+<file path=ppt/tags/tag291.xml><?xml version="1.0" encoding="utf-8"?>
 <p:tagLst xmlns:p="http://schemas.openxmlformats.org/presentationml/2006/main">
   <p:tag name="KSO_WM_BEAUTIFY_FLAG" val="#wm#"/>
   <p:tag name="KSO_WM_UNIT_HIGHLIGHT" val="0"/>
@@ -26308,96 +29693,14 @@
   <p:tag name="KSO_WM_DIAGRAM_VERSION" val="3"/>
   <p:tag name="KSO_WM_DIAGRAM_MAX_ITEMCNT" val="8"/>
   <p:tag name="KSO_WM_DIAGRAM_MIN_ITEMCNT" val="2"/>
-  <p:tag name="KSO_WM_DIAGRAM_VIRTUALLY_FRAME" val="{&quot;height&quot;:380.4820556640625,&quot;width&quot;:884.7999877929688}"/>
+  <p:tag name="KSO_WM_DIAGRAM_VIRTUALLY_FRAME" val="{&quot;height&quot;:380.48205566406244,&quot;left&quot;:61.42500610351563,&quot;top&quot;:140.49999579001602,&quot;width&quot;:884.7999877929688}"/>
   <p:tag name="KSO_WM_DIAGRAM_COLOR_TRICK" val="1"/>
   <p:tag name="KSO_WM_DIAGRAM_COLOR_TEXT_CAN_REMOVE" val="n"/>
   <p:tag name="KSO_WM_DIAGRAM_COLOR_MATCH_VALUE" val="{&quot;shape&quot;:{&quot;fill&quot;:{&quot;type&quot;:0},&quot;glow&quot;:{&quot;colorType&quot;:0},&quot;line&quot;:{&quot;solidLine&quot;:{&quot;brightness&quot;:0,&quot;colorType&quot;:1,&quot;foreColorIndex&quot;:10,&quot;transparency&quot;:0},&quot;type&quot;:1},&quot;shadow&quot;:{&quot;colorType&quot;:0},&quot;threeD&quot;:{&quot;curvedSurface&quot;:{&quot;brightness&quot;:0,&quot;colorType&quot;:2,&quot;rgb&quot;:&quot;#000000&quot;},&quot;depth&quot;:{&quot;colorType&quot;:0}}},&quot;text&quot;:{&quot;fill&quot;:{},&quot;glow&quot;:{},&quot;line&quot;:{},&quot;shadow&quot;:{},&quot;threeD&quot;:{}}}"/>
 </p:tagLst>
 </file>
 
-<file path=ppt/tags/tag293.xml><?xml version="1.0" encoding="utf-8"?>
-<p:tagLst xmlns:p="http://schemas.openxmlformats.org/presentationml/2006/main">
-  <p:tag name="KSO_WM_UNIT_HIGHLIGHT" val="0"/>
-  <p:tag name="KSO_WM_UNIT_COMPATIBLE" val="0"/>
-  <p:tag name="KSO_WM_UNIT_DIAGRAM_ISNUMVISUAL" val="0"/>
-  <p:tag name="KSO_WM_UNIT_DIAGRAM_ISREFERUNIT" val="0"/>
-  <p:tag name="KSO_WM_UNIT_SUBTYPE" val="d"/>
-  <p:tag name="KSO_WM_UNIT_TYPE" val="l_h_i"/>
-  <p:tag name="KSO_WM_UNIT_INDEX" val="1_5_1"/>
-  <p:tag name="KSO_WM_UNIT_ID" val="custom20230301_5*l_h_i*1_5_1"/>
-  <p:tag name="KSO_WM_TEMPLATE_CATEGORY" val="custom"/>
-  <p:tag name="KSO_WM_TEMPLATE_INDEX" val="20230301"/>
-  <p:tag name="KSO_WM_UNIT_LAYERLEVEL" val="1_1_1"/>
-  <p:tag name="KSO_WM_TAG_VERSION" val="3.0"/>
-  <p:tag name="KSO_WM_BEAUTIFY_FLAG" val="#wm#"/>
-  <p:tag name="KSO_WM_DIAGRAM_GROUP_CODE" val="l1-1"/>
-  <p:tag name="KSO_WM_DIAGRAM_VERSION" val="3"/>
-  <p:tag name="KSO_WM_DIAGRAM_MAX_ITEMCNT" val="8"/>
-  <p:tag name="KSO_WM_DIAGRAM_MIN_ITEMCNT" val="2"/>
-  <p:tag name="KSO_WM_DIAGRAM_VIRTUALLY_FRAME" val="{&quot;height&quot;:380.4820556640625,&quot;width&quot;:884.7999877929688}"/>
-  <p:tag name="KSO_WM_DIAGRAM_COLOR_TRICK" val="1"/>
-  <p:tag name="KSO_WM_DIAGRAM_COLOR_TEXT_CAN_REMOVE" val="n"/>
-  <p:tag name="KSO_WM_DIAGRAM_COLOR_MATCH_VALUE" val="{&quot;shape&quot;:{&quot;fill&quot;:{&quot;type&quot;:0},&quot;glow&quot;:{&quot;colorType&quot;:0},&quot;line&quot;:{&quot;type&quot;:0},&quot;shadow&quot;:{&quot;colorType&quot;:0},&quot;threeD&quot;:{&quot;curvedSurface&quot;:{&quot;brightness&quot;:0,&quot;colorType&quot;:2,&quot;rgb&quot;:&quot;#000000&quot;},&quot;depth&quot;:{&quot;colorType&quot;:0}}},&quot;text&quot;:{&quot;fill&quot;:{&quot;solid&quot;:{&quot;brightness&quot;:0,&quot;colorType&quot;:2,&quot;rgb&quot;:&quot;#ffffff&quot;,&quot;transparency&quot;:0},&quot;type&quot;:1},&quot;glow&quot;:{&quot;colorType&quot;:0},&quot;line&quot;:{&quot;type&quot;:0},&quot;shadow&quot;:{&quot;colorType&quot;:0},&quot;threeD&quot;:{&quot;curvedSurface&quot;:{&quot;brightness&quot;:0,&quot;colorType&quot;:2,&quot;rgb&quot;:&quot;#000000&quot;},&quot;depth&quot;:{&quot;colorType&quot;:0}}}}"/>
-</p:tagLst>
-</file>
-
-<file path=ppt/tags/tag294.xml><?xml version="1.0" encoding="utf-8"?>
-<p:tagLst xmlns:p="http://schemas.openxmlformats.org/presentationml/2006/main">
-  <p:tag name="KSO_WM_UNIT_ISCONTENTSTITLE" val="0"/>
-  <p:tag name="KSO_WM_UNIT_ISNUMDGMTITLE" val="0"/>
-  <p:tag name="KSO_WM_UNIT_NOCLEAR" val="0"/>
-  <p:tag name="KSO_WM_UNIT_HIGHLIGHT" val="0"/>
-  <p:tag name="KSO_WM_UNIT_COMPATIBLE" val="0"/>
-  <p:tag name="KSO_WM_UNIT_DIAGRAM_ISNUMVISUAL" val="0"/>
-  <p:tag name="KSO_WM_UNIT_DIAGRAM_ISREFERUNIT" val="0"/>
-  <p:tag name="KSO_WM_UNIT_INDEX" val="1_5_1"/>
-  <p:tag name="KSO_WM_TEMPLATE_CATEGORY" val="custom"/>
-  <p:tag name="KSO_WM_TEMPLATE_INDEX" val="20230301"/>
-  <p:tag name="KSO_WM_UNIT_LAYERLEVEL" val="1_1_1"/>
-  <p:tag name="KSO_WM_TAG_VERSION" val="3.0"/>
-  <p:tag name="KSO_WM_BEAUTIFY_FLAG" val="#wm#"/>
-  <p:tag name="KSO_WM_DIAGRAM_GROUP_CODE" val="l1-1"/>
-  <p:tag name="KSO_WM_UNIT_TYPE" val="l_h_f"/>
-  <p:tag name="KSO_WM_UNIT_ID" val="custom20230301_5*l_h_f*1_5_1"/>
-  <p:tag name="KSO_WM_DIAGRAM_VERSION" val="3"/>
-  <p:tag name="KSO_WM_DIAGRAM_MAX_ITEMCNT" val="8"/>
-  <p:tag name="KSO_WM_DIAGRAM_MIN_ITEMCNT" val="2"/>
-  <p:tag name="KSO_WM_DIAGRAM_VIRTUALLY_FRAME" val="{&quot;height&quot;:380.4820556640625,&quot;width&quot;:884.7999877929688}"/>
-  <p:tag name="KSO_WM_DIAGRAM_COLOR_TRICK" val="1"/>
-  <p:tag name="KSO_WM_DIAGRAM_COLOR_TEXT_CAN_REMOVE" val="n"/>
-  <p:tag name="KSO_WM_UNIT_SUBTYPE" val="a"/>
-  <p:tag name="KSO_WM_UNIT_PRESET_TEXT" val="单击此处&#10;添加目录标题"/>
-  <p:tag name="KSO_WM_DIAGRAM_COLOR_MATCH_VALUE" val="{&quot;shape&quot;:{&quot;fill&quot;:{&quot;type&quot;:0},&quot;glow&quot;:{&quot;colorType&quot;:0},&quot;line&quot;:{&quot;type&quot;:0},&quot;shadow&quot;:{&quot;colorType&quot;:0},&quot;threeD&quot;:{&quot;curvedSurface&quot;:{&quot;brightness&quot;:0,&quot;colorType&quot;:2,&quot;rgb&quot;:&quot;#000000&quot;},&quot;depth&quot;:{&quot;colorType&quot;:0}}},&quot;text&quot;:{&quot;fill&quot;:{&quot;solid&quot;:{&quot;brightness&quot;:0,&quot;colorType&quot;:2,&quot;rgb&quot;:&quot;#ffffff&quot;,&quot;transparency&quot;:0},&quot;type&quot;:1},&quot;glow&quot;:{&quot;colorType&quot;:0},&quot;line&quot;:{&quot;type&quot;:0},&quot;shadow&quot;:{&quot;colorType&quot;:0},&quot;threeD&quot;:{&quot;curvedSurface&quot;:{&quot;brightness&quot;:0,&quot;colorType&quot;:2,&quot;rgb&quot;:&quot;#000000&quot;},&quot;depth&quot;:{&quot;colorType&quot;:0}}}}"/>
-  <p:tag name="KSO_WM_UNIT_TEXT_TYPE" val="1"/>
-</p:tagLst>
-</file>
-
-<file path=ppt/tags/tag295.xml><?xml version="1.0" encoding="utf-8"?>
-<p:tagLst xmlns:p="http://schemas.openxmlformats.org/presentationml/2006/main">
-  <p:tag name="KSO_WM_BEAUTIFY_FLAG" val="#wm#"/>
-  <p:tag name="KSO_WM_UNIT_HIGHLIGHT" val="0"/>
-  <p:tag name="KSO_WM_UNIT_COMPATIBLE" val="0"/>
-  <p:tag name="KSO_WM_UNIT_DIAGRAM_ISNUMVISUAL" val="0"/>
-  <p:tag name="KSO_WM_UNIT_DIAGRAM_ISREFERUNIT" val="0"/>
-  <p:tag name="KSO_WM_UNIT_ID" val="custom20230301_5*l_h_i*1_5_2"/>
-  <p:tag name="KSO_WM_TEMPLATE_CATEGORY" val="custom"/>
-  <p:tag name="KSO_WM_TEMPLATE_INDEX" val="20230301"/>
-  <p:tag name="KSO_WM_UNIT_LAYERLEVEL" val="1_1_1"/>
-  <p:tag name="KSO_WM_TAG_VERSION" val="3.0"/>
-  <p:tag name="KSO_WM_DIAGRAM_GROUP_CODE" val="l1-1"/>
-  <p:tag name="KSO_WM_UNIT_TYPE" val="l_h_i"/>
-  <p:tag name="KSO_WM_UNIT_INDEX" val="1_5_2"/>
-  <p:tag name="KSO_WM_DIAGRAM_VERSION" val="3"/>
-  <p:tag name="KSO_WM_DIAGRAM_MAX_ITEMCNT" val="8"/>
-  <p:tag name="KSO_WM_DIAGRAM_MIN_ITEMCNT" val="2"/>
-  <p:tag name="KSO_WM_DIAGRAM_VIRTUALLY_FRAME" val="{&quot;height&quot;:380.4820556640625,&quot;width&quot;:884.7999877929688}"/>
-  <p:tag name="KSO_WM_DIAGRAM_COLOR_TRICK" val="1"/>
-  <p:tag name="KSO_WM_DIAGRAM_COLOR_TEXT_CAN_REMOVE" val="n"/>
-  <p:tag name="KSO_WM_DIAGRAM_COLOR_MATCH_VALUE" val="{&quot;shape&quot;:{&quot;fill&quot;:{&quot;type&quot;:0},&quot;glow&quot;:{&quot;colorType&quot;:0},&quot;line&quot;:{&quot;solidLine&quot;:{&quot;brightness&quot;:0,&quot;colorType&quot;:1,&quot;foreColorIndex&quot;:10,&quot;transparency&quot;:0},&quot;type&quot;:1},&quot;shadow&quot;:{&quot;colorType&quot;:0},&quot;threeD&quot;:{&quot;curvedSurface&quot;:{&quot;brightness&quot;:0,&quot;colorType&quot;:2,&quot;rgb&quot;:&quot;#000000&quot;},&quot;depth&quot;:{&quot;colorType&quot;:0}}},&quot;text&quot;:{&quot;fill&quot;:{},&quot;glow&quot;:{},&quot;line&quot;:{},&quot;shadow&quot;:{},&quot;threeD&quot;:{}}}"/>
-</p:tagLst>
-</file>
-
-<file path=ppt/tags/tag296.xml><?xml version="1.0" encoding="utf-8"?>
+<file path=ppt/tags/tag292.xml><?xml version="1.0" encoding="utf-8"?>
 <p:tagLst xmlns:p="http://schemas.openxmlformats.org/presentationml/2006/main">
   <p:tag name="KSO_WM_UNIT_HIGHLIGHT" val="0"/>
   <p:tag name="KSO_WM_UNIT_COMPATIBLE" val="0"/>
@@ -26415,7 +29718,7 @@
 </p:tagLst>
 </file>
 
-<file path=ppt/tags/tag297.xml><?xml version="1.0" encoding="utf-8"?>
+<file path=ppt/tags/tag293.xml><?xml version="1.0" encoding="utf-8"?>
 <p:tagLst xmlns:p="http://schemas.openxmlformats.org/presentationml/2006/main">
   <p:tag name="KSO_WM_SLIDE_ID" val="custom20230301_5"/>
   <p:tag name="KSO_WM_TEMPLATE_SUBCATEGORY" val="29"/>
@@ -26437,7 +29740,7 @@
 </p:tagLst>
 </file>
 
-<file path=ppt/tags/tag298.xml><?xml version="1.0" encoding="utf-8"?>
+<file path=ppt/tags/tag294.xml><?xml version="1.0" encoding="utf-8"?>
 <p:tagLst xmlns:p="http://schemas.openxmlformats.org/presentationml/2006/main">
   <p:tag name="KSO_WM_UNIT_NOCLEAR" val="0"/>
   <p:tag name="KSO_WM_UNIT_VALUE" val="6"/>
@@ -26457,7 +29760,7 @@
 </p:tagLst>
 </file>
 
-<file path=ppt/tags/tag299.xml><?xml version="1.0" encoding="utf-8"?>
+<file path=ppt/tags/tag295.xml><?xml version="1.0" encoding="utf-8"?>
 <p:tagLst xmlns:p="http://schemas.openxmlformats.org/presentationml/2006/main">
   <p:tag name="KSO_WM_UNIT_ISCONTENTSTITLE" val="0"/>
   <p:tag name="KSO_WM_UNIT_ISNUMDGMTITLE" val="0"/>
@@ -26481,33 +29784,7 @@
 </p:tagLst>
 </file>
 
-<file path=ppt/tags/tag3.xml><?xml version="1.0" encoding="utf-8"?>
-<p:tagLst xmlns:p="http://schemas.openxmlformats.org/presentationml/2006/main">
-  <p:tag name="KSO_WM_UNIT_HIGHLIGHT" val="0"/>
-  <p:tag name="KSO_WM_UNIT_COMPATIBLE" val="0"/>
-  <p:tag name="KSO_WM_UNIT_DIAGRAM_ISNUMVISUAL" val="0"/>
-  <p:tag name="KSO_WM_UNIT_DIAGRAM_ISREFERUNIT" val="0"/>
-  <p:tag name="KSO_WM_UNIT_ID" val="_1**"/>
-  <p:tag name="KSO_WM_UNIT_LAYERLEVEL" val="1"/>
-  <p:tag name="KSO_WM_TAG_VERSION" val="1.0"/>
-  <p:tag name="KSO_WM_BEAUTIFY_FLAG" val="#wm#"/>
-</p:tagLst>
-</file>
-
-<file path=ppt/tags/tag30.xml><?xml version="1.0" encoding="utf-8"?>
-<p:tagLst xmlns:p="http://schemas.openxmlformats.org/presentationml/2006/main">
-  <p:tag name="KSO_WM_UNIT_HIGHLIGHT" val="0"/>
-  <p:tag name="KSO_WM_UNIT_COMPATIBLE" val="0"/>
-  <p:tag name="KSO_WM_UNIT_DIAGRAM_ISNUMVISUAL" val="0"/>
-  <p:tag name="KSO_WM_UNIT_DIAGRAM_ISREFERUNIT" val="0"/>
-  <p:tag name="KSO_WM_UNIT_ID" val="_6**"/>
-  <p:tag name="KSO_WM_UNIT_LAYERLEVEL" val="1"/>
-  <p:tag name="KSO_WM_TAG_VERSION" val="1.0"/>
-  <p:tag name="KSO_WM_BEAUTIFY_FLAG" val="#wm#"/>
-</p:tagLst>
-</file>
-
-<file path=ppt/tags/tag300.xml><?xml version="1.0" encoding="utf-8"?>
+<file path=ppt/tags/tag296.xml><?xml version="1.0" encoding="utf-8"?>
 <p:tagLst xmlns:p="http://schemas.openxmlformats.org/presentationml/2006/main">
   <p:tag name="KSO_WM_SPECIAL_SOURCE" val="bdnull"/>
   <p:tag name="KSO_WM_SLIDE_ID" val="custom20230301_9"/>
@@ -26528,7 +29805,7 @@
 </p:tagLst>
 </file>
 
-<file path=ppt/tags/tag301.xml><?xml version="1.0" encoding="utf-8"?>
+<file path=ppt/tags/tag297.xml><?xml version="1.0" encoding="utf-8"?>
 <p:tagLst xmlns:p="http://schemas.openxmlformats.org/presentationml/2006/main">
   <p:tag name="KSO_WM_UNIT_VALUE" val="811*1678"/>
   <p:tag name="KSO_WM_UNIT_HIGHLIGHT" val="0"/>
@@ -26549,7 +29826,7 @@
 </p:tagLst>
 </file>
 
-<file path=ppt/tags/tag302.xml><?xml version="1.0" encoding="utf-8"?>
+<file path=ppt/tags/tag298.xml><?xml version="1.0" encoding="utf-8"?>
 <p:tagLst xmlns:p="http://schemas.openxmlformats.org/presentationml/2006/main">
   <p:tag name="KSO_WM_UNIT_HIGHLIGHT" val="0"/>
   <p:tag name="KSO_WM_UNIT_COMPATIBLE" val="0"/>
@@ -26567,7 +29844,7 @@
 </p:tagLst>
 </file>
 
-<file path=ppt/tags/tag303.xml><?xml version="1.0" encoding="utf-8"?>
+<file path=ppt/tags/tag299.xml><?xml version="1.0" encoding="utf-8"?>
 <p:tagLst xmlns:p="http://schemas.openxmlformats.org/presentationml/2006/main">
   <p:tag name="KSO_WM_UNIT_ISCONTENTSTITLE" val="0"/>
   <p:tag name="KSO_WM_UNIT_ISNUMDGMTITLE" val="0"/>
@@ -26591,7 +29868,33 @@
 </p:tagLst>
 </file>
 
-<file path=ppt/tags/tag304.xml><?xml version="1.0" encoding="utf-8"?>
+<file path=ppt/tags/tag3.xml><?xml version="1.0" encoding="utf-8"?>
+<p:tagLst xmlns:p="http://schemas.openxmlformats.org/presentationml/2006/main">
+  <p:tag name="KSO_WM_UNIT_HIGHLIGHT" val="0"/>
+  <p:tag name="KSO_WM_UNIT_COMPATIBLE" val="0"/>
+  <p:tag name="KSO_WM_UNIT_DIAGRAM_ISNUMVISUAL" val="0"/>
+  <p:tag name="KSO_WM_UNIT_DIAGRAM_ISREFERUNIT" val="0"/>
+  <p:tag name="KSO_WM_UNIT_ID" val="_1**"/>
+  <p:tag name="KSO_WM_UNIT_LAYERLEVEL" val="1"/>
+  <p:tag name="KSO_WM_TAG_VERSION" val="1.0"/>
+  <p:tag name="KSO_WM_BEAUTIFY_FLAG" val="#wm#"/>
+</p:tagLst>
+</file>
+
+<file path=ppt/tags/tag30.xml><?xml version="1.0" encoding="utf-8"?>
+<p:tagLst xmlns:p="http://schemas.openxmlformats.org/presentationml/2006/main">
+  <p:tag name="KSO_WM_UNIT_HIGHLIGHT" val="0"/>
+  <p:tag name="KSO_WM_UNIT_COMPATIBLE" val="0"/>
+  <p:tag name="KSO_WM_UNIT_DIAGRAM_ISNUMVISUAL" val="0"/>
+  <p:tag name="KSO_WM_UNIT_DIAGRAM_ISREFERUNIT" val="0"/>
+  <p:tag name="KSO_WM_UNIT_ID" val="_6**"/>
+  <p:tag name="KSO_WM_UNIT_LAYERLEVEL" val="1"/>
+  <p:tag name="KSO_WM_TAG_VERSION" val="1.0"/>
+  <p:tag name="KSO_WM_BEAUTIFY_FLAG" val="#wm#"/>
+</p:tagLst>
+</file>
+
+<file path=ppt/tags/tag300.xml><?xml version="1.0" encoding="utf-8"?>
 <p:tagLst xmlns:p="http://schemas.openxmlformats.org/presentationml/2006/main">
   <p:tag name="KSO_WM_UNIT_SUBTYPE" val="a"/>
   <p:tag name="KSO_WM_UNIT_NOCLEAR" val="0"/>
@@ -26609,7 +29912,7 @@
   <p:tag name="KSO_WM_TAG_VERSION" val="3.0"/>
   <p:tag name="KSO_WM_DIAGRAM_MAX_ITEMCNT" val="4"/>
   <p:tag name="KSO_WM_DIAGRAM_MIN_ITEMCNT" val="1"/>
-  <p:tag name="KSO_WM_DIAGRAM_VIRTUALLY_FRAME" val="{&quot;height&quot;:109.82921600341797,&quot;width&quot;:850.44677734375}"/>
+  <p:tag name="KSO_WM_DIAGRAM_VIRTUALLY_FRAME" val="{&quot;height&quot;:138.58307086614167,&quot;left&quot;:54.777280619463546,&quot;top&quot;:348.69023622047246,&quot;width&quot;:850.44677734375}"/>
   <p:tag name="KSO_WM_DIAGRAM_COLOR_MATCH_VALUE" val="{&quot;shape&quot;:{&quot;fill&quot;:{&quot;type&quot;:0},&quot;glow&quot;:{&quot;colorType&quot;:0},&quot;line&quot;:{&quot;type&quot;:0},&quot;shadow&quot;:{&quot;colorType&quot;:0},&quot;threeD&quot;:{&quot;curvedSurface&quot;:{&quot;brightness&quot;:0,&quot;colorType&quot;:2,&quot;rgb&quot;:&quot;#000000&quot;},&quot;depth&quot;:{&quot;colorType&quot;:0}}},&quot;text&quot;:{&quot;fill&quot;:{&quot;solid&quot;:{&quot;brightness&quot;:0.15000000596046448,&quot;colorType&quot;:1,&quot;foreColorIndex&quot;:13,&quot;transparency&quot;:0},&quot;type&quot;:1},&quot;glow&quot;:{&quot;colorType&quot;:0},&quot;line&quot;:{&quot;type&quot;:0},&quot;shadow&quot;:{&quot;colorType&quot;:0},&quot;threeD&quot;:{&quot;curvedSurface&quot;:{&quot;brightness&quot;:0,&quot;colorType&quot;:2,&quot;rgb&quot;:&quot;#000000&quot;},&quot;depth&quot;:{&quot;colorType&quot;:0}}}}"/>
   <p:tag name="KSO_WM_DIAGRAM_VERSION" val="3"/>
   <p:tag name="KSO_WM_DIAGRAM_COLOR_TRICK" val="1"/>
@@ -26624,7 +29927,7 @@
 </p:tagLst>
 </file>
 
-<file path=ppt/tags/tag305.xml><?xml version="1.0" encoding="utf-8"?>
+<file path=ppt/tags/tag301.xml><?xml version="1.0" encoding="utf-8"?>
 <p:tagLst xmlns:p="http://schemas.openxmlformats.org/presentationml/2006/main">
   <p:tag name="KSO_WM_UNIT_ISCONTENTSTITLE" val="0"/>
   <p:tag name="KSO_WM_UNIT_ISNUMDGMTITLE" val="0"/>
@@ -26643,7 +29946,7 @@
   <p:tag name="KSO_WM_TAG_VERSION" val="3.0"/>
   <p:tag name="KSO_WM_DIAGRAM_MAX_ITEMCNT" val="4"/>
   <p:tag name="KSO_WM_DIAGRAM_MIN_ITEMCNT" val="1"/>
-  <p:tag name="KSO_WM_DIAGRAM_VIRTUALLY_FRAME" val="{&quot;height&quot;:109.82921600341797,&quot;width&quot;:850.44677734375}"/>
+  <p:tag name="KSO_WM_DIAGRAM_VIRTUALLY_FRAME" val="{&quot;height&quot;:138.58307086614167,&quot;left&quot;:54.777280619463546,&quot;top&quot;:348.69023622047246,&quot;width&quot;:850.44677734375}"/>
   <p:tag name="KSO_WM_DIAGRAM_COLOR_MATCH_VALUE" val="{&quot;shape&quot;:{&quot;fill&quot;:{&quot;type&quot;:0},&quot;glow&quot;:{&quot;colorType&quot;:0},&quot;line&quot;:{&quot;type&quot;:0},&quot;shadow&quot;:{&quot;colorType&quot;:0},&quot;threeD&quot;:{&quot;curvedSurface&quot;:{&quot;brightness&quot;:0,&quot;colorType&quot;:2,&quot;rgb&quot;:&quot;#000000&quot;},&quot;depth&quot;:{&quot;colorType&quot;:0}}},&quot;text&quot;:{&quot;fill&quot;:{&quot;solid&quot;:{&quot;brightness&quot;:0,&quot;colorType&quot;:1,&quot;foreColorIndex&quot;:5,&quot;transparency&quot;:0},&quot;type&quot;:1},&quot;glow&quot;:{&quot;colorType&quot;:0},&quot;line&quot;:{&quot;type&quot;:0},&quot;shadow&quot;:{&quot;colorType&quot;:0},&quot;threeD&quot;:{&quot;curvedSurface&quot;:{&quot;brightness&quot;:0,&quot;colorType&quot;:2,&quot;rgb&quot;:&quot;#000000&quot;},&quot;depth&quot;:{&quot;colorType&quot;:0}}}}"/>
   <p:tag name="KSO_WM_DIAGRAM_VERSION" val="3"/>
   <p:tag name="KSO_WM_DIAGRAM_COLOR_TRICK" val="1"/>
@@ -26657,7 +29960,7 @@
 </p:tagLst>
 </file>
 
-<file path=ppt/tags/tag306.xml><?xml version="1.0" encoding="utf-8"?>
+<file path=ppt/tags/tag302.xml><?xml version="1.0" encoding="utf-8"?>
 <p:tagLst xmlns:p="http://schemas.openxmlformats.org/presentationml/2006/main">
   <p:tag name="KSO_WM_UNIT_SUBTYPE" val="a"/>
   <p:tag name="KSO_WM_UNIT_NOCLEAR" val="0"/>
@@ -26675,7 +29978,7 @@
   <p:tag name="KSO_WM_TAG_VERSION" val="3.0"/>
   <p:tag name="KSO_WM_DIAGRAM_MAX_ITEMCNT" val="4"/>
   <p:tag name="KSO_WM_DIAGRAM_MIN_ITEMCNT" val="1"/>
-  <p:tag name="KSO_WM_DIAGRAM_VIRTUALLY_FRAME" val="{&quot;height&quot;:109.82921600341797,&quot;width&quot;:850.44677734375}"/>
+  <p:tag name="KSO_WM_DIAGRAM_VIRTUALLY_FRAME" val="{&quot;height&quot;:138.58307086614167,&quot;left&quot;:54.777280619463546,&quot;top&quot;:348.69023622047246,&quot;width&quot;:850.44677734375}"/>
   <p:tag name="KSO_WM_DIAGRAM_COLOR_MATCH_VALUE" val="{&quot;shape&quot;:{&quot;fill&quot;:{&quot;type&quot;:0},&quot;glow&quot;:{&quot;colorType&quot;:0},&quot;line&quot;:{&quot;type&quot;:0},&quot;shadow&quot;:{&quot;colorType&quot;:0},&quot;threeD&quot;:{&quot;curvedSurface&quot;:{&quot;brightness&quot;:0,&quot;colorType&quot;:2,&quot;rgb&quot;:&quot;#000000&quot;},&quot;depth&quot;:{&quot;colorType&quot;:0}}},&quot;text&quot;:{&quot;fill&quot;:{&quot;solid&quot;:{&quot;brightness&quot;:0.15000000596046448,&quot;colorType&quot;:1,&quot;foreColorIndex&quot;:13,&quot;transparency&quot;:0},&quot;type&quot;:1},&quot;glow&quot;:{&quot;colorType&quot;:0},&quot;line&quot;:{&quot;type&quot;:0},&quot;shadow&quot;:{&quot;colorType&quot;:0},&quot;threeD&quot;:{&quot;curvedSurface&quot;:{&quot;brightness&quot;:0,&quot;colorType&quot;:2,&quot;rgb&quot;:&quot;#000000&quot;},&quot;depth&quot;:{&quot;colorType&quot;:0}}}}"/>
   <p:tag name="KSO_WM_DIAGRAM_VERSION" val="3"/>
   <p:tag name="KSO_WM_DIAGRAM_COLOR_TRICK" val="1"/>
@@ -26690,7 +29993,7 @@
 </p:tagLst>
 </file>
 
-<file path=ppt/tags/tag307.xml><?xml version="1.0" encoding="utf-8"?>
+<file path=ppt/tags/tag303.xml><?xml version="1.0" encoding="utf-8"?>
 <p:tagLst xmlns:p="http://schemas.openxmlformats.org/presentationml/2006/main">
   <p:tag name="KSO_WM_UNIT_ISCONTENTSTITLE" val="0"/>
   <p:tag name="KSO_WM_UNIT_ISNUMDGMTITLE" val="0"/>
@@ -26709,7 +30012,7 @@
   <p:tag name="KSO_WM_TAG_VERSION" val="3.0"/>
   <p:tag name="KSO_WM_DIAGRAM_MAX_ITEMCNT" val="4"/>
   <p:tag name="KSO_WM_DIAGRAM_MIN_ITEMCNT" val="1"/>
-  <p:tag name="KSO_WM_DIAGRAM_VIRTUALLY_FRAME" val="{&quot;height&quot;:109.82921600341797,&quot;width&quot;:850.44677734375}"/>
+  <p:tag name="KSO_WM_DIAGRAM_VIRTUALLY_FRAME" val="{&quot;height&quot;:138.58307086614167,&quot;left&quot;:54.777280619463546,&quot;top&quot;:348.69023622047246,&quot;width&quot;:850.44677734375}"/>
   <p:tag name="KSO_WM_DIAGRAM_COLOR_MATCH_VALUE" val="{&quot;shape&quot;:{&quot;fill&quot;:{&quot;type&quot;:0},&quot;glow&quot;:{&quot;colorType&quot;:0},&quot;line&quot;:{&quot;type&quot;:0},&quot;shadow&quot;:{&quot;colorType&quot;:0},&quot;threeD&quot;:{&quot;curvedSurface&quot;:{&quot;brightness&quot;:0,&quot;colorType&quot;:2,&quot;rgb&quot;:&quot;#000000&quot;},&quot;depth&quot;:{&quot;colorType&quot;:0}}},&quot;text&quot;:{&quot;fill&quot;:{&quot;solid&quot;:{&quot;brightness&quot;:0,&quot;colorType&quot;:1,&quot;foreColorIndex&quot;:5,&quot;transparency&quot;:0},&quot;type&quot;:1},&quot;glow&quot;:{&quot;colorType&quot;:0},&quot;line&quot;:{&quot;type&quot;:0},&quot;shadow&quot;:{&quot;colorType&quot;:0},&quot;threeD&quot;:{&quot;curvedSurface&quot;:{&quot;brightness&quot;:0,&quot;colorType&quot;:2,&quot;rgb&quot;:&quot;#000000&quot;},&quot;depth&quot;:{&quot;colorType&quot;:0}}}}"/>
   <p:tag name="KSO_WM_DIAGRAM_VERSION" val="3"/>
   <p:tag name="KSO_WM_DIAGRAM_COLOR_TRICK" val="1"/>
@@ -26723,7 +30026,7 @@
 </p:tagLst>
 </file>
 
-<file path=ppt/tags/tag308.xml><?xml version="1.0" encoding="utf-8"?>
+<file path=ppt/tags/tag304.xml><?xml version="1.0" encoding="utf-8"?>
 <p:tagLst xmlns:p="http://schemas.openxmlformats.org/presentationml/2006/main">
   <p:tag name="KSO_WM_UNIT_SUBTYPE" val="a"/>
   <p:tag name="KSO_WM_UNIT_NOCLEAR" val="0"/>
@@ -26741,7 +30044,7 @@
   <p:tag name="KSO_WM_TAG_VERSION" val="3.0"/>
   <p:tag name="KSO_WM_DIAGRAM_MAX_ITEMCNT" val="4"/>
   <p:tag name="KSO_WM_DIAGRAM_MIN_ITEMCNT" val="1"/>
-  <p:tag name="KSO_WM_DIAGRAM_VIRTUALLY_FRAME" val="{&quot;height&quot;:109.82921600341797,&quot;width&quot;:850.44677734375}"/>
+  <p:tag name="KSO_WM_DIAGRAM_VIRTUALLY_FRAME" val="{&quot;height&quot;:138.58307086614167,&quot;left&quot;:54.777280619463546,&quot;top&quot;:348.69023622047246,&quot;width&quot;:850.44677734375}"/>
   <p:tag name="KSO_WM_DIAGRAM_COLOR_MATCH_VALUE" val="{&quot;shape&quot;:{&quot;fill&quot;:{&quot;type&quot;:0},&quot;glow&quot;:{&quot;colorType&quot;:0},&quot;line&quot;:{&quot;type&quot;:0},&quot;shadow&quot;:{&quot;colorType&quot;:0},&quot;threeD&quot;:{&quot;curvedSurface&quot;:{&quot;brightness&quot;:0,&quot;colorType&quot;:2,&quot;rgb&quot;:&quot;#000000&quot;},&quot;depth&quot;:{&quot;colorType&quot;:0}}},&quot;text&quot;:{&quot;fill&quot;:{&quot;solid&quot;:{&quot;brightness&quot;:0.15000000596046448,&quot;colorType&quot;:1,&quot;foreColorIndex&quot;:13,&quot;transparency&quot;:0},&quot;type&quot;:1},&quot;glow&quot;:{&quot;colorType&quot;:0},&quot;line&quot;:{&quot;type&quot;:0},&quot;shadow&quot;:{&quot;colorType&quot;:0},&quot;threeD&quot;:{&quot;curvedSurface&quot;:{&quot;brightness&quot;:0,&quot;colorType&quot;:2,&quot;rgb&quot;:&quot;#000000&quot;},&quot;depth&quot;:{&quot;colorType&quot;:0}}}}"/>
   <p:tag name="KSO_WM_DIAGRAM_VERSION" val="3"/>
   <p:tag name="KSO_WM_DIAGRAM_COLOR_TRICK" val="1"/>
@@ -26756,7 +30059,7 @@
 </p:tagLst>
 </file>
 
-<file path=ppt/tags/tag309.xml><?xml version="1.0" encoding="utf-8"?>
+<file path=ppt/tags/tag305.xml><?xml version="1.0" encoding="utf-8"?>
 <p:tagLst xmlns:p="http://schemas.openxmlformats.org/presentationml/2006/main">
   <p:tag name="KSO_WM_UNIT_ISCONTENTSTITLE" val="0"/>
   <p:tag name="KSO_WM_UNIT_ISNUMDGMTITLE" val="0"/>
@@ -26775,7 +30078,7 @@
   <p:tag name="KSO_WM_TAG_VERSION" val="3.0"/>
   <p:tag name="KSO_WM_DIAGRAM_MAX_ITEMCNT" val="4"/>
   <p:tag name="KSO_WM_DIAGRAM_MIN_ITEMCNT" val="1"/>
-  <p:tag name="KSO_WM_DIAGRAM_VIRTUALLY_FRAME" val="{&quot;height&quot;:109.82921600341797,&quot;width&quot;:850.44677734375}"/>
+  <p:tag name="KSO_WM_DIAGRAM_VIRTUALLY_FRAME" val="{&quot;height&quot;:138.58307086614167,&quot;left&quot;:54.777280619463546,&quot;top&quot;:348.69023622047246,&quot;width&quot;:850.44677734375}"/>
   <p:tag name="KSO_WM_DIAGRAM_COLOR_MATCH_VALUE" val="{&quot;shape&quot;:{&quot;fill&quot;:{&quot;type&quot;:0},&quot;glow&quot;:{&quot;colorType&quot;:0},&quot;line&quot;:{&quot;type&quot;:0},&quot;shadow&quot;:{&quot;colorType&quot;:0},&quot;threeD&quot;:{&quot;curvedSurface&quot;:{&quot;brightness&quot;:0,&quot;colorType&quot;:2,&quot;rgb&quot;:&quot;#000000&quot;},&quot;depth&quot;:{&quot;colorType&quot;:0}}},&quot;text&quot;:{&quot;fill&quot;:{&quot;solid&quot;:{&quot;brightness&quot;:0,&quot;colorType&quot;:1,&quot;foreColorIndex&quot;:5,&quot;transparency&quot;:0},&quot;type&quot;:1},&quot;glow&quot;:{&quot;colorType&quot;:0},&quot;line&quot;:{&quot;type&quot;:0},&quot;shadow&quot;:{&quot;colorType&quot;:0},&quot;threeD&quot;:{&quot;curvedSurface&quot;:{&quot;brightness&quot;:0,&quot;colorType&quot;:2,&quot;rgb&quot;:&quot;#000000&quot;},&quot;depth&quot;:{&quot;colorType&quot;:0}}}}"/>
   <p:tag name="KSO_WM_DIAGRAM_VERSION" val="3"/>
   <p:tag name="KSO_WM_DIAGRAM_COLOR_TRICK" val="1"/>
@@ -26789,20 +30092,7 @@
 </p:tagLst>
 </file>
 
-<file path=ppt/tags/tag31.xml><?xml version="1.0" encoding="utf-8"?>
-<p:tagLst xmlns:p="http://schemas.openxmlformats.org/presentationml/2006/main">
-  <p:tag name="KSO_WM_UNIT_HIGHLIGHT" val="0"/>
-  <p:tag name="KSO_WM_UNIT_COMPATIBLE" val="0"/>
-  <p:tag name="KSO_WM_UNIT_DIAGRAM_ISNUMVISUAL" val="0"/>
-  <p:tag name="KSO_WM_UNIT_DIAGRAM_ISREFERUNIT" val="0"/>
-  <p:tag name="KSO_WM_UNIT_ID" val="_6**"/>
-  <p:tag name="KSO_WM_UNIT_LAYERLEVEL" val="1"/>
-  <p:tag name="KSO_WM_TAG_VERSION" val="1.0"/>
-  <p:tag name="KSO_WM_BEAUTIFY_FLAG" val="#wm#"/>
-</p:tagLst>
-</file>
-
-<file path=ppt/tags/tag310.xml><?xml version="1.0" encoding="utf-8"?>
+<file path=ppt/tags/tag306.xml><?xml version="1.0" encoding="utf-8"?>
 <p:tagLst xmlns:p="http://schemas.openxmlformats.org/presentationml/2006/main">
   <p:tag name="KSO_WM_BEAUTIFY_FLAG" val="#wm#"/>
   <p:tag name="KSO_WM_TEMPLATE_CATEGORY" val="custom"/>
@@ -26825,7 +30115,7 @@
 </p:tagLst>
 </file>
 
-<file path=ppt/tags/tag311.xml><?xml version="1.0" encoding="utf-8"?>
+<file path=ppt/tags/tag307.xml><?xml version="1.0" encoding="utf-8"?>
 <p:tagLst xmlns:p="http://schemas.openxmlformats.org/presentationml/2006/main">
   <p:tag name="KSO_WM_UNIT_NOCLEAR" val="0"/>
   <p:tag name="KSO_WM_UNIT_VALUE" val="6"/>
@@ -26845,7 +30135,7 @@
 </p:tagLst>
 </file>
 
-<file path=ppt/tags/tag312.xml><?xml version="1.0" encoding="utf-8"?>
+<file path=ppt/tags/tag308.xml><?xml version="1.0" encoding="utf-8"?>
 <p:tagLst xmlns:p="http://schemas.openxmlformats.org/presentationml/2006/main">
   <p:tag name="KSO_WM_UNIT_ISCONTENTSTITLE" val="0"/>
   <p:tag name="KSO_WM_UNIT_ISNUMDGMTITLE" val="0"/>
@@ -26869,7 +30159,7 @@
 </p:tagLst>
 </file>
 
-<file path=ppt/tags/tag313.xml><?xml version="1.0" encoding="utf-8"?>
+<file path=ppt/tags/tag309.xml><?xml version="1.0" encoding="utf-8"?>
 <p:tagLst xmlns:p="http://schemas.openxmlformats.org/presentationml/2006/main">
   <p:tag name="KSO_WM_SPECIAL_SOURCE" val="bdnull"/>
   <p:tag name="KSO_WM_SLIDE_ID" val="custom20230301_9"/>
@@ -26890,7 +30180,20 @@
 </p:tagLst>
 </file>
 
-<file path=ppt/tags/tag314.xml><?xml version="1.0" encoding="utf-8"?>
+<file path=ppt/tags/tag31.xml><?xml version="1.0" encoding="utf-8"?>
+<p:tagLst xmlns:p="http://schemas.openxmlformats.org/presentationml/2006/main">
+  <p:tag name="KSO_WM_UNIT_HIGHLIGHT" val="0"/>
+  <p:tag name="KSO_WM_UNIT_COMPATIBLE" val="0"/>
+  <p:tag name="KSO_WM_UNIT_DIAGRAM_ISNUMVISUAL" val="0"/>
+  <p:tag name="KSO_WM_UNIT_DIAGRAM_ISREFERUNIT" val="0"/>
+  <p:tag name="KSO_WM_UNIT_ID" val="_6**"/>
+  <p:tag name="KSO_WM_UNIT_LAYERLEVEL" val="1"/>
+  <p:tag name="KSO_WM_TAG_VERSION" val="1.0"/>
+  <p:tag name="KSO_WM_BEAUTIFY_FLAG" val="#wm#"/>
+</p:tagLst>
+</file>
+
+<file path=ppt/tags/tag310.xml><?xml version="1.0" encoding="utf-8"?>
 <p:tagLst xmlns:p="http://schemas.openxmlformats.org/presentationml/2006/main">
   <p:tag name="KSO_WM_UNIT_ISCONTENTSTITLE" val="0"/>
   <p:tag name="KSO_WM_UNIT_ISNUMDGMTITLE" val="0"/>
@@ -26914,7 +30217,7 @@
 </p:tagLst>
 </file>
 
-<file path=ppt/tags/tag315.xml><?xml version="1.0" encoding="utf-8"?>
+<file path=ppt/tags/tag311.xml><?xml version="1.0" encoding="utf-8"?>
 <p:tagLst xmlns:p="http://schemas.openxmlformats.org/presentationml/2006/main">
   <p:tag name="KSO_WM_UNIT_ISCONTENTSTITLE" val="0"/>
   <p:tag name="KSO_WM_UNIT_ISNUMDGMTITLE" val="0"/>
@@ -26930,7 +30233,7 @@
   <p:tag name="KSO_WM_DIAGRAM_COLOR_TEXT_CAN_REMOVE" val="n"/>
   <p:tag name="KSO_WM_DIAGRAM_MAX_ITEMCNT" val="4"/>
   <p:tag name="KSO_WM_DIAGRAM_MIN_ITEMCNT" val="2"/>
-  <p:tag name="KSO_WM_DIAGRAM_VIRTUALLY_FRAME" val="{&quot;height&quot;:387.85772705078125,&quot;width&quot;:792.289306640625}"/>
+  <p:tag name="KSO_WM_DIAGRAM_VIRTUALLY_FRAME" val="{&quot;height&quot;:396.9779527559055,&quot;left&quot;:81.27551181102362,&quot;top&quot;:121.85,&quot;width&quot;:794.1815037140133}"/>
   <p:tag name="KSO_WM_DIAGRAM_COLOR_MATCH_VALUE" val="{&quot;shape&quot;:{&quot;fill&quot;:{&quot;type&quot;:0},&quot;glow&quot;:{&quot;colorType&quot;:0},&quot;line&quot;:{&quot;type&quot;:0},&quot;shadow&quot;:{&quot;colorType&quot;:0},&quot;threeD&quot;:{&quot;curvedSurface&quot;:{&quot;brightness&quot;:0,&quot;colorType&quot;:2,&quot;rgb&quot;:&quot;#000000&quot;},&quot;depth&quot;:{&quot;colorType&quot;:0}}},&quot;text&quot;:{&quot;fill&quot;:{&quot;solid&quot;:{&quot;brightness&quot;:0,&quot;colorType&quot;:1,&quot;foreColorIndex&quot;:5,&quot;transparency&quot;:0},&quot;type&quot;:1},&quot;glow&quot;:{&quot;colorType&quot;:0},&quot;line&quot;:{&quot;type&quot;:0},&quot;shadow&quot;:{&quot;colorType&quot;:0},&quot;threeD&quot;:{&quot;curvedSurface&quot;:{&quot;brightness&quot;:0,&quot;colorType&quot;:2,&quot;rgb&quot;:&quot;#000000&quot;},&quot;depth&quot;:{&quot;colorType&quot;:0}}}}"/>
   <p:tag name="KSO_WM_UNIT_TYPE" val="l_h_a"/>
   <p:tag name="KSO_WM_UNIT_INDEX" val="1_1_1"/>
@@ -26948,7 +30251,7 @@
 </p:tagLst>
 </file>
 
-<file path=ppt/tags/tag316.xml><?xml version="1.0" encoding="utf-8"?>
+<file path=ppt/tags/tag312.xml><?xml version="1.0" encoding="utf-8"?>
 <p:tagLst xmlns:p="http://schemas.openxmlformats.org/presentationml/2006/main">
   <p:tag name="KSO_WM_UNIT_SUBTYPE" val="a"/>
   <p:tag name="KSO_WM_UNIT_NOCLEAR" val="0"/>
@@ -26963,7 +30266,7 @@
   <p:tag name="KSO_WM_DIAGRAM_COLOR_TEXT_CAN_REMOVE" val="n"/>
   <p:tag name="KSO_WM_DIAGRAM_MAX_ITEMCNT" val="4"/>
   <p:tag name="KSO_WM_DIAGRAM_MIN_ITEMCNT" val="2"/>
-  <p:tag name="KSO_WM_DIAGRAM_VIRTUALLY_FRAME" val="{&quot;height&quot;:387.85772705078125,&quot;width&quot;:792.289306640625}"/>
+  <p:tag name="KSO_WM_DIAGRAM_VIRTUALLY_FRAME" val="{&quot;height&quot;:396.9779527559055,&quot;left&quot;:81.27551181102362,&quot;top&quot;:121.85,&quot;width&quot;:794.1815037140133}"/>
   <p:tag name="KSO_WM_DIAGRAM_COLOR_MATCH_VALUE" val="{&quot;shape&quot;:{&quot;fill&quot;:{&quot;type&quot;:0},&quot;glow&quot;:{&quot;colorType&quot;:0},&quot;line&quot;:{&quot;type&quot;:0},&quot;shadow&quot;:{&quot;colorType&quot;:0},&quot;threeD&quot;:{&quot;curvedSurface&quot;:{&quot;brightness&quot;:0,&quot;colorType&quot;:2,&quot;rgb&quot;:&quot;#000000&quot;},&quot;depth&quot;:{&quot;colorType&quot;:0}}},&quot;text&quot;:{&quot;fill&quot;:{&quot;solid&quot;:{&quot;brightness&quot;:0.15000000596046448,&quot;colorType&quot;:1,&quot;foreColorIndex&quot;:13,&quot;transparency&quot;:0},&quot;type&quot;:1},&quot;glow&quot;:{&quot;colorType&quot;:0},&quot;line&quot;:{&quot;type&quot;:0},&quot;shadow&quot;:{&quot;colorType&quot;:0},&quot;threeD&quot;:{&quot;curvedSurface&quot;:{&quot;brightness&quot;:0,&quot;colorType&quot;:2,&quot;rgb&quot;:&quot;#000000&quot;},&quot;depth&quot;:{&quot;colorType&quot;:0}}}}"/>
   <p:tag name="KSO_WM_UNIT_TYPE" val="l_h_f"/>
   <p:tag name="KSO_WM_UNIT_INDEX" val="1_1_1"/>
@@ -26982,9 +30285,9 @@
 </p:tagLst>
 </file>
 
-<file path=ppt/tags/tag317.xml><?xml version="1.0" encoding="utf-8"?>
-<p:tagLst xmlns:p="http://schemas.openxmlformats.org/presentationml/2006/main">
-  <p:tag name="KSO_WM_DIAGRAM_VIRTUALLY_FRAME" val="{&quot;height&quot;:387.85772705078125,&quot;width&quot;:792.289306640625}"/>
+<file path=ppt/tags/tag313.xml><?xml version="1.0" encoding="utf-8"?>
+<p:tagLst xmlns:p="http://schemas.openxmlformats.org/presentationml/2006/main">
+  <p:tag name="KSO_WM_DIAGRAM_VIRTUALLY_FRAME" val="{&quot;height&quot;:396.9779527559055,&quot;left&quot;:81.27551181102362,&quot;top&quot;:121.85,&quot;width&quot;:794.1815037140133}"/>
   <p:tag name="KSO_WM_DIAGRAM_VERSION" val="3"/>
   <p:tag name="KSO_WM_DIAGRAM_COLOR_TRICK" val="1"/>
   <p:tag name="KSO_WM_DIAGRAM_COLOR_TEXT_CAN_REMOVE" val="n"/>
@@ -27014,9 +30317,9 @@
 </p:tagLst>
 </file>
 
-<file path=ppt/tags/tag318.xml><?xml version="1.0" encoding="utf-8"?>
-<p:tagLst xmlns:p="http://schemas.openxmlformats.org/presentationml/2006/main">
-  <p:tag name="KSO_WM_DIAGRAM_VIRTUALLY_FRAME" val="{&quot;height&quot;:387.85772705078125,&quot;width&quot;:792.289306640625}"/>
+<file path=ppt/tags/tag314.xml><?xml version="1.0" encoding="utf-8"?>
+<p:tagLst xmlns:p="http://schemas.openxmlformats.org/presentationml/2006/main">
+  <p:tag name="KSO_WM_DIAGRAM_VIRTUALLY_FRAME" val="{&quot;height&quot;:396.9779527559055,&quot;left&quot;:81.27551181102362,&quot;top&quot;:121.85,&quot;width&quot;:794.1815037140133}"/>
   <p:tag name="KSO_WM_UNIT_HIGHLIGHT" val="0"/>
   <p:tag name="KSO_WM_UNIT_COMPATIBLE" val="0"/>
   <p:tag name="KSO_WM_UNIT_DIAGRAM_ISNUMVISUAL" val="0"/>
@@ -27046,9 +30349,124 @@
 </p:tagLst>
 </file>
 
+<file path=ppt/tags/tag315.xml><?xml version="1.0" encoding="utf-8"?>
+<p:tagLst xmlns:p="http://schemas.openxmlformats.org/presentationml/2006/main">
+  <p:tag name="KSO_WM_SLIDE_ID" val="diagram20233329_3"/>
+  <p:tag name="KSO_WM_TEMPLATE_SUBCATEGORY" val="0"/>
+  <p:tag name="KSO_WM_TEMPLATE_MASTER_TYPE" val="0"/>
+  <p:tag name="KSO_WM_TEMPLATE_COLOR_TYPE" val="0"/>
+  <p:tag name="KSO_WM_SLIDE_TYPE" val="text"/>
+  <p:tag name="KSO_WM_SLIDE_SUBTYPE" val="diag"/>
+  <p:tag name="KSO_WM_SLIDE_ITEM_CNT" val="4"/>
+  <p:tag name="KSO_WM_SLIDE_INDEX" val="3"/>
+  <p:tag name="KSO_WM_SLIDE_SIZE" val="792.289*387.858"/>
+  <p:tag name="KSO_WM_SLIDE_POSITION" val="83.1354*130.947"/>
+  <p:tag name="KSO_WM_DIAGRAM_GROUP_CODE" val="l1-1"/>
+  <p:tag name="KSO_WM_SLIDE_DIAGTYPE" val="l"/>
+  <p:tag name="KSO_WM_TAG_VERSION" val="3.0"/>
+  <p:tag name="KSO_WM_BEAUTIFY_FLAG" val="#wm#"/>
+  <p:tag name="KSO_WM_TEMPLATE_CATEGORY" val="diagram"/>
+  <p:tag name="KSO_WM_TEMPLATE_INDEX" val="20233329"/>
+  <p:tag name="KSO_WM_SLIDE_LAYOUT" val="a_l"/>
+  <p:tag name="KSO_WM_SLIDE_LAYOUT_CNT" val="1_1"/>
+</p:tagLst>
+</file>
+
+<file path=ppt/tags/tag316.xml><?xml version="1.0" encoding="utf-8"?>
+<p:tagLst xmlns:p="http://schemas.openxmlformats.org/presentationml/2006/main">
+  <p:tag name="KSO_WM_UNIT_ISCONTENTSTITLE" val="0"/>
+  <p:tag name="KSO_WM_UNIT_ISNUMDGMTITLE" val="0"/>
+  <p:tag name="KSO_WM_UNIT_NOCLEAR" val="0"/>
+  <p:tag name="KSO_WM_UNIT_HIGHLIGHT" val="0"/>
+  <p:tag name="KSO_WM_UNIT_COMPATIBLE" val="0"/>
+  <p:tag name="KSO_WM_UNIT_DIAGRAM_ISNUMVISUAL" val="0"/>
+  <p:tag name="KSO_WM_UNIT_DIAGRAM_ISREFERUNIT" val="0"/>
+  <p:tag name="KSO_WM_DIAGRAM_GROUP_CODE" val="l1-1"/>
+  <p:tag name="KSO_WM_UNIT_TYPE" val="a"/>
+  <p:tag name="KSO_WM_UNIT_INDEX" val="1"/>
+  <p:tag name="KSO_WM_UNIT_ID" val="diagram20233329_3*a*1"/>
+  <p:tag name="KSO_WM_TEMPLATE_CATEGORY" val="diagram"/>
+  <p:tag name="KSO_WM_TEMPLATE_INDEX" val="20233329"/>
+  <p:tag name="KSO_WM_UNIT_LAYERLEVEL" val="1"/>
+  <p:tag name="KSO_WM_TAG_VERSION" val="3.0"/>
+  <p:tag name="KSO_WM_BEAUTIFY_FLAG" val="#wm#"/>
+  <p:tag name="KSO_WM_UNIT_VALUE" val="29"/>
+  <p:tag name="KSO_WM_UNIT_TEXT_TYPE" val="1"/>
+  <p:tag name="KSO_WM_UNIT_PRESET_TEXT" val="单击此处添加标题"/>
+</p:tagLst>
+</file>
+
+<file path=ppt/tags/tag317.xml><?xml version="1.0" encoding="utf-8"?>
+<p:tagLst xmlns:p="http://schemas.openxmlformats.org/presentationml/2006/main">
+  <p:tag name="KSO_WM_UNIT_ISCONTENTSTITLE" val="0"/>
+  <p:tag name="KSO_WM_UNIT_ISNUMDGMTITLE" val="0"/>
+  <p:tag name="KSO_WM_UNIT_NOCLEAR" val="0"/>
+  <p:tag name="KSO_WM_UNIT_VALUE" val="10"/>
+  <p:tag name="KSO_WM_UNIT_HIGHLIGHT" val="0"/>
+  <p:tag name="KSO_WM_UNIT_COMPATIBLE" val="0"/>
+  <p:tag name="KSO_WM_UNIT_DIAGRAM_ISNUMVISUAL" val="0"/>
+  <p:tag name="KSO_WM_UNIT_DIAGRAM_ISREFERUNIT" val="0"/>
+  <p:tag name="KSO_WM_DIAGRAM_GROUP_CODE" val="l1-1"/>
+  <p:tag name="KSO_WM_DIAGRAM_VERSION" val="3"/>
+  <p:tag name="KSO_WM_DIAGRAM_COLOR_TRICK" val="1"/>
+  <p:tag name="KSO_WM_DIAGRAM_COLOR_TEXT_CAN_REMOVE" val="n"/>
+  <p:tag name="KSO_WM_DIAGRAM_MAX_ITEMCNT" val="4"/>
+  <p:tag name="KSO_WM_DIAGRAM_MIN_ITEMCNT" val="2"/>
+  <p:tag name="KSO_WM_DIAGRAM_VIRTUALLY_FRAME" val="{&quot;height&quot;:396.54,&quot;left&quot;:81.27551181102362,&quot;top&quot;:122.28795275590551,&quot;width&quot;:794.1815037140133}"/>
+  <p:tag name="KSO_WM_DIAGRAM_COLOR_MATCH_VALUE" val="{&quot;shape&quot;:{&quot;fill&quot;:{&quot;type&quot;:0},&quot;glow&quot;:{&quot;colorType&quot;:0},&quot;line&quot;:{&quot;type&quot;:0},&quot;shadow&quot;:{&quot;colorType&quot;:0},&quot;threeD&quot;:{&quot;curvedSurface&quot;:{&quot;brightness&quot;:0,&quot;colorType&quot;:2,&quot;rgb&quot;:&quot;#000000&quot;},&quot;depth&quot;:{&quot;colorType&quot;:0}}},&quot;text&quot;:{&quot;fill&quot;:{&quot;solid&quot;:{&quot;brightness&quot;:0,&quot;colorType&quot;:1,&quot;foreColorIndex&quot;:5,&quot;transparency&quot;:0},&quot;type&quot;:1},&quot;glow&quot;:{&quot;colorType&quot;:0},&quot;line&quot;:{&quot;type&quot;:0},&quot;shadow&quot;:{&quot;colorType&quot;:0},&quot;threeD&quot;:{&quot;curvedSurface&quot;:{&quot;brightness&quot;:0,&quot;colorType&quot;:2,&quot;rgb&quot;:&quot;#000000&quot;},&quot;depth&quot;:{&quot;colorType&quot;:0}}}}"/>
+  <p:tag name="KSO_WM_UNIT_TYPE" val="l_h_a"/>
+  <p:tag name="KSO_WM_UNIT_INDEX" val="1_1_1"/>
+  <p:tag name="KSO_WM_UNIT_ID" val="diagram20233329_2*l_h_a*1_1_1"/>
+  <p:tag name="KSO_WM_TEMPLATE_CATEGORY" val="diagram"/>
+  <p:tag name="KSO_WM_TEMPLATE_INDEX" val="20233329"/>
+  <p:tag name="KSO_WM_UNIT_LAYERLEVEL" val="1_1_1"/>
+  <p:tag name="KSO_WM_TAG_VERSION" val="3.0"/>
+  <p:tag name="KSO_WM_UNIT_TEXT_FILL_FORE_SCHEMECOLOR_INDEX_BRIGHTNESS" val="0.15"/>
+  <p:tag name="KSO_WM_UNIT_TEXT_TYPE" val="1"/>
+  <p:tag name="KSO_WM_BEAUTIFY_FLAG" val="#wm#"/>
+  <p:tag name="KSO_WM_UNIT_PRESET_TEXT" val="单击添加项标题"/>
+  <p:tag name="KSO_WM_UNIT_TEXT_FILL_FORE_SCHEMECOLOR_INDEX" val="1"/>
+  <p:tag name="KSO_WM_UNIT_TEXT_FILL_TYPE" val="1"/>
+</p:tagLst>
+</file>
+
+<file path=ppt/tags/tag318.xml><?xml version="1.0" encoding="utf-8"?>
+<p:tagLst xmlns:p="http://schemas.openxmlformats.org/presentationml/2006/main">
+  <p:tag name="KSO_WM_UNIT_SUBTYPE" val="a"/>
+  <p:tag name="KSO_WM_UNIT_NOCLEAR" val="0"/>
+  <p:tag name="KSO_WM_UNIT_VALUE" val="60"/>
+  <p:tag name="KSO_WM_UNIT_HIGHLIGHT" val="0"/>
+  <p:tag name="KSO_WM_UNIT_COMPATIBLE" val="0"/>
+  <p:tag name="KSO_WM_UNIT_DIAGRAM_ISNUMVISUAL" val="0"/>
+  <p:tag name="KSO_WM_UNIT_DIAGRAM_ISREFERUNIT" val="0"/>
+  <p:tag name="KSO_WM_DIAGRAM_GROUP_CODE" val="l1-1"/>
+  <p:tag name="KSO_WM_DIAGRAM_VERSION" val="3"/>
+  <p:tag name="KSO_WM_DIAGRAM_COLOR_TRICK" val="1"/>
+  <p:tag name="KSO_WM_DIAGRAM_COLOR_TEXT_CAN_REMOVE" val="n"/>
+  <p:tag name="KSO_WM_DIAGRAM_MAX_ITEMCNT" val="4"/>
+  <p:tag name="KSO_WM_DIAGRAM_MIN_ITEMCNT" val="2"/>
+  <p:tag name="KSO_WM_DIAGRAM_VIRTUALLY_FRAME" val="{&quot;height&quot;:396.54,&quot;left&quot;:81.27551181102362,&quot;top&quot;:122.28795275590551,&quot;width&quot;:794.1815037140133}"/>
+  <p:tag name="KSO_WM_DIAGRAM_COLOR_MATCH_VALUE" val="{&quot;shape&quot;:{&quot;fill&quot;:{&quot;type&quot;:0},&quot;glow&quot;:{&quot;colorType&quot;:0},&quot;line&quot;:{&quot;type&quot;:0},&quot;shadow&quot;:{&quot;colorType&quot;:0},&quot;threeD&quot;:{&quot;curvedSurface&quot;:{&quot;brightness&quot;:0,&quot;colorType&quot;:2,&quot;rgb&quot;:&quot;#000000&quot;},&quot;depth&quot;:{&quot;colorType&quot;:0}}},&quot;text&quot;:{&quot;fill&quot;:{&quot;solid&quot;:{&quot;brightness&quot;:0.15000000596046448,&quot;colorType&quot;:1,&quot;foreColorIndex&quot;:13,&quot;transparency&quot;:0},&quot;type&quot;:1},&quot;glow&quot;:{&quot;colorType&quot;:0},&quot;line&quot;:{&quot;type&quot;:0},&quot;shadow&quot;:{&quot;colorType&quot;:0},&quot;threeD&quot;:{&quot;curvedSurface&quot;:{&quot;brightness&quot;:0,&quot;colorType&quot;:2,&quot;rgb&quot;:&quot;#000000&quot;},&quot;depth&quot;:{&quot;colorType&quot;:0}}}}"/>
+  <p:tag name="KSO_WM_UNIT_TYPE" val="l_h_f"/>
+  <p:tag name="KSO_WM_UNIT_INDEX" val="1_1_1"/>
+  <p:tag name="KSO_WM_UNIT_ID" val="diagram20233329_2*l_h_f*1_1_1"/>
+  <p:tag name="KSO_WM_TEMPLATE_CATEGORY" val="diagram"/>
+  <p:tag name="KSO_WM_TEMPLATE_INDEX" val="20233329"/>
+  <p:tag name="KSO_WM_UNIT_LAYERLEVEL" val="1_1_1"/>
+  <p:tag name="KSO_WM_TAG_VERSION" val="3.0"/>
+  <p:tag name="KSO_WM_UNIT_TEXT_FILL_FORE_SCHEMECOLOR_INDEX_BRIGHTNESS" val="0.15"/>
+  <p:tag name="KSO_WM_UNIT_TEXT_TYPE" val="1"/>
+  <p:tag name="KSO_WM_UNIT_TEXT_LAYER_COUNT" val="1"/>
+  <p:tag name="KSO_WM_BEAUTIFY_FLAG" val="#wm#"/>
+  <p:tag name="KSO_WM_UNIT_PRESET_TEXT" val="单击此处添加文本具体内容，简明扼要地阐述您的内容观点。根据需要可酌情增减文字，以便观者准确地理解您传达的思想。"/>
+  <p:tag name="KSO_WM_UNIT_TEXT_FILL_FORE_SCHEMECOLOR_INDEX" val="1"/>
+  <p:tag name="KSO_WM_UNIT_TEXT_FILL_TYPE" val="1"/>
+</p:tagLst>
+</file>
+
 <file path=ppt/tags/tag319.xml><?xml version="1.0" encoding="utf-8"?>
 <p:tagLst xmlns:p="http://schemas.openxmlformats.org/presentationml/2006/main">
-  <p:tag name="KSO_WM_DIAGRAM_VIRTUALLY_FRAME" val="{&quot;height&quot;:387.85772705078125,&quot;width&quot;:792.289306640625}"/>
+  <p:tag name="KSO_WM_DIAGRAM_VIRTUALLY_FRAME" val="{&quot;height&quot;:387.88141732283464,&quot;left&quot;:83.16770888441188,&quot;top&quot;:130.94653543307086,&quot;width&quot;:792.289306640625}"/>
   <p:tag name="KSO_WM_DIAGRAM_VERSION" val="3"/>
   <p:tag name="KSO_WM_DIAGRAM_COLOR_TRICK" val="1"/>
   <p:tag name="KSO_WM_DIAGRAM_COLOR_TEXT_CAN_REMOVE" val="n"/>
@@ -27069,7 +30487,6 @@
   <p:tag name="KSO_WM_DIAGRAM_MIN_ITEMCNT" val="2"/>
   <p:tag name="KSO_WM_DIAGRAM_COLOR_MATCH_VALUE" val="{&quot;shape&quot;:{&quot;fill&quot;:{&quot;solid&quot;:{&quot;brightness&quot;:0,&quot;colorType&quot;:1,&quot;foreColorIndex&quot;:5,&quot;transparency&quot;:0},&quot;type&quot;:1},&quot;glow&quot;:{&quot;colorType&quot;:0},&quot;line&quot;:{&quot;solidLine&quot;:{&quot;brightness&quot;:0,&quot;colorType&quot;:1,&quot;foreColorIndex&quot;:5,&quot;transparency&quot;:0.800000011920929},&quot;type&quot;:1},&quot;shadow&quot;:{&quot;colorType&quot;:0},&quot;threeD&quot;:{&quot;curvedSurface&quot;:{&quot;brightness&quot;:0,&quot;colorType&quot;:2,&quot;rgb&quot;:&quot;#000000&quot;},&quot;depth&quot;:{&quot;colorType&quot;:0}}},&quot;text&quot;:{&quot;fill&quot;:{},&quot;glow&quot;:{},&quot;line&quot;:{},&quot;shadow&quot;:{},&quot;threeD&quot;:{}}}"/>
   <p:tag name="KSO_WM_UNIT_PICTURE_SUBTYPE" val="b"/>
-  <p:tag name="KSO_WM_BEAUTIFY_FLAG" val="#wm#"/>
   <p:tag name="KSO_WM_UNIT_FILL_TYPE" val="1"/>
   <p:tag name="KSO_WM_UNIT_FILL_FORE_SCHEMECOLOR_INDEX" val="5"/>
   <p:tag name="KSO_WM_UNIT_FILL_FORE_SCHEMECOLOR_INDEX_BRIGHTNESS" val="0"/>
@@ -27093,7 +30510,7 @@
 
 <file path=ppt/tags/tag320.xml><?xml version="1.0" encoding="utf-8"?>
 <p:tagLst xmlns:p="http://schemas.openxmlformats.org/presentationml/2006/main">
-  <p:tag name="KSO_WM_DIAGRAM_VIRTUALLY_FRAME" val="{&quot;height&quot;:387.85772705078125,&quot;width&quot;:792.289306640625}"/>
+  <p:tag name="KSO_WM_DIAGRAM_VIRTUALLY_FRAME" val="{&quot;height&quot;:387.88141732283464,&quot;left&quot;:83.16770888441188,&quot;top&quot;:130.94653543307086,&quot;width&quot;:792.289306640625}"/>
   <p:tag name="KSO_WM_UNIT_HIGHLIGHT" val="0"/>
   <p:tag name="KSO_WM_UNIT_COMPATIBLE" val="0"/>
   <p:tag name="KSO_WM_UNIT_DIAGRAM_ISNUMVISUAL" val="0"/>
@@ -27116,7 +30533,6 @@
   <p:tag name="KSO_WM_DIAGRAM_MAX_ITEMCNT" val="4"/>
   <p:tag name="KSO_WM_DIAGRAM_MIN_ITEMCNT" val="2"/>
   <p:tag name="KSO_WM_DIAGRAM_COLOR_MATCH_VALUE" val="{&quot;shape&quot;:{&quot;fill&quot;:{&quot;solid&quot;:{&quot;brightness&quot;:0,&quot;colorType&quot;:2,&quot;rgb&quot;:&quot;#ffffff&quot;,&quot;transparency&quot;:0},&quot;type&quot;:1},&quot;glow&quot;:{&quot;colorType&quot;:0},&quot;line&quot;:{&quot;solidLine&quot;:{&quot;brightness&quot;:0,&quot;colorType&quot;:1,&quot;foreColorIndex&quot;:5,&quot;transparency&quot;:0},&quot;type&quot;:1},&quot;shadow&quot;:{&quot;colorType&quot;:0},&quot;threeD&quot;:{&quot;curvedSurface&quot;:{&quot;brightness&quot;:0,&quot;colorType&quot;:2,&quot;rgb&quot;:&quot;#000000&quot;},&quot;depth&quot;:{&quot;colorType&quot;:0}}},&quot;text&quot;:{&quot;fill&quot;:{&quot;solid&quot;:{&quot;brightness&quot;:0,&quot;colorType&quot;:1,&quot;foreColorIndex&quot;:5,&quot;transparency&quot;:0},&quot;type&quot;:1},&quot;glow&quot;:{&quot;colorType&quot;:0},&quot;line&quot;:{&quot;type&quot;:0},&quot;shadow&quot;:{&quot;colorType&quot;:0},&quot;threeD&quot;:{&quot;curvedSurface&quot;:{&quot;brightness&quot;:0,&quot;colorType&quot;:2,&quot;rgb&quot;:&quot;#000000&quot;},&quot;depth&quot;:{&quot;colorType&quot;:0}}}}"/>
-  <p:tag name="KSO_WM_BEAUTIFY_FLAG" val="#wm#"/>
   <p:tag name="KSO_WM_UNIT_LINE_FORE_SCHEMECOLOR_INDEX" val="5"/>
   <p:tag name="KSO_WM_UNIT_TEXT_FILL_FORE_SCHEMECOLOR_INDEX" val="1"/>
   <p:tag name="KSO_WM_UNIT_TEXT_FILL_TYPE" val="1"/>
@@ -27124,205 +30540,6 @@
 </file>
 
 <file path=ppt/tags/tag321.xml><?xml version="1.0" encoding="utf-8"?>
-<p:tagLst xmlns:p="http://schemas.openxmlformats.org/presentationml/2006/main">
-  <p:tag name="KSO_WM_UNIT_ISCONTENTSTITLE" val="0"/>
-  <p:tag name="KSO_WM_UNIT_ISNUMDGMTITLE" val="0"/>
-  <p:tag name="KSO_WM_UNIT_NOCLEAR" val="0"/>
-  <p:tag name="KSO_WM_UNIT_VALUE" val="10"/>
-  <p:tag name="KSO_WM_UNIT_HIGHLIGHT" val="0"/>
-  <p:tag name="KSO_WM_UNIT_COMPATIBLE" val="0"/>
-  <p:tag name="KSO_WM_UNIT_DIAGRAM_ISNUMVISUAL" val="0"/>
-  <p:tag name="KSO_WM_UNIT_DIAGRAM_ISREFERUNIT" val="0"/>
-  <p:tag name="KSO_WM_DIAGRAM_GROUP_CODE" val="l1-1"/>
-  <p:tag name="KSO_WM_DIAGRAM_VERSION" val="3"/>
-  <p:tag name="KSO_WM_DIAGRAM_COLOR_TRICK" val="1"/>
-  <p:tag name="KSO_WM_DIAGRAM_COLOR_TEXT_CAN_REMOVE" val="n"/>
-  <p:tag name="KSO_WM_DIAGRAM_MAX_ITEMCNT" val="4"/>
-  <p:tag name="KSO_WM_DIAGRAM_MIN_ITEMCNT" val="2"/>
-  <p:tag name="KSO_WM_DIAGRAM_VIRTUALLY_FRAME" val="{&quot;height&quot;:387.85772705078125,&quot;width&quot;:792.289306640625}"/>
-  <p:tag name="KSO_WM_DIAGRAM_COLOR_MATCH_VALUE" val="{&quot;shape&quot;:{&quot;fill&quot;:{&quot;type&quot;:0},&quot;glow&quot;:{&quot;colorType&quot;:0},&quot;line&quot;:{&quot;type&quot;:0},&quot;shadow&quot;:{&quot;colorType&quot;:0},&quot;threeD&quot;:{&quot;curvedSurface&quot;:{&quot;brightness&quot;:0,&quot;colorType&quot;:2,&quot;rgb&quot;:&quot;#000000&quot;},&quot;depth&quot;:{&quot;colorType&quot;:0}}},&quot;text&quot;:{&quot;fill&quot;:{&quot;solid&quot;:{&quot;brightness&quot;:0,&quot;colorType&quot;:1,&quot;foreColorIndex&quot;:5,&quot;transparency&quot;:0},&quot;type&quot;:1},&quot;glow&quot;:{&quot;colorType&quot;:0},&quot;line&quot;:{&quot;type&quot;:0},&quot;shadow&quot;:{&quot;colorType&quot;:0},&quot;threeD&quot;:{&quot;curvedSurface&quot;:{&quot;brightness&quot;:0,&quot;colorType&quot;:2,&quot;rgb&quot;:&quot;#000000&quot;},&quot;depth&quot;:{&quot;colorType&quot;:0}}}}"/>
-  <p:tag name="KSO_WM_UNIT_TYPE" val="l_h_a"/>
-  <p:tag name="KSO_WM_UNIT_INDEX" val="1_2_1"/>
-  <p:tag name="KSO_WM_UNIT_ID" val="diagram20233329_2*l_h_a*1_2_1"/>
-  <p:tag name="KSO_WM_TEMPLATE_CATEGORY" val="diagram"/>
-  <p:tag name="KSO_WM_TEMPLATE_INDEX" val="20233329"/>
-  <p:tag name="KSO_WM_UNIT_LAYERLEVEL" val="1_1_1"/>
-  <p:tag name="KSO_WM_TAG_VERSION" val="3.0"/>
-  <p:tag name="KSO_WM_UNIT_TEXT_FILL_FORE_SCHEMECOLOR_INDEX_BRIGHTNESS" val="0.15"/>
-  <p:tag name="KSO_WM_UNIT_TEXT_TYPE" val="1"/>
-  <p:tag name="KSO_WM_BEAUTIFY_FLAG" val="#wm#"/>
-  <p:tag name="KSO_WM_UNIT_PRESET_TEXT" val="单击添加项标题"/>
-  <p:tag name="KSO_WM_UNIT_TEXT_FILL_FORE_SCHEMECOLOR_INDEX" val="1"/>
-  <p:tag name="KSO_WM_UNIT_TEXT_FILL_TYPE" val="1"/>
-</p:tagLst>
-</file>
-
-<file path=ppt/tags/tag322.xml><?xml version="1.0" encoding="utf-8"?>
-<p:tagLst xmlns:p="http://schemas.openxmlformats.org/presentationml/2006/main">
-  <p:tag name="KSO_WM_UNIT_SUBTYPE" val="a"/>
-  <p:tag name="KSO_WM_UNIT_NOCLEAR" val="0"/>
-  <p:tag name="KSO_WM_UNIT_VALUE" val="60"/>
-  <p:tag name="KSO_WM_UNIT_HIGHLIGHT" val="0"/>
-  <p:tag name="KSO_WM_UNIT_COMPATIBLE" val="0"/>
-  <p:tag name="KSO_WM_UNIT_DIAGRAM_ISNUMVISUAL" val="0"/>
-  <p:tag name="KSO_WM_UNIT_DIAGRAM_ISREFERUNIT" val="0"/>
-  <p:tag name="KSO_WM_DIAGRAM_GROUP_CODE" val="l1-1"/>
-  <p:tag name="KSO_WM_DIAGRAM_VERSION" val="3"/>
-  <p:tag name="KSO_WM_DIAGRAM_COLOR_TRICK" val="1"/>
-  <p:tag name="KSO_WM_DIAGRAM_COLOR_TEXT_CAN_REMOVE" val="n"/>
-  <p:tag name="KSO_WM_DIAGRAM_MAX_ITEMCNT" val="4"/>
-  <p:tag name="KSO_WM_DIAGRAM_MIN_ITEMCNT" val="2"/>
-  <p:tag name="KSO_WM_DIAGRAM_VIRTUALLY_FRAME" val="{&quot;height&quot;:387.85772705078125,&quot;width&quot;:792.289306640625}"/>
-  <p:tag name="KSO_WM_DIAGRAM_COLOR_MATCH_VALUE" val="{&quot;shape&quot;:{&quot;fill&quot;:{&quot;type&quot;:0},&quot;glow&quot;:{&quot;colorType&quot;:0},&quot;line&quot;:{&quot;type&quot;:0},&quot;shadow&quot;:{&quot;colorType&quot;:0},&quot;threeD&quot;:{&quot;curvedSurface&quot;:{&quot;brightness&quot;:0,&quot;colorType&quot;:2,&quot;rgb&quot;:&quot;#000000&quot;},&quot;depth&quot;:{&quot;colorType&quot;:0}}},&quot;text&quot;:{&quot;fill&quot;:{&quot;solid&quot;:{&quot;brightness&quot;:0.15000000596046448,&quot;colorType&quot;:1,&quot;foreColorIndex&quot;:13,&quot;transparency&quot;:0},&quot;type&quot;:1},&quot;glow&quot;:{&quot;colorType&quot;:0},&quot;line&quot;:{&quot;type&quot;:0},&quot;shadow&quot;:{&quot;colorType&quot;:0},&quot;threeD&quot;:{&quot;curvedSurface&quot;:{&quot;brightness&quot;:0,&quot;colorType&quot;:2,&quot;rgb&quot;:&quot;#000000&quot;},&quot;depth&quot;:{&quot;colorType&quot;:0}}}}"/>
-  <p:tag name="KSO_WM_UNIT_TYPE" val="l_h_f"/>
-  <p:tag name="KSO_WM_UNIT_INDEX" val="1_2_1"/>
-  <p:tag name="KSO_WM_UNIT_ID" val="diagram20233329_2*l_h_f*1_2_1"/>
-  <p:tag name="KSO_WM_TEMPLATE_CATEGORY" val="diagram"/>
-  <p:tag name="KSO_WM_TEMPLATE_INDEX" val="20233329"/>
-  <p:tag name="KSO_WM_UNIT_LAYERLEVEL" val="1_1_1"/>
-  <p:tag name="KSO_WM_TAG_VERSION" val="3.0"/>
-  <p:tag name="KSO_WM_UNIT_TEXT_FILL_FORE_SCHEMECOLOR_INDEX_BRIGHTNESS" val="0.15"/>
-  <p:tag name="KSO_WM_UNIT_TEXT_TYPE" val="1"/>
-  <p:tag name="KSO_WM_UNIT_TEXT_LAYER_COUNT" val="1"/>
-  <p:tag name="KSO_WM_BEAUTIFY_FLAG" val="#wm#"/>
-  <p:tag name="KSO_WM_UNIT_PRESET_TEXT" val="单击此处添加文本具体内容，简明扼要地阐述您的观点。可酌情增减文字，以便观者准确地理解您传达的思想。"/>
-  <p:tag name="KSO_WM_UNIT_TEXT_FILL_FORE_SCHEMECOLOR_INDEX" val="1"/>
-  <p:tag name="KSO_WM_UNIT_TEXT_FILL_TYPE" val="1"/>
-</p:tagLst>
-</file>
-
-<file path=ppt/tags/tag323.xml><?xml version="1.0" encoding="utf-8"?>
-<p:tagLst xmlns:p="http://schemas.openxmlformats.org/presentationml/2006/main">
-  <p:tag name="KSO_WM_DIAGRAM_VIRTUALLY_FRAME" val="{&quot;height&quot;:387.85772705078125,&quot;width&quot;:792.289306640625}"/>
-  <p:tag name="KSO_WM_DIAGRAM_VERSION" val="3"/>
-  <p:tag name="KSO_WM_DIAGRAM_COLOR_TRICK" val="1"/>
-  <p:tag name="KSO_WM_DIAGRAM_COLOR_TEXT_CAN_REMOVE" val="n"/>
-  <p:tag name="KSO_WM_UNIT_VALUE" val="753*485"/>
-  <p:tag name="KSO_WM_UNIT_HIGHLIGHT" val="0"/>
-  <p:tag name="KSO_WM_UNIT_COMPATIBLE" val="0"/>
-  <p:tag name="KSO_WM_UNIT_DIAGRAM_ISNUMVISUAL" val="0"/>
-  <p:tag name="KSO_WM_UNIT_DIAGRAM_ISREFERUNIT" val="0"/>
-  <p:tag name="KSO_WM_DIAGRAM_GROUP_CODE" val="l1-1"/>
-  <p:tag name="KSO_WM_UNIT_TYPE" val="l_h_d"/>
-  <p:tag name="KSO_WM_UNIT_INDEX" val="1_3_1"/>
-  <p:tag name="KSO_WM_UNIT_ID" val="diagram20233329_2*l_h_d*1_3_1"/>
-  <p:tag name="KSO_WM_TEMPLATE_CATEGORY" val="diagram"/>
-  <p:tag name="KSO_WM_TEMPLATE_INDEX" val="20233329"/>
-  <p:tag name="KSO_WM_UNIT_LAYERLEVEL" val="1_1_1"/>
-  <p:tag name="KSO_WM_TAG_VERSION" val="3.0"/>
-  <p:tag name="KSO_WM_DIAGRAM_MAX_ITEMCNT" val="4"/>
-  <p:tag name="KSO_WM_DIAGRAM_MIN_ITEMCNT" val="2"/>
-  <p:tag name="KSO_WM_DIAGRAM_COLOR_MATCH_VALUE" val="{&quot;shape&quot;:{&quot;fill&quot;:{&quot;solid&quot;:{&quot;brightness&quot;:0,&quot;colorType&quot;:1,&quot;foreColorIndex&quot;:5,&quot;transparency&quot;:0},&quot;type&quot;:1},&quot;glow&quot;:{&quot;colorType&quot;:0},&quot;line&quot;:{&quot;solidLine&quot;:{&quot;brightness&quot;:0,&quot;colorType&quot;:1,&quot;foreColorIndex&quot;:5,&quot;transparency&quot;:0.800000011920929},&quot;type&quot;:1},&quot;shadow&quot;:{&quot;colorType&quot;:0},&quot;threeD&quot;:{&quot;curvedSurface&quot;:{&quot;brightness&quot;:0,&quot;colorType&quot;:2,&quot;rgb&quot;:&quot;#000000&quot;},&quot;depth&quot;:{&quot;colorType&quot;:0}}},&quot;text&quot;:{&quot;fill&quot;:{},&quot;glow&quot;:{},&quot;line&quot;:{},&quot;shadow&quot;:{},&quot;threeD&quot;:{}}}"/>
-  <p:tag name="KSO_WM_UNIT_PICTURE_SUBTYPE" val="b"/>
-  <p:tag name="KSO_WM_BEAUTIFY_FLAG" val="#wm#"/>
-  <p:tag name="KSO_WM_UNIT_FILL_TYPE" val="1"/>
-  <p:tag name="KSO_WM_UNIT_FILL_FORE_SCHEMECOLOR_INDEX" val="5"/>
-  <p:tag name="KSO_WM_UNIT_FILL_FORE_SCHEMECOLOR_INDEX_BRIGHTNESS" val="0"/>
-  <p:tag name="KSO_WM_UNIT_LINE_FORE_SCHEMECOLOR_INDEX" val="5"/>
-  <p:tag name="MH_PIC_SOURCE_TYPE" val="generate_slide_ai*{&quot;ai_type&quot;:&quot;generate_ppt&quot;,&quot;id&quot;:&quot;VCG211340676819&quot;}*auto__ai_v2.1.2_ONLINE*1749986010672_830ae2_5debddf33083-slide-5"/>
-</p:tagLst>
-</file>
-
-<file path=ppt/tags/tag324.xml><?xml version="1.0" encoding="utf-8"?>
-<p:tagLst xmlns:p="http://schemas.openxmlformats.org/presentationml/2006/main">
-  <p:tag name="KSO_WM_DIAGRAM_VIRTUALLY_FRAME" val="{&quot;height&quot;:387.85772705078125,&quot;width&quot;:792.289306640625}"/>
-  <p:tag name="KSO_WM_DIAGRAM_VERSION" val="3"/>
-  <p:tag name="KSO_WM_DIAGRAM_COLOR_TRICK" val="1"/>
-  <p:tag name="KSO_WM_DIAGRAM_COLOR_TEXT_CAN_REMOVE" val="n"/>
-  <p:tag name="KSO_WM_UNIT_HIGHLIGHT" val="0"/>
-  <p:tag name="KSO_WM_UNIT_COMPATIBLE" val="0"/>
-  <p:tag name="KSO_WM_UNIT_DIAGRAM_ISNUMVISUAL" val="0"/>
-  <p:tag name="KSO_WM_UNIT_DIAGRAM_ISREFERUNIT" val="0"/>
-  <p:tag name="KSO_WM_DIAGRAM_GROUP_CODE" val="l1-1"/>
-  <p:tag name="KSO_WM_UNIT_SUBTYPE" val="d"/>
-  <p:tag name="KSO_WM_UNIT_TYPE" val="l_h_i"/>
-  <p:tag name="KSO_WM_UNIT_INDEX" val="1_3_1"/>
-  <p:tag name="KSO_WM_UNIT_ID" val="diagram20233329_2*l_h_i*1_3_1"/>
-  <p:tag name="KSO_WM_TEMPLATE_CATEGORY" val="diagram"/>
-  <p:tag name="KSO_WM_TEMPLATE_INDEX" val="20233329"/>
-  <p:tag name="KSO_WM_UNIT_LAYERLEVEL" val="1_1_1"/>
-  <p:tag name="KSO_WM_TAG_VERSION" val="3.0"/>
-  <p:tag name="KSO_WM_UNIT_FILL_FORE_SCHEMECOLOR_INDEX" val="14"/>
-  <p:tag name="KSO_WM_UNIT_FILL_FORE_SCHEMECOLOR_INDEX_BRIGHTNESS" val="0"/>
-  <p:tag name="KSO_WM_DIAGRAM_MAX_ITEMCNT" val="4"/>
-  <p:tag name="KSO_WM_DIAGRAM_MIN_ITEMCNT" val="2"/>
-  <p:tag name="KSO_WM_DIAGRAM_COLOR_MATCH_VALUE" val="{&quot;shape&quot;:{&quot;fill&quot;:{&quot;solid&quot;:{&quot;brightness&quot;:0,&quot;colorType&quot;:2,&quot;rgb&quot;:&quot;#ffffff&quot;,&quot;transparency&quot;:0},&quot;type&quot;:1},&quot;glow&quot;:{&quot;colorType&quot;:0},&quot;line&quot;:{&quot;solidLine&quot;:{&quot;brightness&quot;:0,&quot;colorType&quot;:1,&quot;foreColorIndex&quot;:5,&quot;transparency&quot;:0},&quot;type&quot;:1},&quot;shadow&quot;:{&quot;colorType&quot;:0},&quot;threeD&quot;:{&quot;curvedSurface&quot;:{&quot;brightness&quot;:0,&quot;colorType&quot;:2,&quot;rgb&quot;:&quot;#000000&quot;},&quot;depth&quot;:{&quot;colorType&quot;:0}}},&quot;text&quot;:{&quot;fill&quot;:{&quot;solid&quot;:{&quot;brightness&quot;:0,&quot;colorType&quot;:1,&quot;foreColorIndex&quot;:5,&quot;transparency&quot;:0},&quot;type&quot;:1},&quot;glow&quot;:{&quot;colorType&quot;:0},&quot;line&quot;:{&quot;type&quot;:0},&quot;shadow&quot;:{&quot;colorType&quot;:0},&quot;threeD&quot;:{&quot;curvedSurface&quot;:{&quot;brightness&quot;:0,&quot;colorType&quot;:2,&quot;rgb&quot;:&quot;#000000&quot;},&quot;depth&quot;:{&quot;colorType&quot;:0}}}}"/>
-  <p:tag name="KSO_WM_BEAUTIFY_FLAG" val="#wm#"/>
-  <p:tag name="KSO_WM_UNIT_LINE_FORE_SCHEMECOLOR_INDEX" val="5"/>
-  <p:tag name="KSO_WM_UNIT_TEXT_FILL_FORE_SCHEMECOLOR_INDEX" val="1"/>
-  <p:tag name="KSO_WM_UNIT_TEXT_FILL_TYPE" val="1"/>
-</p:tagLst>
-</file>
-
-<file path=ppt/tags/tag325.xml><?xml version="1.0" encoding="utf-8"?>
-<p:tagLst xmlns:p="http://schemas.openxmlformats.org/presentationml/2006/main">
-  <p:tag name="KSO_WM_UNIT_ISCONTENTSTITLE" val="0"/>
-  <p:tag name="KSO_WM_UNIT_ISNUMDGMTITLE" val="0"/>
-  <p:tag name="KSO_WM_UNIT_NOCLEAR" val="0"/>
-  <p:tag name="KSO_WM_UNIT_VALUE" val="10"/>
-  <p:tag name="KSO_WM_UNIT_HIGHLIGHT" val="0"/>
-  <p:tag name="KSO_WM_UNIT_COMPATIBLE" val="0"/>
-  <p:tag name="KSO_WM_UNIT_DIAGRAM_ISNUMVISUAL" val="0"/>
-  <p:tag name="KSO_WM_UNIT_DIAGRAM_ISREFERUNIT" val="0"/>
-  <p:tag name="KSO_WM_DIAGRAM_GROUP_CODE" val="l1-1"/>
-  <p:tag name="KSO_WM_DIAGRAM_VERSION" val="3"/>
-  <p:tag name="KSO_WM_DIAGRAM_COLOR_TRICK" val="1"/>
-  <p:tag name="KSO_WM_DIAGRAM_COLOR_TEXT_CAN_REMOVE" val="n"/>
-  <p:tag name="KSO_WM_DIAGRAM_MAX_ITEMCNT" val="4"/>
-  <p:tag name="KSO_WM_DIAGRAM_MIN_ITEMCNT" val="2"/>
-  <p:tag name="KSO_WM_DIAGRAM_VIRTUALLY_FRAME" val="{&quot;height&quot;:387.85772705078125,&quot;width&quot;:792.289306640625}"/>
-  <p:tag name="KSO_WM_DIAGRAM_COLOR_MATCH_VALUE" val="{&quot;shape&quot;:{&quot;fill&quot;:{&quot;type&quot;:0},&quot;glow&quot;:{&quot;colorType&quot;:0},&quot;line&quot;:{&quot;type&quot;:0},&quot;shadow&quot;:{&quot;colorType&quot;:0},&quot;threeD&quot;:{&quot;curvedSurface&quot;:{&quot;brightness&quot;:0,&quot;colorType&quot;:2,&quot;rgb&quot;:&quot;#000000&quot;},&quot;depth&quot;:{&quot;colorType&quot;:0}}},&quot;text&quot;:{&quot;fill&quot;:{&quot;solid&quot;:{&quot;brightness&quot;:0,&quot;colorType&quot;:1,&quot;foreColorIndex&quot;:5,&quot;transparency&quot;:0},&quot;type&quot;:1},&quot;glow&quot;:{&quot;colorType&quot;:0},&quot;line&quot;:{&quot;type&quot;:0},&quot;shadow&quot;:{&quot;colorType&quot;:0},&quot;threeD&quot;:{&quot;curvedSurface&quot;:{&quot;brightness&quot;:0,&quot;colorType&quot;:2,&quot;rgb&quot;:&quot;#000000&quot;},&quot;depth&quot;:{&quot;colorType&quot;:0}}}}"/>
-  <p:tag name="KSO_WM_UNIT_TYPE" val="l_h_a"/>
-  <p:tag name="KSO_WM_UNIT_INDEX" val="1_3_1"/>
-  <p:tag name="KSO_WM_UNIT_ID" val="diagram20233329_2*l_h_a*1_3_1"/>
-  <p:tag name="KSO_WM_TEMPLATE_CATEGORY" val="diagram"/>
-  <p:tag name="KSO_WM_TEMPLATE_INDEX" val="20233329"/>
-  <p:tag name="KSO_WM_UNIT_LAYERLEVEL" val="1_1_1"/>
-  <p:tag name="KSO_WM_TAG_VERSION" val="3.0"/>
-  <p:tag name="KSO_WM_UNIT_TEXT_FILL_FORE_SCHEMECOLOR_INDEX_BRIGHTNESS" val="0.15"/>
-  <p:tag name="KSO_WM_UNIT_TEXT_TYPE" val="1"/>
-  <p:tag name="KSO_WM_BEAUTIFY_FLAG" val="#wm#"/>
-  <p:tag name="KSO_WM_UNIT_PRESET_TEXT" val="单击添加项标题"/>
-  <p:tag name="KSO_WM_UNIT_TEXT_FILL_FORE_SCHEMECOLOR_INDEX" val="1"/>
-  <p:tag name="KSO_WM_UNIT_TEXT_FILL_TYPE" val="1"/>
-</p:tagLst>
-</file>
-
-<file path=ppt/tags/tag326.xml><?xml version="1.0" encoding="utf-8"?>
-<p:tagLst xmlns:p="http://schemas.openxmlformats.org/presentationml/2006/main">
-  <p:tag name="KSO_WM_UNIT_SUBTYPE" val="a"/>
-  <p:tag name="KSO_WM_UNIT_NOCLEAR" val="0"/>
-  <p:tag name="KSO_WM_UNIT_VALUE" val="60"/>
-  <p:tag name="KSO_WM_UNIT_HIGHLIGHT" val="0"/>
-  <p:tag name="KSO_WM_UNIT_COMPATIBLE" val="0"/>
-  <p:tag name="KSO_WM_UNIT_DIAGRAM_ISNUMVISUAL" val="0"/>
-  <p:tag name="KSO_WM_UNIT_DIAGRAM_ISREFERUNIT" val="0"/>
-  <p:tag name="KSO_WM_DIAGRAM_GROUP_CODE" val="l1-1"/>
-  <p:tag name="KSO_WM_DIAGRAM_VERSION" val="3"/>
-  <p:tag name="KSO_WM_DIAGRAM_COLOR_TRICK" val="1"/>
-  <p:tag name="KSO_WM_DIAGRAM_COLOR_TEXT_CAN_REMOVE" val="n"/>
-  <p:tag name="KSO_WM_DIAGRAM_MAX_ITEMCNT" val="4"/>
-  <p:tag name="KSO_WM_DIAGRAM_MIN_ITEMCNT" val="2"/>
-  <p:tag name="KSO_WM_DIAGRAM_VIRTUALLY_FRAME" val="{&quot;height&quot;:387.85772705078125,&quot;width&quot;:792.289306640625}"/>
-  <p:tag name="KSO_WM_DIAGRAM_COLOR_MATCH_VALUE" val="{&quot;shape&quot;:{&quot;fill&quot;:{&quot;type&quot;:0},&quot;glow&quot;:{&quot;colorType&quot;:0},&quot;line&quot;:{&quot;type&quot;:0},&quot;shadow&quot;:{&quot;colorType&quot;:0},&quot;threeD&quot;:{&quot;curvedSurface&quot;:{&quot;brightness&quot;:0,&quot;colorType&quot;:2,&quot;rgb&quot;:&quot;#000000&quot;},&quot;depth&quot;:{&quot;colorType&quot;:0}}},&quot;text&quot;:{&quot;fill&quot;:{&quot;solid&quot;:{&quot;brightness&quot;:0.15000000596046448,&quot;colorType&quot;:1,&quot;foreColorIndex&quot;:13,&quot;transparency&quot;:0},&quot;type&quot;:1},&quot;glow&quot;:{&quot;colorType&quot;:0},&quot;line&quot;:{&quot;type&quot;:0},&quot;shadow&quot;:{&quot;colorType&quot;:0},&quot;threeD&quot;:{&quot;curvedSurface&quot;:{&quot;brightness&quot;:0,&quot;colorType&quot;:2,&quot;rgb&quot;:&quot;#000000&quot;},&quot;depth&quot;:{&quot;colorType&quot;:0}}}}"/>
-  <p:tag name="KSO_WM_UNIT_TYPE" val="l_h_f"/>
-  <p:tag name="KSO_WM_UNIT_INDEX" val="1_3_1"/>
-  <p:tag name="KSO_WM_UNIT_ID" val="diagram20233329_2*l_h_f*1_3_1"/>
-  <p:tag name="KSO_WM_TEMPLATE_CATEGORY" val="diagram"/>
-  <p:tag name="KSO_WM_TEMPLATE_INDEX" val="20233329"/>
-  <p:tag name="KSO_WM_UNIT_LAYERLEVEL" val="1_1_1"/>
-  <p:tag name="KSO_WM_TAG_VERSION" val="3.0"/>
-  <p:tag name="KSO_WM_UNIT_TEXT_FILL_FORE_SCHEMECOLOR_INDEX_BRIGHTNESS" val="0.15"/>
-  <p:tag name="KSO_WM_UNIT_TEXT_TYPE" val="1"/>
-  <p:tag name="KSO_WM_UNIT_TEXT_LAYER_COUNT" val="1"/>
-  <p:tag name="KSO_WM_BEAUTIFY_FLAG" val="#wm#"/>
-  <p:tag name="KSO_WM_UNIT_PRESET_TEXT" val="单击此处添加文本具体内容，简明扼要地阐述您的内容观点。根据需要可酌情增减文字，以便观者准确地理解您传达的思想。"/>
-  <p:tag name="KSO_WM_UNIT_TEXT_FILL_FORE_SCHEMECOLOR_INDEX" val="1"/>
-  <p:tag name="KSO_WM_UNIT_TEXT_FILL_TYPE" val="1"/>
-</p:tagLst>
-</file>
-
-<file path=ppt/tags/tag327.xml><?xml version="1.0" encoding="utf-8"?>
 <p:tagLst xmlns:p="http://schemas.openxmlformats.org/presentationml/2006/main">
   <p:tag name="KSO_WM_SLIDE_ID" val="diagram20233329_3"/>
   <p:tag name="KSO_WM_TEMPLATE_SUBCATEGORY" val="0"/>
@@ -27345,7 +30562,7 @@
 </p:tagLst>
 </file>
 
-<file path=ppt/tags/tag328.xml><?xml version="1.0" encoding="utf-8"?>
+<file path=ppt/tags/tag322.xml><?xml version="1.0" encoding="utf-8"?>
 <p:tagLst xmlns:p="http://schemas.openxmlformats.org/presentationml/2006/main">
   <p:tag name="KSO_WM_UNIT_NOCLEAR" val="0"/>
   <p:tag name="KSO_WM_UNIT_VALUE" val="6"/>
@@ -27365,7 +30582,7 @@
 </p:tagLst>
 </file>
 
-<file path=ppt/tags/tag329.xml><?xml version="1.0" encoding="utf-8"?>
+<file path=ppt/tags/tag323.xml><?xml version="1.0" encoding="utf-8"?>
 <p:tagLst xmlns:p="http://schemas.openxmlformats.org/presentationml/2006/main">
   <p:tag name="KSO_WM_UNIT_ISCONTENTSTITLE" val="0"/>
   <p:tag name="KSO_WM_UNIT_ISNUMDGMTITLE" val="0"/>
@@ -27389,20 +30606,7 @@
 </p:tagLst>
 </file>
 
-<file path=ppt/tags/tag33.xml><?xml version="1.0" encoding="utf-8"?>
-<p:tagLst xmlns:p="http://schemas.openxmlformats.org/presentationml/2006/main">
-  <p:tag name="KSO_WM_UNIT_HIGHLIGHT" val="0"/>
-  <p:tag name="KSO_WM_UNIT_COMPATIBLE" val="0"/>
-  <p:tag name="KSO_WM_UNIT_DIAGRAM_ISNUMVISUAL" val="0"/>
-  <p:tag name="KSO_WM_UNIT_DIAGRAM_ISREFERUNIT" val="0"/>
-  <p:tag name="KSO_WM_UNIT_ID" val="_6**"/>
-  <p:tag name="KSO_WM_UNIT_LAYERLEVEL" val="1"/>
-  <p:tag name="KSO_WM_TAG_VERSION" val="1.0"/>
-  <p:tag name="KSO_WM_BEAUTIFY_FLAG" val="#wm#"/>
-</p:tagLst>
-</file>
-
-<file path=ppt/tags/tag330.xml><?xml version="1.0" encoding="utf-8"?>
+<file path=ppt/tags/tag324.xml><?xml version="1.0" encoding="utf-8"?>
 <p:tagLst xmlns:p="http://schemas.openxmlformats.org/presentationml/2006/main">
   <p:tag name="KSO_WM_SPECIAL_SOURCE" val="bdnull"/>
   <p:tag name="KSO_WM_SLIDE_ID" val="custom20230301_9"/>
@@ -27423,7 +30627,7 @@
 </p:tagLst>
 </file>
 
-<file path=ppt/tags/tag331.xml><?xml version="1.0" encoding="utf-8"?>
+<file path=ppt/tags/tag325.xml><?xml version="1.0" encoding="utf-8"?>
 <p:tagLst xmlns:p="http://schemas.openxmlformats.org/presentationml/2006/main">
   <p:tag name="KSO_WM_UNIT_HIGHLIGHT" val="0"/>
   <p:tag name="KSO_WM_UNIT_COMPATIBLE" val="0"/>
@@ -27441,7 +30645,7 @@
 </p:tagLst>
 </file>
 
-<file path=ppt/tags/tag332.xml><?xml version="1.0" encoding="utf-8"?>
+<file path=ppt/tags/tag326.xml><?xml version="1.0" encoding="utf-8"?>
 <p:tagLst xmlns:p="http://schemas.openxmlformats.org/presentationml/2006/main">
   <p:tag name="KSO_WM_UNIT_VALUE" val="1226*964"/>
   <p:tag name="KSO_WM_UNIT_HIGHLIGHT" val="0"/>
@@ -27462,7 +30666,7 @@
 </p:tagLst>
 </file>
 
-<file path=ppt/tags/tag333.xml><?xml version="1.0" encoding="utf-8"?>
+<file path=ppt/tags/tag327.xml><?xml version="1.0" encoding="utf-8"?>
 <p:tagLst xmlns:p="http://schemas.openxmlformats.org/presentationml/2006/main">
   <p:tag name="KSO_WM_UNIT_ISCONTENTSTITLE" val="0"/>
   <p:tag name="KSO_WM_UNIT_ISNUMDGMTITLE" val="0"/>
@@ -27486,7 +30690,7 @@
 </p:tagLst>
 </file>
 
-<file path=ppt/tags/tag334.xml><?xml version="1.0" encoding="utf-8"?>
+<file path=ppt/tags/tag328.xml><?xml version="1.0" encoding="utf-8"?>
 <p:tagLst xmlns:p="http://schemas.openxmlformats.org/presentationml/2006/main">
   <p:tag name="KSO_WM_UNIT_HIGHLIGHT" val="0"/>
   <p:tag name="KSO_WM_UNIT_COMPATIBLE" val="0"/>
@@ -27504,7 +30708,7 @@
 </p:tagLst>
 </file>
 
-<file path=ppt/tags/tag335.xml><?xml version="1.0" encoding="utf-8"?>
+<file path=ppt/tags/tag329.xml><?xml version="1.0" encoding="utf-8"?>
 <p:tagLst xmlns:p="http://schemas.openxmlformats.org/presentationml/2006/main">
   <p:tag name="KSO_WM_UNIT_SUBTYPE" val="a"/>
   <p:tag name="KSO_WM_UNIT_NOCLEAR" val="0"/>
@@ -27522,7 +30726,7 @@
   <p:tag name="KSO_WM_TAG_VERSION" val="3.0"/>
   <p:tag name="KSO_WM_DIAGRAM_MAX_ITEMCNT" val="4"/>
   <p:tag name="KSO_WM_DIAGRAM_MIN_ITEMCNT" val="1"/>
-  <p:tag name="KSO_WM_DIAGRAM_VIRTUALLY_FRAME" val="{&quot;height&quot;:241.4499969482422,&quot;width&quot;:408.04998779296875}"/>
+  <p:tag name="KSO_WM_DIAGRAM_VIRTUALLY_FRAME" val="{&quot;height&quot;:339.8673228346457,&quot;left&quot;:84.84968503937009,&quot;top&quot;:175.03267716535433,&quot;width&quot;:408.0503149606299}"/>
   <p:tag name="KSO_WM_DIAGRAM_COLOR_MATCH_VALUE" val="{&quot;shape&quot;:{&quot;fill&quot;:{&quot;type&quot;:0},&quot;glow&quot;:{&quot;colorType&quot;:0},&quot;line&quot;:{&quot;type&quot;:0},&quot;shadow&quot;:{&quot;colorType&quot;:0},&quot;threeD&quot;:{&quot;curvedSurface&quot;:{&quot;brightness&quot;:0,&quot;colorType&quot;:2,&quot;rgb&quot;:&quot;#000000&quot;},&quot;depth&quot;:{&quot;colorType&quot;:0}}},&quot;text&quot;:{&quot;fill&quot;:{&quot;solid&quot;:{&quot;brightness&quot;:0.15000000596046448,&quot;colorType&quot;:1,&quot;foreColorIndex&quot;:13,&quot;transparency&quot;:0},&quot;type&quot;:1},&quot;glow&quot;:{&quot;colorType&quot;:0},&quot;line&quot;:{&quot;type&quot;:0},&quot;shadow&quot;:{&quot;colorType&quot;:0},&quot;threeD&quot;:{&quot;curvedSurface&quot;:{&quot;brightness&quot;:0,&quot;colorType&quot;:2,&quot;rgb&quot;:&quot;#000000&quot;},&quot;depth&quot;:{&quot;colorType&quot;:0}}}}"/>
   <p:tag name="KSO_WM_UNIT_VALUE" val="24"/>
   <p:tag name="KSO_WM_DIAGRAM_VERSION" val="3"/>
@@ -27537,7 +30741,20 @@
 </p:tagLst>
 </file>
 
-<file path=ppt/tags/tag336.xml><?xml version="1.0" encoding="utf-8"?>
+<file path=ppt/tags/tag33.xml><?xml version="1.0" encoding="utf-8"?>
+<p:tagLst xmlns:p="http://schemas.openxmlformats.org/presentationml/2006/main">
+  <p:tag name="KSO_WM_UNIT_HIGHLIGHT" val="0"/>
+  <p:tag name="KSO_WM_UNIT_COMPATIBLE" val="0"/>
+  <p:tag name="KSO_WM_UNIT_DIAGRAM_ISNUMVISUAL" val="0"/>
+  <p:tag name="KSO_WM_UNIT_DIAGRAM_ISREFERUNIT" val="0"/>
+  <p:tag name="KSO_WM_UNIT_ID" val="_6**"/>
+  <p:tag name="KSO_WM_UNIT_LAYERLEVEL" val="1"/>
+  <p:tag name="KSO_WM_TAG_VERSION" val="1.0"/>
+  <p:tag name="KSO_WM_BEAUTIFY_FLAG" val="#wm#"/>
+</p:tagLst>
+</file>
+
+<file path=ppt/tags/tag330.xml><?xml version="1.0" encoding="utf-8"?>
 <p:tagLst xmlns:p="http://schemas.openxmlformats.org/presentationml/2006/main">
   <p:tag name="KSO_WM_UNIT_ISCONTENTSTITLE" val="0"/>
   <p:tag name="KSO_WM_UNIT_ISNUMDGMTITLE" val="0"/>
@@ -27556,7 +30773,7 @@
   <p:tag name="KSO_WM_TAG_VERSION" val="3.0"/>
   <p:tag name="KSO_WM_DIAGRAM_MAX_ITEMCNT" val="4"/>
   <p:tag name="KSO_WM_DIAGRAM_MIN_ITEMCNT" val="1"/>
-  <p:tag name="KSO_WM_DIAGRAM_VIRTUALLY_FRAME" val="{&quot;height&quot;:241.4499969482422,&quot;width&quot;:408.04998779296875}"/>
+  <p:tag name="KSO_WM_DIAGRAM_VIRTUALLY_FRAME" val="{&quot;height&quot;:339.8673228346457,&quot;left&quot;:84.84968503937009,&quot;top&quot;:175.03267716535433,&quot;width&quot;:408.0503149606299}"/>
   <p:tag name="KSO_WM_DIAGRAM_COLOR_MATCH_VALUE" val="{&quot;shape&quot;:{&quot;fill&quot;:{&quot;type&quot;:0},&quot;glow&quot;:{&quot;colorType&quot;:0},&quot;line&quot;:{&quot;type&quot;:0},&quot;shadow&quot;:{&quot;colorType&quot;:0},&quot;threeD&quot;:{&quot;curvedSurface&quot;:{&quot;brightness&quot;:0,&quot;colorType&quot;:2,&quot;rgb&quot;:&quot;#000000&quot;},&quot;depth&quot;:{&quot;colorType&quot;:0}}},&quot;text&quot;:{&quot;fill&quot;:{&quot;solid&quot;:{&quot;brightness&quot;:0,&quot;colorType&quot;:1,&quot;foreColorIndex&quot;:5,&quot;transparency&quot;:0},&quot;type&quot;:1},&quot;glow&quot;:{&quot;colorType&quot;:0},&quot;line&quot;:{&quot;type&quot;:0},&quot;shadow&quot;:{&quot;colorType&quot;:0},&quot;threeD&quot;:{&quot;curvedSurface&quot;:{&quot;brightness&quot;:0,&quot;colorType&quot;:2,&quot;rgb&quot;:&quot;#000000&quot;},&quot;depth&quot;:{&quot;colorType&quot;:0}}}}"/>
   <p:tag name="KSO_WM_UNIT_VALUE" val="9"/>
   <p:tag name="KSO_WM_DIAGRAM_VERSION" val="3"/>
@@ -27570,7 +30787,7 @@
 </p:tagLst>
 </file>
 
-<file path=ppt/tags/tag337.xml><?xml version="1.0" encoding="utf-8"?>
+<file path=ppt/tags/tag331.xml><?xml version="1.0" encoding="utf-8"?>
 <p:tagLst xmlns:p="http://schemas.openxmlformats.org/presentationml/2006/main">
   <p:tag name="KSO_WM_UNIT_SUBTYPE" val="a"/>
   <p:tag name="KSO_WM_UNIT_NOCLEAR" val="0"/>
@@ -27588,7 +30805,7 @@
   <p:tag name="KSO_WM_TAG_VERSION" val="3.0"/>
   <p:tag name="KSO_WM_DIAGRAM_MAX_ITEMCNT" val="4"/>
   <p:tag name="KSO_WM_DIAGRAM_MIN_ITEMCNT" val="1"/>
-  <p:tag name="KSO_WM_DIAGRAM_VIRTUALLY_FRAME" val="{&quot;height&quot;:241.4499969482422,&quot;width&quot;:408.04998779296875}"/>
+  <p:tag name="KSO_WM_DIAGRAM_VIRTUALLY_FRAME" val="{&quot;height&quot;:339.8673228346457,&quot;left&quot;:84.84968503937009,&quot;top&quot;:175.03267716535433,&quot;width&quot;:408.0503149606299}"/>
   <p:tag name="KSO_WM_DIAGRAM_COLOR_MATCH_VALUE" val="{&quot;shape&quot;:{&quot;fill&quot;:{&quot;type&quot;:0},&quot;glow&quot;:{&quot;colorType&quot;:0},&quot;line&quot;:{&quot;type&quot;:0},&quot;shadow&quot;:{&quot;colorType&quot;:0},&quot;threeD&quot;:{&quot;curvedSurface&quot;:{&quot;brightness&quot;:0,&quot;colorType&quot;:2,&quot;rgb&quot;:&quot;#000000&quot;},&quot;depth&quot;:{&quot;colorType&quot;:0}}},&quot;text&quot;:{&quot;fill&quot;:{&quot;solid&quot;:{&quot;brightness&quot;:0.15000000596046448,&quot;colorType&quot;:1,&quot;foreColorIndex&quot;:13,&quot;transparency&quot;:0},&quot;type&quot;:1},&quot;glow&quot;:{&quot;colorType&quot;:0},&quot;line&quot;:{&quot;type&quot;:0},&quot;shadow&quot;:{&quot;colorType&quot;:0},&quot;threeD&quot;:{&quot;curvedSurface&quot;:{&quot;brightness&quot;:0,&quot;colorType&quot;:2,&quot;rgb&quot;:&quot;#000000&quot;},&quot;depth&quot;:{&quot;colorType&quot;:0}}}}"/>
   <p:tag name="KSO_WM_UNIT_VALUE" val="24"/>
   <p:tag name="KSO_WM_DIAGRAM_VERSION" val="3"/>
@@ -27603,7 +30820,7 @@
 </p:tagLst>
 </file>
 
-<file path=ppt/tags/tag338.xml><?xml version="1.0" encoding="utf-8"?>
+<file path=ppt/tags/tag332.xml><?xml version="1.0" encoding="utf-8"?>
 <p:tagLst xmlns:p="http://schemas.openxmlformats.org/presentationml/2006/main">
   <p:tag name="KSO_WM_UNIT_ISCONTENTSTITLE" val="0"/>
   <p:tag name="KSO_WM_UNIT_ISNUMDGMTITLE" val="0"/>
@@ -27622,7 +30839,7 @@
   <p:tag name="KSO_WM_TAG_VERSION" val="3.0"/>
   <p:tag name="KSO_WM_DIAGRAM_MAX_ITEMCNT" val="4"/>
   <p:tag name="KSO_WM_DIAGRAM_MIN_ITEMCNT" val="1"/>
-  <p:tag name="KSO_WM_DIAGRAM_VIRTUALLY_FRAME" val="{&quot;height&quot;:241.4499969482422,&quot;width&quot;:408.04998779296875}"/>
+  <p:tag name="KSO_WM_DIAGRAM_VIRTUALLY_FRAME" val="{&quot;height&quot;:339.8673228346457,&quot;left&quot;:84.84968503937009,&quot;top&quot;:175.03267716535433,&quot;width&quot;:408.0503149606299}"/>
   <p:tag name="KSO_WM_DIAGRAM_COLOR_MATCH_VALUE" val="{&quot;shape&quot;:{&quot;fill&quot;:{&quot;type&quot;:0},&quot;glow&quot;:{&quot;colorType&quot;:0},&quot;line&quot;:{&quot;type&quot;:0},&quot;shadow&quot;:{&quot;colorType&quot;:0},&quot;threeD&quot;:{&quot;curvedSurface&quot;:{&quot;brightness&quot;:0,&quot;colorType&quot;:2,&quot;rgb&quot;:&quot;#000000&quot;},&quot;depth&quot;:{&quot;colorType&quot;:0}}},&quot;text&quot;:{&quot;fill&quot;:{&quot;solid&quot;:{&quot;brightness&quot;:0,&quot;colorType&quot;:1,&quot;foreColorIndex&quot;:5,&quot;transparency&quot;:0},&quot;type&quot;:1},&quot;glow&quot;:{&quot;colorType&quot;:0},&quot;line&quot;:{&quot;type&quot;:0},&quot;shadow&quot;:{&quot;colorType&quot;:0},&quot;threeD&quot;:{&quot;curvedSurface&quot;:{&quot;brightness&quot;:0,&quot;colorType&quot;:2,&quot;rgb&quot;:&quot;#000000&quot;},&quot;depth&quot;:{&quot;colorType&quot;:0}}}}"/>
   <p:tag name="KSO_WM_UNIT_VALUE" val="9"/>
   <p:tag name="KSO_WM_DIAGRAM_VERSION" val="3"/>
@@ -27636,7 +30853,7 @@
 </p:tagLst>
 </file>
 
-<file path=ppt/tags/tag339.xml><?xml version="1.0" encoding="utf-8"?>
+<file path=ppt/tags/tag333.xml><?xml version="1.0" encoding="utf-8"?>
 <p:tagLst xmlns:p="http://schemas.openxmlformats.org/presentationml/2006/main">
   <p:tag name="KSO_WM_UNIT_SUBTYPE" val="a"/>
   <p:tag name="KSO_WM_UNIT_NOCLEAR" val="0"/>
@@ -27654,7 +30871,7 @@
   <p:tag name="KSO_WM_TAG_VERSION" val="3.0"/>
   <p:tag name="KSO_WM_DIAGRAM_MAX_ITEMCNT" val="4"/>
   <p:tag name="KSO_WM_DIAGRAM_MIN_ITEMCNT" val="1"/>
-  <p:tag name="KSO_WM_DIAGRAM_VIRTUALLY_FRAME" val="{&quot;height&quot;:241.4499969482422,&quot;width&quot;:408.04998779296875}"/>
+  <p:tag name="KSO_WM_DIAGRAM_VIRTUALLY_FRAME" val="{&quot;height&quot;:339.8673228346457,&quot;left&quot;:84.84968503937009,&quot;top&quot;:175.03267716535433,&quot;width&quot;:408.0503149606299}"/>
   <p:tag name="KSO_WM_DIAGRAM_COLOR_MATCH_VALUE" val="{&quot;shape&quot;:{&quot;fill&quot;:{&quot;type&quot;:0},&quot;glow&quot;:{&quot;colorType&quot;:0},&quot;line&quot;:{&quot;type&quot;:0},&quot;shadow&quot;:{&quot;colorType&quot;:0},&quot;threeD&quot;:{&quot;curvedSurface&quot;:{&quot;brightness&quot;:0,&quot;colorType&quot;:2,&quot;rgb&quot;:&quot;#000000&quot;},&quot;depth&quot;:{&quot;colorType&quot;:0}}},&quot;text&quot;:{&quot;fill&quot;:{&quot;solid&quot;:{&quot;brightness&quot;:0.15000000596046448,&quot;colorType&quot;:1,&quot;foreColorIndex&quot;:13,&quot;transparency&quot;:0},&quot;type&quot;:1},&quot;glow&quot;:{&quot;colorType&quot;:0},&quot;line&quot;:{&quot;type&quot;:0},&quot;shadow&quot;:{&quot;colorType&quot;:0},&quot;threeD&quot;:{&quot;curvedSurface&quot;:{&quot;brightness&quot;:0,&quot;colorType&quot;:2,&quot;rgb&quot;:&quot;#000000&quot;},&quot;depth&quot;:{&quot;colorType&quot;:0}}}}"/>
   <p:tag name="KSO_WM_UNIT_VALUE" val="24"/>
   <p:tag name="KSO_WM_DIAGRAM_VERSION" val="3"/>
@@ -27669,20 +30886,7 @@
 </p:tagLst>
 </file>
 
-<file path=ppt/tags/tag34.xml><?xml version="1.0" encoding="utf-8"?>
-<p:tagLst xmlns:p="http://schemas.openxmlformats.org/presentationml/2006/main">
-  <p:tag name="KSO_WM_UNIT_HIGHLIGHT" val="0"/>
-  <p:tag name="KSO_WM_UNIT_COMPATIBLE" val="0"/>
-  <p:tag name="KSO_WM_UNIT_DIAGRAM_ISNUMVISUAL" val="0"/>
-  <p:tag name="KSO_WM_UNIT_DIAGRAM_ISREFERUNIT" val="0"/>
-  <p:tag name="KSO_WM_UNIT_ID" val="_7**"/>
-  <p:tag name="KSO_WM_UNIT_LAYERLEVEL" val="1"/>
-  <p:tag name="KSO_WM_TAG_VERSION" val="1.0"/>
-  <p:tag name="KSO_WM_BEAUTIFY_FLAG" val="#wm#"/>
-</p:tagLst>
-</file>
-
-<file path=ppt/tags/tag340.xml><?xml version="1.0" encoding="utf-8"?>
+<file path=ppt/tags/tag334.xml><?xml version="1.0" encoding="utf-8"?>
 <p:tagLst xmlns:p="http://schemas.openxmlformats.org/presentationml/2006/main">
   <p:tag name="KSO_WM_UNIT_ISCONTENTSTITLE" val="0"/>
   <p:tag name="KSO_WM_UNIT_ISNUMDGMTITLE" val="0"/>
@@ -27701,7 +30905,7 @@
   <p:tag name="KSO_WM_TAG_VERSION" val="3.0"/>
   <p:tag name="KSO_WM_DIAGRAM_MAX_ITEMCNT" val="4"/>
   <p:tag name="KSO_WM_DIAGRAM_MIN_ITEMCNT" val="1"/>
-  <p:tag name="KSO_WM_DIAGRAM_VIRTUALLY_FRAME" val="{&quot;height&quot;:241.4499969482422,&quot;width&quot;:408.04998779296875}"/>
+  <p:tag name="KSO_WM_DIAGRAM_VIRTUALLY_FRAME" val="{&quot;height&quot;:339.8673228346457,&quot;left&quot;:84.84968503937009,&quot;top&quot;:175.03267716535433,&quot;width&quot;:408.0503149606299}"/>
   <p:tag name="KSO_WM_DIAGRAM_COLOR_MATCH_VALUE" val="{&quot;shape&quot;:{&quot;fill&quot;:{&quot;type&quot;:0},&quot;glow&quot;:{&quot;colorType&quot;:0},&quot;line&quot;:{&quot;type&quot;:0},&quot;shadow&quot;:{&quot;colorType&quot;:0},&quot;threeD&quot;:{&quot;curvedSurface&quot;:{&quot;brightness&quot;:0,&quot;colorType&quot;:2,&quot;rgb&quot;:&quot;#000000&quot;},&quot;depth&quot;:{&quot;colorType&quot;:0}}},&quot;text&quot;:{&quot;fill&quot;:{&quot;solid&quot;:{&quot;brightness&quot;:0,&quot;colorType&quot;:1,&quot;foreColorIndex&quot;:5,&quot;transparency&quot;:0},&quot;type&quot;:1},&quot;glow&quot;:{&quot;colorType&quot;:0},&quot;line&quot;:{&quot;type&quot;:0},&quot;shadow&quot;:{&quot;colorType&quot;:0},&quot;threeD&quot;:{&quot;curvedSurface&quot;:{&quot;brightness&quot;:0,&quot;colorType&quot;:2,&quot;rgb&quot;:&quot;#000000&quot;},&quot;depth&quot;:{&quot;colorType&quot;:0}}}}"/>
   <p:tag name="KSO_WM_DIAGRAM_VERSION" val="3"/>
   <p:tag name="KSO_WM_DIAGRAM_COLOR_TRICK" val="1"/>
@@ -27715,7 +30919,7 @@
 </p:tagLst>
 </file>
 
-<file path=ppt/tags/tag341.xml><?xml version="1.0" encoding="utf-8"?>
+<file path=ppt/tags/tag335.xml><?xml version="1.0" encoding="utf-8"?>
 <p:tagLst xmlns:p="http://schemas.openxmlformats.org/presentationml/2006/main">
   <p:tag name="KSO_WM_UNIT_SUBTYPE" val="a"/>
   <p:tag name="KSO_WM_UNIT_NOCLEAR" val="0"/>
@@ -27733,7 +30937,7 @@
   <p:tag name="KSO_WM_TAG_VERSION" val="3.0"/>
   <p:tag name="KSO_WM_DIAGRAM_MAX_ITEMCNT" val="4"/>
   <p:tag name="KSO_WM_DIAGRAM_MIN_ITEMCNT" val="1"/>
-  <p:tag name="KSO_WM_DIAGRAM_VIRTUALLY_FRAME" val="{&quot;height&quot;:241.4499969482422,&quot;width&quot;:408.04998779296875}"/>
+  <p:tag name="KSO_WM_DIAGRAM_VIRTUALLY_FRAME" val="{&quot;height&quot;:339.8673228346457,&quot;left&quot;:84.84968503937009,&quot;top&quot;:175.03267716535433,&quot;width&quot;:408.0503149606299}"/>
   <p:tag name="KSO_WM_DIAGRAM_COLOR_MATCH_VALUE" val="{&quot;shape&quot;:{&quot;fill&quot;:{&quot;type&quot;:0},&quot;glow&quot;:{&quot;colorType&quot;:0},&quot;line&quot;:{&quot;type&quot;:0},&quot;shadow&quot;:{&quot;colorType&quot;:0},&quot;threeD&quot;:{&quot;curvedSurface&quot;:{&quot;brightness&quot;:0,&quot;colorType&quot;:2,&quot;rgb&quot;:&quot;#000000&quot;},&quot;depth&quot;:{&quot;colorType&quot;:0}}},&quot;text&quot;:{&quot;fill&quot;:{&quot;solid&quot;:{&quot;brightness&quot;:0.15000000596046448,&quot;colorType&quot;:1,&quot;foreColorIndex&quot;:13,&quot;transparency&quot;:0},&quot;type&quot;:1},&quot;glow&quot;:{&quot;colorType&quot;:0},&quot;line&quot;:{&quot;type&quot;:0},&quot;shadow&quot;:{&quot;colorType&quot;:0},&quot;threeD&quot;:{&quot;curvedSurface&quot;:{&quot;brightness&quot;:0,&quot;colorType&quot;:2,&quot;rgb&quot;:&quot;#000000&quot;},&quot;depth&quot;:{&quot;colorType&quot;:0}}}}"/>
   <p:tag name="KSO_WM_UNIT_VALUE" val="24"/>
   <p:tag name="KSO_WM_DIAGRAM_VERSION" val="3"/>
@@ -27748,7 +30952,7 @@
 </p:tagLst>
 </file>
 
-<file path=ppt/tags/tag342.xml><?xml version="1.0" encoding="utf-8"?>
+<file path=ppt/tags/tag336.xml><?xml version="1.0" encoding="utf-8"?>
 <p:tagLst xmlns:p="http://schemas.openxmlformats.org/presentationml/2006/main">
   <p:tag name="KSO_WM_UNIT_ISCONTENTSTITLE" val="0"/>
   <p:tag name="KSO_WM_UNIT_ISNUMDGMTITLE" val="0"/>
@@ -27767,7 +30971,7 @@
   <p:tag name="KSO_WM_TAG_VERSION" val="3.0"/>
   <p:tag name="KSO_WM_DIAGRAM_MAX_ITEMCNT" val="4"/>
   <p:tag name="KSO_WM_DIAGRAM_MIN_ITEMCNT" val="1"/>
-  <p:tag name="KSO_WM_DIAGRAM_VIRTUALLY_FRAME" val="{&quot;height&quot;:241.4499969482422,&quot;width&quot;:408.04998779296875}"/>
+  <p:tag name="KSO_WM_DIAGRAM_VIRTUALLY_FRAME" val="{&quot;height&quot;:339.8673228346457,&quot;left&quot;:84.84968503937009,&quot;top&quot;:175.03267716535433,&quot;width&quot;:408.0503149606299}"/>
   <p:tag name="KSO_WM_DIAGRAM_COLOR_MATCH_VALUE" val="{&quot;shape&quot;:{&quot;fill&quot;:{&quot;type&quot;:0},&quot;glow&quot;:{&quot;colorType&quot;:0},&quot;line&quot;:{&quot;type&quot;:0},&quot;shadow&quot;:{&quot;colorType&quot;:0},&quot;threeD&quot;:{&quot;curvedSurface&quot;:{&quot;brightness&quot;:0,&quot;colorType&quot;:2,&quot;rgb&quot;:&quot;#000000&quot;},&quot;depth&quot;:{&quot;colorType&quot;:0}}},&quot;text&quot;:{&quot;fill&quot;:{&quot;solid&quot;:{&quot;brightness&quot;:0,&quot;colorType&quot;:1,&quot;foreColorIndex&quot;:5,&quot;transparency&quot;:0},&quot;type&quot;:1},&quot;glow&quot;:{&quot;colorType&quot;:0},&quot;line&quot;:{&quot;type&quot;:0},&quot;shadow&quot;:{&quot;colorType&quot;:0},&quot;threeD&quot;:{&quot;curvedSurface&quot;:{&quot;brightness&quot;:0,&quot;colorType&quot;:2,&quot;rgb&quot;:&quot;#000000&quot;},&quot;depth&quot;:{&quot;colorType&quot;:0}}}}"/>
   <p:tag name="KSO_WM_UNIT_VALUE" val="9"/>
   <p:tag name="KSO_WM_DIAGRAM_VERSION" val="3"/>
@@ -27781,7 +30985,7 @@
 </p:tagLst>
 </file>
 
-<file path=ppt/tags/tag343.xml><?xml version="1.0" encoding="utf-8"?>
+<file path=ppt/tags/tag337.xml><?xml version="1.0" encoding="utf-8"?>
 <p:tagLst xmlns:p="http://schemas.openxmlformats.org/presentationml/2006/main">
   <p:tag name="KSO_WM_BEAUTIFY_FLAG" val="#wm#"/>
   <p:tag name="KSO_WM_TEMPLATE_CATEGORY" val="custom"/>
@@ -27804,72 +31008,7 @@
 </p:tagLst>
 </file>
 
-<file path=ppt/tags/tag344.xml><?xml version="1.0" encoding="utf-8"?>
-<p:tagLst xmlns:p="http://schemas.openxmlformats.org/presentationml/2006/main">
-  <p:tag name="KSO_WM_UNIT_NOCLEAR" val="0"/>
-  <p:tag name="KSO_WM_UNIT_VALUE" val="6"/>
-  <p:tag name="KSO_WM_UNIT_HIGHLIGHT" val="0"/>
-  <p:tag name="KSO_WM_UNIT_COMPATIBLE" val="1"/>
-  <p:tag name="KSO_WM_UNIT_DIAGRAM_ISNUMVISUAL" val="0"/>
-  <p:tag name="KSO_WM_UNIT_DIAGRAM_ISREFERUNIT" val="0"/>
-  <p:tag name="KSO_WM_UNIT_TYPE" val="e"/>
-  <p:tag name="KSO_WM_UNIT_INDEX" val="1"/>
-  <p:tag name="KSO_WM_UNIT_ID" val="custom20230301_9*e*1"/>
-  <p:tag name="KSO_WM_TEMPLATE_CATEGORY" val="custom"/>
-  <p:tag name="KSO_WM_TEMPLATE_INDEX" val="20230301"/>
-  <p:tag name="KSO_WM_UNIT_LAYERLEVEL" val="1"/>
-  <p:tag name="KSO_WM_TAG_VERSION" val="3.0"/>
-  <p:tag name="KSO_WM_BEAUTIFY_FLAG" val="#wm#"/>
-  <p:tag name="KSO_WM_UNIT_CONTENT_GROUP_TYPE" val="contentchip"/>
-</p:tagLst>
-</file>
-
-<file path=ppt/tags/tag345.xml><?xml version="1.0" encoding="utf-8"?>
-<p:tagLst xmlns:p="http://schemas.openxmlformats.org/presentationml/2006/main">
-  <p:tag name="KSO_WM_UNIT_ISCONTENTSTITLE" val="0"/>
-  <p:tag name="KSO_WM_UNIT_ISNUMDGMTITLE" val="0"/>
-  <p:tag name="KSO_WM_UNIT_NOCLEAR" val="0"/>
-  <p:tag name="KSO_WM_UNIT_VALUE" val="10"/>
-  <p:tag name="KSO_WM_UNIT_HIGHLIGHT" val="0"/>
-  <p:tag name="KSO_WM_UNIT_COMPATIBLE" val="0"/>
-  <p:tag name="KSO_WM_UNIT_DIAGRAM_ISNUMVISUAL" val="0"/>
-  <p:tag name="KSO_WM_UNIT_DIAGRAM_ISREFERUNIT" val="0"/>
-  <p:tag name="KSO_WM_UNIT_TYPE" val="a"/>
-  <p:tag name="KSO_WM_UNIT_INDEX" val="1"/>
-  <p:tag name="KSO_WM_UNIT_ID" val="custom20230301_9*a*1"/>
-  <p:tag name="KSO_WM_TEMPLATE_CATEGORY" val="custom"/>
-  <p:tag name="KSO_WM_TEMPLATE_INDEX" val="20230301"/>
-  <p:tag name="KSO_WM_UNIT_LAYERLEVEL" val="1"/>
-  <p:tag name="KSO_WM_TAG_VERSION" val="3.0"/>
-  <p:tag name="KSO_WM_BEAUTIFY_FLAG" val="#wm#"/>
-  <p:tag name="KSO_WM_UNIT_CONTENT_GROUP_TYPE" val="contentchip"/>
-  <p:tag name="KSO_WM_UNIT_PRESET_TEXT" val="添加章节标题"/>
-  <p:tag name="KSO_WM_UNIT_TEXT_TYPE" val="1"/>
-</p:tagLst>
-</file>
-
-<file path=ppt/tags/tag346.xml><?xml version="1.0" encoding="utf-8"?>
-<p:tagLst xmlns:p="http://schemas.openxmlformats.org/presentationml/2006/main">
-  <p:tag name="KSO_WM_SPECIAL_SOURCE" val="bdnull"/>
-  <p:tag name="KSO_WM_SLIDE_ID" val="custom20230301_9"/>
-  <p:tag name="KSO_WM_TEMPLATE_SUBCATEGORY" val="29"/>
-  <p:tag name="KSO_WM_TEMPLATE_MASTER_TYPE" val="0"/>
-  <p:tag name="KSO_WM_TEMPLATE_COLOR_TYPE" val="0"/>
-  <p:tag name="KSO_WM_SLIDE_ITEM_CNT" val="0"/>
-  <p:tag name="KSO_WM_SLIDE_INDEX" val="9"/>
-  <p:tag name="KSO_WM_TAG_VERSION" val="3.0"/>
-  <p:tag name="KSO_WM_BEAUTIFY_FLAG" val="#wm#"/>
-  <p:tag name="KSO_WM_TEMPLATE_CATEGORY" val="custom"/>
-  <p:tag name="KSO_WM_TEMPLATE_INDEX" val="20230301"/>
-  <p:tag name="KSO_WM_SLIDE_LAYOUT" val="a_e"/>
-  <p:tag name="KSO_WM_SLIDE_LAYOUT_CNT" val="1_1"/>
-  <p:tag name="KSO_WM_SLIDE_TYPE" val="sectionTitle"/>
-  <p:tag name="KSO_WM_SLIDE_SUBTYPE" val="pureTxt"/>
-  <p:tag name="KSO_WM_SLIDE_CONTENT_AREA" val="{&quot;left&quot;:&quot;384.2182&quot;,&quot;top&quot;:&quot;108&quot;,&quot;width&quot;:&quot;547.3318&quot;,&quot;height&quot;:&quot;319.6&quot;}"/>
-</p:tagLst>
-</file>
-
-<file path=ppt/tags/tag347.xml><?xml version="1.0" encoding="utf-8"?>
+<file path=ppt/tags/tag338.xml><?xml version="1.0" encoding="utf-8"?>
 <p:tagLst xmlns:p="http://schemas.openxmlformats.org/presentationml/2006/main">
   <p:tag name="KSO_WM_UNIT_ISCONTENTSTITLE" val="0"/>
   <p:tag name="KSO_WM_UNIT_ISNUMDGMTITLE" val="0"/>
@@ -27893,7 +31032,7 @@
 </p:tagLst>
 </file>
 
-<file path=ppt/tags/tag348.xml><?xml version="1.0" encoding="utf-8"?>
+<file path=ppt/tags/tag339.xml><?xml version="1.0" encoding="utf-8"?>
 <p:tagLst xmlns:p="http://schemas.openxmlformats.org/presentationml/2006/main">
   <p:tag name="KSO_WM_DIAGRAM_VERSION" val="3"/>
   <p:tag name="KSO_WM_DIAGRAM_COLOR_TRICK" val="1"/>
@@ -27913,7 +31052,7 @@
   <p:tag name="KSO_WM_TAG_VERSION" val="3.0"/>
   <p:tag name="KSO_WM_DIAGRAM_MAX_ITEMCNT" val="4"/>
   <p:tag name="KSO_WM_DIAGRAM_MIN_ITEMCNT" val="2"/>
-  <p:tag name="KSO_WM_DIAGRAM_VIRTUALLY_FRAME" val="{&quot;height&quot;:365.1412658691406,&quot;width&quot;:812.9407348632812}"/>
+  <p:tag name="KSO_WM_DIAGRAM_VIRTUALLY_FRAME" val="{&quot;height&quot;:407.6722399232443,&quot;left&quot;:73.35057745024915,&quot;top&quot;:99.1591773995906,&quot;width&quot;:812.9407348632812}"/>
   <p:tag name="KSO_WM_DIAGRAM_COLOR_MATCH_VALUE" val="{&quot;shape&quot;:{&quot;fill&quot;:{&quot;solid&quot;:{&quot;brightness&quot;:0,&quot;colorType&quot;:1,&quot;foreColorIndex&quot;:5,&quot;transparency&quot;:0.5},&quot;type&quot;:1},&quot;glow&quot;:{&quot;colorType&quot;:0},&quot;line&quot;:{&quot;solidLine&quot;:{&quot;brightness&quot;:0.6000000238418579,&quot;colorType&quot;:1,&quot;foreColorIndex&quot;:13,&quot;transparency&quot;:0.800000011920929},&quot;type&quot;:1},&quot;shadow&quot;:{&quot;colorType&quot;:0},&quot;threeD&quot;:{&quot;curvedSurface&quot;:{&quot;brightness&quot;:0,&quot;colorType&quot;:2,&quot;rgb&quot;:&quot;#000000&quot;},&quot;depth&quot;:{&quot;colorType&quot;:0}}},&quot;text&quot;:{&quot;fill&quot;:{},&quot;glow&quot;:{},&quot;line&quot;:{},&quot;shadow&quot;:{},&quot;threeD&quot;:{}}}"/>
   <p:tag name="KSO_WM_UNIT_PICTURE_SUBTYPE" val="b"/>
   <p:tag name="KSO_WM_BEAUTIFY_FLAG" val="#wm#"/>
@@ -27925,7 +31064,20 @@
 </p:tagLst>
 </file>
 
-<file path=ppt/tags/tag349.xml><?xml version="1.0" encoding="utf-8"?>
+<file path=ppt/tags/tag34.xml><?xml version="1.0" encoding="utf-8"?>
+<p:tagLst xmlns:p="http://schemas.openxmlformats.org/presentationml/2006/main">
+  <p:tag name="KSO_WM_UNIT_HIGHLIGHT" val="0"/>
+  <p:tag name="KSO_WM_UNIT_COMPATIBLE" val="0"/>
+  <p:tag name="KSO_WM_UNIT_DIAGRAM_ISNUMVISUAL" val="0"/>
+  <p:tag name="KSO_WM_UNIT_DIAGRAM_ISREFERUNIT" val="0"/>
+  <p:tag name="KSO_WM_UNIT_ID" val="_7**"/>
+  <p:tag name="KSO_WM_UNIT_LAYERLEVEL" val="1"/>
+  <p:tag name="KSO_WM_TAG_VERSION" val="1.0"/>
+  <p:tag name="KSO_WM_BEAUTIFY_FLAG" val="#wm#"/>
+</p:tagLst>
+</file>
+
+<file path=ppt/tags/tag340.xml><?xml version="1.0" encoding="utf-8"?>
 <p:tagLst xmlns:p="http://schemas.openxmlformats.org/presentationml/2006/main">
   <p:tag name="KSO_WM_UNIT_SUBTYPE" val="a"/>
   <p:tag name="KSO_WM_UNIT_NOCLEAR" val="0"/>
@@ -27948,7 +31100,7 @@
   <p:tag name="KSO_WM_DIAGRAM_GROUP_CODE" val="l1-1"/>
   <p:tag name="KSO_WM_DIAGRAM_MAX_ITEMCNT" val="4"/>
   <p:tag name="KSO_WM_DIAGRAM_MIN_ITEMCNT" val="2"/>
-  <p:tag name="KSO_WM_DIAGRAM_VIRTUALLY_FRAME" val="{&quot;height&quot;:365.1412658691406,&quot;width&quot;:812.9407348632812}"/>
+  <p:tag name="KSO_WM_DIAGRAM_VIRTUALLY_FRAME" val="{&quot;height&quot;:407.6722399232443,&quot;left&quot;:73.35057745024915,&quot;top&quot;:99.1591773995906,&quot;width&quot;:812.9407348632812}"/>
   <p:tag name="KSO_WM_DIAGRAM_COLOR_MATCH_VALUE" val="{&quot;shape&quot;:{&quot;fill&quot;:{&quot;type&quot;:0},&quot;glow&quot;:{&quot;colorType&quot;:0},&quot;line&quot;:{&quot;type&quot;:0},&quot;shadow&quot;:{&quot;colorType&quot;:0},&quot;threeD&quot;:{&quot;curvedSurface&quot;:{&quot;brightness&quot;:0,&quot;colorType&quot;:2,&quot;rgb&quot;:&quot;#000000&quot;},&quot;depth&quot;:{&quot;colorType&quot;:0}}},&quot;text&quot;:{&quot;fill&quot;:{&quot;solid&quot;:{&quot;brightness&quot;:0.15000000596046448,&quot;colorType&quot;:1,&quot;foreColorIndex&quot;:13,&quot;transparency&quot;:0},&quot;type&quot;:1},&quot;glow&quot;:{&quot;colorType&quot;:0},&quot;line&quot;:{&quot;type&quot;:0},&quot;shadow&quot;:{&quot;colorType&quot;:0},&quot;threeD&quot;:{&quot;curvedSurface&quot;:{&quot;brightness&quot;:0,&quot;colorType&quot;:2,&quot;rgb&quot;:&quot;#000000&quot;},&quot;depth&quot;:{&quot;colorType&quot;:0}}}}"/>
   <p:tag name="KSO_WM_UNIT_TEXT_TYPE" val="1"/>
   <p:tag name="KSO_WM_UNIT_TEXT_LAYER_COUNT" val="1"/>
@@ -27959,20 +31111,7 @@
 </p:tagLst>
 </file>
 
-<file path=ppt/tags/tag35.xml><?xml version="1.0" encoding="utf-8"?>
-<p:tagLst xmlns:p="http://schemas.openxmlformats.org/presentationml/2006/main">
-  <p:tag name="KSO_WM_UNIT_HIGHLIGHT" val="0"/>
-  <p:tag name="KSO_WM_UNIT_COMPATIBLE" val="0"/>
-  <p:tag name="KSO_WM_UNIT_DIAGRAM_ISNUMVISUAL" val="0"/>
-  <p:tag name="KSO_WM_UNIT_DIAGRAM_ISREFERUNIT" val="0"/>
-  <p:tag name="KSO_WM_UNIT_ID" val="_7**"/>
-  <p:tag name="KSO_WM_UNIT_LAYERLEVEL" val="1"/>
-  <p:tag name="KSO_WM_TAG_VERSION" val="1.0"/>
-  <p:tag name="KSO_WM_BEAUTIFY_FLAG" val="#wm#"/>
-</p:tagLst>
-</file>
-
-<file path=ppt/tags/tag350.xml><?xml version="1.0" encoding="utf-8"?>
+<file path=ppt/tags/tag341.xml><?xml version="1.0" encoding="utf-8"?>
 <p:tagLst xmlns:p="http://schemas.openxmlformats.org/presentationml/2006/main">
   <p:tag name="KSO_WM_UNIT_ISCONTENTSTITLE" val="0"/>
   <p:tag name="KSO_WM_UNIT_ISNUMDGMTITLE" val="0"/>
@@ -27996,7 +31135,7 @@
   <p:tag name="KSO_WM_DIAGRAM_GROUP_CODE" val="l1-1"/>
   <p:tag name="KSO_WM_DIAGRAM_MAX_ITEMCNT" val="4"/>
   <p:tag name="KSO_WM_DIAGRAM_MIN_ITEMCNT" val="2"/>
-  <p:tag name="KSO_WM_DIAGRAM_VIRTUALLY_FRAME" val="{&quot;height&quot;:365.1412658691406,&quot;width&quot;:812.9407348632812}"/>
+  <p:tag name="KSO_WM_DIAGRAM_VIRTUALLY_FRAME" val="{&quot;height&quot;:407.6722399232443,&quot;left&quot;:73.35057745024915,&quot;top&quot;:99.1591773995906,&quot;width&quot;:812.9407348632812}"/>
   <p:tag name="KSO_WM_DIAGRAM_COLOR_MATCH_VALUE" val="{&quot;shape&quot;:{&quot;fill&quot;:{&quot;type&quot;:0},&quot;glow&quot;:{&quot;colorType&quot;:0},&quot;line&quot;:{&quot;type&quot;:0},&quot;shadow&quot;:{&quot;colorType&quot;:0},&quot;threeD&quot;:{&quot;curvedSurface&quot;:{&quot;brightness&quot;:0,&quot;colorType&quot;:2,&quot;rgb&quot;:&quot;#000000&quot;},&quot;depth&quot;:{&quot;colorType&quot;:0}}},&quot;text&quot;:{&quot;fill&quot;:{&quot;solid&quot;:{&quot;brightness&quot;:0,&quot;colorType&quot;:1,&quot;foreColorIndex&quot;:5,&quot;transparency&quot;:0},&quot;type&quot;:1},&quot;glow&quot;:{&quot;colorType&quot;:0},&quot;line&quot;:{&quot;type&quot;:0},&quot;shadow&quot;:{&quot;colorType&quot;:0},&quot;threeD&quot;:{&quot;curvedSurface&quot;:{&quot;brightness&quot;:0,&quot;colorType&quot;:2,&quot;rgb&quot;:&quot;#000000&quot;},&quot;depth&quot;:{&quot;colorType&quot;:0}}}}"/>
   <p:tag name="KSO_WM_UNIT_TEXT_TYPE" val="1"/>
   <p:tag name="KSO_WM_BEAUTIFY_FLAG" val="#wm#"/>
@@ -28006,7 +31145,121 @@
 </p:tagLst>
 </file>
 
-<file path=ppt/tags/tag351.xml><?xml version="1.0" encoding="utf-8"?>
+<file path=ppt/tags/tag342.xml><?xml version="1.0" encoding="utf-8"?>
+<p:tagLst xmlns:p="http://schemas.openxmlformats.org/presentationml/2006/main">
+  <p:tag name="KSO_WM_UNIT_SUBTYPE" val="a"/>
+  <p:tag name="KSO_WM_UNIT_NOCLEAR" val="0"/>
+  <p:tag name="KSO_WM_UNIT_VALUE" val="60"/>
+  <p:tag name="KSO_WM_UNIT_HIGHLIGHT" val="0"/>
+  <p:tag name="KSO_WM_UNIT_COMPATIBLE" val="0"/>
+  <p:tag name="KSO_WM_UNIT_DIAGRAM_ISNUMVISUAL" val="0"/>
+  <p:tag name="KSO_WM_UNIT_DIAGRAM_ISREFERUNIT" val="0"/>
+  <p:tag name="KSO_WM_UNIT_TYPE" val="l_h_f"/>
+  <p:tag name="KSO_WM_UNIT_INDEX" val="1_1_1"/>
+  <p:tag name="KSO_WM_UNIT_ID" val="diagram20233147_1*l_h_f*1_1_1"/>
+  <p:tag name="KSO_WM_TEMPLATE_CATEGORY" val="diagram"/>
+  <p:tag name="KSO_WM_TEMPLATE_INDEX" val="20233147"/>
+  <p:tag name="KSO_WM_UNIT_LAYERLEVEL" val="1_1_1"/>
+  <p:tag name="KSO_WM_TAG_VERSION" val="3.0"/>
+  <p:tag name="KSO_WM_UNIT_TEXT_FILL_FORE_SCHEMECOLOR_INDEX_BRIGHTNESS" val="0.15"/>
+  <p:tag name="KSO_WM_DIAGRAM_VERSION" val="3"/>
+  <p:tag name="KSO_WM_DIAGRAM_COLOR_TRICK" val="1"/>
+  <p:tag name="KSO_WM_DIAGRAM_COLOR_TEXT_CAN_REMOVE" val="n"/>
+  <p:tag name="KSO_WM_DIAGRAM_GROUP_CODE" val="l1-1"/>
+  <p:tag name="KSO_WM_DIAGRAM_MAX_ITEMCNT" val="4"/>
+  <p:tag name="KSO_WM_DIAGRAM_MIN_ITEMCNT" val="2"/>
+  <p:tag name="KSO_WM_DIAGRAM_VIRTUALLY_FRAME" val="{&quot;height&quot;:407.6722399232443,&quot;left&quot;:73.35057745024915,&quot;top&quot;:99.1591773995906,&quot;width&quot;:812.9407348632812}"/>
+  <p:tag name="KSO_WM_DIAGRAM_COLOR_MATCH_VALUE" val="{&quot;shape&quot;:{&quot;fill&quot;:{&quot;type&quot;:0},&quot;glow&quot;:{&quot;colorType&quot;:0},&quot;line&quot;:{&quot;type&quot;:0},&quot;shadow&quot;:{&quot;colorType&quot;:0},&quot;threeD&quot;:{&quot;curvedSurface&quot;:{&quot;brightness&quot;:0,&quot;colorType&quot;:2,&quot;rgb&quot;:&quot;#000000&quot;},&quot;depth&quot;:{&quot;colorType&quot;:0}}},&quot;text&quot;:{&quot;fill&quot;:{&quot;solid&quot;:{&quot;brightness&quot;:0.15000000596046448,&quot;colorType&quot;:1,&quot;foreColorIndex&quot;:13,&quot;transparency&quot;:0},&quot;type&quot;:1},&quot;glow&quot;:{&quot;colorType&quot;:0},&quot;line&quot;:{&quot;type&quot;:0},&quot;shadow&quot;:{&quot;colorType&quot;:0},&quot;threeD&quot;:{&quot;curvedSurface&quot;:{&quot;brightness&quot;:0,&quot;colorType&quot;:2,&quot;rgb&quot;:&quot;#000000&quot;},&quot;depth&quot;:{&quot;colorType&quot;:0}}}}"/>
+  <p:tag name="KSO_WM_UNIT_TEXT_TYPE" val="1"/>
+  <p:tag name="KSO_WM_UNIT_TEXT_LAYER_COUNT" val="1"/>
+  <p:tag name="KSO_WM_UNIT_PRESET_TEXT" val="单击添加文本内容，简明扼要地阐述您的观点。根据需要可酌情增减文字"/>
+  <p:tag name="KSO_WM_UNIT_TEXT_FILL_FORE_SCHEMECOLOR_INDEX" val="1"/>
+  <p:tag name="KSO_WM_UNIT_TEXT_FILL_TYPE" val="1"/>
+</p:tagLst>
+</file>
+
+<file path=ppt/tags/tag343.xml><?xml version="1.0" encoding="utf-8"?>
+<p:tagLst xmlns:p="http://schemas.openxmlformats.org/presentationml/2006/main">
+  <p:tag name="KSO_WM_UNIT_ISCONTENTSTITLE" val="0"/>
+  <p:tag name="KSO_WM_UNIT_ISNUMDGMTITLE" val="0"/>
+  <p:tag name="KSO_WM_UNIT_NOCLEAR" val="0"/>
+  <p:tag name="KSO_WM_UNIT_VALUE" val="10"/>
+  <p:tag name="KSO_WM_UNIT_HIGHLIGHT" val="0"/>
+  <p:tag name="KSO_WM_UNIT_COMPATIBLE" val="0"/>
+  <p:tag name="KSO_WM_UNIT_DIAGRAM_ISNUMVISUAL" val="0"/>
+  <p:tag name="KSO_WM_UNIT_DIAGRAM_ISREFERUNIT" val="0"/>
+  <p:tag name="KSO_WM_UNIT_TYPE" val="l_h_a"/>
+  <p:tag name="KSO_WM_UNIT_INDEX" val="1_1_1"/>
+  <p:tag name="KSO_WM_UNIT_ID" val="diagram20233147_1*l_h_a*1_1_1"/>
+  <p:tag name="KSO_WM_TEMPLATE_CATEGORY" val="diagram"/>
+  <p:tag name="KSO_WM_TEMPLATE_INDEX" val="20233147"/>
+  <p:tag name="KSO_WM_UNIT_LAYERLEVEL" val="1_1_1"/>
+  <p:tag name="KSO_WM_TAG_VERSION" val="3.0"/>
+  <p:tag name="KSO_WM_UNIT_TEXT_FILL_FORE_SCHEMECOLOR_INDEX_BRIGHTNESS" val="0.15"/>
+  <p:tag name="KSO_WM_DIAGRAM_VERSION" val="3"/>
+  <p:tag name="KSO_WM_DIAGRAM_COLOR_TRICK" val="1"/>
+  <p:tag name="KSO_WM_DIAGRAM_COLOR_TEXT_CAN_REMOVE" val="n"/>
+  <p:tag name="KSO_WM_DIAGRAM_GROUP_CODE" val="l1-1"/>
+  <p:tag name="KSO_WM_DIAGRAM_MAX_ITEMCNT" val="4"/>
+  <p:tag name="KSO_WM_DIAGRAM_MIN_ITEMCNT" val="2"/>
+  <p:tag name="KSO_WM_DIAGRAM_VIRTUALLY_FRAME" val="{&quot;height&quot;:407.6722399232443,&quot;left&quot;:73.35057745024915,&quot;top&quot;:99.1591773995906,&quot;width&quot;:812.9407348632812}"/>
+  <p:tag name="KSO_WM_DIAGRAM_COLOR_MATCH_VALUE" val="{&quot;shape&quot;:{&quot;fill&quot;:{&quot;type&quot;:0},&quot;glow&quot;:{&quot;colorType&quot;:0},&quot;line&quot;:{&quot;type&quot;:0},&quot;shadow&quot;:{&quot;colorType&quot;:0},&quot;threeD&quot;:{&quot;curvedSurface&quot;:{&quot;brightness&quot;:0,&quot;colorType&quot;:2,&quot;rgb&quot;:&quot;#000000&quot;},&quot;depth&quot;:{&quot;colorType&quot;:0}}},&quot;text&quot;:{&quot;fill&quot;:{&quot;solid&quot;:{&quot;brightness&quot;:0,&quot;colorType&quot;:1,&quot;foreColorIndex&quot;:5,&quot;transparency&quot;:0},&quot;type&quot;:1},&quot;glow&quot;:{&quot;colorType&quot;:0},&quot;line&quot;:{&quot;type&quot;:0},&quot;shadow&quot;:{&quot;colorType&quot;:0},&quot;threeD&quot;:{&quot;curvedSurface&quot;:{&quot;brightness&quot;:0,&quot;colorType&quot;:2,&quot;rgb&quot;:&quot;#000000&quot;},&quot;depth&quot;:{&quot;colorType&quot;:0}}}}"/>
+  <p:tag name="KSO_WM_UNIT_TEXT_TYPE" val="1"/>
+  <p:tag name="KSO_WM_UNIT_PRESET_TEXT" val="添加标题"/>
+  <p:tag name="KSO_WM_UNIT_TEXT_FILL_FORE_SCHEMECOLOR_INDEX" val="1"/>
+  <p:tag name="KSO_WM_UNIT_TEXT_FILL_TYPE" val="1"/>
+</p:tagLst>
+</file>
+
+<file path=ppt/tags/tag344.xml><?xml version="1.0" encoding="utf-8"?>
+<p:tagLst xmlns:p="http://schemas.openxmlformats.org/presentationml/2006/main">
+  <p:tag name="KSO_WM_SLIDE_ID" val="diagram20233147_3"/>
+  <p:tag name="KSO_WM_TEMPLATE_SUBCATEGORY" val="0"/>
+  <p:tag name="KSO_WM_TEMPLATE_MASTER_TYPE" val="0"/>
+  <p:tag name="KSO_WM_TEMPLATE_COLOR_TYPE" val="0"/>
+  <p:tag name="KSO_WM_SLIDE_ITEM_CNT" val="4"/>
+  <p:tag name="KSO_WM_SLIDE_INDEX" val="3"/>
+  <p:tag name="KSO_WM_TAG_VERSION" val="3.0"/>
+  <p:tag name="KSO_WM_BEAUTIFY_FLAG" val="#wm#"/>
+  <p:tag name="KSO_WM_TEMPLATE_CATEGORY" val="diagram"/>
+  <p:tag name="KSO_WM_TEMPLATE_INDEX" val="20233147"/>
+  <p:tag name="KSO_WM_SLIDE_TYPE" val="text"/>
+  <p:tag name="KSO_WM_SLIDE_SUBTYPE" val="diag"/>
+  <p:tag name="KSO_WM_SLIDE_SIZE" val="812.941*336.878"/>
+  <p:tag name="KSO_WM_SLIDE_POSITION" val="73.3256*155.822"/>
+  <p:tag name="KSO_WM_SLIDE_LAYOUT" val="a_l"/>
+  <p:tag name="KSO_WM_SLIDE_LAYOUT_CNT" val="1_1"/>
+  <p:tag name="KSO_WM_SPECIAL_SOURCE" val="bdnull"/>
+  <p:tag name="KSO_WM_DIAGRAM_GROUP_CODE" val="l1-1"/>
+  <p:tag name="KSO_WM_SLIDE_DIAGTYPE" val="l"/>
+</p:tagLst>
+</file>
+
+<file path=ppt/tags/tag345.xml><?xml version="1.0" encoding="utf-8"?>
+<p:tagLst xmlns:p="http://schemas.openxmlformats.org/presentationml/2006/main">
+  <p:tag name="KSO_WM_UNIT_ISCONTENTSTITLE" val="0"/>
+  <p:tag name="KSO_WM_UNIT_ISNUMDGMTITLE" val="0"/>
+  <p:tag name="KSO_WM_UNIT_NOCLEAR" val="0"/>
+  <p:tag name="KSO_WM_UNIT_VALUE" val="30"/>
+  <p:tag name="KSO_WM_UNIT_HIGHLIGHT" val="0"/>
+  <p:tag name="KSO_WM_UNIT_COMPATIBLE" val="0"/>
+  <p:tag name="KSO_WM_UNIT_DIAGRAM_ISNUMVISUAL" val="0"/>
+  <p:tag name="KSO_WM_UNIT_DIAGRAM_ISREFERUNIT" val="0"/>
+  <p:tag name="KSO_WM_DIAGRAM_GROUP_CODE" val="l1-1"/>
+  <p:tag name="KSO_WM_UNIT_TYPE" val="a"/>
+  <p:tag name="KSO_WM_UNIT_INDEX" val="1"/>
+  <p:tag name="KSO_WM_UNIT_ID" val="diagram20233147_3*a*1"/>
+  <p:tag name="KSO_WM_TEMPLATE_CATEGORY" val="diagram"/>
+  <p:tag name="KSO_WM_TEMPLATE_INDEX" val="20233147"/>
+  <p:tag name="KSO_WM_UNIT_LAYERLEVEL" val="1"/>
+  <p:tag name="KSO_WM_TAG_VERSION" val="3.0"/>
+  <p:tag name="KSO_WM_BEAUTIFY_FLAG" val="#wm#"/>
+  <p:tag name="KSO_WM_UNIT_TEXT_TYPE" val="1"/>
+  <p:tag name="KSO_WM_UNIT_PRESET_TEXT" val="单击此处添加标题"/>
+</p:tagLst>
+</file>
+
+<file path=ppt/tags/tag346.xml><?xml version="1.0" encoding="utf-8"?>
 <p:tagLst xmlns:p="http://schemas.openxmlformats.org/presentationml/2006/main">
   <p:tag name="KSO_WM_DIAGRAM_VERSION" val="3"/>
   <p:tag name="KSO_WM_DIAGRAM_COLOR_TRICK" val="1"/>
@@ -28026,7 +31279,7 @@
   <p:tag name="KSO_WM_TAG_VERSION" val="3.0"/>
   <p:tag name="KSO_WM_DIAGRAM_MAX_ITEMCNT" val="4"/>
   <p:tag name="KSO_WM_DIAGRAM_MIN_ITEMCNT" val="2"/>
-  <p:tag name="KSO_WM_DIAGRAM_VIRTUALLY_FRAME" val="{&quot;height&quot;:365.1412658691406,&quot;width&quot;:812.9407348632812}"/>
+  <p:tag name="KSO_WM_DIAGRAM_VIRTUALLY_FRAME" val="{&quot;height&quot;:396.39133858267735,&quot;left&quot;:73.35057745024915,&quot;top&quot;:110.44007874015745,&quot;width&quot;:812.9407348632812}"/>
   <p:tag name="KSO_WM_DIAGRAM_COLOR_MATCH_VALUE" val="{&quot;shape&quot;:{&quot;fill&quot;:{&quot;solid&quot;:{&quot;brightness&quot;:0,&quot;colorType&quot;:1,&quot;foreColorIndex&quot;:5,&quot;transparency&quot;:0.5},&quot;type&quot;:1},&quot;glow&quot;:{&quot;colorType&quot;:0},&quot;line&quot;:{&quot;solidLine&quot;:{&quot;brightness&quot;:0.6000000238418579,&quot;colorType&quot;:1,&quot;foreColorIndex&quot;:13,&quot;transparency&quot;:0.800000011920929},&quot;type&quot;:1},&quot;shadow&quot;:{&quot;colorType&quot;:0},&quot;threeD&quot;:{&quot;curvedSurface&quot;:{&quot;brightness&quot;:0,&quot;colorType&quot;:2,&quot;rgb&quot;:&quot;#000000&quot;},&quot;depth&quot;:{&quot;colorType&quot;:0}}},&quot;text&quot;:{&quot;fill&quot;:{},&quot;glow&quot;:{},&quot;line&quot;:{},&quot;shadow&quot;:{},&quot;threeD&quot;:{}}}"/>
   <p:tag name="KSO_WM_UNIT_PICTURE_SUBTYPE" val="b"/>
   <p:tag name="KSO_WM_BEAUTIFY_FLAG" val="#wm#"/>
@@ -28038,7 +31291,7 @@
 </p:tagLst>
 </file>
 
-<file path=ppt/tags/tag352.xml><?xml version="1.0" encoding="utf-8"?>
+<file path=ppt/tags/tag347.xml><?xml version="1.0" encoding="utf-8"?>
 <p:tagLst xmlns:p="http://schemas.openxmlformats.org/presentationml/2006/main">
   <p:tag name="KSO_WM_UNIT_SUBTYPE" val="a"/>
   <p:tag name="KSO_WM_UNIT_NOCLEAR" val="0"/>
@@ -28061,7 +31314,7 @@
   <p:tag name="KSO_WM_DIAGRAM_GROUP_CODE" val="l1-1"/>
   <p:tag name="KSO_WM_DIAGRAM_MAX_ITEMCNT" val="4"/>
   <p:tag name="KSO_WM_DIAGRAM_MIN_ITEMCNT" val="2"/>
-  <p:tag name="KSO_WM_DIAGRAM_VIRTUALLY_FRAME" val="{&quot;height&quot;:365.1412658691406,&quot;width&quot;:812.9407348632812}"/>
+  <p:tag name="KSO_WM_DIAGRAM_VIRTUALLY_FRAME" val="{&quot;height&quot;:396.39133858267735,&quot;left&quot;:73.35057745024915,&quot;top&quot;:110.44007874015745,&quot;width&quot;:812.9407348632812}"/>
   <p:tag name="KSO_WM_DIAGRAM_COLOR_MATCH_VALUE" val="{&quot;shape&quot;:{&quot;fill&quot;:{&quot;type&quot;:0},&quot;glow&quot;:{&quot;colorType&quot;:0},&quot;line&quot;:{&quot;type&quot;:0},&quot;shadow&quot;:{&quot;colorType&quot;:0},&quot;threeD&quot;:{&quot;curvedSurface&quot;:{&quot;brightness&quot;:0,&quot;colorType&quot;:2,&quot;rgb&quot;:&quot;#000000&quot;},&quot;depth&quot;:{&quot;colorType&quot;:0}}},&quot;text&quot;:{&quot;fill&quot;:{&quot;solid&quot;:{&quot;brightness&quot;:0.15000000596046448,&quot;colorType&quot;:1,&quot;foreColorIndex&quot;:13,&quot;transparency&quot;:0},&quot;type&quot;:1},&quot;glow&quot;:{&quot;colorType&quot;:0},&quot;line&quot;:{&quot;type&quot;:0},&quot;shadow&quot;:{&quot;colorType&quot;:0},&quot;threeD&quot;:{&quot;curvedSurface&quot;:{&quot;brightness&quot;:0,&quot;colorType&quot;:2,&quot;rgb&quot;:&quot;#000000&quot;},&quot;depth&quot;:{&quot;colorType&quot;:0}}}}"/>
   <p:tag name="KSO_WM_UNIT_TEXT_TYPE" val="1"/>
   <p:tag name="KSO_WM_UNIT_TEXT_LAYER_COUNT" val="1"/>
@@ -28072,7 +31325,7 @@
 </p:tagLst>
 </file>
 
-<file path=ppt/tags/tag353.xml><?xml version="1.0" encoding="utf-8"?>
+<file path=ppt/tags/tag348.xml><?xml version="1.0" encoding="utf-8"?>
 <p:tagLst xmlns:p="http://schemas.openxmlformats.org/presentationml/2006/main">
   <p:tag name="KSO_WM_UNIT_ISCONTENTSTITLE" val="0"/>
   <p:tag name="KSO_WM_UNIT_ISNUMDGMTITLE" val="0"/>
@@ -28096,7 +31349,7 @@
   <p:tag name="KSO_WM_DIAGRAM_GROUP_CODE" val="l1-1"/>
   <p:tag name="KSO_WM_DIAGRAM_MAX_ITEMCNT" val="4"/>
   <p:tag name="KSO_WM_DIAGRAM_MIN_ITEMCNT" val="2"/>
-  <p:tag name="KSO_WM_DIAGRAM_VIRTUALLY_FRAME" val="{&quot;height&quot;:365.1412658691406,&quot;width&quot;:812.9407348632812}"/>
+  <p:tag name="KSO_WM_DIAGRAM_VIRTUALLY_FRAME" val="{&quot;height&quot;:396.39133858267735,&quot;left&quot;:73.35057745024915,&quot;top&quot;:110.44007874015745,&quot;width&quot;:812.9407348632812}"/>
   <p:tag name="KSO_WM_DIAGRAM_COLOR_MATCH_VALUE" val="{&quot;shape&quot;:{&quot;fill&quot;:{&quot;type&quot;:0},&quot;glow&quot;:{&quot;colorType&quot;:0},&quot;line&quot;:{&quot;type&quot;:0},&quot;shadow&quot;:{&quot;colorType&quot;:0},&quot;threeD&quot;:{&quot;curvedSurface&quot;:{&quot;brightness&quot;:0,&quot;colorType&quot;:2,&quot;rgb&quot;:&quot;#000000&quot;},&quot;depth&quot;:{&quot;colorType&quot;:0}}},&quot;text&quot;:{&quot;fill&quot;:{&quot;solid&quot;:{&quot;brightness&quot;:0,&quot;colorType&quot;:1,&quot;foreColorIndex&quot;:5,&quot;transparency&quot;:0},&quot;type&quot;:1},&quot;glow&quot;:{&quot;colorType&quot;:0},&quot;line&quot;:{&quot;type&quot;:0},&quot;shadow&quot;:{&quot;colorType&quot;:0},&quot;threeD&quot;:{&quot;curvedSurface&quot;:{&quot;brightness&quot;:0,&quot;colorType&quot;:2,&quot;rgb&quot;:&quot;#000000&quot;},&quot;depth&quot;:{&quot;colorType&quot;:0}}}}"/>
   <p:tag name="KSO_WM_UNIT_TEXT_TYPE" val="1"/>
   <p:tag name="KSO_WM_BEAUTIFY_FLAG" val="#wm#"/>
@@ -28106,7 +31359,7 @@
 </p:tagLst>
 </file>
 
-<file path=ppt/tags/tag354.xml><?xml version="1.0" encoding="utf-8"?>
+<file path=ppt/tags/tag349.xml><?xml version="1.0" encoding="utf-8"?>
 <p:tagLst xmlns:p="http://schemas.openxmlformats.org/presentationml/2006/main">
   <p:tag name="KSO_WM_SLIDE_ID" val="diagram20233147_3"/>
   <p:tag name="KSO_WM_TEMPLATE_SUBCATEGORY" val="0"/>
@@ -28130,7 +31383,20 @@
 </p:tagLst>
 </file>
 
-<file path=ppt/tags/tag355.xml><?xml version="1.0" encoding="utf-8"?>
+<file path=ppt/tags/tag35.xml><?xml version="1.0" encoding="utf-8"?>
+<p:tagLst xmlns:p="http://schemas.openxmlformats.org/presentationml/2006/main">
+  <p:tag name="KSO_WM_UNIT_HIGHLIGHT" val="0"/>
+  <p:tag name="KSO_WM_UNIT_COMPATIBLE" val="0"/>
+  <p:tag name="KSO_WM_UNIT_DIAGRAM_ISNUMVISUAL" val="0"/>
+  <p:tag name="KSO_WM_UNIT_DIAGRAM_ISREFERUNIT" val="0"/>
+  <p:tag name="KSO_WM_UNIT_ID" val="_7**"/>
+  <p:tag name="KSO_WM_UNIT_LAYERLEVEL" val="1"/>
+  <p:tag name="KSO_WM_TAG_VERSION" val="1.0"/>
+  <p:tag name="KSO_WM_BEAUTIFY_FLAG" val="#wm#"/>
+</p:tagLst>
+</file>
+
+<file path=ppt/tags/tag350.xml><?xml version="1.0" encoding="utf-8"?>
 <p:tagLst xmlns:p="http://schemas.openxmlformats.org/presentationml/2006/main">
   <p:tag name="KSO_WM_UNIT_NOCLEAR" val="0"/>
   <p:tag name="KSO_WM_UNIT_VALUE" val="6"/>
@@ -28150,7 +31416,7 @@
 </p:tagLst>
 </file>
 
-<file path=ppt/tags/tag356.xml><?xml version="1.0" encoding="utf-8"?>
+<file path=ppt/tags/tag351.xml><?xml version="1.0" encoding="utf-8"?>
 <p:tagLst xmlns:p="http://schemas.openxmlformats.org/presentationml/2006/main">
   <p:tag name="KSO_WM_UNIT_ISCONTENTSTITLE" val="0"/>
   <p:tag name="KSO_WM_UNIT_ISNUMDGMTITLE" val="0"/>
@@ -28174,7 +31440,7 @@
 </p:tagLst>
 </file>
 
-<file path=ppt/tags/tag357.xml><?xml version="1.0" encoding="utf-8"?>
+<file path=ppt/tags/tag352.xml><?xml version="1.0" encoding="utf-8"?>
 <p:tagLst xmlns:p="http://schemas.openxmlformats.org/presentationml/2006/main">
   <p:tag name="KSO_WM_SPECIAL_SOURCE" val="bdnull"/>
   <p:tag name="KSO_WM_SLIDE_ID" val="custom20230301_9"/>
@@ -28195,7 +31461,7 @@
 </p:tagLst>
 </file>
 
-<file path=ppt/tags/tag358.xml><?xml version="1.0" encoding="utf-8"?>
+<file path=ppt/tags/tag353.xml><?xml version="1.0" encoding="utf-8"?>
 <p:tagLst xmlns:p="http://schemas.openxmlformats.org/presentationml/2006/main">
   <p:tag name="KSO_WM_UNIT_VALUE" val="952*3384"/>
   <p:tag name="KSO_WM_UNIT_HIGHLIGHT" val="0"/>
@@ -28219,7 +31485,7 @@
 </p:tagLst>
 </file>
 
-<file path=ppt/tags/tag359.xml><?xml version="1.0" encoding="utf-8"?>
+<file path=ppt/tags/tag354.xml><?xml version="1.0" encoding="utf-8"?>
 <p:tagLst xmlns:p="http://schemas.openxmlformats.org/presentationml/2006/main">
   <p:tag name="KSO_WM_BEAUTIFY_FLAG" val="#wm#"/>
   <p:tag name="KSO_WM_UNIT_HIGHLIGHT" val="0"/>
@@ -28245,45 +31511,7 @@
 </p:tagLst>
 </file>
 
-<file path=ppt/tags/tag36.xml><?xml version="1.0" encoding="utf-8"?>
-<p:tagLst xmlns:p="http://schemas.openxmlformats.org/presentationml/2006/main">
-  <p:tag name="KSO_WM_UNIT_HIGHLIGHT" val="0"/>
-  <p:tag name="KSO_WM_UNIT_COMPATIBLE" val="0"/>
-  <p:tag name="KSO_WM_UNIT_DIAGRAM_ISNUMVISUAL" val="0"/>
-  <p:tag name="KSO_WM_UNIT_DIAGRAM_ISREFERUNIT" val="0"/>
-  <p:tag name="KSO_WM_UNIT_ID" val="_7**"/>
-  <p:tag name="KSO_WM_UNIT_LAYERLEVEL" val="1"/>
-  <p:tag name="KSO_WM_TAG_VERSION" val="1.0"/>
-  <p:tag name="KSO_WM_BEAUTIFY_FLAG" val="#wm#"/>
-</p:tagLst>
-</file>
-
-<file path=ppt/tags/tag360.xml><?xml version="1.0" encoding="utf-8"?>
-<p:tagLst xmlns:p="http://schemas.openxmlformats.org/presentationml/2006/main">
-  <p:tag name="KSO_WM_UNIT_ISCONTENTSTITLE" val="0"/>
-  <p:tag name="KSO_WM_UNIT_ISNUMDGMTITLE" val="0"/>
-  <p:tag name="KSO_WM_UNIT_NOCLEAR" val="0"/>
-  <p:tag name="KSO_WM_UNIT_VALUE" val="30"/>
-  <p:tag name="KSO_WM_UNIT_HIGHLIGHT" val="0"/>
-  <p:tag name="KSO_WM_UNIT_COMPATIBLE" val="0"/>
-  <p:tag name="KSO_WM_UNIT_DIAGRAM_ISNUMVISUAL" val="0"/>
-  <p:tag name="KSO_WM_UNIT_DIAGRAM_ISREFERUNIT" val="0"/>
-  <p:tag name="KSO_WM_UNIT_TYPE" val="a"/>
-  <p:tag name="KSO_WM_UNIT_INDEX" val="1"/>
-  <p:tag name="KSO_WM_UNIT_ID" val="custom20232484_1*a*1"/>
-  <p:tag name="KSO_WM_TEMPLATE_CATEGORY" val="custom"/>
-  <p:tag name="KSO_WM_TEMPLATE_INDEX" val="20232484"/>
-  <p:tag name="KSO_WM_UNIT_LAYERLEVEL" val="1"/>
-  <p:tag name="KSO_WM_TAG_VERSION" val="3.0"/>
-  <p:tag name="KSO_WM_BEAUTIFY_FLAG" val="#wm#"/>
-  <p:tag name="KSO_WM_DIAGRAM_GROUP_CODE" val="l1-1"/>
-  <p:tag name="KSO_WM_UNIT_USESOURCEFORMAT_APPLY" val="1"/>
-  <p:tag name="KSO_WM_UNIT_PRESET_TEXT" val="单击此处添加标题"/>
-  <p:tag name="KSO_WM_UNIT_TEXT_TYPE" val="1"/>
-</p:tagLst>
-</file>
-
-<file path=ppt/tags/tag361.xml><?xml version="1.0" encoding="utf-8"?>
+<file path=ppt/tags/tag355.xml><?xml version="1.0" encoding="utf-8"?>
 <p:tagLst xmlns:p="http://schemas.openxmlformats.org/presentationml/2006/main">
   <p:tag name="KSO_WM_DIAGRAM_VERSION" val="3"/>
   <p:tag name="KSO_WM_DIAGRAM_COLOR_TRICK" val="1"/>
@@ -28306,7 +31534,7 @@
   <p:tag name="KSO_WM_BEAUTIFY_FLAG" val="#wm#"/>
   <p:tag name="KSO_WM_DIAGRAM_MAX_ITEMCNT" val="3"/>
   <p:tag name="KSO_WM_DIAGRAM_MIN_ITEMCNT" val="1"/>
-  <p:tag name="KSO_WM_DIAGRAM_VIRTUALLY_FRAME" val="{&quot;height&quot;:132.14999389648438,&quot;width&quot;:746}"/>
+  <p:tag name="KSO_WM_DIAGRAM_VIRTUALLY_FRAME" val="{&quot;height&quot;:132.6,&quot;left&quot;:220.95,&quot;top&quot;:290.45007874015744,&quot;width&quot;:746}"/>
   <p:tag name="KSO_WM_DIAGRAM_COLOR_MATCH_VALUE" val="{&quot;shape&quot;:{&quot;fill&quot;:{&quot;type&quot;:0},&quot;glow&quot;:{&quot;colorType&quot;:0},&quot;line&quot;:{&quot;type&quot;:0},&quot;shadow&quot;:{&quot;colorType&quot;:0},&quot;threeD&quot;:{&quot;curvedSurface&quot;:{&quot;brightness&quot;:0,&quot;colorType&quot;:2,&quot;rgb&quot;:&quot;#000000&quot;},&quot;depth&quot;:{&quot;colorType&quot;:0}}},&quot;text&quot;:{&quot;fill&quot;:{&quot;solid&quot;:{&quot;brightness&quot;:0,&quot;colorType&quot;:2,&quot;rgb&quot;:&quot;#000000&quot;,&quot;transparency&quot;:0},&quot;type&quot;:1},&quot;glow&quot;:{&quot;colorType&quot;:0},&quot;line&quot;:{&quot;type&quot;:0},&quot;shadow&quot;:{&quot;colorType&quot;:0},&quot;threeD&quot;:{&quot;curvedSurface&quot;:{&quot;brightness&quot;:0,&quot;colorType&quot;:2,&quot;rgb&quot;:&quot;#000000&quot;},&quot;depth&quot;:{&quot;colorType&quot;:0}}}}"/>
   <p:tag name="KSO_WM_UNIT_TEXT_FILL_TYPE" val="1"/>
   <p:tag name="KSO_WM_UNIT_TEXT_TYPE" val="1"/>
@@ -28315,7 +31543,7 @@
 </p:tagLst>
 </file>
 
-<file path=ppt/tags/tag362.xml><?xml version="1.0" encoding="utf-8"?>
+<file path=ppt/tags/tag356.xml><?xml version="1.0" encoding="utf-8"?>
 <p:tagLst xmlns:p="http://schemas.openxmlformats.org/presentationml/2006/main">
   <p:tag name="KSO_WM_DIAGRAM_VERSION" val="3"/>
   <p:tag name="KSO_WM_DIAGRAM_COLOR_TRICK" val="1"/>
@@ -28339,7 +31567,7 @@
   <p:tag name="KSO_WM_BEAUTIFY_FLAG" val="#wm#"/>
   <p:tag name="KSO_WM_DIAGRAM_MAX_ITEMCNT" val="3"/>
   <p:tag name="KSO_WM_DIAGRAM_MIN_ITEMCNT" val="1"/>
-  <p:tag name="KSO_WM_DIAGRAM_VIRTUALLY_FRAME" val="{&quot;height&quot;:132.14999389648438,&quot;width&quot;:746}"/>
+  <p:tag name="KSO_WM_DIAGRAM_VIRTUALLY_FRAME" val="{&quot;height&quot;:132.6,&quot;left&quot;:220.95,&quot;top&quot;:290.45007874015744,&quot;width&quot;:746}"/>
   <p:tag name="KSO_WM_DIAGRAM_COLOR_MATCH_VALUE" val="{&quot;shape&quot;:{&quot;fill&quot;:{&quot;type&quot;:0},&quot;glow&quot;:{&quot;colorType&quot;:0},&quot;line&quot;:{&quot;type&quot;:0},&quot;shadow&quot;:{&quot;colorType&quot;:0},&quot;threeD&quot;:{&quot;curvedSurface&quot;:{&quot;brightness&quot;:0,&quot;colorType&quot;:2,&quot;rgb&quot;:&quot;#000000&quot;},&quot;depth&quot;:{&quot;colorType&quot;:0}}},&quot;text&quot;:{&quot;fill&quot;:{&quot;solid&quot;:{&quot;brightness&quot;:0,&quot;colorType&quot;:1,&quot;foreColorIndex&quot;:5,&quot;transparency&quot;:0},&quot;type&quot;:1},&quot;glow&quot;:{&quot;colorType&quot;:0},&quot;line&quot;:{&quot;type&quot;:0},&quot;shadow&quot;:{&quot;colorType&quot;:0},&quot;threeD&quot;:{&quot;curvedSurface&quot;:{&quot;brightness&quot;:0,&quot;colorType&quot;:2,&quot;rgb&quot;:&quot;#000000&quot;},&quot;depth&quot;:{&quot;colorType&quot;:0}}}}"/>
   <p:tag name="KSO_WM_UNIT_TEXT_TYPE" val="1"/>
   <p:tag name="KSO_WM_UNIT_PRESET_TEXT" val="单击此处添加项标题"/>
@@ -28348,72 +31576,7 @@
 </p:tagLst>
 </file>
 
-<file path=ppt/tags/tag363.xml><?xml version="1.0" encoding="utf-8"?>
-<p:tagLst xmlns:p="http://schemas.openxmlformats.org/presentationml/2006/main">
-  <p:tag name="KSO_WM_DIAGRAM_VERSION" val="3"/>
-  <p:tag name="KSO_WM_DIAGRAM_COLOR_TRICK" val="1"/>
-  <p:tag name="KSO_WM_DIAGRAM_COLOR_TEXT_CAN_REMOVE" val="n"/>
-  <p:tag name="KSO_WM_UNIT_SUBTYPE" val="a"/>
-  <p:tag name="KSO_WM_UNIT_NOCLEAR" val="0"/>
-  <p:tag name="KSO_WM_UNIT_VALUE" val="138"/>
-  <p:tag name="KSO_WM_UNIT_HIGHLIGHT" val="0"/>
-  <p:tag name="KSO_WM_UNIT_COMPATIBLE" val="0"/>
-  <p:tag name="KSO_WM_UNIT_DIAGRAM_ISNUMVISUAL" val="0"/>
-  <p:tag name="KSO_WM_UNIT_DIAGRAM_ISREFERUNIT" val="0"/>
-  <p:tag name="KSO_WM_DIAGRAM_GROUP_CODE" val="l1-1"/>
-  <p:tag name="KSO_WM_UNIT_TYPE" val="l_h_f"/>
-  <p:tag name="KSO_WM_UNIT_INDEX" val="1_3_1"/>
-  <p:tag name="KSO_WM_UNIT_ID" val="diagram20232476_3*l_h_f*1_3_1"/>
-  <p:tag name="KSO_WM_TEMPLATE_CATEGORY" val="diagram"/>
-  <p:tag name="KSO_WM_TEMPLATE_INDEX" val="20232476"/>
-  <p:tag name="KSO_WM_UNIT_LAYERLEVEL" val="1_1_1"/>
-  <p:tag name="KSO_WM_TAG_VERSION" val="3.0"/>
-  <p:tag name="KSO_WM_BEAUTIFY_FLAG" val="#wm#"/>
-  <p:tag name="KSO_WM_DIAGRAM_MAX_ITEMCNT" val="3"/>
-  <p:tag name="KSO_WM_DIAGRAM_MIN_ITEMCNT" val="1"/>
-  <p:tag name="KSO_WM_DIAGRAM_VIRTUALLY_FRAME" val="{&quot;height&quot;:132.14999389648438,&quot;width&quot;:746}"/>
-  <p:tag name="KSO_WM_DIAGRAM_COLOR_MATCH_VALUE" val="{&quot;shape&quot;:{&quot;fill&quot;:{&quot;type&quot;:0},&quot;glow&quot;:{&quot;colorType&quot;:0},&quot;line&quot;:{&quot;type&quot;:0},&quot;shadow&quot;:{&quot;colorType&quot;:0},&quot;threeD&quot;:{&quot;curvedSurface&quot;:{&quot;brightness&quot;:0,&quot;colorType&quot;:2,&quot;rgb&quot;:&quot;#000000&quot;},&quot;depth&quot;:{&quot;colorType&quot;:0}}},&quot;text&quot;:{&quot;fill&quot;:{&quot;solid&quot;:{&quot;brightness&quot;:0,&quot;colorType&quot;:2,&quot;rgb&quot;:&quot;#000000&quot;,&quot;transparency&quot;:0},&quot;type&quot;:1},&quot;glow&quot;:{&quot;colorType&quot;:0},&quot;line&quot;:{&quot;type&quot;:0},&quot;shadow&quot;:{&quot;colorType&quot;:0},&quot;threeD&quot;:{&quot;curvedSurface&quot;:{&quot;brightness&quot;:0,&quot;colorType&quot;:2,&quot;rgb&quot;:&quot;#000000&quot;},&quot;depth&quot;:{&quot;colorType&quot;:0}}}}"/>
-  <p:tag name="KSO_WM_UNIT_TEXT_FILL_TYPE" val="1"/>
-  <p:tag name="KSO_WM_UNIT_TEXT_TYPE" val="1"/>
-  <p:tag name="KSO_WM_UNIT_TEXT_LAYER_COUNT" val="1"/>
-  <p:tag name="KSO_WM_UNIT_PRESET_TEXT" val="单击此处输入你的项正文，请尽量言简意赅的阐述观点，单击此处输入你的项正文。"/>
-</p:tagLst>
-</file>
-
-<file path=ppt/tags/tag364.xml><?xml version="1.0" encoding="utf-8"?>
-<p:tagLst xmlns:p="http://schemas.openxmlformats.org/presentationml/2006/main">
-  <p:tag name="KSO_WM_DIAGRAM_VERSION" val="3"/>
-  <p:tag name="KSO_WM_DIAGRAM_COLOR_TRICK" val="1"/>
-  <p:tag name="KSO_WM_DIAGRAM_COLOR_TEXT_CAN_REMOVE" val="n"/>
-  <p:tag name="KSO_WM_UNIT_ISCONTENTSTITLE" val="0"/>
-  <p:tag name="KSO_WM_UNIT_ISNUMDGMTITLE" val="0"/>
-  <p:tag name="KSO_WM_UNIT_NOCLEAR" val="0"/>
-  <p:tag name="KSO_WM_UNIT_VALUE" val="41"/>
-  <p:tag name="KSO_WM_UNIT_HIGHLIGHT" val="0"/>
-  <p:tag name="KSO_WM_UNIT_COMPATIBLE" val="0"/>
-  <p:tag name="KSO_WM_UNIT_DIAGRAM_ISNUMVISUAL" val="0"/>
-  <p:tag name="KSO_WM_UNIT_DIAGRAM_ISREFERUNIT" val="0"/>
-  <p:tag name="KSO_WM_DIAGRAM_GROUP_CODE" val="l1-1"/>
-  <p:tag name="KSO_WM_UNIT_TYPE" val="l_h_a"/>
-  <p:tag name="KSO_WM_UNIT_INDEX" val="1_3_1"/>
-  <p:tag name="KSO_WM_UNIT_ID" val="diagram20232476_3*l_h_a*1_3_1"/>
-  <p:tag name="KSO_WM_TEMPLATE_CATEGORY" val="diagram"/>
-  <p:tag name="KSO_WM_TEMPLATE_INDEX" val="20232476"/>
-  <p:tag name="KSO_WM_UNIT_LAYERLEVEL" val="1_1_1"/>
-  <p:tag name="KSO_WM_TAG_VERSION" val="3.0"/>
-  <p:tag name="KSO_WM_BEAUTIFY_FLAG" val="#wm#"/>
-  <p:tag name="KSO_WM_DIAGRAM_MAX_ITEMCNT" val="3"/>
-  <p:tag name="KSO_WM_DIAGRAM_MIN_ITEMCNT" val="1"/>
-  <p:tag name="KSO_WM_DIAGRAM_VIRTUALLY_FRAME" val="{&quot;height&quot;:132.14999389648438,&quot;width&quot;:746}"/>
-  <p:tag name="KSO_WM_DIAGRAM_COLOR_MATCH_VALUE" val="{&quot;shape&quot;:{&quot;fill&quot;:{&quot;type&quot;:0},&quot;glow&quot;:{&quot;colorType&quot;:0},&quot;line&quot;:{&quot;type&quot;:0},&quot;shadow&quot;:{&quot;colorType&quot;:0},&quot;threeD&quot;:{&quot;curvedSurface&quot;:{&quot;brightness&quot;:0,&quot;colorType&quot;:2,&quot;rgb&quot;:&quot;#000000&quot;},&quot;depth&quot;:{&quot;colorType&quot;:0}}},&quot;text&quot;:{&quot;fill&quot;:{&quot;solid&quot;:{&quot;brightness&quot;:0,&quot;colorType&quot;:1,&quot;foreColorIndex&quot;:5,&quot;transparency&quot;:0},&quot;type&quot;:1},&quot;glow&quot;:{&quot;colorType&quot;:0},&quot;line&quot;:{&quot;type&quot;:0},&quot;shadow&quot;:{&quot;colorType&quot;:0},&quot;threeD&quot;:{&quot;curvedSurface&quot;:{&quot;brightness&quot;:0,&quot;colorType&quot;:2,&quot;rgb&quot;:&quot;#000000&quot;},&quot;depth&quot;:{&quot;colorType&quot;:0}}}}"/>
-  <p:tag name="KSO_WM_UNIT_TEXT_TYPE" val="1"/>
-  <p:tag name="KSO_WM_UNIT_PRESET_TEXT" val="单击此处添加项标题"/>
-  <p:tag name="KSO_WM_UNIT_TEXT_FILL_FORE_SCHEMECOLOR_INDEX" val="1"/>
-  <p:tag name="KSO_WM_UNIT_TEXT_FILL_TYPE" val="1"/>
-</p:tagLst>
-</file>
-
-<file path=ppt/tags/tag365.xml><?xml version="1.0" encoding="utf-8"?>
+<file path=ppt/tags/tag357.xml><?xml version="1.0" encoding="utf-8"?>
 <p:tagLst xmlns:p="http://schemas.openxmlformats.org/presentationml/2006/main">
   <p:tag name="KSO_WM_DIAGRAM_VERSION" val="3"/>
   <p:tag name="KSO_WM_DIAGRAM_COLOR_TRICK" val="1"/>
@@ -28436,7 +31599,7 @@
   <p:tag name="KSO_WM_BEAUTIFY_FLAG" val="#wm#"/>
   <p:tag name="KSO_WM_DIAGRAM_MAX_ITEMCNT" val="3"/>
   <p:tag name="KSO_WM_DIAGRAM_MIN_ITEMCNT" val="1"/>
-  <p:tag name="KSO_WM_DIAGRAM_VIRTUALLY_FRAME" val="{&quot;height&quot;:132.14999389648438,&quot;width&quot;:746}"/>
+  <p:tag name="KSO_WM_DIAGRAM_VIRTUALLY_FRAME" val="{&quot;height&quot;:132.6,&quot;left&quot;:220.95,&quot;top&quot;:290.45007874015744,&quot;width&quot;:746}"/>
   <p:tag name="KSO_WM_DIAGRAM_COLOR_MATCH_VALUE" val="{&quot;shape&quot;:{&quot;fill&quot;:{&quot;type&quot;:0},&quot;glow&quot;:{&quot;colorType&quot;:0},&quot;line&quot;:{&quot;type&quot;:0},&quot;shadow&quot;:{&quot;colorType&quot;:0},&quot;threeD&quot;:{&quot;curvedSurface&quot;:{&quot;brightness&quot;:0,&quot;colorType&quot;:2,&quot;rgb&quot;:&quot;#000000&quot;},&quot;depth&quot;:{&quot;colorType&quot;:0}}},&quot;text&quot;:{&quot;fill&quot;:{&quot;solid&quot;:{&quot;brightness&quot;:0,&quot;colorType&quot;:2,&quot;rgb&quot;:&quot;#000000&quot;,&quot;transparency&quot;:0},&quot;type&quot;:1},&quot;glow&quot;:{&quot;colorType&quot;:0},&quot;line&quot;:{&quot;type&quot;:0},&quot;shadow&quot;:{&quot;colorType&quot;:0},&quot;threeD&quot;:{&quot;curvedSurface&quot;:{&quot;brightness&quot;:0,&quot;colorType&quot;:2,&quot;rgb&quot;:&quot;#000000&quot;},&quot;depth&quot;:{&quot;colorType&quot;:0}}}}"/>
   <p:tag name="KSO_WM_UNIT_TEXT_FILL_TYPE" val="1"/>
   <p:tag name="KSO_WM_UNIT_TEXT_TYPE" val="1"/>
@@ -28445,7 +31608,7 @@
 </p:tagLst>
 </file>
 
-<file path=ppt/tags/tag366.xml><?xml version="1.0" encoding="utf-8"?>
+<file path=ppt/tags/tag358.xml><?xml version="1.0" encoding="utf-8"?>
 <p:tagLst xmlns:p="http://schemas.openxmlformats.org/presentationml/2006/main">
   <p:tag name="KSO_WM_DIAGRAM_VERSION" val="3"/>
   <p:tag name="KSO_WM_DIAGRAM_COLOR_TRICK" val="1"/>
@@ -28469,7 +31632,7 @@
   <p:tag name="KSO_WM_BEAUTIFY_FLAG" val="#wm#"/>
   <p:tag name="KSO_WM_DIAGRAM_MAX_ITEMCNT" val="3"/>
   <p:tag name="KSO_WM_DIAGRAM_MIN_ITEMCNT" val="1"/>
-  <p:tag name="KSO_WM_DIAGRAM_VIRTUALLY_FRAME" val="{&quot;height&quot;:132.14999389648438,&quot;width&quot;:746}"/>
+  <p:tag name="KSO_WM_DIAGRAM_VIRTUALLY_FRAME" val="{&quot;height&quot;:132.6,&quot;left&quot;:220.95,&quot;top&quot;:290.45007874015744,&quot;width&quot;:746}"/>
   <p:tag name="KSO_WM_DIAGRAM_COLOR_MATCH_VALUE" val="{&quot;shape&quot;:{&quot;fill&quot;:{&quot;type&quot;:0},&quot;glow&quot;:{&quot;colorType&quot;:0},&quot;line&quot;:{&quot;type&quot;:0},&quot;shadow&quot;:{&quot;colorType&quot;:0},&quot;threeD&quot;:{&quot;curvedSurface&quot;:{&quot;brightness&quot;:0,&quot;colorType&quot;:2,&quot;rgb&quot;:&quot;#000000&quot;},&quot;depth&quot;:{&quot;colorType&quot;:0}}},&quot;text&quot;:{&quot;fill&quot;:{&quot;solid&quot;:{&quot;brightness&quot;:0,&quot;colorType&quot;:1,&quot;foreColorIndex&quot;:5,&quot;transparency&quot;:0},&quot;type&quot;:1},&quot;glow&quot;:{&quot;colorType&quot;:0},&quot;line&quot;:{&quot;type&quot;:0},&quot;shadow&quot;:{&quot;colorType&quot;:0},&quot;threeD&quot;:{&quot;curvedSurface&quot;:{&quot;brightness&quot;:0,&quot;colorType&quot;:2,&quot;rgb&quot;:&quot;#000000&quot;},&quot;depth&quot;:{&quot;colorType&quot;:0}}}}"/>
   <p:tag name="KSO_WM_UNIT_TEXT_TYPE" val="1"/>
   <p:tag name="KSO_WM_UNIT_PRESET_TEXT" val="单击此处添加项标题"/>
@@ -28478,7 +31641,7 @@
 </p:tagLst>
 </file>
 
-<file path=ppt/tags/tag367.xml><?xml version="1.0" encoding="utf-8"?>
+<file path=ppt/tags/tag359.xml><?xml version="1.0" encoding="utf-8"?>
 <p:tagLst xmlns:p="http://schemas.openxmlformats.org/presentationml/2006/main">
   <p:tag name="KSO_WM_SLIDE_ID" val="custom20232484_1"/>
   <p:tag name="KSO_WM_TEMPLATE_SUBCATEGORY" val="0"/>
@@ -28502,7 +31665,83 @@
 </p:tagLst>
 </file>
 
-<file path=ppt/tags/tag368.xml><?xml version="1.0" encoding="utf-8"?>
+<file path=ppt/tags/tag36.xml><?xml version="1.0" encoding="utf-8"?>
+<p:tagLst xmlns:p="http://schemas.openxmlformats.org/presentationml/2006/main">
+  <p:tag name="KSO_WM_UNIT_HIGHLIGHT" val="0"/>
+  <p:tag name="KSO_WM_UNIT_COMPATIBLE" val="0"/>
+  <p:tag name="KSO_WM_UNIT_DIAGRAM_ISNUMVISUAL" val="0"/>
+  <p:tag name="KSO_WM_UNIT_DIAGRAM_ISREFERUNIT" val="0"/>
+  <p:tag name="KSO_WM_UNIT_ID" val="_7**"/>
+  <p:tag name="KSO_WM_UNIT_LAYERLEVEL" val="1"/>
+  <p:tag name="KSO_WM_TAG_VERSION" val="1.0"/>
+  <p:tag name="KSO_WM_BEAUTIFY_FLAG" val="#wm#"/>
+</p:tagLst>
+</file>
+
+<file path=ppt/tags/tag360.xml><?xml version="1.0" encoding="utf-8"?>
+<p:tagLst xmlns:p="http://schemas.openxmlformats.org/presentationml/2006/main">
+  <p:tag name="KSO_WM_UNIT_SUBTYPE" val="b"/>
+  <p:tag name="KSO_WM_UNIT_NOCLEAR" val="0"/>
+  <p:tag name="KSO_WM_UNIT_VALUE" val="60"/>
+  <p:tag name="KSO_WM_UNIT_HIGHLIGHT" val="0"/>
+  <p:tag name="KSO_WM_UNIT_COMPATIBLE" val="0"/>
+  <p:tag name="KSO_WM_UNIT_DIAGRAM_ISNUMVISUAL" val="0"/>
+  <p:tag name="KSO_WM_UNIT_DIAGRAM_ISREFERUNIT" val="0"/>
+  <p:tag name="KSO_WM_UNIT_TYPE" val="f"/>
+  <p:tag name="KSO_WM_UNIT_INDEX" val="1"/>
+  <p:tag name="KSO_WM_UNIT_ID" val="custom20230301_11*f*1"/>
+  <p:tag name="KSO_WM_TEMPLATE_CATEGORY" val="custom"/>
+  <p:tag name="KSO_WM_TEMPLATE_INDEX" val="20230301"/>
+  <p:tag name="KSO_WM_UNIT_LAYERLEVEL" val="1"/>
+  <p:tag name="KSO_WM_TAG_VERSION" val="3.0"/>
+  <p:tag name="KSO_WM_BEAUTIFY_FLAG" val="#wm#"/>
+</p:tagLst>
+</file>
+
+<file path=ppt/tags/tag361.xml><?xml version="1.0" encoding="utf-8"?>
+<p:tagLst xmlns:p="http://schemas.openxmlformats.org/presentationml/2006/main">
+  <p:tag name="KSO_WM_UNIT_ISCONTENTSTITLE" val="0"/>
+  <p:tag name="KSO_WM_UNIT_ISNUMDGMTITLE" val="0"/>
+  <p:tag name="KSO_WM_UNIT_NOCLEAR" val="0"/>
+  <p:tag name="KSO_WM_UNIT_VALUE" val="10"/>
+  <p:tag name="KSO_WM_UNIT_HIGHLIGHT" val="0"/>
+  <p:tag name="KSO_WM_UNIT_COMPATIBLE" val="0"/>
+  <p:tag name="KSO_WM_UNIT_DIAGRAM_ISNUMVISUAL" val="0"/>
+  <p:tag name="KSO_WM_UNIT_DIAGRAM_ISREFERUNIT" val="0"/>
+  <p:tag name="KSO_WM_UNIT_TYPE" val="a"/>
+  <p:tag name="KSO_WM_UNIT_INDEX" val="1"/>
+  <p:tag name="KSO_WM_UNIT_ID" val="custom20230301_11*a*1"/>
+  <p:tag name="KSO_WM_TEMPLATE_CATEGORY" val="custom"/>
+  <p:tag name="KSO_WM_TEMPLATE_INDEX" val="20230301"/>
+  <p:tag name="KSO_WM_UNIT_LAYERLEVEL" val="1"/>
+  <p:tag name="KSO_WM_TAG_VERSION" val="3.0"/>
+  <p:tag name="KSO_WM_BEAUTIFY_FLAG" val="#wm#"/>
+  <p:tag name="KSO_WM_UNIT_CONTENT_GROUP_TYPE" val="contentchip"/>
+</p:tagLst>
+</file>
+
+<file path=ppt/tags/tag362.xml><?xml version="1.0" encoding="utf-8"?>
+<p:tagLst xmlns:p="http://schemas.openxmlformats.org/presentationml/2006/main">
+  <p:tag name="KSO_WM_SLIDE_ID" val="custom20230301_11"/>
+  <p:tag name="KSO_WM_TEMPLATE_SUBCATEGORY" val="29"/>
+  <p:tag name="KSO_WM_TEMPLATE_MASTER_TYPE" val="0"/>
+  <p:tag name="KSO_WM_TEMPLATE_COLOR_TYPE" val="0"/>
+  <p:tag name="KSO_WM_SLIDE_ITEM_CNT" val="0"/>
+  <p:tag name="KSO_WM_SLIDE_INDEX" val="11"/>
+  <p:tag name="KSO_WM_TAG_VERSION" val="3.0"/>
+  <p:tag name="KSO_WM_BEAUTIFY_FLAG" val="#wm#"/>
+  <p:tag name="KSO_WM_TEMPLATE_CATEGORY" val="custom"/>
+  <p:tag name="KSO_WM_TEMPLATE_INDEX" val="20230301"/>
+  <p:tag name="KSO_WM_SLIDE_TYPE" val="endPage"/>
+  <p:tag name="KSO_WM_SLIDE_SUBTYPE" val="pureTxt"/>
+  <p:tag name="KSO_WM_SLIDE_LAYOUT" val="a_f"/>
+  <p:tag name="KSO_WM_SLIDE_LAYOUT_CNT" val="1_1"/>
+  <p:tag name="KSO_WM_SPECIAL_SOURCE" val="bdnull"/>
+  <p:tag name="KSO_WM_SLIDE_CONTENT_AREA" val="{&quot;left&quot;:&quot;16.65&quot;,&quot;top&quot;:&quot;120.25&quot;,&quot;width&quot;:&quot;708.25&quot;,&quot;height&quot;:&quot;249.75&quot;}"/>
+</p:tagLst>
+</file>
+
+<file path=ppt/tags/tag363.xml><?xml version="1.0" encoding="utf-8"?>
 <p:tagLst xmlns:p="http://schemas.openxmlformats.org/presentationml/2006/main">
   <p:tag name="KSO_WM_UNIT_ISCONTENTSTITLE" val="0"/>
   <p:tag name="KSO_WM_UNIT_ISNUMDGMTITLE" val="0"/>
@@ -28526,7 +31765,7 @@
 </p:tagLst>
 </file>
 
-<file path=ppt/tags/tag369.xml><?xml version="1.0" encoding="utf-8"?>
+<file path=ppt/tags/tag364.xml><?xml version="1.0" encoding="utf-8"?>
 <p:tagLst xmlns:p="http://schemas.openxmlformats.org/presentationml/2006/main">
   <p:tag name="KSO_WM_UNIT_HIGHLIGHT" val="0"/>
   <p:tag name="KSO_WM_UNIT_COMPATIBLE" val="0"/>
@@ -28546,7 +31785,7 @@
   <p:tag name="KSO_WM_DIAGRAM_COLOR_TEXT_CAN_REMOVE" val="n"/>
   <p:tag name="KSO_WM_DIAGRAM_MAX_ITEMCNT" val="4"/>
   <p:tag name="KSO_WM_DIAGRAM_MIN_ITEMCNT" val="2"/>
-  <p:tag name="KSO_WM_DIAGRAM_VIRTUALLY_FRAME" val="{&quot;height&quot;:366.2639465332031,&quot;width&quot;:850.4000244140625}"/>
+  <p:tag name="KSO_WM_DIAGRAM_VIRTUALLY_FRAME" val="{&quot;height&quot;:366.2639465332032,&quot;left&quot;:54.8,&quot;top&quot;:111.19306610347716,&quot;width&quot;:850.4411023622048}"/>
   <p:tag name="KSO_WM_DIAGRAM_COLOR_MATCH_VALUE" val="{&quot;shape&quot;:{&quot;fill&quot;:{&quot;solid&quot;:{&quot;brightness&quot;:0.6000000238418579,&quot;colorType&quot;:1,&quot;foreColorIndex&quot;:13,&quot;transparency&quot;:0.8500000238418579},&quot;type&quot;:1},&quot;glow&quot;:{&quot;colorType&quot;:0},&quot;line&quot;:{&quot;solidLine&quot;:{&quot;brightness&quot;:0.6000000238418579,&quot;colorType&quot;:1,&quot;foreColorIndex&quot;:13,&quot;transparency&quot;:0.800000011920929},&quot;type&quot;:1},&quot;shadow&quot;:{&quot;colorType&quot;:0},&quot;threeD&quot;:{&quot;curvedSurface&quot;:{&quot;brightness&quot;:0,&quot;colorType&quot;:2,&quot;rgb&quot;:&quot;#000000&quot;},&quot;depth&quot;:{&quot;colorType&quot;:0}}},&quot;text&quot;:{&quot;fill&quot;:{&quot;solid&quot;:{&quot;brightness&quot;:0,&quot;colorType&quot;:1,&quot;foreColorIndex&quot;:14,&quot;transparency&quot;:0},&quot;type&quot;:1},&quot;glow&quot;:{&quot;colorType&quot;:0},&quot;line&quot;:{&quot;type&quot;:0},&quot;shadow&quot;:{&quot;colorType&quot;:0},&quot;threeD&quot;:{&quot;curvedSurface&quot;:{&quot;brightness&quot;:0,&quot;colorType&quot;:2,&quot;rgb&quot;:&quot;#000000&quot;},&quot;depth&quot;:{&quot;colorType&quot;:0}}}}"/>
   <p:tag name="KSO_WM_UNIT_SHADOW_SCHEMECOLOR_INDEX_BRIGHTNESS" val="-0.15"/>
   <p:tag name="KSO_WM_UNIT_SHADOW_SCHEMECOLOR_INDEX" val="14"/>
@@ -28560,20 +31799,7 @@
 </p:tagLst>
 </file>
 
-<file path=ppt/tags/tag37.xml><?xml version="1.0" encoding="utf-8"?>
-<p:tagLst xmlns:p="http://schemas.openxmlformats.org/presentationml/2006/main">
-  <p:tag name="KSO_WM_UNIT_HIGHLIGHT" val="0"/>
-  <p:tag name="KSO_WM_UNIT_COMPATIBLE" val="0"/>
-  <p:tag name="KSO_WM_UNIT_DIAGRAM_ISNUMVISUAL" val="0"/>
-  <p:tag name="KSO_WM_UNIT_DIAGRAM_ISREFERUNIT" val="0"/>
-  <p:tag name="KSO_WM_UNIT_ID" val="_8**"/>
-  <p:tag name="KSO_WM_UNIT_LAYERLEVEL" val="1"/>
-  <p:tag name="KSO_WM_TAG_VERSION" val="1.0"/>
-  <p:tag name="KSO_WM_BEAUTIFY_FLAG" val="#wm#"/>
-</p:tagLst>
-</file>
-
-<file path=ppt/tags/tag370.xml><?xml version="1.0" encoding="utf-8"?>
+<file path=ppt/tags/tag365.xml><?xml version="1.0" encoding="utf-8"?>
 <p:tagLst xmlns:p="http://schemas.openxmlformats.org/presentationml/2006/main">
   <p:tag name="KSO_WM_UNIT_HIGHLIGHT" val="0"/>
   <p:tag name="KSO_WM_UNIT_COMPATIBLE" val="0"/>
@@ -28593,7 +31819,7 @@
   <p:tag name="KSO_WM_DIAGRAM_COLOR_TEXT_CAN_REMOVE" val="n"/>
   <p:tag name="KSO_WM_DIAGRAM_MAX_ITEMCNT" val="4"/>
   <p:tag name="KSO_WM_DIAGRAM_MIN_ITEMCNT" val="2"/>
-  <p:tag name="KSO_WM_DIAGRAM_VIRTUALLY_FRAME" val="{&quot;height&quot;:366.2639465332031,&quot;width&quot;:850.4000244140625}"/>
+  <p:tag name="KSO_WM_DIAGRAM_VIRTUALLY_FRAME" val="{&quot;height&quot;:366.2639465332032,&quot;left&quot;:54.8,&quot;top&quot;:111.19306610347716,&quot;width&quot;:850.4411023622048}"/>
   <p:tag name="KSO_WM_DIAGRAM_COLOR_MATCH_VALUE" val="{&quot;shape&quot;:{&quot;fill&quot;:{&quot;solid&quot;:{&quot;brightness&quot;:0,&quot;colorType&quot;:1,&quot;foreColorIndex&quot;:5,&quot;transparency&quot;:0},&quot;type&quot;:1},&quot;glow&quot;:{&quot;colorType&quot;:0},&quot;line&quot;:{&quot;solidLine&quot;:{&quot;brightness&quot;:0,&quot;colorType&quot;:1,&quot;foreColorIndex&quot;:5,&quot;transparency&quot;:0.5},&quot;type&quot;:1},&quot;shadow&quot;:{&quot;colorType&quot;:0},&quot;threeD&quot;:{&quot;curvedSurface&quot;:{&quot;brightness&quot;:0,&quot;colorType&quot;:2,&quot;rgb&quot;:&quot;#000000&quot;},&quot;depth&quot;:{&quot;colorType&quot;:0}}},&quot;text&quot;:{&quot;fill&quot;:{&quot;solid&quot;:{&quot;brightness&quot;:0,&quot;colorType&quot;:1,&quot;foreColorIndex&quot;:14,&quot;transparency&quot;:0},&quot;type&quot;:1},&quot;glow&quot;:{&quot;colorType&quot;:0},&quot;line&quot;:{&quot;type&quot;:0},&quot;shadow&quot;:{&quot;colorType&quot;:0},&quot;threeD&quot;:{&quot;curvedSurface&quot;:{&quot;brightness&quot;:0,&quot;colorType&quot;:2,&quot;rgb&quot;:&quot;#000000&quot;},&quot;depth&quot;:{&quot;colorType&quot;:0}}}}"/>
   <p:tag name="KSO_WM_UNIT_SHADOW_SCHEMECOLOR_INDEX_BRIGHTNESS" val="0"/>
   <p:tag name="KSO_WM_UNIT_SHADOW_SCHEMECOLOR_INDEX" val="5"/>
@@ -28607,7 +31833,7 @@
 </p:tagLst>
 </file>
 
-<file path=ppt/tags/tag371.xml><?xml version="1.0" encoding="utf-8"?>
+<file path=ppt/tags/tag366.xml><?xml version="1.0" encoding="utf-8"?>
 <p:tagLst xmlns:p="http://schemas.openxmlformats.org/presentationml/2006/main">
   <p:tag name="KSO_WM_UNIT_HIGHLIGHT" val="0"/>
   <p:tag name="KSO_WM_UNIT_COMPATIBLE" val="0"/>
@@ -28627,7 +31853,7 @@
   <p:tag name="KSO_WM_DIAGRAM_COLOR_TEXT_CAN_REMOVE" val="n"/>
   <p:tag name="KSO_WM_DIAGRAM_MAX_ITEMCNT" val="4"/>
   <p:tag name="KSO_WM_DIAGRAM_MIN_ITEMCNT" val="2"/>
-  <p:tag name="KSO_WM_DIAGRAM_VIRTUALLY_FRAME" val="{&quot;height&quot;:366.2639465332031,&quot;width&quot;:850.4000244140625}"/>
+  <p:tag name="KSO_WM_DIAGRAM_VIRTUALLY_FRAME" val="{&quot;height&quot;:366.2639465332032,&quot;left&quot;:54.8,&quot;top&quot;:111.19306610347716,&quot;width&quot;:850.4411023622048}"/>
   <p:tag name="KSO_WM_DIAGRAM_COLOR_MATCH_VALUE" val="{&quot;shape&quot;:{&quot;fill&quot;:{&quot;solid&quot;:{&quot;brightness&quot;:0.6000000238418579,&quot;colorType&quot;:1,&quot;foreColorIndex&quot;:13,&quot;transparency&quot;:0.8500000238418579},&quot;type&quot;:1},&quot;glow&quot;:{&quot;colorType&quot;:0},&quot;line&quot;:{&quot;solidLine&quot;:{&quot;brightness&quot;:0.6000000238418579,&quot;colorType&quot;:1,&quot;foreColorIndex&quot;:13,&quot;transparency&quot;:0.800000011920929},&quot;type&quot;:1},&quot;shadow&quot;:{&quot;colorType&quot;:0},&quot;threeD&quot;:{&quot;curvedSurface&quot;:{&quot;brightness&quot;:0,&quot;colorType&quot;:2,&quot;rgb&quot;:&quot;#000000&quot;},&quot;depth&quot;:{&quot;colorType&quot;:0}}},&quot;text&quot;:{&quot;fill&quot;:{&quot;solid&quot;:{&quot;brightness&quot;:0,&quot;colorType&quot;:1,&quot;foreColorIndex&quot;:14,&quot;transparency&quot;:0},&quot;type&quot;:1},&quot;glow&quot;:{&quot;colorType&quot;:0},&quot;line&quot;:{&quot;type&quot;:0},&quot;shadow&quot;:{&quot;colorType&quot;:0},&quot;threeD&quot;:{&quot;curvedSurface&quot;:{&quot;brightness&quot;:0,&quot;colorType&quot;:2,&quot;rgb&quot;:&quot;#000000&quot;},&quot;depth&quot;:{&quot;colorType&quot;:0}}}}"/>
   <p:tag name="KSO_WM_UNIT_SHADOW_SCHEMECOLOR_INDEX_BRIGHTNESS" val="-0.15"/>
   <p:tag name="KSO_WM_UNIT_SHADOW_SCHEMECOLOR_INDEX" val="14"/>
@@ -28641,7 +31867,7 @@
 </p:tagLst>
 </file>
 
-<file path=ppt/tags/tag372.xml><?xml version="1.0" encoding="utf-8"?>
+<file path=ppt/tags/tag367.xml><?xml version="1.0" encoding="utf-8"?>
 <p:tagLst xmlns:p="http://schemas.openxmlformats.org/presentationml/2006/main">
   <p:tag name="KSO_WM_UNIT_HIGHLIGHT" val="0"/>
   <p:tag name="KSO_WM_UNIT_COMPATIBLE" val="0"/>
@@ -28662,7 +31888,7 @@
   <p:tag name="KSO_WM_DIAGRAM_COLOR_TEXT_CAN_REMOVE" val="n"/>
   <p:tag name="KSO_WM_DIAGRAM_MAX_ITEMCNT" val="4"/>
   <p:tag name="KSO_WM_DIAGRAM_MIN_ITEMCNT" val="2"/>
-  <p:tag name="KSO_WM_DIAGRAM_VIRTUALLY_FRAME" val="{&quot;height&quot;:366.2639465332031,&quot;width&quot;:850.4000244140625}"/>
+  <p:tag name="KSO_WM_DIAGRAM_VIRTUALLY_FRAME" val="{&quot;height&quot;:366.2639465332032,&quot;left&quot;:54.8,&quot;top&quot;:111.19306610347716,&quot;width&quot;:850.4411023622048}"/>
   <p:tag name="KSO_WM_DIAGRAM_COLOR_MATCH_VALUE" val="{&quot;shape&quot;:{&quot;fill&quot;:{&quot;solid&quot;:{&quot;brightness&quot;:0,&quot;colorType&quot;:1,&quot;foreColorIndex&quot;:5,&quot;transparency&quot;:0.8500000238418579},&quot;type&quot;:1},&quot;glow&quot;:{&quot;colorType&quot;:0},&quot;line&quot;:{&quot;solidLine&quot;:{&quot;brightness&quot;:0.6000000238418579,&quot;colorType&quot;:1,&quot;foreColorIndex&quot;:13,&quot;transparency&quot;:0.800000011920929},&quot;type&quot;:1},&quot;shadow&quot;:{&quot;colorType&quot;:0},&quot;threeD&quot;:{&quot;curvedSurface&quot;:{&quot;brightness&quot;:0,&quot;colorType&quot;:2,&quot;rgb&quot;:&quot;#000000&quot;},&quot;depth&quot;:{&quot;colorType&quot;:0}}},&quot;text&quot;:{&quot;fill&quot;:{},&quot;glow&quot;:{},&quot;line&quot;:{},&quot;shadow&quot;:{},&quot;threeD&quot;:{}}}"/>
   <p:tag name="KSO_WM_UNIT_FILL_TYPE" val="1"/>
   <p:tag name="KSO_WM_UNIT_FILL_FORE_SCHEMECOLOR_INDEX" val="5"/>
@@ -28673,7 +31899,7 @@
 </p:tagLst>
 </file>
 
-<file path=ppt/tags/tag373.xml><?xml version="1.0" encoding="utf-8"?>
+<file path=ppt/tags/tag368.xml><?xml version="1.0" encoding="utf-8"?>
 <p:tagLst xmlns:p="http://schemas.openxmlformats.org/presentationml/2006/main">
   <p:tag name="KSO_WM_UNIT_HIGHLIGHT" val="0"/>
   <p:tag name="KSO_WM_UNIT_COMPATIBLE" val="0"/>
@@ -28694,7 +31920,7 @@
   <p:tag name="KSO_WM_DIAGRAM_COLOR_TEXT_CAN_REMOVE" val="n"/>
   <p:tag name="KSO_WM_DIAGRAM_MAX_ITEMCNT" val="4"/>
   <p:tag name="KSO_WM_DIAGRAM_MIN_ITEMCNT" val="2"/>
-  <p:tag name="KSO_WM_DIAGRAM_VIRTUALLY_FRAME" val="{&quot;height&quot;:366.2639465332031,&quot;width&quot;:850.4000244140625}"/>
+  <p:tag name="KSO_WM_DIAGRAM_VIRTUALLY_FRAME" val="{&quot;height&quot;:366.2639465332032,&quot;left&quot;:54.8,&quot;top&quot;:111.19306610347716,&quot;width&quot;:850.4411023622048}"/>
   <p:tag name="KSO_WM_DIAGRAM_COLOR_MATCH_VALUE" val="{&quot;shape&quot;:{&quot;fill&quot;:{&quot;solid&quot;:{&quot;brightness&quot;:0,&quot;colorType&quot;:1,&quot;foreColorIndex&quot;:5,&quot;transparency&quot;:0.8500000238418579},&quot;type&quot;:1},&quot;glow&quot;:{&quot;colorType&quot;:0},&quot;line&quot;:{&quot;solidLine&quot;:{&quot;brightness&quot;:0.6000000238418579,&quot;colorType&quot;:1,&quot;foreColorIndex&quot;:13,&quot;transparency&quot;:0.800000011920929},&quot;type&quot;:1},&quot;shadow&quot;:{&quot;colorType&quot;:0},&quot;threeD&quot;:{&quot;curvedSurface&quot;:{&quot;brightness&quot;:0,&quot;colorType&quot;:2,&quot;rgb&quot;:&quot;#000000&quot;},&quot;depth&quot;:{&quot;colorType&quot;:0}}},&quot;text&quot;:{&quot;fill&quot;:{},&quot;glow&quot;:{},&quot;line&quot;:{},&quot;shadow&quot;:{},&quot;threeD&quot;:{}}}"/>
   <p:tag name="KSO_WM_UNIT_FILL_TYPE" val="1"/>
   <p:tag name="KSO_WM_UNIT_FILL_FORE_SCHEMECOLOR_INDEX" val="5"/>
@@ -28705,7 +31931,7 @@
 </p:tagLst>
 </file>
 
-<file path=ppt/tags/tag374.xml><?xml version="1.0" encoding="utf-8"?>
+<file path=ppt/tags/tag369.xml><?xml version="1.0" encoding="utf-8"?>
 <p:tagLst xmlns:p="http://schemas.openxmlformats.org/presentationml/2006/main">
   <p:tag name="KSO_WM_UNIT_HIGHLIGHT" val="0"/>
   <p:tag name="KSO_WM_UNIT_COMPATIBLE" val="0"/>
@@ -28726,7 +31952,7 @@
   <p:tag name="KSO_WM_DIAGRAM_COLOR_TEXT_CAN_REMOVE" val="n"/>
   <p:tag name="KSO_WM_DIAGRAM_MAX_ITEMCNT" val="4"/>
   <p:tag name="KSO_WM_DIAGRAM_MIN_ITEMCNT" val="2"/>
-  <p:tag name="KSO_WM_DIAGRAM_VIRTUALLY_FRAME" val="{&quot;height&quot;:366.2639465332031,&quot;width&quot;:850.4000244140625}"/>
+  <p:tag name="KSO_WM_DIAGRAM_VIRTUALLY_FRAME" val="{&quot;height&quot;:366.2639465332032,&quot;left&quot;:54.8,&quot;top&quot;:111.19306610347716,&quot;width&quot;:850.4411023622048}"/>
   <p:tag name="KSO_WM_DIAGRAM_COLOR_MATCH_VALUE" val="{&quot;shape&quot;:{&quot;fill&quot;:{&quot;solid&quot;:{&quot;brightness&quot;:0,&quot;colorType&quot;:1,&quot;foreColorIndex&quot;:5,&quot;transparency&quot;:0.8500000238418579},&quot;type&quot;:1},&quot;glow&quot;:{&quot;colorType&quot;:0},&quot;line&quot;:{&quot;solidLine&quot;:{&quot;brightness&quot;:0.6000000238418579,&quot;colorType&quot;:1,&quot;foreColorIndex&quot;:13,&quot;transparency&quot;:0.800000011920929},&quot;type&quot;:1},&quot;shadow&quot;:{&quot;colorType&quot;:0},&quot;threeD&quot;:{&quot;curvedSurface&quot;:{&quot;brightness&quot;:0,&quot;colorType&quot;:2,&quot;rgb&quot;:&quot;#000000&quot;},&quot;depth&quot;:{&quot;colorType&quot;:0}}},&quot;text&quot;:{&quot;fill&quot;:{},&quot;glow&quot;:{},&quot;line&quot;:{},&quot;shadow&quot;:{},&quot;threeD&quot;:{}}}"/>
   <p:tag name="KSO_WM_UNIT_FILL_TYPE" val="1"/>
   <p:tag name="KSO_WM_UNIT_FILL_FORE_SCHEMECOLOR_INDEX" val="5"/>
@@ -28737,7 +31963,20 @@
 </p:tagLst>
 </file>
 
-<file path=ppt/tags/tag375.xml><?xml version="1.0" encoding="utf-8"?>
+<file path=ppt/tags/tag37.xml><?xml version="1.0" encoding="utf-8"?>
+<p:tagLst xmlns:p="http://schemas.openxmlformats.org/presentationml/2006/main">
+  <p:tag name="KSO_WM_UNIT_HIGHLIGHT" val="0"/>
+  <p:tag name="KSO_WM_UNIT_COMPATIBLE" val="0"/>
+  <p:tag name="KSO_WM_UNIT_DIAGRAM_ISNUMVISUAL" val="0"/>
+  <p:tag name="KSO_WM_UNIT_DIAGRAM_ISREFERUNIT" val="0"/>
+  <p:tag name="KSO_WM_UNIT_ID" val="_8**"/>
+  <p:tag name="KSO_WM_UNIT_LAYERLEVEL" val="1"/>
+  <p:tag name="KSO_WM_TAG_VERSION" val="1.0"/>
+  <p:tag name="KSO_WM_BEAUTIFY_FLAG" val="#wm#"/>
+</p:tagLst>
+</file>
+
+<file path=ppt/tags/tag370.xml><?xml version="1.0" encoding="utf-8"?>
 <p:tagLst xmlns:p="http://schemas.openxmlformats.org/presentationml/2006/main">
   <p:tag name="KSO_WM_UNIT_ISCONTENTSTITLE" val="0"/>
   <p:tag name="KSO_WM_UNIT_ISNUMDGMTITLE" val="0"/>
@@ -28761,7 +32000,7 @@
   <p:tag name="KSO_WM_DIAGRAM_COLOR_TEXT_CAN_REMOVE" val="n"/>
   <p:tag name="KSO_WM_DIAGRAM_MAX_ITEMCNT" val="4"/>
   <p:tag name="KSO_WM_DIAGRAM_MIN_ITEMCNT" val="2"/>
-  <p:tag name="KSO_WM_DIAGRAM_VIRTUALLY_FRAME" val="{&quot;height&quot;:366.2639465332031,&quot;width&quot;:850.4000244140625}"/>
+  <p:tag name="KSO_WM_DIAGRAM_VIRTUALLY_FRAME" val="{&quot;height&quot;:366.2639465332032,&quot;left&quot;:54.8,&quot;top&quot;:111.19306610347716,&quot;width&quot;:850.4411023622048}"/>
   <p:tag name="KSO_WM_DIAGRAM_COLOR_MATCH_VALUE" val="{&quot;shape&quot;:{&quot;fill&quot;:{&quot;type&quot;:0},&quot;glow&quot;:{&quot;colorType&quot;:0},&quot;line&quot;:{&quot;type&quot;:0},&quot;shadow&quot;:{&quot;colorType&quot;:0},&quot;threeD&quot;:{&quot;curvedSurface&quot;:{&quot;brightness&quot;:0,&quot;colorType&quot;:2,&quot;rgb&quot;:&quot;#000000&quot;},&quot;depth&quot;:{&quot;colorType&quot;:0}}},&quot;text&quot;:{&quot;fill&quot;:{&quot;solid&quot;:{&quot;brightness&quot;:0.15000000596046448,&quot;colorType&quot;:1,&quot;foreColorIndex&quot;:13,&quot;transparency&quot;:0},&quot;type&quot;:1},&quot;glow&quot;:{&quot;colorType&quot;:0},&quot;line&quot;:{&quot;type&quot;:0},&quot;shadow&quot;:{&quot;colorType&quot;:0},&quot;threeD&quot;:{&quot;curvedSurface&quot;:{&quot;brightness&quot;:0,&quot;colorType&quot;:2,&quot;rgb&quot;:&quot;#000000&quot;},&quot;depth&quot;:{&quot;colorType&quot;:0}}}}"/>
   <p:tag name="KSO_WM_UNIT_TEXT_FILL_FORE_SCHEMECOLOR_INDEX_BRIGHTNESS" val="0"/>
   <p:tag name="KSO_WM_UNIT_PRESET_TEXT" val="添加标题"/>
@@ -28771,7 +32010,7 @@
 </p:tagLst>
 </file>
 
-<file path=ppt/tags/tag376.xml><?xml version="1.0" encoding="utf-8"?>
+<file path=ppt/tags/tag371.xml><?xml version="1.0" encoding="utf-8"?>
 <p:tagLst xmlns:p="http://schemas.openxmlformats.org/presentationml/2006/main">
   <p:tag name="KSO_WM_UNIT_SUBTYPE" val="a"/>
   <p:tag name="KSO_WM_UNIT_NOCLEAR" val="0"/>
@@ -28794,7 +32033,7 @@
   <p:tag name="KSO_WM_DIAGRAM_COLOR_TEXT_CAN_REMOVE" val="n"/>
   <p:tag name="KSO_WM_DIAGRAM_MAX_ITEMCNT" val="4"/>
   <p:tag name="KSO_WM_DIAGRAM_MIN_ITEMCNT" val="2"/>
-  <p:tag name="KSO_WM_DIAGRAM_VIRTUALLY_FRAME" val="{&quot;height&quot;:366.2639465332031,&quot;width&quot;:850.4000244140625}"/>
+  <p:tag name="KSO_WM_DIAGRAM_VIRTUALLY_FRAME" val="{&quot;height&quot;:366.2639465332032,&quot;left&quot;:54.8,&quot;top&quot;:111.19306610347716,&quot;width&quot;:850.4411023622048}"/>
   <p:tag name="KSO_WM_DIAGRAM_COLOR_MATCH_VALUE" val="{&quot;shape&quot;:{&quot;fill&quot;:{&quot;type&quot;:0},&quot;glow&quot;:{&quot;colorType&quot;:0},&quot;line&quot;:{&quot;type&quot;:0},&quot;shadow&quot;:{&quot;colorType&quot;:0},&quot;threeD&quot;:{&quot;curvedSurface&quot;:{&quot;brightness&quot;:0,&quot;colorType&quot;:2,&quot;rgb&quot;:&quot;#000000&quot;},&quot;depth&quot;:{&quot;colorType&quot;:0}}},&quot;text&quot;:{&quot;fill&quot;:{&quot;solid&quot;:{&quot;brightness&quot;:0.15000000596046448,&quot;colorType&quot;:1,&quot;foreColorIndex&quot;:13,&quot;transparency&quot;:0},&quot;type&quot;:1},&quot;glow&quot;:{&quot;colorType&quot;:0},&quot;line&quot;:{&quot;type&quot;:0},&quot;shadow&quot;:{&quot;colorType&quot;:0},&quot;threeD&quot;:{&quot;curvedSurface&quot;:{&quot;brightness&quot;:0,&quot;colorType&quot;:2,&quot;rgb&quot;:&quot;#000000&quot;},&quot;depth&quot;:{&quot;colorType&quot;:0}}}}"/>
   <p:tag name="KSO_WM_UNIT_PRESET_TEXT" val="单击此处添加文本具体内容，简明扼要地阐述您的观点。可酌情增减文字，以便观者准确地理解您传达的思想。"/>
   <p:tag name="KSO_WM_UNIT_TEXT_FILL_FORE_SCHEMECOLOR_INDEX" val="1"/>
@@ -28804,7 +32043,7 @@
 </p:tagLst>
 </file>
 
-<file path=ppt/tags/tag377.xml><?xml version="1.0" encoding="utf-8"?>
+<file path=ppt/tags/tag372.xml><?xml version="1.0" encoding="utf-8"?>
 <p:tagLst xmlns:p="http://schemas.openxmlformats.org/presentationml/2006/main">
   <p:tag name="KSO_WM_UNIT_ISCONTENTSTITLE" val="0"/>
   <p:tag name="KSO_WM_UNIT_ISNUMDGMTITLE" val="0"/>
@@ -28828,7 +32067,7 @@
   <p:tag name="KSO_WM_DIAGRAM_COLOR_TEXT_CAN_REMOVE" val="n"/>
   <p:tag name="KSO_WM_DIAGRAM_MAX_ITEMCNT" val="4"/>
   <p:tag name="KSO_WM_DIAGRAM_MIN_ITEMCNT" val="2"/>
-  <p:tag name="KSO_WM_DIAGRAM_VIRTUALLY_FRAME" val="{&quot;height&quot;:366.2639465332031,&quot;width&quot;:850.4000244140625}"/>
+  <p:tag name="KSO_WM_DIAGRAM_VIRTUALLY_FRAME" val="{&quot;height&quot;:366.2639465332032,&quot;left&quot;:54.8,&quot;top&quot;:111.19306610347716,&quot;width&quot;:850.4411023622048}"/>
   <p:tag name="KSO_WM_DIAGRAM_COLOR_MATCH_VALUE" val="{&quot;shape&quot;:{&quot;fill&quot;:{&quot;type&quot;:0},&quot;glow&quot;:{&quot;colorType&quot;:0},&quot;line&quot;:{&quot;type&quot;:0},&quot;shadow&quot;:{&quot;colorType&quot;:0},&quot;threeD&quot;:{&quot;curvedSurface&quot;:{&quot;brightness&quot;:0,&quot;colorType&quot;:2,&quot;rgb&quot;:&quot;#000000&quot;},&quot;depth&quot;:{&quot;colorType&quot;:0}}},&quot;text&quot;:{&quot;fill&quot;:{&quot;solid&quot;:{&quot;brightness&quot;:0,&quot;colorType&quot;:2,&quot;rgb&quot;:&quot;#ffffff&quot;,&quot;transparency&quot;:0},&quot;type&quot;:1},&quot;glow&quot;:{&quot;colorType&quot;:0},&quot;line&quot;:{&quot;type&quot;:0},&quot;shadow&quot;:{&quot;colorType&quot;:0},&quot;threeD&quot;:{&quot;curvedSurface&quot;:{&quot;brightness&quot;:0,&quot;colorType&quot;:2,&quot;rgb&quot;:&quot;#000000&quot;},&quot;depth&quot;:{&quot;colorType&quot;:0}}}}"/>
   <p:tag name="KSO_WM_UNIT_TEXT_FILL_FORE_SCHEMECOLOR_INDEX_BRIGHTNESS" val="0"/>
   <p:tag name="KSO_WM_UNIT_TEXT_FILL_TYPE" val="1"/>
@@ -28837,7 +32076,7 @@
 </p:tagLst>
 </file>
 
-<file path=ppt/tags/tag378.xml><?xml version="1.0" encoding="utf-8"?>
+<file path=ppt/tags/tag373.xml><?xml version="1.0" encoding="utf-8"?>
 <p:tagLst xmlns:p="http://schemas.openxmlformats.org/presentationml/2006/main">
   <p:tag name="KSO_WM_UNIT_SUBTYPE" val="a"/>
   <p:tag name="KSO_WM_UNIT_NOCLEAR" val="0"/>
@@ -28860,7 +32099,7 @@
   <p:tag name="KSO_WM_DIAGRAM_COLOR_TEXT_CAN_REMOVE" val="n"/>
   <p:tag name="KSO_WM_DIAGRAM_MAX_ITEMCNT" val="4"/>
   <p:tag name="KSO_WM_DIAGRAM_MIN_ITEMCNT" val="2"/>
-  <p:tag name="KSO_WM_DIAGRAM_VIRTUALLY_FRAME" val="{&quot;height&quot;:366.2639465332031,&quot;width&quot;:850.4000244140625}"/>
+  <p:tag name="KSO_WM_DIAGRAM_VIRTUALLY_FRAME" val="{&quot;height&quot;:366.2639465332032,&quot;left&quot;:54.8,&quot;top&quot;:111.19306610347716,&quot;width&quot;:850.4411023622048}"/>
   <p:tag name="KSO_WM_DIAGRAM_COLOR_MATCH_VALUE" val="{&quot;shape&quot;:{&quot;fill&quot;:{&quot;type&quot;:0},&quot;glow&quot;:{&quot;colorType&quot;:0},&quot;line&quot;:{&quot;type&quot;:0},&quot;shadow&quot;:{&quot;colorType&quot;:0},&quot;threeD&quot;:{&quot;curvedSurface&quot;:{&quot;brightness&quot;:0,&quot;colorType&quot;:2,&quot;rgb&quot;:&quot;#000000&quot;},&quot;depth&quot;:{&quot;colorType&quot;:0}}},&quot;text&quot;:{&quot;fill&quot;:{&quot;solid&quot;:{&quot;brightness&quot;:0,&quot;colorType&quot;:2,&quot;rgb&quot;:&quot;#ffffff&quot;,&quot;transparency&quot;:0},&quot;type&quot;:1},&quot;glow&quot;:{&quot;colorType&quot;:0},&quot;line&quot;:{&quot;type&quot;:0},&quot;shadow&quot;:{&quot;colorType&quot;:0},&quot;threeD&quot;:{&quot;curvedSurface&quot;:{&quot;brightness&quot;:0,&quot;colorType&quot;:2,&quot;rgb&quot;:&quot;#000000&quot;},&quot;depth&quot;:{&quot;colorType&quot;:0}}}}"/>
   <p:tag name="KSO_WM_UNIT_TEXT_FILL_FORE_SCHEMECOLOR_INDEX_BRIGHTNESS" val="0"/>
   <p:tag name="KSO_WM_UNIT_TEXT_FILL_TYPE" val="1"/>
@@ -28870,7 +32109,7 @@
 </p:tagLst>
 </file>
 
-<file path=ppt/tags/tag379.xml><?xml version="1.0" encoding="utf-8"?>
+<file path=ppt/tags/tag374.xml><?xml version="1.0" encoding="utf-8"?>
 <p:tagLst xmlns:p="http://schemas.openxmlformats.org/presentationml/2006/main">
   <p:tag name="KSO_WM_UNIT_ISCONTENTSTITLE" val="0"/>
   <p:tag name="KSO_WM_UNIT_ISNUMDGMTITLE" val="0"/>
@@ -28894,7 +32133,7 @@
   <p:tag name="KSO_WM_DIAGRAM_COLOR_TEXT_CAN_REMOVE" val="n"/>
   <p:tag name="KSO_WM_DIAGRAM_MAX_ITEMCNT" val="4"/>
   <p:tag name="KSO_WM_DIAGRAM_MIN_ITEMCNT" val="2"/>
-  <p:tag name="KSO_WM_DIAGRAM_VIRTUALLY_FRAME" val="{&quot;height&quot;:366.2639465332031,&quot;width&quot;:850.4000244140625}"/>
+  <p:tag name="KSO_WM_DIAGRAM_VIRTUALLY_FRAME" val="{&quot;height&quot;:366.2639465332032,&quot;left&quot;:54.8,&quot;top&quot;:111.19306610347716,&quot;width&quot;:850.4411023622048}"/>
   <p:tag name="KSO_WM_DIAGRAM_COLOR_MATCH_VALUE" val="{&quot;shape&quot;:{&quot;fill&quot;:{&quot;type&quot;:0},&quot;glow&quot;:{&quot;colorType&quot;:0},&quot;line&quot;:{&quot;type&quot;:0},&quot;shadow&quot;:{&quot;colorType&quot;:0},&quot;threeD&quot;:{&quot;curvedSurface&quot;:{&quot;brightness&quot;:0,&quot;colorType&quot;:2,&quot;rgb&quot;:&quot;#000000&quot;},&quot;depth&quot;:{&quot;colorType&quot;:0}}},&quot;text&quot;:{&quot;fill&quot;:{&quot;solid&quot;:{&quot;brightness&quot;:0.15000000596046448,&quot;colorType&quot;:1,&quot;foreColorIndex&quot;:13,&quot;transparency&quot;:0},&quot;type&quot;:1},&quot;glow&quot;:{&quot;colorType&quot;:0},&quot;line&quot;:{&quot;type&quot;:0},&quot;shadow&quot;:{&quot;colorType&quot;:0},&quot;threeD&quot;:{&quot;curvedSurface&quot;:{&quot;brightness&quot;:0,&quot;colorType&quot;:2,&quot;rgb&quot;:&quot;#000000&quot;},&quot;depth&quot;:{&quot;colorType&quot;:0}}}}"/>
   <p:tag name="KSO_WM_UNIT_TEXT_FILL_FORE_SCHEMECOLOR_INDEX_BRIGHTNESS" val="0"/>
   <p:tag name="KSO_WM_UNIT_PRESET_TEXT" val="添加标题"/>
@@ -28904,20 +32143,7 @@
 </p:tagLst>
 </file>
 
-<file path=ppt/tags/tag38.xml><?xml version="1.0" encoding="utf-8"?>
-<p:tagLst xmlns:p="http://schemas.openxmlformats.org/presentationml/2006/main">
-  <p:tag name="KSO_WM_UNIT_HIGHLIGHT" val="0"/>
-  <p:tag name="KSO_WM_UNIT_COMPATIBLE" val="0"/>
-  <p:tag name="KSO_WM_UNIT_DIAGRAM_ISNUMVISUAL" val="0"/>
-  <p:tag name="KSO_WM_UNIT_DIAGRAM_ISREFERUNIT" val="0"/>
-  <p:tag name="KSO_WM_UNIT_ID" val="_8**"/>
-  <p:tag name="KSO_WM_UNIT_LAYERLEVEL" val="1"/>
-  <p:tag name="KSO_WM_TAG_VERSION" val="1.0"/>
-  <p:tag name="KSO_WM_BEAUTIFY_FLAG" val="#wm#"/>
-</p:tagLst>
-</file>
-
-<file path=ppt/tags/tag380.xml><?xml version="1.0" encoding="utf-8"?>
+<file path=ppt/tags/tag375.xml><?xml version="1.0" encoding="utf-8"?>
 <p:tagLst xmlns:p="http://schemas.openxmlformats.org/presentationml/2006/main">
   <p:tag name="KSO_WM_UNIT_SUBTYPE" val="a"/>
   <p:tag name="KSO_WM_UNIT_NOCLEAR" val="0"/>
@@ -28940,7 +32166,7 @@
   <p:tag name="KSO_WM_DIAGRAM_COLOR_TEXT_CAN_REMOVE" val="n"/>
   <p:tag name="KSO_WM_DIAGRAM_MAX_ITEMCNT" val="4"/>
   <p:tag name="KSO_WM_DIAGRAM_MIN_ITEMCNT" val="2"/>
-  <p:tag name="KSO_WM_DIAGRAM_VIRTUALLY_FRAME" val="{&quot;height&quot;:366.2639465332031,&quot;width&quot;:850.4000244140625}"/>
+  <p:tag name="KSO_WM_DIAGRAM_VIRTUALLY_FRAME" val="{&quot;height&quot;:366.2639465332032,&quot;left&quot;:54.8,&quot;top&quot;:111.19306610347716,&quot;width&quot;:850.4411023622048}"/>
   <p:tag name="KSO_WM_DIAGRAM_COLOR_MATCH_VALUE" val="{&quot;shape&quot;:{&quot;fill&quot;:{&quot;type&quot;:0},&quot;glow&quot;:{&quot;colorType&quot;:0},&quot;line&quot;:{&quot;type&quot;:0},&quot;shadow&quot;:{&quot;colorType&quot;:0},&quot;threeD&quot;:{&quot;curvedSurface&quot;:{&quot;brightness&quot;:0,&quot;colorType&quot;:2,&quot;rgb&quot;:&quot;#000000&quot;},&quot;depth&quot;:{&quot;colorType&quot;:0}}},&quot;text&quot;:{&quot;fill&quot;:{&quot;solid&quot;:{&quot;brightness&quot;:0.15000000596046448,&quot;colorType&quot;:1,&quot;foreColorIndex&quot;:13,&quot;transparency&quot;:0},&quot;type&quot;:1},&quot;glow&quot;:{&quot;colorType&quot;:0},&quot;line&quot;:{&quot;type&quot;:0},&quot;shadow&quot;:{&quot;colorType&quot;:0},&quot;threeD&quot;:{&quot;curvedSurface&quot;:{&quot;brightness&quot;:0,&quot;colorType&quot;:2,&quot;rgb&quot;:&quot;#000000&quot;},&quot;depth&quot;:{&quot;colorType&quot;:0}}}}"/>
   <p:tag name="KSO_WM_UNIT_PRESET_TEXT" val="单击此处添加文本具体内容，简明扼要地阐述您的观点。可酌情增减文字，以便观者准确地理解您传达的思想。"/>
   <p:tag name="KSO_WM_UNIT_TEXT_FILL_FORE_SCHEMECOLOR_INDEX" val="1"/>
@@ -28950,7 +32176,7 @@
 </p:tagLst>
 </file>
 
-<file path=ppt/tags/tag381.xml><?xml version="1.0" encoding="utf-8"?>
+<file path=ppt/tags/tag376.xml><?xml version="1.0" encoding="utf-8"?>
 <p:tagLst xmlns:p="http://schemas.openxmlformats.org/presentationml/2006/main">
   <p:tag name="KSO_WM_SLIDE_ID" val="diagram20230968_2"/>
   <p:tag name="KSO_WM_TEMPLATE_SUBCATEGORY" val="0"/>
@@ -28974,27 +32200,31 @@
 </p:tagLst>
 </file>
 
-<file path=ppt/tags/tag382.xml><?xml version="1.0" encoding="utf-8"?>
-<p:tagLst xmlns:p="http://schemas.openxmlformats.org/presentationml/2006/main">
-  <p:tag name="KSO_WM_UNIT_SUBTYPE" val="b"/>
+<file path=ppt/tags/tag377.xml><?xml version="1.0" encoding="utf-8"?>
+<p:tagLst xmlns:p="http://schemas.openxmlformats.org/presentationml/2006/main">
+  <p:tag name="KSO_WM_UNIT_ISCONTENTSTITLE" val="0"/>
+  <p:tag name="KSO_WM_UNIT_ISNUMDGMTITLE" val="0"/>
   <p:tag name="KSO_WM_UNIT_NOCLEAR" val="0"/>
-  <p:tag name="KSO_WM_UNIT_VALUE" val="60"/>
-  <p:tag name="KSO_WM_UNIT_HIGHLIGHT" val="0"/>
-  <p:tag name="KSO_WM_UNIT_COMPATIBLE" val="0"/>
-  <p:tag name="KSO_WM_UNIT_DIAGRAM_ISNUMVISUAL" val="0"/>
-  <p:tag name="KSO_WM_UNIT_DIAGRAM_ISREFERUNIT" val="0"/>
-  <p:tag name="KSO_WM_UNIT_TYPE" val="f"/>
+  <p:tag name="KSO_WM_UNIT_HIGHLIGHT" val="0"/>
+  <p:tag name="KSO_WM_UNIT_COMPATIBLE" val="0"/>
+  <p:tag name="KSO_WM_UNIT_DIAGRAM_ISNUMVISUAL" val="0"/>
+  <p:tag name="KSO_WM_UNIT_DIAGRAM_ISREFERUNIT" val="0"/>
+  <p:tag name="KSO_WM_DIAGRAM_GROUP_CODE" val="l1-1"/>
+  <p:tag name="KSO_WM_UNIT_TYPE" val="a"/>
   <p:tag name="KSO_WM_UNIT_INDEX" val="1"/>
-  <p:tag name="KSO_WM_UNIT_ID" val="custom20230301_11*f*1"/>
-  <p:tag name="KSO_WM_TEMPLATE_CATEGORY" val="custom"/>
-  <p:tag name="KSO_WM_TEMPLATE_INDEX" val="20230301"/>
+  <p:tag name="KSO_WM_UNIT_ID" val="diagram20233329_3*a*1"/>
+  <p:tag name="KSO_WM_TEMPLATE_CATEGORY" val="diagram"/>
+  <p:tag name="KSO_WM_TEMPLATE_INDEX" val="20233329"/>
   <p:tag name="KSO_WM_UNIT_LAYERLEVEL" val="1"/>
   <p:tag name="KSO_WM_TAG_VERSION" val="3.0"/>
   <p:tag name="KSO_WM_BEAUTIFY_FLAG" val="#wm#"/>
-</p:tagLst>
-</file>
-
-<file path=ppt/tags/tag383.xml><?xml version="1.0" encoding="utf-8"?>
+  <p:tag name="KSO_WM_UNIT_VALUE" val="29"/>
+  <p:tag name="KSO_WM_UNIT_TEXT_TYPE" val="1"/>
+  <p:tag name="KSO_WM_UNIT_PRESET_TEXT" val="单击此处添加标题"/>
+</p:tagLst>
+</file>
+
+<file path=ppt/tags/tag378.xml><?xml version="1.0" encoding="utf-8"?>
 <p:tagLst xmlns:p="http://schemas.openxmlformats.org/presentationml/2006/main">
   <p:tag name="KSO_WM_UNIT_ISCONTENTSTITLE" val="0"/>
   <p:tag name="KSO_WM_UNIT_ISNUMDGMTITLE" val="0"/>
@@ -29004,46 +32234,65 @@
   <p:tag name="KSO_WM_UNIT_COMPATIBLE" val="0"/>
   <p:tag name="KSO_WM_UNIT_DIAGRAM_ISNUMVISUAL" val="0"/>
   <p:tag name="KSO_WM_UNIT_DIAGRAM_ISREFERUNIT" val="0"/>
-  <p:tag name="KSO_WM_UNIT_TYPE" val="a"/>
-  <p:tag name="KSO_WM_UNIT_INDEX" val="1"/>
-  <p:tag name="KSO_WM_UNIT_ID" val="custom20230301_11*a*1"/>
-  <p:tag name="KSO_WM_TEMPLATE_CATEGORY" val="custom"/>
-  <p:tag name="KSO_WM_TEMPLATE_INDEX" val="20230301"/>
-  <p:tag name="KSO_WM_UNIT_LAYERLEVEL" val="1"/>
+  <p:tag name="KSO_WM_DIAGRAM_GROUP_CODE" val="l1-1"/>
+  <p:tag name="KSO_WM_DIAGRAM_VERSION" val="3"/>
+  <p:tag name="KSO_WM_DIAGRAM_COLOR_TRICK" val="1"/>
+  <p:tag name="KSO_WM_DIAGRAM_COLOR_TEXT_CAN_REMOVE" val="n"/>
+  <p:tag name="KSO_WM_DIAGRAM_MAX_ITEMCNT" val="4"/>
+  <p:tag name="KSO_WM_DIAGRAM_MIN_ITEMCNT" val="2"/>
+  <p:tag name="KSO_WM_DIAGRAM_VIRTUALLY_FRAME" val="{&quot;height&quot;:387.88141732283464,&quot;left&quot;:83.16770888441188,&quot;top&quot;:130.94653543307086,&quot;width&quot;:792.289306640625}"/>
+  <p:tag name="KSO_WM_DIAGRAM_COLOR_MATCH_VALUE" val="{&quot;shape&quot;:{&quot;fill&quot;:{&quot;type&quot;:0},&quot;glow&quot;:{&quot;colorType&quot;:0},&quot;line&quot;:{&quot;type&quot;:0},&quot;shadow&quot;:{&quot;colorType&quot;:0},&quot;threeD&quot;:{&quot;curvedSurface&quot;:{&quot;brightness&quot;:0,&quot;colorType&quot;:2,&quot;rgb&quot;:&quot;#000000&quot;},&quot;depth&quot;:{&quot;colorType&quot;:0}}},&quot;text&quot;:{&quot;fill&quot;:{&quot;solid&quot;:{&quot;brightness&quot;:0,&quot;colorType&quot;:1,&quot;foreColorIndex&quot;:5,&quot;transparency&quot;:0},&quot;type&quot;:1},&quot;glow&quot;:{&quot;colorType&quot;:0},&quot;line&quot;:{&quot;type&quot;:0},&quot;shadow&quot;:{&quot;colorType&quot;:0},&quot;threeD&quot;:{&quot;curvedSurface&quot;:{&quot;brightness&quot;:0,&quot;colorType&quot;:2,&quot;rgb&quot;:&quot;#000000&quot;},&quot;depth&quot;:{&quot;colorType&quot;:0}}}}"/>
+  <p:tag name="KSO_WM_UNIT_TYPE" val="l_h_a"/>
+  <p:tag name="KSO_WM_UNIT_INDEX" val="1_1_1"/>
+  <p:tag name="KSO_WM_UNIT_ID" val="diagram20233329_2*l_h_a*1_1_1"/>
+  <p:tag name="KSO_WM_TEMPLATE_CATEGORY" val="diagram"/>
+  <p:tag name="KSO_WM_TEMPLATE_INDEX" val="20233329"/>
+  <p:tag name="KSO_WM_UNIT_LAYERLEVEL" val="1_1_1"/>
   <p:tag name="KSO_WM_TAG_VERSION" val="3.0"/>
-  <p:tag name="KSO_WM_BEAUTIFY_FLAG" val="#wm#"/>
-  <p:tag name="KSO_WM_UNIT_CONTENT_GROUP_TYPE" val="contentchip"/>
-</p:tagLst>
-</file>
-
-<file path=ppt/tags/tag384.xml><?xml version="1.0" encoding="utf-8"?>
-<p:tagLst xmlns:p="http://schemas.openxmlformats.org/presentationml/2006/main">
-  <p:tag name="KSO_WM_SLIDE_ID" val="custom20230301_11"/>
-  <p:tag name="KSO_WM_TEMPLATE_SUBCATEGORY" val="29"/>
-  <p:tag name="KSO_WM_TEMPLATE_MASTER_TYPE" val="0"/>
-  <p:tag name="KSO_WM_TEMPLATE_COLOR_TYPE" val="0"/>
-  <p:tag name="KSO_WM_SLIDE_ITEM_CNT" val="0"/>
-  <p:tag name="KSO_WM_SLIDE_INDEX" val="11"/>
+  <p:tag name="KSO_WM_UNIT_TEXT_FILL_FORE_SCHEMECOLOR_INDEX_BRIGHTNESS" val="0.15"/>
+  <p:tag name="KSO_WM_UNIT_TEXT_TYPE" val="1"/>
+  <p:tag name="KSO_WM_BEAUTIFY_FLAG" val="#wm#"/>
+  <p:tag name="KSO_WM_UNIT_PRESET_TEXT" val="单击添加项标题"/>
+  <p:tag name="KSO_WM_UNIT_TEXT_FILL_FORE_SCHEMECOLOR_INDEX" val="1"/>
+  <p:tag name="KSO_WM_UNIT_TEXT_FILL_TYPE" val="1"/>
+</p:tagLst>
+</file>
+
+<file path=ppt/tags/tag379.xml><?xml version="1.0" encoding="utf-8"?>
+<p:tagLst xmlns:p="http://schemas.openxmlformats.org/presentationml/2006/main">
+  <p:tag name="KSO_WM_UNIT_SUBTYPE" val="a"/>
+  <p:tag name="KSO_WM_UNIT_NOCLEAR" val="0"/>
+  <p:tag name="KSO_WM_UNIT_VALUE" val="60"/>
+  <p:tag name="KSO_WM_UNIT_HIGHLIGHT" val="0"/>
+  <p:tag name="KSO_WM_UNIT_COMPATIBLE" val="0"/>
+  <p:tag name="KSO_WM_UNIT_DIAGRAM_ISNUMVISUAL" val="0"/>
+  <p:tag name="KSO_WM_UNIT_DIAGRAM_ISREFERUNIT" val="0"/>
+  <p:tag name="KSO_WM_DIAGRAM_GROUP_CODE" val="l1-1"/>
+  <p:tag name="KSO_WM_DIAGRAM_VERSION" val="3"/>
+  <p:tag name="KSO_WM_DIAGRAM_COLOR_TRICK" val="1"/>
+  <p:tag name="KSO_WM_DIAGRAM_COLOR_TEXT_CAN_REMOVE" val="n"/>
+  <p:tag name="KSO_WM_DIAGRAM_MAX_ITEMCNT" val="4"/>
+  <p:tag name="KSO_WM_DIAGRAM_MIN_ITEMCNT" val="2"/>
+  <p:tag name="KSO_WM_DIAGRAM_VIRTUALLY_FRAME" val="{&quot;height&quot;:387.88141732283464,&quot;left&quot;:83.16770888441188,&quot;top&quot;:130.94653543307086,&quot;width&quot;:792.289306640625}"/>
+  <p:tag name="KSO_WM_DIAGRAM_COLOR_MATCH_VALUE" val="{&quot;shape&quot;:{&quot;fill&quot;:{&quot;type&quot;:0},&quot;glow&quot;:{&quot;colorType&quot;:0},&quot;line&quot;:{&quot;type&quot;:0},&quot;shadow&quot;:{&quot;colorType&quot;:0},&quot;threeD&quot;:{&quot;curvedSurface&quot;:{&quot;brightness&quot;:0,&quot;colorType&quot;:2,&quot;rgb&quot;:&quot;#000000&quot;},&quot;depth&quot;:{&quot;colorType&quot;:0}}},&quot;text&quot;:{&quot;fill&quot;:{&quot;solid&quot;:{&quot;brightness&quot;:0.15000000596046448,&quot;colorType&quot;:1,&quot;foreColorIndex&quot;:13,&quot;transparency&quot;:0},&quot;type&quot;:1},&quot;glow&quot;:{&quot;colorType&quot;:0},&quot;line&quot;:{&quot;type&quot;:0},&quot;shadow&quot;:{&quot;colorType&quot;:0},&quot;threeD&quot;:{&quot;curvedSurface&quot;:{&quot;brightness&quot;:0,&quot;colorType&quot;:2,&quot;rgb&quot;:&quot;#000000&quot;},&quot;depth&quot;:{&quot;colorType&quot;:0}}}}"/>
+  <p:tag name="KSO_WM_UNIT_TYPE" val="l_h_f"/>
+  <p:tag name="KSO_WM_UNIT_INDEX" val="1_1_1"/>
+  <p:tag name="KSO_WM_UNIT_ID" val="diagram20233329_2*l_h_f*1_1_1"/>
+  <p:tag name="KSO_WM_TEMPLATE_CATEGORY" val="diagram"/>
+  <p:tag name="KSO_WM_TEMPLATE_INDEX" val="20233329"/>
+  <p:tag name="KSO_WM_UNIT_LAYERLEVEL" val="1_1_1"/>
   <p:tag name="KSO_WM_TAG_VERSION" val="3.0"/>
-  <p:tag name="KSO_WM_BEAUTIFY_FLAG" val="#wm#"/>
-  <p:tag name="KSO_WM_TEMPLATE_CATEGORY" val="custom"/>
-  <p:tag name="KSO_WM_TEMPLATE_INDEX" val="20230301"/>
-  <p:tag name="KSO_WM_SLIDE_TYPE" val="endPage"/>
-  <p:tag name="KSO_WM_SLIDE_SUBTYPE" val="pureTxt"/>
-  <p:tag name="KSO_WM_SLIDE_LAYOUT" val="a_f"/>
-  <p:tag name="KSO_WM_SLIDE_LAYOUT_CNT" val="1_1"/>
-  <p:tag name="KSO_WM_SPECIAL_SOURCE" val="bdnull"/>
-  <p:tag name="KSO_WM_SLIDE_CONTENT_AREA" val="{&quot;left&quot;:&quot;16.65&quot;,&quot;top&quot;:&quot;120.25&quot;,&quot;width&quot;:&quot;708.25&quot;,&quot;height&quot;:&quot;249.75&quot;}"/>
-</p:tagLst>
-</file>
-
-<file path=ppt/tags/tag385.xml><?xml version="1.0" encoding="utf-8"?>
-<p:tagLst xmlns:p="http://schemas.openxmlformats.org/presentationml/2006/main">
-  <p:tag name="KSO_WM_PRESENTATION_SOURCE" val="WPPAIGeneratePPT"/>
-</p:tagLst>
-</file>
-
-<file path=ppt/tags/tag39.xml><?xml version="1.0" encoding="utf-8"?>
+  <p:tag name="KSO_WM_UNIT_TEXT_FILL_FORE_SCHEMECOLOR_INDEX_BRIGHTNESS" val="0.15"/>
+  <p:tag name="KSO_WM_UNIT_TEXT_TYPE" val="1"/>
+  <p:tag name="KSO_WM_UNIT_TEXT_LAYER_COUNT" val="1"/>
+  <p:tag name="KSO_WM_BEAUTIFY_FLAG" val="#wm#"/>
+  <p:tag name="KSO_WM_UNIT_PRESET_TEXT" val="单击此处添加文本具体内容，简明扼要地阐述您的内容观点。根据需要可酌情增减文字，以便观者准确地理解您传达的思想。"/>
+  <p:tag name="KSO_WM_UNIT_TEXT_FILL_FORE_SCHEMECOLOR_INDEX" val="1"/>
+  <p:tag name="KSO_WM_UNIT_TEXT_FILL_TYPE" val="1"/>
+</p:tagLst>
+</file>
+
+<file path=ppt/tags/tag38.xml><?xml version="1.0" encoding="utf-8"?>
 <p:tagLst xmlns:p="http://schemas.openxmlformats.org/presentationml/2006/main">
   <p:tag name="KSO_WM_UNIT_HIGHLIGHT" val="0"/>
   <p:tag name="KSO_WM_UNIT_COMPATIBLE" val="0"/>
@@ -29053,6 +32302,375 @@
   <p:tag name="KSO_WM_UNIT_LAYERLEVEL" val="1"/>
   <p:tag name="KSO_WM_TAG_VERSION" val="1.0"/>
   <p:tag name="KSO_WM_BEAUTIFY_FLAG" val="#wm#"/>
+</p:tagLst>
+</file>
+
+<file path=ppt/tags/tag380.xml><?xml version="1.0" encoding="utf-8"?>
+<p:tagLst xmlns:p="http://schemas.openxmlformats.org/presentationml/2006/main">
+  <p:tag name="KSO_WM_DIAGRAM_VIRTUALLY_FRAME" val="{&quot;height&quot;:387.88141732283464,&quot;left&quot;:83.16770888441188,&quot;top&quot;:130.94653543307086,&quot;width&quot;:792.289306640625}"/>
+  <p:tag name="KSO_WM_DIAGRAM_VERSION" val="3"/>
+  <p:tag name="KSO_WM_DIAGRAM_COLOR_TRICK" val="1"/>
+  <p:tag name="KSO_WM_DIAGRAM_COLOR_TEXT_CAN_REMOVE" val="n"/>
+  <p:tag name="KSO_WM_UNIT_VALUE" val="753*485"/>
+  <p:tag name="KSO_WM_UNIT_HIGHLIGHT" val="0"/>
+  <p:tag name="KSO_WM_UNIT_COMPATIBLE" val="0"/>
+  <p:tag name="KSO_WM_UNIT_DIAGRAM_ISNUMVISUAL" val="0"/>
+  <p:tag name="KSO_WM_UNIT_DIAGRAM_ISREFERUNIT" val="0"/>
+  <p:tag name="KSO_WM_DIAGRAM_GROUP_CODE" val="l1-1"/>
+  <p:tag name="KSO_WM_UNIT_TYPE" val="l_h_d"/>
+  <p:tag name="KSO_WM_UNIT_INDEX" val="1_1_1"/>
+  <p:tag name="KSO_WM_UNIT_ID" val="diagram20233329_2*l_h_d*1_1_1"/>
+  <p:tag name="KSO_WM_TEMPLATE_CATEGORY" val="diagram"/>
+  <p:tag name="KSO_WM_TEMPLATE_INDEX" val="20233329"/>
+  <p:tag name="KSO_WM_UNIT_LAYERLEVEL" val="1_1_1"/>
+  <p:tag name="KSO_WM_TAG_VERSION" val="3.0"/>
+  <p:tag name="KSO_WM_DIAGRAM_MAX_ITEMCNT" val="4"/>
+  <p:tag name="KSO_WM_DIAGRAM_MIN_ITEMCNT" val="2"/>
+  <p:tag name="KSO_WM_DIAGRAM_COLOR_MATCH_VALUE" val="{&quot;shape&quot;:{&quot;fill&quot;:{&quot;solid&quot;:{&quot;brightness&quot;:0,&quot;colorType&quot;:1,&quot;foreColorIndex&quot;:5,&quot;transparency&quot;:0},&quot;type&quot;:1},&quot;glow&quot;:{&quot;colorType&quot;:0},&quot;line&quot;:{&quot;solidLine&quot;:{&quot;brightness&quot;:0,&quot;colorType&quot;:1,&quot;foreColorIndex&quot;:5,&quot;transparency&quot;:0.800000011920929},&quot;type&quot;:1},&quot;shadow&quot;:{&quot;colorType&quot;:0},&quot;threeD&quot;:{&quot;curvedSurface&quot;:{&quot;brightness&quot;:0,&quot;colorType&quot;:2,&quot;rgb&quot;:&quot;#000000&quot;},&quot;depth&quot;:{&quot;colorType&quot;:0}}},&quot;text&quot;:{&quot;fill&quot;:{},&quot;glow&quot;:{},&quot;line&quot;:{},&quot;shadow&quot;:{},&quot;threeD&quot;:{}}}"/>
+  <p:tag name="KSO_WM_UNIT_PICTURE_SUBTYPE" val="b"/>
+  <p:tag name="KSO_WM_BEAUTIFY_FLAG" val="#wm#"/>
+  <p:tag name="KSO_WM_UNIT_FILL_TYPE" val="1"/>
+  <p:tag name="KSO_WM_UNIT_FILL_FORE_SCHEMECOLOR_INDEX" val="5"/>
+  <p:tag name="KSO_WM_UNIT_FILL_FORE_SCHEMECOLOR_INDEX_BRIGHTNESS" val="0"/>
+  <p:tag name="KSO_WM_UNIT_LINE_FORE_SCHEMECOLOR_INDEX" val="5"/>
+  <p:tag name="MH_PIC_SOURCE_TYPE" val="generate_slide_ai*{&quot;ai_type&quot;:&quot;generate_ppt&quot;,&quot;id&quot;:&quot;VCG211396230595&quot;}*auto__ai_v2.1.2_ONLINE*1749986010672_830ae2_5debddf33083-slide-5"/>
+</p:tagLst>
+</file>
+
+<file path=ppt/tags/tag381.xml><?xml version="1.0" encoding="utf-8"?>
+<p:tagLst xmlns:p="http://schemas.openxmlformats.org/presentationml/2006/main">
+  <p:tag name="KSO_WM_DIAGRAM_VIRTUALLY_FRAME" val="{&quot;height&quot;:387.88141732283464,&quot;left&quot;:83.16770888441188,&quot;top&quot;:130.94653543307086,&quot;width&quot;:792.289306640625}"/>
+  <p:tag name="KSO_WM_UNIT_HIGHLIGHT" val="0"/>
+  <p:tag name="KSO_WM_UNIT_COMPATIBLE" val="0"/>
+  <p:tag name="KSO_WM_UNIT_DIAGRAM_ISNUMVISUAL" val="0"/>
+  <p:tag name="KSO_WM_UNIT_DIAGRAM_ISREFERUNIT" val="0"/>
+  <p:tag name="KSO_WM_UNIT_SUBTYPE" val="d"/>
+  <p:tag name="KSO_WM_UNIT_TYPE" val="l_h_i"/>
+  <p:tag name="KSO_WM_UNIT_INDEX" val="1_1_1"/>
+  <p:tag name="KSO_WM_UNIT_ID" val="diagram20233329_2*l_h_i*1_1_1"/>
+  <p:tag name="KSO_WM_TEMPLATE_CATEGORY" val="diagram"/>
+  <p:tag name="KSO_WM_TEMPLATE_INDEX" val="20233329"/>
+  <p:tag name="KSO_WM_UNIT_LAYERLEVEL" val="1_1_1"/>
+  <p:tag name="KSO_WM_TAG_VERSION" val="3.0"/>
+  <p:tag name="KSO_WM_UNIT_TEXT_FILL_FORE_SCHEMECOLOR_INDEX_BRIGHTNESS" val="0.15"/>
+  <p:tag name="KSO_WM_DIAGRAM_VERSION" val="3"/>
+  <p:tag name="KSO_WM_DIAGRAM_COLOR_TRICK" val="1"/>
+  <p:tag name="KSO_WM_DIAGRAM_COLOR_TEXT_CAN_REMOVE" val="n"/>
+  <p:tag name="KSO_WM_DIAGRAM_GROUP_CODE" val="l1-1"/>
+  <p:tag name="KSO_WM_UNIT_FILL_FORE_SCHEMECOLOR_INDEX" val="14"/>
+  <p:tag name="KSO_WM_UNIT_FILL_FORE_SCHEMECOLOR_INDEX_BRIGHTNESS" val="0"/>
+  <p:tag name="KSO_WM_DIAGRAM_MAX_ITEMCNT" val="4"/>
+  <p:tag name="KSO_WM_DIAGRAM_MIN_ITEMCNT" val="2"/>
+  <p:tag name="KSO_WM_DIAGRAM_COLOR_MATCH_VALUE" val="{&quot;shape&quot;:{&quot;fill&quot;:{&quot;solid&quot;:{&quot;brightness&quot;:0,&quot;colorType&quot;:2,&quot;rgb&quot;:&quot;#ffffff&quot;,&quot;transparency&quot;:0},&quot;type&quot;:1},&quot;glow&quot;:{&quot;colorType&quot;:0},&quot;line&quot;:{&quot;solidLine&quot;:{&quot;brightness&quot;:0,&quot;colorType&quot;:1,&quot;foreColorIndex&quot;:5,&quot;transparency&quot;:0},&quot;type&quot;:1},&quot;shadow&quot;:{&quot;colorType&quot;:0},&quot;threeD&quot;:{&quot;curvedSurface&quot;:{&quot;brightness&quot;:0,&quot;colorType&quot;:2,&quot;rgb&quot;:&quot;#000000&quot;},&quot;depth&quot;:{&quot;colorType&quot;:0}}},&quot;text&quot;:{&quot;fill&quot;:{&quot;solid&quot;:{&quot;brightness&quot;:0,&quot;colorType&quot;:1,&quot;foreColorIndex&quot;:5,&quot;transparency&quot;:0},&quot;type&quot;:1},&quot;glow&quot;:{&quot;colorType&quot;:0},&quot;line&quot;:{&quot;type&quot;:0},&quot;shadow&quot;:{&quot;colorType&quot;:0},&quot;threeD&quot;:{&quot;curvedSurface&quot;:{&quot;brightness&quot;:0,&quot;colorType&quot;:2,&quot;rgb&quot;:&quot;#000000&quot;},&quot;depth&quot;:{&quot;colorType&quot;:0}}}}"/>
+  <p:tag name="KSO_WM_BEAUTIFY_FLAG" val="#wm#"/>
+  <p:tag name="KSO_WM_UNIT_LINE_FORE_SCHEMECOLOR_INDEX" val="5"/>
+  <p:tag name="KSO_WM_UNIT_TEXT_FILL_FORE_SCHEMECOLOR_INDEX" val="1"/>
+  <p:tag name="KSO_WM_UNIT_TEXT_FILL_TYPE" val="1"/>
+</p:tagLst>
+</file>
+
+<file path=ppt/tags/tag382.xml><?xml version="1.0" encoding="utf-8"?>
+<p:tagLst xmlns:p="http://schemas.openxmlformats.org/presentationml/2006/main">
+  <p:tag name="KSO_WM_DIAGRAM_VIRTUALLY_FRAME" val="{&quot;height&quot;:387.88141732283464,&quot;left&quot;:83.16770888441188,&quot;top&quot;:130.94653543307086,&quot;width&quot;:792.289306640625}"/>
+  <p:tag name="KSO_WM_DIAGRAM_VERSION" val="3"/>
+  <p:tag name="KSO_WM_DIAGRAM_COLOR_TRICK" val="1"/>
+  <p:tag name="KSO_WM_DIAGRAM_COLOR_TEXT_CAN_REMOVE" val="n"/>
+  <p:tag name="KSO_WM_UNIT_VALUE" val="753*485"/>
+  <p:tag name="KSO_WM_UNIT_HIGHLIGHT" val="0"/>
+  <p:tag name="KSO_WM_UNIT_COMPATIBLE" val="0"/>
+  <p:tag name="KSO_WM_UNIT_DIAGRAM_ISNUMVISUAL" val="0"/>
+  <p:tag name="KSO_WM_UNIT_DIAGRAM_ISREFERUNIT" val="0"/>
+  <p:tag name="KSO_WM_DIAGRAM_GROUP_CODE" val="l1-1"/>
+  <p:tag name="KSO_WM_UNIT_TYPE" val="l_h_d"/>
+  <p:tag name="KSO_WM_UNIT_INDEX" val="1_2_1"/>
+  <p:tag name="KSO_WM_UNIT_ID" val="diagram20233329_2*l_h_d*1_2_1"/>
+  <p:tag name="KSO_WM_TEMPLATE_CATEGORY" val="diagram"/>
+  <p:tag name="KSO_WM_TEMPLATE_INDEX" val="20233329"/>
+  <p:tag name="KSO_WM_UNIT_LAYERLEVEL" val="1_1_1"/>
+  <p:tag name="KSO_WM_TAG_VERSION" val="3.0"/>
+  <p:tag name="KSO_WM_DIAGRAM_MAX_ITEMCNT" val="4"/>
+  <p:tag name="KSO_WM_DIAGRAM_MIN_ITEMCNT" val="2"/>
+  <p:tag name="KSO_WM_DIAGRAM_COLOR_MATCH_VALUE" val="{&quot;shape&quot;:{&quot;fill&quot;:{&quot;solid&quot;:{&quot;brightness&quot;:0,&quot;colorType&quot;:1,&quot;foreColorIndex&quot;:5,&quot;transparency&quot;:0},&quot;type&quot;:1},&quot;glow&quot;:{&quot;colorType&quot;:0},&quot;line&quot;:{&quot;solidLine&quot;:{&quot;brightness&quot;:0,&quot;colorType&quot;:1,&quot;foreColorIndex&quot;:5,&quot;transparency&quot;:0.800000011920929},&quot;type&quot;:1},&quot;shadow&quot;:{&quot;colorType&quot;:0},&quot;threeD&quot;:{&quot;curvedSurface&quot;:{&quot;brightness&quot;:0,&quot;colorType&quot;:2,&quot;rgb&quot;:&quot;#000000&quot;},&quot;depth&quot;:{&quot;colorType&quot;:0}}},&quot;text&quot;:{&quot;fill&quot;:{},&quot;glow&quot;:{},&quot;line&quot;:{},&quot;shadow&quot;:{},&quot;threeD&quot;:{}}}"/>
+  <p:tag name="KSO_WM_UNIT_PICTURE_SUBTYPE" val="b"/>
+  <p:tag name="KSO_WM_BEAUTIFY_FLAG" val="#wm#"/>
+  <p:tag name="KSO_WM_UNIT_FILL_TYPE" val="1"/>
+  <p:tag name="KSO_WM_UNIT_FILL_FORE_SCHEMECOLOR_INDEX" val="5"/>
+  <p:tag name="KSO_WM_UNIT_FILL_FORE_SCHEMECOLOR_INDEX_BRIGHTNESS" val="0"/>
+  <p:tag name="KSO_WM_UNIT_LINE_FORE_SCHEMECOLOR_INDEX" val="5"/>
+  <p:tag name="MH_PIC_SOURCE_TYPE" val="generate_slide_ai*{&quot;ai_type&quot;:&quot;generate_ppt&quot;,&quot;id&quot;:&quot;VCG41N1498664317&quot;}*auto__ai_v2.1.2_ONLINE*1749986010672_830ae2_5debddf33083-slide-5"/>
+</p:tagLst>
+</file>
+
+<file path=ppt/tags/tag383.xml><?xml version="1.0" encoding="utf-8"?>
+<p:tagLst xmlns:p="http://schemas.openxmlformats.org/presentationml/2006/main">
+  <p:tag name="KSO_WM_DIAGRAM_VIRTUALLY_FRAME" val="{&quot;height&quot;:387.88141732283464,&quot;left&quot;:83.16770888441188,&quot;top&quot;:130.94653543307086,&quot;width&quot;:792.289306640625}"/>
+  <p:tag name="KSO_WM_UNIT_HIGHLIGHT" val="0"/>
+  <p:tag name="KSO_WM_UNIT_COMPATIBLE" val="0"/>
+  <p:tag name="KSO_WM_UNIT_DIAGRAM_ISNUMVISUAL" val="0"/>
+  <p:tag name="KSO_WM_UNIT_DIAGRAM_ISREFERUNIT" val="0"/>
+  <p:tag name="KSO_WM_UNIT_SUBTYPE" val="d"/>
+  <p:tag name="KSO_WM_UNIT_TYPE" val="l_h_i"/>
+  <p:tag name="KSO_WM_UNIT_INDEX" val="1_2_1"/>
+  <p:tag name="KSO_WM_UNIT_ID" val="diagram20233329_2*l_h_i*1_2_1"/>
+  <p:tag name="KSO_WM_TEMPLATE_CATEGORY" val="diagram"/>
+  <p:tag name="KSO_WM_TEMPLATE_INDEX" val="20233329"/>
+  <p:tag name="KSO_WM_UNIT_LAYERLEVEL" val="1_1_1"/>
+  <p:tag name="KSO_WM_TAG_VERSION" val="3.0"/>
+  <p:tag name="KSO_WM_UNIT_TEXT_FILL_FORE_SCHEMECOLOR_INDEX_BRIGHTNESS" val="0.15"/>
+  <p:tag name="KSO_WM_DIAGRAM_VERSION" val="3"/>
+  <p:tag name="KSO_WM_DIAGRAM_COLOR_TRICK" val="1"/>
+  <p:tag name="KSO_WM_DIAGRAM_COLOR_TEXT_CAN_REMOVE" val="n"/>
+  <p:tag name="KSO_WM_DIAGRAM_GROUP_CODE" val="l1-1"/>
+  <p:tag name="KSO_WM_UNIT_FILL_FORE_SCHEMECOLOR_INDEX" val="14"/>
+  <p:tag name="KSO_WM_UNIT_FILL_FORE_SCHEMECOLOR_INDEX_BRIGHTNESS" val="0"/>
+  <p:tag name="KSO_WM_DIAGRAM_MAX_ITEMCNT" val="4"/>
+  <p:tag name="KSO_WM_DIAGRAM_MIN_ITEMCNT" val="2"/>
+  <p:tag name="KSO_WM_DIAGRAM_COLOR_MATCH_VALUE" val="{&quot;shape&quot;:{&quot;fill&quot;:{&quot;solid&quot;:{&quot;brightness&quot;:0,&quot;colorType&quot;:2,&quot;rgb&quot;:&quot;#ffffff&quot;,&quot;transparency&quot;:0},&quot;type&quot;:1},&quot;glow&quot;:{&quot;colorType&quot;:0},&quot;line&quot;:{&quot;solidLine&quot;:{&quot;brightness&quot;:0,&quot;colorType&quot;:1,&quot;foreColorIndex&quot;:5,&quot;transparency&quot;:0},&quot;type&quot;:1},&quot;shadow&quot;:{&quot;colorType&quot;:0},&quot;threeD&quot;:{&quot;curvedSurface&quot;:{&quot;brightness&quot;:0,&quot;colorType&quot;:2,&quot;rgb&quot;:&quot;#000000&quot;},&quot;depth&quot;:{&quot;colorType&quot;:0}}},&quot;text&quot;:{&quot;fill&quot;:{&quot;solid&quot;:{&quot;brightness&quot;:0,&quot;colorType&quot;:1,&quot;foreColorIndex&quot;:5,&quot;transparency&quot;:0},&quot;type&quot;:1},&quot;glow&quot;:{&quot;colorType&quot;:0},&quot;line&quot;:{&quot;type&quot;:0},&quot;shadow&quot;:{&quot;colorType&quot;:0},&quot;threeD&quot;:{&quot;curvedSurface&quot;:{&quot;brightness&quot;:0,&quot;colorType&quot;:2,&quot;rgb&quot;:&quot;#000000&quot;},&quot;depth&quot;:{&quot;colorType&quot;:0}}}}"/>
+  <p:tag name="KSO_WM_BEAUTIFY_FLAG" val="#wm#"/>
+  <p:tag name="KSO_WM_UNIT_LINE_FORE_SCHEMECOLOR_INDEX" val="5"/>
+  <p:tag name="KSO_WM_UNIT_TEXT_FILL_FORE_SCHEMECOLOR_INDEX" val="1"/>
+  <p:tag name="KSO_WM_UNIT_TEXT_FILL_TYPE" val="1"/>
+</p:tagLst>
+</file>
+
+<file path=ppt/tags/tag384.xml><?xml version="1.0" encoding="utf-8"?>
+<p:tagLst xmlns:p="http://schemas.openxmlformats.org/presentationml/2006/main">
+  <p:tag name="KSO_WM_UNIT_ISCONTENTSTITLE" val="0"/>
+  <p:tag name="KSO_WM_UNIT_ISNUMDGMTITLE" val="0"/>
+  <p:tag name="KSO_WM_UNIT_NOCLEAR" val="0"/>
+  <p:tag name="KSO_WM_UNIT_VALUE" val="10"/>
+  <p:tag name="KSO_WM_UNIT_HIGHLIGHT" val="0"/>
+  <p:tag name="KSO_WM_UNIT_COMPATIBLE" val="0"/>
+  <p:tag name="KSO_WM_UNIT_DIAGRAM_ISNUMVISUAL" val="0"/>
+  <p:tag name="KSO_WM_UNIT_DIAGRAM_ISREFERUNIT" val="0"/>
+  <p:tag name="KSO_WM_DIAGRAM_GROUP_CODE" val="l1-1"/>
+  <p:tag name="KSO_WM_DIAGRAM_VERSION" val="3"/>
+  <p:tag name="KSO_WM_DIAGRAM_COLOR_TRICK" val="1"/>
+  <p:tag name="KSO_WM_DIAGRAM_COLOR_TEXT_CAN_REMOVE" val="n"/>
+  <p:tag name="KSO_WM_DIAGRAM_MAX_ITEMCNT" val="4"/>
+  <p:tag name="KSO_WM_DIAGRAM_MIN_ITEMCNT" val="2"/>
+  <p:tag name="KSO_WM_DIAGRAM_VIRTUALLY_FRAME" val="{&quot;height&quot;:387.88141732283464,&quot;left&quot;:83.16770888441188,&quot;top&quot;:130.94653543307086,&quot;width&quot;:792.289306640625}"/>
+  <p:tag name="KSO_WM_DIAGRAM_COLOR_MATCH_VALUE" val="{&quot;shape&quot;:{&quot;fill&quot;:{&quot;type&quot;:0},&quot;glow&quot;:{&quot;colorType&quot;:0},&quot;line&quot;:{&quot;type&quot;:0},&quot;shadow&quot;:{&quot;colorType&quot;:0},&quot;threeD&quot;:{&quot;curvedSurface&quot;:{&quot;brightness&quot;:0,&quot;colorType&quot;:2,&quot;rgb&quot;:&quot;#000000&quot;},&quot;depth&quot;:{&quot;colorType&quot;:0}}},&quot;text&quot;:{&quot;fill&quot;:{&quot;solid&quot;:{&quot;brightness&quot;:0,&quot;colorType&quot;:1,&quot;foreColorIndex&quot;:5,&quot;transparency&quot;:0},&quot;type&quot;:1},&quot;glow&quot;:{&quot;colorType&quot;:0},&quot;line&quot;:{&quot;type&quot;:0},&quot;shadow&quot;:{&quot;colorType&quot;:0},&quot;threeD&quot;:{&quot;curvedSurface&quot;:{&quot;brightness&quot;:0,&quot;colorType&quot;:2,&quot;rgb&quot;:&quot;#000000&quot;},&quot;depth&quot;:{&quot;colorType&quot;:0}}}}"/>
+  <p:tag name="KSO_WM_UNIT_TYPE" val="l_h_a"/>
+  <p:tag name="KSO_WM_UNIT_INDEX" val="1_2_1"/>
+  <p:tag name="KSO_WM_UNIT_ID" val="diagram20233329_2*l_h_a*1_2_1"/>
+  <p:tag name="KSO_WM_TEMPLATE_CATEGORY" val="diagram"/>
+  <p:tag name="KSO_WM_TEMPLATE_INDEX" val="20233329"/>
+  <p:tag name="KSO_WM_UNIT_LAYERLEVEL" val="1_1_1"/>
+  <p:tag name="KSO_WM_TAG_VERSION" val="3.0"/>
+  <p:tag name="KSO_WM_UNIT_TEXT_FILL_FORE_SCHEMECOLOR_INDEX_BRIGHTNESS" val="0.15"/>
+  <p:tag name="KSO_WM_UNIT_TEXT_TYPE" val="1"/>
+  <p:tag name="KSO_WM_BEAUTIFY_FLAG" val="#wm#"/>
+  <p:tag name="KSO_WM_UNIT_PRESET_TEXT" val="单击添加项标题"/>
+  <p:tag name="KSO_WM_UNIT_TEXT_FILL_FORE_SCHEMECOLOR_INDEX" val="1"/>
+  <p:tag name="KSO_WM_UNIT_TEXT_FILL_TYPE" val="1"/>
+</p:tagLst>
+</file>
+
+<file path=ppt/tags/tag385.xml><?xml version="1.0" encoding="utf-8"?>
+<p:tagLst xmlns:p="http://schemas.openxmlformats.org/presentationml/2006/main">
+  <p:tag name="KSO_WM_UNIT_SUBTYPE" val="a"/>
+  <p:tag name="KSO_WM_UNIT_NOCLEAR" val="0"/>
+  <p:tag name="KSO_WM_UNIT_VALUE" val="60"/>
+  <p:tag name="KSO_WM_UNIT_HIGHLIGHT" val="0"/>
+  <p:tag name="KSO_WM_UNIT_COMPATIBLE" val="0"/>
+  <p:tag name="KSO_WM_UNIT_DIAGRAM_ISNUMVISUAL" val="0"/>
+  <p:tag name="KSO_WM_UNIT_DIAGRAM_ISREFERUNIT" val="0"/>
+  <p:tag name="KSO_WM_DIAGRAM_GROUP_CODE" val="l1-1"/>
+  <p:tag name="KSO_WM_DIAGRAM_VERSION" val="3"/>
+  <p:tag name="KSO_WM_DIAGRAM_COLOR_TRICK" val="1"/>
+  <p:tag name="KSO_WM_DIAGRAM_COLOR_TEXT_CAN_REMOVE" val="n"/>
+  <p:tag name="KSO_WM_DIAGRAM_MAX_ITEMCNT" val="4"/>
+  <p:tag name="KSO_WM_DIAGRAM_MIN_ITEMCNT" val="2"/>
+  <p:tag name="KSO_WM_DIAGRAM_VIRTUALLY_FRAME" val="{&quot;height&quot;:387.88141732283464,&quot;left&quot;:83.16770888441188,&quot;top&quot;:130.94653543307086,&quot;width&quot;:792.289306640625}"/>
+  <p:tag name="KSO_WM_DIAGRAM_COLOR_MATCH_VALUE" val="{&quot;shape&quot;:{&quot;fill&quot;:{&quot;type&quot;:0},&quot;glow&quot;:{&quot;colorType&quot;:0},&quot;line&quot;:{&quot;type&quot;:0},&quot;shadow&quot;:{&quot;colorType&quot;:0},&quot;threeD&quot;:{&quot;curvedSurface&quot;:{&quot;brightness&quot;:0,&quot;colorType&quot;:2,&quot;rgb&quot;:&quot;#000000&quot;},&quot;depth&quot;:{&quot;colorType&quot;:0}}},&quot;text&quot;:{&quot;fill&quot;:{&quot;solid&quot;:{&quot;brightness&quot;:0.15000000596046448,&quot;colorType&quot;:1,&quot;foreColorIndex&quot;:13,&quot;transparency&quot;:0},&quot;type&quot;:1},&quot;glow&quot;:{&quot;colorType&quot;:0},&quot;line&quot;:{&quot;type&quot;:0},&quot;shadow&quot;:{&quot;colorType&quot;:0},&quot;threeD&quot;:{&quot;curvedSurface&quot;:{&quot;brightness&quot;:0,&quot;colorType&quot;:2,&quot;rgb&quot;:&quot;#000000&quot;},&quot;depth&quot;:{&quot;colorType&quot;:0}}}}"/>
+  <p:tag name="KSO_WM_UNIT_TYPE" val="l_h_f"/>
+  <p:tag name="KSO_WM_UNIT_INDEX" val="1_2_1"/>
+  <p:tag name="KSO_WM_UNIT_ID" val="diagram20233329_2*l_h_f*1_2_1"/>
+  <p:tag name="KSO_WM_TEMPLATE_CATEGORY" val="diagram"/>
+  <p:tag name="KSO_WM_TEMPLATE_INDEX" val="20233329"/>
+  <p:tag name="KSO_WM_UNIT_LAYERLEVEL" val="1_1_1"/>
+  <p:tag name="KSO_WM_TAG_VERSION" val="3.0"/>
+  <p:tag name="KSO_WM_UNIT_TEXT_FILL_FORE_SCHEMECOLOR_INDEX_BRIGHTNESS" val="0.15"/>
+  <p:tag name="KSO_WM_UNIT_TEXT_TYPE" val="1"/>
+  <p:tag name="KSO_WM_UNIT_TEXT_LAYER_COUNT" val="1"/>
+  <p:tag name="KSO_WM_BEAUTIFY_FLAG" val="#wm#"/>
+  <p:tag name="KSO_WM_UNIT_PRESET_TEXT" val="单击此处添加文本具体内容，简明扼要地阐述您的观点。可酌情增减文字，以便观者准确地理解您传达的思想。"/>
+  <p:tag name="KSO_WM_UNIT_TEXT_FILL_FORE_SCHEMECOLOR_INDEX" val="1"/>
+  <p:tag name="KSO_WM_UNIT_TEXT_FILL_TYPE" val="1"/>
+</p:tagLst>
+</file>
+
+<file path=ppt/tags/tag386.xml><?xml version="1.0" encoding="utf-8"?>
+<p:tagLst xmlns:p="http://schemas.openxmlformats.org/presentationml/2006/main">
+  <p:tag name="KSO_WM_DIAGRAM_VIRTUALLY_FRAME" val="{&quot;height&quot;:387.88141732283464,&quot;left&quot;:83.16770888441188,&quot;top&quot;:130.94653543307086,&quot;width&quot;:792.289306640625}"/>
+  <p:tag name="KSO_WM_DIAGRAM_VERSION" val="3"/>
+  <p:tag name="KSO_WM_DIAGRAM_COLOR_TRICK" val="1"/>
+  <p:tag name="KSO_WM_DIAGRAM_COLOR_TEXT_CAN_REMOVE" val="n"/>
+  <p:tag name="KSO_WM_UNIT_VALUE" val="753*485"/>
+  <p:tag name="KSO_WM_UNIT_HIGHLIGHT" val="0"/>
+  <p:tag name="KSO_WM_UNIT_COMPATIBLE" val="0"/>
+  <p:tag name="KSO_WM_UNIT_DIAGRAM_ISNUMVISUAL" val="0"/>
+  <p:tag name="KSO_WM_UNIT_DIAGRAM_ISREFERUNIT" val="0"/>
+  <p:tag name="KSO_WM_DIAGRAM_GROUP_CODE" val="l1-1"/>
+  <p:tag name="KSO_WM_UNIT_TYPE" val="l_h_d"/>
+  <p:tag name="KSO_WM_UNIT_INDEX" val="1_3_1"/>
+  <p:tag name="KSO_WM_UNIT_ID" val="diagram20233329_2*l_h_d*1_3_1"/>
+  <p:tag name="KSO_WM_TEMPLATE_CATEGORY" val="diagram"/>
+  <p:tag name="KSO_WM_TEMPLATE_INDEX" val="20233329"/>
+  <p:tag name="KSO_WM_UNIT_LAYERLEVEL" val="1_1_1"/>
+  <p:tag name="KSO_WM_TAG_VERSION" val="3.0"/>
+  <p:tag name="KSO_WM_DIAGRAM_MAX_ITEMCNT" val="4"/>
+  <p:tag name="KSO_WM_DIAGRAM_MIN_ITEMCNT" val="2"/>
+  <p:tag name="KSO_WM_DIAGRAM_COLOR_MATCH_VALUE" val="{&quot;shape&quot;:{&quot;fill&quot;:{&quot;solid&quot;:{&quot;brightness&quot;:0,&quot;colorType&quot;:1,&quot;foreColorIndex&quot;:5,&quot;transparency&quot;:0},&quot;type&quot;:1},&quot;glow&quot;:{&quot;colorType&quot;:0},&quot;line&quot;:{&quot;solidLine&quot;:{&quot;brightness&quot;:0,&quot;colorType&quot;:1,&quot;foreColorIndex&quot;:5,&quot;transparency&quot;:0.800000011920929},&quot;type&quot;:1},&quot;shadow&quot;:{&quot;colorType&quot;:0},&quot;threeD&quot;:{&quot;curvedSurface&quot;:{&quot;brightness&quot;:0,&quot;colorType&quot;:2,&quot;rgb&quot;:&quot;#000000&quot;},&quot;depth&quot;:{&quot;colorType&quot;:0}}},&quot;text&quot;:{&quot;fill&quot;:{},&quot;glow&quot;:{},&quot;line&quot;:{},&quot;shadow&quot;:{},&quot;threeD&quot;:{}}}"/>
+  <p:tag name="KSO_WM_UNIT_PICTURE_SUBTYPE" val="b"/>
+  <p:tag name="KSO_WM_BEAUTIFY_FLAG" val="#wm#"/>
+  <p:tag name="KSO_WM_UNIT_FILL_TYPE" val="1"/>
+  <p:tag name="KSO_WM_UNIT_FILL_FORE_SCHEMECOLOR_INDEX" val="5"/>
+  <p:tag name="KSO_WM_UNIT_FILL_FORE_SCHEMECOLOR_INDEX_BRIGHTNESS" val="0"/>
+  <p:tag name="KSO_WM_UNIT_LINE_FORE_SCHEMECOLOR_INDEX" val="5"/>
+  <p:tag name="MH_PIC_SOURCE_TYPE" val="generate_slide_ai*{&quot;ai_type&quot;:&quot;generate_ppt&quot;,&quot;id&quot;:&quot;VCG211340676819&quot;}*auto__ai_v2.1.2_ONLINE*1749986010672_830ae2_5debddf33083-slide-5"/>
+</p:tagLst>
+</file>
+
+<file path=ppt/tags/tag387.xml><?xml version="1.0" encoding="utf-8"?>
+<p:tagLst xmlns:p="http://schemas.openxmlformats.org/presentationml/2006/main">
+  <p:tag name="KSO_WM_DIAGRAM_VIRTUALLY_FRAME" val="{&quot;height&quot;:387.88141732283464,&quot;left&quot;:83.16770888441188,&quot;top&quot;:130.94653543307086,&quot;width&quot;:792.289306640625}"/>
+  <p:tag name="KSO_WM_DIAGRAM_VERSION" val="3"/>
+  <p:tag name="KSO_WM_DIAGRAM_COLOR_TRICK" val="1"/>
+  <p:tag name="KSO_WM_DIAGRAM_COLOR_TEXT_CAN_REMOVE" val="n"/>
+  <p:tag name="KSO_WM_UNIT_HIGHLIGHT" val="0"/>
+  <p:tag name="KSO_WM_UNIT_COMPATIBLE" val="0"/>
+  <p:tag name="KSO_WM_UNIT_DIAGRAM_ISNUMVISUAL" val="0"/>
+  <p:tag name="KSO_WM_UNIT_DIAGRAM_ISREFERUNIT" val="0"/>
+  <p:tag name="KSO_WM_DIAGRAM_GROUP_CODE" val="l1-1"/>
+  <p:tag name="KSO_WM_UNIT_SUBTYPE" val="d"/>
+  <p:tag name="KSO_WM_UNIT_TYPE" val="l_h_i"/>
+  <p:tag name="KSO_WM_UNIT_INDEX" val="1_3_1"/>
+  <p:tag name="KSO_WM_UNIT_ID" val="diagram20233329_2*l_h_i*1_3_1"/>
+  <p:tag name="KSO_WM_TEMPLATE_CATEGORY" val="diagram"/>
+  <p:tag name="KSO_WM_TEMPLATE_INDEX" val="20233329"/>
+  <p:tag name="KSO_WM_UNIT_LAYERLEVEL" val="1_1_1"/>
+  <p:tag name="KSO_WM_TAG_VERSION" val="3.0"/>
+  <p:tag name="KSO_WM_UNIT_FILL_FORE_SCHEMECOLOR_INDEX" val="14"/>
+  <p:tag name="KSO_WM_UNIT_FILL_FORE_SCHEMECOLOR_INDEX_BRIGHTNESS" val="0"/>
+  <p:tag name="KSO_WM_DIAGRAM_MAX_ITEMCNT" val="4"/>
+  <p:tag name="KSO_WM_DIAGRAM_MIN_ITEMCNT" val="2"/>
+  <p:tag name="KSO_WM_DIAGRAM_COLOR_MATCH_VALUE" val="{&quot;shape&quot;:{&quot;fill&quot;:{&quot;solid&quot;:{&quot;brightness&quot;:0,&quot;colorType&quot;:2,&quot;rgb&quot;:&quot;#ffffff&quot;,&quot;transparency&quot;:0},&quot;type&quot;:1},&quot;glow&quot;:{&quot;colorType&quot;:0},&quot;line&quot;:{&quot;solidLine&quot;:{&quot;brightness&quot;:0,&quot;colorType&quot;:1,&quot;foreColorIndex&quot;:5,&quot;transparency&quot;:0},&quot;type&quot;:1},&quot;shadow&quot;:{&quot;colorType&quot;:0},&quot;threeD&quot;:{&quot;curvedSurface&quot;:{&quot;brightness&quot;:0,&quot;colorType&quot;:2,&quot;rgb&quot;:&quot;#000000&quot;},&quot;depth&quot;:{&quot;colorType&quot;:0}}},&quot;text&quot;:{&quot;fill&quot;:{&quot;solid&quot;:{&quot;brightness&quot;:0,&quot;colorType&quot;:1,&quot;foreColorIndex&quot;:5,&quot;transparency&quot;:0},&quot;type&quot;:1},&quot;glow&quot;:{&quot;colorType&quot;:0},&quot;line&quot;:{&quot;type&quot;:0},&quot;shadow&quot;:{&quot;colorType&quot;:0},&quot;threeD&quot;:{&quot;curvedSurface&quot;:{&quot;brightness&quot;:0,&quot;colorType&quot;:2,&quot;rgb&quot;:&quot;#000000&quot;},&quot;depth&quot;:{&quot;colorType&quot;:0}}}}"/>
+  <p:tag name="KSO_WM_BEAUTIFY_FLAG" val="#wm#"/>
+  <p:tag name="KSO_WM_UNIT_LINE_FORE_SCHEMECOLOR_INDEX" val="5"/>
+  <p:tag name="KSO_WM_UNIT_TEXT_FILL_FORE_SCHEMECOLOR_INDEX" val="1"/>
+  <p:tag name="KSO_WM_UNIT_TEXT_FILL_TYPE" val="1"/>
+</p:tagLst>
+</file>
+
+<file path=ppt/tags/tag388.xml><?xml version="1.0" encoding="utf-8"?>
+<p:tagLst xmlns:p="http://schemas.openxmlformats.org/presentationml/2006/main">
+  <p:tag name="KSO_WM_UNIT_ISCONTENTSTITLE" val="0"/>
+  <p:tag name="KSO_WM_UNIT_ISNUMDGMTITLE" val="0"/>
+  <p:tag name="KSO_WM_UNIT_NOCLEAR" val="0"/>
+  <p:tag name="KSO_WM_UNIT_VALUE" val="10"/>
+  <p:tag name="KSO_WM_UNIT_HIGHLIGHT" val="0"/>
+  <p:tag name="KSO_WM_UNIT_COMPATIBLE" val="0"/>
+  <p:tag name="KSO_WM_UNIT_DIAGRAM_ISNUMVISUAL" val="0"/>
+  <p:tag name="KSO_WM_UNIT_DIAGRAM_ISREFERUNIT" val="0"/>
+  <p:tag name="KSO_WM_DIAGRAM_GROUP_CODE" val="l1-1"/>
+  <p:tag name="KSO_WM_DIAGRAM_VERSION" val="3"/>
+  <p:tag name="KSO_WM_DIAGRAM_COLOR_TRICK" val="1"/>
+  <p:tag name="KSO_WM_DIAGRAM_COLOR_TEXT_CAN_REMOVE" val="n"/>
+  <p:tag name="KSO_WM_DIAGRAM_MAX_ITEMCNT" val="4"/>
+  <p:tag name="KSO_WM_DIAGRAM_MIN_ITEMCNT" val="2"/>
+  <p:tag name="KSO_WM_DIAGRAM_VIRTUALLY_FRAME" val="{&quot;height&quot;:387.88141732283464,&quot;left&quot;:83.16770888441188,&quot;top&quot;:130.94653543307086,&quot;width&quot;:792.289306640625}"/>
+  <p:tag name="KSO_WM_DIAGRAM_COLOR_MATCH_VALUE" val="{&quot;shape&quot;:{&quot;fill&quot;:{&quot;type&quot;:0},&quot;glow&quot;:{&quot;colorType&quot;:0},&quot;line&quot;:{&quot;type&quot;:0},&quot;shadow&quot;:{&quot;colorType&quot;:0},&quot;threeD&quot;:{&quot;curvedSurface&quot;:{&quot;brightness&quot;:0,&quot;colorType&quot;:2,&quot;rgb&quot;:&quot;#000000&quot;},&quot;depth&quot;:{&quot;colorType&quot;:0}}},&quot;text&quot;:{&quot;fill&quot;:{&quot;solid&quot;:{&quot;brightness&quot;:0,&quot;colorType&quot;:1,&quot;foreColorIndex&quot;:5,&quot;transparency&quot;:0},&quot;type&quot;:1},&quot;glow&quot;:{&quot;colorType&quot;:0},&quot;line&quot;:{&quot;type&quot;:0},&quot;shadow&quot;:{&quot;colorType&quot;:0},&quot;threeD&quot;:{&quot;curvedSurface&quot;:{&quot;brightness&quot;:0,&quot;colorType&quot;:2,&quot;rgb&quot;:&quot;#000000&quot;},&quot;depth&quot;:{&quot;colorType&quot;:0}}}}"/>
+  <p:tag name="KSO_WM_UNIT_TYPE" val="l_h_a"/>
+  <p:tag name="KSO_WM_UNIT_INDEX" val="1_3_1"/>
+  <p:tag name="KSO_WM_UNIT_ID" val="diagram20233329_2*l_h_a*1_3_1"/>
+  <p:tag name="KSO_WM_TEMPLATE_CATEGORY" val="diagram"/>
+  <p:tag name="KSO_WM_TEMPLATE_INDEX" val="20233329"/>
+  <p:tag name="KSO_WM_UNIT_LAYERLEVEL" val="1_1_1"/>
+  <p:tag name="KSO_WM_TAG_VERSION" val="3.0"/>
+  <p:tag name="KSO_WM_UNIT_TEXT_FILL_FORE_SCHEMECOLOR_INDEX_BRIGHTNESS" val="0.15"/>
+  <p:tag name="KSO_WM_UNIT_TEXT_TYPE" val="1"/>
+  <p:tag name="KSO_WM_BEAUTIFY_FLAG" val="#wm#"/>
+  <p:tag name="KSO_WM_UNIT_PRESET_TEXT" val="单击添加项标题"/>
+  <p:tag name="KSO_WM_UNIT_TEXT_FILL_FORE_SCHEMECOLOR_INDEX" val="1"/>
+  <p:tag name="KSO_WM_UNIT_TEXT_FILL_TYPE" val="1"/>
+</p:tagLst>
+</file>
+
+<file path=ppt/tags/tag389.xml><?xml version="1.0" encoding="utf-8"?>
+<p:tagLst xmlns:p="http://schemas.openxmlformats.org/presentationml/2006/main">
+  <p:tag name="KSO_WM_UNIT_SUBTYPE" val="a"/>
+  <p:tag name="KSO_WM_UNIT_NOCLEAR" val="0"/>
+  <p:tag name="KSO_WM_UNIT_VALUE" val="60"/>
+  <p:tag name="KSO_WM_UNIT_HIGHLIGHT" val="0"/>
+  <p:tag name="KSO_WM_UNIT_COMPATIBLE" val="0"/>
+  <p:tag name="KSO_WM_UNIT_DIAGRAM_ISNUMVISUAL" val="0"/>
+  <p:tag name="KSO_WM_UNIT_DIAGRAM_ISREFERUNIT" val="0"/>
+  <p:tag name="KSO_WM_DIAGRAM_GROUP_CODE" val="l1-1"/>
+  <p:tag name="KSO_WM_DIAGRAM_VERSION" val="3"/>
+  <p:tag name="KSO_WM_DIAGRAM_COLOR_TRICK" val="1"/>
+  <p:tag name="KSO_WM_DIAGRAM_COLOR_TEXT_CAN_REMOVE" val="n"/>
+  <p:tag name="KSO_WM_DIAGRAM_MAX_ITEMCNT" val="4"/>
+  <p:tag name="KSO_WM_DIAGRAM_MIN_ITEMCNT" val="2"/>
+  <p:tag name="KSO_WM_DIAGRAM_VIRTUALLY_FRAME" val="{&quot;height&quot;:387.88141732283464,&quot;left&quot;:83.16770888441188,&quot;top&quot;:130.94653543307086,&quot;width&quot;:792.289306640625}"/>
+  <p:tag name="KSO_WM_DIAGRAM_COLOR_MATCH_VALUE" val="{&quot;shape&quot;:{&quot;fill&quot;:{&quot;type&quot;:0},&quot;glow&quot;:{&quot;colorType&quot;:0},&quot;line&quot;:{&quot;type&quot;:0},&quot;shadow&quot;:{&quot;colorType&quot;:0},&quot;threeD&quot;:{&quot;curvedSurface&quot;:{&quot;brightness&quot;:0,&quot;colorType&quot;:2,&quot;rgb&quot;:&quot;#000000&quot;},&quot;depth&quot;:{&quot;colorType&quot;:0}}},&quot;text&quot;:{&quot;fill&quot;:{&quot;solid&quot;:{&quot;brightness&quot;:0.15000000596046448,&quot;colorType&quot;:1,&quot;foreColorIndex&quot;:13,&quot;transparency&quot;:0},&quot;type&quot;:1},&quot;glow&quot;:{&quot;colorType&quot;:0},&quot;line&quot;:{&quot;type&quot;:0},&quot;shadow&quot;:{&quot;colorType&quot;:0},&quot;threeD&quot;:{&quot;curvedSurface&quot;:{&quot;brightness&quot;:0,&quot;colorType&quot;:2,&quot;rgb&quot;:&quot;#000000&quot;},&quot;depth&quot;:{&quot;colorType&quot;:0}}}}"/>
+  <p:tag name="KSO_WM_UNIT_TYPE" val="l_h_f"/>
+  <p:tag name="KSO_WM_UNIT_INDEX" val="1_3_1"/>
+  <p:tag name="KSO_WM_UNIT_ID" val="diagram20233329_2*l_h_f*1_3_1"/>
+  <p:tag name="KSO_WM_TEMPLATE_CATEGORY" val="diagram"/>
+  <p:tag name="KSO_WM_TEMPLATE_INDEX" val="20233329"/>
+  <p:tag name="KSO_WM_UNIT_LAYERLEVEL" val="1_1_1"/>
+  <p:tag name="KSO_WM_TAG_VERSION" val="3.0"/>
+  <p:tag name="KSO_WM_UNIT_TEXT_FILL_FORE_SCHEMECOLOR_INDEX_BRIGHTNESS" val="0.15"/>
+  <p:tag name="KSO_WM_UNIT_TEXT_TYPE" val="1"/>
+  <p:tag name="KSO_WM_UNIT_TEXT_LAYER_COUNT" val="1"/>
+  <p:tag name="KSO_WM_BEAUTIFY_FLAG" val="#wm#"/>
+  <p:tag name="KSO_WM_UNIT_PRESET_TEXT" val="单击此处添加文本具体内容，简明扼要地阐述您的内容观点。根据需要可酌情增减文字，以便观者准确地理解您传达的思想。"/>
+  <p:tag name="KSO_WM_UNIT_TEXT_FILL_FORE_SCHEMECOLOR_INDEX" val="1"/>
+  <p:tag name="KSO_WM_UNIT_TEXT_FILL_TYPE" val="1"/>
+</p:tagLst>
+</file>
+
+<file path=ppt/tags/tag39.xml><?xml version="1.0" encoding="utf-8"?>
+<p:tagLst xmlns:p="http://schemas.openxmlformats.org/presentationml/2006/main">
+  <p:tag name="KSO_WM_UNIT_HIGHLIGHT" val="0"/>
+  <p:tag name="KSO_WM_UNIT_COMPATIBLE" val="0"/>
+  <p:tag name="KSO_WM_UNIT_DIAGRAM_ISNUMVISUAL" val="0"/>
+  <p:tag name="KSO_WM_UNIT_DIAGRAM_ISREFERUNIT" val="0"/>
+  <p:tag name="KSO_WM_UNIT_ID" val="_8**"/>
+  <p:tag name="KSO_WM_UNIT_LAYERLEVEL" val="1"/>
+  <p:tag name="KSO_WM_TAG_VERSION" val="1.0"/>
+  <p:tag name="KSO_WM_BEAUTIFY_FLAG" val="#wm#"/>
+</p:tagLst>
+</file>
+
+<file path=ppt/tags/tag390.xml><?xml version="1.0" encoding="utf-8"?>
+<p:tagLst xmlns:p="http://schemas.openxmlformats.org/presentationml/2006/main">
+  <p:tag name="KSO_WM_SLIDE_ID" val="diagram20233329_3"/>
+  <p:tag name="KSO_WM_TEMPLATE_SUBCATEGORY" val="0"/>
+  <p:tag name="KSO_WM_TEMPLATE_MASTER_TYPE" val="0"/>
+  <p:tag name="KSO_WM_TEMPLATE_COLOR_TYPE" val="0"/>
+  <p:tag name="KSO_WM_SLIDE_TYPE" val="text"/>
+  <p:tag name="KSO_WM_SLIDE_SUBTYPE" val="diag"/>
+  <p:tag name="KSO_WM_SLIDE_ITEM_CNT" val="4"/>
+  <p:tag name="KSO_WM_SLIDE_INDEX" val="3"/>
+  <p:tag name="KSO_WM_SLIDE_SIZE" val="792.289*387.858"/>
+  <p:tag name="KSO_WM_SLIDE_POSITION" val="83.1354*130.947"/>
+  <p:tag name="KSO_WM_DIAGRAM_GROUP_CODE" val="l1-1"/>
+  <p:tag name="KSO_WM_SLIDE_DIAGTYPE" val="l"/>
+  <p:tag name="KSO_WM_TAG_VERSION" val="3.0"/>
+  <p:tag name="KSO_WM_BEAUTIFY_FLAG" val="#wm#"/>
+  <p:tag name="KSO_WM_TEMPLATE_CATEGORY" val="diagram"/>
+  <p:tag name="KSO_WM_TEMPLATE_INDEX" val="20233329"/>
+  <p:tag name="KSO_WM_SLIDE_LAYOUT" val="a_l"/>
+  <p:tag name="KSO_WM_SLIDE_LAYOUT_CNT" val="1_1"/>
+</p:tagLst>
+</file>
+
+<file path=ppt/tags/tag391.xml><?xml version="1.0" encoding="utf-8"?>
+<p:tagLst xmlns:p="http://schemas.openxmlformats.org/presentationml/2006/main">
+  <p:tag name="KSO_WM_PRESENTATION_SOURCE" val="WPPAIGeneratePPT"/>
 </p:tagLst>
 </file>
 

--- a/分享/aiCode/ppt/AI编程.pptx
+++ b/分享/aiCode/ppt/AI编程.pptx
@@ -20,16 +20,17 @@
     <p:sldId id="264" r:id="rId13"/>
     <p:sldId id="266" r:id="rId14"/>
     <p:sldId id="273" r:id="rId15"/>
-    <p:sldId id="265" r:id="rId16"/>
-    <p:sldId id="268" r:id="rId17"/>
-    <p:sldId id="270" r:id="rId18"/>
-    <p:sldId id="269" r:id="rId19"/>
-    <p:sldId id="271" r:id="rId20"/>
+    <p:sldId id="274" r:id="rId16"/>
+    <p:sldId id="265" r:id="rId17"/>
+    <p:sldId id="268" r:id="rId18"/>
+    <p:sldId id="270" r:id="rId19"/>
+    <p:sldId id="269" r:id="rId20"/>
+    <p:sldId id="271" r:id="rId21"/>
   </p:sldIdLst>
   <p:sldSz cx="12192000" cy="6858000"/>
   <p:notesSz cx="6858000" cy="9144000"/>
   <p:custDataLst>
-    <p:tags r:id="rId25"/>
+    <p:tags r:id="rId26"/>
   </p:custDataLst>
   <p:defaultTextStyle>
     <a:defPPr>
@@ -134,7 +135,7 @@
             <a:srgbClr val="A4A3A4"/>
           </p15:clr>
         </p15:guide>
-        <p15:guide id="2" pos="3839" userDrawn="1">
+        <p15:guide id="2" pos="3840" userDrawn="1">
           <p15:clr>
             <a:srgbClr val="A4A3A4"/>
           </p15:clr>
@@ -609,6 +610,89 @@
             <p:ph type="sldImg"/>
           </p:nvPr>
         </p:nvSpPr>
+        <p:spPr>
+          <a:xfrm>
+            <a:off x="481013" y="1279525"/>
+            <a:ext cx="6140450" cy="3454400"/>
+          </a:xfrm>
+        </p:spPr>
+      </p:sp>
+      <p:sp>
+        <p:nvSpPr>
+          <p:cNvPr id="3" name="备注占位符 2"/>
+          <p:cNvSpPr>
+            <a:spLocks noGrp="1"/>
+          </p:cNvSpPr>
+          <p:nvPr>
+            <p:ph type="body" idx="1"/>
+          </p:nvPr>
+        </p:nvSpPr>
+        <p:spPr/>
+        <p:txBody>
+          <a:bodyPr/>
+          <a:lstStyle/>
+          <a:p>
+            <a:endParaRPr lang="zh-CN" altLang="en-US" dirty="0"/>
+          </a:p>
+        </p:txBody>
+      </p:sp>
+      <p:sp>
+        <p:nvSpPr>
+          <p:cNvPr id="4" name="灯片编号占位符 3"/>
+          <p:cNvSpPr>
+            <a:spLocks noGrp="1"/>
+          </p:cNvSpPr>
+          <p:nvPr>
+            <p:ph type="sldNum" sz="quarter" idx="5"/>
+          </p:nvPr>
+        </p:nvSpPr>
+        <p:spPr/>
+        <p:txBody>
+          <a:bodyPr/>
+          <a:lstStyle/>
+          <a:p>
+            <a:fld id="{85D0DACE-38E0-42D2-9336-2B707D34BC6D}" type="slidenum">
+              <a:rPr lang="zh-CN" altLang="en-US" smtClean="0"/>
+            </a:fld>
+            <a:endParaRPr lang="zh-CN" altLang="en-US"/>
+          </a:p>
+        </p:txBody>
+      </p:sp>
+    </p:spTree>
+  </p:cSld>
+  <p:clrMapOvr>
+    <a:masterClrMapping/>
+  </p:clrMapOvr>
+</p:notes>
+</file>
+
+<file path=ppt/notesSlides/notesSlide11.xml><?xml version="1.0" encoding="utf-8"?>
+<p:notes xmlns:a="http://schemas.openxmlformats.org/drawingml/2006/main" xmlns:r="http://schemas.openxmlformats.org/officeDocument/2006/relationships" xmlns:p="http://schemas.openxmlformats.org/presentationml/2006/main">
+  <p:cSld>
+    <p:spTree>
+      <p:nvGrpSpPr>
+        <p:cNvPr id="1" name=""/>
+        <p:cNvGrpSpPr/>
+        <p:nvPr/>
+      </p:nvGrpSpPr>
+      <p:grpSpPr>
+        <a:xfrm>
+          <a:off x="0" y="0"/>
+          <a:ext cx="0" cy="0"/>
+          <a:chOff x="0" y="0"/>
+          <a:chExt cx="0" cy="0"/>
+        </a:xfrm>
+      </p:grpSpPr>
+      <p:sp>
+        <p:nvSpPr>
+          <p:cNvPr id="2" name="幻灯片图像占位符 1"/>
+          <p:cNvSpPr>
+            <a:spLocks noGrp="1" noRot="1" noChangeAspect="1"/>
+          </p:cNvSpPr>
+          <p:nvPr>
+            <p:ph type="sldImg"/>
+          </p:nvPr>
+        </p:nvSpPr>
         <p:spPr/>
       </p:sp>
       <p:sp>
@@ -1238,12 +1322,7 @@
             <p:ph type="sldImg"/>
           </p:nvPr>
         </p:nvSpPr>
-        <p:spPr>
-          <a:xfrm>
-            <a:off x="481013" y="1279525"/>
-            <a:ext cx="6140450" cy="3454400"/>
-          </a:xfrm>
-        </p:spPr>
+        <p:spPr/>
       </p:sp>
       <p:sp>
         <p:nvSpPr>
@@ -18391,6 +18470,543 @@
       </p:grpSpPr>
       <p:sp>
         <p:nvSpPr>
+          <p:cNvPr id="12" name="标题 11"/>
+          <p:cNvSpPr>
+            <a:spLocks noGrp="1"/>
+          </p:cNvSpPr>
+          <p:nvPr>
+            <p:ph type="title"/>
+            <p:custDataLst>
+              <p:tags r:id="rId1"/>
+            </p:custDataLst>
+          </p:nvPr>
+        </p:nvSpPr>
+        <p:spPr/>
+        <p:txBody>
+          <a:bodyPr/>
+          <a:lstStyle/>
+          <a:p>
+            <a:r>
+              <a:rPr>
+                <a:ea typeface="宋体" panose="02010600030101010101" pitchFamily="2" charset="-122"/>
+              </a:rPr>
+              <a:t>使用结论</a:t>
+            </a:r>
+            <a:endParaRPr>
+              <a:ea typeface="宋体" panose="02010600030101010101" pitchFamily="2" charset="-122"/>
+            </a:endParaRPr>
+          </a:p>
+        </p:txBody>
+      </p:sp>
+      <p:sp>
+        <p:nvSpPr>
+          <p:cNvPr id="14" name="矩形 13"/>
+          <p:cNvSpPr/>
+          <p:nvPr>
+            <p:custDataLst>
+              <p:tags r:id="rId2"/>
+            </p:custDataLst>
+          </p:nvPr>
+        </p:nvSpPr>
+        <p:spPr>
+          <a:xfrm>
+            <a:off x="1503680" y="2072005"/>
+            <a:ext cx="6087745" cy="1286510"/>
+          </a:xfrm>
+          <a:prstGeom prst="rect">
+            <a:avLst/>
+          </a:prstGeom>
+          <a:noFill/>
+        </p:spPr>
+        <p:txBody>
+          <a:bodyPr wrap="square" lIns="0" tIns="0" rIns="0" bIns="0" rtlCol="0" anchor="t" anchorCtr="0">
+            <a:noAutofit/>
+          </a:bodyPr>
+          <a:p>
+            <a:pPr algn="l">
+              <a:lnSpc>
+                <a:spcPct val="150000"/>
+              </a:lnSpc>
+              <a:spcBef>
+                <a:spcPct val="0"/>
+              </a:spcBef>
+              <a:spcAft>
+                <a:spcPct val="0"/>
+              </a:spcAft>
+            </a:pPr>
+            <a:r>
+              <a:rPr lang="en-US" altLang="zh-CN">
+                <a:ln>
+                  <a:noFill/>
+                  <a:prstDash val="sysDot"/>
+                </a:ln>
+                <a:solidFill>
+                  <a:schemeClr val="tx1">
+                    <a:lumMod val="85000"/>
+                    <a:lumOff val="15000"/>
+                  </a:schemeClr>
+                </a:solidFill>
+                <a:latin typeface="+mn-ea"/>
+                <a:cs typeface="+mn-ea"/>
+              </a:rPr>
+              <a:t>1</a:t>
+            </a:r>
+            <a:r>
+              <a:rPr lang="zh-CN" altLang="en-US">
+                <a:ln>
+                  <a:noFill/>
+                  <a:prstDash val="sysDot"/>
+                </a:ln>
+                <a:solidFill>
+                  <a:schemeClr val="tx1">
+                    <a:lumMod val="85000"/>
+                    <a:lumOff val="15000"/>
+                  </a:schemeClr>
+                </a:solidFill>
+                <a:latin typeface="+mn-ea"/>
+                <a:cs typeface="+mn-ea"/>
+              </a:rPr>
+              <a:t>、精确；</a:t>
+            </a:r>
+            <a:endParaRPr lang="zh-CN" altLang="en-US">
+              <a:ln>
+                <a:noFill/>
+                <a:prstDash val="sysDot"/>
+              </a:ln>
+              <a:solidFill>
+                <a:schemeClr val="tx1">
+                  <a:lumMod val="85000"/>
+                  <a:lumOff val="15000"/>
+                </a:schemeClr>
+              </a:solidFill>
+              <a:latin typeface="+mn-ea"/>
+              <a:cs typeface="+mn-ea"/>
+            </a:endParaRPr>
+          </a:p>
+          <a:p>
+            <a:pPr algn="l">
+              <a:lnSpc>
+                <a:spcPct val="150000"/>
+              </a:lnSpc>
+              <a:spcBef>
+                <a:spcPct val="0"/>
+              </a:spcBef>
+              <a:spcAft>
+                <a:spcPct val="0"/>
+              </a:spcAft>
+            </a:pPr>
+            <a:r>
+              <a:rPr lang="en-US" altLang="zh-CN">
+                <a:ln>
+                  <a:noFill/>
+                  <a:prstDash val="sysDot"/>
+                </a:ln>
+                <a:solidFill>
+                  <a:schemeClr val="tx1">
+                    <a:lumMod val="85000"/>
+                    <a:lumOff val="15000"/>
+                  </a:schemeClr>
+                </a:solidFill>
+                <a:latin typeface="+mn-ea"/>
+                <a:cs typeface="+mn-ea"/>
+              </a:rPr>
+              <a:t>2</a:t>
+            </a:r>
+            <a:r>
+              <a:rPr lang="zh-CN" altLang="en-US">
+                <a:ln>
+                  <a:noFill/>
+                  <a:prstDash val="sysDot"/>
+                </a:ln>
+                <a:solidFill>
+                  <a:schemeClr val="tx1">
+                    <a:lumMod val="85000"/>
+                    <a:lumOff val="15000"/>
+                  </a:schemeClr>
+                </a:solidFill>
+                <a:latin typeface="+mn-ea"/>
+                <a:cs typeface="+mn-ea"/>
+              </a:rPr>
+              <a:t>、层次感；</a:t>
+            </a:r>
+            <a:endParaRPr lang="zh-CN" altLang="en-US">
+              <a:ln>
+                <a:noFill/>
+                <a:prstDash val="sysDot"/>
+              </a:ln>
+              <a:solidFill>
+                <a:schemeClr val="tx1">
+                  <a:lumMod val="85000"/>
+                  <a:lumOff val="15000"/>
+                </a:schemeClr>
+              </a:solidFill>
+              <a:latin typeface="+mn-ea"/>
+              <a:cs typeface="+mn-ea"/>
+            </a:endParaRPr>
+          </a:p>
+          <a:p>
+            <a:pPr algn="l">
+              <a:lnSpc>
+                <a:spcPct val="150000"/>
+              </a:lnSpc>
+              <a:spcBef>
+                <a:spcPct val="0"/>
+              </a:spcBef>
+              <a:spcAft>
+                <a:spcPct val="0"/>
+              </a:spcAft>
+            </a:pPr>
+            <a:r>
+              <a:rPr lang="en-US" altLang="zh-CN">
+                <a:ln>
+                  <a:noFill/>
+                  <a:prstDash val="sysDot"/>
+                </a:ln>
+                <a:solidFill>
+                  <a:schemeClr val="tx1">
+                    <a:lumMod val="85000"/>
+                    <a:lumOff val="15000"/>
+                  </a:schemeClr>
+                </a:solidFill>
+                <a:latin typeface="+mn-ea"/>
+                <a:cs typeface="+mn-ea"/>
+              </a:rPr>
+              <a:t>3</a:t>
+            </a:r>
+            <a:r>
+              <a:rPr lang="zh-CN" altLang="en-US">
+                <a:ln>
+                  <a:noFill/>
+                  <a:prstDash val="sysDot"/>
+                </a:ln>
+                <a:solidFill>
+                  <a:schemeClr val="tx1">
+                    <a:lumMod val="85000"/>
+                    <a:lumOff val="15000"/>
+                  </a:schemeClr>
+                </a:solidFill>
+                <a:latin typeface="+mn-ea"/>
+                <a:cs typeface="+mn-ea"/>
+              </a:rPr>
+              <a:t>、涉及范围不要太广；</a:t>
+            </a:r>
+            <a:endParaRPr lang="zh-CN" altLang="en-US">
+              <a:ln>
+                <a:noFill/>
+                <a:prstDash val="sysDot"/>
+              </a:ln>
+              <a:solidFill>
+                <a:schemeClr val="tx1">
+                  <a:lumMod val="85000"/>
+                  <a:lumOff val="15000"/>
+                </a:schemeClr>
+              </a:solidFill>
+              <a:latin typeface="+mn-ea"/>
+              <a:cs typeface="+mn-ea"/>
+            </a:endParaRPr>
+          </a:p>
+        </p:txBody>
+      </p:sp>
+      <p:sp>
+        <p:nvSpPr>
+          <p:cNvPr id="15" name="矩形 14"/>
+          <p:cNvSpPr/>
+          <p:nvPr>
+            <p:custDataLst>
+              <p:tags r:id="rId3"/>
+            </p:custDataLst>
+          </p:nvPr>
+        </p:nvSpPr>
+        <p:spPr>
+          <a:xfrm>
+            <a:off x="1503680" y="1459865"/>
+            <a:ext cx="3763645" cy="466090"/>
+          </a:xfrm>
+          <a:prstGeom prst="rect">
+            <a:avLst/>
+          </a:prstGeom>
+          <a:noFill/>
+        </p:spPr>
+        <p:txBody>
+          <a:bodyPr wrap="square" lIns="0" tIns="0" rIns="0" bIns="0" rtlCol="0" anchor="b">
+            <a:noAutofit/>
+          </a:bodyPr>
+          <a:p>
+            <a:pPr algn="l">
+              <a:spcBef>
+                <a:spcPct val="0"/>
+              </a:spcBef>
+              <a:spcAft>
+                <a:spcPct val="0"/>
+              </a:spcAft>
+            </a:pPr>
+            <a:r>
+              <a:rPr lang="zh-CN" altLang="en-US" sz="2800" b="1" kern="0">
+                <a:solidFill>
+                  <a:schemeClr val="accent1"/>
+                </a:solidFill>
+                <a:latin typeface="+mn-ea"/>
+                <a:cs typeface="+mn-ea"/>
+              </a:rPr>
+              <a:t>重点</a:t>
+            </a:r>
+            <a:r>
+              <a:rPr lang="en-US" altLang="zh-CN" sz="2800" b="1" kern="0">
+                <a:solidFill>
+                  <a:schemeClr val="accent1"/>
+                </a:solidFill>
+                <a:latin typeface="+mn-ea"/>
+                <a:cs typeface="+mn-ea"/>
+              </a:rPr>
+              <a:t>1</a:t>
+            </a:r>
+            <a:r>
+              <a:rPr lang="zh-CN" altLang="en-US" sz="2800" b="1" kern="0">
+                <a:solidFill>
+                  <a:schemeClr val="accent1"/>
+                </a:solidFill>
+                <a:latin typeface="+mn-ea"/>
+                <a:cs typeface="+mn-ea"/>
+              </a:rPr>
+              <a:t>：提问</a:t>
+            </a:r>
+            <a:endParaRPr lang="zh-CN" altLang="en-US" sz="2800" b="1" kern="0">
+              <a:solidFill>
+                <a:schemeClr val="accent1"/>
+              </a:solidFill>
+              <a:latin typeface="+mn-ea"/>
+              <a:cs typeface="+mn-ea"/>
+            </a:endParaRPr>
+          </a:p>
+        </p:txBody>
+      </p:sp>
+      <p:sp>
+        <p:nvSpPr>
+          <p:cNvPr id="2" name="矩形 1"/>
+          <p:cNvSpPr/>
+          <p:nvPr>
+            <p:custDataLst>
+              <p:tags r:id="rId4"/>
+            </p:custDataLst>
+          </p:nvPr>
+        </p:nvSpPr>
+        <p:spPr>
+          <a:xfrm>
+            <a:off x="1503680" y="4288155"/>
+            <a:ext cx="6087745" cy="1014095"/>
+          </a:xfrm>
+          <a:prstGeom prst="rect">
+            <a:avLst/>
+          </a:prstGeom>
+          <a:noFill/>
+        </p:spPr>
+        <p:txBody>
+          <a:bodyPr wrap="square" lIns="0" tIns="0" rIns="0" bIns="0" rtlCol="0" anchor="t" anchorCtr="0">
+            <a:noAutofit/>
+          </a:bodyPr>
+          <a:p>
+            <a:pPr algn="l">
+              <a:lnSpc>
+                <a:spcPct val="150000"/>
+              </a:lnSpc>
+              <a:spcBef>
+                <a:spcPct val="0"/>
+              </a:spcBef>
+              <a:spcAft>
+                <a:spcPct val="0"/>
+              </a:spcAft>
+            </a:pPr>
+            <a:r>
+              <a:rPr lang="zh-CN" altLang="en-US">
+                <a:ln>
+                  <a:noFill/>
+                  <a:prstDash val="sysDot"/>
+                </a:ln>
+                <a:solidFill>
+                  <a:schemeClr val="tx1">
+                    <a:lumMod val="85000"/>
+                    <a:lumOff val="15000"/>
+                  </a:schemeClr>
+                </a:solidFill>
+                <a:latin typeface="+mn-ea"/>
+                <a:cs typeface="+mn-ea"/>
+              </a:rPr>
+              <a:t>先要会用</a:t>
+            </a:r>
+            <a:r>
+              <a:rPr lang="en-US" altLang="zh-CN">
+                <a:ln>
+                  <a:noFill/>
+                  <a:prstDash val="sysDot"/>
+                </a:ln>
+                <a:solidFill>
+                  <a:schemeClr val="tx1">
+                    <a:lumMod val="85000"/>
+                    <a:lumOff val="15000"/>
+                  </a:schemeClr>
+                </a:solidFill>
+                <a:latin typeface="+mn-ea"/>
+                <a:cs typeface="+mn-ea"/>
+              </a:rPr>
+              <a:t> AI</a:t>
+            </a:r>
+            <a:r>
+              <a:rPr lang="zh-CN" altLang="en-US">
+                <a:ln>
+                  <a:noFill/>
+                  <a:prstDash val="sysDot"/>
+                </a:ln>
+                <a:solidFill>
+                  <a:schemeClr val="tx1">
+                    <a:lumMod val="85000"/>
+                    <a:lumOff val="15000"/>
+                  </a:schemeClr>
+                </a:solidFill>
+                <a:latin typeface="+mn-ea"/>
+                <a:cs typeface="+mn-ea"/>
+              </a:rPr>
+              <a:t>，然后加合适的提问内容，才能得出相对准确的结果</a:t>
+            </a:r>
+            <a:endParaRPr lang="en-US" altLang="zh-CN">
+              <a:ln>
+                <a:noFill/>
+                <a:prstDash val="sysDot"/>
+              </a:ln>
+              <a:solidFill>
+                <a:schemeClr val="tx1">
+                  <a:lumMod val="85000"/>
+                  <a:lumOff val="15000"/>
+                </a:schemeClr>
+              </a:solidFill>
+              <a:latin typeface="+mn-ea"/>
+              <a:cs typeface="+mn-ea"/>
+            </a:endParaRPr>
+          </a:p>
+        </p:txBody>
+      </p:sp>
+      <p:sp>
+        <p:nvSpPr>
+          <p:cNvPr id="3" name="矩形 2"/>
+          <p:cNvSpPr/>
+          <p:nvPr>
+            <p:custDataLst>
+              <p:tags r:id="rId5"/>
+            </p:custDataLst>
+          </p:nvPr>
+        </p:nvSpPr>
+        <p:spPr>
+          <a:xfrm>
+            <a:off x="1503680" y="3676015"/>
+            <a:ext cx="6087110" cy="466090"/>
+          </a:xfrm>
+          <a:prstGeom prst="rect">
+            <a:avLst/>
+          </a:prstGeom>
+          <a:noFill/>
+        </p:spPr>
+        <p:txBody>
+          <a:bodyPr wrap="square" lIns="0" tIns="0" rIns="0" bIns="0" rtlCol="0" anchor="b">
+            <a:noAutofit/>
+          </a:bodyPr>
+          <a:p>
+            <a:pPr algn="l">
+              <a:spcBef>
+                <a:spcPct val="0"/>
+              </a:spcBef>
+              <a:spcAft>
+                <a:spcPct val="0"/>
+              </a:spcAft>
+            </a:pPr>
+            <a:r>
+              <a:rPr lang="zh-CN" altLang="en-US" sz="2800" b="1" kern="0">
+                <a:solidFill>
+                  <a:schemeClr val="accent1"/>
+                </a:solidFill>
+                <a:latin typeface="+mn-ea"/>
+                <a:cs typeface="+mn-ea"/>
+              </a:rPr>
+              <a:t>重点</a:t>
+            </a:r>
+            <a:r>
+              <a:rPr lang="en-US" altLang="zh-CN" sz="2800" b="1" kern="0">
+                <a:solidFill>
+                  <a:schemeClr val="accent1"/>
+                </a:solidFill>
+                <a:latin typeface="+mn-ea"/>
+                <a:cs typeface="+mn-ea"/>
+              </a:rPr>
+              <a:t>2</a:t>
+            </a:r>
+            <a:r>
+              <a:rPr lang="zh-CN" altLang="en-US" sz="2800" b="1" kern="0">
+                <a:solidFill>
+                  <a:schemeClr val="accent1"/>
+                </a:solidFill>
+                <a:latin typeface="+mn-ea"/>
+                <a:cs typeface="+mn-ea"/>
+              </a:rPr>
+              <a:t>：</a:t>
+            </a:r>
+            <a:r>
+              <a:rPr lang="en-US" altLang="zh-CN" sz="2800" b="1" kern="0">
+                <a:solidFill>
+                  <a:schemeClr val="accent1"/>
+                </a:solidFill>
+                <a:latin typeface="+mn-ea"/>
+                <a:cs typeface="+mn-ea"/>
+              </a:rPr>
+              <a:t>AI </a:t>
+            </a:r>
+            <a:r>
+              <a:rPr lang="zh-CN" altLang="en-US" sz="2800" b="1" kern="0">
+                <a:solidFill>
+                  <a:schemeClr val="accent1"/>
+                </a:solidFill>
+                <a:latin typeface="+mn-ea"/>
+                <a:cs typeface="+mn-ea"/>
+              </a:rPr>
+              <a:t>使用文档</a:t>
+            </a:r>
+            <a:endParaRPr lang="zh-CN" altLang="en-US" sz="2800" b="1" kern="0">
+              <a:solidFill>
+                <a:schemeClr val="accent1"/>
+              </a:solidFill>
+              <a:latin typeface="+mn-ea"/>
+              <a:cs typeface="+mn-ea"/>
+            </a:endParaRPr>
+          </a:p>
+        </p:txBody>
+      </p:sp>
+    </p:spTree>
+    <p:custDataLst>
+      <p:tags r:id="rId6"/>
+    </p:custDataLst>
+  </p:cSld>
+  <p:clrMapOvr>
+    <a:masterClrMapping/>
+  </p:clrMapOvr>
+</p:sld>
+</file>
+
+<file path=ppt/slides/slide13.xml><?xml version="1.0" encoding="utf-8"?>
+<p:sld xmlns:a="http://schemas.openxmlformats.org/drawingml/2006/main" xmlns:r="http://schemas.openxmlformats.org/officeDocument/2006/relationships" xmlns:p="http://schemas.openxmlformats.org/presentationml/2006/main">
+  <p:cSld>
+    <p:spTree>
+      <p:nvGrpSpPr>
+        <p:cNvPr id="1" name=""/>
+        <p:cNvGrpSpPr/>
+        <p:nvPr/>
+      </p:nvGrpSpPr>
+      <p:grpSpPr>
+        <a:xfrm>
+          <a:off x="0" y="0"/>
+          <a:ext cx="0" cy="0"/>
+          <a:chOff x="0" y="0"/>
+          <a:chExt cx="0" cy="0"/>
+        </a:xfrm>
+      </p:grpSpPr>
+      <p:sp>
+        <p:nvSpPr>
           <p:cNvPr id="5" name="文本占位符 4"/>
           <p:cNvSpPr>
             <a:spLocks noGrp="1"/>
@@ -18458,7 +19074,7 @@
 </p:sld>
 </file>
 
-<file path=ppt/slides/slide13.xml><?xml version="1.0" encoding="utf-8"?>
+<file path=ppt/slides/slide14.xml><?xml version="1.0" encoding="utf-8"?>
 <p:sld xmlns:a="http://schemas.openxmlformats.org/drawingml/2006/main" xmlns:r="http://schemas.openxmlformats.org/officeDocument/2006/relationships" xmlns:p="http://schemas.openxmlformats.org/presentationml/2006/main">
   <p:cSld>
     <p:spTree>
@@ -18590,8 +19206,8 @@
         </p:nvSpPr>
         <p:spPr>
           <a:xfrm>
-            <a:off x="2806065" y="4148456"/>
-            <a:ext cx="2647950" cy="1218565"/>
+            <a:off x="2038985" y="4146144"/>
+            <a:ext cx="3452043" cy="1220876"/>
           </a:xfrm>
           <a:prstGeom prst="rect">
             <a:avLst/>
@@ -18615,6 +19231,17 @@
               </a:spcAft>
             </a:pPr>
             <a:r>
+              <a:rPr lang="en-US" altLang="zh-CN" sz="1400" dirty="0">
+                <a:solidFill>
+                  <a:srgbClr val="000000"/>
+                </a:solidFill>
+                <a:latin typeface="+mn-ea"/>
+                <a:cs typeface="+mn-ea"/>
+                <a:sym typeface="+mn-ea"/>
+              </a:rPr>
+              <a:t>1</a:t>
+            </a:r>
+            <a:r>
               <a:rPr lang="zh-CN" altLang="en-US" sz="1400" dirty="0">
                 <a:solidFill>
                   <a:srgbClr val="000000"/>
@@ -18623,7 +19250,7 @@
                 <a:cs typeface="+mn-ea"/>
                 <a:sym typeface="+mn-ea"/>
               </a:rPr>
-              <a:t>AI编程高度依赖于大量高质量数据，数据不足或偏差会影响模型性能。</a:t>
+              <a:t>、一次性提供的信息范围太广，信息量太多，效果就不会太理想；</a:t>
             </a:r>
             <a:endParaRPr lang="zh-CN" altLang="en-US" sz="1400" dirty="0">
               <a:solidFill>
@@ -18634,98 +19261,6 @@
               <a:sym typeface="+mn-ea"/>
             </a:endParaRPr>
           </a:p>
-        </p:txBody>
-      </p:sp>
-      <p:sp>
-        <p:nvSpPr>
-          <p:cNvPr id="6" name="矩形 5"/>
-          <p:cNvSpPr/>
-          <p:nvPr>
-            <p:custDataLst>
-              <p:tags r:id="rId5"/>
-            </p:custDataLst>
-          </p:nvPr>
-        </p:nvSpPr>
-        <p:spPr>
-          <a:xfrm>
-            <a:off x="2806065" y="3688716"/>
-            <a:ext cx="2647950" cy="349250"/>
-          </a:xfrm>
-          <a:prstGeom prst="rect">
-            <a:avLst/>
-          </a:prstGeom>
-          <a:noFill/>
-        </p:spPr>
-        <p:txBody>
-          <a:bodyPr wrap="square" lIns="0" tIns="0" rIns="0" bIns="0" rtlCol="0" anchor="b" anchorCtr="0">
-            <a:noAutofit/>
-          </a:bodyPr>
-          <a:p>
-            <a:pPr>
-              <a:spcBef>
-                <a:spcPct val="0"/>
-              </a:spcBef>
-              <a:spcAft>
-                <a:spcPct val="0"/>
-              </a:spcAft>
-            </a:pPr>
-            <a:r>
-              <a:rPr lang="en-US" altLang="zh-CN" sz="2000" b="1" dirty="0">
-                <a:solidFill>
-                  <a:schemeClr val="accent1"/>
-                </a:solidFill>
-                <a:latin typeface="+mn-ea"/>
-                <a:cs typeface="+mn-ea"/>
-                <a:sym typeface="+mn-ea"/>
-              </a:rPr>
-              <a:t>AI </a:t>
-            </a:r>
-            <a:r>
-              <a:rPr lang="zh-CN" altLang="en-US" sz="2000" b="1" dirty="0">
-                <a:solidFill>
-                  <a:schemeClr val="accent1"/>
-                </a:solidFill>
-                <a:latin typeface="+mn-ea"/>
-                <a:cs typeface="+mn-ea"/>
-                <a:sym typeface="+mn-ea"/>
-              </a:rPr>
-              <a:t>目前的局限</a:t>
-            </a:r>
-            <a:endParaRPr lang="zh-CN" altLang="en-US" sz="2000" b="1" dirty="0">
-              <a:solidFill>
-                <a:schemeClr val="accent1"/>
-              </a:solidFill>
-              <a:latin typeface="+mn-ea"/>
-              <a:cs typeface="+mn-ea"/>
-              <a:sym typeface="+mn-ea"/>
-            </a:endParaRPr>
-          </a:p>
-        </p:txBody>
-      </p:sp>
-      <p:sp>
-        <p:nvSpPr>
-          <p:cNvPr id="11" name="矩形 10"/>
-          <p:cNvSpPr/>
-          <p:nvPr>
-            <p:custDataLst>
-              <p:tags r:id="rId6"/>
-            </p:custDataLst>
-          </p:nvPr>
-        </p:nvSpPr>
-        <p:spPr>
-          <a:xfrm>
-            <a:off x="6856095" y="4148456"/>
-            <a:ext cx="2647950" cy="1218565"/>
-          </a:xfrm>
-          <a:prstGeom prst="rect">
-            <a:avLst/>
-          </a:prstGeom>
-          <a:noFill/>
-        </p:spPr>
-        <p:txBody>
-          <a:bodyPr wrap="square" lIns="0" tIns="0" rIns="0" bIns="0" rtlCol="0" anchor="t">
-            <a:noAutofit/>
-          </a:bodyPr>
           <a:p>
             <a:pPr>
               <a:lnSpc>
@@ -18739,6 +19274,174 @@
               </a:spcAft>
             </a:pPr>
             <a:r>
+              <a:rPr lang="en-US" altLang="zh-CN" sz="1400" dirty="0">
+                <a:solidFill>
+                  <a:srgbClr val="000000"/>
+                </a:solidFill>
+                <a:latin typeface="+mn-ea"/>
+                <a:cs typeface="+mn-ea"/>
+                <a:sym typeface="+mn-ea"/>
+              </a:rPr>
+              <a:t>2</a:t>
+            </a:r>
+            <a:r>
+              <a:rPr lang="zh-CN" altLang="en-US" sz="1400" dirty="0">
+                <a:solidFill>
+                  <a:srgbClr val="000000"/>
+                </a:solidFill>
+                <a:latin typeface="+mn-ea"/>
+                <a:cs typeface="+mn-ea"/>
+                <a:sym typeface="+mn-ea"/>
+              </a:rPr>
+              <a:t>、涉及到</a:t>
+            </a:r>
+            <a:r>
+              <a:rPr lang="en-US" altLang="zh-CN" sz="1400" dirty="0">
+                <a:solidFill>
+                  <a:srgbClr val="000000"/>
+                </a:solidFill>
+                <a:latin typeface="+mn-ea"/>
+                <a:cs typeface="+mn-ea"/>
+                <a:sym typeface="+mn-ea"/>
+              </a:rPr>
+              <a:t> AI </a:t>
+            </a:r>
+            <a:r>
+              <a:rPr lang="zh-CN" altLang="en-US" sz="1400" dirty="0">
+                <a:solidFill>
+                  <a:srgbClr val="000000"/>
+                </a:solidFill>
+                <a:latin typeface="+mn-ea"/>
+                <a:cs typeface="+mn-ea"/>
+                <a:sym typeface="+mn-ea"/>
+              </a:rPr>
+              <a:t>无法触及的资源，效果也不会太好；</a:t>
+            </a:r>
+            <a:endParaRPr lang="zh-CN" altLang="en-US" sz="1400" dirty="0">
+              <a:solidFill>
+                <a:srgbClr val="000000"/>
+              </a:solidFill>
+              <a:latin typeface="+mn-ea"/>
+              <a:cs typeface="+mn-ea"/>
+              <a:sym typeface="+mn-ea"/>
+            </a:endParaRPr>
+          </a:p>
+        </p:txBody>
+      </p:sp>
+      <p:sp>
+        <p:nvSpPr>
+          <p:cNvPr id="6" name="矩形 5"/>
+          <p:cNvSpPr/>
+          <p:nvPr>
+            <p:custDataLst>
+              <p:tags r:id="rId5"/>
+            </p:custDataLst>
+          </p:nvPr>
+        </p:nvSpPr>
+        <p:spPr>
+          <a:xfrm>
+            <a:off x="2038985" y="3685534"/>
+            <a:ext cx="2652971" cy="349912"/>
+          </a:xfrm>
+          <a:prstGeom prst="rect">
+            <a:avLst/>
+          </a:prstGeom>
+          <a:noFill/>
+        </p:spPr>
+        <p:txBody>
+          <a:bodyPr wrap="square" lIns="0" tIns="0" rIns="0" bIns="0" rtlCol="0" anchor="b" anchorCtr="0">
+            <a:noAutofit/>
+          </a:bodyPr>
+          <a:p>
+            <a:pPr>
+              <a:spcBef>
+                <a:spcPct val="0"/>
+              </a:spcBef>
+              <a:spcAft>
+                <a:spcPct val="0"/>
+              </a:spcAft>
+            </a:pPr>
+            <a:r>
+              <a:rPr lang="en-US" altLang="zh-CN" sz="2000" b="1" dirty="0">
+                <a:solidFill>
+                  <a:schemeClr val="accent1"/>
+                </a:solidFill>
+                <a:latin typeface="+mn-ea"/>
+                <a:cs typeface="+mn-ea"/>
+                <a:sym typeface="+mn-ea"/>
+              </a:rPr>
+              <a:t>AI </a:t>
+            </a:r>
+            <a:r>
+              <a:rPr lang="zh-CN" altLang="en-US" sz="2000" b="1" dirty="0">
+                <a:solidFill>
+                  <a:schemeClr val="accent1"/>
+                </a:solidFill>
+                <a:latin typeface="+mn-ea"/>
+                <a:cs typeface="+mn-ea"/>
+                <a:sym typeface="+mn-ea"/>
+              </a:rPr>
+              <a:t>目前的局限</a:t>
+            </a:r>
+            <a:endParaRPr lang="zh-CN" altLang="en-US" sz="2000" b="1" dirty="0">
+              <a:solidFill>
+                <a:schemeClr val="accent1"/>
+              </a:solidFill>
+              <a:latin typeface="+mn-ea"/>
+              <a:cs typeface="+mn-ea"/>
+              <a:sym typeface="+mn-ea"/>
+            </a:endParaRPr>
+          </a:p>
+        </p:txBody>
+      </p:sp>
+      <p:sp>
+        <p:nvSpPr>
+          <p:cNvPr id="11" name="矩形 10"/>
+          <p:cNvSpPr/>
+          <p:nvPr>
+            <p:custDataLst>
+              <p:tags r:id="rId6"/>
+            </p:custDataLst>
+          </p:nvPr>
+        </p:nvSpPr>
+        <p:spPr>
+          <a:xfrm>
+            <a:off x="6851074" y="4146145"/>
+            <a:ext cx="2652971" cy="1220876"/>
+          </a:xfrm>
+          <a:prstGeom prst="rect">
+            <a:avLst/>
+          </a:prstGeom>
+          <a:noFill/>
+        </p:spPr>
+        <p:txBody>
+          <a:bodyPr wrap="square" lIns="0" tIns="0" rIns="0" bIns="0" rtlCol="0" anchor="t">
+            <a:noAutofit/>
+          </a:bodyPr>
+          <a:p>
+            <a:pPr>
+              <a:lnSpc>
+                <a:spcPct val="150000"/>
+              </a:lnSpc>
+              <a:spcBef>
+                <a:spcPct val="0"/>
+              </a:spcBef>
+              <a:spcAft>
+                <a:spcPct val="0"/>
+              </a:spcAft>
+            </a:pPr>
+            <a:r>
+              <a:rPr lang="en-US" altLang="zh-CN" sz="1400">
+                <a:solidFill>
+                  <a:srgbClr val="000000"/>
+                </a:solidFill>
+                <a:latin typeface="+mn-ea"/>
+                <a:cs typeface="+mn-ea"/>
+                <a:sym typeface="+mn-ea"/>
+              </a:rPr>
+              <a:t>1</a:t>
+            </a:r>
+            <a:r>
               <a:rPr lang="zh-CN" altLang="en-US" sz="1400">
                 <a:solidFill>
                   <a:srgbClr val="000000"/>
@@ -18747,7 +19450,29 @@
                 <a:cs typeface="+mn-ea"/>
                 <a:sym typeface="+mn-ea"/>
               </a:rPr>
-              <a:t>AI决策过程缺乏透明性，导致难以解释和理解模型的决策逻辑。</a:t>
+              <a:t>、</a:t>
+            </a:r>
+            <a:r>
+              <a:rPr lang="en-US" altLang="zh-CN" sz="1400">
+                <a:solidFill>
+                  <a:srgbClr val="000000"/>
+                </a:solidFill>
+                <a:latin typeface="+mn-ea"/>
+                <a:cs typeface="+mn-ea"/>
+                <a:sym typeface="+mn-ea"/>
+              </a:rPr>
+              <a:t>AI </a:t>
+            </a:r>
+            <a:r>
+              <a:rPr lang="zh-CN" altLang="en-US" sz="1400">
+                <a:solidFill>
+                  <a:srgbClr val="000000"/>
+                </a:solidFill>
+                <a:latin typeface="+mn-ea"/>
+                <a:cs typeface="+mn-ea"/>
+                <a:sym typeface="+mn-ea"/>
+              </a:rPr>
+              <a:t>可支持接收的信息会越来越复杂，结果会越来越准确；</a:t>
             </a:r>
             <a:endParaRPr lang="zh-CN" altLang="en-US" sz="1400">
               <a:solidFill>
@@ -18758,6 +19483,49 @@
               <a:sym typeface="+mn-ea"/>
             </a:endParaRPr>
           </a:p>
+          <a:p>
+            <a:pPr>
+              <a:lnSpc>
+                <a:spcPct val="150000"/>
+              </a:lnSpc>
+              <a:spcBef>
+                <a:spcPct val="0"/>
+              </a:spcBef>
+              <a:spcAft>
+                <a:spcPct val="0"/>
+              </a:spcAft>
+            </a:pPr>
+            <a:r>
+              <a:rPr lang="en-US" altLang="zh-CN" sz="1400">
+                <a:solidFill>
+                  <a:srgbClr val="000000"/>
+                </a:solidFill>
+                <a:latin typeface="+mn-ea"/>
+                <a:cs typeface="+mn-ea"/>
+                <a:sym typeface="+mn-ea"/>
+              </a:rPr>
+              <a:t>2</a:t>
+            </a:r>
+            <a:r>
+              <a:rPr lang="zh-CN" altLang="en-US" sz="1400">
+                <a:solidFill>
+                  <a:srgbClr val="000000"/>
+                </a:solidFill>
+                <a:latin typeface="+mn-ea"/>
+                <a:cs typeface="+mn-ea"/>
+                <a:sym typeface="+mn-ea"/>
+              </a:rPr>
+              <a:t>、我们的角色转变，会从编码人变成设计者、指挥调控者</a:t>
+            </a:r>
+            <a:endParaRPr lang="zh-CN" altLang="en-US" sz="1400">
+              <a:solidFill>
+                <a:srgbClr val="000000"/>
+              </a:solidFill>
+              <a:latin typeface="+mn-ea"/>
+              <a:cs typeface="+mn-ea"/>
+              <a:sym typeface="+mn-ea"/>
+            </a:endParaRPr>
+          </a:p>
         </p:txBody>
       </p:sp>
       <p:sp>
@@ -18772,8 +19540,8 @@
         </p:nvSpPr>
         <p:spPr>
           <a:xfrm>
-            <a:off x="6856095" y="3688716"/>
-            <a:ext cx="2647950" cy="349250"/>
+            <a:off x="6851074" y="3685534"/>
+            <a:ext cx="2652971" cy="349912"/>
           </a:xfrm>
           <a:prstGeom prst="rect">
             <a:avLst/>
@@ -18837,7 +19605,7 @@
 </p:sld>
 </file>
 
-<file path=ppt/slides/slide14.xml><?xml version="1.0" encoding="utf-8"?>
+<file path=ppt/slides/slide15.xml><?xml version="1.0" encoding="utf-8"?>
 <p:sld xmlns:a="http://schemas.openxmlformats.org/drawingml/2006/main" xmlns:r="http://schemas.openxmlformats.org/officeDocument/2006/relationships" xmlns:p="http://schemas.openxmlformats.org/presentationml/2006/main">
   <p:cSld>
     <p:spTree>
@@ -18924,7 +19692,7 @@
 </p:sld>
 </file>
 
-<file path=ppt/slides/slide15.xml><?xml version="1.0" encoding="utf-8"?>
+<file path=ppt/slides/slide16.xml><?xml version="1.0" encoding="utf-8"?>
 <p:sld xmlns:a="http://schemas.openxmlformats.org/drawingml/2006/main" xmlns:r="http://schemas.openxmlformats.org/officeDocument/2006/relationships" xmlns:p="http://schemas.openxmlformats.org/presentationml/2006/main">
   <p:cSld>
     <p:spTree>
@@ -19775,7 +20543,7 @@
 </p:sld>
 </file>
 
-<file path=ppt/slides/slide16.xml><?xml version="1.0" encoding="utf-8"?>
+<file path=ppt/slides/slide17.xml><?xml version="1.0" encoding="utf-8"?>
 <p:sld xmlns:a="http://schemas.openxmlformats.org/drawingml/2006/main" xmlns:r="http://schemas.openxmlformats.org/officeDocument/2006/relationships" xmlns:p="http://schemas.openxmlformats.org/presentationml/2006/main">
   <p:cSld>
     <p:spTree>
@@ -31398,6 +32166,188 @@
 
 <file path=ppt/tags/tag350.xml><?xml version="1.0" encoding="utf-8"?>
 <p:tagLst xmlns:p="http://schemas.openxmlformats.org/presentationml/2006/main">
+  <p:tag name="KSO_WM_UNIT_ISCONTENTSTITLE" val="0"/>
+  <p:tag name="KSO_WM_UNIT_ISNUMDGMTITLE" val="0"/>
+  <p:tag name="KSO_WM_UNIT_NOCLEAR" val="0"/>
+  <p:tag name="KSO_WM_UNIT_VALUE" val="30"/>
+  <p:tag name="KSO_WM_UNIT_HIGHLIGHT" val="0"/>
+  <p:tag name="KSO_WM_UNIT_COMPATIBLE" val="0"/>
+  <p:tag name="KSO_WM_UNIT_DIAGRAM_ISNUMVISUAL" val="0"/>
+  <p:tag name="KSO_WM_UNIT_DIAGRAM_ISREFERUNIT" val="0"/>
+  <p:tag name="KSO_WM_DIAGRAM_GROUP_CODE" val="l1-1"/>
+  <p:tag name="KSO_WM_UNIT_TYPE" val="a"/>
+  <p:tag name="KSO_WM_UNIT_INDEX" val="1"/>
+  <p:tag name="KSO_WM_UNIT_ID" val="diagram20233147_3*a*1"/>
+  <p:tag name="KSO_WM_TEMPLATE_CATEGORY" val="diagram"/>
+  <p:tag name="KSO_WM_TEMPLATE_INDEX" val="20233147"/>
+  <p:tag name="KSO_WM_UNIT_LAYERLEVEL" val="1"/>
+  <p:tag name="KSO_WM_TAG_VERSION" val="3.0"/>
+  <p:tag name="KSO_WM_BEAUTIFY_FLAG" val="#wm#"/>
+  <p:tag name="KSO_WM_UNIT_TEXT_TYPE" val="1"/>
+  <p:tag name="KSO_WM_UNIT_PRESET_TEXT" val="单击此处添加标题"/>
+</p:tagLst>
+</file>
+
+<file path=ppt/tags/tag351.xml><?xml version="1.0" encoding="utf-8"?>
+<p:tagLst xmlns:p="http://schemas.openxmlformats.org/presentationml/2006/main">
+  <p:tag name="KSO_WM_UNIT_SUBTYPE" val="a"/>
+  <p:tag name="KSO_WM_UNIT_NOCLEAR" val="0"/>
+  <p:tag name="KSO_WM_UNIT_VALUE" val="60"/>
+  <p:tag name="KSO_WM_UNIT_HIGHLIGHT" val="0"/>
+  <p:tag name="KSO_WM_UNIT_COMPATIBLE" val="0"/>
+  <p:tag name="KSO_WM_UNIT_DIAGRAM_ISNUMVISUAL" val="0"/>
+  <p:tag name="KSO_WM_UNIT_DIAGRAM_ISREFERUNIT" val="0"/>
+  <p:tag name="KSO_WM_UNIT_TYPE" val="l_h_f"/>
+  <p:tag name="KSO_WM_UNIT_INDEX" val="1_2_1"/>
+  <p:tag name="KSO_WM_UNIT_ID" val="diagram20233147_1*l_h_f*1_2_1"/>
+  <p:tag name="KSO_WM_TEMPLATE_CATEGORY" val="diagram"/>
+  <p:tag name="KSO_WM_TEMPLATE_INDEX" val="20233147"/>
+  <p:tag name="KSO_WM_UNIT_LAYERLEVEL" val="1_1_1"/>
+  <p:tag name="KSO_WM_TAG_VERSION" val="3.0"/>
+  <p:tag name="KSO_WM_UNIT_TEXT_FILL_FORE_SCHEMECOLOR_INDEX_BRIGHTNESS" val="0.15"/>
+  <p:tag name="KSO_WM_DIAGRAM_VERSION" val="3"/>
+  <p:tag name="KSO_WM_DIAGRAM_COLOR_TRICK" val="1"/>
+  <p:tag name="KSO_WM_DIAGRAM_COLOR_TEXT_CAN_REMOVE" val="n"/>
+  <p:tag name="KSO_WM_DIAGRAM_GROUP_CODE" val="l1-1"/>
+  <p:tag name="KSO_WM_DIAGRAM_MAX_ITEMCNT" val="4"/>
+  <p:tag name="KSO_WM_DIAGRAM_MIN_ITEMCNT" val="2"/>
+  <p:tag name="KSO_WM_DIAGRAM_VIRTUALLY_FRAME" val="{&quot;height&quot;:396.39133858267735,&quot;left&quot;:73.35057745024915,&quot;top&quot;:110.44007874015745,&quot;width&quot;:812.9407348632812}"/>
+  <p:tag name="KSO_WM_DIAGRAM_COLOR_MATCH_VALUE" val="{&quot;shape&quot;:{&quot;fill&quot;:{&quot;type&quot;:0},&quot;glow&quot;:{&quot;colorType&quot;:0},&quot;line&quot;:{&quot;type&quot;:0},&quot;shadow&quot;:{&quot;colorType&quot;:0},&quot;threeD&quot;:{&quot;curvedSurface&quot;:{&quot;brightness&quot;:0,&quot;colorType&quot;:2,&quot;rgb&quot;:&quot;#000000&quot;},&quot;depth&quot;:{&quot;colorType&quot;:0}}},&quot;text&quot;:{&quot;fill&quot;:{&quot;solid&quot;:{&quot;brightness&quot;:0.15000000596046448,&quot;colorType&quot;:1,&quot;foreColorIndex&quot;:13,&quot;transparency&quot;:0},&quot;type&quot;:1},&quot;glow&quot;:{&quot;colorType&quot;:0},&quot;line&quot;:{&quot;type&quot;:0},&quot;shadow&quot;:{&quot;colorType&quot;:0},&quot;threeD&quot;:{&quot;curvedSurface&quot;:{&quot;brightness&quot;:0,&quot;colorType&quot;:2,&quot;rgb&quot;:&quot;#000000&quot;},&quot;depth&quot;:{&quot;colorType&quot;:0}}}}"/>
+  <p:tag name="KSO_WM_UNIT_TEXT_TYPE" val="1"/>
+  <p:tag name="KSO_WM_UNIT_TEXT_LAYER_COUNT" val="1"/>
+  <p:tag name="KSO_WM_BEAUTIFY_FLAG" val="#wm#"/>
+  <p:tag name="KSO_WM_UNIT_PRESET_TEXT" val="单击添加文本内容，简明扼要地阐述您的观点。根据需要可酌情增减文字"/>
+  <p:tag name="KSO_WM_UNIT_TEXT_FILL_FORE_SCHEMECOLOR_INDEX" val="1"/>
+  <p:tag name="KSO_WM_UNIT_TEXT_FILL_TYPE" val="1"/>
+</p:tagLst>
+</file>
+
+<file path=ppt/tags/tag352.xml><?xml version="1.0" encoding="utf-8"?>
+<p:tagLst xmlns:p="http://schemas.openxmlformats.org/presentationml/2006/main">
+  <p:tag name="KSO_WM_UNIT_ISCONTENTSTITLE" val="0"/>
+  <p:tag name="KSO_WM_UNIT_ISNUMDGMTITLE" val="0"/>
+  <p:tag name="KSO_WM_UNIT_NOCLEAR" val="0"/>
+  <p:tag name="KSO_WM_UNIT_VALUE" val="10"/>
+  <p:tag name="KSO_WM_UNIT_HIGHLIGHT" val="0"/>
+  <p:tag name="KSO_WM_UNIT_COMPATIBLE" val="0"/>
+  <p:tag name="KSO_WM_UNIT_DIAGRAM_ISNUMVISUAL" val="0"/>
+  <p:tag name="KSO_WM_UNIT_DIAGRAM_ISREFERUNIT" val="0"/>
+  <p:tag name="KSO_WM_UNIT_TYPE" val="l_h_a"/>
+  <p:tag name="KSO_WM_UNIT_INDEX" val="1_2_1"/>
+  <p:tag name="KSO_WM_UNIT_ID" val="diagram20233147_1*l_h_a*1_2_1"/>
+  <p:tag name="KSO_WM_TEMPLATE_CATEGORY" val="diagram"/>
+  <p:tag name="KSO_WM_TEMPLATE_INDEX" val="20233147"/>
+  <p:tag name="KSO_WM_UNIT_LAYERLEVEL" val="1_1_1"/>
+  <p:tag name="KSO_WM_TAG_VERSION" val="3.0"/>
+  <p:tag name="KSO_WM_UNIT_TEXT_FILL_FORE_SCHEMECOLOR_INDEX_BRIGHTNESS" val="0.15"/>
+  <p:tag name="KSO_WM_DIAGRAM_VERSION" val="3"/>
+  <p:tag name="KSO_WM_DIAGRAM_COLOR_TRICK" val="1"/>
+  <p:tag name="KSO_WM_DIAGRAM_COLOR_TEXT_CAN_REMOVE" val="n"/>
+  <p:tag name="KSO_WM_DIAGRAM_GROUP_CODE" val="l1-1"/>
+  <p:tag name="KSO_WM_DIAGRAM_MAX_ITEMCNT" val="4"/>
+  <p:tag name="KSO_WM_DIAGRAM_MIN_ITEMCNT" val="2"/>
+  <p:tag name="KSO_WM_DIAGRAM_VIRTUALLY_FRAME" val="{&quot;height&quot;:396.39133858267735,&quot;left&quot;:73.35057745024915,&quot;top&quot;:110.44007874015745,&quot;width&quot;:812.9407348632812}"/>
+  <p:tag name="KSO_WM_DIAGRAM_COLOR_MATCH_VALUE" val="{&quot;shape&quot;:{&quot;fill&quot;:{&quot;type&quot;:0},&quot;glow&quot;:{&quot;colorType&quot;:0},&quot;line&quot;:{&quot;type&quot;:0},&quot;shadow&quot;:{&quot;colorType&quot;:0},&quot;threeD&quot;:{&quot;curvedSurface&quot;:{&quot;brightness&quot;:0,&quot;colorType&quot;:2,&quot;rgb&quot;:&quot;#000000&quot;},&quot;depth&quot;:{&quot;colorType&quot;:0}}},&quot;text&quot;:{&quot;fill&quot;:{&quot;solid&quot;:{&quot;brightness&quot;:0,&quot;colorType&quot;:1,&quot;foreColorIndex&quot;:5,&quot;transparency&quot;:0},&quot;type&quot;:1},&quot;glow&quot;:{&quot;colorType&quot;:0},&quot;line&quot;:{&quot;type&quot;:0},&quot;shadow&quot;:{&quot;colorType&quot;:0},&quot;threeD&quot;:{&quot;curvedSurface&quot;:{&quot;brightness&quot;:0,&quot;colorType&quot;:2,&quot;rgb&quot;:&quot;#000000&quot;},&quot;depth&quot;:{&quot;colorType&quot;:0}}}}"/>
+  <p:tag name="KSO_WM_UNIT_TEXT_TYPE" val="1"/>
+  <p:tag name="KSO_WM_BEAUTIFY_FLAG" val="#wm#"/>
+  <p:tag name="KSO_WM_UNIT_PRESET_TEXT" val="添加标题"/>
+  <p:tag name="KSO_WM_UNIT_TEXT_FILL_FORE_SCHEMECOLOR_INDEX" val="1"/>
+  <p:tag name="KSO_WM_UNIT_TEXT_FILL_TYPE" val="1"/>
+</p:tagLst>
+</file>
+
+<file path=ppt/tags/tag353.xml><?xml version="1.0" encoding="utf-8"?>
+<p:tagLst xmlns:p="http://schemas.openxmlformats.org/presentationml/2006/main">
+  <p:tag name="KSO_WM_UNIT_SUBTYPE" val="a"/>
+  <p:tag name="KSO_WM_UNIT_NOCLEAR" val="0"/>
+  <p:tag name="KSO_WM_UNIT_VALUE" val="60"/>
+  <p:tag name="KSO_WM_UNIT_HIGHLIGHT" val="0"/>
+  <p:tag name="KSO_WM_UNIT_COMPATIBLE" val="0"/>
+  <p:tag name="KSO_WM_UNIT_DIAGRAM_ISNUMVISUAL" val="0"/>
+  <p:tag name="KSO_WM_UNIT_DIAGRAM_ISREFERUNIT" val="0"/>
+  <p:tag name="KSO_WM_UNIT_TYPE" val="l_h_f"/>
+  <p:tag name="KSO_WM_UNIT_INDEX" val="1_2_1"/>
+  <p:tag name="KSO_WM_UNIT_ID" val="diagram20233147_1*l_h_f*1_2_1"/>
+  <p:tag name="KSO_WM_TEMPLATE_CATEGORY" val="diagram"/>
+  <p:tag name="KSO_WM_TEMPLATE_INDEX" val="20233147"/>
+  <p:tag name="KSO_WM_UNIT_LAYERLEVEL" val="1_1_1"/>
+  <p:tag name="KSO_WM_TAG_VERSION" val="3.0"/>
+  <p:tag name="KSO_WM_UNIT_TEXT_FILL_FORE_SCHEMECOLOR_INDEX_BRIGHTNESS" val="0.15"/>
+  <p:tag name="KSO_WM_DIAGRAM_VERSION" val="3"/>
+  <p:tag name="KSO_WM_DIAGRAM_COLOR_TRICK" val="1"/>
+  <p:tag name="KSO_WM_DIAGRAM_COLOR_TEXT_CAN_REMOVE" val="n"/>
+  <p:tag name="KSO_WM_DIAGRAM_GROUP_CODE" val="l1-1"/>
+  <p:tag name="KSO_WM_DIAGRAM_MAX_ITEMCNT" val="4"/>
+  <p:tag name="KSO_WM_DIAGRAM_MIN_ITEMCNT" val="2"/>
+  <p:tag name="KSO_WM_DIAGRAM_VIRTUALLY_FRAME" val="{&quot;height&quot;:396.39133858267735,&quot;left&quot;:73.35057745024915,&quot;top&quot;:110.44007874015745,&quot;width&quot;:812.9407348632812}"/>
+  <p:tag name="KSO_WM_DIAGRAM_COLOR_MATCH_VALUE" val="{&quot;shape&quot;:{&quot;fill&quot;:{&quot;type&quot;:0},&quot;glow&quot;:{&quot;colorType&quot;:0},&quot;line&quot;:{&quot;type&quot;:0},&quot;shadow&quot;:{&quot;colorType&quot;:0},&quot;threeD&quot;:{&quot;curvedSurface&quot;:{&quot;brightness&quot;:0,&quot;colorType&quot;:2,&quot;rgb&quot;:&quot;#000000&quot;},&quot;depth&quot;:{&quot;colorType&quot;:0}}},&quot;text&quot;:{&quot;fill&quot;:{&quot;solid&quot;:{&quot;brightness&quot;:0.15000000596046448,&quot;colorType&quot;:1,&quot;foreColorIndex&quot;:13,&quot;transparency&quot;:0},&quot;type&quot;:1},&quot;glow&quot;:{&quot;colorType&quot;:0},&quot;line&quot;:{&quot;type&quot;:0},&quot;shadow&quot;:{&quot;colorType&quot;:0},&quot;threeD&quot;:{&quot;curvedSurface&quot;:{&quot;brightness&quot;:0,&quot;colorType&quot;:2,&quot;rgb&quot;:&quot;#000000&quot;},&quot;depth&quot;:{&quot;colorType&quot;:0}}}}"/>
+  <p:tag name="KSO_WM_UNIT_TEXT_TYPE" val="1"/>
+  <p:tag name="KSO_WM_UNIT_TEXT_LAYER_COUNT" val="1"/>
+  <p:tag name="KSO_WM_UNIT_PRESET_TEXT" val="单击添加文本内容，简明扼要地阐述您的观点。根据需要可酌情增减文字"/>
+  <p:tag name="KSO_WM_UNIT_TEXT_FILL_FORE_SCHEMECOLOR_INDEX" val="1"/>
+  <p:tag name="KSO_WM_UNIT_TEXT_FILL_TYPE" val="1"/>
+</p:tagLst>
+</file>
+
+<file path=ppt/tags/tag354.xml><?xml version="1.0" encoding="utf-8"?>
+<p:tagLst xmlns:p="http://schemas.openxmlformats.org/presentationml/2006/main">
+  <p:tag name="KSO_WM_UNIT_ISCONTENTSTITLE" val="0"/>
+  <p:tag name="KSO_WM_UNIT_ISNUMDGMTITLE" val="0"/>
+  <p:tag name="KSO_WM_UNIT_NOCLEAR" val="0"/>
+  <p:tag name="KSO_WM_UNIT_VALUE" val="10"/>
+  <p:tag name="KSO_WM_UNIT_HIGHLIGHT" val="0"/>
+  <p:tag name="KSO_WM_UNIT_COMPATIBLE" val="0"/>
+  <p:tag name="KSO_WM_UNIT_DIAGRAM_ISNUMVISUAL" val="0"/>
+  <p:tag name="KSO_WM_UNIT_DIAGRAM_ISREFERUNIT" val="0"/>
+  <p:tag name="KSO_WM_UNIT_TYPE" val="l_h_a"/>
+  <p:tag name="KSO_WM_UNIT_INDEX" val="1_2_1"/>
+  <p:tag name="KSO_WM_UNIT_ID" val="diagram20233147_1*l_h_a*1_2_1"/>
+  <p:tag name="KSO_WM_TEMPLATE_CATEGORY" val="diagram"/>
+  <p:tag name="KSO_WM_TEMPLATE_INDEX" val="20233147"/>
+  <p:tag name="KSO_WM_UNIT_LAYERLEVEL" val="1_1_1"/>
+  <p:tag name="KSO_WM_TAG_VERSION" val="3.0"/>
+  <p:tag name="KSO_WM_UNIT_TEXT_FILL_FORE_SCHEMECOLOR_INDEX_BRIGHTNESS" val="0.15"/>
+  <p:tag name="KSO_WM_DIAGRAM_VERSION" val="3"/>
+  <p:tag name="KSO_WM_DIAGRAM_COLOR_TRICK" val="1"/>
+  <p:tag name="KSO_WM_DIAGRAM_COLOR_TEXT_CAN_REMOVE" val="n"/>
+  <p:tag name="KSO_WM_DIAGRAM_GROUP_CODE" val="l1-1"/>
+  <p:tag name="KSO_WM_DIAGRAM_MAX_ITEMCNT" val="4"/>
+  <p:tag name="KSO_WM_DIAGRAM_MIN_ITEMCNT" val="2"/>
+  <p:tag name="KSO_WM_DIAGRAM_VIRTUALLY_FRAME" val="{&quot;height&quot;:396.39133858267735,&quot;left&quot;:73.35057745024915,&quot;top&quot;:110.44007874015745,&quot;width&quot;:812.9407348632812}"/>
+  <p:tag name="KSO_WM_DIAGRAM_COLOR_MATCH_VALUE" val="{&quot;shape&quot;:{&quot;fill&quot;:{&quot;type&quot;:0},&quot;glow&quot;:{&quot;colorType&quot;:0},&quot;line&quot;:{&quot;type&quot;:0},&quot;shadow&quot;:{&quot;colorType&quot;:0},&quot;threeD&quot;:{&quot;curvedSurface&quot;:{&quot;brightness&quot;:0,&quot;colorType&quot;:2,&quot;rgb&quot;:&quot;#000000&quot;},&quot;depth&quot;:{&quot;colorType&quot;:0}}},&quot;text&quot;:{&quot;fill&quot;:{&quot;solid&quot;:{&quot;brightness&quot;:0,&quot;colorType&quot;:1,&quot;foreColorIndex&quot;:5,&quot;transparency&quot;:0},&quot;type&quot;:1},&quot;glow&quot;:{&quot;colorType&quot;:0},&quot;line&quot;:{&quot;type&quot;:0},&quot;shadow&quot;:{&quot;colorType&quot;:0},&quot;threeD&quot;:{&quot;curvedSurface&quot;:{&quot;brightness&quot;:0,&quot;colorType&quot;:2,&quot;rgb&quot;:&quot;#000000&quot;},&quot;depth&quot;:{&quot;colorType&quot;:0}}}}"/>
+  <p:tag name="KSO_WM_UNIT_TEXT_TYPE" val="1"/>
+  <p:tag name="KSO_WM_UNIT_PRESET_TEXT" val="添加标题"/>
+  <p:tag name="KSO_WM_UNIT_TEXT_FILL_FORE_SCHEMECOLOR_INDEX" val="1"/>
+  <p:tag name="KSO_WM_UNIT_TEXT_FILL_TYPE" val="1"/>
+</p:tagLst>
+</file>
+
+<file path=ppt/tags/tag355.xml><?xml version="1.0" encoding="utf-8"?>
+<p:tagLst xmlns:p="http://schemas.openxmlformats.org/presentationml/2006/main">
+  <p:tag name="KSO_WM_SLIDE_ID" val="diagram20233147_3"/>
+  <p:tag name="KSO_WM_TEMPLATE_SUBCATEGORY" val="0"/>
+  <p:tag name="KSO_WM_TEMPLATE_MASTER_TYPE" val="0"/>
+  <p:tag name="KSO_WM_TEMPLATE_COLOR_TYPE" val="0"/>
+  <p:tag name="KSO_WM_SLIDE_ITEM_CNT" val="4"/>
+  <p:tag name="KSO_WM_SLIDE_INDEX" val="3"/>
+  <p:tag name="KSO_WM_TAG_VERSION" val="3.0"/>
+  <p:tag name="KSO_WM_BEAUTIFY_FLAG" val="#wm#"/>
+  <p:tag name="KSO_WM_TEMPLATE_CATEGORY" val="diagram"/>
+  <p:tag name="KSO_WM_TEMPLATE_INDEX" val="20233147"/>
+  <p:tag name="KSO_WM_SLIDE_TYPE" val="text"/>
+  <p:tag name="KSO_WM_SLIDE_SUBTYPE" val="diag"/>
+  <p:tag name="KSO_WM_SLIDE_SIZE" val="812.941*336.878"/>
+  <p:tag name="KSO_WM_SLIDE_POSITION" val="73.3256*155.822"/>
+  <p:tag name="KSO_WM_SLIDE_LAYOUT" val="a_l"/>
+  <p:tag name="KSO_WM_SLIDE_LAYOUT_CNT" val="1_1"/>
+  <p:tag name="KSO_WM_SPECIAL_SOURCE" val="bdnull"/>
+  <p:tag name="KSO_WM_DIAGRAM_GROUP_CODE" val="l1-1"/>
+  <p:tag name="KSO_WM_SLIDE_DIAGTYPE" val="l"/>
+</p:tagLst>
+</file>
+
+<file path=ppt/tags/tag356.xml><?xml version="1.0" encoding="utf-8"?>
+<p:tagLst xmlns:p="http://schemas.openxmlformats.org/presentationml/2006/main">
   <p:tag name="KSO_WM_UNIT_NOCLEAR" val="0"/>
   <p:tag name="KSO_WM_UNIT_VALUE" val="6"/>
   <p:tag name="KSO_WM_UNIT_HIGHLIGHT" val="0"/>
@@ -31416,7 +32366,7 @@
 </p:tagLst>
 </file>
 
-<file path=ppt/tags/tag351.xml><?xml version="1.0" encoding="utf-8"?>
+<file path=ppt/tags/tag357.xml><?xml version="1.0" encoding="utf-8"?>
 <p:tagLst xmlns:p="http://schemas.openxmlformats.org/presentationml/2006/main">
   <p:tag name="KSO_WM_UNIT_ISCONTENTSTITLE" val="0"/>
   <p:tag name="KSO_WM_UNIT_ISNUMDGMTITLE" val="0"/>
@@ -31440,7 +32390,7 @@
 </p:tagLst>
 </file>
 
-<file path=ppt/tags/tag352.xml><?xml version="1.0" encoding="utf-8"?>
+<file path=ppt/tags/tag358.xml><?xml version="1.0" encoding="utf-8"?>
 <p:tagLst xmlns:p="http://schemas.openxmlformats.org/presentationml/2006/main">
   <p:tag name="KSO_WM_SPECIAL_SOURCE" val="bdnull"/>
   <p:tag name="KSO_WM_SLIDE_ID" val="custom20230301_9"/>
@@ -31461,7 +32411,7 @@
 </p:tagLst>
 </file>
 
-<file path=ppt/tags/tag353.xml><?xml version="1.0" encoding="utf-8"?>
+<file path=ppt/tags/tag359.xml><?xml version="1.0" encoding="utf-8"?>
 <p:tagLst xmlns:p="http://schemas.openxmlformats.org/presentationml/2006/main">
   <p:tag name="KSO_WM_UNIT_VALUE" val="952*3384"/>
   <p:tag name="KSO_WM_UNIT_HIGHLIGHT" val="0"/>
@@ -31485,7 +32435,20 @@
 </p:tagLst>
 </file>
 
-<file path=ppt/tags/tag354.xml><?xml version="1.0" encoding="utf-8"?>
+<file path=ppt/tags/tag36.xml><?xml version="1.0" encoding="utf-8"?>
+<p:tagLst xmlns:p="http://schemas.openxmlformats.org/presentationml/2006/main">
+  <p:tag name="KSO_WM_UNIT_HIGHLIGHT" val="0"/>
+  <p:tag name="KSO_WM_UNIT_COMPATIBLE" val="0"/>
+  <p:tag name="KSO_WM_UNIT_DIAGRAM_ISNUMVISUAL" val="0"/>
+  <p:tag name="KSO_WM_UNIT_DIAGRAM_ISREFERUNIT" val="0"/>
+  <p:tag name="KSO_WM_UNIT_ID" val="_7**"/>
+  <p:tag name="KSO_WM_UNIT_LAYERLEVEL" val="1"/>
+  <p:tag name="KSO_WM_TAG_VERSION" val="1.0"/>
+  <p:tag name="KSO_WM_BEAUTIFY_FLAG" val="#wm#"/>
+</p:tagLst>
+</file>
+
+<file path=ppt/tags/tag360.xml><?xml version="1.0" encoding="utf-8"?>
 <p:tagLst xmlns:p="http://schemas.openxmlformats.org/presentationml/2006/main">
   <p:tag name="KSO_WM_BEAUTIFY_FLAG" val="#wm#"/>
   <p:tag name="KSO_WM_UNIT_HIGHLIGHT" val="0"/>
@@ -31511,7 +32474,7 @@
 </p:tagLst>
 </file>
 
-<file path=ppt/tags/tag355.xml><?xml version="1.0" encoding="utf-8"?>
+<file path=ppt/tags/tag361.xml><?xml version="1.0" encoding="utf-8"?>
 <p:tagLst xmlns:p="http://schemas.openxmlformats.org/presentationml/2006/main">
   <p:tag name="KSO_WM_DIAGRAM_VERSION" val="3"/>
   <p:tag name="KSO_WM_DIAGRAM_COLOR_TRICK" val="1"/>
@@ -31534,7 +32497,7 @@
   <p:tag name="KSO_WM_BEAUTIFY_FLAG" val="#wm#"/>
   <p:tag name="KSO_WM_DIAGRAM_MAX_ITEMCNT" val="3"/>
   <p:tag name="KSO_WM_DIAGRAM_MIN_ITEMCNT" val="1"/>
-  <p:tag name="KSO_WM_DIAGRAM_VIRTUALLY_FRAME" val="{&quot;height&quot;:132.6,&quot;left&quot;:220.95,&quot;top&quot;:290.45007874015744,&quot;width&quot;:746}"/>
+  <p:tag name="KSO_WM_DIAGRAM_VIRTUALLY_FRAME" val="{&quot;height&quot;:132.8505688282139,&quot;left&quot;:149.85,&quot;top&quot;:290.19950991194355,&quot;width&quot;:817.1}"/>
   <p:tag name="KSO_WM_DIAGRAM_COLOR_MATCH_VALUE" val="{&quot;shape&quot;:{&quot;fill&quot;:{&quot;type&quot;:0},&quot;glow&quot;:{&quot;colorType&quot;:0},&quot;line&quot;:{&quot;type&quot;:0},&quot;shadow&quot;:{&quot;colorType&quot;:0},&quot;threeD&quot;:{&quot;curvedSurface&quot;:{&quot;brightness&quot;:0,&quot;colorType&quot;:2,&quot;rgb&quot;:&quot;#000000&quot;},&quot;depth&quot;:{&quot;colorType&quot;:0}}},&quot;text&quot;:{&quot;fill&quot;:{&quot;solid&quot;:{&quot;brightness&quot;:0,&quot;colorType&quot;:2,&quot;rgb&quot;:&quot;#000000&quot;,&quot;transparency&quot;:0},&quot;type&quot;:1},&quot;glow&quot;:{&quot;colorType&quot;:0},&quot;line&quot;:{&quot;type&quot;:0},&quot;shadow&quot;:{&quot;colorType&quot;:0},&quot;threeD&quot;:{&quot;curvedSurface&quot;:{&quot;brightness&quot;:0,&quot;colorType&quot;:2,&quot;rgb&quot;:&quot;#000000&quot;},&quot;depth&quot;:{&quot;colorType&quot;:0}}}}"/>
   <p:tag name="KSO_WM_UNIT_TEXT_FILL_TYPE" val="1"/>
   <p:tag name="KSO_WM_UNIT_TEXT_TYPE" val="1"/>
@@ -31543,7 +32506,7 @@
 </p:tagLst>
 </file>
 
-<file path=ppt/tags/tag356.xml><?xml version="1.0" encoding="utf-8"?>
+<file path=ppt/tags/tag362.xml><?xml version="1.0" encoding="utf-8"?>
 <p:tagLst xmlns:p="http://schemas.openxmlformats.org/presentationml/2006/main">
   <p:tag name="KSO_WM_DIAGRAM_VERSION" val="3"/>
   <p:tag name="KSO_WM_DIAGRAM_COLOR_TRICK" val="1"/>
@@ -31567,7 +32530,7 @@
   <p:tag name="KSO_WM_BEAUTIFY_FLAG" val="#wm#"/>
   <p:tag name="KSO_WM_DIAGRAM_MAX_ITEMCNT" val="3"/>
   <p:tag name="KSO_WM_DIAGRAM_MIN_ITEMCNT" val="1"/>
-  <p:tag name="KSO_WM_DIAGRAM_VIRTUALLY_FRAME" val="{&quot;height&quot;:132.6,&quot;left&quot;:220.95,&quot;top&quot;:290.45007874015744,&quot;width&quot;:746}"/>
+  <p:tag name="KSO_WM_DIAGRAM_VIRTUALLY_FRAME" val="{&quot;height&quot;:132.8505688282139,&quot;left&quot;:149.85,&quot;top&quot;:290.19950991194355,&quot;width&quot;:817.1}"/>
   <p:tag name="KSO_WM_DIAGRAM_COLOR_MATCH_VALUE" val="{&quot;shape&quot;:{&quot;fill&quot;:{&quot;type&quot;:0},&quot;glow&quot;:{&quot;colorType&quot;:0},&quot;line&quot;:{&quot;type&quot;:0},&quot;shadow&quot;:{&quot;colorType&quot;:0},&quot;threeD&quot;:{&quot;curvedSurface&quot;:{&quot;brightness&quot;:0,&quot;colorType&quot;:2,&quot;rgb&quot;:&quot;#000000&quot;},&quot;depth&quot;:{&quot;colorType&quot;:0}}},&quot;text&quot;:{&quot;fill&quot;:{&quot;solid&quot;:{&quot;brightness&quot;:0,&quot;colorType&quot;:1,&quot;foreColorIndex&quot;:5,&quot;transparency&quot;:0},&quot;type&quot;:1},&quot;glow&quot;:{&quot;colorType&quot;:0},&quot;line&quot;:{&quot;type&quot;:0},&quot;shadow&quot;:{&quot;colorType&quot;:0},&quot;threeD&quot;:{&quot;curvedSurface&quot;:{&quot;brightness&quot;:0,&quot;colorType&quot;:2,&quot;rgb&quot;:&quot;#000000&quot;},&quot;depth&quot;:{&quot;colorType&quot;:0}}}}"/>
   <p:tag name="KSO_WM_UNIT_TEXT_TYPE" val="1"/>
   <p:tag name="KSO_WM_UNIT_PRESET_TEXT" val="单击此处添加项标题"/>
@@ -31576,7 +32539,7 @@
 </p:tagLst>
 </file>
 
-<file path=ppt/tags/tag357.xml><?xml version="1.0" encoding="utf-8"?>
+<file path=ppt/tags/tag363.xml><?xml version="1.0" encoding="utf-8"?>
 <p:tagLst xmlns:p="http://schemas.openxmlformats.org/presentationml/2006/main">
   <p:tag name="KSO_WM_DIAGRAM_VERSION" val="3"/>
   <p:tag name="KSO_WM_DIAGRAM_COLOR_TRICK" val="1"/>
@@ -31599,7 +32562,7 @@
   <p:tag name="KSO_WM_BEAUTIFY_FLAG" val="#wm#"/>
   <p:tag name="KSO_WM_DIAGRAM_MAX_ITEMCNT" val="3"/>
   <p:tag name="KSO_WM_DIAGRAM_MIN_ITEMCNT" val="1"/>
-  <p:tag name="KSO_WM_DIAGRAM_VIRTUALLY_FRAME" val="{&quot;height&quot;:132.6,&quot;left&quot;:220.95,&quot;top&quot;:290.45007874015744,&quot;width&quot;:746}"/>
+  <p:tag name="KSO_WM_DIAGRAM_VIRTUALLY_FRAME" val="{&quot;height&quot;:132.8505688282139,&quot;left&quot;:149.85,&quot;top&quot;:290.19950991194355,&quot;width&quot;:817.1}"/>
   <p:tag name="KSO_WM_DIAGRAM_COLOR_MATCH_VALUE" val="{&quot;shape&quot;:{&quot;fill&quot;:{&quot;type&quot;:0},&quot;glow&quot;:{&quot;colorType&quot;:0},&quot;line&quot;:{&quot;type&quot;:0},&quot;shadow&quot;:{&quot;colorType&quot;:0},&quot;threeD&quot;:{&quot;curvedSurface&quot;:{&quot;brightness&quot;:0,&quot;colorType&quot;:2,&quot;rgb&quot;:&quot;#000000&quot;},&quot;depth&quot;:{&quot;colorType&quot;:0}}},&quot;text&quot;:{&quot;fill&quot;:{&quot;solid&quot;:{&quot;brightness&quot;:0,&quot;colorType&quot;:2,&quot;rgb&quot;:&quot;#000000&quot;,&quot;transparency&quot;:0},&quot;type&quot;:1},&quot;glow&quot;:{&quot;colorType&quot;:0},&quot;line&quot;:{&quot;type&quot;:0},&quot;shadow&quot;:{&quot;colorType&quot;:0},&quot;threeD&quot;:{&quot;curvedSurface&quot;:{&quot;brightness&quot;:0,&quot;colorType&quot;:2,&quot;rgb&quot;:&quot;#000000&quot;},&quot;depth&quot;:{&quot;colorType&quot;:0}}}}"/>
   <p:tag name="KSO_WM_UNIT_TEXT_FILL_TYPE" val="1"/>
   <p:tag name="KSO_WM_UNIT_TEXT_TYPE" val="1"/>
@@ -31608,7 +32571,7 @@
 </p:tagLst>
 </file>
 
-<file path=ppt/tags/tag358.xml><?xml version="1.0" encoding="utf-8"?>
+<file path=ppt/tags/tag364.xml><?xml version="1.0" encoding="utf-8"?>
 <p:tagLst xmlns:p="http://schemas.openxmlformats.org/presentationml/2006/main">
   <p:tag name="KSO_WM_DIAGRAM_VERSION" val="3"/>
   <p:tag name="KSO_WM_DIAGRAM_COLOR_TRICK" val="1"/>
@@ -31632,7 +32595,7 @@
   <p:tag name="KSO_WM_BEAUTIFY_FLAG" val="#wm#"/>
   <p:tag name="KSO_WM_DIAGRAM_MAX_ITEMCNT" val="3"/>
   <p:tag name="KSO_WM_DIAGRAM_MIN_ITEMCNT" val="1"/>
-  <p:tag name="KSO_WM_DIAGRAM_VIRTUALLY_FRAME" val="{&quot;height&quot;:132.6,&quot;left&quot;:220.95,&quot;top&quot;:290.45007874015744,&quot;width&quot;:746}"/>
+  <p:tag name="KSO_WM_DIAGRAM_VIRTUALLY_FRAME" val="{&quot;height&quot;:132.8505688282139,&quot;left&quot;:149.85,&quot;top&quot;:290.19950991194355,&quot;width&quot;:817.1}"/>
   <p:tag name="KSO_WM_DIAGRAM_COLOR_MATCH_VALUE" val="{&quot;shape&quot;:{&quot;fill&quot;:{&quot;type&quot;:0},&quot;glow&quot;:{&quot;colorType&quot;:0},&quot;line&quot;:{&quot;type&quot;:0},&quot;shadow&quot;:{&quot;colorType&quot;:0},&quot;threeD&quot;:{&quot;curvedSurface&quot;:{&quot;brightness&quot;:0,&quot;colorType&quot;:2,&quot;rgb&quot;:&quot;#000000&quot;},&quot;depth&quot;:{&quot;colorType&quot;:0}}},&quot;text&quot;:{&quot;fill&quot;:{&quot;solid&quot;:{&quot;brightness&quot;:0,&quot;colorType&quot;:1,&quot;foreColorIndex&quot;:5,&quot;transparency&quot;:0},&quot;type&quot;:1},&quot;glow&quot;:{&quot;colorType&quot;:0},&quot;line&quot;:{&quot;type&quot;:0},&quot;shadow&quot;:{&quot;colorType&quot;:0},&quot;threeD&quot;:{&quot;curvedSurface&quot;:{&quot;brightness&quot;:0,&quot;colorType&quot;:2,&quot;rgb&quot;:&quot;#000000&quot;},&quot;depth&quot;:{&quot;colorType&quot;:0}}}}"/>
   <p:tag name="KSO_WM_UNIT_TEXT_TYPE" val="1"/>
   <p:tag name="KSO_WM_UNIT_PRESET_TEXT" val="单击此处添加项标题"/>
@@ -31641,7 +32604,7 @@
 </p:tagLst>
 </file>
 
-<file path=ppt/tags/tag359.xml><?xml version="1.0" encoding="utf-8"?>
+<file path=ppt/tags/tag365.xml><?xml version="1.0" encoding="utf-8"?>
 <p:tagLst xmlns:p="http://schemas.openxmlformats.org/presentationml/2006/main">
   <p:tag name="KSO_WM_SLIDE_ID" val="custom20232484_1"/>
   <p:tag name="KSO_WM_TEMPLATE_SUBCATEGORY" val="0"/>
@@ -31665,20 +32628,7 @@
 </p:tagLst>
 </file>
 
-<file path=ppt/tags/tag36.xml><?xml version="1.0" encoding="utf-8"?>
-<p:tagLst xmlns:p="http://schemas.openxmlformats.org/presentationml/2006/main">
-  <p:tag name="KSO_WM_UNIT_HIGHLIGHT" val="0"/>
-  <p:tag name="KSO_WM_UNIT_COMPATIBLE" val="0"/>
-  <p:tag name="KSO_WM_UNIT_DIAGRAM_ISNUMVISUAL" val="0"/>
-  <p:tag name="KSO_WM_UNIT_DIAGRAM_ISREFERUNIT" val="0"/>
-  <p:tag name="KSO_WM_UNIT_ID" val="_7**"/>
-  <p:tag name="KSO_WM_UNIT_LAYERLEVEL" val="1"/>
-  <p:tag name="KSO_WM_TAG_VERSION" val="1.0"/>
-  <p:tag name="KSO_WM_BEAUTIFY_FLAG" val="#wm#"/>
-</p:tagLst>
-</file>
-
-<file path=ppt/tags/tag360.xml><?xml version="1.0" encoding="utf-8"?>
+<file path=ppt/tags/tag366.xml><?xml version="1.0" encoding="utf-8"?>
 <p:tagLst xmlns:p="http://schemas.openxmlformats.org/presentationml/2006/main">
   <p:tag name="KSO_WM_UNIT_SUBTYPE" val="b"/>
   <p:tag name="KSO_WM_UNIT_NOCLEAR" val="0"/>
@@ -31698,7 +32648,7 @@
 </p:tagLst>
 </file>
 
-<file path=ppt/tags/tag361.xml><?xml version="1.0" encoding="utf-8"?>
+<file path=ppt/tags/tag367.xml><?xml version="1.0" encoding="utf-8"?>
 <p:tagLst xmlns:p="http://schemas.openxmlformats.org/presentationml/2006/main">
   <p:tag name="KSO_WM_UNIT_ISCONTENTSTITLE" val="0"/>
   <p:tag name="KSO_WM_UNIT_ISNUMDGMTITLE" val="0"/>
@@ -31720,7 +32670,7 @@
 </p:tagLst>
 </file>
 
-<file path=ppt/tags/tag362.xml><?xml version="1.0" encoding="utf-8"?>
+<file path=ppt/tags/tag368.xml><?xml version="1.0" encoding="utf-8"?>
 <p:tagLst xmlns:p="http://schemas.openxmlformats.org/presentationml/2006/main">
   <p:tag name="KSO_WM_SLIDE_ID" val="custom20230301_11"/>
   <p:tag name="KSO_WM_TEMPLATE_SUBCATEGORY" val="29"/>
@@ -31741,7 +32691,7 @@
 </p:tagLst>
 </file>
 
-<file path=ppt/tags/tag363.xml><?xml version="1.0" encoding="utf-8"?>
+<file path=ppt/tags/tag369.xml><?xml version="1.0" encoding="utf-8"?>
 <p:tagLst xmlns:p="http://schemas.openxmlformats.org/presentationml/2006/main">
   <p:tag name="KSO_WM_UNIT_ISCONTENTSTITLE" val="0"/>
   <p:tag name="KSO_WM_UNIT_ISNUMDGMTITLE" val="0"/>
@@ -31765,7 +32715,20 @@
 </p:tagLst>
 </file>
 
-<file path=ppt/tags/tag364.xml><?xml version="1.0" encoding="utf-8"?>
+<file path=ppt/tags/tag37.xml><?xml version="1.0" encoding="utf-8"?>
+<p:tagLst xmlns:p="http://schemas.openxmlformats.org/presentationml/2006/main">
+  <p:tag name="KSO_WM_UNIT_HIGHLIGHT" val="0"/>
+  <p:tag name="KSO_WM_UNIT_COMPATIBLE" val="0"/>
+  <p:tag name="KSO_WM_UNIT_DIAGRAM_ISNUMVISUAL" val="0"/>
+  <p:tag name="KSO_WM_UNIT_DIAGRAM_ISREFERUNIT" val="0"/>
+  <p:tag name="KSO_WM_UNIT_ID" val="_8**"/>
+  <p:tag name="KSO_WM_UNIT_LAYERLEVEL" val="1"/>
+  <p:tag name="KSO_WM_TAG_VERSION" val="1.0"/>
+  <p:tag name="KSO_WM_BEAUTIFY_FLAG" val="#wm#"/>
+</p:tagLst>
+</file>
+
+<file path=ppt/tags/tag370.xml><?xml version="1.0" encoding="utf-8"?>
 <p:tagLst xmlns:p="http://schemas.openxmlformats.org/presentationml/2006/main">
   <p:tag name="KSO_WM_UNIT_HIGHLIGHT" val="0"/>
   <p:tag name="KSO_WM_UNIT_COMPATIBLE" val="0"/>
@@ -31799,7 +32762,7 @@
 </p:tagLst>
 </file>
 
-<file path=ppt/tags/tag365.xml><?xml version="1.0" encoding="utf-8"?>
+<file path=ppt/tags/tag371.xml><?xml version="1.0" encoding="utf-8"?>
 <p:tagLst xmlns:p="http://schemas.openxmlformats.org/presentationml/2006/main">
   <p:tag name="KSO_WM_UNIT_HIGHLIGHT" val="0"/>
   <p:tag name="KSO_WM_UNIT_COMPATIBLE" val="0"/>
@@ -31833,7 +32796,7 @@
 </p:tagLst>
 </file>
 
-<file path=ppt/tags/tag366.xml><?xml version="1.0" encoding="utf-8"?>
+<file path=ppt/tags/tag372.xml><?xml version="1.0" encoding="utf-8"?>
 <p:tagLst xmlns:p="http://schemas.openxmlformats.org/presentationml/2006/main">
   <p:tag name="KSO_WM_UNIT_HIGHLIGHT" val="0"/>
   <p:tag name="KSO_WM_UNIT_COMPATIBLE" val="0"/>
@@ -31867,7 +32830,7 @@
 </p:tagLst>
 </file>
 
-<file path=ppt/tags/tag367.xml><?xml version="1.0" encoding="utf-8"?>
+<file path=ppt/tags/tag373.xml><?xml version="1.0" encoding="utf-8"?>
 <p:tagLst xmlns:p="http://schemas.openxmlformats.org/presentationml/2006/main">
   <p:tag name="KSO_WM_UNIT_HIGHLIGHT" val="0"/>
   <p:tag name="KSO_WM_UNIT_COMPATIBLE" val="0"/>
@@ -31899,7 +32862,7 @@
 </p:tagLst>
 </file>
 
-<file path=ppt/tags/tag368.xml><?xml version="1.0" encoding="utf-8"?>
+<file path=ppt/tags/tag374.xml><?xml version="1.0" encoding="utf-8"?>
 <p:tagLst xmlns:p="http://schemas.openxmlformats.org/presentationml/2006/main">
   <p:tag name="KSO_WM_UNIT_HIGHLIGHT" val="0"/>
   <p:tag name="KSO_WM_UNIT_COMPATIBLE" val="0"/>
@@ -31931,7 +32894,7 @@
 </p:tagLst>
 </file>
 
-<file path=ppt/tags/tag369.xml><?xml version="1.0" encoding="utf-8"?>
+<file path=ppt/tags/tag375.xml><?xml version="1.0" encoding="utf-8"?>
 <p:tagLst xmlns:p="http://schemas.openxmlformats.org/presentationml/2006/main">
   <p:tag name="KSO_WM_UNIT_HIGHLIGHT" val="0"/>
   <p:tag name="KSO_WM_UNIT_COMPATIBLE" val="0"/>
@@ -31963,20 +32926,7 @@
 </p:tagLst>
 </file>
 
-<file path=ppt/tags/tag37.xml><?xml version="1.0" encoding="utf-8"?>
-<p:tagLst xmlns:p="http://schemas.openxmlformats.org/presentationml/2006/main">
-  <p:tag name="KSO_WM_UNIT_HIGHLIGHT" val="0"/>
-  <p:tag name="KSO_WM_UNIT_COMPATIBLE" val="0"/>
-  <p:tag name="KSO_WM_UNIT_DIAGRAM_ISNUMVISUAL" val="0"/>
-  <p:tag name="KSO_WM_UNIT_DIAGRAM_ISREFERUNIT" val="0"/>
-  <p:tag name="KSO_WM_UNIT_ID" val="_8**"/>
-  <p:tag name="KSO_WM_UNIT_LAYERLEVEL" val="1"/>
-  <p:tag name="KSO_WM_TAG_VERSION" val="1.0"/>
-  <p:tag name="KSO_WM_BEAUTIFY_FLAG" val="#wm#"/>
-</p:tagLst>
-</file>
-
-<file path=ppt/tags/tag370.xml><?xml version="1.0" encoding="utf-8"?>
+<file path=ppt/tags/tag376.xml><?xml version="1.0" encoding="utf-8"?>
 <p:tagLst xmlns:p="http://schemas.openxmlformats.org/presentationml/2006/main">
   <p:tag name="KSO_WM_UNIT_ISCONTENTSTITLE" val="0"/>
   <p:tag name="KSO_WM_UNIT_ISNUMDGMTITLE" val="0"/>
@@ -32010,7 +32960,7 @@
 </p:tagLst>
 </file>
 
-<file path=ppt/tags/tag371.xml><?xml version="1.0" encoding="utf-8"?>
+<file path=ppt/tags/tag377.xml><?xml version="1.0" encoding="utf-8"?>
 <p:tagLst xmlns:p="http://schemas.openxmlformats.org/presentationml/2006/main">
   <p:tag name="KSO_WM_UNIT_SUBTYPE" val="a"/>
   <p:tag name="KSO_WM_UNIT_NOCLEAR" val="0"/>
@@ -32043,7 +32993,7 @@
 </p:tagLst>
 </file>
 
-<file path=ppt/tags/tag372.xml><?xml version="1.0" encoding="utf-8"?>
+<file path=ppt/tags/tag378.xml><?xml version="1.0" encoding="utf-8"?>
 <p:tagLst xmlns:p="http://schemas.openxmlformats.org/presentationml/2006/main">
   <p:tag name="KSO_WM_UNIT_ISCONTENTSTITLE" val="0"/>
   <p:tag name="KSO_WM_UNIT_ISNUMDGMTITLE" val="0"/>
@@ -32076,7 +33026,7 @@
 </p:tagLst>
 </file>
 
-<file path=ppt/tags/tag373.xml><?xml version="1.0" encoding="utf-8"?>
+<file path=ppt/tags/tag379.xml><?xml version="1.0" encoding="utf-8"?>
 <p:tagLst xmlns:p="http://schemas.openxmlformats.org/presentationml/2006/main">
   <p:tag name="KSO_WM_UNIT_SUBTYPE" val="a"/>
   <p:tag name="KSO_WM_UNIT_NOCLEAR" val="0"/>
@@ -32109,7 +33059,20 @@
 </p:tagLst>
 </file>
 
-<file path=ppt/tags/tag374.xml><?xml version="1.0" encoding="utf-8"?>
+<file path=ppt/tags/tag38.xml><?xml version="1.0" encoding="utf-8"?>
+<p:tagLst xmlns:p="http://schemas.openxmlformats.org/presentationml/2006/main">
+  <p:tag name="KSO_WM_UNIT_HIGHLIGHT" val="0"/>
+  <p:tag name="KSO_WM_UNIT_COMPATIBLE" val="0"/>
+  <p:tag name="KSO_WM_UNIT_DIAGRAM_ISNUMVISUAL" val="0"/>
+  <p:tag name="KSO_WM_UNIT_DIAGRAM_ISREFERUNIT" val="0"/>
+  <p:tag name="KSO_WM_UNIT_ID" val="_8**"/>
+  <p:tag name="KSO_WM_UNIT_LAYERLEVEL" val="1"/>
+  <p:tag name="KSO_WM_TAG_VERSION" val="1.0"/>
+  <p:tag name="KSO_WM_BEAUTIFY_FLAG" val="#wm#"/>
+</p:tagLst>
+</file>
+
+<file path=ppt/tags/tag380.xml><?xml version="1.0" encoding="utf-8"?>
 <p:tagLst xmlns:p="http://schemas.openxmlformats.org/presentationml/2006/main">
   <p:tag name="KSO_WM_UNIT_ISCONTENTSTITLE" val="0"/>
   <p:tag name="KSO_WM_UNIT_ISNUMDGMTITLE" val="0"/>
@@ -32143,7 +33106,7 @@
 </p:tagLst>
 </file>
 
-<file path=ppt/tags/tag375.xml><?xml version="1.0" encoding="utf-8"?>
+<file path=ppt/tags/tag381.xml><?xml version="1.0" encoding="utf-8"?>
 <p:tagLst xmlns:p="http://schemas.openxmlformats.org/presentationml/2006/main">
   <p:tag name="KSO_WM_UNIT_SUBTYPE" val="a"/>
   <p:tag name="KSO_WM_UNIT_NOCLEAR" val="0"/>
@@ -32176,7 +33139,7 @@
 </p:tagLst>
 </file>
 
-<file path=ppt/tags/tag376.xml><?xml version="1.0" encoding="utf-8"?>
+<file path=ppt/tags/tag382.xml><?xml version="1.0" encoding="utf-8"?>
 <p:tagLst xmlns:p="http://schemas.openxmlformats.org/presentationml/2006/main">
   <p:tag name="KSO_WM_SLIDE_ID" val="diagram20230968_2"/>
   <p:tag name="KSO_WM_TEMPLATE_SUBCATEGORY" val="0"/>
@@ -32200,7 +33163,7 @@
 </p:tagLst>
 </file>
 
-<file path=ppt/tags/tag377.xml><?xml version="1.0" encoding="utf-8"?>
+<file path=ppt/tags/tag383.xml><?xml version="1.0" encoding="utf-8"?>
 <p:tagLst xmlns:p="http://schemas.openxmlformats.org/presentationml/2006/main">
   <p:tag name="KSO_WM_UNIT_ISCONTENTSTITLE" val="0"/>
   <p:tag name="KSO_WM_UNIT_ISNUMDGMTITLE" val="0"/>
@@ -32224,7 +33187,7 @@
 </p:tagLst>
 </file>
 
-<file path=ppt/tags/tag378.xml><?xml version="1.0" encoding="utf-8"?>
+<file path=ppt/tags/tag384.xml><?xml version="1.0" encoding="utf-8"?>
 <p:tagLst xmlns:p="http://schemas.openxmlformats.org/presentationml/2006/main">
   <p:tag name="KSO_WM_UNIT_ISCONTENTSTITLE" val="0"/>
   <p:tag name="KSO_WM_UNIT_ISNUMDGMTITLE" val="0"/>
@@ -32258,7 +33221,7 @@
 </p:tagLst>
 </file>
 
-<file path=ppt/tags/tag379.xml><?xml version="1.0" encoding="utf-8"?>
+<file path=ppt/tags/tag385.xml><?xml version="1.0" encoding="utf-8"?>
 <p:tagLst xmlns:p="http://schemas.openxmlformats.org/presentationml/2006/main">
   <p:tag name="KSO_WM_UNIT_SUBTYPE" val="a"/>
   <p:tag name="KSO_WM_UNIT_NOCLEAR" val="0"/>
@@ -32292,20 +33255,7 @@
 </p:tagLst>
 </file>
 
-<file path=ppt/tags/tag38.xml><?xml version="1.0" encoding="utf-8"?>
-<p:tagLst xmlns:p="http://schemas.openxmlformats.org/presentationml/2006/main">
-  <p:tag name="KSO_WM_UNIT_HIGHLIGHT" val="0"/>
-  <p:tag name="KSO_WM_UNIT_COMPATIBLE" val="0"/>
-  <p:tag name="KSO_WM_UNIT_DIAGRAM_ISNUMVISUAL" val="0"/>
-  <p:tag name="KSO_WM_UNIT_DIAGRAM_ISREFERUNIT" val="0"/>
-  <p:tag name="KSO_WM_UNIT_ID" val="_8**"/>
-  <p:tag name="KSO_WM_UNIT_LAYERLEVEL" val="1"/>
-  <p:tag name="KSO_WM_TAG_VERSION" val="1.0"/>
-  <p:tag name="KSO_WM_BEAUTIFY_FLAG" val="#wm#"/>
-</p:tagLst>
-</file>
-
-<file path=ppt/tags/tag380.xml><?xml version="1.0" encoding="utf-8"?>
+<file path=ppt/tags/tag386.xml><?xml version="1.0" encoding="utf-8"?>
 <p:tagLst xmlns:p="http://schemas.openxmlformats.org/presentationml/2006/main">
   <p:tag name="KSO_WM_DIAGRAM_VIRTUALLY_FRAME" val="{&quot;height&quot;:387.88141732283464,&quot;left&quot;:83.16770888441188,&quot;top&quot;:130.94653543307086,&quot;width&quot;:792.289306640625}"/>
   <p:tag name="KSO_WM_DIAGRAM_VERSION" val="3"/>
@@ -32337,7 +33287,7 @@
 </p:tagLst>
 </file>
 
-<file path=ppt/tags/tag381.xml><?xml version="1.0" encoding="utf-8"?>
+<file path=ppt/tags/tag387.xml><?xml version="1.0" encoding="utf-8"?>
 <p:tagLst xmlns:p="http://schemas.openxmlformats.org/presentationml/2006/main">
   <p:tag name="KSO_WM_DIAGRAM_VIRTUALLY_FRAME" val="{&quot;height&quot;:387.88141732283464,&quot;left&quot;:83.16770888441188,&quot;top&quot;:130.94653543307086,&quot;width&quot;:792.289306640625}"/>
   <p:tag name="KSO_WM_UNIT_HIGHLIGHT" val="0"/>
@@ -32369,7 +33319,7 @@
 </p:tagLst>
 </file>
 
-<file path=ppt/tags/tag382.xml><?xml version="1.0" encoding="utf-8"?>
+<file path=ppt/tags/tag388.xml><?xml version="1.0" encoding="utf-8"?>
 <p:tagLst xmlns:p="http://schemas.openxmlformats.org/presentationml/2006/main">
   <p:tag name="KSO_WM_DIAGRAM_VIRTUALLY_FRAME" val="{&quot;height&quot;:387.88141732283464,&quot;left&quot;:83.16770888441188,&quot;top&quot;:130.94653543307086,&quot;width&quot;:792.289306640625}"/>
   <p:tag name="KSO_WM_DIAGRAM_VERSION" val="3"/>
@@ -32401,7 +33351,7 @@
 </p:tagLst>
 </file>
 
-<file path=ppt/tags/tag383.xml><?xml version="1.0" encoding="utf-8"?>
+<file path=ppt/tags/tag389.xml><?xml version="1.0" encoding="utf-8"?>
 <p:tagLst xmlns:p="http://schemas.openxmlformats.org/presentationml/2006/main">
   <p:tag name="KSO_WM_DIAGRAM_VIRTUALLY_FRAME" val="{&quot;height&quot;:387.88141732283464,&quot;left&quot;:83.16770888441188,&quot;top&quot;:130.94653543307086,&quot;width&quot;:792.289306640625}"/>
   <p:tag name="KSO_WM_UNIT_HIGHLIGHT" val="0"/>
@@ -32433,7 +33383,20 @@
 </p:tagLst>
 </file>
 
-<file path=ppt/tags/tag384.xml><?xml version="1.0" encoding="utf-8"?>
+<file path=ppt/tags/tag39.xml><?xml version="1.0" encoding="utf-8"?>
+<p:tagLst xmlns:p="http://schemas.openxmlformats.org/presentationml/2006/main">
+  <p:tag name="KSO_WM_UNIT_HIGHLIGHT" val="0"/>
+  <p:tag name="KSO_WM_UNIT_COMPATIBLE" val="0"/>
+  <p:tag name="KSO_WM_UNIT_DIAGRAM_ISNUMVISUAL" val="0"/>
+  <p:tag name="KSO_WM_UNIT_DIAGRAM_ISREFERUNIT" val="0"/>
+  <p:tag name="KSO_WM_UNIT_ID" val="_8**"/>
+  <p:tag name="KSO_WM_UNIT_LAYERLEVEL" val="1"/>
+  <p:tag name="KSO_WM_TAG_VERSION" val="1.0"/>
+  <p:tag name="KSO_WM_BEAUTIFY_FLAG" val="#wm#"/>
+</p:tagLst>
+</file>
+
+<file path=ppt/tags/tag390.xml><?xml version="1.0" encoding="utf-8"?>
 <p:tagLst xmlns:p="http://schemas.openxmlformats.org/presentationml/2006/main">
   <p:tag name="KSO_WM_UNIT_ISCONTENTSTITLE" val="0"/>
   <p:tag name="KSO_WM_UNIT_ISNUMDGMTITLE" val="0"/>
@@ -32467,7 +33430,7 @@
 </p:tagLst>
 </file>
 
-<file path=ppt/tags/tag385.xml><?xml version="1.0" encoding="utf-8"?>
+<file path=ppt/tags/tag391.xml><?xml version="1.0" encoding="utf-8"?>
 <p:tagLst xmlns:p="http://schemas.openxmlformats.org/presentationml/2006/main">
   <p:tag name="KSO_WM_UNIT_SUBTYPE" val="a"/>
   <p:tag name="KSO_WM_UNIT_NOCLEAR" val="0"/>
@@ -32501,7 +33464,7 @@
 </p:tagLst>
 </file>
 
-<file path=ppt/tags/tag386.xml><?xml version="1.0" encoding="utf-8"?>
+<file path=ppt/tags/tag392.xml><?xml version="1.0" encoding="utf-8"?>
 <p:tagLst xmlns:p="http://schemas.openxmlformats.org/presentationml/2006/main">
   <p:tag name="KSO_WM_DIAGRAM_VIRTUALLY_FRAME" val="{&quot;height&quot;:387.88141732283464,&quot;left&quot;:83.16770888441188,&quot;top&quot;:130.94653543307086,&quot;width&quot;:792.289306640625}"/>
   <p:tag name="KSO_WM_DIAGRAM_VERSION" val="3"/>
@@ -32533,7 +33496,7 @@
 </p:tagLst>
 </file>
 
-<file path=ppt/tags/tag387.xml><?xml version="1.0" encoding="utf-8"?>
+<file path=ppt/tags/tag393.xml><?xml version="1.0" encoding="utf-8"?>
 <p:tagLst xmlns:p="http://schemas.openxmlformats.org/presentationml/2006/main">
   <p:tag name="KSO_WM_DIAGRAM_VIRTUALLY_FRAME" val="{&quot;height&quot;:387.88141732283464,&quot;left&quot;:83.16770888441188,&quot;top&quot;:130.94653543307086,&quot;width&quot;:792.289306640625}"/>
   <p:tag name="KSO_WM_DIAGRAM_VERSION" val="3"/>
@@ -32564,7 +33527,7 @@
 </p:tagLst>
 </file>
 
-<file path=ppt/tags/tag388.xml><?xml version="1.0" encoding="utf-8"?>
+<file path=ppt/tags/tag394.xml><?xml version="1.0" encoding="utf-8"?>
 <p:tagLst xmlns:p="http://schemas.openxmlformats.org/presentationml/2006/main">
   <p:tag name="KSO_WM_UNIT_ISCONTENTSTITLE" val="0"/>
   <p:tag name="KSO_WM_UNIT_ISNUMDGMTITLE" val="0"/>
@@ -32598,7 +33561,7 @@
 </p:tagLst>
 </file>
 
-<file path=ppt/tags/tag389.xml><?xml version="1.0" encoding="utf-8"?>
+<file path=ppt/tags/tag395.xml><?xml version="1.0" encoding="utf-8"?>
 <p:tagLst xmlns:p="http://schemas.openxmlformats.org/presentationml/2006/main">
   <p:tag name="KSO_WM_UNIT_SUBTYPE" val="a"/>
   <p:tag name="KSO_WM_UNIT_NOCLEAR" val="0"/>
@@ -32632,20 +33595,7 @@
 </p:tagLst>
 </file>
 
-<file path=ppt/tags/tag39.xml><?xml version="1.0" encoding="utf-8"?>
-<p:tagLst xmlns:p="http://schemas.openxmlformats.org/presentationml/2006/main">
-  <p:tag name="KSO_WM_UNIT_HIGHLIGHT" val="0"/>
-  <p:tag name="KSO_WM_UNIT_COMPATIBLE" val="0"/>
-  <p:tag name="KSO_WM_UNIT_DIAGRAM_ISNUMVISUAL" val="0"/>
-  <p:tag name="KSO_WM_UNIT_DIAGRAM_ISREFERUNIT" val="0"/>
-  <p:tag name="KSO_WM_UNIT_ID" val="_8**"/>
-  <p:tag name="KSO_WM_UNIT_LAYERLEVEL" val="1"/>
-  <p:tag name="KSO_WM_TAG_VERSION" val="1.0"/>
-  <p:tag name="KSO_WM_BEAUTIFY_FLAG" val="#wm#"/>
-</p:tagLst>
-</file>
-
-<file path=ppt/tags/tag390.xml><?xml version="1.0" encoding="utf-8"?>
+<file path=ppt/tags/tag396.xml><?xml version="1.0" encoding="utf-8"?>
 <p:tagLst xmlns:p="http://schemas.openxmlformats.org/presentationml/2006/main">
   <p:tag name="KSO_WM_SLIDE_ID" val="diagram20233329_3"/>
   <p:tag name="KSO_WM_TEMPLATE_SUBCATEGORY" val="0"/>
@@ -32668,7 +33618,7 @@
 </p:tagLst>
 </file>
 
-<file path=ppt/tags/tag391.xml><?xml version="1.0" encoding="utf-8"?>
+<file path=ppt/tags/tag397.xml><?xml version="1.0" encoding="utf-8"?>
 <p:tagLst xmlns:p="http://schemas.openxmlformats.org/presentationml/2006/main">
   <p:tag name="KSO_WM_PRESENTATION_SOURCE" val="WPPAIGeneratePPT"/>
 </p:tagLst>

--- a/分享/aiCode/ppt/AI编程.pptx
+++ b/分享/aiCode/ppt/AI编程.pptx
@@ -21498,11 +21498,35 @@
                   <a:srgbClr val="FFFFFF"/>
                 </a:solidFill>
                 <a:latin typeface="+mj-ea"/>
+                <a:ea typeface="宋体" panose="02010600030101010101" pitchFamily="2" charset="-122"/>
+                <a:cs typeface="MiSans" panose="00000500000000000000" charset="-122"/>
+                <a:sym typeface="+mn-ea"/>
+              </a:rPr>
+              <a:t>具有</a:t>
+            </a:r>
+            <a:r>
+              <a:rPr lang="zh-CN" altLang="en-US" sz="2800" dirty="0">
+                <a:solidFill>
+                  <a:srgbClr val="FFFFFF"/>
+                </a:solidFill>
+                <a:latin typeface="+mj-ea"/>
                 <a:ea typeface="+mj-ea"/>
                 <a:cs typeface="MiSans" panose="00000500000000000000" charset="-122"/>
                 <a:sym typeface="+mn-ea"/>
               </a:rPr>
-              <a:t>什么特点会吸引我们去用它</a:t>
+              <a:t>吸引力的</a:t>
+            </a:r>
+            <a:r>
+              <a:rPr lang="zh-CN" altLang="en-US" sz="2800" dirty="0">
+                <a:solidFill>
+                  <a:srgbClr val="FFFFFF"/>
+                </a:solidFill>
+                <a:latin typeface="+mj-ea"/>
+                <a:ea typeface="+mj-ea"/>
+                <a:cs typeface="MiSans" panose="00000500000000000000" charset="-122"/>
+                <a:sym typeface="+mn-ea"/>
+              </a:rPr>
+              <a:t>特点</a:t>
             </a:r>
             <a:endParaRPr lang="zh-CN" altLang="en-US" sz="2800" dirty="0">
               <a:solidFill>
@@ -22770,8 +22794,17 @@
               <a:t>AI</a:t>
             </a:r>
             <a:r>
-              <a:rPr lang="zh-CN" altLang="en-US"/>
-              <a:t>什么特点会吸引我们去用它</a:t>
+              <a:rPr>
+                <a:ea typeface="宋体" panose="02010600030101010101" pitchFamily="2" charset="-122"/>
+                <a:sym typeface="+mn-ea"/>
+              </a:rPr>
+              <a:t>具有</a:t>
+            </a:r>
+            <a:r>
+              <a:rPr>
+                <a:sym typeface="+mn-ea"/>
+              </a:rPr>
+              <a:t>吸引力的特点</a:t>
             </a:r>
             <a:endParaRPr lang="zh-CN" altLang="en-US"/>
           </a:p>
@@ -22974,30 +23007,23 @@
               </a:lnSpc>
             </a:pPr>
             <a:r>
-              <a:rPr lang="en-US" altLang="zh-CN" dirty="0">
-                <a:solidFill>
-                  <a:schemeClr val="lt1">
-                    <a:lumMod val="100000"/>
-                  </a:schemeClr>
-                </a:solidFill>
-                <a:latin typeface="+mj-lt"/>
-                <a:ea typeface="+mj-lt"/>
-                <a:cs typeface="+mj-lt"/>
+              <a:rPr lang="en-US" altLang="zh-CN">
+                <a:sym typeface="+mn-ea"/>
               </a:rPr>
               <a:t>AI</a:t>
             </a:r>
             <a:r>
-              <a:rPr lang="zh-CN" altLang="en-US" dirty="0">
-                <a:solidFill>
-                  <a:schemeClr val="lt1">
-                    <a:lumMod val="100000"/>
-                  </a:schemeClr>
-                </a:solidFill>
-                <a:latin typeface="+mj-lt"/>
-                <a:ea typeface="+mj-lt"/>
-                <a:cs typeface="+mj-lt"/>
+              <a:rPr>
+                <a:ea typeface="宋体" panose="02010600030101010101" pitchFamily="2" charset="-122"/>
+                <a:sym typeface="+mn-ea"/>
               </a:rPr>
-              <a:t>什么特点会吸引我们去用它</a:t>
+              <a:t>具有</a:t>
+            </a:r>
+            <a:r>
+              <a:rPr>
+                <a:sym typeface="+mn-ea"/>
+              </a:rPr>
+              <a:t>吸引力的特点</a:t>
             </a:r>
             <a:endParaRPr lang="zh-CN" altLang="en-US" dirty="0">
               <a:solidFill>
@@ -23266,8 +23292,8 @@
         </p:nvSpPr>
         <p:spPr>
           <a:xfrm>
-            <a:off x="4422775" y="5093335"/>
-            <a:ext cx="2873375" cy="1001395"/>
+            <a:off x="4275455" y="5093335"/>
+            <a:ext cx="3137535" cy="1001395"/>
           </a:xfrm>
           <a:prstGeom prst="rect">
             <a:avLst/>
@@ -23427,9 +23453,9 @@
                 <a:latin typeface="+mn-ea"/>
                 <a:cs typeface="+mn-ea"/>
               </a:rPr>
-              <a:t>但结合其他优势，效率还是比人工高</a:t>
-            </a:r>
-            <a:endParaRPr lang="zh-CN" altLang="en-US" sz="1400">
+              <a:t>结合其他优势，效率还是比人工高很多</a:t>
+            </a:r>
+            <a:endParaRPr lang="en-US" altLang="zh-CN" sz="1400">
               <a:ln>
                 <a:noFill/>
                 <a:prstDash val="sysDot"/>
@@ -23458,7 +23484,7 @@
         </p:nvSpPr>
         <p:spPr>
           <a:xfrm>
-            <a:off x="4422683" y="4428366"/>
+            <a:off x="4275363" y="4428366"/>
             <a:ext cx="2873576" cy="643919"/>
           </a:xfrm>
           <a:prstGeom prst="rect">
@@ -23515,7 +23541,7 @@
         </p:nvSpPr>
         <p:spPr>
           <a:xfrm>
-            <a:off x="8622769" y="5093244"/>
+            <a:off x="8886929" y="5114199"/>
             <a:ext cx="2873576" cy="730335"/>
           </a:xfrm>
           <a:prstGeom prst="rect">
@@ -23629,7 +23655,7 @@
         </p:nvSpPr>
         <p:spPr>
           <a:xfrm>
-            <a:off x="8622769" y="4428366"/>
+            <a:off x="8886929" y="4449321"/>
             <a:ext cx="2873576" cy="643919"/>
           </a:xfrm>
           <a:prstGeom prst="rect">
@@ -30680,7 +30706,7 @@
   <p:tag name="KSO_WM_TAG_VERSION" val="3.0"/>
   <p:tag name="KSO_WM_DIAGRAM_MAX_ITEMCNT" val="4"/>
   <p:tag name="KSO_WM_DIAGRAM_MIN_ITEMCNT" val="1"/>
-  <p:tag name="KSO_WM_DIAGRAM_VIRTUALLY_FRAME" val="{&quot;height&quot;:138.58307086614167,&quot;left&quot;:54.777280619463546,&quot;top&quot;:348.69023622047246,&quot;width&quot;:850.44677734375}"/>
+  <p:tag name="KSO_WM_DIAGRAM_VIRTUALLY_FRAME" val="{&quot;height&quot;:138.58307086614167,&quot;left&quot;:54.77724409448818,&quot;top&quot;:348.69023622047246,&quot;width&quot;:871.2467716535433}"/>
   <p:tag name="KSO_WM_DIAGRAM_COLOR_MATCH_VALUE" val="{&quot;shape&quot;:{&quot;fill&quot;:{&quot;type&quot;:0},&quot;glow&quot;:{&quot;colorType&quot;:0},&quot;line&quot;:{&quot;type&quot;:0},&quot;shadow&quot;:{&quot;colorType&quot;:0},&quot;threeD&quot;:{&quot;curvedSurface&quot;:{&quot;brightness&quot;:0,&quot;colorType&quot;:2,&quot;rgb&quot;:&quot;#000000&quot;},&quot;depth&quot;:{&quot;colorType&quot;:0}}},&quot;text&quot;:{&quot;fill&quot;:{&quot;solid&quot;:{&quot;brightness&quot;:0.15000000596046448,&quot;colorType&quot;:1,&quot;foreColorIndex&quot;:13,&quot;transparency&quot;:0},&quot;type&quot;:1},&quot;glow&quot;:{&quot;colorType&quot;:0},&quot;line&quot;:{&quot;type&quot;:0},&quot;shadow&quot;:{&quot;colorType&quot;:0},&quot;threeD&quot;:{&quot;curvedSurface&quot;:{&quot;brightness&quot;:0,&quot;colorType&quot;:2,&quot;rgb&quot;:&quot;#000000&quot;},&quot;depth&quot;:{&quot;colorType&quot;:0}}}}"/>
   <p:tag name="KSO_WM_DIAGRAM_VERSION" val="3"/>
   <p:tag name="KSO_WM_DIAGRAM_COLOR_TRICK" val="1"/>
@@ -30714,7 +30740,7 @@
   <p:tag name="KSO_WM_TAG_VERSION" val="3.0"/>
   <p:tag name="KSO_WM_DIAGRAM_MAX_ITEMCNT" val="4"/>
   <p:tag name="KSO_WM_DIAGRAM_MIN_ITEMCNT" val="1"/>
-  <p:tag name="KSO_WM_DIAGRAM_VIRTUALLY_FRAME" val="{&quot;height&quot;:138.58307086614167,&quot;left&quot;:54.777280619463546,&quot;top&quot;:348.69023622047246,&quot;width&quot;:850.44677734375}"/>
+  <p:tag name="KSO_WM_DIAGRAM_VIRTUALLY_FRAME" val="{&quot;height&quot;:138.58307086614167,&quot;left&quot;:54.77724409448818,&quot;top&quot;:348.69023622047246,&quot;width&quot;:871.2467716535433}"/>
   <p:tag name="KSO_WM_DIAGRAM_COLOR_MATCH_VALUE" val="{&quot;shape&quot;:{&quot;fill&quot;:{&quot;type&quot;:0},&quot;glow&quot;:{&quot;colorType&quot;:0},&quot;line&quot;:{&quot;type&quot;:0},&quot;shadow&quot;:{&quot;colorType&quot;:0},&quot;threeD&quot;:{&quot;curvedSurface&quot;:{&quot;brightness&quot;:0,&quot;colorType&quot;:2,&quot;rgb&quot;:&quot;#000000&quot;},&quot;depth&quot;:{&quot;colorType&quot;:0}}},&quot;text&quot;:{&quot;fill&quot;:{&quot;solid&quot;:{&quot;brightness&quot;:0,&quot;colorType&quot;:1,&quot;foreColorIndex&quot;:5,&quot;transparency&quot;:0},&quot;type&quot;:1},&quot;glow&quot;:{&quot;colorType&quot;:0},&quot;line&quot;:{&quot;type&quot;:0},&quot;shadow&quot;:{&quot;colorType&quot;:0},&quot;threeD&quot;:{&quot;curvedSurface&quot;:{&quot;brightness&quot;:0,&quot;colorType&quot;:2,&quot;rgb&quot;:&quot;#000000&quot;},&quot;depth&quot;:{&quot;colorType&quot;:0}}}}"/>
   <p:tag name="KSO_WM_DIAGRAM_VERSION" val="3"/>
   <p:tag name="KSO_WM_DIAGRAM_COLOR_TRICK" val="1"/>
@@ -30746,7 +30772,7 @@
   <p:tag name="KSO_WM_TAG_VERSION" val="3.0"/>
   <p:tag name="KSO_WM_DIAGRAM_MAX_ITEMCNT" val="4"/>
   <p:tag name="KSO_WM_DIAGRAM_MIN_ITEMCNT" val="1"/>
-  <p:tag name="KSO_WM_DIAGRAM_VIRTUALLY_FRAME" val="{&quot;height&quot;:138.58307086614167,&quot;left&quot;:54.777280619463546,&quot;top&quot;:348.69023622047246,&quot;width&quot;:850.44677734375}"/>
+  <p:tag name="KSO_WM_DIAGRAM_VIRTUALLY_FRAME" val="{&quot;height&quot;:138.58307086614167,&quot;left&quot;:54.77724409448818,&quot;top&quot;:348.69023622047246,&quot;width&quot;:871.2467716535433}"/>
   <p:tag name="KSO_WM_DIAGRAM_COLOR_MATCH_VALUE" val="{&quot;shape&quot;:{&quot;fill&quot;:{&quot;type&quot;:0},&quot;glow&quot;:{&quot;colorType&quot;:0},&quot;line&quot;:{&quot;type&quot;:0},&quot;shadow&quot;:{&quot;colorType&quot;:0},&quot;threeD&quot;:{&quot;curvedSurface&quot;:{&quot;brightness&quot;:0,&quot;colorType&quot;:2,&quot;rgb&quot;:&quot;#000000&quot;},&quot;depth&quot;:{&quot;colorType&quot;:0}}},&quot;text&quot;:{&quot;fill&quot;:{&quot;solid&quot;:{&quot;brightness&quot;:0.15000000596046448,&quot;colorType&quot;:1,&quot;foreColorIndex&quot;:13,&quot;transparency&quot;:0},&quot;type&quot;:1},&quot;glow&quot;:{&quot;colorType&quot;:0},&quot;line&quot;:{&quot;type&quot;:0},&quot;shadow&quot;:{&quot;colorType&quot;:0},&quot;threeD&quot;:{&quot;curvedSurface&quot;:{&quot;brightness&quot;:0,&quot;colorType&quot;:2,&quot;rgb&quot;:&quot;#000000&quot;},&quot;depth&quot;:{&quot;colorType&quot;:0}}}}"/>
   <p:tag name="KSO_WM_DIAGRAM_VERSION" val="3"/>
   <p:tag name="KSO_WM_DIAGRAM_COLOR_TRICK" val="1"/>
@@ -30780,7 +30806,7 @@
   <p:tag name="KSO_WM_TAG_VERSION" val="3.0"/>
   <p:tag name="KSO_WM_DIAGRAM_MAX_ITEMCNT" val="4"/>
   <p:tag name="KSO_WM_DIAGRAM_MIN_ITEMCNT" val="1"/>
-  <p:tag name="KSO_WM_DIAGRAM_VIRTUALLY_FRAME" val="{&quot;height&quot;:138.58307086614167,&quot;left&quot;:54.777280619463546,&quot;top&quot;:348.69023622047246,&quot;width&quot;:850.44677734375}"/>
+  <p:tag name="KSO_WM_DIAGRAM_VIRTUALLY_FRAME" val="{&quot;height&quot;:138.58307086614167,&quot;left&quot;:54.77724409448818,&quot;top&quot;:348.69023622047246,&quot;width&quot;:871.2467716535433}"/>
   <p:tag name="KSO_WM_DIAGRAM_COLOR_MATCH_VALUE" val="{&quot;shape&quot;:{&quot;fill&quot;:{&quot;type&quot;:0},&quot;glow&quot;:{&quot;colorType&quot;:0},&quot;line&quot;:{&quot;type&quot;:0},&quot;shadow&quot;:{&quot;colorType&quot;:0},&quot;threeD&quot;:{&quot;curvedSurface&quot;:{&quot;brightness&quot;:0,&quot;colorType&quot;:2,&quot;rgb&quot;:&quot;#000000&quot;},&quot;depth&quot;:{&quot;colorType&quot;:0}}},&quot;text&quot;:{&quot;fill&quot;:{&quot;solid&quot;:{&quot;brightness&quot;:0,&quot;colorType&quot;:1,&quot;foreColorIndex&quot;:5,&quot;transparency&quot;:0},&quot;type&quot;:1},&quot;glow&quot;:{&quot;colorType&quot;:0},&quot;line&quot;:{&quot;type&quot;:0},&quot;shadow&quot;:{&quot;colorType&quot;:0},&quot;threeD&quot;:{&quot;curvedSurface&quot;:{&quot;brightness&quot;:0,&quot;colorType&quot;:2,&quot;rgb&quot;:&quot;#000000&quot;},&quot;depth&quot;:{&quot;colorType&quot;:0}}}}"/>
   <p:tag name="KSO_WM_DIAGRAM_VERSION" val="3"/>
   <p:tag name="KSO_WM_DIAGRAM_COLOR_TRICK" val="1"/>
@@ -30812,7 +30838,7 @@
   <p:tag name="KSO_WM_TAG_VERSION" val="3.0"/>
   <p:tag name="KSO_WM_DIAGRAM_MAX_ITEMCNT" val="4"/>
   <p:tag name="KSO_WM_DIAGRAM_MIN_ITEMCNT" val="1"/>
-  <p:tag name="KSO_WM_DIAGRAM_VIRTUALLY_FRAME" val="{&quot;height&quot;:138.58307086614167,&quot;left&quot;:54.777280619463546,&quot;top&quot;:348.69023622047246,&quot;width&quot;:850.44677734375}"/>
+  <p:tag name="KSO_WM_DIAGRAM_VIRTUALLY_FRAME" val="{&quot;height&quot;:138.58307086614167,&quot;left&quot;:54.77724409448818,&quot;top&quot;:348.69023622047246,&quot;width&quot;:871.2467716535433}"/>
   <p:tag name="KSO_WM_DIAGRAM_COLOR_MATCH_VALUE" val="{&quot;shape&quot;:{&quot;fill&quot;:{&quot;type&quot;:0},&quot;glow&quot;:{&quot;colorType&quot;:0},&quot;line&quot;:{&quot;type&quot;:0},&quot;shadow&quot;:{&quot;colorType&quot;:0},&quot;threeD&quot;:{&quot;curvedSurface&quot;:{&quot;brightness&quot;:0,&quot;colorType&quot;:2,&quot;rgb&quot;:&quot;#000000&quot;},&quot;depth&quot;:{&quot;colorType&quot;:0}}},&quot;text&quot;:{&quot;fill&quot;:{&quot;solid&quot;:{&quot;brightness&quot;:0.15000000596046448,&quot;colorType&quot;:1,&quot;foreColorIndex&quot;:13,&quot;transparency&quot;:0},&quot;type&quot;:1},&quot;glow&quot;:{&quot;colorType&quot;:0},&quot;line&quot;:{&quot;type&quot;:0},&quot;shadow&quot;:{&quot;colorType&quot;:0},&quot;threeD&quot;:{&quot;curvedSurface&quot;:{&quot;brightness&quot;:0,&quot;colorType&quot;:2,&quot;rgb&quot;:&quot;#000000&quot;},&quot;depth&quot;:{&quot;colorType&quot;:0}}}}"/>
   <p:tag name="KSO_WM_DIAGRAM_VERSION" val="3"/>
   <p:tag name="KSO_WM_DIAGRAM_COLOR_TRICK" val="1"/>
@@ -30846,7 +30872,7 @@
   <p:tag name="KSO_WM_TAG_VERSION" val="3.0"/>
   <p:tag name="KSO_WM_DIAGRAM_MAX_ITEMCNT" val="4"/>
   <p:tag name="KSO_WM_DIAGRAM_MIN_ITEMCNT" val="1"/>
-  <p:tag name="KSO_WM_DIAGRAM_VIRTUALLY_FRAME" val="{&quot;height&quot;:138.58307086614167,&quot;left&quot;:54.777280619463546,&quot;top&quot;:348.69023622047246,&quot;width&quot;:850.44677734375}"/>
+  <p:tag name="KSO_WM_DIAGRAM_VIRTUALLY_FRAME" val="{&quot;height&quot;:138.58307086614167,&quot;left&quot;:54.77724409448818,&quot;top&quot;:348.69023622047246,&quot;width&quot;:871.2467716535433}"/>
   <p:tag name="KSO_WM_DIAGRAM_COLOR_MATCH_VALUE" val="{&quot;shape&quot;:{&quot;fill&quot;:{&quot;type&quot;:0},&quot;glow&quot;:{&quot;colorType&quot;:0},&quot;line&quot;:{&quot;type&quot;:0},&quot;shadow&quot;:{&quot;colorType&quot;:0},&quot;threeD&quot;:{&quot;curvedSurface&quot;:{&quot;brightness&quot;:0,&quot;colorType&quot;:2,&quot;rgb&quot;:&quot;#000000&quot;},&quot;depth&quot;:{&quot;colorType&quot;:0}}},&quot;text&quot;:{&quot;fill&quot;:{&quot;solid&quot;:{&quot;brightness&quot;:0,&quot;colorType&quot;:1,&quot;foreColorIndex&quot;:5,&quot;transparency&quot;:0},&quot;type&quot;:1},&quot;glow&quot;:{&quot;colorType&quot;:0},&quot;line&quot;:{&quot;type&quot;:0},&quot;shadow&quot;:{&quot;colorType&quot;:0},&quot;threeD&quot;:{&quot;curvedSurface&quot;:{&quot;brightness&quot;:0,&quot;colorType&quot;:2,&quot;rgb&quot;:&quot;#000000&quot;},&quot;depth&quot;:{&quot;colorType&quot;:0}}}}"/>
   <p:tag name="KSO_WM_DIAGRAM_VERSION" val="3"/>
   <p:tag name="KSO_WM_DIAGRAM_COLOR_TRICK" val="1"/>

--- a/分享/aiCode/ppt/AI编程.pptx
+++ b/分享/aiCode/ppt/AI编程.pptx
@@ -18865,7 +18865,7 @@
                 <a:latin typeface="+mn-ea"/>
                 <a:cs typeface="+mn-ea"/>
               </a:rPr>
-              <a:t>，然后加合适的提问内容，才能得出相对准确的结果</a:t>
+              <a:t>，然后加合适的提问，才能得出相对准确的结果</a:t>
             </a:r>
             <a:endParaRPr lang="en-US" altLang="zh-CN">
               <a:ln>
@@ -18945,7 +18945,7 @@
                 <a:latin typeface="+mn-ea"/>
                 <a:cs typeface="+mn-ea"/>
               </a:rPr>
-              <a:t>：</a:t>
+              <a:t>：看</a:t>
             </a:r>
             <a:r>
               <a:rPr lang="en-US" altLang="zh-CN" sz="2800" b="1" kern="0">
@@ -18955,7 +18955,7 @@
                 <a:latin typeface="+mn-ea"/>
                 <a:cs typeface="+mn-ea"/>
               </a:rPr>
-              <a:t>AI </a:t>
+              <a:t> AI </a:t>
             </a:r>
             <a:r>
               <a:rPr lang="zh-CN" altLang="en-US" sz="2800" b="1" kern="0">
@@ -22838,101 +22838,13 @@
           <a:chExt cx="0" cy="0"/>
         </a:xfrm>
       </p:grpSpPr>
-      <p:pic>
-        <p:nvPicPr>
-          <p:cNvPr id="24" name="图片 23" descr="/data/temp/c9e278d2-49d9-11f0-858f-aac1907f0569.jpgc9e278d2-49d9-11f0-858f-aac1907f0569"/>
-          <p:cNvPicPr>
-            <a:picLocks noChangeAspect="1"/>
-          </p:cNvPicPr>
-          <p:nvPr>
-            <p:custDataLst>
-              <p:tags r:id="rId1"/>
-            </p:custDataLst>
-          </p:nvPr>
-        </p:nvPicPr>
-        <p:blipFill rotWithShape="1">
-          <a:blip r:embed="rId2"/>
-          <a:srcRect t="210" b="210"/>
-          <a:stretch>
-            <a:fillRect/>
-          </a:stretch>
-        </p:blipFill>
-        <p:spPr>
-          <a:xfrm>
-            <a:off x="5447761" y="1235247"/>
-            <a:ext cx="6047199" cy="2923200"/>
-          </a:xfrm>
-          <a:custGeom>
-            <a:avLst/>
-            <a:gdLst>
-              <a:gd name="connsiteX0" fmla="*/ 0 w 6884130"/>
-              <a:gd name="connsiteY0" fmla="*/ 0 h 2935140"/>
-              <a:gd name="connsiteX1" fmla="*/ 6884130 w 6884130"/>
-              <a:gd name="connsiteY1" fmla="*/ 0 h 2935140"/>
-              <a:gd name="connsiteX2" fmla="*/ 6884130 w 6884130"/>
-              <a:gd name="connsiteY2" fmla="*/ 2935140 h 2935140"/>
-              <a:gd name="connsiteX3" fmla="*/ 0 w 6884130"/>
-              <a:gd name="connsiteY3" fmla="*/ 2935140 h 2935140"/>
-            </a:gdLst>
-            <a:ahLst/>
-            <a:cxnLst>
-              <a:cxn ang="0">
-                <a:pos x="connsiteX0" y="connsiteY0"/>
-              </a:cxn>
-              <a:cxn ang="0">
-                <a:pos x="connsiteX1" y="connsiteY1"/>
-              </a:cxn>
-              <a:cxn ang="0">
-                <a:pos x="connsiteX2" y="connsiteY2"/>
-              </a:cxn>
-              <a:cxn ang="0">
-                <a:pos x="connsiteX3" y="connsiteY3"/>
-              </a:cxn>
-            </a:cxnLst>
-            <a:rect l="l" t="t" r="r" b="b"/>
-            <a:pathLst>
-              <a:path w="6884130" h="2935140">
-                <a:moveTo>
-                  <a:pt x="0" y="0"/>
-                </a:moveTo>
-                <a:lnTo>
-                  <a:pt x="6884130" y="0"/>
-                </a:lnTo>
-                <a:lnTo>
-                  <a:pt x="6884130" y="2935140"/>
-                </a:lnTo>
-                <a:lnTo>
-                  <a:pt x="0" y="2935140"/>
-                </a:lnTo>
-                <a:close/>
-              </a:path>
-            </a:pathLst>
-          </a:custGeom>
-          <a:solidFill>
-            <a:schemeClr val="accent1"/>
-          </a:solidFill>
-          <a:ln w="6350" cap="flat" cmpd="sng" algn="ctr">
-            <a:solidFill>
-              <a:schemeClr val="dk1">
-                <a:lumMod val="40000"/>
-                <a:lumOff val="60000"/>
-                <a:alpha val="50000"/>
-              </a:schemeClr>
-            </a:solidFill>
-            <a:prstDash val="solid"/>
-            <a:round/>
-            <a:headEnd type="none" w="med" len="med"/>
-            <a:tailEnd type="none" w="med" len="med"/>
-          </a:ln>
-        </p:spPr>
-      </p:pic>
       <p:sp>
         <p:nvSpPr>
           <p:cNvPr id="3" name="矩形 2"/>
           <p:cNvSpPr/>
           <p:nvPr>
             <p:custDataLst>
-              <p:tags r:id="rId3"/>
+              <p:tags r:id="rId1"/>
             </p:custDataLst>
           </p:nvPr>
         </p:nvSpPr>
@@ -22985,7 +22897,7 @@
           <p:nvPr>
             <p:ph type="title"/>
             <p:custDataLst>
-              <p:tags r:id="rId4"/>
+              <p:tags r:id="rId2"/>
             </p:custDataLst>
           </p:nvPr>
         </p:nvSpPr>
@@ -23044,7 +22956,7 @@
           <p:cNvSpPr/>
           <p:nvPr>
             <p:custDataLst>
-              <p:tags r:id="rId5"/>
+              <p:tags r:id="rId3"/>
             </p:custDataLst>
           </p:nvPr>
         </p:nvSpPr>
@@ -23229,7 +23141,7 @@
           <p:cNvSpPr/>
           <p:nvPr>
             <p:custDataLst>
-              <p:tags r:id="rId6"/>
+              <p:tags r:id="rId4"/>
             </p:custDataLst>
           </p:nvPr>
         </p:nvSpPr>
@@ -23286,13 +23198,13 @@
           <p:cNvSpPr/>
           <p:nvPr>
             <p:custDataLst>
-              <p:tags r:id="rId7"/>
+              <p:tags r:id="rId5"/>
             </p:custDataLst>
           </p:nvPr>
         </p:nvSpPr>
         <p:spPr>
           <a:xfrm>
-            <a:off x="4275455" y="5093335"/>
+            <a:off x="4865370" y="5114290"/>
             <a:ext cx="3137535" cy="1001395"/>
           </a:xfrm>
           <a:prstGeom prst="rect">
@@ -23478,13 +23390,13 @@
           <p:cNvSpPr/>
           <p:nvPr>
             <p:custDataLst>
-              <p:tags r:id="rId8"/>
+              <p:tags r:id="rId6"/>
             </p:custDataLst>
           </p:nvPr>
         </p:nvSpPr>
         <p:spPr>
           <a:xfrm>
-            <a:off x="4275363" y="4428366"/>
+            <a:off x="4865278" y="4449321"/>
             <a:ext cx="2873576" cy="643919"/>
           </a:xfrm>
           <a:prstGeom prst="rect">
@@ -23535,13 +23447,13 @@
           <p:cNvSpPr/>
           <p:nvPr>
             <p:custDataLst>
-              <p:tags r:id="rId9"/>
+              <p:tags r:id="rId7"/>
             </p:custDataLst>
           </p:nvPr>
         </p:nvSpPr>
         <p:spPr>
           <a:xfrm>
-            <a:off x="8886929" y="5114199"/>
+            <a:off x="9461604" y="5114199"/>
             <a:ext cx="2873576" cy="730335"/>
           </a:xfrm>
           <a:prstGeom prst="rect">
@@ -23624,7 +23536,7 @@
                 <a:latin typeface="+mn-ea"/>
                 <a:cs typeface="+mn-ea"/>
               </a:rPr>
-              <a:t>省去自己找搜索源的时间</a:t>
+              <a:t>省自己找搜索源的时间</a:t>
             </a:r>
             <a:endParaRPr lang="zh-CN" altLang="en-US" sz="1400">
               <a:ln>
@@ -23649,13 +23561,13 @@
           <p:cNvSpPr/>
           <p:nvPr>
             <p:custDataLst>
-              <p:tags r:id="rId10"/>
+              <p:tags r:id="rId8"/>
             </p:custDataLst>
           </p:nvPr>
         </p:nvSpPr>
         <p:spPr>
           <a:xfrm>
-            <a:off x="8886929" y="4449321"/>
+            <a:off x="9461604" y="4449321"/>
             <a:ext cx="2873576" cy="643919"/>
           </a:xfrm>
           <a:prstGeom prst="rect">
@@ -23700,9 +23612,33 @@
           </a:p>
         </p:txBody>
       </p:sp>
+      <p:pic>
+        <p:nvPicPr>
+          <p:cNvPr id="10" name="图片 9" descr="处理图片文字"/>
+          <p:cNvPicPr>
+            <a:picLocks noChangeAspect="1"/>
+          </p:cNvPicPr>
+          <p:nvPr/>
+        </p:nvPicPr>
+        <p:blipFill>
+          <a:blip r:embed="rId9"/>
+          <a:stretch>
+            <a:fillRect/>
+          </a:stretch>
+        </p:blipFill>
+        <p:spPr>
+          <a:xfrm>
+            <a:off x="5447665" y="1228725"/>
+            <a:ext cx="5977890" cy="2934970"/>
+          </a:xfrm>
+          <a:prstGeom prst="rect">
+            <a:avLst/>
+          </a:prstGeom>
+        </p:spPr>
+      </p:pic>
     </p:spTree>
     <p:custDataLst>
-      <p:tags r:id="rId11"/>
+      <p:tags r:id="rId10"/>
     </p:custDataLst>
   </p:cSld>
   <p:clrMapOvr>
@@ -30601,27 +30537,6 @@
 
 <file path=ppt/tags/tag297.xml><?xml version="1.0" encoding="utf-8"?>
 <p:tagLst xmlns:p="http://schemas.openxmlformats.org/presentationml/2006/main">
-  <p:tag name="KSO_WM_UNIT_VALUE" val="811*1678"/>
-  <p:tag name="KSO_WM_UNIT_HIGHLIGHT" val="0"/>
-  <p:tag name="KSO_WM_UNIT_COMPATIBLE" val="0"/>
-  <p:tag name="KSO_WM_UNIT_DIAGRAM_ISNUMVISUAL" val="0"/>
-  <p:tag name="KSO_WM_UNIT_DIAGRAM_ISREFERUNIT" val="0"/>
-  <p:tag name="KSO_WM_DIAGRAM_GROUP_CODE" val="l1-1"/>
-  <p:tag name="KSO_WM_UNIT_TYPE" val="d"/>
-  <p:tag name="KSO_WM_UNIT_INDEX" val="1"/>
-  <p:tag name="KSO_WM_UNIT_ID" val="custom20233270_1*d*1"/>
-  <p:tag name="KSO_WM_TEMPLATE_CATEGORY" val="custom"/>
-  <p:tag name="KSO_WM_TEMPLATE_INDEX" val="20233270"/>
-  <p:tag name="KSO_WM_UNIT_LAYERLEVEL" val="1"/>
-  <p:tag name="KSO_WM_TAG_VERSION" val="3.0"/>
-  <p:tag name="KSO_WM_BEAUTIFY_FLAG" val="#wm#"/>
-  <p:tag name="KSO_WM_UNIT_PICTURE_SUBTYPE" val="b"/>
-  <p:tag name="MH_PIC_SOURCE_TYPE" val="generate_slide_ai*{&quot;ai_type&quot;:&quot;generate_ppt&quot;,&quot;id&quot;:&quot;&quot;}*auto_qingqiu_ai_v2.1.2_ONLINE*1749986010672_830ae2_5debddf33083-slide-3"/>
-</p:tagLst>
-</file>
-
-<file path=ppt/tags/tag298.xml><?xml version="1.0" encoding="utf-8"?>
-<p:tagLst xmlns:p="http://schemas.openxmlformats.org/presentationml/2006/main">
   <p:tag name="KSO_WM_UNIT_HIGHLIGHT" val="0"/>
   <p:tag name="KSO_WM_UNIT_COMPATIBLE" val="0"/>
   <p:tag name="KSO_WM_UNIT_DIAGRAM_ISNUMVISUAL" val="0"/>
@@ -30638,7 +30553,7 @@
 </p:tagLst>
 </file>
 
-<file path=ppt/tags/tag299.xml><?xml version="1.0" encoding="utf-8"?>
+<file path=ppt/tags/tag298.xml><?xml version="1.0" encoding="utf-8"?>
 <p:tagLst xmlns:p="http://schemas.openxmlformats.org/presentationml/2006/main">
   <p:tag name="KSO_WM_UNIT_ISCONTENTSTITLE" val="0"/>
   <p:tag name="KSO_WM_UNIT_ISNUMDGMTITLE" val="0"/>
@@ -30662,33 +30577,7 @@
 </p:tagLst>
 </file>
 
-<file path=ppt/tags/tag3.xml><?xml version="1.0" encoding="utf-8"?>
-<p:tagLst xmlns:p="http://schemas.openxmlformats.org/presentationml/2006/main">
-  <p:tag name="KSO_WM_UNIT_HIGHLIGHT" val="0"/>
-  <p:tag name="KSO_WM_UNIT_COMPATIBLE" val="0"/>
-  <p:tag name="KSO_WM_UNIT_DIAGRAM_ISNUMVISUAL" val="0"/>
-  <p:tag name="KSO_WM_UNIT_DIAGRAM_ISREFERUNIT" val="0"/>
-  <p:tag name="KSO_WM_UNIT_ID" val="_1**"/>
-  <p:tag name="KSO_WM_UNIT_LAYERLEVEL" val="1"/>
-  <p:tag name="KSO_WM_TAG_VERSION" val="1.0"/>
-  <p:tag name="KSO_WM_BEAUTIFY_FLAG" val="#wm#"/>
-</p:tagLst>
-</file>
-
-<file path=ppt/tags/tag30.xml><?xml version="1.0" encoding="utf-8"?>
-<p:tagLst xmlns:p="http://schemas.openxmlformats.org/presentationml/2006/main">
-  <p:tag name="KSO_WM_UNIT_HIGHLIGHT" val="0"/>
-  <p:tag name="KSO_WM_UNIT_COMPATIBLE" val="0"/>
-  <p:tag name="KSO_WM_UNIT_DIAGRAM_ISNUMVISUAL" val="0"/>
-  <p:tag name="KSO_WM_UNIT_DIAGRAM_ISREFERUNIT" val="0"/>
-  <p:tag name="KSO_WM_UNIT_ID" val="_6**"/>
-  <p:tag name="KSO_WM_UNIT_LAYERLEVEL" val="1"/>
-  <p:tag name="KSO_WM_TAG_VERSION" val="1.0"/>
-  <p:tag name="KSO_WM_BEAUTIFY_FLAG" val="#wm#"/>
-</p:tagLst>
-</file>
-
-<file path=ppt/tags/tag300.xml><?xml version="1.0" encoding="utf-8"?>
+<file path=ppt/tags/tag299.xml><?xml version="1.0" encoding="utf-8"?>
 <p:tagLst xmlns:p="http://schemas.openxmlformats.org/presentationml/2006/main">
   <p:tag name="KSO_WM_UNIT_SUBTYPE" val="a"/>
   <p:tag name="KSO_WM_UNIT_NOCLEAR" val="0"/>
@@ -30706,7 +30595,7 @@
   <p:tag name="KSO_WM_TAG_VERSION" val="3.0"/>
   <p:tag name="KSO_WM_DIAGRAM_MAX_ITEMCNT" val="4"/>
   <p:tag name="KSO_WM_DIAGRAM_MIN_ITEMCNT" val="1"/>
-  <p:tag name="KSO_WM_DIAGRAM_VIRTUALLY_FRAME" val="{&quot;height&quot;:138.58307086614167,&quot;left&quot;:54.77724409448818,&quot;top&quot;:348.69023622047246,&quot;width&quot;:871.2467716535433}"/>
+  <p:tag name="KSO_WM_DIAGRAM_VIRTUALLY_FRAME" val="{&quot;height&quot;:138.58307086614167,&quot;left&quot;:54.77724409448818,&quot;top&quot;:348.69023622047246,&quot;width&quot;:931.7967716535434}"/>
   <p:tag name="KSO_WM_DIAGRAM_COLOR_MATCH_VALUE" val="{&quot;shape&quot;:{&quot;fill&quot;:{&quot;type&quot;:0},&quot;glow&quot;:{&quot;colorType&quot;:0},&quot;line&quot;:{&quot;type&quot;:0},&quot;shadow&quot;:{&quot;colorType&quot;:0},&quot;threeD&quot;:{&quot;curvedSurface&quot;:{&quot;brightness&quot;:0,&quot;colorType&quot;:2,&quot;rgb&quot;:&quot;#000000&quot;},&quot;depth&quot;:{&quot;colorType&quot;:0}}},&quot;text&quot;:{&quot;fill&quot;:{&quot;solid&quot;:{&quot;brightness&quot;:0.15000000596046448,&quot;colorType&quot;:1,&quot;foreColorIndex&quot;:13,&quot;transparency&quot;:0},&quot;type&quot;:1},&quot;glow&quot;:{&quot;colorType&quot;:0},&quot;line&quot;:{&quot;type&quot;:0},&quot;shadow&quot;:{&quot;colorType&quot;:0},&quot;threeD&quot;:{&quot;curvedSurface&quot;:{&quot;brightness&quot;:0,&quot;colorType&quot;:2,&quot;rgb&quot;:&quot;#000000&quot;},&quot;depth&quot;:{&quot;colorType&quot;:0}}}}"/>
   <p:tag name="KSO_WM_DIAGRAM_VERSION" val="3"/>
   <p:tag name="KSO_WM_DIAGRAM_COLOR_TRICK" val="1"/>
@@ -30721,7 +30610,33 @@
 </p:tagLst>
 </file>
 
-<file path=ppt/tags/tag301.xml><?xml version="1.0" encoding="utf-8"?>
+<file path=ppt/tags/tag3.xml><?xml version="1.0" encoding="utf-8"?>
+<p:tagLst xmlns:p="http://schemas.openxmlformats.org/presentationml/2006/main">
+  <p:tag name="KSO_WM_UNIT_HIGHLIGHT" val="0"/>
+  <p:tag name="KSO_WM_UNIT_COMPATIBLE" val="0"/>
+  <p:tag name="KSO_WM_UNIT_DIAGRAM_ISNUMVISUAL" val="0"/>
+  <p:tag name="KSO_WM_UNIT_DIAGRAM_ISREFERUNIT" val="0"/>
+  <p:tag name="KSO_WM_UNIT_ID" val="_1**"/>
+  <p:tag name="KSO_WM_UNIT_LAYERLEVEL" val="1"/>
+  <p:tag name="KSO_WM_TAG_VERSION" val="1.0"/>
+  <p:tag name="KSO_WM_BEAUTIFY_FLAG" val="#wm#"/>
+</p:tagLst>
+</file>
+
+<file path=ppt/tags/tag30.xml><?xml version="1.0" encoding="utf-8"?>
+<p:tagLst xmlns:p="http://schemas.openxmlformats.org/presentationml/2006/main">
+  <p:tag name="KSO_WM_UNIT_HIGHLIGHT" val="0"/>
+  <p:tag name="KSO_WM_UNIT_COMPATIBLE" val="0"/>
+  <p:tag name="KSO_WM_UNIT_DIAGRAM_ISNUMVISUAL" val="0"/>
+  <p:tag name="KSO_WM_UNIT_DIAGRAM_ISREFERUNIT" val="0"/>
+  <p:tag name="KSO_WM_UNIT_ID" val="_6**"/>
+  <p:tag name="KSO_WM_UNIT_LAYERLEVEL" val="1"/>
+  <p:tag name="KSO_WM_TAG_VERSION" val="1.0"/>
+  <p:tag name="KSO_WM_BEAUTIFY_FLAG" val="#wm#"/>
+</p:tagLst>
+</file>
+
+<file path=ppt/tags/tag300.xml><?xml version="1.0" encoding="utf-8"?>
 <p:tagLst xmlns:p="http://schemas.openxmlformats.org/presentationml/2006/main">
   <p:tag name="KSO_WM_UNIT_ISCONTENTSTITLE" val="0"/>
   <p:tag name="KSO_WM_UNIT_ISNUMDGMTITLE" val="0"/>
@@ -30740,7 +30655,7 @@
   <p:tag name="KSO_WM_TAG_VERSION" val="3.0"/>
   <p:tag name="KSO_WM_DIAGRAM_MAX_ITEMCNT" val="4"/>
   <p:tag name="KSO_WM_DIAGRAM_MIN_ITEMCNT" val="1"/>
-  <p:tag name="KSO_WM_DIAGRAM_VIRTUALLY_FRAME" val="{&quot;height&quot;:138.58307086614167,&quot;left&quot;:54.77724409448818,&quot;top&quot;:348.69023622047246,&quot;width&quot;:871.2467716535433}"/>
+  <p:tag name="KSO_WM_DIAGRAM_VIRTUALLY_FRAME" val="{&quot;height&quot;:138.58307086614167,&quot;left&quot;:54.77724409448818,&quot;top&quot;:348.69023622047246,&quot;width&quot;:931.7967716535434}"/>
   <p:tag name="KSO_WM_DIAGRAM_COLOR_MATCH_VALUE" val="{&quot;shape&quot;:{&quot;fill&quot;:{&quot;type&quot;:0},&quot;glow&quot;:{&quot;colorType&quot;:0},&quot;line&quot;:{&quot;type&quot;:0},&quot;shadow&quot;:{&quot;colorType&quot;:0},&quot;threeD&quot;:{&quot;curvedSurface&quot;:{&quot;brightness&quot;:0,&quot;colorType&quot;:2,&quot;rgb&quot;:&quot;#000000&quot;},&quot;depth&quot;:{&quot;colorType&quot;:0}}},&quot;text&quot;:{&quot;fill&quot;:{&quot;solid&quot;:{&quot;brightness&quot;:0,&quot;colorType&quot;:1,&quot;foreColorIndex&quot;:5,&quot;transparency&quot;:0},&quot;type&quot;:1},&quot;glow&quot;:{&quot;colorType&quot;:0},&quot;line&quot;:{&quot;type&quot;:0},&quot;shadow&quot;:{&quot;colorType&quot;:0},&quot;threeD&quot;:{&quot;curvedSurface&quot;:{&quot;brightness&quot;:0,&quot;colorType&quot;:2,&quot;rgb&quot;:&quot;#000000&quot;},&quot;depth&quot;:{&quot;colorType&quot;:0}}}}"/>
   <p:tag name="KSO_WM_DIAGRAM_VERSION" val="3"/>
   <p:tag name="KSO_WM_DIAGRAM_COLOR_TRICK" val="1"/>
@@ -30754,7 +30669,7 @@
 </p:tagLst>
 </file>
 
-<file path=ppt/tags/tag302.xml><?xml version="1.0" encoding="utf-8"?>
+<file path=ppt/tags/tag301.xml><?xml version="1.0" encoding="utf-8"?>
 <p:tagLst xmlns:p="http://schemas.openxmlformats.org/presentationml/2006/main">
   <p:tag name="KSO_WM_UNIT_SUBTYPE" val="a"/>
   <p:tag name="KSO_WM_UNIT_NOCLEAR" val="0"/>
@@ -30772,7 +30687,7 @@
   <p:tag name="KSO_WM_TAG_VERSION" val="3.0"/>
   <p:tag name="KSO_WM_DIAGRAM_MAX_ITEMCNT" val="4"/>
   <p:tag name="KSO_WM_DIAGRAM_MIN_ITEMCNT" val="1"/>
-  <p:tag name="KSO_WM_DIAGRAM_VIRTUALLY_FRAME" val="{&quot;height&quot;:138.58307086614167,&quot;left&quot;:54.77724409448818,&quot;top&quot;:348.69023622047246,&quot;width&quot;:871.2467716535433}"/>
+  <p:tag name="KSO_WM_DIAGRAM_VIRTUALLY_FRAME" val="{&quot;height&quot;:138.58307086614167,&quot;left&quot;:54.77724409448818,&quot;top&quot;:348.69023622047246,&quot;width&quot;:931.7967716535434}"/>
   <p:tag name="KSO_WM_DIAGRAM_COLOR_MATCH_VALUE" val="{&quot;shape&quot;:{&quot;fill&quot;:{&quot;type&quot;:0},&quot;glow&quot;:{&quot;colorType&quot;:0},&quot;line&quot;:{&quot;type&quot;:0},&quot;shadow&quot;:{&quot;colorType&quot;:0},&quot;threeD&quot;:{&quot;curvedSurface&quot;:{&quot;brightness&quot;:0,&quot;colorType&quot;:2,&quot;rgb&quot;:&quot;#000000&quot;},&quot;depth&quot;:{&quot;colorType&quot;:0}}},&quot;text&quot;:{&quot;fill&quot;:{&quot;solid&quot;:{&quot;brightness&quot;:0.15000000596046448,&quot;colorType&quot;:1,&quot;foreColorIndex&quot;:13,&quot;transparency&quot;:0},&quot;type&quot;:1},&quot;glow&quot;:{&quot;colorType&quot;:0},&quot;line&quot;:{&quot;type&quot;:0},&quot;shadow&quot;:{&quot;colorType&quot;:0},&quot;threeD&quot;:{&quot;curvedSurface&quot;:{&quot;brightness&quot;:0,&quot;colorType&quot;:2,&quot;rgb&quot;:&quot;#000000&quot;},&quot;depth&quot;:{&quot;colorType&quot;:0}}}}"/>
   <p:tag name="KSO_WM_DIAGRAM_VERSION" val="3"/>
   <p:tag name="KSO_WM_DIAGRAM_COLOR_TRICK" val="1"/>
@@ -30787,7 +30702,7 @@
 </p:tagLst>
 </file>
 
-<file path=ppt/tags/tag303.xml><?xml version="1.0" encoding="utf-8"?>
+<file path=ppt/tags/tag302.xml><?xml version="1.0" encoding="utf-8"?>
 <p:tagLst xmlns:p="http://schemas.openxmlformats.org/presentationml/2006/main">
   <p:tag name="KSO_WM_UNIT_ISCONTENTSTITLE" val="0"/>
   <p:tag name="KSO_WM_UNIT_ISNUMDGMTITLE" val="0"/>
@@ -30806,7 +30721,7 @@
   <p:tag name="KSO_WM_TAG_VERSION" val="3.0"/>
   <p:tag name="KSO_WM_DIAGRAM_MAX_ITEMCNT" val="4"/>
   <p:tag name="KSO_WM_DIAGRAM_MIN_ITEMCNT" val="1"/>
-  <p:tag name="KSO_WM_DIAGRAM_VIRTUALLY_FRAME" val="{&quot;height&quot;:138.58307086614167,&quot;left&quot;:54.77724409448818,&quot;top&quot;:348.69023622047246,&quot;width&quot;:871.2467716535433}"/>
+  <p:tag name="KSO_WM_DIAGRAM_VIRTUALLY_FRAME" val="{&quot;height&quot;:138.58307086614167,&quot;left&quot;:54.77724409448818,&quot;top&quot;:348.69023622047246,&quot;width&quot;:931.7967716535434}"/>
   <p:tag name="KSO_WM_DIAGRAM_COLOR_MATCH_VALUE" val="{&quot;shape&quot;:{&quot;fill&quot;:{&quot;type&quot;:0},&quot;glow&quot;:{&quot;colorType&quot;:0},&quot;line&quot;:{&quot;type&quot;:0},&quot;shadow&quot;:{&quot;colorType&quot;:0},&quot;threeD&quot;:{&quot;curvedSurface&quot;:{&quot;brightness&quot;:0,&quot;colorType&quot;:2,&quot;rgb&quot;:&quot;#000000&quot;},&quot;depth&quot;:{&quot;colorType&quot;:0}}},&quot;text&quot;:{&quot;fill&quot;:{&quot;solid&quot;:{&quot;brightness&quot;:0,&quot;colorType&quot;:1,&quot;foreColorIndex&quot;:5,&quot;transparency&quot;:0},&quot;type&quot;:1},&quot;glow&quot;:{&quot;colorType&quot;:0},&quot;line&quot;:{&quot;type&quot;:0},&quot;shadow&quot;:{&quot;colorType&quot;:0},&quot;threeD&quot;:{&quot;curvedSurface&quot;:{&quot;brightness&quot;:0,&quot;colorType&quot;:2,&quot;rgb&quot;:&quot;#000000&quot;},&quot;depth&quot;:{&quot;colorType&quot;:0}}}}"/>
   <p:tag name="KSO_WM_DIAGRAM_VERSION" val="3"/>
   <p:tag name="KSO_WM_DIAGRAM_COLOR_TRICK" val="1"/>
@@ -30820,7 +30735,7 @@
 </p:tagLst>
 </file>
 
-<file path=ppt/tags/tag304.xml><?xml version="1.0" encoding="utf-8"?>
+<file path=ppt/tags/tag303.xml><?xml version="1.0" encoding="utf-8"?>
 <p:tagLst xmlns:p="http://schemas.openxmlformats.org/presentationml/2006/main">
   <p:tag name="KSO_WM_UNIT_SUBTYPE" val="a"/>
   <p:tag name="KSO_WM_UNIT_NOCLEAR" val="0"/>
@@ -30838,7 +30753,7 @@
   <p:tag name="KSO_WM_TAG_VERSION" val="3.0"/>
   <p:tag name="KSO_WM_DIAGRAM_MAX_ITEMCNT" val="4"/>
   <p:tag name="KSO_WM_DIAGRAM_MIN_ITEMCNT" val="1"/>
-  <p:tag name="KSO_WM_DIAGRAM_VIRTUALLY_FRAME" val="{&quot;height&quot;:138.58307086614167,&quot;left&quot;:54.77724409448818,&quot;top&quot;:348.69023622047246,&quot;width&quot;:871.2467716535433}"/>
+  <p:tag name="KSO_WM_DIAGRAM_VIRTUALLY_FRAME" val="{&quot;height&quot;:138.58307086614167,&quot;left&quot;:54.77724409448818,&quot;top&quot;:348.69023622047246,&quot;width&quot;:931.7967716535434}"/>
   <p:tag name="KSO_WM_DIAGRAM_COLOR_MATCH_VALUE" val="{&quot;shape&quot;:{&quot;fill&quot;:{&quot;type&quot;:0},&quot;glow&quot;:{&quot;colorType&quot;:0},&quot;line&quot;:{&quot;type&quot;:0},&quot;shadow&quot;:{&quot;colorType&quot;:0},&quot;threeD&quot;:{&quot;curvedSurface&quot;:{&quot;brightness&quot;:0,&quot;colorType&quot;:2,&quot;rgb&quot;:&quot;#000000&quot;},&quot;depth&quot;:{&quot;colorType&quot;:0}}},&quot;text&quot;:{&quot;fill&quot;:{&quot;solid&quot;:{&quot;brightness&quot;:0.15000000596046448,&quot;colorType&quot;:1,&quot;foreColorIndex&quot;:13,&quot;transparency&quot;:0},&quot;type&quot;:1},&quot;glow&quot;:{&quot;colorType&quot;:0},&quot;line&quot;:{&quot;type&quot;:0},&quot;shadow&quot;:{&quot;colorType&quot;:0},&quot;threeD&quot;:{&quot;curvedSurface&quot;:{&quot;brightness&quot;:0,&quot;colorType&quot;:2,&quot;rgb&quot;:&quot;#000000&quot;},&quot;depth&quot;:{&quot;colorType&quot;:0}}}}"/>
   <p:tag name="KSO_WM_DIAGRAM_VERSION" val="3"/>
   <p:tag name="KSO_WM_DIAGRAM_COLOR_TRICK" val="1"/>
@@ -30853,7 +30768,7 @@
 </p:tagLst>
 </file>
 
-<file path=ppt/tags/tag305.xml><?xml version="1.0" encoding="utf-8"?>
+<file path=ppt/tags/tag304.xml><?xml version="1.0" encoding="utf-8"?>
 <p:tagLst xmlns:p="http://schemas.openxmlformats.org/presentationml/2006/main">
   <p:tag name="KSO_WM_UNIT_ISCONTENTSTITLE" val="0"/>
   <p:tag name="KSO_WM_UNIT_ISNUMDGMTITLE" val="0"/>
@@ -30872,7 +30787,7 @@
   <p:tag name="KSO_WM_TAG_VERSION" val="3.0"/>
   <p:tag name="KSO_WM_DIAGRAM_MAX_ITEMCNT" val="4"/>
   <p:tag name="KSO_WM_DIAGRAM_MIN_ITEMCNT" val="1"/>
-  <p:tag name="KSO_WM_DIAGRAM_VIRTUALLY_FRAME" val="{&quot;height&quot;:138.58307086614167,&quot;left&quot;:54.77724409448818,&quot;top&quot;:348.69023622047246,&quot;width&quot;:871.2467716535433}"/>
+  <p:tag name="KSO_WM_DIAGRAM_VIRTUALLY_FRAME" val="{&quot;height&quot;:138.58307086614167,&quot;left&quot;:54.77724409448818,&quot;top&quot;:348.69023622047246,&quot;width&quot;:931.7967716535434}"/>
   <p:tag name="KSO_WM_DIAGRAM_COLOR_MATCH_VALUE" val="{&quot;shape&quot;:{&quot;fill&quot;:{&quot;type&quot;:0},&quot;glow&quot;:{&quot;colorType&quot;:0},&quot;line&quot;:{&quot;type&quot;:0},&quot;shadow&quot;:{&quot;colorType&quot;:0},&quot;threeD&quot;:{&quot;curvedSurface&quot;:{&quot;brightness&quot;:0,&quot;colorType&quot;:2,&quot;rgb&quot;:&quot;#000000&quot;},&quot;depth&quot;:{&quot;colorType&quot;:0}}},&quot;text&quot;:{&quot;fill&quot;:{&quot;solid&quot;:{&quot;brightness&quot;:0,&quot;colorType&quot;:1,&quot;foreColorIndex&quot;:5,&quot;transparency&quot;:0},&quot;type&quot;:1},&quot;glow&quot;:{&quot;colorType&quot;:0},&quot;line&quot;:{&quot;type&quot;:0},&quot;shadow&quot;:{&quot;colorType&quot;:0},&quot;threeD&quot;:{&quot;curvedSurface&quot;:{&quot;brightness&quot;:0,&quot;colorType&quot;:2,&quot;rgb&quot;:&quot;#000000&quot;},&quot;depth&quot;:{&quot;colorType&quot;:0}}}}"/>
   <p:tag name="KSO_WM_DIAGRAM_VERSION" val="3"/>
   <p:tag name="KSO_WM_DIAGRAM_COLOR_TRICK" val="1"/>
@@ -30886,7 +30801,7 @@
 </p:tagLst>
 </file>
 
-<file path=ppt/tags/tag306.xml><?xml version="1.0" encoding="utf-8"?>
+<file path=ppt/tags/tag305.xml><?xml version="1.0" encoding="utf-8"?>
 <p:tagLst xmlns:p="http://schemas.openxmlformats.org/presentationml/2006/main">
   <p:tag name="KSO_WM_BEAUTIFY_FLAG" val="#wm#"/>
   <p:tag name="KSO_WM_TEMPLATE_CATEGORY" val="custom"/>
@@ -30909,7 +30824,7 @@
 </p:tagLst>
 </file>
 
-<file path=ppt/tags/tag307.xml><?xml version="1.0" encoding="utf-8"?>
+<file path=ppt/tags/tag306.xml><?xml version="1.0" encoding="utf-8"?>
 <p:tagLst xmlns:p="http://schemas.openxmlformats.org/presentationml/2006/main">
   <p:tag name="KSO_WM_UNIT_NOCLEAR" val="0"/>
   <p:tag name="KSO_WM_UNIT_VALUE" val="6"/>
@@ -30929,7 +30844,7 @@
 </p:tagLst>
 </file>
 
-<file path=ppt/tags/tag308.xml><?xml version="1.0" encoding="utf-8"?>
+<file path=ppt/tags/tag307.xml><?xml version="1.0" encoding="utf-8"?>
 <p:tagLst xmlns:p="http://schemas.openxmlformats.org/presentationml/2006/main">
   <p:tag name="KSO_WM_UNIT_ISCONTENTSTITLE" val="0"/>
   <p:tag name="KSO_WM_UNIT_ISNUMDGMTITLE" val="0"/>
@@ -30953,7 +30868,7 @@
 </p:tagLst>
 </file>
 
-<file path=ppt/tags/tag309.xml><?xml version="1.0" encoding="utf-8"?>
+<file path=ppt/tags/tag308.xml><?xml version="1.0" encoding="utf-8"?>
 <p:tagLst xmlns:p="http://schemas.openxmlformats.org/presentationml/2006/main">
   <p:tag name="KSO_WM_SPECIAL_SOURCE" val="bdnull"/>
   <p:tag name="KSO_WM_SLIDE_ID" val="custom20230301_9"/>
@@ -30974,20 +30889,7 @@
 </p:tagLst>
 </file>
 
-<file path=ppt/tags/tag31.xml><?xml version="1.0" encoding="utf-8"?>
-<p:tagLst xmlns:p="http://schemas.openxmlformats.org/presentationml/2006/main">
-  <p:tag name="KSO_WM_UNIT_HIGHLIGHT" val="0"/>
-  <p:tag name="KSO_WM_UNIT_COMPATIBLE" val="0"/>
-  <p:tag name="KSO_WM_UNIT_DIAGRAM_ISNUMVISUAL" val="0"/>
-  <p:tag name="KSO_WM_UNIT_DIAGRAM_ISREFERUNIT" val="0"/>
-  <p:tag name="KSO_WM_UNIT_ID" val="_6**"/>
-  <p:tag name="KSO_WM_UNIT_LAYERLEVEL" val="1"/>
-  <p:tag name="KSO_WM_TAG_VERSION" val="1.0"/>
-  <p:tag name="KSO_WM_BEAUTIFY_FLAG" val="#wm#"/>
-</p:tagLst>
-</file>
-
-<file path=ppt/tags/tag310.xml><?xml version="1.0" encoding="utf-8"?>
+<file path=ppt/tags/tag309.xml><?xml version="1.0" encoding="utf-8"?>
 <p:tagLst xmlns:p="http://schemas.openxmlformats.org/presentationml/2006/main">
   <p:tag name="KSO_WM_UNIT_ISCONTENTSTITLE" val="0"/>
   <p:tag name="KSO_WM_UNIT_ISNUMDGMTITLE" val="0"/>
@@ -31011,7 +30913,20 @@
 </p:tagLst>
 </file>
 
-<file path=ppt/tags/tag311.xml><?xml version="1.0" encoding="utf-8"?>
+<file path=ppt/tags/tag31.xml><?xml version="1.0" encoding="utf-8"?>
+<p:tagLst xmlns:p="http://schemas.openxmlformats.org/presentationml/2006/main">
+  <p:tag name="KSO_WM_UNIT_HIGHLIGHT" val="0"/>
+  <p:tag name="KSO_WM_UNIT_COMPATIBLE" val="0"/>
+  <p:tag name="KSO_WM_UNIT_DIAGRAM_ISNUMVISUAL" val="0"/>
+  <p:tag name="KSO_WM_UNIT_DIAGRAM_ISREFERUNIT" val="0"/>
+  <p:tag name="KSO_WM_UNIT_ID" val="_6**"/>
+  <p:tag name="KSO_WM_UNIT_LAYERLEVEL" val="1"/>
+  <p:tag name="KSO_WM_TAG_VERSION" val="1.0"/>
+  <p:tag name="KSO_WM_BEAUTIFY_FLAG" val="#wm#"/>
+</p:tagLst>
+</file>
+
+<file path=ppt/tags/tag310.xml><?xml version="1.0" encoding="utf-8"?>
 <p:tagLst xmlns:p="http://schemas.openxmlformats.org/presentationml/2006/main">
   <p:tag name="KSO_WM_UNIT_ISCONTENTSTITLE" val="0"/>
   <p:tag name="KSO_WM_UNIT_ISNUMDGMTITLE" val="0"/>
@@ -31045,7 +30960,7 @@
 </p:tagLst>
 </file>
 
-<file path=ppt/tags/tag312.xml><?xml version="1.0" encoding="utf-8"?>
+<file path=ppt/tags/tag311.xml><?xml version="1.0" encoding="utf-8"?>
 <p:tagLst xmlns:p="http://schemas.openxmlformats.org/presentationml/2006/main">
   <p:tag name="KSO_WM_UNIT_SUBTYPE" val="a"/>
   <p:tag name="KSO_WM_UNIT_NOCLEAR" val="0"/>
@@ -31079,7 +30994,7 @@
 </p:tagLst>
 </file>
 
-<file path=ppt/tags/tag313.xml><?xml version="1.0" encoding="utf-8"?>
+<file path=ppt/tags/tag312.xml><?xml version="1.0" encoding="utf-8"?>
 <p:tagLst xmlns:p="http://schemas.openxmlformats.org/presentationml/2006/main">
   <p:tag name="KSO_WM_DIAGRAM_VIRTUALLY_FRAME" val="{&quot;height&quot;:396.9779527559055,&quot;left&quot;:81.27551181102362,&quot;top&quot;:121.85,&quot;width&quot;:794.1815037140133}"/>
   <p:tag name="KSO_WM_DIAGRAM_VERSION" val="3"/>
@@ -31111,7 +31026,7 @@
 </p:tagLst>
 </file>
 
-<file path=ppt/tags/tag314.xml><?xml version="1.0" encoding="utf-8"?>
+<file path=ppt/tags/tag313.xml><?xml version="1.0" encoding="utf-8"?>
 <p:tagLst xmlns:p="http://schemas.openxmlformats.org/presentationml/2006/main">
   <p:tag name="KSO_WM_DIAGRAM_VIRTUALLY_FRAME" val="{&quot;height&quot;:396.9779527559055,&quot;left&quot;:81.27551181102362,&quot;top&quot;:121.85,&quot;width&quot;:794.1815037140133}"/>
   <p:tag name="KSO_WM_UNIT_HIGHLIGHT" val="0"/>
@@ -31143,7 +31058,7 @@
 </p:tagLst>
 </file>
 
-<file path=ppt/tags/tag315.xml><?xml version="1.0" encoding="utf-8"?>
+<file path=ppt/tags/tag314.xml><?xml version="1.0" encoding="utf-8"?>
 <p:tagLst xmlns:p="http://schemas.openxmlformats.org/presentationml/2006/main">
   <p:tag name="KSO_WM_SLIDE_ID" val="diagram20233329_3"/>
   <p:tag name="KSO_WM_TEMPLATE_SUBCATEGORY" val="0"/>
@@ -31166,7 +31081,7 @@
 </p:tagLst>
 </file>
 
-<file path=ppt/tags/tag316.xml><?xml version="1.0" encoding="utf-8"?>
+<file path=ppt/tags/tag315.xml><?xml version="1.0" encoding="utf-8"?>
 <p:tagLst xmlns:p="http://schemas.openxmlformats.org/presentationml/2006/main">
   <p:tag name="KSO_WM_UNIT_ISCONTENTSTITLE" val="0"/>
   <p:tag name="KSO_WM_UNIT_ISNUMDGMTITLE" val="0"/>
@@ -31190,7 +31105,7 @@
 </p:tagLst>
 </file>
 
-<file path=ppt/tags/tag317.xml><?xml version="1.0" encoding="utf-8"?>
+<file path=ppt/tags/tag316.xml><?xml version="1.0" encoding="utf-8"?>
 <p:tagLst xmlns:p="http://schemas.openxmlformats.org/presentationml/2006/main">
   <p:tag name="KSO_WM_UNIT_ISCONTENTSTITLE" val="0"/>
   <p:tag name="KSO_WM_UNIT_ISNUMDGMTITLE" val="0"/>
@@ -31224,7 +31139,7 @@
 </p:tagLst>
 </file>
 
-<file path=ppt/tags/tag318.xml><?xml version="1.0" encoding="utf-8"?>
+<file path=ppt/tags/tag317.xml><?xml version="1.0" encoding="utf-8"?>
 <p:tagLst xmlns:p="http://schemas.openxmlformats.org/presentationml/2006/main">
   <p:tag name="KSO_WM_UNIT_SUBTYPE" val="a"/>
   <p:tag name="KSO_WM_UNIT_NOCLEAR" val="0"/>
@@ -31258,7 +31173,7 @@
 </p:tagLst>
 </file>
 
-<file path=ppt/tags/tag319.xml><?xml version="1.0" encoding="utf-8"?>
+<file path=ppt/tags/tag318.xml><?xml version="1.0" encoding="utf-8"?>
 <p:tagLst xmlns:p="http://schemas.openxmlformats.org/presentationml/2006/main">
   <p:tag name="KSO_WM_DIAGRAM_VIRTUALLY_FRAME" val="{&quot;height&quot;:387.88141732283464,&quot;left&quot;:83.16770888441188,&quot;top&quot;:130.94653543307086,&quot;width&quot;:792.289306640625}"/>
   <p:tag name="KSO_WM_DIAGRAM_VERSION" val="3"/>
@@ -31289,20 +31204,7 @@
 </p:tagLst>
 </file>
 
-<file path=ppt/tags/tag32.xml><?xml version="1.0" encoding="utf-8"?>
-<p:tagLst xmlns:p="http://schemas.openxmlformats.org/presentationml/2006/main">
-  <p:tag name="KSO_WM_UNIT_HIGHLIGHT" val="0"/>
-  <p:tag name="KSO_WM_UNIT_COMPATIBLE" val="0"/>
-  <p:tag name="KSO_WM_UNIT_DIAGRAM_ISNUMVISUAL" val="0"/>
-  <p:tag name="KSO_WM_UNIT_DIAGRAM_ISREFERUNIT" val="0"/>
-  <p:tag name="KSO_WM_UNIT_ID" val="_6**"/>
-  <p:tag name="KSO_WM_UNIT_LAYERLEVEL" val="1"/>
-  <p:tag name="KSO_WM_TAG_VERSION" val="1.0"/>
-  <p:tag name="KSO_WM_BEAUTIFY_FLAG" val="#wm#"/>
-</p:tagLst>
-</file>
-
-<file path=ppt/tags/tag320.xml><?xml version="1.0" encoding="utf-8"?>
+<file path=ppt/tags/tag319.xml><?xml version="1.0" encoding="utf-8"?>
 <p:tagLst xmlns:p="http://schemas.openxmlformats.org/presentationml/2006/main">
   <p:tag name="KSO_WM_DIAGRAM_VIRTUALLY_FRAME" val="{&quot;height&quot;:387.88141732283464,&quot;left&quot;:83.16770888441188,&quot;top&quot;:130.94653543307086,&quot;width&quot;:792.289306640625}"/>
   <p:tag name="KSO_WM_UNIT_HIGHLIGHT" val="0"/>
@@ -31333,7 +31235,20 @@
 </p:tagLst>
 </file>
 
-<file path=ppt/tags/tag321.xml><?xml version="1.0" encoding="utf-8"?>
+<file path=ppt/tags/tag32.xml><?xml version="1.0" encoding="utf-8"?>
+<p:tagLst xmlns:p="http://schemas.openxmlformats.org/presentationml/2006/main">
+  <p:tag name="KSO_WM_UNIT_HIGHLIGHT" val="0"/>
+  <p:tag name="KSO_WM_UNIT_COMPATIBLE" val="0"/>
+  <p:tag name="KSO_WM_UNIT_DIAGRAM_ISNUMVISUAL" val="0"/>
+  <p:tag name="KSO_WM_UNIT_DIAGRAM_ISREFERUNIT" val="0"/>
+  <p:tag name="KSO_WM_UNIT_ID" val="_6**"/>
+  <p:tag name="KSO_WM_UNIT_LAYERLEVEL" val="1"/>
+  <p:tag name="KSO_WM_TAG_VERSION" val="1.0"/>
+  <p:tag name="KSO_WM_BEAUTIFY_FLAG" val="#wm#"/>
+</p:tagLst>
+</file>
+
+<file path=ppt/tags/tag320.xml><?xml version="1.0" encoding="utf-8"?>
 <p:tagLst xmlns:p="http://schemas.openxmlformats.org/presentationml/2006/main">
   <p:tag name="KSO_WM_SLIDE_ID" val="diagram20233329_3"/>
   <p:tag name="KSO_WM_TEMPLATE_SUBCATEGORY" val="0"/>
@@ -31356,7 +31271,7 @@
 </p:tagLst>
 </file>
 
-<file path=ppt/tags/tag322.xml><?xml version="1.0" encoding="utf-8"?>
+<file path=ppt/tags/tag321.xml><?xml version="1.0" encoding="utf-8"?>
 <p:tagLst xmlns:p="http://schemas.openxmlformats.org/presentationml/2006/main">
   <p:tag name="KSO_WM_UNIT_NOCLEAR" val="0"/>
   <p:tag name="KSO_WM_UNIT_VALUE" val="6"/>
@@ -31376,7 +31291,7 @@
 </p:tagLst>
 </file>
 
-<file path=ppt/tags/tag323.xml><?xml version="1.0" encoding="utf-8"?>
+<file path=ppt/tags/tag322.xml><?xml version="1.0" encoding="utf-8"?>
 <p:tagLst xmlns:p="http://schemas.openxmlformats.org/presentationml/2006/main">
   <p:tag name="KSO_WM_UNIT_ISCONTENTSTITLE" val="0"/>
   <p:tag name="KSO_WM_UNIT_ISNUMDGMTITLE" val="0"/>
@@ -31400,7 +31315,7 @@
 </p:tagLst>
 </file>
 
-<file path=ppt/tags/tag324.xml><?xml version="1.0" encoding="utf-8"?>
+<file path=ppt/tags/tag323.xml><?xml version="1.0" encoding="utf-8"?>
 <p:tagLst xmlns:p="http://schemas.openxmlformats.org/presentationml/2006/main">
   <p:tag name="KSO_WM_SPECIAL_SOURCE" val="bdnull"/>
   <p:tag name="KSO_WM_SLIDE_ID" val="custom20230301_9"/>
@@ -31421,7 +31336,7 @@
 </p:tagLst>
 </file>
 
-<file path=ppt/tags/tag325.xml><?xml version="1.0" encoding="utf-8"?>
+<file path=ppt/tags/tag324.xml><?xml version="1.0" encoding="utf-8"?>
 <p:tagLst xmlns:p="http://schemas.openxmlformats.org/presentationml/2006/main">
   <p:tag name="KSO_WM_UNIT_HIGHLIGHT" val="0"/>
   <p:tag name="KSO_WM_UNIT_COMPATIBLE" val="0"/>
@@ -31439,7 +31354,7 @@
 </p:tagLst>
 </file>
 
-<file path=ppt/tags/tag326.xml><?xml version="1.0" encoding="utf-8"?>
+<file path=ppt/tags/tag325.xml><?xml version="1.0" encoding="utf-8"?>
 <p:tagLst xmlns:p="http://schemas.openxmlformats.org/presentationml/2006/main">
   <p:tag name="KSO_WM_UNIT_VALUE" val="1226*964"/>
   <p:tag name="KSO_WM_UNIT_HIGHLIGHT" val="0"/>
@@ -31460,7 +31375,7 @@
 </p:tagLst>
 </file>
 
-<file path=ppt/tags/tag327.xml><?xml version="1.0" encoding="utf-8"?>
+<file path=ppt/tags/tag326.xml><?xml version="1.0" encoding="utf-8"?>
 <p:tagLst xmlns:p="http://schemas.openxmlformats.org/presentationml/2006/main">
   <p:tag name="KSO_WM_UNIT_ISCONTENTSTITLE" val="0"/>
   <p:tag name="KSO_WM_UNIT_ISNUMDGMTITLE" val="0"/>
@@ -31484,7 +31399,7 @@
 </p:tagLst>
 </file>
 
-<file path=ppt/tags/tag328.xml><?xml version="1.0" encoding="utf-8"?>
+<file path=ppt/tags/tag327.xml><?xml version="1.0" encoding="utf-8"?>
 <p:tagLst xmlns:p="http://schemas.openxmlformats.org/presentationml/2006/main">
   <p:tag name="KSO_WM_UNIT_HIGHLIGHT" val="0"/>
   <p:tag name="KSO_WM_UNIT_COMPATIBLE" val="0"/>
@@ -31502,7 +31417,7 @@
 </p:tagLst>
 </file>
 
-<file path=ppt/tags/tag329.xml><?xml version="1.0" encoding="utf-8"?>
+<file path=ppt/tags/tag328.xml><?xml version="1.0" encoding="utf-8"?>
 <p:tagLst xmlns:p="http://schemas.openxmlformats.org/presentationml/2006/main">
   <p:tag name="KSO_WM_UNIT_SUBTYPE" val="a"/>
   <p:tag name="KSO_WM_UNIT_NOCLEAR" val="0"/>
@@ -31535,20 +31450,7 @@
 </p:tagLst>
 </file>
 
-<file path=ppt/tags/tag33.xml><?xml version="1.0" encoding="utf-8"?>
-<p:tagLst xmlns:p="http://schemas.openxmlformats.org/presentationml/2006/main">
-  <p:tag name="KSO_WM_UNIT_HIGHLIGHT" val="0"/>
-  <p:tag name="KSO_WM_UNIT_COMPATIBLE" val="0"/>
-  <p:tag name="KSO_WM_UNIT_DIAGRAM_ISNUMVISUAL" val="0"/>
-  <p:tag name="KSO_WM_UNIT_DIAGRAM_ISREFERUNIT" val="0"/>
-  <p:tag name="KSO_WM_UNIT_ID" val="_6**"/>
-  <p:tag name="KSO_WM_UNIT_LAYERLEVEL" val="1"/>
-  <p:tag name="KSO_WM_TAG_VERSION" val="1.0"/>
-  <p:tag name="KSO_WM_BEAUTIFY_FLAG" val="#wm#"/>
-</p:tagLst>
-</file>
-
-<file path=ppt/tags/tag330.xml><?xml version="1.0" encoding="utf-8"?>
+<file path=ppt/tags/tag329.xml><?xml version="1.0" encoding="utf-8"?>
 <p:tagLst xmlns:p="http://schemas.openxmlformats.org/presentationml/2006/main">
   <p:tag name="KSO_WM_UNIT_ISCONTENTSTITLE" val="0"/>
   <p:tag name="KSO_WM_UNIT_ISNUMDGMTITLE" val="0"/>
@@ -31581,7 +31483,20 @@
 </p:tagLst>
 </file>
 
-<file path=ppt/tags/tag331.xml><?xml version="1.0" encoding="utf-8"?>
+<file path=ppt/tags/tag33.xml><?xml version="1.0" encoding="utf-8"?>
+<p:tagLst xmlns:p="http://schemas.openxmlformats.org/presentationml/2006/main">
+  <p:tag name="KSO_WM_UNIT_HIGHLIGHT" val="0"/>
+  <p:tag name="KSO_WM_UNIT_COMPATIBLE" val="0"/>
+  <p:tag name="KSO_WM_UNIT_DIAGRAM_ISNUMVISUAL" val="0"/>
+  <p:tag name="KSO_WM_UNIT_DIAGRAM_ISREFERUNIT" val="0"/>
+  <p:tag name="KSO_WM_UNIT_ID" val="_6**"/>
+  <p:tag name="KSO_WM_UNIT_LAYERLEVEL" val="1"/>
+  <p:tag name="KSO_WM_TAG_VERSION" val="1.0"/>
+  <p:tag name="KSO_WM_BEAUTIFY_FLAG" val="#wm#"/>
+</p:tagLst>
+</file>
+
+<file path=ppt/tags/tag330.xml><?xml version="1.0" encoding="utf-8"?>
 <p:tagLst xmlns:p="http://schemas.openxmlformats.org/presentationml/2006/main">
   <p:tag name="KSO_WM_UNIT_SUBTYPE" val="a"/>
   <p:tag name="KSO_WM_UNIT_NOCLEAR" val="0"/>
@@ -31614,7 +31529,7 @@
 </p:tagLst>
 </file>
 
-<file path=ppt/tags/tag332.xml><?xml version="1.0" encoding="utf-8"?>
+<file path=ppt/tags/tag331.xml><?xml version="1.0" encoding="utf-8"?>
 <p:tagLst xmlns:p="http://schemas.openxmlformats.org/presentationml/2006/main">
   <p:tag name="KSO_WM_UNIT_ISCONTENTSTITLE" val="0"/>
   <p:tag name="KSO_WM_UNIT_ISNUMDGMTITLE" val="0"/>
@@ -31647,7 +31562,7 @@
 </p:tagLst>
 </file>
 
-<file path=ppt/tags/tag333.xml><?xml version="1.0" encoding="utf-8"?>
+<file path=ppt/tags/tag332.xml><?xml version="1.0" encoding="utf-8"?>
 <p:tagLst xmlns:p="http://schemas.openxmlformats.org/presentationml/2006/main">
   <p:tag name="KSO_WM_UNIT_SUBTYPE" val="a"/>
   <p:tag name="KSO_WM_UNIT_NOCLEAR" val="0"/>
@@ -31680,7 +31595,7 @@
 </p:tagLst>
 </file>
 
-<file path=ppt/tags/tag334.xml><?xml version="1.0" encoding="utf-8"?>
+<file path=ppt/tags/tag333.xml><?xml version="1.0" encoding="utf-8"?>
 <p:tagLst xmlns:p="http://schemas.openxmlformats.org/presentationml/2006/main">
   <p:tag name="KSO_WM_UNIT_ISCONTENTSTITLE" val="0"/>
   <p:tag name="KSO_WM_UNIT_ISNUMDGMTITLE" val="0"/>
@@ -31713,7 +31628,7 @@
 </p:tagLst>
 </file>
 
-<file path=ppt/tags/tag335.xml><?xml version="1.0" encoding="utf-8"?>
+<file path=ppt/tags/tag334.xml><?xml version="1.0" encoding="utf-8"?>
 <p:tagLst xmlns:p="http://schemas.openxmlformats.org/presentationml/2006/main">
   <p:tag name="KSO_WM_UNIT_SUBTYPE" val="a"/>
   <p:tag name="KSO_WM_UNIT_NOCLEAR" val="0"/>
@@ -31746,7 +31661,7 @@
 </p:tagLst>
 </file>
 
-<file path=ppt/tags/tag336.xml><?xml version="1.0" encoding="utf-8"?>
+<file path=ppt/tags/tag335.xml><?xml version="1.0" encoding="utf-8"?>
 <p:tagLst xmlns:p="http://schemas.openxmlformats.org/presentationml/2006/main">
   <p:tag name="KSO_WM_UNIT_ISCONTENTSTITLE" val="0"/>
   <p:tag name="KSO_WM_UNIT_ISNUMDGMTITLE" val="0"/>
@@ -31779,7 +31694,7 @@
 </p:tagLst>
 </file>
 
-<file path=ppt/tags/tag337.xml><?xml version="1.0" encoding="utf-8"?>
+<file path=ppt/tags/tag336.xml><?xml version="1.0" encoding="utf-8"?>
 <p:tagLst xmlns:p="http://schemas.openxmlformats.org/presentationml/2006/main">
   <p:tag name="KSO_WM_BEAUTIFY_FLAG" val="#wm#"/>
   <p:tag name="KSO_WM_TEMPLATE_CATEGORY" val="custom"/>
@@ -31802,7 +31717,7 @@
 </p:tagLst>
 </file>
 
-<file path=ppt/tags/tag338.xml><?xml version="1.0" encoding="utf-8"?>
+<file path=ppt/tags/tag337.xml><?xml version="1.0" encoding="utf-8"?>
 <p:tagLst xmlns:p="http://schemas.openxmlformats.org/presentationml/2006/main">
   <p:tag name="KSO_WM_UNIT_ISCONTENTSTITLE" val="0"/>
   <p:tag name="KSO_WM_UNIT_ISNUMDGMTITLE" val="0"/>
@@ -31826,7 +31741,7 @@
 </p:tagLst>
 </file>
 
-<file path=ppt/tags/tag339.xml><?xml version="1.0" encoding="utf-8"?>
+<file path=ppt/tags/tag338.xml><?xml version="1.0" encoding="utf-8"?>
 <p:tagLst xmlns:p="http://schemas.openxmlformats.org/presentationml/2006/main">
   <p:tag name="KSO_WM_DIAGRAM_VERSION" val="3"/>
   <p:tag name="KSO_WM_DIAGRAM_COLOR_TRICK" val="1"/>
@@ -31858,20 +31773,7 @@
 </p:tagLst>
 </file>
 
-<file path=ppt/tags/tag34.xml><?xml version="1.0" encoding="utf-8"?>
-<p:tagLst xmlns:p="http://schemas.openxmlformats.org/presentationml/2006/main">
-  <p:tag name="KSO_WM_UNIT_HIGHLIGHT" val="0"/>
-  <p:tag name="KSO_WM_UNIT_COMPATIBLE" val="0"/>
-  <p:tag name="KSO_WM_UNIT_DIAGRAM_ISNUMVISUAL" val="0"/>
-  <p:tag name="KSO_WM_UNIT_DIAGRAM_ISREFERUNIT" val="0"/>
-  <p:tag name="KSO_WM_UNIT_ID" val="_7**"/>
-  <p:tag name="KSO_WM_UNIT_LAYERLEVEL" val="1"/>
-  <p:tag name="KSO_WM_TAG_VERSION" val="1.0"/>
-  <p:tag name="KSO_WM_BEAUTIFY_FLAG" val="#wm#"/>
-</p:tagLst>
-</file>
-
-<file path=ppt/tags/tag340.xml><?xml version="1.0" encoding="utf-8"?>
+<file path=ppt/tags/tag339.xml><?xml version="1.0" encoding="utf-8"?>
 <p:tagLst xmlns:p="http://schemas.openxmlformats.org/presentationml/2006/main">
   <p:tag name="KSO_WM_UNIT_SUBTYPE" val="a"/>
   <p:tag name="KSO_WM_UNIT_NOCLEAR" val="0"/>
@@ -31905,7 +31807,20 @@
 </p:tagLst>
 </file>
 
-<file path=ppt/tags/tag341.xml><?xml version="1.0" encoding="utf-8"?>
+<file path=ppt/tags/tag34.xml><?xml version="1.0" encoding="utf-8"?>
+<p:tagLst xmlns:p="http://schemas.openxmlformats.org/presentationml/2006/main">
+  <p:tag name="KSO_WM_UNIT_HIGHLIGHT" val="0"/>
+  <p:tag name="KSO_WM_UNIT_COMPATIBLE" val="0"/>
+  <p:tag name="KSO_WM_UNIT_DIAGRAM_ISNUMVISUAL" val="0"/>
+  <p:tag name="KSO_WM_UNIT_DIAGRAM_ISREFERUNIT" val="0"/>
+  <p:tag name="KSO_WM_UNIT_ID" val="_7**"/>
+  <p:tag name="KSO_WM_UNIT_LAYERLEVEL" val="1"/>
+  <p:tag name="KSO_WM_TAG_VERSION" val="1.0"/>
+  <p:tag name="KSO_WM_BEAUTIFY_FLAG" val="#wm#"/>
+</p:tagLst>
+</file>
+
+<file path=ppt/tags/tag340.xml><?xml version="1.0" encoding="utf-8"?>
 <p:tagLst xmlns:p="http://schemas.openxmlformats.org/presentationml/2006/main">
   <p:tag name="KSO_WM_UNIT_ISCONTENTSTITLE" val="0"/>
   <p:tag name="KSO_WM_UNIT_ISNUMDGMTITLE" val="0"/>
@@ -31939,7 +31854,7 @@
 </p:tagLst>
 </file>
 
-<file path=ppt/tags/tag342.xml><?xml version="1.0" encoding="utf-8"?>
+<file path=ppt/tags/tag341.xml><?xml version="1.0" encoding="utf-8"?>
 <p:tagLst xmlns:p="http://schemas.openxmlformats.org/presentationml/2006/main">
   <p:tag name="KSO_WM_UNIT_SUBTYPE" val="a"/>
   <p:tag name="KSO_WM_UNIT_NOCLEAR" val="0"/>
@@ -31972,7 +31887,7 @@
 </p:tagLst>
 </file>
 
-<file path=ppt/tags/tag343.xml><?xml version="1.0" encoding="utf-8"?>
+<file path=ppt/tags/tag342.xml><?xml version="1.0" encoding="utf-8"?>
 <p:tagLst xmlns:p="http://schemas.openxmlformats.org/presentationml/2006/main">
   <p:tag name="KSO_WM_UNIT_ISCONTENTSTITLE" val="0"/>
   <p:tag name="KSO_WM_UNIT_ISNUMDGMTITLE" val="0"/>
@@ -32005,7 +31920,7 @@
 </p:tagLst>
 </file>
 
-<file path=ppt/tags/tag344.xml><?xml version="1.0" encoding="utf-8"?>
+<file path=ppt/tags/tag343.xml><?xml version="1.0" encoding="utf-8"?>
 <p:tagLst xmlns:p="http://schemas.openxmlformats.org/presentationml/2006/main">
   <p:tag name="KSO_WM_SLIDE_ID" val="diagram20233147_3"/>
   <p:tag name="KSO_WM_TEMPLATE_SUBCATEGORY" val="0"/>
@@ -32029,7 +31944,7 @@
 </p:tagLst>
 </file>
 
-<file path=ppt/tags/tag345.xml><?xml version="1.0" encoding="utf-8"?>
+<file path=ppt/tags/tag344.xml><?xml version="1.0" encoding="utf-8"?>
 <p:tagLst xmlns:p="http://schemas.openxmlformats.org/presentationml/2006/main">
   <p:tag name="KSO_WM_UNIT_ISCONTENTSTITLE" val="0"/>
   <p:tag name="KSO_WM_UNIT_ISNUMDGMTITLE" val="0"/>
@@ -32053,7 +31968,7 @@
 </p:tagLst>
 </file>
 
-<file path=ppt/tags/tag346.xml><?xml version="1.0" encoding="utf-8"?>
+<file path=ppt/tags/tag345.xml><?xml version="1.0" encoding="utf-8"?>
 <p:tagLst xmlns:p="http://schemas.openxmlformats.org/presentationml/2006/main">
   <p:tag name="KSO_WM_DIAGRAM_VERSION" val="3"/>
   <p:tag name="KSO_WM_DIAGRAM_COLOR_TRICK" val="1"/>
@@ -32085,7 +32000,7 @@
 </p:tagLst>
 </file>
 
-<file path=ppt/tags/tag347.xml><?xml version="1.0" encoding="utf-8"?>
+<file path=ppt/tags/tag346.xml><?xml version="1.0" encoding="utf-8"?>
 <p:tagLst xmlns:p="http://schemas.openxmlformats.org/presentationml/2006/main">
   <p:tag name="KSO_WM_UNIT_SUBTYPE" val="a"/>
   <p:tag name="KSO_WM_UNIT_NOCLEAR" val="0"/>
@@ -32119,7 +32034,7 @@
 </p:tagLst>
 </file>
 
-<file path=ppt/tags/tag348.xml><?xml version="1.0" encoding="utf-8"?>
+<file path=ppt/tags/tag347.xml><?xml version="1.0" encoding="utf-8"?>
 <p:tagLst xmlns:p="http://schemas.openxmlformats.org/presentationml/2006/main">
   <p:tag name="KSO_WM_UNIT_ISCONTENTSTITLE" val="0"/>
   <p:tag name="KSO_WM_UNIT_ISNUMDGMTITLE" val="0"/>
@@ -32153,7 +32068,7 @@
 </p:tagLst>
 </file>
 
-<file path=ppt/tags/tag349.xml><?xml version="1.0" encoding="utf-8"?>
+<file path=ppt/tags/tag348.xml><?xml version="1.0" encoding="utf-8"?>
 <p:tagLst xmlns:p="http://schemas.openxmlformats.org/presentationml/2006/main">
   <p:tag name="KSO_WM_SLIDE_ID" val="diagram20233147_3"/>
   <p:tag name="KSO_WM_TEMPLATE_SUBCATEGORY" val="0"/>
@@ -32177,20 +32092,7 @@
 </p:tagLst>
 </file>
 
-<file path=ppt/tags/tag35.xml><?xml version="1.0" encoding="utf-8"?>
-<p:tagLst xmlns:p="http://schemas.openxmlformats.org/presentationml/2006/main">
-  <p:tag name="KSO_WM_UNIT_HIGHLIGHT" val="0"/>
-  <p:tag name="KSO_WM_UNIT_COMPATIBLE" val="0"/>
-  <p:tag name="KSO_WM_UNIT_DIAGRAM_ISNUMVISUAL" val="0"/>
-  <p:tag name="KSO_WM_UNIT_DIAGRAM_ISREFERUNIT" val="0"/>
-  <p:tag name="KSO_WM_UNIT_ID" val="_7**"/>
-  <p:tag name="KSO_WM_UNIT_LAYERLEVEL" val="1"/>
-  <p:tag name="KSO_WM_TAG_VERSION" val="1.0"/>
-  <p:tag name="KSO_WM_BEAUTIFY_FLAG" val="#wm#"/>
-</p:tagLst>
-</file>
-
-<file path=ppt/tags/tag350.xml><?xml version="1.0" encoding="utf-8"?>
+<file path=ppt/tags/tag349.xml><?xml version="1.0" encoding="utf-8"?>
 <p:tagLst xmlns:p="http://schemas.openxmlformats.org/presentationml/2006/main">
   <p:tag name="KSO_WM_UNIT_ISCONTENTSTITLE" val="0"/>
   <p:tag name="KSO_WM_UNIT_ISNUMDGMTITLE" val="0"/>
@@ -32214,7 +32116,20 @@
 </p:tagLst>
 </file>
 
-<file path=ppt/tags/tag351.xml><?xml version="1.0" encoding="utf-8"?>
+<file path=ppt/tags/tag35.xml><?xml version="1.0" encoding="utf-8"?>
+<p:tagLst xmlns:p="http://schemas.openxmlformats.org/presentationml/2006/main">
+  <p:tag name="KSO_WM_UNIT_HIGHLIGHT" val="0"/>
+  <p:tag name="KSO_WM_UNIT_COMPATIBLE" val="0"/>
+  <p:tag name="KSO_WM_UNIT_DIAGRAM_ISNUMVISUAL" val="0"/>
+  <p:tag name="KSO_WM_UNIT_DIAGRAM_ISREFERUNIT" val="0"/>
+  <p:tag name="KSO_WM_UNIT_ID" val="_7**"/>
+  <p:tag name="KSO_WM_UNIT_LAYERLEVEL" val="1"/>
+  <p:tag name="KSO_WM_TAG_VERSION" val="1.0"/>
+  <p:tag name="KSO_WM_BEAUTIFY_FLAG" val="#wm#"/>
+</p:tagLst>
+</file>
+
+<file path=ppt/tags/tag350.xml><?xml version="1.0" encoding="utf-8"?>
 <p:tagLst xmlns:p="http://schemas.openxmlformats.org/presentationml/2006/main">
   <p:tag name="KSO_WM_UNIT_SUBTYPE" val="a"/>
   <p:tag name="KSO_WM_UNIT_NOCLEAR" val="0"/>
@@ -32248,7 +32163,7 @@
 </p:tagLst>
 </file>
 
-<file path=ppt/tags/tag352.xml><?xml version="1.0" encoding="utf-8"?>
+<file path=ppt/tags/tag351.xml><?xml version="1.0" encoding="utf-8"?>
 <p:tagLst xmlns:p="http://schemas.openxmlformats.org/presentationml/2006/main">
   <p:tag name="KSO_WM_UNIT_ISCONTENTSTITLE" val="0"/>
   <p:tag name="KSO_WM_UNIT_ISNUMDGMTITLE" val="0"/>
@@ -32282,7 +32197,7 @@
 </p:tagLst>
 </file>
 
-<file path=ppt/tags/tag353.xml><?xml version="1.0" encoding="utf-8"?>
+<file path=ppt/tags/tag352.xml><?xml version="1.0" encoding="utf-8"?>
 <p:tagLst xmlns:p="http://schemas.openxmlformats.org/presentationml/2006/main">
   <p:tag name="KSO_WM_UNIT_SUBTYPE" val="a"/>
   <p:tag name="KSO_WM_UNIT_NOCLEAR" val="0"/>
@@ -32315,7 +32230,7 @@
 </p:tagLst>
 </file>
 
-<file path=ppt/tags/tag354.xml><?xml version="1.0" encoding="utf-8"?>
+<file path=ppt/tags/tag353.xml><?xml version="1.0" encoding="utf-8"?>
 <p:tagLst xmlns:p="http://schemas.openxmlformats.org/presentationml/2006/main">
   <p:tag name="KSO_WM_UNIT_ISCONTENTSTITLE" val="0"/>
   <p:tag name="KSO_WM_UNIT_ISNUMDGMTITLE" val="0"/>
@@ -32348,7 +32263,7 @@
 </p:tagLst>
 </file>
 
-<file path=ppt/tags/tag355.xml><?xml version="1.0" encoding="utf-8"?>
+<file path=ppt/tags/tag354.xml><?xml version="1.0" encoding="utf-8"?>
 <p:tagLst xmlns:p="http://schemas.openxmlformats.org/presentationml/2006/main">
   <p:tag name="KSO_WM_SLIDE_ID" val="diagram20233147_3"/>
   <p:tag name="KSO_WM_TEMPLATE_SUBCATEGORY" val="0"/>
@@ -32372,7 +32287,7 @@
 </p:tagLst>
 </file>
 
-<file path=ppt/tags/tag356.xml><?xml version="1.0" encoding="utf-8"?>
+<file path=ppt/tags/tag355.xml><?xml version="1.0" encoding="utf-8"?>
 <p:tagLst xmlns:p="http://schemas.openxmlformats.org/presentationml/2006/main">
   <p:tag name="KSO_WM_UNIT_NOCLEAR" val="0"/>
   <p:tag name="KSO_WM_UNIT_VALUE" val="6"/>
@@ -32392,7 +32307,7 @@
 </p:tagLst>
 </file>
 
-<file path=ppt/tags/tag357.xml><?xml version="1.0" encoding="utf-8"?>
+<file path=ppt/tags/tag356.xml><?xml version="1.0" encoding="utf-8"?>
 <p:tagLst xmlns:p="http://schemas.openxmlformats.org/presentationml/2006/main">
   <p:tag name="KSO_WM_UNIT_ISCONTENTSTITLE" val="0"/>
   <p:tag name="KSO_WM_UNIT_ISNUMDGMTITLE" val="0"/>
@@ -32416,7 +32331,7 @@
 </p:tagLst>
 </file>
 
-<file path=ppt/tags/tag358.xml><?xml version="1.0" encoding="utf-8"?>
+<file path=ppt/tags/tag357.xml><?xml version="1.0" encoding="utf-8"?>
 <p:tagLst xmlns:p="http://schemas.openxmlformats.org/presentationml/2006/main">
   <p:tag name="KSO_WM_SPECIAL_SOURCE" val="bdnull"/>
   <p:tag name="KSO_WM_SLIDE_ID" val="custom20230301_9"/>
@@ -32437,7 +32352,7 @@
 </p:tagLst>
 </file>
 
-<file path=ppt/tags/tag359.xml><?xml version="1.0" encoding="utf-8"?>
+<file path=ppt/tags/tag358.xml><?xml version="1.0" encoding="utf-8"?>
 <p:tagLst xmlns:p="http://schemas.openxmlformats.org/presentationml/2006/main">
   <p:tag name="KSO_WM_UNIT_VALUE" val="952*3384"/>
   <p:tag name="KSO_WM_UNIT_HIGHLIGHT" val="0"/>
@@ -32461,20 +32376,7 @@
 </p:tagLst>
 </file>
 
-<file path=ppt/tags/tag36.xml><?xml version="1.0" encoding="utf-8"?>
-<p:tagLst xmlns:p="http://schemas.openxmlformats.org/presentationml/2006/main">
-  <p:tag name="KSO_WM_UNIT_HIGHLIGHT" val="0"/>
-  <p:tag name="KSO_WM_UNIT_COMPATIBLE" val="0"/>
-  <p:tag name="KSO_WM_UNIT_DIAGRAM_ISNUMVISUAL" val="0"/>
-  <p:tag name="KSO_WM_UNIT_DIAGRAM_ISREFERUNIT" val="0"/>
-  <p:tag name="KSO_WM_UNIT_ID" val="_7**"/>
-  <p:tag name="KSO_WM_UNIT_LAYERLEVEL" val="1"/>
-  <p:tag name="KSO_WM_TAG_VERSION" val="1.0"/>
-  <p:tag name="KSO_WM_BEAUTIFY_FLAG" val="#wm#"/>
-</p:tagLst>
-</file>
-
-<file path=ppt/tags/tag360.xml><?xml version="1.0" encoding="utf-8"?>
+<file path=ppt/tags/tag359.xml><?xml version="1.0" encoding="utf-8"?>
 <p:tagLst xmlns:p="http://schemas.openxmlformats.org/presentationml/2006/main">
   <p:tag name="KSO_WM_BEAUTIFY_FLAG" val="#wm#"/>
   <p:tag name="KSO_WM_UNIT_HIGHLIGHT" val="0"/>
@@ -32500,7 +32402,20 @@
 </p:tagLst>
 </file>
 
-<file path=ppt/tags/tag361.xml><?xml version="1.0" encoding="utf-8"?>
+<file path=ppt/tags/tag36.xml><?xml version="1.0" encoding="utf-8"?>
+<p:tagLst xmlns:p="http://schemas.openxmlformats.org/presentationml/2006/main">
+  <p:tag name="KSO_WM_UNIT_HIGHLIGHT" val="0"/>
+  <p:tag name="KSO_WM_UNIT_COMPATIBLE" val="0"/>
+  <p:tag name="KSO_WM_UNIT_DIAGRAM_ISNUMVISUAL" val="0"/>
+  <p:tag name="KSO_WM_UNIT_DIAGRAM_ISREFERUNIT" val="0"/>
+  <p:tag name="KSO_WM_UNIT_ID" val="_7**"/>
+  <p:tag name="KSO_WM_UNIT_LAYERLEVEL" val="1"/>
+  <p:tag name="KSO_WM_TAG_VERSION" val="1.0"/>
+  <p:tag name="KSO_WM_BEAUTIFY_FLAG" val="#wm#"/>
+</p:tagLst>
+</file>
+
+<file path=ppt/tags/tag360.xml><?xml version="1.0" encoding="utf-8"?>
 <p:tagLst xmlns:p="http://schemas.openxmlformats.org/presentationml/2006/main">
   <p:tag name="KSO_WM_DIAGRAM_VERSION" val="3"/>
   <p:tag name="KSO_WM_DIAGRAM_COLOR_TRICK" val="1"/>
@@ -32532,7 +32447,7 @@
 </p:tagLst>
 </file>
 
-<file path=ppt/tags/tag362.xml><?xml version="1.0" encoding="utf-8"?>
+<file path=ppt/tags/tag361.xml><?xml version="1.0" encoding="utf-8"?>
 <p:tagLst xmlns:p="http://schemas.openxmlformats.org/presentationml/2006/main">
   <p:tag name="KSO_WM_DIAGRAM_VERSION" val="3"/>
   <p:tag name="KSO_WM_DIAGRAM_COLOR_TRICK" val="1"/>
@@ -32565,7 +32480,7 @@
 </p:tagLst>
 </file>
 
-<file path=ppt/tags/tag363.xml><?xml version="1.0" encoding="utf-8"?>
+<file path=ppt/tags/tag362.xml><?xml version="1.0" encoding="utf-8"?>
 <p:tagLst xmlns:p="http://schemas.openxmlformats.org/presentationml/2006/main">
   <p:tag name="KSO_WM_DIAGRAM_VERSION" val="3"/>
   <p:tag name="KSO_WM_DIAGRAM_COLOR_TRICK" val="1"/>
@@ -32597,7 +32512,7 @@
 </p:tagLst>
 </file>
 
-<file path=ppt/tags/tag364.xml><?xml version="1.0" encoding="utf-8"?>
+<file path=ppt/tags/tag363.xml><?xml version="1.0" encoding="utf-8"?>
 <p:tagLst xmlns:p="http://schemas.openxmlformats.org/presentationml/2006/main">
   <p:tag name="KSO_WM_DIAGRAM_VERSION" val="3"/>
   <p:tag name="KSO_WM_DIAGRAM_COLOR_TRICK" val="1"/>
@@ -32630,7 +32545,7 @@
 </p:tagLst>
 </file>
 
-<file path=ppt/tags/tag365.xml><?xml version="1.0" encoding="utf-8"?>
+<file path=ppt/tags/tag364.xml><?xml version="1.0" encoding="utf-8"?>
 <p:tagLst xmlns:p="http://schemas.openxmlformats.org/presentationml/2006/main">
   <p:tag name="KSO_WM_SLIDE_ID" val="custom20232484_1"/>
   <p:tag name="KSO_WM_TEMPLATE_SUBCATEGORY" val="0"/>
@@ -32654,7 +32569,7 @@
 </p:tagLst>
 </file>
 
-<file path=ppt/tags/tag366.xml><?xml version="1.0" encoding="utf-8"?>
+<file path=ppt/tags/tag365.xml><?xml version="1.0" encoding="utf-8"?>
 <p:tagLst xmlns:p="http://schemas.openxmlformats.org/presentationml/2006/main">
   <p:tag name="KSO_WM_UNIT_SUBTYPE" val="b"/>
   <p:tag name="KSO_WM_UNIT_NOCLEAR" val="0"/>
@@ -32674,7 +32589,7 @@
 </p:tagLst>
 </file>
 
-<file path=ppt/tags/tag367.xml><?xml version="1.0" encoding="utf-8"?>
+<file path=ppt/tags/tag366.xml><?xml version="1.0" encoding="utf-8"?>
 <p:tagLst xmlns:p="http://schemas.openxmlformats.org/presentationml/2006/main">
   <p:tag name="KSO_WM_UNIT_ISCONTENTSTITLE" val="0"/>
   <p:tag name="KSO_WM_UNIT_ISNUMDGMTITLE" val="0"/>
@@ -32696,7 +32611,7 @@
 </p:tagLst>
 </file>
 
-<file path=ppt/tags/tag368.xml><?xml version="1.0" encoding="utf-8"?>
+<file path=ppt/tags/tag367.xml><?xml version="1.0" encoding="utf-8"?>
 <p:tagLst xmlns:p="http://schemas.openxmlformats.org/presentationml/2006/main">
   <p:tag name="KSO_WM_SLIDE_ID" val="custom20230301_11"/>
   <p:tag name="KSO_WM_TEMPLATE_SUBCATEGORY" val="29"/>
@@ -32717,7 +32632,7 @@
 </p:tagLst>
 </file>
 
-<file path=ppt/tags/tag369.xml><?xml version="1.0" encoding="utf-8"?>
+<file path=ppt/tags/tag368.xml><?xml version="1.0" encoding="utf-8"?>
 <p:tagLst xmlns:p="http://schemas.openxmlformats.org/presentationml/2006/main">
   <p:tag name="KSO_WM_UNIT_ISCONTENTSTITLE" val="0"/>
   <p:tag name="KSO_WM_UNIT_ISNUMDGMTITLE" val="0"/>
@@ -32741,20 +32656,7 @@
 </p:tagLst>
 </file>
 
-<file path=ppt/tags/tag37.xml><?xml version="1.0" encoding="utf-8"?>
-<p:tagLst xmlns:p="http://schemas.openxmlformats.org/presentationml/2006/main">
-  <p:tag name="KSO_WM_UNIT_HIGHLIGHT" val="0"/>
-  <p:tag name="KSO_WM_UNIT_COMPATIBLE" val="0"/>
-  <p:tag name="KSO_WM_UNIT_DIAGRAM_ISNUMVISUAL" val="0"/>
-  <p:tag name="KSO_WM_UNIT_DIAGRAM_ISREFERUNIT" val="0"/>
-  <p:tag name="KSO_WM_UNIT_ID" val="_8**"/>
-  <p:tag name="KSO_WM_UNIT_LAYERLEVEL" val="1"/>
-  <p:tag name="KSO_WM_TAG_VERSION" val="1.0"/>
-  <p:tag name="KSO_WM_BEAUTIFY_FLAG" val="#wm#"/>
-</p:tagLst>
-</file>
-
-<file path=ppt/tags/tag370.xml><?xml version="1.0" encoding="utf-8"?>
+<file path=ppt/tags/tag369.xml><?xml version="1.0" encoding="utf-8"?>
 <p:tagLst xmlns:p="http://schemas.openxmlformats.org/presentationml/2006/main">
   <p:tag name="KSO_WM_UNIT_HIGHLIGHT" val="0"/>
   <p:tag name="KSO_WM_UNIT_COMPATIBLE" val="0"/>
@@ -32788,7 +32690,20 @@
 </p:tagLst>
 </file>
 
-<file path=ppt/tags/tag371.xml><?xml version="1.0" encoding="utf-8"?>
+<file path=ppt/tags/tag37.xml><?xml version="1.0" encoding="utf-8"?>
+<p:tagLst xmlns:p="http://schemas.openxmlformats.org/presentationml/2006/main">
+  <p:tag name="KSO_WM_UNIT_HIGHLIGHT" val="0"/>
+  <p:tag name="KSO_WM_UNIT_COMPATIBLE" val="0"/>
+  <p:tag name="KSO_WM_UNIT_DIAGRAM_ISNUMVISUAL" val="0"/>
+  <p:tag name="KSO_WM_UNIT_DIAGRAM_ISREFERUNIT" val="0"/>
+  <p:tag name="KSO_WM_UNIT_ID" val="_8**"/>
+  <p:tag name="KSO_WM_UNIT_LAYERLEVEL" val="1"/>
+  <p:tag name="KSO_WM_TAG_VERSION" val="1.0"/>
+  <p:tag name="KSO_WM_BEAUTIFY_FLAG" val="#wm#"/>
+</p:tagLst>
+</file>
+
+<file path=ppt/tags/tag370.xml><?xml version="1.0" encoding="utf-8"?>
 <p:tagLst xmlns:p="http://schemas.openxmlformats.org/presentationml/2006/main">
   <p:tag name="KSO_WM_UNIT_HIGHLIGHT" val="0"/>
   <p:tag name="KSO_WM_UNIT_COMPATIBLE" val="0"/>
@@ -32822,7 +32737,7 @@
 </p:tagLst>
 </file>
 
-<file path=ppt/tags/tag372.xml><?xml version="1.0" encoding="utf-8"?>
+<file path=ppt/tags/tag371.xml><?xml version="1.0" encoding="utf-8"?>
 <p:tagLst xmlns:p="http://schemas.openxmlformats.org/presentationml/2006/main">
   <p:tag name="KSO_WM_UNIT_HIGHLIGHT" val="0"/>
   <p:tag name="KSO_WM_UNIT_COMPATIBLE" val="0"/>
@@ -32856,7 +32771,7 @@
 </p:tagLst>
 </file>
 
-<file path=ppt/tags/tag373.xml><?xml version="1.0" encoding="utf-8"?>
+<file path=ppt/tags/tag372.xml><?xml version="1.0" encoding="utf-8"?>
 <p:tagLst xmlns:p="http://schemas.openxmlformats.org/presentationml/2006/main">
   <p:tag name="KSO_WM_UNIT_HIGHLIGHT" val="0"/>
   <p:tag name="KSO_WM_UNIT_COMPATIBLE" val="0"/>
@@ -32888,7 +32803,7 @@
 </p:tagLst>
 </file>
 
-<file path=ppt/tags/tag374.xml><?xml version="1.0" encoding="utf-8"?>
+<file path=ppt/tags/tag373.xml><?xml version="1.0" encoding="utf-8"?>
 <p:tagLst xmlns:p="http://schemas.openxmlformats.org/presentationml/2006/main">
   <p:tag name="KSO_WM_UNIT_HIGHLIGHT" val="0"/>
   <p:tag name="KSO_WM_UNIT_COMPATIBLE" val="0"/>
@@ -32920,7 +32835,7 @@
 </p:tagLst>
 </file>
 
-<file path=ppt/tags/tag375.xml><?xml version="1.0" encoding="utf-8"?>
+<file path=ppt/tags/tag374.xml><?xml version="1.0" encoding="utf-8"?>
 <p:tagLst xmlns:p="http://schemas.openxmlformats.org/presentationml/2006/main">
   <p:tag name="KSO_WM_UNIT_HIGHLIGHT" val="0"/>
   <p:tag name="KSO_WM_UNIT_COMPATIBLE" val="0"/>
@@ -32952,7 +32867,7 @@
 </p:tagLst>
 </file>
 
-<file path=ppt/tags/tag376.xml><?xml version="1.0" encoding="utf-8"?>
+<file path=ppt/tags/tag375.xml><?xml version="1.0" encoding="utf-8"?>
 <p:tagLst xmlns:p="http://schemas.openxmlformats.org/presentationml/2006/main">
   <p:tag name="KSO_WM_UNIT_ISCONTENTSTITLE" val="0"/>
   <p:tag name="KSO_WM_UNIT_ISNUMDGMTITLE" val="0"/>
@@ -32986,7 +32901,7 @@
 </p:tagLst>
 </file>
 
-<file path=ppt/tags/tag377.xml><?xml version="1.0" encoding="utf-8"?>
+<file path=ppt/tags/tag376.xml><?xml version="1.0" encoding="utf-8"?>
 <p:tagLst xmlns:p="http://schemas.openxmlformats.org/presentationml/2006/main">
   <p:tag name="KSO_WM_UNIT_SUBTYPE" val="a"/>
   <p:tag name="KSO_WM_UNIT_NOCLEAR" val="0"/>
@@ -33019,7 +32934,7 @@
 </p:tagLst>
 </file>
 
-<file path=ppt/tags/tag378.xml><?xml version="1.0" encoding="utf-8"?>
+<file path=ppt/tags/tag377.xml><?xml version="1.0" encoding="utf-8"?>
 <p:tagLst xmlns:p="http://schemas.openxmlformats.org/presentationml/2006/main">
   <p:tag name="KSO_WM_UNIT_ISCONTENTSTITLE" val="0"/>
   <p:tag name="KSO_WM_UNIT_ISNUMDGMTITLE" val="0"/>
@@ -33052,7 +32967,7 @@
 </p:tagLst>
 </file>
 
-<file path=ppt/tags/tag379.xml><?xml version="1.0" encoding="utf-8"?>
+<file path=ppt/tags/tag378.xml><?xml version="1.0" encoding="utf-8"?>
 <p:tagLst xmlns:p="http://schemas.openxmlformats.org/presentationml/2006/main">
   <p:tag name="KSO_WM_UNIT_SUBTYPE" val="a"/>
   <p:tag name="KSO_WM_UNIT_NOCLEAR" val="0"/>
@@ -33085,20 +33000,7 @@
 </p:tagLst>
 </file>
 
-<file path=ppt/tags/tag38.xml><?xml version="1.0" encoding="utf-8"?>
-<p:tagLst xmlns:p="http://schemas.openxmlformats.org/presentationml/2006/main">
-  <p:tag name="KSO_WM_UNIT_HIGHLIGHT" val="0"/>
-  <p:tag name="KSO_WM_UNIT_COMPATIBLE" val="0"/>
-  <p:tag name="KSO_WM_UNIT_DIAGRAM_ISNUMVISUAL" val="0"/>
-  <p:tag name="KSO_WM_UNIT_DIAGRAM_ISREFERUNIT" val="0"/>
-  <p:tag name="KSO_WM_UNIT_ID" val="_8**"/>
-  <p:tag name="KSO_WM_UNIT_LAYERLEVEL" val="1"/>
-  <p:tag name="KSO_WM_TAG_VERSION" val="1.0"/>
-  <p:tag name="KSO_WM_BEAUTIFY_FLAG" val="#wm#"/>
-</p:tagLst>
-</file>
-
-<file path=ppt/tags/tag380.xml><?xml version="1.0" encoding="utf-8"?>
+<file path=ppt/tags/tag379.xml><?xml version="1.0" encoding="utf-8"?>
 <p:tagLst xmlns:p="http://schemas.openxmlformats.org/presentationml/2006/main">
   <p:tag name="KSO_WM_UNIT_ISCONTENTSTITLE" val="0"/>
   <p:tag name="KSO_WM_UNIT_ISNUMDGMTITLE" val="0"/>
@@ -33132,7 +33034,20 @@
 </p:tagLst>
 </file>
 
-<file path=ppt/tags/tag381.xml><?xml version="1.0" encoding="utf-8"?>
+<file path=ppt/tags/tag38.xml><?xml version="1.0" encoding="utf-8"?>
+<p:tagLst xmlns:p="http://schemas.openxmlformats.org/presentationml/2006/main">
+  <p:tag name="KSO_WM_UNIT_HIGHLIGHT" val="0"/>
+  <p:tag name="KSO_WM_UNIT_COMPATIBLE" val="0"/>
+  <p:tag name="KSO_WM_UNIT_DIAGRAM_ISNUMVISUAL" val="0"/>
+  <p:tag name="KSO_WM_UNIT_DIAGRAM_ISREFERUNIT" val="0"/>
+  <p:tag name="KSO_WM_UNIT_ID" val="_8**"/>
+  <p:tag name="KSO_WM_UNIT_LAYERLEVEL" val="1"/>
+  <p:tag name="KSO_WM_TAG_VERSION" val="1.0"/>
+  <p:tag name="KSO_WM_BEAUTIFY_FLAG" val="#wm#"/>
+</p:tagLst>
+</file>
+
+<file path=ppt/tags/tag380.xml><?xml version="1.0" encoding="utf-8"?>
 <p:tagLst xmlns:p="http://schemas.openxmlformats.org/presentationml/2006/main">
   <p:tag name="KSO_WM_UNIT_SUBTYPE" val="a"/>
   <p:tag name="KSO_WM_UNIT_NOCLEAR" val="0"/>
@@ -33165,7 +33080,7 @@
 </p:tagLst>
 </file>
 
-<file path=ppt/tags/tag382.xml><?xml version="1.0" encoding="utf-8"?>
+<file path=ppt/tags/tag381.xml><?xml version="1.0" encoding="utf-8"?>
 <p:tagLst xmlns:p="http://schemas.openxmlformats.org/presentationml/2006/main">
   <p:tag name="KSO_WM_SLIDE_ID" val="diagram20230968_2"/>
   <p:tag name="KSO_WM_TEMPLATE_SUBCATEGORY" val="0"/>
@@ -33189,7 +33104,7 @@
 </p:tagLst>
 </file>
 
-<file path=ppt/tags/tag383.xml><?xml version="1.0" encoding="utf-8"?>
+<file path=ppt/tags/tag382.xml><?xml version="1.0" encoding="utf-8"?>
 <p:tagLst xmlns:p="http://schemas.openxmlformats.org/presentationml/2006/main">
   <p:tag name="KSO_WM_UNIT_ISCONTENTSTITLE" val="0"/>
   <p:tag name="KSO_WM_UNIT_ISNUMDGMTITLE" val="0"/>
@@ -33213,7 +33128,7 @@
 </p:tagLst>
 </file>
 
-<file path=ppt/tags/tag384.xml><?xml version="1.0" encoding="utf-8"?>
+<file path=ppt/tags/tag383.xml><?xml version="1.0" encoding="utf-8"?>
 <p:tagLst xmlns:p="http://schemas.openxmlformats.org/presentationml/2006/main">
   <p:tag name="KSO_WM_UNIT_ISCONTENTSTITLE" val="0"/>
   <p:tag name="KSO_WM_UNIT_ISNUMDGMTITLE" val="0"/>
@@ -33247,7 +33162,7 @@
 </p:tagLst>
 </file>
 
-<file path=ppt/tags/tag385.xml><?xml version="1.0" encoding="utf-8"?>
+<file path=ppt/tags/tag384.xml><?xml version="1.0" encoding="utf-8"?>
 <p:tagLst xmlns:p="http://schemas.openxmlformats.org/presentationml/2006/main">
   <p:tag name="KSO_WM_UNIT_SUBTYPE" val="a"/>
   <p:tag name="KSO_WM_UNIT_NOCLEAR" val="0"/>
@@ -33281,7 +33196,7 @@
 </p:tagLst>
 </file>
 
-<file path=ppt/tags/tag386.xml><?xml version="1.0" encoding="utf-8"?>
+<file path=ppt/tags/tag385.xml><?xml version="1.0" encoding="utf-8"?>
 <p:tagLst xmlns:p="http://schemas.openxmlformats.org/presentationml/2006/main">
   <p:tag name="KSO_WM_DIAGRAM_VIRTUALLY_FRAME" val="{&quot;height&quot;:387.88141732283464,&quot;left&quot;:83.16770888441188,&quot;top&quot;:130.94653543307086,&quot;width&quot;:792.289306640625}"/>
   <p:tag name="KSO_WM_DIAGRAM_VERSION" val="3"/>
@@ -33313,7 +33228,7 @@
 </p:tagLst>
 </file>
 
-<file path=ppt/tags/tag387.xml><?xml version="1.0" encoding="utf-8"?>
+<file path=ppt/tags/tag386.xml><?xml version="1.0" encoding="utf-8"?>
 <p:tagLst xmlns:p="http://schemas.openxmlformats.org/presentationml/2006/main">
   <p:tag name="KSO_WM_DIAGRAM_VIRTUALLY_FRAME" val="{&quot;height&quot;:387.88141732283464,&quot;left&quot;:83.16770888441188,&quot;top&quot;:130.94653543307086,&quot;width&quot;:792.289306640625}"/>
   <p:tag name="KSO_WM_UNIT_HIGHLIGHT" val="0"/>
@@ -33345,7 +33260,7 @@
 </p:tagLst>
 </file>
 
-<file path=ppt/tags/tag388.xml><?xml version="1.0" encoding="utf-8"?>
+<file path=ppt/tags/tag387.xml><?xml version="1.0" encoding="utf-8"?>
 <p:tagLst xmlns:p="http://schemas.openxmlformats.org/presentationml/2006/main">
   <p:tag name="KSO_WM_DIAGRAM_VIRTUALLY_FRAME" val="{&quot;height&quot;:387.88141732283464,&quot;left&quot;:83.16770888441188,&quot;top&quot;:130.94653543307086,&quot;width&quot;:792.289306640625}"/>
   <p:tag name="KSO_WM_DIAGRAM_VERSION" val="3"/>
@@ -33377,7 +33292,7 @@
 </p:tagLst>
 </file>
 
-<file path=ppt/tags/tag389.xml><?xml version="1.0" encoding="utf-8"?>
+<file path=ppt/tags/tag388.xml><?xml version="1.0" encoding="utf-8"?>
 <p:tagLst xmlns:p="http://schemas.openxmlformats.org/presentationml/2006/main">
   <p:tag name="KSO_WM_DIAGRAM_VIRTUALLY_FRAME" val="{&quot;height&quot;:387.88141732283464,&quot;left&quot;:83.16770888441188,&quot;top&quot;:130.94653543307086,&quot;width&quot;:792.289306640625}"/>
   <p:tag name="KSO_WM_UNIT_HIGHLIGHT" val="0"/>
@@ -33409,20 +33324,7 @@
 </p:tagLst>
 </file>
 
-<file path=ppt/tags/tag39.xml><?xml version="1.0" encoding="utf-8"?>
-<p:tagLst xmlns:p="http://schemas.openxmlformats.org/presentationml/2006/main">
-  <p:tag name="KSO_WM_UNIT_HIGHLIGHT" val="0"/>
-  <p:tag name="KSO_WM_UNIT_COMPATIBLE" val="0"/>
-  <p:tag name="KSO_WM_UNIT_DIAGRAM_ISNUMVISUAL" val="0"/>
-  <p:tag name="KSO_WM_UNIT_DIAGRAM_ISREFERUNIT" val="0"/>
-  <p:tag name="KSO_WM_UNIT_ID" val="_8**"/>
-  <p:tag name="KSO_WM_UNIT_LAYERLEVEL" val="1"/>
-  <p:tag name="KSO_WM_TAG_VERSION" val="1.0"/>
-  <p:tag name="KSO_WM_BEAUTIFY_FLAG" val="#wm#"/>
-</p:tagLst>
-</file>
-
-<file path=ppt/tags/tag390.xml><?xml version="1.0" encoding="utf-8"?>
+<file path=ppt/tags/tag389.xml><?xml version="1.0" encoding="utf-8"?>
 <p:tagLst xmlns:p="http://schemas.openxmlformats.org/presentationml/2006/main">
   <p:tag name="KSO_WM_UNIT_ISCONTENTSTITLE" val="0"/>
   <p:tag name="KSO_WM_UNIT_ISNUMDGMTITLE" val="0"/>
@@ -33456,7 +33358,20 @@
 </p:tagLst>
 </file>
 
-<file path=ppt/tags/tag391.xml><?xml version="1.0" encoding="utf-8"?>
+<file path=ppt/tags/tag39.xml><?xml version="1.0" encoding="utf-8"?>
+<p:tagLst xmlns:p="http://schemas.openxmlformats.org/presentationml/2006/main">
+  <p:tag name="KSO_WM_UNIT_HIGHLIGHT" val="0"/>
+  <p:tag name="KSO_WM_UNIT_COMPATIBLE" val="0"/>
+  <p:tag name="KSO_WM_UNIT_DIAGRAM_ISNUMVISUAL" val="0"/>
+  <p:tag name="KSO_WM_UNIT_DIAGRAM_ISREFERUNIT" val="0"/>
+  <p:tag name="KSO_WM_UNIT_ID" val="_8**"/>
+  <p:tag name="KSO_WM_UNIT_LAYERLEVEL" val="1"/>
+  <p:tag name="KSO_WM_TAG_VERSION" val="1.0"/>
+  <p:tag name="KSO_WM_BEAUTIFY_FLAG" val="#wm#"/>
+</p:tagLst>
+</file>
+
+<file path=ppt/tags/tag390.xml><?xml version="1.0" encoding="utf-8"?>
 <p:tagLst xmlns:p="http://schemas.openxmlformats.org/presentationml/2006/main">
   <p:tag name="KSO_WM_UNIT_SUBTYPE" val="a"/>
   <p:tag name="KSO_WM_UNIT_NOCLEAR" val="0"/>
@@ -33490,7 +33405,7 @@
 </p:tagLst>
 </file>
 
-<file path=ppt/tags/tag392.xml><?xml version="1.0" encoding="utf-8"?>
+<file path=ppt/tags/tag391.xml><?xml version="1.0" encoding="utf-8"?>
 <p:tagLst xmlns:p="http://schemas.openxmlformats.org/presentationml/2006/main">
   <p:tag name="KSO_WM_DIAGRAM_VIRTUALLY_FRAME" val="{&quot;height&quot;:387.88141732283464,&quot;left&quot;:83.16770888441188,&quot;top&quot;:130.94653543307086,&quot;width&quot;:792.289306640625}"/>
   <p:tag name="KSO_WM_DIAGRAM_VERSION" val="3"/>
@@ -33522,7 +33437,7 @@
 </p:tagLst>
 </file>
 
-<file path=ppt/tags/tag393.xml><?xml version="1.0" encoding="utf-8"?>
+<file path=ppt/tags/tag392.xml><?xml version="1.0" encoding="utf-8"?>
 <p:tagLst xmlns:p="http://schemas.openxmlformats.org/presentationml/2006/main">
   <p:tag name="KSO_WM_DIAGRAM_VIRTUALLY_FRAME" val="{&quot;height&quot;:387.88141732283464,&quot;left&quot;:83.16770888441188,&quot;top&quot;:130.94653543307086,&quot;width&quot;:792.289306640625}"/>
   <p:tag name="KSO_WM_DIAGRAM_VERSION" val="3"/>
@@ -33553,7 +33468,7 @@
 </p:tagLst>
 </file>
 
-<file path=ppt/tags/tag394.xml><?xml version="1.0" encoding="utf-8"?>
+<file path=ppt/tags/tag393.xml><?xml version="1.0" encoding="utf-8"?>
 <p:tagLst xmlns:p="http://schemas.openxmlformats.org/presentationml/2006/main">
   <p:tag name="KSO_WM_UNIT_ISCONTENTSTITLE" val="0"/>
   <p:tag name="KSO_WM_UNIT_ISNUMDGMTITLE" val="0"/>
@@ -33587,7 +33502,7 @@
 </p:tagLst>
 </file>
 
-<file path=ppt/tags/tag395.xml><?xml version="1.0" encoding="utf-8"?>
+<file path=ppt/tags/tag394.xml><?xml version="1.0" encoding="utf-8"?>
 <p:tagLst xmlns:p="http://schemas.openxmlformats.org/presentationml/2006/main">
   <p:tag name="KSO_WM_UNIT_SUBTYPE" val="a"/>
   <p:tag name="KSO_WM_UNIT_NOCLEAR" val="0"/>
@@ -33621,7 +33536,7 @@
 </p:tagLst>
 </file>
 
-<file path=ppt/tags/tag396.xml><?xml version="1.0" encoding="utf-8"?>
+<file path=ppt/tags/tag395.xml><?xml version="1.0" encoding="utf-8"?>
 <p:tagLst xmlns:p="http://schemas.openxmlformats.org/presentationml/2006/main">
   <p:tag name="KSO_WM_SLIDE_ID" val="diagram20233329_3"/>
   <p:tag name="KSO_WM_TEMPLATE_SUBCATEGORY" val="0"/>
@@ -33644,7 +33559,7 @@
 </p:tagLst>
 </file>
 
-<file path=ppt/tags/tag397.xml><?xml version="1.0" encoding="utf-8"?>
+<file path=ppt/tags/tag396.xml><?xml version="1.0" encoding="utf-8"?>
 <p:tagLst xmlns:p="http://schemas.openxmlformats.org/presentationml/2006/main">
   <p:tag name="KSO_WM_PRESENTATION_SOURCE" val="WPPAIGeneratePPT"/>
 </p:tagLst>

--- a/分享/aiCode/ppt/AI编程.pptx
+++ b/分享/aiCode/ppt/AI编程.pptx
@@ -21498,35 +21498,11 @@
                   <a:srgbClr val="FFFFFF"/>
                 </a:solidFill>
                 <a:latin typeface="+mj-ea"/>
-                <a:ea typeface="宋体" panose="02010600030101010101" pitchFamily="2" charset="-122"/>
-                <a:cs typeface="MiSans" panose="00000500000000000000" charset="-122"/>
-                <a:sym typeface="+mn-ea"/>
-              </a:rPr>
-              <a:t>具有</a:t>
-            </a:r>
-            <a:r>
-              <a:rPr lang="zh-CN" altLang="en-US" sz="2800" dirty="0">
-                <a:solidFill>
-                  <a:srgbClr val="FFFFFF"/>
-                </a:solidFill>
-                <a:latin typeface="+mj-ea"/>
                 <a:ea typeface="+mj-ea"/>
                 <a:cs typeface="MiSans" panose="00000500000000000000" charset="-122"/>
                 <a:sym typeface="+mn-ea"/>
               </a:rPr>
-              <a:t>吸引力的</a:t>
-            </a:r>
-            <a:r>
-              <a:rPr lang="zh-CN" altLang="en-US" sz="2800" dirty="0">
-                <a:solidFill>
-                  <a:srgbClr val="FFFFFF"/>
-                </a:solidFill>
-                <a:latin typeface="+mj-ea"/>
-                <a:ea typeface="+mj-ea"/>
-                <a:cs typeface="MiSans" panose="00000500000000000000" charset="-122"/>
-                <a:sym typeface="+mn-ea"/>
-              </a:rPr>
-              <a:t>特点</a:t>
+              <a:t>吸引力（特点）</a:t>
             </a:r>
             <a:endParaRPr lang="zh-CN" altLang="en-US" sz="2800" dirty="0">
               <a:solidFill>
@@ -22785,26 +22761,21 @@
         <p:spPr/>
         <p:txBody>
           <a:bodyPr>
-            <a:normAutofit fontScale="90000"/>
+            <a:normAutofit/>
           </a:bodyPr>
           <a:lstStyle/>
           <a:p>
             <a:r>
-              <a:rPr lang="en-US" altLang="zh-CN"/>
-              <a:t>AI</a:t>
-            </a:r>
-            <a:r>
-              <a:rPr>
-                <a:ea typeface="宋体" panose="02010600030101010101" pitchFamily="2" charset="-122"/>
+              <a:rPr lang="en-US" altLang="zh-CN">
                 <a:sym typeface="+mn-ea"/>
               </a:rPr>
-              <a:t>具有</a:t>
+              <a:t>AI</a:t>
             </a:r>
             <a:r>
               <a:rPr>
                 <a:sym typeface="+mn-ea"/>
               </a:rPr>
-              <a:t>吸引力的特点</a:t>
+              <a:t>吸引力（特点）</a:t>
             </a:r>
             <a:endParaRPr lang="zh-CN" altLang="en-US"/>
           </a:p>
@@ -22919,23 +22890,16 @@
               </a:lnSpc>
             </a:pPr>
             <a:r>
-              <a:rPr lang="en-US" altLang="zh-CN">
+              <a:rPr lang="en-US" altLang="zh-CN" dirty="0">
                 <a:sym typeface="+mn-ea"/>
               </a:rPr>
               <a:t>AI</a:t>
             </a:r>
             <a:r>
-              <a:rPr>
-                <a:ea typeface="宋体" panose="02010600030101010101" pitchFamily="2" charset="-122"/>
+              <a:rPr dirty="0">
                 <a:sym typeface="+mn-ea"/>
               </a:rPr>
-              <a:t>具有</a:t>
-            </a:r>
-            <a:r>
-              <a:rPr>
-                <a:sym typeface="+mn-ea"/>
-              </a:rPr>
-              <a:t>吸引力的特点</a:t>
+              <a:t>吸引力（特点）</a:t>
             </a:r>
             <a:endParaRPr lang="zh-CN" altLang="en-US" dirty="0">
               <a:solidFill>
@@ -23365,7 +23329,7 @@
                 <a:latin typeface="+mn-ea"/>
                 <a:cs typeface="+mn-ea"/>
               </a:rPr>
-              <a:t>结合其他优势，效率还是比人工高很多</a:t>
+              <a:t>综合目前优势，效率还是比人工高很多</a:t>
             </a:r>
             <a:endParaRPr lang="en-US" altLang="zh-CN" sz="1400">
               <a:ln>
@@ -23622,6 +23586,7 @@
         </p:nvPicPr>
         <p:blipFill>
           <a:blip r:embed="rId9"/>
+          <a:srcRect r="9093"/>
           <a:stretch>
             <a:fillRect/>
           </a:stretch>
@@ -23629,7 +23594,7 @@
         <p:spPr>
           <a:xfrm>
             <a:off x="5447665" y="1228725"/>
-            <a:ext cx="5977890" cy="2934970"/>
+            <a:ext cx="5822315" cy="2934970"/>
           </a:xfrm>
           <a:prstGeom prst="rect">
             <a:avLst/>

--- a/分享/aiCode/ppt/AI编程.pptx
+++ b/分享/aiCode/ppt/AI编程.pptx
@@ -2734,7 +2734,7 @@
                 <a:schemeClr val="accent3"/>
               </a:buClr>
               <a:buSzTx/>
-              <a:buFont typeface="Arial" panose="020B0604020202020204" pitchFamily="34" charset="0"/>
+              <a:buFont typeface="Arial" panose="020B0604020202090204" pitchFamily="34" charset="0"/>
               <a:buChar char="●"/>
               <a:defRPr kumimoji="0" lang="zh-CN" altLang="en-US" sz="1800" b="0" i="0" u="none" strike="noStrike" kern="1200" cap="none" spc="150" normalizeH="0" baseline="0" noProof="1" dirty="0">
                 <a:ln>
@@ -2761,7 +2761,7 @@
               <a:spcAft>
                 <a:spcPts val="600"/>
               </a:spcAft>
-              <a:buFont typeface="Arial" panose="020B0604020202020204" pitchFamily="34" charset="0"/>
+              <a:buFont typeface="Arial" panose="020B0604020202090204" pitchFamily="34" charset="0"/>
               <a:buChar char="●"/>
               <a:tabLst>
                 <a:tab pos="1609725" algn="l"/>
@@ -2785,7 +2785,7 @@
               <a:spcAft>
                 <a:spcPts val="600"/>
               </a:spcAft>
-              <a:buFont typeface="Arial" panose="020B0604020202020204" pitchFamily="34" charset="0"/>
+              <a:buFont typeface="Arial" panose="020B0604020202090204" pitchFamily="34" charset="0"/>
               <a:buChar char="●"/>
               <a:defRPr kumimoji="0" sz="1600" b="0" i="0" u="none" strike="noStrike" cap="none" spc="150" normalizeH="0" baseline="0">
                 <a:solidFill>
@@ -2827,7 +2827,7 @@
               <a:spcAft>
                 <a:spcPts val="300"/>
               </a:spcAft>
-              <a:buFont typeface="Arial" panose="020B0604020202020204" pitchFamily="34" charset="0"/>
+              <a:buFont typeface="Arial" panose="020B0604020202090204" pitchFamily="34" charset="0"/>
               <a:buChar char="•"/>
               <a:defRPr kumimoji="0" sz="1400" b="0" i="0" u="none" strike="noStrike" cap="none" spc="150" normalizeH="0" baseline="0">
                 <a:solidFill>
@@ -2845,7 +2845,7 @@
               <a:spcBef>
                 <a:spcPts val="500"/>
               </a:spcBef>
-              <a:buFont typeface="Arial" panose="020B0604020202020204" pitchFamily="34" charset="0"/>
+              <a:buFont typeface="Arial" panose="020B0604020202090204" pitchFamily="34" charset="0"/>
               <a:buNone/>
             </a:lvl6pPr>
             <a:lvl7pPr marL="2971800" indent="-228600">
@@ -2855,7 +2855,7 @@
               <a:spcBef>
                 <a:spcPts val="500"/>
               </a:spcBef>
-              <a:buFont typeface="Arial" panose="020B0604020202020204" pitchFamily="34" charset="0"/>
+              <a:buFont typeface="Arial" panose="020B0604020202090204" pitchFamily="34" charset="0"/>
               <a:buChar char="•"/>
             </a:lvl7pPr>
             <a:lvl8pPr marL="3429000" indent="-228600">
@@ -2865,7 +2865,7 @@
               <a:spcBef>
                 <a:spcPts val="500"/>
               </a:spcBef>
-              <a:buFont typeface="Arial" panose="020B0604020202020204" pitchFamily="34" charset="0"/>
+              <a:buFont typeface="Arial" panose="020B0604020202090204" pitchFamily="34" charset="0"/>
               <a:buChar char="•"/>
             </a:lvl8pPr>
             <a:lvl9pPr marL="3886200" indent="-228600">
@@ -2875,7 +2875,7 @@
               <a:spcBef>
                 <a:spcPts val="500"/>
               </a:spcBef>
-              <a:buFont typeface="Arial" panose="020B0604020202020204" pitchFamily="34" charset="0"/>
+              <a:buFont typeface="Arial" panose="020B0604020202090204" pitchFamily="34" charset="0"/>
               <a:buChar char="•"/>
             </a:lvl9pPr>
           </a:lstStyle>
@@ -4207,7 +4207,7 @@
               </a:spcAft>
               <a:buClrTx/>
               <a:buSzTx/>
-              <a:buFont typeface="Arial" panose="020B0604020202020204" pitchFamily="34" charset="0"/>
+              <a:buFont typeface="Arial" panose="020B0604020202090204" pitchFamily="34" charset="0"/>
               <a:buChar char="●"/>
               <a:defRPr kumimoji="0" lang="zh-CN" altLang="en-US" sz="1800" b="0" i="0" u="none" strike="noStrike" kern="1200" cap="none" spc="150" normalizeH="0" baseline="0" noProof="1" dirty="0">
                 <a:ln>
@@ -4234,7 +4234,7 @@
               <a:spcAft>
                 <a:spcPts val="600"/>
               </a:spcAft>
-              <a:buFont typeface="Arial" panose="020B0604020202020204" pitchFamily="34" charset="0"/>
+              <a:buFont typeface="Arial" panose="020B0604020202090204" pitchFamily="34" charset="0"/>
               <a:buChar char="●"/>
               <a:tabLst>
                 <a:tab pos="1609725" algn="l"/>
@@ -4258,7 +4258,7 @@
               <a:spcAft>
                 <a:spcPts val="600"/>
               </a:spcAft>
-              <a:buFont typeface="Arial" panose="020B0604020202020204" pitchFamily="34" charset="0"/>
+              <a:buFont typeface="Arial" panose="020B0604020202090204" pitchFamily="34" charset="0"/>
               <a:buChar char="●"/>
               <a:defRPr kumimoji="0" sz="1600" b="0" i="0" u="none" strike="noStrike" cap="none" spc="150" normalizeH="0" baseline="0">
                 <a:solidFill>
@@ -4300,7 +4300,7 @@
               <a:spcAft>
                 <a:spcPts val="300"/>
               </a:spcAft>
-              <a:buFont typeface="Arial" panose="020B0604020202020204" pitchFamily="34" charset="0"/>
+              <a:buFont typeface="Arial" panose="020B0604020202090204" pitchFamily="34" charset="0"/>
               <a:buChar char="•"/>
               <a:defRPr kumimoji="0" sz="1400" b="0" i="0" u="none" strike="noStrike" cap="none" spc="150" normalizeH="0" baseline="0">
                 <a:solidFill>
@@ -4318,7 +4318,7 @@
               <a:spcBef>
                 <a:spcPts val="500"/>
               </a:spcBef>
-              <a:buFont typeface="Arial" panose="020B0604020202020204" pitchFamily="34" charset="0"/>
+              <a:buFont typeface="Arial" panose="020B0604020202090204" pitchFamily="34" charset="0"/>
               <a:buNone/>
             </a:lvl6pPr>
             <a:lvl7pPr marL="2971800" indent="-228600">
@@ -4328,7 +4328,7 @@
               <a:spcBef>
                 <a:spcPts val="500"/>
               </a:spcBef>
-              <a:buFont typeface="Arial" panose="020B0604020202020204" pitchFamily="34" charset="0"/>
+              <a:buFont typeface="Arial" panose="020B0604020202090204" pitchFamily="34" charset="0"/>
               <a:buChar char="•"/>
             </a:lvl7pPr>
             <a:lvl8pPr marL="3429000" indent="-228600">
@@ -4338,7 +4338,7 @@
               <a:spcBef>
                 <a:spcPts val="500"/>
               </a:spcBef>
-              <a:buFont typeface="Arial" panose="020B0604020202020204" pitchFamily="34" charset="0"/>
+              <a:buFont typeface="Arial" panose="020B0604020202090204" pitchFamily="34" charset="0"/>
               <a:buChar char="•"/>
             </a:lvl8pPr>
             <a:lvl9pPr marL="3886200" indent="-228600">
@@ -4348,7 +4348,7 @@
               <a:spcBef>
                 <a:spcPts val="500"/>
               </a:spcBef>
-              <a:buFont typeface="Arial" panose="020B0604020202020204" pitchFamily="34" charset="0"/>
+              <a:buFont typeface="Arial" panose="020B0604020202090204" pitchFamily="34" charset="0"/>
               <a:buChar char="•"/>
             </a:lvl9pPr>
           </a:lstStyle>
@@ -4457,7 +4457,7 @@
               </a:spcAft>
               <a:buClrTx/>
               <a:buSzTx/>
-              <a:buFont typeface="Arial" panose="020B0604020202020204" pitchFamily="34" charset="0"/>
+              <a:buFont typeface="Arial" panose="020B0604020202090204" pitchFamily="34" charset="0"/>
               <a:buChar char="●"/>
               <a:defRPr kumimoji="0" lang="zh-CN" altLang="en-US" sz="1800" b="0" i="0" u="none" strike="noStrike" kern="1200" cap="none" spc="150" normalizeH="0" baseline="0" noProof="1" dirty="0">
                 <a:ln>
@@ -4484,7 +4484,7 @@
               <a:spcAft>
                 <a:spcPts val="600"/>
               </a:spcAft>
-              <a:buFont typeface="Arial" panose="020B0604020202020204" pitchFamily="34" charset="0"/>
+              <a:buFont typeface="Arial" panose="020B0604020202090204" pitchFamily="34" charset="0"/>
               <a:buChar char="●"/>
               <a:tabLst>
                 <a:tab pos="1609725" algn="l"/>
@@ -4508,7 +4508,7 @@
               <a:spcAft>
                 <a:spcPts val="600"/>
               </a:spcAft>
-              <a:buFont typeface="Arial" panose="020B0604020202020204" pitchFamily="34" charset="0"/>
+              <a:buFont typeface="Arial" panose="020B0604020202090204" pitchFamily="34" charset="0"/>
               <a:buChar char="●"/>
               <a:defRPr kumimoji="0" sz="1600" b="0" i="0" u="none" strike="noStrike" cap="none" spc="150" normalizeH="0" baseline="0">
                 <a:solidFill>
@@ -4550,7 +4550,7 @@
               <a:spcAft>
                 <a:spcPts val="300"/>
               </a:spcAft>
-              <a:buFont typeface="Arial" panose="020B0604020202020204" pitchFamily="34" charset="0"/>
+              <a:buFont typeface="Arial" panose="020B0604020202090204" pitchFamily="34" charset="0"/>
               <a:buChar char="•"/>
               <a:defRPr kumimoji="0" sz="1400" b="0" i="0" u="none" strike="noStrike" cap="none" spc="150" normalizeH="0" baseline="0">
                 <a:solidFill>
@@ -4568,7 +4568,7 @@
               <a:spcBef>
                 <a:spcPts val="500"/>
               </a:spcBef>
-              <a:buFont typeface="Arial" panose="020B0604020202020204" pitchFamily="34" charset="0"/>
+              <a:buFont typeface="Arial" panose="020B0604020202090204" pitchFamily="34" charset="0"/>
               <a:buNone/>
             </a:lvl6pPr>
             <a:lvl7pPr marL="2971800" indent="-228600">
@@ -4578,7 +4578,7 @@
               <a:spcBef>
                 <a:spcPts val="500"/>
               </a:spcBef>
-              <a:buFont typeface="Arial" panose="020B0604020202020204" pitchFamily="34" charset="0"/>
+              <a:buFont typeface="Arial" panose="020B0604020202090204" pitchFamily="34" charset="0"/>
               <a:buChar char="•"/>
             </a:lvl7pPr>
             <a:lvl8pPr marL="3429000" indent="-228600">
@@ -4588,7 +4588,7 @@
               <a:spcBef>
                 <a:spcPts val="500"/>
               </a:spcBef>
-              <a:buFont typeface="Arial" panose="020B0604020202020204" pitchFamily="34" charset="0"/>
+              <a:buFont typeface="Arial" panose="020B0604020202090204" pitchFamily="34" charset="0"/>
               <a:buChar char="•"/>
             </a:lvl8pPr>
             <a:lvl9pPr marL="3886200" indent="-228600">
@@ -4598,7 +4598,7 @@
               <a:spcBef>
                 <a:spcPts val="500"/>
               </a:spcBef>
-              <a:buFont typeface="Arial" panose="020B0604020202020204" pitchFamily="34" charset="0"/>
+              <a:buFont typeface="Arial" panose="020B0604020202090204" pitchFamily="34" charset="0"/>
               <a:buChar char="•"/>
             </a:lvl9pPr>
           </a:lstStyle>
@@ -4979,7 +4979,7 @@
               </a:spcAft>
               <a:buClrTx/>
               <a:buSzTx/>
-              <a:buFont typeface="Arial" panose="020B0604020202020204" pitchFamily="34" charset="0"/>
+              <a:buFont typeface="Arial" panose="020B0604020202090204" pitchFamily="34" charset="0"/>
               <a:buChar char="●"/>
               <a:defRPr kumimoji="0" lang="zh-CN" altLang="en-US" sz="1800" b="0" i="0" u="none" strike="noStrike" kern="1200" cap="none" spc="150" normalizeH="0" baseline="0" noProof="1" dirty="0">
                 <a:ln>
@@ -5006,7 +5006,7 @@
               <a:spcAft>
                 <a:spcPts val="600"/>
               </a:spcAft>
-              <a:buFont typeface="Arial" panose="020B0604020202020204" pitchFamily="34" charset="0"/>
+              <a:buFont typeface="Arial" panose="020B0604020202090204" pitchFamily="34" charset="0"/>
               <a:buChar char="●"/>
               <a:tabLst>
                 <a:tab pos="1609725" algn="l"/>
@@ -5030,7 +5030,7 @@
               <a:spcAft>
                 <a:spcPts val="600"/>
               </a:spcAft>
-              <a:buFont typeface="Arial" panose="020B0604020202020204" pitchFamily="34" charset="0"/>
+              <a:buFont typeface="Arial" panose="020B0604020202090204" pitchFamily="34" charset="0"/>
               <a:buChar char="●"/>
               <a:defRPr kumimoji="0" sz="1600" b="0" i="0" u="none" strike="noStrike" cap="none" spc="150" normalizeH="0" baseline="0">
                 <a:solidFill>
@@ -5072,7 +5072,7 @@
               <a:spcAft>
                 <a:spcPts val="300"/>
               </a:spcAft>
-              <a:buFont typeface="Arial" panose="020B0604020202020204" pitchFamily="34" charset="0"/>
+              <a:buFont typeface="Arial" panose="020B0604020202090204" pitchFamily="34" charset="0"/>
               <a:buChar char="•"/>
               <a:defRPr kumimoji="0" sz="1400" b="0" i="0" u="none" strike="noStrike" cap="none" spc="150" normalizeH="0" baseline="0">
                 <a:solidFill>
@@ -5090,7 +5090,7 @@
               <a:spcBef>
                 <a:spcPts val="500"/>
               </a:spcBef>
-              <a:buFont typeface="Arial" panose="020B0604020202020204" pitchFamily="34" charset="0"/>
+              <a:buFont typeface="Arial" panose="020B0604020202090204" pitchFamily="34" charset="0"/>
               <a:buNone/>
             </a:lvl6pPr>
             <a:lvl7pPr marL="2971800" indent="-228600">
@@ -5100,7 +5100,7 @@
               <a:spcBef>
                 <a:spcPts val="500"/>
               </a:spcBef>
-              <a:buFont typeface="Arial" panose="020B0604020202020204" pitchFamily="34" charset="0"/>
+              <a:buFont typeface="Arial" panose="020B0604020202090204" pitchFamily="34" charset="0"/>
               <a:buChar char="•"/>
             </a:lvl7pPr>
             <a:lvl8pPr marL="3429000" indent="-228600">
@@ -5110,7 +5110,7 @@
               <a:spcBef>
                 <a:spcPts val="500"/>
               </a:spcBef>
-              <a:buFont typeface="Arial" panose="020B0604020202020204" pitchFamily="34" charset="0"/>
+              <a:buFont typeface="Arial" panose="020B0604020202090204" pitchFamily="34" charset="0"/>
               <a:buChar char="•"/>
             </a:lvl8pPr>
             <a:lvl9pPr marL="3886200" indent="-228600">
@@ -5120,7 +5120,7 @@
               <a:spcBef>
                 <a:spcPts val="500"/>
               </a:spcBef>
-              <a:buFont typeface="Arial" panose="020B0604020202020204" pitchFamily="34" charset="0"/>
+              <a:buFont typeface="Arial" panose="020B0604020202090204" pitchFamily="34" charset="0"/>
               <a:buChar char="•"/>
             </a:lvl9pPr>
           </a:lstStyle>
@@ -5293,7 +5293,7 @@
               </a:spcAft>
               <a:buClrTx/>
               <a:buSzTx/>
-              <a:buFont typeface="Arial" panose="020B0604020202020204" pitchFamily="34" charset="0"/>
+              <a:buFont typeface="Arial" panose="020B0604020202090204" pitchFamily="34" charset="0"/>
               <a:buChar char="●"/>
               <a:defRPr kumimoji="0" lang="zh-CN" altLang="en-US" sz="1800" b="0" i="0" u="none" strike="noStrike" kern="1200" cap="none" spc="150" normalizeH="0" baseline="0" noProof="1" dirty="0">
                 <a:ln>
@@ -5320,7 +5320,7 @@
               <a:spcAft>
                 <a:spcPts val="600"/>
               </a:spcAft>
-              <a:buFont typeface="Arial" panose="020B0604020202020204" pitchFamily="34" charset="0"/>
+              <a:buFont typeface="Arial" panose="020B0604020202090204" pitchFamily="34" charset="0"/>
               <a:buChar char="●"/>
               <a:tabLst>
                 <a:tab pos="1609725" algn="l"/>
@@ -5344,7 +5344,7 @@
               <a:spcAft>
                 <a:spcPts val="600"/>
               </a:spcAft>
-              <a:buFont typeface="Arial" panose="020B0604020202020204" pitchFamily="34" charset="0"/>
+              <a:buFont typeface="Arial" panose="020B0604020202090204" pitchFamily="34" charset="0"/>
               <a:buChar char="●"/>
               <a:defRPr kumimoji="0" sz="1600" b="0" i="0" u="none" strike="noStrike" cap="none" spc="150" normalizeH="0" baseline="0">
                 <a:solidFill>
@@ -5386,7 +5386,7 @@
               <a:spcAft>
                 <a:spcPts val="300"/>
               </a:spcAft>
-              <a:buFont typeface="Arial" panose="020B0604020202020204" pitchFamily="34" charset="0"/>
+              <a:buFont typeface="Arial" panose="020B0604020202090204" pitchFamily="34" charset="0"/>
               <a:buChar char="•"/>
               <a:defRPr kumimoji="0" sz="1400" b="0" i="0" u="none" strike="noStrike" cap="none" spc="150" normalizeH="0" baseline="0">
                 <a:solidFill>
@@ -5404,7 +5404,7 @@
               <a:spcBef>
                 <a:spcPts val="500"/>
               </a:spcBef>
-              <a:buFont typeface="Arial" panose="020B0604020202020204" pitchFamily="34" charset="0"/>
+              <a:buFont typeface="Arial" panose="020B0604020202090204" pitchFamily="34" charset="0"/>
               <a:buNone/>
             </a:lvl6pPr>
             <a:lvl7pPr marL="2971800" indent="-228600">
@@ -5414,7 +5414,7 @@
               <a:spcBef>
                 <a:spcPts val="500"/>
               </a:spcBef>
-              <a:buFont typeface="Arial" panose="020B0604020202020204" pitchFamily="34" charset="0"/>
+              <a:buFont typeface="Arial" panose="020B0604020202090204" pitchFamily="34" charset="0"/>
               <a:buChar char="•"/>
             </a:lvl7pPr>
             <a:lvl8pPr marL="3429000" indent="-228600">
@@ -5424,7 +5424,7 @@
               <a:spcBef>
                 <a:spcPts val="500"/>
               </a:spcBef>
-              <a:buFont typeface="Arial" panose="020B0604020202020204" pitchFamily="34" charset="0"/>
+              <a:buFont typeface="Arial" panose="020B0604020202090204" pitchFamily="34" charset="0"/>
               <a:buChar char="•"/>
             </a:lvl8pPr>
             <a:lvl9pPr marL="3886200" indent="-228600">
@@ -5434,7 +5434,7 @@
               <a:spcBef>
                 <a:spcPts val="500"/>
               </a:spcBef>
-              <a:buFont typeface="Arial" panose="020B0604020202020204" pitchFamily="34" charset="0"/>
+              <a:buFont typeface="Arial" panose="020B0604020202090204" pitchFamily="34" charset="0"/>
               <a:buChar char="•"/>
             </a:lvl9pPr>
           </a:lstStyle>
@@ -6731,7 +6731,7 @@
               </a:spcAft>
               <a:buClrTx/>
               <a:buSzTx/>
-              <a:buFont typeface="Arial" panose="020B0604020202020204" pitchFamily="34" charset="0"/>
+              <a:buFont typeface="Arial" panose="020B0604020202090204" pitchFamily="34" charset="0"/>
               <a:buChar char="●"/>
               <a:defRPr kumimoji="0" lang="zh-CN" altLang="en-US" sz="1800" b="0" i="0" u="none" strike="noStrike" kern="1200" cap="none" spc="150" normalizeH="0" baseline="0" noProof="1" dirty="0">
                 <a:ln>
@@ -6758,7 +6758,7 @@
               <a:spcAft>
                 <a:spcPts val="600"/>
               </a:spcAft>
-              <a:buFont typeface="Arial" panose="020B0604020202020204" pitchFamily="34" charset="0"/>
+              <a:buFont typeface="Arial" panose="020B0604020202090204" pitchFamily="34" charset="0"/>
               <a:buChar char="●"/>
               <a:tabLst>
                 <a:tab pos="1609725" algn="l"/>
@@ -6782,7 +6782,7 @@
               <a:spcAft>
                 <a:spcPts val="600"/>
               </a:spcAft>
-              <a:buFont typeface="Arial" panose="020B0604020202020204" pitchFamily="34" charset="0"/>
+              <a:buFont typeface="Arial" panose="020B0604020202090204" pitchFamily="34" charset="0"/>
               <a:buChar char="●"/>
               <a:defRPr kumimoji="0" sz="1600" b="0" i="0" u="none" strike="noStrike" cap="none" spc="150" normalizeH="0" baseline="0">
                 <a:solidFill>
@@ -6824,7 +6824,7 @@
               <a:spcAft>
                 <a:spcPts val="300"/>
               </a:spcAft>
-              <a:buFont typeface="Arial" panose="020B0604020202020204" pitchFamily="34" charset="0"/>
+              <a:buFont typeface="Arial" panose="020B0604020202090204" pitchFamily="34" charset="0"/>
               <a:buChar char="•"/>
               <a:defRPr kumimoji="0" sz="1400" b="0" i="0" u="none" strike="noStrike" cap="none" spc="150" normalizeH="0" baseline="0">
                 <a:solidFill>
@@ -6842,7 +6842,7 @@
               <a:spcBef>
                 <a:spcPts val="500"/>
               </a:spcBef>
-              <a:buFont typeface="Arial" panose="020B0604020202020204" pitchFamily="34" charset="0"/>
+              <a:buFont typeface="Arial" panose="020B0604020202090204" pitchFamily="34" charset="0"/>
               <a:buNone/>
             </a:lvl6pPr>
             <a:lvl7pPr marL="2971800" indent="-228600">
@@ -6852,7 +6852,7 @@
               <a:spcBef>
                 <a:spcPts val="500"/>
               </a:spcBef>
-              <a:buFont typeface="Arial" panose="020B0604020202020204" pitchFamily="34" charset="0"/>
+              <a:buFont typeface="Arial" panose="020B0604020202090204" pitchFamily="34" charset="0"/>
               <a:buChar char="•"/>
             </a:lvl7pPr>
             <a:lvl8pPr marL="3429000" indent="-228600">
@@ -6862,7 +6862,7 @@
               <a:spcBef>
                 <a:spcPts val="500"/>
               </a:spcBef>
-              <a:buFont typeface="Arial" panose="020B0604020202020204" pitchFamily="34" charset="0"/>
+              <a:buFont typeface="Arial" panose="020B0604020202090204" pitchFamily="34" charset="0"/>
               <a:buChar char="•"/>
             </a:lvl8pPr>
             <a:lvl9pPr marL="3886200" indent="-228600">
@@ -6872,7 +6872,7 @@
               <a:spcBef>
                 <a:spcPts val="500"/>
               </a:spcBef>
-              <a:buFont typeface="Arial" panose="020B0604020202020204" pitchFamily="34" charset="0"/>
+              <a:buFont typeface="Arial" panose="020B0604020202090204" pitchFamily="34" charset="0"/>
               <a:buChar char="•"/>
             </a:lvl9pPr>
           </a:lstStyle>
@@ -15269,7 +15269,7 @@
         <a:spcAft>
           <a:spcPts val="1000"/>
         </a:spcAft>
-        <a:buFont typeface="Arial" panose="020B0604020202020204" pitchFamily="34" charset="0"/>
+        <a:buFont typeface="Arial" panose="020B0604020202090204" pitchFamily="34" charset="0"/>
         <a:buChar char="●"/>
         <a:defRPr sz="1800" u="none" strike="noStrike" kern="1200" cap="none" spc="150" normalizeH="0" baseline="0">
           <a:solidFill>
@@ -15294,7 +15294,7 @@
         <a:spcAft>
           <a:spcPts val="600"/>
         </a:spcAft>
-        <a:buFont typeface="Arial" panose="020B0604020202020204" pitchFamily="34" charset="0"/>
+        <a:buFont typeface="Arial" panose="020B0604020202090204" pitchFamily="34" charset="0"/>
         <a:buChar char="●"/>
         <a:tabLst>
           <a:tab pos="1609725" algn="l"/>
@@ -15325,7 +15325,7 @@
         <a:spcAft>
           <a:spcPts val="600"/>
         </a:spcAft>
-        <a:buFont typeface="Arial" panose="020B0604020202020204" pitchFamily="34" charset="0"/>
+        <a:buFont typeface="Arial" panose="020B0604020202090204" pitchFamily="34" charset="0"/>
         <a:buChar char="●"/>
         <a:defRPr sz="1600" u="none" strike="noStrike" kern="1200" cap="none" spc="150" normalizeH="0" baseline="0">
           <a:solidFill>
@@ -15375,7 +15375,7 @@
         <a:spcAft>
           <a:spcPts val="300"/>
         </a:spcAft>
-        <a:buFont typeface="Arial" panose="020B0604020202020204" pitchFamily="34" charset="0"/>
+        <a:buFont typeface="Arial" panose="020B0604020202090204" pitchFamily="34" charset="0"/>
         <a:buChar char="•"/>
         <a:defRPr sz="1400" u="none" strike="noStrike" kern="1200" cap="none" spc="150" normalizeH="0" baseline="0">
           <a:solidFill>
@@ -15397,7 +15397,7 @@
         <a:spcBef>
           <a:spcPts val="500"/>
         </a:spcBef>
-        <a:buFont typeface="Arial" panose="020B0604020202020204" pitchFamily="34" charset="0"/>
+        <a:buFont typeface="Arial" panose="020B0604020202090204" pitchFamily="34" charset="0"/>
         <a:buChar char="•"/>
         <a:defRPr sz="1800" kern="1200">
           <a:solidFill>
@@ -15415,7 +15415,7 @@
         <a:spcBef>
           <a:spcPts val="500"/>
         </a:spcBef>
-        <a:buFont typeface="Arial" panose="020B0604020202020204" pitchFamily="34" charset="0"/>
+        <a:buFont typeface="Arial" panose="020B0604020202090204" pitchFamily="34" charset="0"/>
         <a:buChar char="•"/>
         <a:defRPr sz="1800" kern="1200">
           <a:solidFill>
@@ -15433,7 +15433,7 @@
         <a:spcBef>
           <a:spcPts val="500"/>
         </a:spcBef>
-        <a:buFont typeface="Arial" panose="020B0604020202020204" pitchFamily="34" charset="0"/>
+        <a:buFont typeface="Arial" panose="020B0604020202090204" pitchFamily="34" charset="0"/>
         <a:buChar char="•"/>
         <a:defRPr sz="1800" kern="1200">
           <a:solidFill>
@@ -15451,7 +15451,7 @@
         <a:spcBef>
           <a:spcPts val="500"/>
         </a:spcBef>
-        <a:buFont typeface="Arial" panose="020B0604020202020204" pitchFamily="34" charset="0"/>
+        <a:buFont typeface="Arial" panose="020B0604020202090204" pitchFamily="34" charset="0"/>
         <a:buChar char="•"/>
         <a:defRPr sz="1800" kern="1200">
           <a:solidFill>
@@ -16207,7 +16207,7 @@
         <a:spcBef>
           <a:spcPts val="1000"/>
         </a:spcBef>
-        <a:buFont typeface="Arial" panose="020B0604020202020204" pitchFamily="34" charset="0"/>
+        <a:buFont typeface="Arial" panose="020B0604020202090204" pitchFamily="34" charset="0"/>
         <a:buChar char="•"/>
         <a:defRPr kumimoji="0" lang="zh-CN" altLang="en-US" sz="1800" b="0" i="0" u="none" strike="noStrike" kern="1200" cap="none" spc="150" normalizeH="0" baseline="0" dirty="0" smtClean="0">
           <a:ln>
@@ -16230,7 +16230,7 @@
         <a:spcBef>
           <a:spcPts val="500"/>
         </a:spcBef>
-        <a:buFont typeface="Arial" panose="020B0604020202020204" pitchFamily="34" charset="0"/>
+        <a:buFont typeface="Arial" panose="020B0604020202090204" pitchFamily="34" charset="0"/>
         <a:buChar char="•"/>
         <a:defRPr kumimoji="0" lang="zh-CN" altLang="en-US" sz="1600" b="0" i="0" u="none" strike="noStrike" kern="1200" cap="none" spc="150" normalizeH="0" baseline="0" dirty="0" smtClean="0">
           <a:solidFill>
@@ -16249,7 +16249,7 @@
         <a:spcBef>
           <a:spcPts val="500"/>
         </a:spcBef>
-        <a:buFont typeface="Arial" panose="020B0604020202020204" pitchFamily="34" charset="0"/>
+        <a:buFont typeface="Arial" panose="020B0604020202090204" pitchFamily="34" charset="0"/>
         <a:buChar char="•"/>
         <a:defRPr kumimoji="0" lang="zh-CN" altLang="en-US" sz="1600" b="0" i="0" u="none" strike="noStrike" kern="1200" cap="none" spc="150" normalizeH="0" baseline="0" dirty="0" smtClean="0">
           <a:solidFill>
@@ -16268,7 +16268,7 @@
         <a:spcBef>
           <a:spcPts val="500"/>
         </a:spcBef>
-        <a:buFont typeface="Arial" panose="020B0604020202020204" pitchFamily="34" charset="0"/>
+        <a:buFont typeface="Arial" panose="020B0604020202090204" pitchFamily="34" charset="0"/>
         <a:buChar char="•"/>
         <a:defRPr kumimoji="0" lang="zh-CN" altLang="en-US" sz="1400" b="0" i="0" u="none" strike="noStrike" kern="1200" cap="none" spc="150" normalizeH="0" baseline="0" dirty="0" smtClean="0">
           <a:solidFill>
@@ -16287,7 +16287,7 @@
         <a:spcBef>
           <a:spcPts val="500"/>
         </a:spcBef>
-        <a:buFont typeface="Arial" panose="020B0604020202020204" pitchFamily="34" charset="0"/>
+        <a:buFont typeface="Arial" panose="020B0604020202090204" pitchFamily="34" charset="0"/>
         <a:buChar char="•"/>
         <a:defRPr kumimoji="0" lang="zh-CN" altLang="en-US" sz="1400" b="0" i="0" u="none" strike="noStrike" kern="1200" cap="none" spc="150" normalizeH="0" baseline="0" dirty="0" smtClean="0">
           <a:solidFill>
@@ -16306,7 +16306,7 @@
         <a:spcBef>
           <a:spcPts val="500"/>
         </a:spcBef>
-        <a:buFont typeface="Arial" panose="020B0604020202020204" pitchFamily="34" charset="0"/>
+        <a:buFont typeface="Arial" panose="020B0604020202090204" pitchFamily="34" charset="0"/>
         <a:buChar char="•"/>
         <a:defRPr sz="1800" kern="1200">
           <a:solidFill>
@@ -16324,7 +16324,7 @@
         <a:spcBef>
           <a:spcPts val="500"/>
         </a:spcBef>
-        <a:buFont typeface="Arial" panose="020B0604020202020204" pitchFamily="34" charset="0"/>
+        <a:buFont typeface="Arial" panose="020B0604020202090204" pitchFamily="34" charset="0"/>
         <a:buChar char="•"/>
         <a:defRPr sz="1800" kern="1200">
           <a:solidFill>
@@ -16342,7 +16342,7 @@
         <a:spcBef>
           <a:spcPts val="500"/>
         </a:spcBef>
-        <a:buFont typeface="Arial" panose="020B0604020202020204" pitchFamily="34" charset="0"/>
+        <a:buFont typeface="Arial" panose="020B0604020202090204" pitchFamily="34" charset="0"/>
         <a:buChar char="•"/>
         <a:defRPr sz="1800" kern="1200">
           <a:solidFill>
@@ -16360,7 +16360,7 @@
         <a:spcBef>
           <a:spcPts val="500"/>
         </a:spcBef>
-        <a:buFont typeface="Arial" panose="020B0604020202020204" pitchFamily="34" charset="0"/>
+        <a:buFont typeface="Arial" panose="020B0604020202090204" pitchFamily="34" charset="0"/>
         <a:buChar char="•"/>
         <a:defRPr sz="1800" kern="1200">
           <a:solidFill>
@@ -16607,13 +16607,13 @@
             </a:r>
             <a:r>
               <a:rPr>
-                <a:ea typeface="宋体" panose="02010600030101010101" pitchFamily="2" charset="-122"/>
+                <a:ea typeface="宋体" pitchFamily="2" charset="-122"/>
               </a:rPr>
               <a:t>和</a:t>
             </a:r>
             <a:r>
               <a:rPr lang="en-US" altLang="zh-CN">
-                <a:ea typeface="宋体" panose="02010600030101010101" pitchFamily="2" charset="-122"/>
+                <a:ea typeface="宋体" pitchFamily="2" charset="-122"/>
               </a:rPr>
               <a:t> chat</a:t>
             </a:r>
@@ -17550,12 +17550,12 @@
             </a:r>
             <a:r>
               <a:rPr>
-                <a:ea typeface="宋体" panose="02010600030101010101" pitchFamily="2" charset="-122"/>
+                <a:ea typeface="宋体" pitchFamily="2" charset="-122"/>
               </a:rPr>
               <a:t>（上下文选项）</a:t>
             </a:r>
             <a:endParaRPr>
-              <a:ea typeface="宋体" panose="02010600030101010101" pitchFamily="2" charset="-122"/>
+              <a:ea typeface="宋体" pitchFamily="2" charset="-122"/>
             </a:endParaRPr>
           </a:p>
         </p:txBody>
@@ -18488,12 +18488,12 @@
           <a:p>
             <a:r>
               <a:rPr>
-                <a:ea typeface="宋体" panose="02010600030101010101" pitchFamily="2" charset="-122"/>
+                <a:ea typeface="宋体" pitchFamily="2" charset="-122"/>
               </a:rPr>
               <a:t>使用结论</a:t>
             </a:r>
             <a:endParaRPr>
-              <a:ea typeface="宋体" panose="02010600030101010101" pitchFamily="2" charset="-122"/>
+              <a:ea typeface="宋体" pitchFamily="2" charset="-122"/>
             </a:endParaRPr>
           </a:p>
         </p:txBody>
@@ -23739,24 +23739,24 @@
             </a:r>
             <a:r>
               <a:rPr>
-                <a:ea typeface="宋体" panose="02010600030101010101" pitchFamily="2" charset="-122"/>
+                <a:ea typeface="宋体" pitchFamily="2" charset="-122"/>
               </a:rPr>
               <a:t>、利用独立</a:t>
             </a:r>
             <a:r>
               <a:rPr lang="en-US" altLang="zh-CN">
-                <a:ea typeface="宋体" panose="02010600030101010101" pitchFamily="2" charset="-122"/>
+                <a:ea typeface="宋体" pitchFamily="2" charset="-122"/>
               </a:rPr>
               <a:t> AI </a:t>
             </a:r>
             <a:r>
               <a:rPr>
-                <a:ea typeface="宋体" panose="02010600030101010101" pitchFamily="2" charset="-122"/>
+                <a:ea typeface="宋体" pitchFamily="2" charset="-122"/>
               </a:rPr>
               <a:t>工具</a:t>
             </a:r>
             <a:endParaRPr>
-              <a:ea typeface="宋体" panose="02010600030101010101" pitchFamily="2" charset="-122"/>
+              <a:ea typeface="宋体" pitchFamily="2" charset="-122"/>
             </a:endParaRPr>
           </a:p>
         </p:txBody>
@@ -24438,42 +24438,42 @@
           <a:p>
             <a:r>
               <a:rPr lang="en-US" altLang="zh-CN">
-                <a:ea typeface="宋体" panose="02010600030101010101" pitchFamily="2" charset="-122"/>
+                <a:ea typeface="宋体" pitchFamily="2" charset="-122"/>
               </a:rPr>
               <a:t>2</a:t>
             </a:r>
             <a:r>
               <a:rPr>
-                <a:ea typeface="宋体" panose="02010600030101010101" pitchFamily="2" charset="-122"/>
+                <a:ea typeface="宋体" pitchFamily="2" charset="-122"/>
               </a:rPr>
               <a:t>、</a:t>
             </a:r>
             <a:r>
               <a:rPr lang="en-US" altLang="zh-CN">
-                <a:ea typeface="宋体" panose="02010600030101010101" pitchFamily="2" charset="-122"/>
+                <a:ea typeface="宋体" pitchFamily="2" charset="-122"/>
               </a:rPr>
               <a:t>IDE </a:t>
             </a:r>
             <a:r>
               <a:rPr>
-                <a:ea typeface="宋体" panose="02010600030101010101" pitchFamily="2" charset="-122"/>
+                <a:ea typeface="宋体" pitchFamily="2" charset="-122"/>
               </a:rPr>
               <a:t>集成</a:t>
             </a:r>
             <a:r>
               <a:rPr lang="en-US" altLang="zh-CN">
-                <a:ea typeface="宋体" panose="02010600030101010101" pitchFamily="2" charset="-122"/>
+                <a:ea typeface="宋体" pitchFamily="2" charset="-122"/>
               </a:rPr>
               <a:t> AI </a:t>
             </a:r>
             <a:r>
               <a:rPr>
-                <a:ea typeface="宋体" panose="02010600030101010101" pitchFamily="2" charset="-122"/>
+                <a:ea typeface="宋体" pitchFamily="2" charset="-122"/>
               </a:rPr>
               <a:t>插件</a:t>
             </a:r>
             <a:endParaRPr>
-              <a:ea typeface="宋体" panose="02010600030101010101" pitchFamily="2" charset="-122"/>
+              <a:ea typeface="宋体" pitchFamily="2" charset="-122"/>
             </a:endParaRPr>
           </a:p>
         </p:txBody>
@@ -24620,10 +24620,7 @@
                   <a:prstDash val="sysDot"/>
                 </a:ln>
                 <a:solidFill>
-                  <a:schemeClr val="tx1">
-                    <a:lumMod val="85000"/>
-                    <a:lumOff val="15000"/>
-                  </a:schemeClr>
+                  <a:srgbClr val="FF0000"/>
                 </a:solidFill>
                 <a:latin typeface="+mn-ea"/>
                 <a:cs typeface="+mn-ea"/>
@@ -24984,16 +24981,28 @@
                   <a:prstDash val="sysDot"/>
                 </a:ln>
                 <a:solidFill>
-                  <a:schemeClr val="tx1">
-                    <a:lumMod val="85000"/>
-                    <a:lumOff val="15000"/>
-                  </a:schemeClr>
+                  <a:srgbClr val="FF0000"/>
                 </a:solidFill>
                 <a:latin typeface="+mn-ea"/>
                 <a:cs typeface="+mn-ea"/>
                 <a:sym typeface="+mn-ea"/>
               </a:rPr>
               <a:t>Claude code</a:t>
+            </a:r>
+            <a:r>
+              <a:rPr lang="zh-CN" altLang="en-US" sz="2400" dirty="0">
+                <a:ln>
+                  <a:noFill/>
+                  <a:prstDash val="sysDot"/>
+                </a:ln>
+                <a:solidFill>
+                  <a:srgbClr val="FF0000"/>
+                </a:solidFill>
+                <a:latin typeface="+mn-ea"/>
+                <a:cs typeface="+mn-ea"/>
+                <a:sym typeface="+mn-ea"/>
+              </a:rPr>
+              <a:t>（贵）</a:t>
             </a:r>
             <a:br>
               <a:rPr lang="en-US" altLang="zh-CN" sz="2400" dirty="0">
@@ -25055,10 +25064,7 @@
                   <a:prstDash val="sysDot"/>
                 </a:ln>
                 <a:solidFill>
-                  <a:schemeClr val="tx1">
-                    <a:lumMod val="85000"/>
-                    <a:lumOff val="15000"/>
-                  </a:schemeClr>
+                  <a:srgbClr val="FF0000"/>
                 </a:solidFill>
                 <a:latin typeface="+mn-ea"/>
                 <a:cs typeface="+mn-ea"/>
@@ -25073,10 +25079,7 @@
                   <a:prstDash val="sysDot"/>
                 </a:ln>
                 <a:solidFill>
-                  <a:schemeClr val="tx1">
-                    <a:lumMod val="85000"/>
-                    <a:lumOff val="15000"/>
-                  </a:schemeClr>
+                  <a:srgbClr val="FF0000"/>
                 </a:solidFill>
                 <a:latin typeface="+mn-ea"/>
                 <a:cs typeface="+mn-ea"/>
@@ -25362,7 +25365,7 @@
             </a:r>
             <a:r>
               <a:rPr>
-                <a:ea typeface="宋体" panose="02010600030101010101" pitchFamily="2" charset="-122"/>
+                <a:ea typeface="宋体" pitchFamily="2" charset="-122"/>
               </a:rPr>
               <a:t>核心能力探索</a:t>
             </a:r>
@@ -25710,12 +25713,12 @@
             </a:r>
             <a:r>
               <a:rPr dirty="0">
-                <a:ea typeface="宋体" panose="02010600030101010101" pitchFamily="2" charset="-122"/>
+                <a:ea typeface="宋体" pitchFamily="2" charset="-122"/>
               </a:rPr>
               <a:t>能力特点</a:t>
             </a:r>
             <a:endParaRPr dirty="0">
-              <a:ea typeface="宋体" panose="02010600030101010101" pitchFamily="2" charset="-122"/>
+              <a:ea typeface="宋体" pitchFamily="2" charset="-122"/>
             </a:endParaRPr>
           </a:p>
         </p:txBody>

--- a/分享/aiCode/ppt/AI编程.pptx
+++ b/分享/aiCode/ppt/AI编程.pptx
@@ -18566,7 +18566,24 @@
                 <a:latin typeface="+mn-ea"/>
                 <a:cs typeface="+mn-ea"/>
               </a:rPr>
-              <a:t>、精确；</a:t>
+              <a:t>、精确</a:t>
+            </a:r>
+            <a:r>
+              <a:rPr lang="zh-CN" altLang="en-US">
+                <a:ln>
+                  <a:noFill/>
+                  <a:prstDash val="sysDot"/>
+                </a:ln>
+                <a:solidFill>
+                  <a:schemeClr val="tx1">
+                    <a:lumMod val="85000"/>
+                    <a:lumOff val="15000"/>
+                  </a:schemeClr>
+                </a:solidFill>
+                <a:latin typeface="+mn-ea"/>
+                <a:cs typeface="+mn-ea"/>
+              </a:rPr>
+              <a:t>度；</a:t>
             </a:r>
             <a:endParaRPr lang="zh-CN" altLang="en-US">
               <a:ln>
@@ -21466,18 +21483,6 @@
             <a:normAutofit/>
           </a:bodyPr>
           <a:lstStyle/>
-          <a:p>
-            <a:pPr algn="l"/>
-            <a:endParaRPr lang="en-US" altLang="zh-CN" sz="2800" dirty="0">
-              <a:solidFill>
-                <a:srgbClr val="FFFFFF"/>
-              </a:solidFill>
-              <a:latin typeface="+mj-ea"/>
-              <a:ea typeface="+mj-ea"/>
-              <a:cs typeface="MiSans" panose="00000500000000000000" charset="-122"/>
-              <a:sym typeface="+mn-ea"/>
-            </a:endParaRPr>
-          </a:p>
           <a:p>
             <a:pPr algn="l"/>
             <a:r>
@@ -23139,7 +23144,7 @@
             <a:r>
               <a:rPr lang="zh-CN" altLang="en-US" sz="3600" b="1">
                 <a:solidFill>
-                  <a:schemeClr val="accent1"/>
+                  <a:srgbClr val="00B050"/>
                 </a:solidFill>
                 <a:latin typeface="+mn-ea"/>
                 <a:cs typeface="+mn-ea"/>
@@ -23148,7 +23153,7 @@
             </a:r>
             <a:endParaRPr lang="zh-CN" altLang="en-US" sz="3600" b="1">
               <a:solidFill>
-                <a:schemeClr val="accent1"/>
+                <a:srgbClr val="00B050"/>
               </a:solidFill>
               <a:latin typeface="+mn-ea"/>
               <a:cs typeface="+mn-ea"/>
@@ -23388,7 +23393,7 @@
             <a:r>
               <a:rPr lang="zh-CN" altLang="en-US" sz="3600" b="1">
                 <a:solidFill>
-                  <a:schemeClr val="accent1"/>
+                  <a:srgbClr val="FFC000"/>
                 </a:solidFill>
                 <a:latin typeface="+mn-ea"/>
                 <a:cs typeface="+mn-ea"/>
@@ -23397,7 +23402,7 @@
             </a:r>
             <a:endParaRPr lang="zh-CN" altLang="en-US" sz="3600" b="1">
               <a:solidFill>
-                <a:schemeClr val="accent1"/>
+                <a:srgbClr val="FFC000"/>
               </a:solidFill>
               <a:latin typeface="+mn-ea"/>
               <a:cs typeface="+mn-ea"/>
@@ -23559,7 +23564,7 @@
             <a:r>
               <a:rPr lang="zh-CN" altLang="en-US" sz="3600" b="1">
                 <a:solidFill>
-                  <a:schemeClr val="accent1"/>
+                  <a:srgbClr val="00B050"/>
                 </a:solidFill>
                 <a:latin typeface="+mn-ea"/>
                 <a:cs typeface="+mn-ea"/>
@@ -23568,7 +23573,7 @@
             </a:r>
             <a:endParaRPr lang="zh-CN" altLang="en-US" sz="3600" b="1">
               <a:solidFill>
-                <a:schemeClr val="accent1"/>
+                <a:srgbClr val="00B050"/>
               </a:solidFill>
               <a:latin typeface="+mn-ea"/>
               <a:cs typeface="+mn-ea"/>
